--- a/EET. Presentation & Summary/회로설계.pptx
+++ b/EET. Presentation & Summary/회로설계.pptx
@@ -8,29 +8,31 @@
     <p:sldId id="256" r:id="rId2"/>
     <p:sldId id="257" r:id="rId3"/>
     <p:sldId id="258" r:id="rId4"/>
-    <p:sldId id="261" r:id="rId5"/>
-    <p:sldId id="259" r:id="rId6"/>
-    <p:sldId id="262" r:id="rId7"/>
-    <p:sldId id="267" r:id="rId8"/>
-    <p:sldId id="264" r:id="rId9"/>
-    <p:sldId id="265" r:id="rId10"/>
-    <p:sldId id="266" r:id="rId11"/>
-    <p:sldId id="268" r:id="rId12"/>
-    <p:sldId id="260" r:id="rId13"/>
-    <p:sldId id="269" r:id="rId14"/>
-    <p:sldId id="270" r:id="rId15"/>
-    <p:sldId id="272" r:id="rId16"/>
-    <p:sldId id="271" r:id="rId17"/>
-    <p:sldId id="273" r:id="rId18"/>
-    <p:sldId id="274" r:id="rId19"/>
-    <p:sldId id="275" r:id="rId20"/>
-    <p:sldId id="276" r:id="rId21"/>
-    <p:sldId id="278" r:id="rId22"/>
-    <p:sldId id="279" r:id="rId23"/>
-    <p:sldId id="277" r:id="rId24"/>
-    <p:sldId id="280" r:id="rId25"/>
-    <p:sldId id="281" r:id="rId26"/>
-    <p:sldId id="282" r:id="rId27"/>
+    <p:sldId id="283" r:id="rId5"/>
+    <p:sldId id="284" r:id="rId6"/>
+    <p:sldId id="261" r:id="rId7"/>
+    <p:sldId id="259" r:id="rId8"/>
+    <p:sldId id="262" r:id="rId9"/>
+    <p:sldId id="267" r:id="rId10"/>
+    <p:sldId id="264" r:id="rId11"/>
+    <p:sldId id="265" r:id="rId12"/>
+    <p:sldId id="266" r:id="rId13"/>
+    <p:sldId id="268" r:id="rId14"/>
+    <p:sldId id="260" r:id="rId15"/>
+    <p:sldId id="269" r:id="rId16"/>
+    <p:sldId id="270" r:id="rId17"/>
+    <p:sldId id="272" r:id="rId18"/>
+    <p:sldId id="271" r:id="rId19"/>
+    <p:sldId id="273" r:id="rId20"/>
+    <p:sldId id="274" r:id="rId21"/>
+    <p:sldId id="275" r:id="rId22"/>
+    <p:sldId id="276" r:id="rId23"/>
+    <p:sldId id="278" r:id="rId24"/>
+    <p:sldId id="279" r:id="rId25"/>
+    <p:sldId id="277" r:id="rId26"/>
+    <p:sldId id="280" r:id="rId27"/>
+    <p:sldId id="281" r:id="rId28"/>
+    <p:sldId id="282" r:id="rId29"/>
   </p:sldIdLst>
   <p:sldSz cx="9144000" cy="6858000" type="screen4x3"/>
   <p:notesSz cx="6858000" cy="9144000"/>
@@ -757,7 +759,8 @@
           <a:p>
             <a:fld id="{F7C948D5-6B4E-498C-BC90-F673B6FC60CD}" type="datetimeFigureOut">
               <a:rPr lang="ko-KR" altLang="en-US" smtClean="0"/>
-              <a:t>2015-11-24</a:t>
+              <a:pPr/>
+              <a:t>2015-11-26</a:t>
             </a:fld>
             <a:endParaRPr lang="ko-KR" altLang="en-US"/>
           </a:p>
@@ -819,6 +822,7 @@
           <a:p>
             <a:fld id="{ADA2D69B-BAD2-46FA-8288-72D95ECCDA1D}" type="slidenum">
               <a:rPr lang="ko-KR" altLang="en-US" smtClean="0"/>
+              <a:pPr/>
               <a:t>‹#›</a:t>
             </a:fld>
             <a:endParaRPr lang="ko-KR" altLang="en-US"/>
@@ -977,7 +981,8 @@
           <a:p>
             <a:fld id="{F7C948D5-6B4E-498C-BC90-F673B6FC60CD}" type="datetimeFigureOut">
               <a:rPr lang="ko-KR" altLang="en-US" smtClean="0"/>
-              <a:t>2015-11-24</a:t>
+              <a:pPr/>
+              <a:t>2015-11-26</a:t>
             </a:fld>
             <a:endParaRPr lang="ko-KR" altLang="en-US"/>
           </a:p>
@@ -1023,6 +1028,7 @@
           <a:p>
             <a:fld id="{ADA2D69B-BAD2-46FA-8288-72D95ECCDA1D}" type="slidenum">
               <a:rPr lang="ko-KR" altLang="en-US" smtClean="0"/>
+              <a:pPr/>
               <a:t>‹#›</a:t>
             </a:fld>
             <a:endParaRPr lang="ko-KR" altLang="en-US"/>
@@ -1162,7 +1168,8 @@
           <a:p>
             <a:fld id="{F7C948D5-6B4E-498C-BC90-F673B6FC60CD}" type="datetimeFigureOut">
               <a:rPr lang="ko-KR" altLang="en-US" smtClean="0"/>
-              <a:t>2015-11-24</a:t>
+              <a:pPr/>
+              <a:t>2015-11-26</a:t>
             </a:fld>
             <a:endParaRPr lang="ko-KR" altLang="en-US"/>
           </a:p>
@@ -1208,6 +1215,7 @@
           <a:p>
             <a:fld id="{ADA2D69B-BAD2-46FA-8288-72D95ECCDA1D}" type="slidenum">
               <a:rPr lang="ko-KR" altLang="en-US" smtClean="0"/>
+              <a:pPr/>
               <a:t>‹#›</a:t>
             </a:fld>
             <a:endParaRPr lang="ko-KR" altLang="en-US"/>
@@ -1312,7 +1320,8 @@
           <a:p>
             <a:fld id="{F7C948D5-6B4E-498C-BC90-F673B6FC60CD}" type="datetimeFigureOut">
               <a:rPr lang="ko-KR" altLang="en-US" smtClean="0"/>
-              <a:t>2015-11-24</a:t>
+              <a:pPr/>
+              <a:t>2015-11-26</a:t>
             </a:fld>
             <a:endParaRPr lang="ko-KR" altLang="en-US"/>
           </a:p>
@@ -1358,6 +1367,7 @@
           <a:p>
             <a:fld id="{ADA2D69B-BAD2-46FA-8288-72D95ECCDA1D}" type="slidenum">
               <a:rPr lang="ko-KR" altLang="en-US" smtClean="0"/>
+              <a:pPr/>
               <a:t>‹#›</a:t>
             </a:fld>
             <a:endParaRPr lang="ko-KR" altLang="en-US"/>
@@ -1567,7 +1577,8 @@
           <a:p>
             <a:fld id="{F7C948D5-6B4E-498C-BC90-F673B6FC60CD}" type="datetimeFigureOut">
               <a:rPr lang="ko-KR" altLang="en-US" smtClean="0"/>
-              <a:t>2015-11-24</a:t>
+              <a:pPr/>
+              <a:t>2015-11-26</a:t>
             </a:fld>
             <a:endParaRPr lang="ko-KR" altLang="en-US"/>
           </a:p>
@@ -1613,6 +1624,7 @@
           <a:p>
             <a:fld id="{ADA2D69B-BAD2-46FA-8288-72D95ECCDA1D}" type="slidenum">
               <a:rPr lang="ko-KR" altLang="en-US" smtClean="0"/>
+              <a:pPr/>
               <a:t>‹#›</a:t>
             </a:fld>
             <a:endParaRPr lang="ko-KR" altLang="en-US"/>
@@ -1976,7 +1988,8 @@
           <a:p>
             <a:fld id="{F7C948D5-6B4E-498C-BC90-F673B6FC60CD}" type="datetimeFigureOut">
               <a:rPr lang="ko-KR" altLang="en-US" smtClean="0"/>
-              <a:t>2015-11-24</a:t>
+              <a:pPr/>
+              <a:t>2015-11-26</a:t>
             </a:fld>
             <a:endParaRPr lang="ko-KR" altLang="en-US"/>
           </a:p>
@@ -2022,6 +2035,7 @@
           <a:p>
             <a:fld id="{ADA2D69B-BAD2-46FA-8288-72D95ECCDA1D}" type="slidenum">
               <a:rPr lang="ko-KR" altLang="en-US" smtClean="0"/>
+              <a:pPr/>
               <a:t>‹#›</a:t>
             </a:fld>
             <a:endParaRPr lang="ko-KR" altLang="en-US"/>
@@ -2422,7 +2436,8 @@
           <a:p>
             <a:fld id="{F7C948D5-6B4E-498C-BC90-F673B6FC60CD}" type="datetimeFigureOut">
               <a:rPr lang="ko-KR" altLang="en-US" smtClean="0"/>
-              <a:t>2015-11-24</a:t>
+              <a:pPr/>
+              <a:t>2015-11-26</a:t>
             </a:fld>
             <a:endParaRPr lang="ko-KR" altLang="en-US"/>
           </a:p>
@@ -2468,6 +2483,7 @@
           <a:p>
             <a:fld id="{ADA2D69B-BAD2-46FA-8288-72D95ECCDA1D}" type="slidenum">
               <a:rPr lang="ko-KR" altLang="en-US" smtClean="0"/>
+              <a:pPr/>
               <a:t>‹#›</a:t>
             </a:fld>
             <a:endParaRPr lang="ko-KR" altLang="en-US"/>
@@ -2547,7 +2563,8 @@
           <a:p>
             <a:fld id="{F7C948D5-6B4E-498C-BC90-F673B6FC60CD}" type="datetimeFigureOut">
               <a:rPr lang="ko-KR" altLang="en-US" smtClean="0"/>
-              <a:t>2015-11-24</a:t>
+              <a:pPr/>
+              <a:t>2015-11-26</a:t>
             </a:fld>
             <a:endParaRPr lang="ko-KR" altLang="en-US"/>
           </a:p>
@@ -2593,6 +2610,7 @@
           <a:p>
             <a:fld id="{ADA2D69B-BAD2-46FA-8288-72D95ECCDA1D}" type="slidenum">
               <a:rPr lang="ko-KR" altLang="en-US" smtClean="0"/>
+              <a:pPr/>
               <a:t>‹#›</a:t>
             </a:fld>
             <a:endParaRPr lang="ko-KR" altLang="en-US"/>
@@ -2668,7 +2686,8 @@
           <a:p>
             <a:fld id="{F7C948D5-6B4E-498C-BC90-F673B6FC60CD}" type="datetimeFigureOut">
               <a:rPr lang="ko-KR" altLang="en-US" smtClean="0"/>
-              <a:t>2015-11-24</a:t>
+              <a:pPr/>
+              <a:t>2015-11-26</a:t>
             </a:fld>
             <a:endParaRPr lang="ko-KR" altLang="en-US"/>
           </a:p>
@@ -2714,6 +2733,7 @@
           <a:p>
             <a:fld id="{ADA2D69B-BAD2-46FA-8288-72D95ECCDA1D}" type="slidenum">
               <a:rPr lang="ko-KR" altLang="en-US" smtClean="0"/>
+              <a:pPr/>
               <a:t>‹#›</a:t>
             </a:fld>
             <a:endParaRPr lang="ko-KR" altLang="en-US"/>
@@ -2942,7 +2962,8 @@
           <a:p>
             <a:fld id="{F7C948D5-6B4E-498C-BC90-F673B6FC60CD}" type="datetimeFigureOut">
               <a:rPr lang="ko-KR" altLang="en-US" smtClean="0"/>
-              <a:t>2015-11-24</a:t>
+              <a:pPr/>
+              <a:t>2015-11-26</a:t>
             </a:fld>
             <a:endParaRPr lang="ko-KR" altLang="en-US"/>
           </a:p>
@@ -2988,6 +3009,7 @@
           <a:p>
             <a:fld id="{ADA2D69B-BAD2-46FA-8288-72D95ECCDA1D}" type="slidenum">
               <a:rPr lang="ko-KR" altLang="en-US" smtClean="0"/>
+              <a:pPr/>
               <a:t>‹#›</a:t>
             </a:fld>
             <a:endParaRPr lang="ko-KR" altLang="en-US"/>
@@ -3171,7 +3193,8 @@
           <a:p>
             <a:fld id="{F7C948D5-6B4E-498C-BC90-F673B6FC60CD}" type="datetimeFigureOut">
               <a:rPr lang="ko-KR" altLang="en-US" smtClean="0"/>
-              <a:t>2015-11-24</a:t>
+              <a:pPr/>
+              <a:t>2015-11-26</a:t>
             </a:fld>
             <a:endParaRPr lang="ko-KR" altLang="en-US"/>
           </a:p>
@@ -3236,6 +3259,7 @@
           <a:p>
             <a:fld id="{ADA2D69B-BAD2-46FA-8288-72D95ECCDA1D}" type="slidenum">
               <a:rPr lang="ko-KR" altLang="en-US" smtClean="0"/>
+              <a:pPr/>
               <a:t>‹#›</a:t>
             </a:fld>
             <a:endParaRPr lang="ko-KR" altLang="en-US"/>
@@ -4280,7 +4304,8 @@
           <a:p>
             <a:fld id="{F7C948D5-6B4E-498C-BC90-F673B6FC60CD}" type="datetimeFigureOut">
               <a:rPr lang="ko-KR" altLang="en-US" smtClean="0"/>
-              <a:t>2015-11-24</a:t>
+              <a:pPr/>
+              <a:t>2015-11-26</a:t>
             </a:fld>
             <a:endParaRPr lang="ko-KR" altLang="en-US"/>
           </a:p>
@@ -4356,6 +4381,7 @@
           <a:p>
             <a:fld id="{ADA2D69B-BAD2-46FA-8288-72D95ECCDA1D}" type="slidenum">
               <a:rPr lang="ko-KR" altLang="en-US" smtClean="0"/>
+              <a:pPr/>
               <a:t>‹#›</a:t>
             </a:fld>
             <a:endParaRPr lang="ko-KR" altLang="en-US"/>
@@ -4728,11 +4754,7 @@
           <a:p>
             <a:r>
               <a:rPr lang="ko-KR" altLang="en-US" dirty="0" smtClean="0"/>
-              <a:t>회로설</a:t>
-            </a:r>
-            <a:r>
-              <a:rPr lang="ko-KR" altLang="en-US" dirty="0" smtClean="0"/>
-              <a:t>계</a:t>
+              <a:t>회로설계</a:t>
             </a:r>
             <a:endParaRPr lang="ko-KR" altLang="en-US" dirty="0"/>
           </a:p>
@@ -4837,247 +4859,102 @@
         </p:spPr>
         <p:txBody>
           <a:bodyPr>
-            <a:normAutofit lnSpcReduction="10000"/>
+            <a:normAutofit/>
           </a:bodyPr>
           <a:lstStyle/>
           <a:p>
             <a:r>
               <a:rPr lang="ko-KR" altLang="en-US" dirty="0" smtClean="0"/>
-              <a:t>큰 </a:t>
-            </a:r>
-            <a:r>
-              <a:rPr lang="ko-KR" altLang="en-US" dirty="0" smtClean="0"/>
-              <a:t>부하 제어</a:t>
+              <a:t>큰 부하 제어</a:t>
             </a:r>
             <a:endParaRPr lang="en-US" altLang="ko-KR" dirty="0" smtClean="0"/>
           </a:p>
           <a:p>
             <a:pPr lvl="1"/>
             <a:r>
-              <a:rPr lang="en-US" altLang="ko-KR" sz="2000" dirty="0" smtClean="0"/>
-              <a:t>R1</a:t>
-            </a:r>
-            <a:r>
-              <a:rPr lang="ko-KR" altLang="en-US" sz="2000" dirty="0" smtClean="0"/>
-              <a:t>과 </a:t>
-            </a:r>
-            <a:r>
-              <a:rPr lang="en-US" altLang="ko-KR" sz="2000" dirty="0" smtClean="0"/>
-              <a:t>R2</a:t>
-            </a:r>
-            <a:r>
-              <a:rPr lang="ko-KR" altLang="en-US" sz="2000" dirty="0" smtClean="0"/>
-              <a:t>의 저항치 결정은 트랜지스터가 </a:t>
-            </a:r>
-            <a:r>
-              <a:rPr lang="en-US" altLang="ko-KR" sz="2000" dirty="0" smtClean="0"/>
-              <a:t>On</a:t>
+              <a:rPr lang="ko-KR" altLang="en-US" sz="2000" dirty="0" smtClean="0"/>
+              <a:t>트랜지스터의 선정은 드라이브하는 전압과 전류를 고려하여 선정하며 전류 </a:t>
             </a:r>
             <a:r>
               <a:rPr lang="ko-KR" altLang="en-US" sz="2000" dirty="0" err="1" smtClean="0"/>
-              <a:t>되었을때</a:t>
-            </a:r>
-            <a:r>
-              <a:rPr lang="ko-KR" altLang="en-US" sz="2000" dirty="0" smtClean="0"/>
-              <a:t> 베이스 전류（</a:t>
+              <a:t>증폭율이나</a:t>
+            </a:r>
+            <a:r>
+              <a:rPr lang="ko-KR" altLang="en-US" sz="2000" dirty="0" smtClean="0"/>
+              <a:t> 주파수 특성은 생각할 필요가 없습니다</a:t>
+            </a:r>
+            <a:r>
+              <a:rPr lang="en-US" altLang="ko-KR" sz="2000" dirty="0" smtClean="0"/>
+              <a:t>.</a:t>
+            </a:r>
+          </a:p>
+          <a:p>
+            <a:pPr lvl="1"/>
+            <a:r>
+              <a:rPr lang="ko-KR" altLang="en-US" sz="2000" dirty="0" smtClean="0"/>
+              <a:t>동작 원리는 </a:t>
+            </a:r>
+            <a:r>
+              <a:rPr lang="en-US" altLang="ko-KR" sz="2000" dirty="0" smtClean="0"/>
+              <a:t>(a)</a:t>
+            </a:r>
+            <a:r>
+              <a:rPr lang="ko-KR" altLang="en-US" sz="2000" dirty="0" smtClean="0"/>
+              <a:t>의 경우 디지탈 </a:t>
+            </a:r>
+            <a:r>
+              <a:rPr lang="en-US" altLang="ko-KR" sz="2000" dirty="0" smtClean="0"/>
+              <a:t>IC</a:t>
+            </a:r>
+            <a:r>
+              <a:rPr lang="ko-KR" altLang="en-US" sz="2000" dirty="0" smtClean="0"/>
+              <a:t>의 출력이 </a:t>
+            </a:r>
+            <a:r>
+              <a:rPr lang="en-US" altLang="ko-KR" sz="2000" dirty="0" smtClean="0"/>
+              <a:t>High </a:t>
+            </a:r>
+            <a:r>
+              <a:rPr lang="ko-KR" altLang="en-US" sz="2000" dirty="0" smtClean="0"/>
+              <a:t>가 되면 </a:t>
+            </a:r>
+            <a:r>
+              <a:rPr lang="en-US" altLang="ko-KR" sz="2000" dirty="0" smtClean="0"/>
+              <a:t>4.5V </a:t>
+            </a:r>
+            <a:r>
+              <a:rPr lang="ko-KR" altLang="en-US" sz="2000" dirty="0" smtClean="0"/>
+              <a:t>이상의 전압이 되어 이것이 저항을 통하여 트랜지스터에 </a:t>
             </a:r>
             <a:r>
               <a:rPr lang="en-US" altLang="ko-KR" sz="2000" dirty="0" err="1" smtClean="0"/>
               <a:t>Ib</a:t>
             </a:r>
             <a:r>
-              <a:rPr lang="en-US" altLang="ko-KR" sz="2000" dirty="0" smtClean="0"/>
-              <a:t>)</a:t>
-            </a:r>
-            <a:r>
-              <a:rPr lang="ko-KR" altLang="en-US" sz="2000" dirty="0" smtClean="0"/>
-              <a:t>＝부하 전류</a:t>
-            </a:r>
-            <a:r>
-              <a:rPr lang="en-US" altLang="ko-KR" sz="2000" dirty="0" smtClean="0"/>
-              <a:t>(</a:t>
+              <a:rPr lang="ko-KR" altLang="en-US" sz="2000" dirty="0" smtClean="0"/>
+              <a:t>가 흐르게하여 트랜지스터가 </a:t>
+            </a:r>
+            <a:r>
+              <a:rPr lang="en-US" altLang="ko-KR" sz="2000" dirty="0" smtClean="0"/>
+              <a:t>On</a:t>
+            </a:r>
+            <a:r>
+              <a:rPr lang="ko-KR" altLang="en-US" sz="2000" dirty="0" smtClean="0"/>
+              <a:t>되고 </a:t>
             </a:r>
             <a:r>
               <a:rPr lang="en-US" altLang="ko-KR" sz="2000" dirty="0" err="1" smtClean="0"/>
               <a:t>Ic</a:t>
             </a:r>
             <a:r>
-              <a:rPr lang="en-US" altLang="ko-KR" sz="2000" dirty="0" smtClean="0"/>
-              <a:t>)÷</a:t>
-            </a:r>
-            <a:r>
-              <a:rPr lang="ko-KR" altLang="en-US" sz="2000" dirty="0" smtClean="0"/>
-              <a:t>직류 </a:t>
-            </a:r>
-            <a:r>
-              <a:rPr lang="ko-KR" altLang="en-US" sz="2000" dirty="0" smtClean="0"/>
-              <a:t>전류 증폭 율</a:t>
-            </a:r>
-            <a:r>
-              <a:rPr lang="en-US" altLang="ko-KR" sz="2000" dirty="0" smtClean="0"/>
-              <a:t>(</a:t>
-            </a:r>
-            <a:r>
-              <a:rPr lang="en-US" altLang="ko-KR" sz="2000" dirty="0" err="1" smtClean="0"/>
-              <a:t>hfe</a:t>
-            </a:r>
-            <a:r>
-              <a:rPr lang="en-US" altLang="ko-KR" sz="2000" dirty="0" smtClean="0"/>
-              <a:t>) </a:t>
-            </a:r>
-            <a:r>
-              <a:rPr lang="ko-KR" altLang="en-US" sz="2000" dirty="0" smtClean="0"/>
-              <a:t>로 정해지는 전류 </a:t>
-            </a:r>
-            <a:r>
-              <a:rPr lang="en-US" altLang="ko-KR" sz="2000" dirty="0" err="1" smtClean="0"/>
-              <a:t>Ib</a:t>
-            </a:r>
-            <a:r>
-              <a:rPr lang="ko-KR" altLang="en-US" sz="2000" dirty="0" smtClean="0"/>
-              <a:t>보다 약간 큰 전류가 흐르도록 저항값을 </a:t>
-            </a:r>
-            <a:r>
-              <a:rPr lang="ko-KR" altLang="en-US" sz="2000" dirty="0" smtClean="0"/>
-              <a:t>설정해야 합니다</a:t>
-            </a:r>
-            <a:r>
-              <a:rPr lang="en-US" altLang="ko-KR" sz="2000" dirty="0" smtClean="0"/>
-              <a:t>. </a:t>
-            </a:r>
-            <a:r>
-              <a:rPr lang="ko-KR" altLang="en-US" sz="2000" dirty="0" smtClean="0"/>
-              <a:t>이 저항이 없으면 디지탈 </a:t>
-            </a:r>
-            <a:r>
-              <a:rPr lang="en-US" altLang="ko-KR" sz="2000" dirty="0" smtClean="0"/>
-              <a:t>IC</a:t>
-            </a:r>
-            <a:r>
-              <a:rPr lang="ko-KR" altLang="en-US" sz="2000" dirty="0" smtClean="0"/>
-              <a:t>에 과전류가 흐르게 되어 디지탈 </a:t>
-            </a:r>
-            <a:r>
-              <a:rPr lang="en-US" altLang="ko-KR" sz="2000" dirty="0" smtClean="0"/>
-              <a:t>IC</a:t>
-            </a:r>
-            <a:r>
-              <a:rPr lang="ko-KR" altLang="en-US" sz="2000" dirty="0" smtClean="0"/>
-              <a:t>가 발열로 </a:t>
-            </a:r>
-            <a:r>
-              <a:rPr lang="ko-KR" altLang="en-US" sz="2000" dirty="0" smtClean="0"/>
-              <a:t>파손됩니다</a:t>
+              <a:rPr lang="ko-KR" altLang="en-US" sz="2000" dirty="0" smtClean="0"/>
+              <a:t>가 흘러서 부하가 작동합니다</a:t>
             </a:r>
             <a:r>
               <a:rPr lang="en-US" altLang="ko-KR" sz="2000" dirty="0" smtClean="0"/>
               <a:t>.</a:t>
             </a:r>
-            <a:endParaRPr lang="en-US" altLang="ko-KR" sz="2000" dirty="0" smtClean="0"/>
-          </a:p>
-          <a:p>
-            <a:pPr lvl="1"/>
-            <a:endParaRPr lang="en-US" altLang="ko-KR" sz="2000" dirty="0" smtClean="0"/>
-          </a:p>
-          <a:p>
-            <a:pPr lvl="1"/>
-            <a:r>
-              <a:rPr lang="ko-KR" altLang="en-US" sz="2000" dirty="0" smtClean="0"/>
-              <a:t>예：부하전류가 </a:t>
-            </a:r>
-            <a:r>
-              <a:rPr lang="en-US" altLang="ko-KR" sz="2000" dirty="0" smtClean="0"/>
-              <a:t>100mA </a:t>
-            </a:r>
-            <a:r>
-              <a:rPr lang="ko-KR" altLang="en-US" sz="2000" dirty="0" smtClean="0"/>
-              <a:t>이고 </a:t>
-            </a:r>
-            <a:r>
-              <a:rPr lang="en-US" altLang="ko-KR" sz="2000" dirty="0" err="1" smtClean="0"/>
-              <a:t>hfe</a:t>
-            </a:r>
-            <a:r>
-              <a:rPr lang="en-US" altLang="ko-KR" sz="2000" dirty="0" smtClean="0"/>
-              <a:t>=100, </a:t>
-            </a:r>
-            <a:r>
-              <a:rPr lang="en-US" altLang="ko-KR" sz="2000" dirty="0" err="1" smtClean="0"/>
-              <a:t>Ib</a:t>
-            </a:r>
-            <a:r>
-              <a:rPr lang="en-US" altLang="ko-KR" sz="2000" dirty="0" smtClean="0"/>
-              <a:t>=1mA </a:t>
-            </a:r>
-            <a:r>
-              <a:rPr lang="ko-KR" altLang="en-US" sz="2000" dirty="0" smtClean="0"/>
-              <a:t>라 하고 </a:t>
-            </a:r>
-            <a:r>
-              <a:rPr lang="en-US" altLang="ko-KR" sz="2000" dirty="0" smtClean="0"/>
-              <a:t>IC</a:t>
-            </a:r>
-            <a:r>
-              <a:rPr lang="ko-KR" altLang="en-US" sz="2000" dirty="0" smtClean="0"/>
-              <a:t>의 전원을 </a:t>
-            </a:r>
-            <a:r>
-              <a:rPr lang="en-US" altLang="ko-KR" sz="2000" dirty="0" smtClean="0"/>
-              <a:t>5V</a:t>
-            </a:r>
-            <a:r>
-              <a:rPr lang="ko-KR" altLang="en-US" sz="2000" dirty="0" smtClean="0"/>
-              <a:t>라고 하면 ，</a:t>
-            </a:r>
-            <a:r>
-              <a:rPr lang="en-US" altLang="ko-KR" sz="2000" dirty="0" err="1" smtClean="0"/>
-              <a:t>Vbe</a:t>
-            </a:r>
-            <a:r>
-              <a:rPr lang="ko-KR" altLang="en-US" sz="2000" dirty="0" smtClean="0"/>
-              <a:t>는 약 </a:t>
-            </a:r>
-            <a:r>
-              <a:rPr lang="en-US" altLang="ko-KR" sz="2000" dirty="0" smtClean="0"/>
-              <a:t>0.6V</a:t>
-            </a:r>
-            <a:r>
-              <a:rPr lang="ko-KR" altLang="en-US" sz="2000" dirty="0" smtClean="0"/>
-              <a:t>로 일정이기 때문에 </a:t>
-            </a:r>
-            <a:r>
-              <a:rPr lang="en-US" altLang="ko-KR" sz="2000" dirty="0" smtClean="0"/>
-              <a:t>R1 = R2 = (5V - 0.6V) ÷ 1mA = 4.4KΩ </a:t>
-            </a:r>
-            <a:r>
-              <a:rPr lang="ko-KR" altLang="en-US" sz="2000" dirty="0" smtClean="0"/>
-              <a:t>이나 약간 여유를 </a:t>
-            </a:r>
-            <a:r>
-              <a:rPr lang="ko-KR" altLang="en-US" sz="2000" dirty="0" smtClean="0"/>
-              <a:t>주어서 </a:t>
-            </a:r>
-            <a:r>
-              <a:rPr lang="ko-KR" altLang="en-US" sz="2000" dirty="0" smtClean="0"/>
-              <a:t>３</a:t>
-            </a:r>
-            <a:r>
-              <a:rPr lang="en-US" altLang="ko-KR" sz="2000" dirty="0" smtClean="0"/>
-              <a:t>.3 KΩ </a:t>
-            </a:r>
-            <a:r>
-              <a:rPr lang="ko-KR" altLang="en-US" sz="2000" dirty="0" smtClean="0"/>
-              <a:t>정도면 </a:t>
-            </a:r>
-            <a:r>
-              <a:rPr lang="ko-KR" altLang="en-US" sz="2000" dirty="0" smtClean="0"/>
-              <a:t>적당할 것입니다</a:t>
-            </a:r>
-            <a:r>
-              <a:rPr lang="en-US" altLang="ko-KR" sz="2000" dirty="0" smtClean="0"/>
-              <a:t>.</a:t>
-            </a:r>
-            <a:endParaRPr lang="ko-KR" altLang="en-US" sz="2000" dirty="0"/>
+            <a:endParaRPr lang="ko-KR" altLang="en-US" dirty="0"/>
           </a:p>
         </p:txBody>
       </p:sp>
@@ -5113,38 +4990,45 @@
           </a:ln>
         </p:spPr>
       </p:pic>
-      <p:pic>
-        <p:nvPicPr>
-          <p:cNvPr id="7" name="Picture 3"/>
-          <p:cNvPicPr>
-            <a:picLocks noChangeAspect="1" noChangeArrowheads="1"/>
-          </p:cNvPicPr>
+      <p:sp>
+        <p:nvSpPr>
+          <p:cNvPr id="5" name="TextBox 4"/>
+          <p:cNvSpPr txBox="1"/>
           <p:nvPr/>
-        </p:nvPicPr>
-        <p:blipFill>
-          <a:blip r:embed="rId2" cstate="print"/>
-          <a:srcRect/>
-          <a:stretch>
-            <a:fillRect/>
-          </a:stretch>
-        </p:blipFill>
-        <p:spPr bwMode="auto">
+        </p:nvSpPr>
+        <p:spPr>
           <a:xfrm>
-            <a:off x="5156448" y="1349152"/>
-            <a:ext cx="3509458" cy="1584176"/>
+            <a:off x="3923928" y="6279703"/>
+            <a:ext cx="1368152" cy="461665"/>
           </a:xfrm>
           <a:prstGeom prst="rect">
             <a:avLst/>
           </a:prstGeom>
           <a:noFill/>
-          <a:ln w="9525">
-            <a:noFill/>
-            <a:miter lim="800000"/>
-            <a:headEnd/>
-            <a:tailEnd/>
-          </a:ln>
         </p:spPr>
-      </p:pic>
+        <p:txBody>
+          <a:bodyPr wrap="square" rtlCol="0">
+            <a:spAutoFit/>
+          </a:bodyPr>
+          <a:lstStyle/>
+          <a:p>
+            <a:pPr marL="0" lvl="1"/>
+            <a:r>
+              <a:rPr lang="en-US" altLang="ko-KR" sz="2400" smtClean="0"/>
+              <a:t>- </a:t>
+            </a:r>
+            <a:r>
+              <a:rPr lang="ko-KR" altLang="en-US" sz="2400" dirty="0" smtClean="0"/>
+              <a:t>계속 </a:t>
+            </a:r>
+            <a:r>
+              <a:rPr lang="en-US" altLang="ko-KR" sz="2400" dirty="0" smtClean="0"/>
+              <a:t>-</a:t>
+            </a:r>
+            <a:endParaRPr lang="en-US" altLang="ko-KR" sz="4000" dirty="0" smtClean="0"/>
+          </a:p>
+        </p:txBody>
+      </p:sp>
     </p:spTree>
   </p:cSld>
   <p:clrMapOvr>
@@ -5217,7 +5101,12 @@
             <p:ph idx="1"/>
           </p:nvPr>
         </p:nvSpPr>
-        <p:spPr/>
+        <p:spPr>
+          <a:xfrm>
+            <a:off x="457200" y="2708920"/>
+            <a:ext cx="8229600" cy="3658411"/>
+          </a:xfrm>
+        </p:spPr>
         <p:txBody>
           <a:bodyPr>
             <a:normAutofit/>
@@ -5226,6 +5115,638 @@
           <a:p>
             <a:r>
               <a:rPr lang="ko-KR" altLang="en-US" dirty="0" smtClean="0"/>
+              <a:t>큰 부하 제어</a:t>
+            </a:r>
+            <a:endParaRPr lang="en-US" altLang="ko-KR" dirty="0" smtClean="0"/>
+          </a:p>
+          <a:p>
+            <a:pPr lvl="1"/>
+            <a:r>
+              <a:rPr lang="ko-KR" altLang="en-US" sz="2000" dirty="0" smtClean="0"/>
+              <a:t>역으로 </a:t>
+            </a:r>
+            <a:r>
+              <a:rPr lang="ko-KR" altLang="en-US" sz="2000" dirty="0" err="1" smtClean="0"/>
+              <a:t>디지탈</a:t>
+            </a:r>
+            <a:r>
+              <a:rPr lang="ko-KR" altLang="en-US" sz="2000" dirty="0" smtClean="0"/>
+              <a:t> </a:t>
+            </a:r>
+            <a:r>
+              <a:rPr lang="en-US" altLang="ko-KR" sz="2000" dirty="0" smtClean="0"/>
+              <a:t>IC</a:t>
+            </a:r>
+            <a:r>
+              <a:rPr lang="ko-KR" altLang="en-US" sz="2000" dirty="0" smtClean="0"/>
+              <a:t>의 출력이 </a:t>
+            </a:r>
+            <a:r>
+              <a:rPr lang="en-US" altLang="ko-KR" sz="2000" dirty="0" smtClean="0"/>
+              <a:t>Low</a:t>
+            </a:r>
+            <a:r>
+              <a:rPr lang="ko-KR" altLang="en-US" sz="2000" dirty="0" smtClean="0"/>
+              <a:t>로 되면 트랜지스터의 </a:t>
+            </a:r>
+            <a:r>
+              <a:rPr lang="en-US" altLang="ko-KR" sz="2000" dirty="0" err="1" smtClean="0"/>
+              <a:t>Vbe</a:t>
+            </a:r>
+            <a:r>
+              <a:rPr lang="en-US" altLang="ko-KR" sz="2000" dirty="0" smtClean="0"/>
+              <a:t>(0.6V </a:t>
+            </a:r>
+            <a:r>
+              <a:rPr lang="ko-KR" altLang="en-US" sz="2000" dirty="0" smtClean="0"/>
+              <a:t>정도）보다 작은 출력전압</a:t>
+            </a:r>
+            <a:r>
+              <a:rPr lang="en-US" altLang="ko-KR" sz="2000" dirty="0" smtClean="0"/>
+              <a:t>(0.2V </a:t>
+            </a:r>
+            <a:r>
+              <a:rPr lang="ko-KR" altLang="en-US" sz="2000" dirty="0" smtClean="0"/>
+              <a:t>정도）이 되기 때문에 </a:t>
+            </a:r>
+            <a:r>
+              <a:rPr lang="en-US" altLang="ko-KR" sz="2000" dirty="0" err="1" smtClean="0"/>
+              <a:t>Ib</a:t>
+            </a:r>
+            <a:r>
+              <a:rPr lang="ko-KR" altLang="en-US" sz="2000" dirty="0" smtClean="0"/>
+              <a:t>는 흐르지 않아서 트랜지스터가 </a:t>
+            </a:r>
+            <a:r>
+              <a:rPr lang="en-US" altLang="ko-KR" sz="2000" dirty="0" smtClean="0"/>
+              <a:t>Off</a:t>
+            </a:r>
+            <a:r>
+              <a:rPr lang="ko-KR" altLang="en-US" sz="2000" dirty="0" smtClean="0"/>
+              <a:t>되어 부하전류도 흐르지 않게 됩니다</a:t>
+            </a:r>
+            <a:r>
+              <a:rPr lang="en-US" altLang="ko-KR" sz="2000" dirty="0" smtClean="0"/>
+              <a:t>.</a:t>
+            </a:r>
+          </a:p>
+          <a:p>
+            <a:pPr lvl="1"/>
+            <a:endParaRPr lang="en-US" altLang="ko-KR" sz="2000" dirty="0" smtClean="0"/>
+          </a:p>
+          <a:p>
+            <a:pPr lvl="1"/>
+            <a:r>
+              <a:rPr lang="en-US" altLang="ko-KR" sz="2000" dirty="0" smtClean="0"/>
+              <a:t>(b)</a:t>
+            </a:r>
+            <a:r>
+              <a:rPr lang="ko-KR" altLang="en-US" sz="2000" dirty="0" smtClean="0"/>
+              <a:t>의 경우에는 반대로 디지탈 </a:t>
+            </a:r>
+            <a:r>
+              <a:rPr lang="en-US" altLang="ko-KR" sz="2000" dirty="0" smtClean="0"/>
+              <a:t>IC</a:t>
+            </a:r>
+            <a:r>
+              <a:rPr lang="ko-KR" altLang="en-US" sz="2000" dirty="0" smtClean="0"/>
+              <a:t>의 출력이 </a:t>
+            </a:r>
+            <a:r>
+              <a:rPr lang="en-US" altLang="ko-KR" sz="2000" dirty="0" smtClean="0"/>
+              <a:t>High</a:t>
+            </a:r>
+            <a:r>
+              <a:rPr lang="ko-KR" altLang="en-US" sz="2000" dirty="0" smtClean="0"/>
+              <a:t>가 되면 트랜지스터는 </a:t>
+            </a:r>
+            <a:r>
+              <a:rPr lang="en-US" altLang="ko-KR" sz="2000" dirty="0" smtClean="0"/>
+              <a:t>Off </a:t>
+            </a:r>
+            <a:r>
+              <a:rPr lang="ko-KR" altLang="en-US" sz="2000" dirty="0" smtClean="0"/>
+              <a:t>되어 부하전류는 흐르지 않으며，</a:t>
+            </a:r>
+            <a:r>
+              <a:rPr lang="ko-KR" altLang="en-US" sz="2000" dirty="0" err="1" smtClean="0"/>
+              <a:t>디지탈</a:t>
+            </a:r>
+            <a:r>
+              <a:rPr lang="ko-KR" altLang="en-US" sz="2000" dirty="0" smtClean="0"/>
+              <a:t> </a:t>
+            </a:r>
+            <a:r>
+              <a:rPr lang="en-US" altLang="ko-KR" sz="2000" dirty="0" smtClean="0"/>
+              <a:t>IC </a:t>
+            </a:r>
+            <a:r>
+              <a:rPr lang="ko-KR" altLang="en-US" sz="2000" dirty="0" smtClean="0"/>
+              <a:t>출력이 </a:t>
+            </a:r>
+            <a:r>
+              <a:rPr lang="en-US" altLang="ko-KR" sz="2000" dirty="0" smtClean="0"/>
+              <a:t>Low</a:t>
+            </a:r>
+            <a:r>
+              <a:rPr lang="ko-KR" altLang="en-US" sz="2000" dirty="0" smtClean="0"/>
+              <a:t>로 되면 트랜지스터가 </a:t>
+            </a:r>
+            <a:r>
+              <a:rPr lang="en-US" altLang="ko-KR" sz="2000" dirty="0" smtClean="0"/>
+              <a:t>On </a:t>
+            </a:r>
+            <a:r>
+              <a:rPr lang="ko-KR" altLang="en-US" sz="2000" dirty="0" smtClean="0"/>
+              <a:t>되어 부하에 전류가 흐르게 됩니다</a:t>
+            </a:r>
+            <a:r>
+              <a:rPr lang="en-US" altLang="ko-KR" sz="2000" dirty="0" smtClean="0"/>
+              <a:t>.</a:t>
+            </a:r>
+            <a:endParaRPr lang="ko-KR" altLang="en-US" sz="2000" dirty="0"/>
+          </a:p>
+        </p:txBody>
+      </p:sp>
+      <p:pic>
+        <p:nvPicPr>
+          <p:cNvPr id="4" name="Picture 3"/>
+          <p:cNvPicPr>
+            <a:picLocks noChangeAspect="1" noChangeArrowheads="1"/>
+          </p:cNvPicPr>
+          <p:nvPr/>
+        </p:nvPicPr>
+        <p:blipFill>
+          <a:blip r:embed="rId2" cstate="print"/>
+          <a:srcRect/>
+          <a:stretch>
+            <a:fillRect/>
+          </a:stretch>
+        </p:blipFill>
+        <p:spPr bwMode="auto">
+          <a:xfrm>
+            <a:off x="5004048" y="1196752"/>
+            <a:ext cx="3509458" cy="1584176"/>
+          </a:xfrm>
+          <a:prstGeom prst="rect">
+            <a:avLst/>
+          </a:prstGeom>
+          <a:noFill/>
+          <a:ln w="9525">
+            <a:noFill/>
+            <a:miter lim="800000"/>
+            <a:headEnd/>
+            <a:tailEnd/>
+          </a:ln>
+        </p:spPr>
+      </p:pic>
+      <p:sp>
+        <p:nvSpPr>
+          <p:cNvPr id="5" name="TextBox 4"/>
+          <p:cNvSpPr txBox="1"/>
+          <p:nvPr/>
+        </p:nvSpPr>
+        <p:spPr>
+          <a:xfrm>
+            <a:off x="3923928" y="6279703"/>
+            <a:ext cx="1368152" cy="461665"/>
+          </a:xfrm>
+          <a:prstGeom prst="rect">
+            <a:avLst/>
+          </a:prstGeom>
+          <a:noFill/>
+        </p:spPr>
+        <p:txBody>
+          <a:bodyPr wrap="square" rtlCol="0">
+            <a:spAutoFit/>
+          </a:bodyPr>
+          <a:lstStyle/>
+          <a:p>
+            <a:pPr marL="0" lvl="1"/>
+            <a:r>
+              <a:rPr lang="en-US" altLang="ko-KR" sz="2400" smtClean="0"/>
+              <a:t>- </a:t>
+            </a:r>
+            <a:r>
+              <a:rPr lang="ko-KR" altLang="en-US" sz="2400" dirty="0" smtClean="0"/>
+              <a:t>계속 </a:t>
+            </a:r>
+            <a:r>
+              <a:rPr lang="en-US" altLang="ko-KR" sz="2400" dirty="0" smtClean="0"/>
+              <a:t>-</a:t>
+            </a:r>
+            <a:endParaRPr lang="en-US" altLang="ko-KR" sz="4000" dirty="0" smtClean="0"/>
+          </a:p>
+        </p:txBody>
+      </p:sp>
+    </p:spTree>
+  </p:cSld>
+  <p:clrMapOvr>
+    <a:masterClrMapping/>
+  </p:clrMapOvr>
+</p:sld>
+</file>
+
+<file path=ppt/slides/slide12.xml><?xml version="1.0" encoding="utf-8"?>
+<p:sld xmlns:a="http://schemas.openxmlformats.org/drawingml/2006/main" xmlns:r="http://schemas.openxmlformats.org/officeDocument/2006/relationships" xmlns:p="http://schemas.openxmlformats.org/presentationml/2006/main">
+  <p:cSld>
+    <p:spTree>
+      <p:nvGrpSpPr>
+        <p:cNvPr id="1" name=""/>
+        <p:cNvGrpSpPr/>
+        <p:nvPr/>
+      </p:nvGrpSpPr>
+      <p:grpSpPr>
+        <a:xfrm>
+          <a:off x="0" y="0"/>
+          <a:ext cx="0" cy="0"/>
+          <a:chOff x="0" y="0"/>
+          <a:chExt cx="0" cy="0"/>
+        </a:xfrm>
+      </p:grpSpPr>
+      <p:sp>
+        <p:nvSpPr>
+          <p:cNvPr id="3" name="제목 2"/>
+          <p:cNvSpPr>
+            <a:spLocks noGrp="1"/>
+          </p:cNvSpPr>
+          <p:nvPr>
+            <p:ph type="title"/>
+          </p:nvPr>
+        </p:nvSpPr>
+        <p:spPr/>
+        <p:txBody>
+          <a:bodyPr>
+            <a:normAutofit fontScale="90000"/>
+          </a:bodyPr>
+          <a:lstStyle/>
+          <a:p>
+            <a:r>
+              <a:rPr lang="en-US" altLang="ko-KR" dirty="0" smtClean="0"/>
+              <a:t>Transistor –</a:t>
+            </a:r>
+            <a:r>
+              <a:rPr lang="ko-KR" altLang="en-US" dirty="0" smtClean="0"/>
+              <a:t> </a:t>
+            </a:r>
+            <a:r>
+              <a:rPr lang="ko-KR" altLang="en-US" dirty="0" err="1" smtClean="0"/>
+              <a:t>디지탈</a:t>
+            </a:r>
+            <a:r>
+              <a:rPr lang="ko-KR" altLang="en-US" dirty="0" smtClean="0"/>
+              <a:t> 회로에서 사용법</a:t>
+            </a:r>
+            <a:endParaRPr lang="ko-KR" altLang="en-US" dirty="0"/>
+          </a:p>
+        </p:txBody>
+      </p:sp>
+      <p:sp>
+        <p:nvSpPr>
+          <p:cNvPr id="6" name="내용 개체 틀 5"/>
+          <p:cNvSpPr>
+            <a:spLocks noGrp="1"/>
+          </p:cNvSpPr>
+          <p:nvPr>
+            <p:ph idx="1"/>
+          </p:nvPr>
+        </p:nvSpPr>
+        <p:spPr>
+          <a:xfrm>
+            <a:off x="457200" y="2708920"/>
+            <a:ext cx="8229600" cy="3658411"/>
+          </a:xfrm>
+        </p:spPr>
+        <p:txBody>
+          <a:bodyPr>
+            <a:normAutofit lnSpcReduction="10000"/>
+          </a:bodyPr>
+          <a:lstStyle/>
+          <a:p>
+            <a:r>
+              <a:rPr lang="ko-KR" altLang="en-US" dirty="0" smtClean="0"/>
+              <a:t>큰 부하 제어</a:t>
+            </a:r>
+            <a:endParaRPr lang="en-US" altLang="ko-KR" dirty="0" smtClean="0"/>
+          </a:p>
+          <a:p>
+            <a:pPr lvl="1"/>
+            <a:r>
+              <a:rPr lang="en-US" altLang="ko-KR" sz="2000" dirty="0" smtClean="0"/>
+              <a:t>R1</a:t>
+            </a:r>
+            <a:r>
+              <a:rPr lang="ko-KR" altLang="en-US" sz="2000" dirty="0" smtClean="0"/>
+              <a:t>과 </a:t>
+            </a:r>
+            <a:r>
+              <a:rPr lang="en-US" altLang="ko-KR" sz="2000" dirty="0" smtClean="0"/>
+              <a:t>R2</a:t>
+            </a:r>
+            <a:r>
+              <a:rPr lang="ko-KR" altLang="en-US" sz="2000" dirty="0" smtClean="0"/>
+              <a:t>의 저항치 결정은 트랜지스터가 </a:t>
+            </a:r>
+            <a:r>
+              <a:rPr lang="en-US" altLang="ko-KR" sz="2000" dirty="0" smtClean="0"/>
+              <a:t>On</a:t>
+            </a:r>
+            <a:r>
+              <a:rPr lang="ko-KR" altLang="en-US" sz="2000" dirty="0" err="1" smtClean="0"/>
+              <a:t>되었을때</a:t>
+            </a:r>
+            <a:r>
+              <a:rPr lang="ko-KR" altLang="en-US" sz="2000" dirty="0" smtClean="0"/>
+              <a:t> 베이스 전류（</a:t>
+            </a:r>
+            <a:r>
+              <a:rPr lang="en-US" altLang="ko-KR" sz="2000" dirty="0" err="1" smtClean="0"/>
+              <a:t>Ib</a:t>
+            </a:r>
+            <a:r>
+              <a:rPr lang="en-US" altLang="ko-KR" sz="2000" dirty="0" smtClean="0"/>
+              <a:t>)</a:t>
+            </a:r>
+            <a:r>
+              <a:rPr lang="ko-KR" altLang="en-US" sz="2000" dirty="0" smtClean="0"/>
+              <a:t>＝부하 전류</a:t>
+            </a:r>
+            <a:r>
+              <a:rPr lang="en-US" altLang="ko-KR" sz="2000" dirty="0" smtClean="0"/>
+              <a:t>(</a:t>
+            </a:r>
+            <a:r>
+              <a:rPr lang="en-US" altLang="ko-KR" sz="2000" dirty="0" err="1" smtClean="0"/>
+              <a:t>Ic</a:t>
+            </a:r>
+            <a:r>
+              <a:rPr lang="en-US" altLang="ko-KR" sz="2000" dirty="0" smtClean="0"/>
+              <a:t>)÷</a:t>
+            </a:r>
+            <a:r>
+              <a:rPr lang="ko-KR" altLang="en-US" sz="2000" dirty="0" smtClean="0"/>
+              <a:t>직류 전류 증폭 율</a:t>
+            </a:r>
+            <a:r>
+              <a:rPr lang="en-US" altLang="ko-KR" sz="2000" dirty="0" smtClean="0"/>
+              <a:t>(</a:t>
+            </a:r>
+            <a:r>
+              <a:rPr lang="en-US" altLang="ko-KR" sz="2000" dirty="0" err="1" smtClean="0"/>
+              <a:t>hfe</a:t>
+            </a:r>
+            <a:r>
+              <a:rPr lang="en-US" altLang="ko-KR" sz="2000" dirty="0" smtClean="0"/>
+              <a:t>) </a:t>
+            </a:r>
+            <a:r>
+              <a:rPr lang="ko-KR" altLang="en-US" sz="2000" dirty="0" smtClean="0"/>
+              <a:t>로 정해지는 전류 </a:t>
+            </a:r>
+            <a:r>
+              <a:rPr lang="en-US" altLang="ko-KR" sz="2000" dirty="0" err="1" smtClean="0"/>
+              <a:t>Ib</a:t>
+            </a:r>
+            <a:r>
+              <a:rPr lang="ko-KR" altLang="en-US" sz="2000" dirty="0" smtClean="0"/>
+              <a:t>보다 약간 큰 전류가 흐르도록 저항값을 설정해야 합니다</a:t>
+            </a:r>
+            <a:r>
+              <a:rPr lang="en-US" altLang="ko-KR" sz="2000" dirty="0" smtClean="0"/>
+              <a:t>. </a:t>
+            </a:r>
+            <a:r>
+              <a:rPr lang="ko-KR" altLang="en-US" sz="2000" dirty="0" smtClean="0"/>
+              <a:t>이 저항이 없으면 디지탈 </a:t>
+            </a:r>
+            <a:r>
+              <a:rPr lang="en-US" altLang="ko-KR" sz="2000" dirty="0" smtClean="0"/>
+              <a:t>IC</a:t>
+            </a:r>
+            <a:r>
+              <a:rPr lang="ko-KR" altLang="en-US" sz="2000" dirty="0" smtClean="0"/>
+              <a:t>에 과전류가 흐르게 되어 디지탈 </a:t>
+            </a:r>
+            <a:r>
+              <a:rPr lang="en-US" altLang="ko-KR" sz="2000" dirty="0" smtClean="0"/>
+              <a:t>IC</a:t>
+            </a:r>
+            <a:r>
+              <a:rPr lang="ko-KR" altLang="en-US" sz="2000" dirty="0" smtClean="0"/>
+              <a:t>가 발열로 파손됩니다</a:t>
+            </a:r>
+            <a:r>
+              <a:rPr lang="en-US" altLang="ko-KR" sz="2000" dirty="0" smtClean="0"/>
+              <a:t>.</a:t>
+            </a:r>
+          </a:p>
+          <a:p>
+            <a:pPr lvl="1"/>
+            <a:endParaRPr lang="en-US" altLang="ko-KR" sz="2000" dirty="0" smtClean="0"/>
+          </a:p>
+          <a:p>
+            <a:pPr lvl="1"/>
+            <a:r>
+              <a:rPr lang="ko-KR" altLang="en-US" sz="2000" dirty="0" smtClean="0"/>
+              <a:t>예：부하전류가 </a:t>
+            </a:r>
+            <a:r>
+              <a:rPr lang="en-US" altLang="ko-KR" sz="2000" dirty="0" smtClean="0"/>
+              <a:t>100mA </a:t>
+            </a:r>
+            <a:r>
+              <a:rPr lang="ko-KR" altLang="en-US" sz="2000" dirty="0" smtClean="0"/>
+              <a:t>이고 </a:t>
+            </a:r>
+            <a:r>
+              <a:rPr lang="en-US" altLang="ko-KR" sz="2000" dirty="0" err="1" smtClean="0"/>
+              <a:t>hfe</a:t>
+            </a:r>
+            <a:r>
+              <a:rPr lang="en-US" altLang="ko-KR" sz="2000" dirty="0" smtClean="0"/>
+              <a:t>=100, </a:t>
+            </a:r>
+            <a:r>
+              <a:rPr lang="en-US" altLang="ko-KR" sz="2000" dirty="0" err="1" smtClean="0"/>
+              <a:t>Ib</a:t>
+            </a:r>
+            <a:r>
+              <a:rPr lang="en-US" altLang="ko-KR" sz="2000" dirty="0" smtClean="0"/>
+              <a:t>=1mA </a:t>
+            </a:r>
+            <a:r>
+              <a:rPr lang="ko-KR" altLang="en-US" sz="2000" dirty="0" smtClean="0"/>
+              <a:t>라 하고 </a:t>
+            </a:r>
+            <a:r>
+              <a:rPr lang="en-US" altLang="ko-KR" sz="2000" dirty="0" smtClean="0"/>
+              <a:t>IC</a:t>
+            </a:r>
+            <a:r>
+              <a:rPr lang="ko-KR" altLang="en-US" sz="2000" dirty="0" smtClean="0"/>
+              <a:t>의 전원을 </a:t>
+            </a:r>
+            <a:r>
+              <a:rPr lang="en-US" altLang="ko-KR" sz="2000" dirty="0" smtClean="0"/>
+              <a:t>5V</a:t>
+            </a:r>
+            <a:r>
+              <a:rPr lang="ko-KR" altLang="en-US" sz="2000" dirty="0" smtClean="0"/>
+              <a:t>라고 하면 ，</a:t>
+            </a:r>
+            <a:r>
+              <a:rPr lang="en-US" altLang="ko-KR" sz="2000" dirty="0" err="1" smtClean="0"/>
+              <a:t>Vbe</a:t>
+            </a:r>
+            <a:r>
+              <a:rPr lang="ko-KR" altLang="en-US" sz="2000" dirty="0" smtClean="0"/>
+              <a:t>는 약 </a:t>
+            </a:r>
+            <a:r>
+              <a:rPr lang="en-US" altLang="ko-KR" sz="2000" dirty="0" smtClean="0"/>
+              <a:t>0.6V</a:t>
+            </a:r>
+            <a:r>
+              <a:rPr lang="ko-KR" altLang="en-US" sz="2000" dirty="0" smtClean="0"/>
+              <a:t>로 일정이기 때문에 </a:t>
+            </a:r>
+            <a:r>
+              <a:rPr lang="en-US" altLang="ko-KR" sz="2000" dirty="0" smtClean="0"/>
+              <a:t>R1 = R2 = (5V - 0.6V) ÷ 1mA = 4.4KΩ </a:t>
+            </a:r>
+            <a:r>
+              <a:rPr lang="ko-KR" altLang="en-US" sz="2000" dirty="0" smtClean="0"/>
+              <a:t>이나 약간 여유를 주어서 ３</a:t>
+            </a:r>
+            <a:r>
+              <a:rPr lang="en-US" altLang="ko-KR" sz="2000" dirty="0" smtClean="0"/>
+              <a:t>.3 KΩ </a:t>
+            </a:r>
+            <a:r>
+              <a:rPr lang="ko-KR" altLang="en-US" sz="2000" dirty="0" smtClean="0"/>
+              <a:t>정도면 적당할 것입니다</a:t>
+            </a:r>
+            <a:r>
+              <a:rPr lang="en-US" altLang="ko-KR" sz="2000" dirty="0" smtClean="0"/>
+              <a:t>.</a:t>
+            </a:r>
+            <a:endParaRPr lang="ko-KR" altLang="en-US" sz="2000" dirty="0"/>
+          </a:p>
+        </p:txBody>
+      </p:sp>
+      <p:pic>
+        <p:nvPicPr>
+          <p:cNvPr id="4" name="Picture 3"/>
+          <p:cNvPicPr>
+            <a:picLocks noChangeAspect="1" noChangeArrowheads="1"/>
+          </p:cNvPicPr>
+          <p:nvPr/>
+        </p:nvPicPr>
+        <p:blipFill>
+          <a:blip r:embed="rId2" cstate="print"/>
+          <a:srcRect/>
+          <a:stretch>
+            <a:fillRect/>
+          </a:stretch>
+        </p:blipFill>
+        <p:spPr bwMode="auto">
+          <a:xfrm>
+            <a:off x="5004048" y="1196752"/>
+            <a:ext cx="3509458" cy="1584176"/>
+          </a:xfrm>
+          <a:prstGeom prst="rect">
+            <a:avLst/>
+          </a:prstGeom>
+          <a:noFill/>
+          <a:ln w="9525">
+            <a:noFill/>
+            <a:miter lim="800000"/>
+            <a:headEnd/>
+            <a:tailEnd/>
+          </a:ln>
+        </p:spPr>
+      </p:pic>
+    </p:spTree>
+  </p:cSld>
+  <p:clrMapOvr>
+    <a:masterClrMapping/>
+  </p:clrMapOvr>
+</p:sld>
+</file>
+
+<file path=ppt/slides/slide13.xml><?xml version="1.0" encoding="utf-8"?>
+<p:sld xmlns:a="http://schemas.openxmlformats.org/drawingml/2006/main" xmlns:r="http://schemas.openxmlformats.org/officeDocument/2006/relationships" xmlns:p="http://schemas.openxmlformats.org/presentationml/2006/main">
+  <p:cSld>
+    <p:spTree>
+      <p:nvGrpSpPr>
+        <p:cNvPr id="1" name=""/>
+        <p:cNvGrpSpPr/>
+        <p:nvPr/>
+      </p:nvGrpSpPr>
+      <p:grpSpPr>
+        <a:xfrm>
+          <a:off x="0" y="0"/>
+          <a:ext cx="0" cy="0"/>
+          <a:chOff x="0" y="0"/>
+          <a:chExt cx="0" cy="0"/>
+        </a:xfrm>
+      </p:grpSpPr>
+      <p:sp>
+        <p:nvSpPr>
+          <p:cNvPr id="3" name="제목 2"/>
+          <p:cNvSpPr>
+            <a:spLocks noGrp="1"/>
+          </p:cNvSpPr>
+          <p:nvPr>
+            <p:ph type="title"/>
+          </p:nvPr>
+        </p:nvSpPr>
+        <p:spPr/>
+        <p:txBody>
+          <a:bodyPr>
+            <a:normAutofit fontScale="90000"/>
+          </a:bodyPr>
+          <a:lstStyle/>
+          <a:p>
+            <a:r>
+              <a:rPr lang="en-US" altLang="ko-KR" dirty="0" smtClean="0"/>
+              <a:t>Transistor –</a:t>
+            </a:r>
+            <a:r>
+              <a:rPr lang="ko-KR" altLang="en-US" dirty="0" smtClean="0"/>
+              <a:t> </a:t>
+            </a:r>
+            <a:r>
+              <a:rPr lang="ko-KR" altLang="en-US" dirty="0" err="1" smtClean="0"/>
+              <a:t>디지탈</a:t>
+            </a:r>
+            <a:r>
+              <a:rPr lang="ko-KR" altLang="en-US" dirty="0" smtClean="0"/>
+              <a:t> 회로에서 사용법</a:t>
+            </a:r>
+            <a:endParaRPr lang="ko-KR" altLang="en-US" dirty="0"/>
+          </a:p>
+        </p:txBody>
+      </p:sp>
+      <p:sp>
+        <p:nvSpPr>
+          <p:cNvPr id="6" name="내용 개체 틀 5"/>
+          <p:cNvSpPr>
+            <a:spLocks noGrp="1"/>
+          </p:cNvSpPr>
+          <p:nvPr>
+            <p:ph idx="1"/>
+          </p:nvPr>
+        </p:nvSpPr>
+        <p:spPr/>
+        <p:txBody>
+          <a:bodyPr>
+            <a:normAutofit/>
+          </a:bodyPr>
+          <a:lstStyle/>
+          <a:p>
+            <a:r>
+              <a:rPr lang="ko-KR" altLang="en-US" dirty="0" smtClean="0"/>
               <a:t>주의사항</a:t>
             </a:r>
             <a:endParaRPr lang="en-US" altLang="ko-KR" dirty="0" smtClean="0"/>
@@ -5234,11 +5755,7 @@
             <a:pPr lvl="1"/>
             <a:r>
               <a:rPr lang="ko-KR" altLang="en-US" sz="2000" dirty="0" smtClean="0"/>
-              <a:t>트랜지스터로 드라이브하는 부하가 모터나 릴레이처럼 </a:t>
-            </a:r>
-            <a:r>
-              <a:rPr lang="ko-KR" altLang="en-US" sz="2000" dirty="0" smtClean="0"/>
-              <a:t>코일 </a:t>
+              <a:t>트랜지스터로 드라이브하는 부하가 모터나 릴레이처럼 코일 </a:t>
             </a:r>
             <a:r>
               <a:rPr lang="ko-KR" altLang="en-US" sz="2000" dirty="0" err="1" smtClean="0"/>
@@ -5246,19 +5763,7 @@
             </a:r>
             <a:r>
               <a:rPr lang="ko-KR" altLang="en-US" sz="2000" dirty="0" smtClean="0"/>
-              <a:t> </a:t>
-            </a:r>
-            <a:r>
-              <a:rPr lang="ko-KR" altLang="en-US" sz="2000" dirty="0" smtClean="0"/>
-              <a:t>역기전력에 </a:t>
-            </a:r>
-            <a:r>
-              <a:rPr lang="ko-KR" altLang="en-US" sz="2000" dirty="0" smtClean="0"/>
-              <a:t>주의할 필요가 </a:t>
-            </a:r>
-            <a:r>
-              <a:rPr lang="ko-KR" altLang="en-US" sz="2000" dirty="0" smtClean="0"/>
-              <a:t>있습니다．즉 코일의 전류를 </a:t>
+              <a:t> 역기전력에 주의할 필요가 있습니다．즉 코일의 전류를 </a:t>
             </a:r>
             <a:r>
               <a:rPr lang="en-US" altLang="ko-KR" sz="2000" dirty="0" smtClean="0"/>
@@ -5266,27 +5771,7 @@
             </a:r>
             <a:r>
               <a:rPr lang="ko-KR" altLang="en-US" sz="2000" dirty="0" smtClean="0"/>
-              <a:t>할 때 </a:t>
-            </a:r>
-            <a:r>
-              <a:rPr lang="ko-KR" altLang="en-US" sz="2000" dirty="0" smtClean="0"/>
-              <a:t>순간적으로 역방향의 높은 전압이 </a:t>
-            </a:r>
-            <a:r>
-              <a:rPr lang="ko-KR" altLang="en-US" sz="2000" dirty="0" smtClean="0"/>
-              <a:t>코일의 양단에 </a:t>
-            </a:r>
-            <a:r>
-              <a:rPr lang="ko-KR" altLang="en-US" sz="2000" dirty="0" smtClean="0"/>
-              <a:t>발생하는데 이것을 </a:t>
-            </a:r>
-            <a:r>
-              <a:rPr lang="ko-KR" altLang="en-US" sz="2000" dirty="0" smtClean="0"/>
-              <a:t>그대로 </a:t>
-            </a:r>
-            <a:r>
-              <a:rPr lang="ko-KR" altLang="en-US" sz="2000" dirty="0" smtClean="0"/>
-              <a:t>방치하면 트랜지스터의 </a:t>
+              <a:t>할 때 순간적으로 역방향의 높은 전압이 코일의 양단에 발생하는데 이것을 그대로 방치하면 트랜지스터의 </a:t>
             </a:r>
             <a:r>
               <a:rPr lang="ko-KR" altLang="en-US" sz="2000" dirty="0" err="1" smtClean="0"/>
@@ -5302,19 +5787,7 @@
             </a:r>
             <a:r>
               <a:rPr lang="ko-KR" altLang="en-US" sz="2000" dirty="0" smtClean="0"/>
-              <a:t> 가해져서 </a:t>
-            </a:r>
-            <a:r>
-              <a:rPr lang="ko-KR" altLang="en-US" sz="2000" dirty="0" smtClean="0"/>
-              <a:t>경우에 </a:t>
-            </a:r>
-            <a:r>
-              <a:rPr lang="ko-KR" altLang="en-US" sz="2000" dirty="0" smtClean="0"/>
-              <a:t>따라 트랜지스터가 </a:t>
-            </a:r>
-            <a:r>
-              <a:rPr lang="ko-KR" altLang="en-US" sz="2000" dirty="0" smtClean="0"/>
-              <a:t>파손 </a:t>
+              <a:t> 가해져서 경우에 따라 트랜지스터가 파손 </a:t>
             </a:r>
             <a:r>
               <a:rPr lang="ko-KR" altLang="en-US" sz="2000" dirty="0" err="1" smtClean="0"/>
@@ -5322,11 +5795,7 @@
             </a:r>
             <a:r>
               <a:rPr lang="ko-KR" altLang="en-US" sz="2000" dirty="0" smtClean="0"/>
-              <a:t> </a:t>
-            </a:r>
-            <a:r>
-              <a:rPr lang="ko-KR" altLang="en-US" sz="2000" dirty="0" smtClean="0"/>
-              <a:t>있습니다．</a:t>
+              <a:t> 있습니다．</a:t>
             </a:r>
           </a:p>
           <a:p>
@@ -5357,11 +5826,7 @@
             </a:r>
             <a:r>
               <a:rPr lang="ko-KR" altLang="en-US" sz="2000" dirty="0" smtClean="0"/>
-              <a:t>따라서 </a:t>
-            </a:r>
-            <a:r>
-              <a:rPr lang="ko-KR" altLang="en-US" sz="2000" dirty="0" smtClean="0"/>
-              <a:t>이것을 방지하기 위해 다음 그림과 같이 다이오드를 코일의 양단에 병렬에 </a:t>
+              <a:t>따라서 이것을 방지하기 위해 다음 그림과 같이 다이오드를 코일의 양단에 병렬에 </a:t>
             </a:r>
             <a:r>
               <a:rPr lang="ko-KR" altLang="en-US" sz="2000" dirty="0" err="1" smtClean="0"/>
@@ -5381,11 +5846,7 @@
             </a:r>
             <a:r>
               <a:rPr lang="ko-KR" altLang="en-US" sz="2000" dirty="0" smtClean="0"/>
-              <a:t> </a:t>
-            </a:r>
-            <a:r>
-              <a:rPr lang="ko-KR" altLang="en-US" sz="2000" dirty="0" smtClean="0"/>
-              <a:t>또한 이 다이오드는 최대한 코일에 가까운 위치에 붙여서 역 </a:t>
+              <a:t> 또한 이 다이오드는 최대한 코일에 가까운 위치에 붙여서 역 </a:t>
             </a:r>
             <a:r>
               <a:rPr lang="ko-KR" altLang="en-US" sz="2000" dirty="0" err="1" smtClean="0"/>
@@ -5393,17 +5854,12 @@
             </a:r>
             <a:r>
               <a:rPr lang="ko-KR" altLang="en-US" sz="2000" dirty="0" smtClean="0"/>
-              <a:t> 흡수시켜야 </a:t>
-            </a:r>
-            <a:r>
-              <a:rPr lang="ko-KR" altLang="en-US" sz="2000" dirty="0" smtClean="0"/>
-              <a:t>합니다</a:t>
+              <a:t> 흡수시켜야 합니다</a:t>
             </a:r>
             <a:r>
               <a:rPr lang="en-US" altLang="ko-KR" sz="2000" dirty="0" smtClean="0"/>
               <a:t>.</a:t>
             </a:r>
-            <a:endParaRPr lang="en-US" altLang="ko-KR" sz="2000" dirty="0" smtClean="0"/>
           </a:p>
           <a:p>
             <a:endParaRPr lang="ko-KR" altLang="en-US" dirty="0"/>
@@ -5450,7 +5906,7 @@
 </p:sld>
 </file>
 
-<file path=ppt/slides/slide12.xml><?xml version="1.0" encoding="utf-8"?>
+<file path=ppt/slides/slide14.xml><?xml version="1.0" encoding="utf-8"?>
 <p:sld xmlns:a="http://schemas.openxmlformats.org/drawingml/2006/main" xmlns:r="http://schemas.openxmlformats.org/officeDocument/2006/relationships" xmlns:p="http://schemas.openxmlformats.org/presentationml/2006/main">
   <p:cSld>
     <p:spTree>
@@ -5540,21 +5996,12 @@
             </a:r>
             <a:r>
               <a:rPr lang="ko-KR" altLang="en-US" sz="2000" dirty="0" smtClean="0"/>
-              <a:t> 회로에 직접입력으로 사용하기 부적절한 </a:t>
-            </a:r>
-            <a:r>
-              <a:rPr lang="ko-KR" altLang="en-US" sz="2000" dirty="0" smtClean="0"/>
-              <a:t>경우가 많으며 </a:t>
-            </a:r>
-            <a:r>
-              <a:rPr lang="ko-KR" altLang="en-US" sz="2000" dirty="0" smtClean="0"/>
-              <a:t>이때 트랜지스터로 전압레벨을 증폭하여 사용합니다</a:t>
+              <a:t> 회로에 직접입력으로 사용하기 부적절한 경우가 많으며 이때 트랜지스터로 전압레벨을 증폭하여 사용합니다</a:t>
             </a:r>
             <a:r>
               <a:rPr lang="en-US" altLang="ko-KR" sz="2000" dirty="0" smtClean="0"/>
               <a:t>. </a:t>
             </a:r>
-            <a:endParaRPr lang="en-US" altLang="ko-KR" sz="2000" dirty="0" smtClean="0"/>
           </a:p>
           <a:p>
             <a:pPr>
@@ -5563,19 +6010,7 @@
             </a:pPr>
             <a:r>
               <a:rPr lang="ko-KR" altLang="en-US" sz="2000" dirty="0" smtClean="0"/>
-              <a:t>이때는 </a:t>
-            </a:r>
-            <a:r>
-              <a:rPr lang="ko-KR" altLang="en-US" sz="2000" dirty="0" smtClean="0"/>
-              <a:t>결국 </a:t>
-            </a:r>
-            <a:r>
-              <a:rPr lang="ko-KR" altLang="en-US" sz="2000" dirty="0" smtClean="0"/>
-              <a:t>직류전압증폭기로 사용하는 것이 </a:t>
-            </a:r>
-            <a:r>
-              <a:rPr lang="ko-KR" altLang="en-US" sz="2000" dirty="0" smtClean="0"/>
-              <a:t>되기 때문에 본래의 기본증폭 회로로 구성하면 되나 </a:t>
+              <a:t>이때는 결국 직류전압증폭기로 사용하는 것이 되기 때문에 본래의 기본증폭 회로로 구성하면 되나 </a:t>
             </a:r>
             <a:r>
               <a:rPr lang="en-US" altLang="ko-KR" sz="2000" dirty="0" smtClean="0"/>
@@ -5583,15 +6018,7 @@
             </a:r>
             <a:r>
               <a:rPr lang="ko-KR" altLang="en-US" sz="2000" dirty="0" smtClean="0"/>
-              <a:t>를 </a:t>
-            </a:r>
-            <a:r>
-              <a:rPr lang="ko-KR" altLang="en-US" sz="2000" dirty="0" smtClean="0"/>
-              <a:t>판정하는 정도면 </a:t>
-            </a:r>
-            <a:r>
-              <a:rPr lang="ko-KR" altLang="en-US" sz="2000" dirty="0" smtClean="0"/>
-              <a:t>족하기 때문에 회로를 </a:t>
+              <a:t>를 판정하는 정도면 족하기 때문에 회로를 </a:t>
             </a:r>
             <a:r>
               <a:rPr lang="ko-KR" altLang="en-US" sz="2000" dirty="0" err="1" smtClean="0"/>
@@ -5613,11 +6040,7 @@
             </a:pPr>
             <a:r>
               <a:rPr lang="ko-KR" altLang="en-US" sz="2000" dirty="0" smtClean="0"/>
-              <a:t>실제로 사용하는 회로는 그림과 같이 되며 입력으로 사용된 센서의 출력 전압이 </a:t>
-            </a:r>
-            <a:r>
-              <a:rPr lang="ko-KR" altLang="en-US" sz="2000" dirty="0" smtClean="0"/>
-              <a:t>평상시는 거의 </a:t>
+              <a:t>실제로 사용하는 회로는 그림과 같이 되며 입력으로 사용된 센서의 출력 전압이 평상시는 거의 </a:t>
             </a:r>
             <a:r>
               <a:rPr lang="en-US" altLang="ko-KR" sz="2000" dirty="0" smtClean="0"/>
@@ -5695,7 +6118,7 @@
 </p:sld>
 </file>
 
-<file path=ppt/slides/slide13.xml><?xml version="1.0" encoding="utf-8"?>
+<file path=ppt/slides/slide15.xml><?xml version="1.0" encoding="utf-8"?>
 <p:sld xmlns:a="http://schemas.openxmlformats.org/drawingml/2006/main" xmlns:r="http://schemas.openxmlformats.org/officeDocument/2006/relationships" xmlns:p="http://schemas.openxmlformats.org/presentationml/2006/main">
   <p:cSld>
     <p:spTree>
@@ -5967,15 +6390,7 @@
             </a:r>
             <a:r>
               <a:rPr lang="ko-KR" altLang="en-US" sz="1500" dirty="0" smtClean="0"/>
-              <a:t>이하의 </a:t>
-            </a:r>
-            <a:r>
-              <a:rPr lang="ko-KR" altLang="en-US" sz="1500" dirty="0" smtClean="0"/>
-              <a:t>저항이면 적당하며 </a:t>
-            </a:r>
-            <a:r>
-              <a:rPr lang="ko-KR" altLang="en-US" sz="1500" dirty="0" smtClean="0"/>
-              <a:t>보통은 </a:t>
+              <a:t>이하의 저항이면 적당하며 보통은 </a:t>
             </a:r>
             <a:r>
               <a:rPr lang="en-US" altLang="ko-KR" sz="1500" dirty="0" smtClean="0"/>
@@ -5983,11 +6398,7 @@
             </a:r>
             <a:r>
               <a:rPr lang="ko-KR" altLang="en-US" sz="1500" dirty="0" smtClean="0"/>
-              <a:t>정도가 </a:t>
-            </a:r>
-            <a:r>
-              <a:rPr lang="ko-KR" altLang="en-US" sz="1500" dirty="0" smtClean="0"/>
-              <a:t>쓰여집니다</a:t>
+              <a:t>정도가 쓰여집니다</a:t>
             </a:r>
             <a:r>
               <a:rPr lang="en-US" altLang="ko-KR" sz="1500" dirty="0" smtClean="0"/>
@@ -6005,15 +6416,7 @@
             </a:r>
             <a:r>
               <a:rPr lang="ko-KR" altLang="en-US" sz="1500" dirty="0" smtClean="0"/>
-              <a:t>은 센서의 출력 전류에 의하여 결정되며 너무 작게 하면 센서에 무리를 주어 감도가 </a:t>
-            </a:r>
-            <a:r>
-              <a:rPr lang="ko-KR" altLang="en-US" sz="1500" dirty="0" smtClean="0"/>
-              <a:t>떨어질수 </a:t>
-            </a:r>
-            <a:r>
-              <a:rPr lang="ko-KR" altLang="en-US" sz="1500" dirty="0" smtClean="0"/>
-              <a:t>있습니다</a:t>
+              <a:t>은 센서의 출력 전류에 의하여 결정되며 너무 작게 하면 센서에 무리를 주어 감도가 떨어질수 있습니다</a:t>
             </a:r>
             <a:r>
               <a:rPr lang="en-US" altLang="ko-KR" sz="1500" dirty="0" smtClean="0"/>
@@ -6037,15 +6440,7 @@
             </a:r>
             <a:r>
               <a:rPr lang="ko-KR" altLang="en-US" sz="1500" dirty="0" smtClean="0"/>
-              <a:t>정도가 </a:t>
-            </a:r>
-            <a:r>
-              <a:rPr lang="ko-KR" altLang="en-US" sz="1500" dirty="0" smtClean="0"/>
-              <a:t>쓰여지지만 </a:t>
-            </a:r>
-            <a:r>
-              <a:rPr lang="ko-KR" altLang="en-US" sz="1500" dirty="0" smtClean="0"/>
-              <a:t>센서의 규격에 최적 </a:t>
+              <a:t>정도가 쓰여지지만 센서의 규격에 최적 </a:t>
             </a:r>
             <a:r>
               <a:rPr lang="ko-KR" altLang="en-US" sz="1500" dirty="0" err="1" smtClean="0"/>
@@ -6061,15 +6456,7 @@
             </a:r>
             <a:r>
               <a:rPr lang="ko-KR" altLang="en-US" sz="1500" dirty="0" smtClean="0"/>
-              <a:t> 저항치를 사용하며 이때는 </a:t>
-            </a:r>
-            <a:r>
-              <a:rPr lang="ko-KR" altLang="en-US" sz="1500" dirty="0" smtClean="0"/>
-              <a:t>센서의 </a:t>
-            </a:r>
-            <a:r>
-              <a:rPr lang="ko-KR" altLang="en-US" sz="1500" dirty="0" smtClean="0"/>
-              <a:t>부하는 </a:t>
+              <a:t> 저항치를 사용하며 이때는 센서의 부하는 </a:t>
             </a:r>
             <a:r>
               <a:rPr lang="en-US" altLang="ko-KR" sz="1500" dirty="0" smtClean="0"/>
@@ -6077,11 +6464,7 @@
             </a:r>
             <a:r>
               <a:rPr lang="ko-KR" altLang="en-US" sz="1500" dirty="0" smtClean="0"/>
-              <a:t>과 트랜지스터의 입력 저항이 병렬이 되므로 이점도 주의하여 결정해야 </a:t>
-            </a:r>
-            <a:r>
-              <a:rPr lang="ko-KR" altLang="en-US" sz="1500" dirty="0" smtClean="0"/>
-              <a:t>합니다</a:t>
+              <a:t>과 트랜지스터의 입력 저항이 병렬이 되므로 이점도 주의하여 결정해야 합니다</a:t>
             </a:r>
             <a:r>
               <a:rPr lang="en-US" altLang="ko-KR" sz="1500" dirty="0" smtClean="0"/>
@@ -6143,7 +6526,7 @@
 </p:sld>
 </file>
 
-<file path=ppt/slides/slide14.xml><?xml version="1.0" encoding="utf-8"?>
+<file path=ppt/slides/slide16.xml><?xml version="1.0" encoding="utf-8"?>
 <p:sld xmlns:a="http://schemas.openxmlformats.org/drawingml/2006/main" xmlns:r="http://schemas.openxmlformats.org/officeDocument/2006/relationships" xmlns:p="http://schemas.openxmlformats.org/presentationml/2006/main">
   <p:cSld>
     <p:spTree>
@@ -6261,15 +6644,7 @@
             </a:r>
             <a:r>
               <a:rPr lang="ko-KR" altLang="en-US" sz="1600" dirty="0" smtClean="0"/>
-              <a:t>의 </a:t>
-            </a:r>
-            <a:r>
-              <a:rPr lang="ko-KR" altLang="en-US" sz="1600" dirty="0" smtClean="0"/>
-              <a:t>가변저항을 사용하여 </a:t>
-            </a:r>
-            <a:r>
-              <a:rPr lang="ko-KR" altLang="en-US" sz="1600" dirty="0" smtClean="0"/>
-              <a:t>평상시에 트랜지스터가 </a:t>
+              <a:t>의 가변저항을 사용하여 평상시에 트랜지스터가 </a:t>
             </a:r>
             <a:r>
               <a:rPr lang="en-US" altLang="ko-KR" sz="1600" dirty="0" smtClean="0"/>
@@ -6293,15 +6668,7 @@
             </a:r>
             <a:r>
               <a:rPr lang="ko-KR" altLang="en-US" sz="1600" dirty="0" smtClean="0"/>
-              <a:t>으로 되도록 조정하는 것이 </a:t>
-            </a:r>
-            <a:r>
-              <a:rPr lang="ko-KR" altLang="en-US" sz="1600" dirty="0" smtClean="0"/>
-              <a:t>필요합니다</a:t>
-            </a:r>
-            <a:r>
-              <a:rPr lang="ko-KR" altLang="en-US" sz="1600" dirty="0" smtClean="0"/>
-              <a:t>．이때 </a:t>
+              <a:t>으로 되도록 조정하는 것이 필요합니다．이때 </a:t>
             </a:r>
             <a:r>
               <a:rPr lang="en-US" altLang="ko-KR" sz="1600" dirty="0" smtClean="0"/>
@@ -6333,11 +6700,7 @@
             </a:r>
             <a:r>
               <a:rPr lang="ko-KR" altLang="en-US" sz="1600" dirty="0" smtClean="0"/>
-              <a:t>의 비와 거의 같은 정도가 되도록 하는 것이 </a:t>
-            </a:r>
-            <a:r>
-              <a:rPr lang="ko-KR" altLang="en-US" sz="1600" dirty="0" smtClean="0"/>
-              <a:t>좋습니다</a:t>
+              <a:t>의 비와 거의 같은 정도가 되도록 하는 것이 좋습니다</a:t>
             </a:r>
             <a:r>
               <a:rPr lang="en-US" altLang="ko-KR" sz="1600" dirty="0" smtClean="0"/>
@@ -6371,15 +6734,7 @@
             </a:r>
             <a:r>
               <a:rPr lang="ko-KR" altLang="en-US" sz="1600" dirty="0" smtClean="0"/>
-              <a:t>의 병렬 저항이 센서의 부하가 되기 때문에 센서의 </a:t>
-            </a:r>
-            <a:r>
-              <a:rPr lang="ko-KR" altLang="en-US" sz="1600" dirty="0" smtClean="0"/>
-              <a:t>부</a:t>
-            </a:r>
-            <a:r>
-              <a:rPr lang="ko-KR" altLang="en-US" sz="1600" dirty="0" smtClean="0"/>
-              <a:t>하 드라이브 능력을 넘지 않게 </a:t>
+              <a:t>의 병렬 저항이 센서의 부하가 되기 때문에 센서의 부하 드라이브 능력을 넘지 않게 </a:t>
             </a:r>
             <a:r>
               <a:rPr lang="en-US" altLang="ko-KR" sz="1600" dirty="0" smtClean="0"/>
@@ -6411,11 +6766,7 @@
             </a:r>
             <a:r>
               <a:rPr lang="ko-KR" altLang="en-US" sz="1600" dirty="0" smtClean="0"/>
-              <a:t>이 </a:t>
-            </a:r>
-            <a:r>
-              <a:rPr lang="ko-KR" altLang="en-US" sz="1600" dirty="0" smtClean="0"/>
-              <a:t>되도록 합니다</a:t>
+              <a:t>이 되도록 합니다</a:t>
             </a:r>
             <a:r>
               <a:rPr lang="en-US" altLang="ko-KR" sz="1600" dirty="0" smtClean="0"/>
@@ -6449,19 +6800,7 @@
             </a:r>
             <a:r>
               <a:rPr lang="ko-KR" altLang="en-US" sz="1600" dirty="0" smtClean="0"/>
-              <a:t> 사용할 트랜지스터의 주파수 </a:t>
-            </a:r>
-            <a:r>
-              <a:rPr lang="ko-KR" altLang="en-US" sz="1600" dirty="0" smtClean="0"/>
-              <a:t>특성을 고려할 </a:t>
-            </a:r>
-            <a:r>
-              <a:rPr lang="ko-KR" altLang="en-US" sz="1600" dirty="0" smtClean="0"/>
-              <a:t>필요가 있지만 그 이외에는 주파수 특성을 걱정할 필요가 없으며 사용전압과 </a:t>
-            </a:r>
-            <a:r>
-              <a:rPr lang="ko-KR" altLang="en-US" sz="1600" dirty="0" smtClean="0"/>
-              <a:t>전류 </a:t>
+              <a:t> 사용할 트랜지스터의 주파수 특성을 고려할 필요가 있지만 그 이외에는 주파수 특성을 걱정할 필요가 없으며 사용전압과 전류 </a:t>
             </a:r>
             <a:r>
               <a:rPr lang="ko-KR" altLang="en-US" sz="1600" dirty="0" err="1" smtClean="0"/>
@@ -6469,11 +6808,7 @@
             </a:r>
             <a:r>
               <a:rPr lang="ko-KR" altLang="en-US" sz="1600" dirty="0" smtClean="0"/>
-              <a:t> </a:t>
-            </a:r>
-            <a:r>
-              <a:rPr lang="ko-KR" altLang="en-US" sz="1600" dirty="0" smtClean="0"/>
-              <a:t>적당한 것을 사용하면 </a:t>
+              <a:t> 적당한 것을 사용하면 </a:t>
             </a:r>
             <a:r>
               <a:rPr lang="ko-KR" altLang="en-US" sz="1600" dirty="0" err="1" smtClean="0"/>
@@ -6509,11 +6844,7 @@
             </a:r>
             <a:r>
               <a:rPr lang="ko-KR" altLang="en-US" sz="1600" dirty="0" smtClean="0"/>
-              <a:t>정도면 </a:t>
-            </a:r>
-            <a:r>
-              <a:rPr lang="ko-KR" altLang="en-US" sz="1600" dirty="0" smtClean="0"/>
-              <a:t>충분하기 때문에 걱정하지 않아도 될 것입니다</a:t>
+              <a:t>정도면 충분하기 때문에 걱정하지 않아도 될 것입니다</a:t>
             </a:r>
             <a:r>
               <a:rPr lang="en-US" altLang="ko-KR" sz="1600" dirty="0" smtClean="0"/>
@@ -6563,666 +6894,6 @@
 </p:sld>
 </file>
 
-<file path=ppt/slides/slide15.xml><?xml version="1.0" encoding="utf-8"?>
-<p:sld xmlns:a="http://schemas.openxmlformats.org/drawingml/2006/main" xmlns:r="http://schemas.openxmlformats.org/officeDocument/2006/relationships" xmlns:p="http://schemas.openxmlformats.org/presentationml/2006/main">
-  <p:cSld>
-    <p:spTree>
-      <p:nvGrpSpPr>
-        <p:cNvPr id="1" name=""/>
-        <p:cNvGrpSpPr/>
-        <p:nvPr/>
-      </p:nvGrpSpPr>
-      <p:grpSpPr>
-        <a:xfrm>
-          <a:off x="0" y="0"/>
-          <a:ext cx="0" cy="0"/>
-          <a:chOff x="0" y="0"/>
-          <a:chExt cx="0" cy="0"/>
-        </a:xfrm>
-      </p:grpSpPr>
-      <p:sp>
-        <p:nvSpPr>
-          <p:cNvPr id="3" name="제목 2"/>
-          <p:cNvSpPr>
-            <a:spLocks noGrp="1"/>
-          </p:cNvSpPr>
-          <p:nvPr>
-            <p:ph type="title"/>
-          </p:nvPr>
-        </p:nvSpPr>
-        <p:spPr/>
-        <p:txBody>
-          <a:bodyPr>
-            <a:normAutofit fontScale="90000"/>
-          </a:bodyPr>
-          <a:lstStyle/>
-          <a:p>
-            <a:r>
-              <a:rPr lang="en-US" altLang="ko-KR" dirty="0" smtClean="0"/>
-              <a:t>Transistor </a:t>
-            </a:r>
-            <a:r>
-              <a:rPr lang="en-US" altLang="ko-KR" sz="4000" dirty="0" smtClean="0"/>
-              <a:t>–</a:t>
-            </a:r>
-            <a:r>
-              <a:rPr lang="ko-KR" altLang="en-US" sz="4000" dirty="0" smtClean="0"/>
-              <a:t> </a:t>
-            </a:r>
-            <a:r>
-              <a:rPr lang="ko-KR" altLang="en-US" sz="3600" dirty="0" smtClean="0"/>
-              <a:t>아날로그 회로에서 사용법</a:t>
-            </a:r>
-            <a:endParaRPr lang="ko-KR" altLang="en-US" dirty="0"/>
-          </a:p>
-        </p:txBody>
-      </p:sp>
-      <p:sp>
-        <p:nvSpPr>
-          <p:cNvPr id="6" name="내용 개체 틀 5"/>
-          <p:cNvSpPr>
-            <a:spLocks noGrp="1"/>
-          </p:cNvSpPr>
-          <p:nvPr>
-            <p:ph idx="1"/>
-          </p:nvPr>
-        </p:nvSpPr>
-        <p:spPr/>
-        <p:txBody>
-          <a:bodyPr>
-            <a:normAutofit fontScale="92500" lnSpcReduction="20000"/>
-          </a:bodyPr>
-          <a:lstStyle/>
-          <a:p>
-            <a:r>
-              <a:rPr lang="ko-KR" altLang="en-US" dirty="0" smtClean="0"/>
-              <a:t>아날로그 신호를 증폭하기 위한 기본 회로는 대부분 </a:t>
-            </a:r>
-            <a:r>
-              <a:rPr lang="ko-KR" altLang="en-US" dirty="0" err="1" smtClean="0"/>
-              <a:t>이미터</a:t>
-            </a:r>
-            <a:r>
-              <a:rPr lang="ko-KR" altLang="en-US" dirty="0" smtClean="0"/>
-              <a:t> 접지 회로를 사용하며 </a:t>
-            </a:r>
-            <a:r>
-              <a:rPr lang="ko-KR" altLang="en-US" dirty="0" smtClean="0"/>
-              <a:t>최대한 깨끗하게 </a:t>
-            </a:r>
-            <a:r>
-              <a:rPr lang="ko-KR" altLang="en-US" dirty="0" smtClean="0"/>
-              <a:t>입력 신호를 증폭하도록 해야 합니다</a:t>
-            </a:r>
-            <a:r>
-              <a:rPr lang="en-US" altLang="ko-KR" dirty="0" smtClean="0"/>
-              <a:t>.</a:t>
-            </a:r>
-          </a:p>
-          <a:p>
-            <a:pPr lvl="1"/>
-            <a:r>
-              <a:rPr lang="ko-KR" altLang="en-US" sz="2000" dirty="0" smtClean="0"/>
-              <a:t>그 기본회로는 다음 그림과 같으며 회로정수의 결정방법은 아래와 같은 순서로 행합니다．</a:t>
-            </a:r>
-          </a:p>
-          <a:p>
-            <a:pPr lvl="1"/>
-            <a:r>
-              <a:rPr lang="ko-KR" altLang="en-US" sz="2000" dirty="0" smtClean="0"/>
-              <a:t>여기로 미리 사용할 전원전압（</a:t>
-            </a:r>
-            <a:r>
-              <a:rPr lang="en-US" altLang="ko-KR" sz="2000" dirty="0" err="1" smtClean="0"/>
-              <a:t>Vcc</a:t>
-            </a:r>
-            <a:r>
-              <a:rPr lang="en-US" altLang="ko-KR" sz="2000" dirty="0" smtClean="0"/>
-              <a:t>)</a:t>
-            </a:r>
-            <a:r>
-              <a:rPr lang="ko-KR" altLang="en-US" sz="2000" dirty="0" smtClean="0"/>
-              <a:t>은 정해 있는 것으로 하고 사용할 트랜지스터의 </a:t>
-            </a:r>
-            <a:r>
-              <a:rPr lang="ko-KR" altLang="en-US" sz="2000" dirty="0" smtClean="0"/>
-              <a:t>전류 증폭율</a:t>
-            </a:r>
-            <a:r>
-              <a:rPr lang="en-US" altLang="ko-KR" sz="2000" dirty="0" smtClean="0"/>
-              <a:t>(</a:t>
-            </a:r>
-            <a:r>
-              <a:rPr lang="en-US" altLang="ko-KR" sz="2000" dirty="0" err="1" smtClean="0"/>
-              <a:t>hfe</a:t>
-            </a:r>
-            <a:r>
-              <a:rPr lang="en-US" altLang="ko-KR" sz="2000" dirty="0" smtClean="0"/>
-              <a:t>)</a:t>
-            </a:r>
-            <a:r>
-              <a:rPr lang="ko-KR" altLang="en-US" sz="2000" dirty="0" smtClean="0"/>
-              <a:t>은 </a:t>
-            </a:r>
-            <a:r>
-              <a:rPr lang="en-US" altLang="ko-KR" sz="2000" dirty="0" smtClean="0"/>
-              <a:t>100</a:t>
-            </a:r>
-            <a:r>
-              <a:rPr lang="ko-KR" altLang="en-US" sz="2000" dirty="0" smtClean="0"/>
-              <a:t>으로 가정합니다</a:t>
-            </a:r>
-            <a:r>
-              <a:rPr lang="en-US" altLang="ko-KR" sz="2000" dirty="0" smtClean="0"/>
-              <a:t>. </a:t>
-            </a:r>
-            <a:r>
-              <a:rPr lang="ko-KR" altLang="en-US" sz="2000" dirty="0" smtClean="0"/>
-              <a:t>트랜지스터의 </a:t>
-            </a:r>
-            <a:r>
-              <a:rPr lang="ko-KR" altLang="en-US" sz="2000" dirty="0" err="1" smtClean="0"/>
-              <a:t>선정시는</a:t>
-            </a:r>
-            <a:r>
-              <a:rPr lang="ko-KR" altLang="en-US" sz="2000" dirty="0" smtClean="0"/>
-              <a:t> 주파수 특성이 중요하고 </a:t>
-            </a:r>
-            <a:r>
-              <a:rPr lang="ko-KR" altLang="en-US" sz="2000" dirty="0" smtClean="0"/>
-              <a:t>이득 대역폭 </a:t>
-            </a:r>
-            <a:r>
-              <a:rPr lang="en-US" altLang="ko-KR" sz="2000" dirty="0" smtClean="0"/>
-              <a:t>(</a:t>
-            </a:r>
-            <a:r>
-              <a:rPr lang="en-US" altLang="ko-KR" sz="2000" dirty="0" err="1" smtClean="0"/>
-              <a:t>fT</a:t>
-            </a:r>
-            <a:r>
-              <a:rPr lang="en-US" altLang="ko-KR" sz="2000" dirty="0" smtClean="0"/>
-              <a:t>)</a:t>
-            </a:r>
-            <a:r>
-              <a:rPr lang="ko-KR" altLang="en-US" sz="2000" dirty="0" smtClean="0"/>
-              <a:t>이 높은것을 사용할 필요가 있습니다．</a:t>
-            </a:r>
-            <a:endParaRPr lang="en-US" altLang="ko-KR" sz="2000" dirty="0" smtClean="0"/>
-          </a:p>
-          <a:p>
-            <a:pPr lvl="1"/>
-            <a:endParaRPr lang="en-US" altLang="ko-KR" dirty="0" smtClean="0"/>
-          </a:p>
-          <a:p>
-            <a:pPr lvl="1">
-              <a:buNone/>
-            </a:pPr>
-            <a:r>
-              <a:rPr lang="ko-KR" altLang="en-US" dirty="0" smtClean="0"/>
-              <a:t>예</a:t>
-            </a:r>
-            <a:r>
-              <a:rPr lang="ko-KR" altLang="en-US" dirty="0" smtClean="0"/>
-              <a:t>：</a:t>
-            </a:r>
-          </a:p>
-          <a:p>
-            <a:pPr lvl="1"/>
-            <a:r>
-              <a:rPr lang="en-US" altLang="ko-KR" dirty="0" err="1" smtClean="0"/>
-              <a:t>fT</a:t>
-            </a:r>
-            <a:r>
-              <a:rPr lang="ko-KR" altLang="en-US" dirty="0" smtClean="0"/>
-              <a:t>가 </a:t>
-            </a:r>
-            <a:r>
-              <a:rPr lang="en-US" altLang="ko-KR" dirty="0" smtClean="0"/>
-              <a:t>200MHz </a:t>
-            </a:r>
-            <a:r>
-              <a:rPr lang="ko-KR" altLang="en-US" dirty="0" smtClean="0"/>
-              <a:t>이고 </a:t>
-            </a:r>
-            <a:r>
-              <a:rPr lang="en-US" altLang="ko-KR" dirty="0" err="1" smtClean="0"/>
-              <a:t>hfe</a:t>
-            </a:r>
-            <a:r>
-              <a:rPr lang="ko-KR" altLang="en-US" dirty="0" smtClean="0"/>
-              <a:t>가 </a:t>
-            </a:r>
-            <a:r>
-              <a:rPr lang="en-US" altLang="ko-KR" dirty="0" smtClean="0"/>
-              <a:t>100</a:t>
-            </a:r>
-            <a:r>
-              <a:rPr lang="ko-KR" altLang="en-US" dirty="0" smtClean="0"/>
-              <a:t>이라면，</a:t>
-            </a:r>
-            <a:r>
-              <a:rPr lang="en-US" altLang="ko-KR" dirty="0" smtClean="0"/>
-              <a:t>200MHz ÷ 100 = 2MHz </a:t>
-            </a:r>
-            <a:r>
-              <a:rPr lang="ko-KR" altLang="en-US" dirty="0" smtClean="0"/>
-              <a:t>로 </a:t>
-            </a:r>
-            <a:r>
-              <a:rPr lang="ko-KR" altLang="en-US" dirty="0" smtClean="0"/>
-              <a:t>되어 실제로 </a:t>
-            </a:r>
-            <a:r>
-              <a:rPr lang="ko-KR" altLang="en-US" dirty="0" smtClean="0"/>
-              <a:t>사용할 수 있는 주파수는 ２</a:t>
-            </a:r>
-            <a:r>
-              <a:rPr lang="en-US" altLang="ko-KR" dirty="0" smtClean="0"/>
-              <a:t>MHz </a:t>
-            </a:r>
-            <a:r>
-              <a:rPr lang="ko-KR" altLang="en-US" dirty="0" smtClean="0"/>
-              <a:t>정도가 됩니다</a:t>
-            </a:r>
-            <a:r>
-              <a:rPr lang="en-US" altLang="ko-KR" dirty="0" smtClean="0"/>
-              <a:t>.</a:t>
-            </a:r>
-          </a:p>
-          <a:p>
-            <a:pPr lvl="1"/>
-            <a:r>
-              <a:rPr lang="ko-KR" altLang="en-US" dirty="0" smtClean="0"/>
-              <a:t>따라서 </a:t>
-            </a:r>
-            <a:r>
-              <a:rPr lang="en-US" altLang="ko-KR" dirty="0" smtClean="0"/>
-              <a:t>10MHz </a:t>
-            </a:r>
-            <a:r>
-              <a:rPr lang="ko-KR" altLang="en-US" dirty="0" smtClean="0"/>
-              <a:t>이상의 주파수로 사용하려면 </a:t>
-            </a:r>
-            <a:r>
-              <a:rPr lang="en-US" altLang="ko-KR" dirty="0" smtClean="0"/>
-              <a:t>ft</a:t>
-            </a:r>
-            <a:r>
-              <a:rPr lang="ko-KR" altLang="en-US" dirty="0" smtClean="0"/>
-              <a:t>는 </a:t>
-            </a:r>
-            <a:r>
-              <a:rPr lang="en-US" altLang="ko-KR" dirty="0" smtClean="0"/>
-              <a:t>1GHz </a:t>
-            </a:r>
-            <a:r>
-              <a:rPr lang="ko-KR" altLang="en-US" dirty="0" smtClean="0"/>
-              <a:t>이상이 </a:t>
-            </a:r>
-            <a:r>
-              <a:rPr lang="ko-KR" altLang="en-US" dirty="0" smtClean="0"/>
-              <a:t>필요하게 됩니다</a:t>
-            </a:r>
-            <a:r>
-              <a:rPr lang="en-US" altLang="ko-KR" dirty="0" smtClean="0"/>
-              <a:t>.</a:t>
-            </a:r>
-            <a:endParaRPr lang="ko-KR" altLang="en-US" dirty="0"/>
-          </a:p>
-        </p:txBody>
-      </p:sp>
-    </p:spTree>
-  </p:cSld>
-  <p:clrMapOvr>
-    <a:masterClrMapping/>
-  </p:clrMapOvr>
-</p:sld>
-</file>
-
-<file path=ppt/slides/slide16.xml><?xml version="1.0" encoding="utf-8"?>
-<p:sld xmlns:a="http://schemas.openxmlformats.org/drawingml/2006/main" xmlns:r="http://schemas.openxmlformats.org/officeDocument/2006/relationships" xmlns:p="http://schemas.openxmlformats.org/presentationml/2006/main">
-  <p:cSld>
-    <p:spTree>
-      <p:nvGrpSpPr>
-        <p:cNvPr id="1" name=""/>
-        <p:cNvGrpSpPr/>
-        <p:nvPr/>
-      </p:nvGrpSpPr>
-      <p:grpSpPr>
-        <a:xfrm>
-          <a:off x="0" y="0"/>
-          <a:ext cx="0" cy="0"/>
-          <a:chOff x="0" y="0"/>
-          <a:chExt cx="0" cy="0"/>
-        </a:xfrm>
-      </p:grpSpPr>
-      <p:sp>
-        <p:nvSpPr>
-          <p:cNvPr id="3" name="제목 2"/>
-          <p:cNvSpPr>
-            <a:spLocks noGrp="1"/>
-          </p:cNvSpPr>
-          <p:nvPr>
-            <p:ph type="title"/>
-          </p:nvPr>
-        </p:nvSpPr>
-        <p:spPr/>
-        <p:txBody>
-          <a:bodyPr>
-            <a:normAutofit fontScale="90000"/>
-          </a:bodyPr>
-          <a:lstStyle/>
-          <a:p>
-            <a:r>
-              <a:rPr lang="en-US" altLang="ko-KR" dirty="0" smtClean="0"/>
-              <a:t>Transistor</a:t>
-            </a:r>
-            <a:r>
-              <a:rPr lang="en-US" altLang="ko-KR" dirty="0" smtClean="0"/>
-              <a:t> </a:t>
-            </a:r>
-            <a:r>
-              <a:rPr lang="en-US" altLang="ko-KR" sz="4000" dirty="0" smtClean="0"/>
-              <a:t>–</a:t>
-            </a:r>
-            <a:r>
-              <a:rPr lang="ko-KR" altLang="en-US" sz="4000" dirty="0" smtClean="0"/>
-              <a:t> </a:t>
-            </a:r>
-            <a:r>
-              <a:rPr lang="ko-KR" altLang="en-US" sz="3600" dirty="0" smtClean="0"/>
-              <a:t>아날로그 회로에서 사용법</a:t>
-            </a:r>
-            <a:endParaRPr lang="ko-KR" altLang="en-US" dirty="0"/>
-          </a:p>
-        </p:txBody>
-      </p:sp>
-      <p:sp>
-        <p:nvSpPr>
-          <p:cNvPr id="4" name="내용 개체 틀 3"/>
-          <p:cNvSpPr>
-            <a:spLocks noGrp="1"/>
-          </p:cNvSpPr>
-          <p:nvPr>
-            <p:ph idx="1"/>
-          </p:nvPr>
-        </p:nvSpPr>
-        <p:spPr>
-          <a:xfrm>
-            <a:off x="4067944" y="1484784"/>
-            <a:ext cx="4618856" cy="4522507"/>
-          </a:xfrm>
-        </p:spPr>
-        <p:txBody>
-          <a:bodyPr>
-            <a:normAutofit/>
-          </a:bodyPr>
-          <a:lstStyle/>
-          <a:p>
-            <a:pPr>
-              <a:buNone/>
-            </a:pPr>
-            <a:r>
-              <a:rPr lang="en-US" altLang="ko-KR" sz="2000" dirty="0" smtClean="0"/>
-              <a:t>1. </a:t>
-            </a:r>
-            <a:r>
-              <a:rPr lang="ko-KR" altLang="en-US" sz="2000" dirty="0" err="1" smtClean="0"/>
-              <a:t>컬렉터</a:t>
-            </a:r>
-            <a:r>
-              <a:rPr lang="ko-KR" altLang="en-US" sz="2000" dirty="0" smtClean="0"/>
-              <a:t> </a:t>
-            </a:r>
-            <a:r>
-              <a:rPr lang="ko-KR" altLang="en-US" sz="2000" dirty="0" smtClean="0"/>
-              <a:t>저항（</a:t>
-            </a:r>
-            <a:r>
-              <a:rPr lang="en-US" altLang="ko-KR" sz="2000" dirty="0" err="1" smtClean="0"/>
-              <a:t>Rc</a:t>
-            </a:r>
-            <a:r>
-              <a:rPr lang="en-US" altLang="ko-KR" sz="2000" dirty="0" smtClean="0"/>
-              <a:t>)</a:t>
-            </a:r>
-            <a:r>
-              <a:rPr lang="ko-KR" altLang="en-US" sz="2000" dirty="0" smtClean="0"/>
-              <a:t>의 </a:t>
-            </a:r>
-            <a:r>
-              <a:rPr lang="ko-KR" altLang="en-US" sz="2000" dirty="0" smtClean="0"/>
-              <a:t>결정</a:t>
-            </a:r>
-            <a:endParaRPr lang="en-US" altLang="ko-KR" sz="2000" dirty="0" smtClean="0"/>
-          </a:p>
-          <a:p>
-            <a:pPr>
-              <a:buNone/>
-            </a:pPr>
-            <a:endParaRPr lang="en-US" altLang="ko-KR" sz="2000" dirty="0" smtClean="0"/>
-          </a:p>
-          <a:p>
-            <a:r>
-              <a:rPr lang="ko-KR" altLang="en-US" sz="1600" dirty="0" smtClean="0"/>
-              <a:t>이것은 부하전류（</a:t>
-            </a:r>
-            <a:r>
-              <a:rPr lang="en-US" altLang="ko-KR" sz="1600" dirty="0" err="1" smtClean="0"/>
-              <a:t>Ic</a:t>
-            </a:r>
-            <a:r>
-              <a:rPr lang="en-US" altLang="ko-KR" sz="1600" dirty="0" smtClean="0"/>
-              <a:t>)</a:t>
-            </a:r>
-            <a:r>
-              <a:rPr lang="ko-KR" altLang="en-US" sz="1600" dirty="0" smtClean="0"/>
-              <a:t>를 고려해서 결정해야 합니다</a:t>
-            </a:r>
-            <a:r>
-              <a:rPr lang="en-US" altLang="ko-KR" sz="1600" dirty="0" smtClean="0"/>
-              <a:t>.</a:t>
-            </a:r>
-          </a:p>
-          <a:p>
-            <a:r>
-              <a:rPr lang="ko-KR" altLang="en-US" sz="1600" dirty="0" smtClean="0"/>
-              <a:t>파워가 필요한 </a:t>
-            </a:r>
-            <a:r>
-              <a:rPr lang="ko-KR" altLang="en-US" sz="1600" dirty="0" err="1" smtClean="0"/>
-              <a:t>드라이브일때는</a:t>
-            </a:r>
-            <a:r>
-              <a:rPr lang="ko-KR" altLang="en-US" sz="1600" dirty="0" smtClean="0"/>
-              <a:t> 수 １００ｍ</a:t>
-            </a:r>
-            <a:r>
-              <a:rPr lang="en-US" altLang="ko-KR" sz="1600" dirty="0" smtClean="0"/>
-              <a:t>A </a:t>
-            </a:r>
-            <a:r>
-              <a:rPr lang="ko-KR" altLang="en-US" sz="1600" dirty="0" smtClean="0"/>
-              <a:t>정도가 필요하며 통상은 수 ｍ</a:t>
-            </a:r>
-            <a:r>
-              <a:rPr lang="en-US" altLang="ko-KR" sz="1600" dirty="0" smtClean="0"/>
-              <a:t>A ~ </a:t>
-            </a:r>
-            <a:r>
-              <a:rPr lang="ko-KR" altLang="en-US" sz="1600" dirty="0" smtClean="0"/>
-              <a:t>수 １０ｍ</a:t>
-            </a:r>
-            <a:r>
-              <a:rPr lang="en-US" altLang="ko-KR" sz="1600" dirty="0" smtClean="0"/>
-              <a:t>A </a:t>
-            </a:r>
-            <a:r>
-              <a:rPr lang="ko-KR" altLang="en-US" sz="1600" dirty="0" smtClean="0"/>
-              <a:t>정도가 </a:t>
-            </a:r>
-            <a:r>
-              <a:rPr lang="ko-KR" altLang="en-US" sz="1600" dirty="0" smtClean="0"/>
-              <a:t>일반적입니다．</a:t>
-            </a:r>
-          </a:p>
-          <a:p>
-            <a:r>
-              <a:rPr lang="en-US" altLang="ko-KR" sz="1600" dirty="0" err="1" smtClean="0"/>
-              <a:t>Rc</a:t>
-            </a:r>
-            <a:r>
-              <a:rPr lang="ko-KR" altLang="en-US" sz="1600" dirty="0" smtClean="0"/>
-              <a:t>는 무신호시 출력전압이 전원 전압의 １／２이 되도록 하면 되며</a:t>
-            </a:r>
-          </a:p>
-          <a:p>
-            <a:r>
-              <a:rPr lang="en-US" altLang="ko-KR" sz="1600" dirty="0" err="1" smtClean="0"/>
-              <a:t>Rc</a:t>
-            </a:r>
-            <a:r>
-              <a:rPr lang="en-US" altLang="ko-KR" sz="1600" dirty="0" smtClean="0"/>
-              <a:t> = </a:t>
-            </a:r>
-            <a:r>
-              <a:rPr lang="ko-KR" altLang="en-US" sz="1600" dirty="0" smtClean="0"/>
-              <a:t>（</a:t>
-            </a:r>
-            <a:r>
-              <a:rPr lang="en-US" altLang="ko-KR" sz="1600" dirty="0" err="1" smtClean="0"/>
-              <a:t>Vcc</a:t>
-            </a:r>
-            <a:r>
-              <a:rPr lang="en-US" altLang="ko-KR" sz="1600" dirty="0" smtClean="0"/>
-              <a:t>/2) ÷ </a:t>
-            </a:r>
-            <a:r>
-              <a:rPr lang="en-US" altLang="ko-KR" sz="1600" dirty="0" err="1" smtClean="0"/>
-              <a:t>Ic</a:t>
-            </a:r>
-            <a:r>
-              <a:rPr lang="en-US" altLang="ko-KR" sz="1600" dirty="0" smtClean="0"/>
-              <a:t> </a:t>
-            </a:r>
-            <a:r>
-              <a:rPr lang="ko-KR" altLang="en-US" sz="1600" dirty="0" smtClean="0"/>
-              <a:t>로 계산하면 구할 수 있습니다</a:t>
-            </a:r>
-            <a:r>
-              <a:rPr lang="en-US" altLang="ko-KR" sz="1600" dirty="0" smtClean="0"/>
-              <a:t>.</a:t>
-            </a:r>
-          </a:p>
-          <a:p>
-            <a:pPr>
-              <a:buNone/>
-            </a:pPr>
-            <a:r>
-              <a:rPr lang="en-US" altLang="ko-KR" sz="1600" dirty="0" smtClean="0"/>
-              <a:t>(</a:t>
-            </a:r>
-            <a:r>
-              <a:rPr lang="ko-KR" altLang="en-US" sz="1600" dirty="0" smtClean="0"/>
-              <a:t>예：</a:t>
-            </a:r>
-            <a:r>
-              <a:rPr lang="en-US" altLang="ko-KR" sz="1600" dirty="0" err="1" smtClean="0"/>
-              <a:t>Vcc</a:t>
-            </a:r>
-            <a:r>
-              <a:rPr lang="en-US" altLang="ko-KR" sz="1600" dirty="0" smtClean="0"/>
-              <a:t>=5V </a:t>
-            </a:r>
-            <a:r>
-              <a:rPr lang="en-US" altLang="ko-KR" sz="1600" dirty="0" err="1" smtClean="0"/>
-              <a:t>Ic</a:t>
-            </a:r>
-            <a:r>
-              <a:rPr lang="en-US" altLang="ko-KR" sz="1600" dirty="0" smtClean="0"/>
-              <a:t>=</a:t>
-            </a:r>
-            <a:r>
-              <a:rPr lang="ko-KR" altLang="en-US" sz="1600" dirty="0" smtClean="0"/>
-              <a:t>２</a:t>
-            </a:r>
-            <a:r>
-              <a:rPr lang="en-US" altLang="ko-KR" sz="1600" dirty="0" err="1" smtClean="0"/>
-              <a:t>mA</a:t>
-            </a:r>
-            <a:r>
-              <a:rPr lang="en-US" altLang="ko-KR" sz="1600" dirty="0" smtClean="0"/>
-              <a:t> </a:t>
-            </a:r>
-            <a:r>
-              <a:rPr lang="ko-KR" altLang="en-US" sz="1600" dirty="0" smtClean="0"/>
-              <a:t>라면 </a:t>
-            </a:r>
-            <a:r>
-              <a:rPr lang="en-US" altLang="ko-KR" sz="1600" dirty="0" err="1" smtClean="0"/>
-              <a:t>Rc</a:t>
-            </a:r>
-            <a:r>
-              <a:rPr lang="en-US" altLang="ko-KR" sz="1600" dirty="0" smtClean="0"/>
-              <a:t>=1.25KΩ </a:t>
-            </a:r>
-            <a:r>
-              <a:rPr lang="en-US" altLang="ko-KR" sz="1600" dirty="0" smtClean="0"/>
-              <a:t>= </a:t>
-            </a:r>
-            <a:r>
-              <a:rPr lang="ko-KR" altLang="en-US" sz="1600" dirty="0" smtClean="0"/>
-              <a:t>약</a:t>
-            </a:r>
-            <a:r>
-              <a:rPr lang="en-US" altLang="ko-KR" sz="1600" dirty="0" smtClean="0"/>
-              <a:t>1KΩ)</a:t>
-            </a:r>
-            <a:endParaRPr lang="ko-KR" altLang="en-US" sz="1600" dirty="0"/>
-          </a:p>
-        </p:txBody>
-      </p:sp>
-      <p:pic>
-        <p:nvPicPr>
-          <p:cNvPr id="5122" name="Picture 2"/>
-          <p:cNvPicPr>
-            <a:picLocks noChangeAspect="1" noChangeArrowheads="1"/>
-          </p:cNvPicPr>
-          <p:nvPr/>
-        </p:nvPicPr>
-        <p:blipFill>
-          <a:blip r:embed="rId2" cstate="print"/>
-          <a:srcRect/>
-          <a:stretch>
-            <a:fillRect/>
-          </a:stretch>
-        </p:blipFill>
-        <p:spPr bwMode="auto">
-          <a:xfrm>
-            <a:off x="179512" y="2276872"/>
-            <a:ext cx="3927059" cy="2995414"/>
-          </a:xfrm>
-          <a:prstGeom prst="rect">
-            <a:avLst/>
-          </a:prstGeom>
-          <a:noFill/>
-          <a:ln w="9525">
-            <a:noFill/>
-            <a:miter lim="800000"/>
-            <a:headEnd/>
-            <a:tailEnd/>
-          </a:ln>
-        </p:spPr>
-      </p:pic>
-    </p:spTree>
-  </p:cSld>
-  <p:clrMapOvr>
-    <a:masterClrMapping/>
-  </p:clrMapOvr>
-</p:sld>
-</file>
-
 <file path=ppt/slides/slide17.xml><?xml version="1.0" encoding="utf-8"?>
 <p:sld xmlns:a="http://schemas.openxmlformats.org/drawingml/2006/main" xmlns:r="http://schemas.openxmlformats.org/officeDocument/2006/relationships" xmlns:p="http://schemas.openxmlformats.org/presentationml/2006/main">
   <p:cSld>
@@ -7259,11 +6930,7 @@
           <a:p>
             <a:r>
               <a:rPr lang="en-US" altLang="ko-KR" dirty="0" smtClean="0"/>
-              <a:t>Transistor</a:t>
-            </a:r>
-            <a:r>
-              <a:rPr lang="en-US" altLang="ko-KR" dirty="0" smtClean="0"/>
-              <a:t> </a:t>
+              <a:t>Transistor </a:t>
             </a:r>
             <a:r>
               <a:rPr lang="en-US" altLang="ko-KR" sz="4000" dirty="0" smtClean="0"/>
@@ -7283,7 +6950,7 @@
       </p:sp>
       <p:sp>
         <p:nvSpPr>
-          <p:cNvPr id="4" name="내용 개체 틀 3"/>
+          <p:cNvPr id="6" name="내용 개체 틀 5"/>
           <p:cNvSpPr>
             <a:spLocks noGrp="1"/>
           </p:cNvSpPr>
@@ -7291,179 +6958,219 @@
             <p:ph idx="1"/>
           </p:nvPr>
         </p:nvSpPr>
-        <p:spPr>
-          <a:xfrm>
-            <a:off x="4067944" y="1484784"/>
-            <a:ext cx="4618856" cy="4522507"/>
-          </a:xfrm>
-        </p:spPr>
+        <p:spPr/>
         <p:txBody>
           <a:bodyPr>
-            <a:normAutofit/>
+            <a:normAutofit fontScale="92500" lnSpcReduction="20000"/>
           </a:bodyPr>
           <a:lstStyle/>
           <a:p>
-            <a:pPr>
+            <a:r>
+              <a:rPr lang="ko-KR" altLang="en-US" dirty="0" smtClean="0"/>
+              <a:t>아날로그 신호를 증폭하기 위한 기본 회로는 대부분 </a:t>
+            </a:r>
+            <a:r>
+              <a:rPr lang="ko-KR" altLang="en-US" dirty="0" err="1" smtClean="0"/>
+              <a:t>이미터</a:t>
+            </a:r>
+            <a:r>
+              <a:rPr lang="ko-KR" altLang="en-US" dirty="0" smtClean="0"/>
+              <a:t> 접지 회로를 사용하며 최대한 깨끗하게 입력 신호를 증폭하도록 해야 합니다</a:t>
+            </a:r>
+            <a:r>
+              <a:rPr lang="en-US" altLang="ko-KR" dirty="0" smtClean="0"/>
+              <a:t>.</a:t>
+            </a:r>
+          </a:p>
+          <a:p>
+            <a:pPr lvl="1"/>
+            <a:r>
+              <a:rPr lang="ko-KR" altLang="en-US" sz="2000" dirty="0" smtClean="0"/>
+              <a:t>그 기본회로는 다음 그림과 같으며 회로정수의 결정방법은 아래와 같은 순서로 행합니다．</a:t>
+            </a:r>
+          </a:p>
+          <a:p>
+            <a:pPr lvl="1"/>
+            <a:r>
+              <a:rPr lang="ko-KR" altLang="en-US" sz="2000" dirty="0" smtClean="0"/>
+              <a:t>여기로 미리 사용할 전원전압（</a:t>
+            </a:r>
+            <a:r>
+              <a:rPr lang="en-US" altLang="ko-KR" sz="2000" dirty="0" err="1" smtClean="0"/>
+              <a:t>Vcc</a:t>
+            </a:r>
+            <a:r>
+              <a:rPr lang="en-US" altLang="ko-KR" sz="2000" dirty="0" smtClean="0"/>
+              <a:t>)</a:t>
+            </a:r>
+            <a:r>
+              <a:rPr lang="ko-KR" altLang="en-US" sz="2000" dirty="0" smtClean="0"/>
+              <a:t>은 정해 있는 것으로 하고 사용할 트랜지스터의 전류 증폭율</a:t>
+            </a:r>
+            <a:r>
+              <a:rPr lang="en-US" altLang="ko-KR" sz="2000" dirty="0" smtClean="0"/>
+              <a:t>(</a:t>
+            </a:r>
+            <a:r>
+              <a:rPr lang="en-US" altLang="ko-KR" sz="2000" dirty="0" err="1" smtClean="0"/>
+              <a:t>hfe</a:t>
+            </a:r>
+            <a:r>
+              <a:rPr lang="en-US" altLang="ko-KR" sz="2000" dirty="0" smtClean="0"/>
+              <a:t>)</a:t>
+            </a:r>
+            <a:r>
+              <a:rPr lang="ko-KR" altLang="en-US" sz="2000" dirty="0" smtClean="0"/>
+              <a:t>은 </a:t>
+            </a:r>
+            <a:r>
+              <a:rPr lang="en-US" altLang="ko-KR" sz="2000" dirty="0" smtClean="0"/>
+              <a:t>100</a:t>
+            </a:r>
+            <a:r>
+              <a:rPr lang="ko-KR" altLang="en-US" sz="2000" dirty="0" smtClean="0"/>
+              <a:t>으로 가정합니다</a:t>
+            </a:r>
+            <a:r>
+              <a:rPr lang="en-US" altLang="ko-KR" sz="2000" dirty="0" smtClean="0"/>
+              <a:t>. </a:t>
+            </a:r>
+            <a:r>
+              <a:rPr lang="ko-KR" altLang="en-US" sz="2000" dirty="0" smtClean="0"/>
+              <a:t>트랜지스터의 </a:t>
+            </a:r>
+            <a:r>
+              <a:rPr lang="ko-KR" altLang="en-US" sz="2000" dirty="0" err="1" smtClean="0"/>
+              <a:t>선정시는</a:t>
+            </a:r>
+            <a:r>
+              <a:rPr lang="ko-KR" altLang="en-US" sz="2000" dirty="0" smtClean="0"/>
+              <a:t> 주파수 특성이 중요하고 이득 대역폭 </a:t>
+            </a:r>
+            <a:r>
+              <a:rPr lang="en-US" altLang="ko-KR" sz="2000" dirty="0" smtClean="0"/>
+              <a:t>(</a:t>
+            </a:r>
+            <a:r>
+              <a:rPr lang="en-US" altLang="ko-KR" sz="2000" dirty="0" err="1" smtClean="0"/>
+              <a:t>fT</a:t>
+            </a:r>
+            <a:r>
+              <a:rPr lang="en-US" altLang="ko-KR" sz="2000" dirty="0" smtClean="0"/>
+              <a:t>)</a:t>
+            </a:r>
+            <a:r>
+              <a:rPr lang="ko-KR" altLang="en-US" sz="2000" dirty="0" smtClean="0"/>
+              <a:t>이 높은것을 사용할 필요가 있습니다．</a:t>
+            </a:r>
+            <a:endParaRPr lang="en-US" altLang="ko-KR" sz="2000" dirty="0" smtClean="0"/>
+          </a:p>
+          <a:p>
+            <a:pPr lvl="1"/>
+            <a:endParaRPr lang="en-US" altLang="ko-KR" dirty="0" smtClean="0"/>
+          </a:p>
+          <a:p>
+            <a:pPr lvl="1">
               <a:buNone/>
             </a:pPr>
             <a:r>
-              <a:rPr lang="en-US" altLang="ko-KR" sz="2000" dirty="0" smtClean="0"/>
-              <a:t>2. </a:t>
-            </a:r>
-            <a:r>
-              <a:rPr lang="ko-KR" altLang="en-US" sz="2000" dirty="0" err="1" smtClean="0"/>
-              <a:t>이미터</a:t>
-            </a:r>
-            <a:r>
-              <a:rPr lang="ko-KR" altLang="en-US" sz="2000" dirty="0" smtClean="0"/>
-              <a:t> 저항（</a:t>
-            </a:r>
-            <a:r>
-              <a:rPr lang="en-US" altLang="ko-KR" sz="2000" dirty="0" smtClean="0"/>
-              <a:t>Re</a:t>
-            </a:r>
-            <a:r>
-              <a:rPr lang="ko-KR" altLang="en-US" sz="2000" dirty="0" smtClean="0"/>
-              <a:t>）의 결정</a:t>
-            </a:r>
-            <a:endParaRPr lang="en-US" altLang="ko-KR" sz="2000" dirty="0" smtClean="0"/>
-          </a:p>
-          <a:p>
-            <a:pPr>
-              <a:buNone/>
-            </a:pPr>
-            <a:endParaRPr lang="en-US" altLang="ko-KR" sz="2000" dirty="0" smtClean="0"/>
-          </a:p>
-          <a:p>
-            <a:r>
-              <a:rPr lang="ko-KR" altLang="en-US" sz="1600" dirty="0" smtClean="0"/>
-              <a:t>이 저항은 입력신호가 １</a:t>
-            </a:r>
-            <a:r>
-              <a:rPr lang="en-US" altLang="ko-KR" sz="1600" dirty="0" smtClean="0"/>
-              <a:t>V </a:t>
-            </a:r>
-            <a:r>
-              <a:rPr lang="ko-KR" altLang="en-US" sz="1600" dirty="0" smtClean="0"/>
-              <a:t>이상이 되어도 출력이 포화하지 않도록 하여 신호를 깨끗하게 </a:t>
-            </a:r>
-            <a:r>
-              <a:rPr lang="ko-KR" altLang="en-US" sz="1600" dirty="0" smtClean="0"/>
-              <a:t>증폭 </a:t>
-            </a:r>
-            <a:r>
-              <a:rPr lang="ko-KR" altLang="en-US" sz="1600" dirty="0" smtClean="0"/>
-              <a:t>할 수 있도록 합니다</a:t>
-            </a:r>
-            <a:r>
-              <a:rPr lang="en-US" altLang="ko-KR" sz="1600" dirty="0" smtClean="0"/>
-              <a:t>. </a:t>
-            </a:r>
-            <a:endParaRPr lang="en-US" altLang="ko-KR" sz="1600" dirty="0" smtClean="0"/>
-          </a:p>
-          <a:p>
-            <a:r>
-              <a:rPr lang="ko-KR" altLang="en-US" sz="1600" dirty="0" smtClean="0"/>
-              <a:t>값의 </a:t>
-            </a:r>
-            <a:r>
-              <a:rPr lang="ko-KR" altLang="en-US" sz="1600" dirty="0" smtClean="0"/>
-              <a:t>결정은 </a:t>
-            </a:r>
-            <a:r>
-              <a:rPr lang="ko-KR" altLang="en-US" sz="1600" dirty="0" err="1" smtClean="0"/>
-              <a:t>러프하게</a:t>
-            </a:r>
-            <a:r>
-              <a:rPr lang="ko-KR" altLang="en-US" sz="1600" dirty="0" smtClean="0"/>
-              <a:t> 생각해도 좋으며 통상 </a:t>
-            </a:r>
-            <a:r>
-              <a:rPr lang="en-US" altLang="ko-KR" sz="1600" dirty="0" err="1" smtClean="0"/>
-              <a:t>Rc</a:t>
-            </a:r>
-            <a:r>
-              <a:rPr lang="ko-KR" altLang="en-US" sz="1600" dirty="0" smtClean="0"/>
-              <a:t>의 </a:t>
-            </a:r>
-            <a:r>
-              <a:rPr lang="en-US" altLang="ko-KR" sz="1600" dirty="0" smtClean="0"/>
-              <a:t>1/5 ∼ 1/10 </a:t>
-            </a:r>
-            <a:r>
-              <a:rPr lang="ko-KR" altLang="en-US" sz="1600" dirty="0" smtClean="0"/>
-              <a:t>정도면 </a:t>
-            </a:r>
-            <a:r>
-              <a:rPr lang="ko-KR" altLang="en-US" sz="1600" dirty="0" smtClean="0"/>
-              <a:t>족합니다</a:t>
-            </a:r>
-            <a:r>
-              <a:rPr lang="en-US" altLang="ko-KR" sz="1600" dirty="0" smtClean="0"/>
-              <a:t>. </a:t>
-            </a:r>
-            <a:endParaRPr lang="en-US" altLang="ko-KR" sz="1600" dirty="0" smtClean="0"/>
-          </a:p>
-          <a:p>
-            <a:pPr>
-              <a:buNone/>
-            </a:pPr>
-            <a:r>
-              <a:rPr lang="en-US" altLang="ko-KR" sz="1600" dirty="0" smtClean="0"/>
-              <a:t> </a:t>
-            </a:r>
-            <a:r>
-              <a:rPr lang="en-US" altLang="ko-KR" sz="1600" dirty="0" smtClean="0"/>
-              <a:t>  (</a:t>
-            </a:r>
-            <a:r>
-              <a:rPr lang="ko-KR" altLang="en-US" sz="1600" dirty="0" smtClean="0"/>
+              <a:rPr lang="ko-KR" altLang="en-US" dirty="0" smtClean="0"/>
               <a:t>예：</a:t>
             </a:r>
-            <a:r>
-              <a:rPr lang="en-US" altLang="ko-KR" sz="1600" dirty="0" smtClean="0"/>
-              <a:t>1KΩ ÷ 5 = 200Ω</a:t>
-            </a:r>
-            <a:r>
-              <a:rPr lang="ko-KR" altLang="en-US" sz="1600" dirty="0" smtClean="0"/>
-              <a:t>）</a:t>
-            </a:r>
-            <a:endParaRPr lang="ko-KR" altLang="en-US" sz="1600" dirty="0"/>
-          </a:p>
-        </p:txBody>
-      </p:sp>
-      <p:pic>
-        <p:nvPicPr>
-          <p:cNvPr id="5122" name="Picture 2"/>
-          <p:cNvPicPr>
-            <a:picLocks noChangeAspect="1" noChangeArrowheads="1"/>
-          </p:cNvPicPr>
-          <p:nvPr/>
-        </p:nvPicPr>
-        <p:blipFill>
-          <a:blip r:embed="rId2" cstate="print"/>
-          <a:srcRect/>
-          <a:stretch>
-            <a:fillRect/>
-          </a:stretch>
-        </p:blipFill>
-        <p:spPr bwMode="auto">
-          <a:xfrm>
-            <a:off x="179512" y="2276872"/>
-            <a:ext cx="3927059" cy="2995414"/>
-          </a:xfrm>
-          <a:prstGeom prst="rect">
-            <a:avLst/>
-          </a:prstGeom>
-          <a:noFill/>
-          <a:ln w="9525">
-            <a:noFill/>
-            <a:miter lim="800000"/>
-            <a:headEnd/>
-            <a:tailEnd/>
-          </a:ln>
-        </p:spPr>
-      </p:pic>
+          </a:p>
+          <a:p>
+            <a:pPr lvl="1"/>
+            <a:r>
+              <a:rPr lang="en-US" altLang="ko-KR" dirty="0" err="1" smtClean="0"/>
+              <a:t>fT</a:t>
+            </a:r>
+            <a:r>
+              <a:rPr lang="ko-KR" altLang="en-US" dirty="0" smtClean="0"/>
+              <a:t>가 </a:t>
+            </a:r>
+            <a:r>
+              <a:rPr lang="en-US" altLang="ko-KR" dirty="0" smtClean="0"/>
+              <a:t>200MHz </a:t>
+            </a:r>
+            <a:r>
+              <a:rPr lang="ko-KR" altLang="en-US" dirty="0" smtClean="0"/>
+              <a:t>이고 </a:t>
+            </a:r>
+            <a:r>
+              <a:rPr lang="en-US" altLang="ko-KR" dirty="0" err="1" smtClean="0"/>
+              <a:t>hfe</a:t>
+            </a:r>
+            <a:r>
+              <a:rPr lang="ko-KR" altLang="en-US" dirty="0" smtClean="0"/>
+              <a:t>가 </a:t>
+            </a:r>
+            <a:r>
+              <a:rPr lang="en-US" altLang="ko-KR" dirty="0" smtClean="0"/>
+              <a:t>100</a:t>
+            </a:r>
+            <a:r>
+              <a:rPr lang="ko-KR" altLang="en-US" dirty="0" smtClean="0"/>
+              <a:t>이라면，</a:t>
+            </a:r>
+            <a:r>
+              <a:rPr lang="en-US" altLang="ko-KR" dirty="0" smtClean="0"/>
+              <a:t>200MHz ÷ 100 = 2MHz </a:t>
+            </a:r>
+            <a:r>
+              <a:rPr lang="ko-KR" altLang="en-US" dirty="0" smtClean="0"/>
+              <a:t>로 되어 실제로 사용할 수 있는 주파수는 ２</a:t>
+            </a:r>
+            <a:r>
+              <a:rPr lang="en-US" altLang="ko-KR" dirty="0" smtClean="0"/>
+              <a:t>MHz </a:t>
+            </a:r>
+            <a:r>
+              <a:rPr lang="ko-KR" altLang="en-US" dirty="0" smtClean="0"/>
+              <a:t>정도가 됩니다</a:t>
+            </a:r>
+            <a:r>
+              <a:rPr lang="en-US" altLang="ko-KR" dirty="0" smtClean="0"/>
+              <a:t>.</a:t>
+            </a:r>
+          </a:p>
+          <a:p>
+            <a:pPr lvl="1"/>
+            <a:r>
+              <a:rPr lang="ko-KR" altLang="en-US" dirty="0" smtClean="0"/>
+              <a:t>따라서 </a:t>
+            </a:r>
+            <a:r>
+              <a:rPr lang="en-US" altLang="ko-KR" dirty="0" smtClean="0"/>
+              <a:t>10MHz </a:t>
+            </a:r>
+            <a:r>
+              <a:rPr lang="ko-KR" altLang="en-US" dirty="0" smtClean="0"/>
+              <a:t>이상의 주파수로 사용하려면 </a:t>
+            </a:r>
+            <a:r>
+              <a:rPr lang="en-US" altLang="ko-KR" dirty="0" smtClean="0"/>
+              <a:t>ft</a:t>
+            </a:r>
+            <a:r>
+              <a:rPr lang="ko-KR" altLang="en-US" dirty="0" smtClean="0"/>
+              <a:t>는 </a:t>
+            </a:r>
+            <a:r>
+              <a:rPr lang="en-US" altLang="ko-KR" dirty="0" smtClean="0"/>
+              <a:t>1GHz </a:t>
+            </a:r>
+            <a:r>
+              <a:rPr lang="ko-KR" altLang="en-US" dirty="0" smtClean="0"/>
+              <a:t>이상이 필요하게 됩니다</a:t>
+            </a:r>
+            <a:r>
+              <a:rPr lang="en-US" altLang="ko-KR" dirty="0" smtClean="0"/>
+              <a:t>.</a:t>
+            </a:r>
+            <a:endParaRPr lang="ko-KR" altLang="en-US" dirty="0"/>
+          </a:p>
+        </p:txBody>
+      </p:sp>
     </p:spTree>
   </p:cSld>
   <p:clrMapOvr>
@@ -7508,11 +7215,7 @@
           <a:p>
             <a:r>
               <a:rPr lang="en-US" altLang="ko-KR" dirty="0" smtClean="0"/>
-              <a:t>Transistor</a:t>
-            </a:r>
-            <a:r>
-              <a:rPr lang="en-US" altLang="ko-KR" dirty="0" smtClean="0"/>
-              <a:t> </a:t>
+              <a:t>Transistor </a:t>
             </a:r>
             <a:r>
               <a:rPr lang="en-US" altLang="ko-KR" sz="4000" dirty="0" smtClean="0"/>
@@ -7548,7 +7251,7 @@
         </p:spPr>
         <p:txBody>
           <a:bodyPr>
-            <a:normAutofit fontScale="92500" lnSpcReduction="20000"/>
+            <a:normAutofit/>
           </a:bodyPr>
           <a:lstStyle/>
           <a:p>
@@ -7557,27 +7260,27 @@
             </a:pPr>
             <a:r>
               <a:rPr lang="en-US" altLang="ko-KR" sz="2000" dirty="0" smtClean="0"/>
-              <a:t>3. </a:t>
-            </a:r>
-            <a:r>
-              <a:rPr lang="ko-KR" altLang="en-US" sz="2000" dirty="0" smtClean="0"/>
-              <a:t>베이스 저항（</a:t>
-            </a:r>
-            <a:r>
-              <a:rPr lang="en-US" altLang="ko-KR" sz="2000" dirty="0" smtClean="0"/>
-              <a:t>R1</a:t>
-            </a:r>
-            <a:r>
-              <a:rPr lang="ko-KR" altLang="en-US" sz="2000" dirty="0" smtClean="0"/>
-              <a:t>과 </a:t>
-            </a:r>
-            <a:r>
-              <a:rPr lang="en-US" altLang="ko-KR" sz="2000" dirty="0" smtClean="0"/>
-              <a:t>R2</a:t>
-            </a:r>
-            <a:r>
-              <a:rPr lang="ko-KR" altLang="en-US" sz="2000" dirty="0" smtClean="0"/>
-              <a:t>）의 결정</a:t>
+              <a:t>1. </a:t>
+            </a:r>
+            <a:r>
+              <a:rPr lang="ko-KR" altLang="en-US" sz="2000" dirty="0" err="1" smtClean="0"/>
+              <a:t>컬렉터</a:t>
+            </a:r>
+            <a:r>
+              <a:rPr lang="ko-KR" altLang="en-US" sz="2000" dirty="0" smtClean="0"/>
+              <a:t> 저항（</a:t>
+            </a:r>
+            <a:r>
+              <a:rPr lang="en-US" altLang="ko-KR" sz="2000" dirty="0" err="1" smtClean="0"/>
+              <a:t>Rc</a:t>
+            </a:r>
+            <a:r>
+              <a:rPr lang="en-US" altLang="ko-KR" sz="2000" dirty="0" smtClean="0"/>
+              <a:t>)</a:t>
+            </a:r>
+            <a:r>
+              <a:rPr lang="ko-KR" altLang="en-US" sz="2000" dirty="0" smtClean="0"/>
+              <a:t>의 결정</a:t>
             </a:r>
             <a:endParaRPr lang="en-US" altLang="ko-KR" sz="2000" dirty="0" smtClean="0"/>
           </a:p>
@@ -7590,11 +7293,11 @@
           <a:p>
             <a:r>
               <a:rPr lang="ko-KR" altLang="en-US" sz="1600" dirty="0" smtClean="0"/>
-              <a:t>먼저 필요한 베이스 전압（</a:t>
+              <a:t>이것은 부하전류（</a:t>
             </a:r>
             <a:r>
               <a:rPr lang="en-US" altLang="ko-KR" sz="1600" dirty="0" err="1" smtClean="0"/>
-              <a:t>Vb</a:t>
+              <a:t>Ic</a:t>
             </a:r>
             <a:r>
               <a:rPr lang="en-US" altLang="ko-KR" sz="1600" dirty="0" smtClean="0"/>
@@ -7602,357 +7305,158 @@
             </a:r>
             <a:r>
               <a:rPr lang="ko-KR" altLang="en-US" sz="1600" dirty="0" smtClean="0"/>
-              <a:t>을 구합니다</a:t>
+              <a:t>를 고려해서 결정해야 합니다</a:t>
             </a:r>
             <a:r>
               <a:rPr lang="en-US" altLang="ko-KR" sz="1600" dirty="0" smtClean="0"/>
-              <a:t>. </a:t>
-            </a:r>
+              <a:t>.</a:t>
+            </a:r>
+          </a:p>
+          <a:p>
             <a:r>
               <a:rPr lang="ko-KR" altLang="en-US" sz="1600" dirty="0" smtClean="0"/>
-              <a:t>무신호시 </a:t>
+              <a:t>파워가 필요한 </a:t>
+            </a:r>
+            <a:r>
+              <a:rPr lang="ko-KR" altLang="en-US" sz="1600" dirty="0" err="1" smtClean="0"/>
+              <a:t>드라이브일때는</a:t>
+            </a:r>
+            <a:r>
+              <a:rPr lang="ko-KR" altLang="en-US" sz="1600" dirty="0" smtClean="0"/>
+              <a:t> 수 １００ｍ</a:t>
             </a:r>
             <a:r>
               <a:rPr lang="en-US" altLang="ko-KR" sz="1600" dirty="0" smtClean="0"/>
-              <a:t>Re</a:t>
+              <a:t>A </a:t>
             </a:r>
             <a:r>
               <a:rPr lang="ko-KR" altLang="en-US" sz="1600" dirty="0" smtClean="0"/>
-              <a:t>에는 </a:t>
+              <a:t>정도가 필요하며 통상은 수 ｍ</a:t>
+            </a:r>
+            <a:r>
+              <a:rPr lang="en-US" altLang="ko-KR" sz="1600" dirty="0" smtClean="0"/>
+              <a:t>A ~ </a:t>
+            </a:r>
+            <a:r>
+              <a:rPr lang="ko-KR" altLang="en-US" sz="1600" dirty="0" smtClean="0"/>
+              <a:t>수 １０ｍ</a:t>
+            </a:r>
+            <a:r>
+              <a:rPr lang="en-US" altLang="ko-KR" sz="1600" dirty="0" smtClean="0"/>
+              <a:t>A </a:t>
+            </a:r>
+            <a:r>
+              <a:rPr lang="ko-KR" altLang="en-US" sz="1600" dirty="0" smtClean="0"/>
+              <a:t>정도가 일반적입니다．</a:t>
+            </a:r>
+          </a:p>
+          <a:p>
+            <a:r>
+              <a:rPr lang="en-US" altLang="ko-KR" sz="1600" dirty="0" err="1" smtClean="0"/>
+              <a:t>Rc</a:t>
+            </a:r>
+            <a:r>
+              <a:rPr lang="ko-KR" altLang="en-US" sz="1600" dirty="0" smtClean="0"/>
+              <a:t>는 무신호시 출력전압이 전원 전압의 １／２이 되도록 하면 되며</a:t>
+            </a:r>
+          </a:p>
+          <a:p>
+            <a:r>
+              <a:rPr lang="en-US" altLang="ko-KR" sz="1600" dirty="0" err="1" smtClean="0"/>
+              <a:t>Rc</a:t>
+            </a:r>
+            <a:r>
+              <a:rPr lang="en-US" altLang="ko-KR" sz="1600" dirty="0" smtClean="0"/>
+              <a:t> = </a:t>
+            </a:r>
+            <a:r>
+              <a:rPr lang="ko-KR" altLang="en-US" sz="1600" dirty="0" smtClean="0"/>
+              <a:t>（</a:t>
+            </a:r>
+            <a:r>
+              <a:rPr lang="en-US" altLang="ko-KR" sz="1600" dirty="0" err="1" smtClean="0"/>
+              <a:t>Vcc</a:t>
+            </a:r>
+            <a:r>
+              <a:rPr lang="en-US" altLang="ko-KR" sz="1600" dirty="0" smtClean="0"/>
+              <a:t>/2) ÷ </a:t>
             </a:r>
             <a:r>
               <a:rPr lang="en-US" altLang="ko-KR" sz="1600" dirty="0" err="1" smtClean="0"/>
               <a:t>Ic</a:t>
             </a:r>
             <a:r>
-              <a:rPr lang="ko-KR" altLang="en-US" sz="1600" dirty="0" smtClean="0"/>
-              <a:t>의 전류가 흐르고 있고 베이스 이미터간 전압은 약 </a:t>
-            </a:r>
-            <a:r>
-              <a:rPr lang="en-US" altLang="ko-KR" sz="1600" dirty="0" smtClean="0"/>
-              <a:t>0.6V</a:t>
-            </a:r>
-            <a:r>
-              <a:rPr lang="ko-KR" altLang="en-US" sz="1600" dirty="0" smtClean="0"/>
-              <a:t>로 거의 </a:t>
-            </a:r>
-            <a:r>
-              <a:rPr lang="ko-KR" altLang="en-US" sz="1600" dirty="0" smtClean="0"/>
-              <a:t>일정하기 때문에 </a:t>
-            </a:r>
-            <a:r>
-              <a:rPr lang="en-US" altLang="ko-KR" sz="1600" dirty="0" err="1" smtClean="0"/>
-              <a:t>Vb</a:t>
-            </a:r>
-            <a:r>
               <a:rPr lang="en-US" altLang="ko-KR" sz="1600" dirty="0" smtClean="0"/>
               <a:t> </a:t>
             </a:r>
             <a:r>
+              <a:rPr lang="ko-KR" altLang="en-US" sz="1600" dirty="0" smtClean="0"/>
+              <a:t>로 계산하면 구할 수 있습니다</a:t>
+            </a:r>
+            <a:r>
               <a:rPr lang="en-US" altLang="ko-KR" sz="1600" dirty="0" smtClean="0"/>
-              <a:t>= </a:t>
-            </a:r>
-            <a:r>
-              <a:rPr lang="en-US" altLang="ko-KR" sz="1600" dirty="0" err="1" smtClean="0"/>
-              <a:t>Ic×Re</a:t>
-            </a:r>
-            <a:r>
-              <a:rPr lang="ko-KR" altLang="en-US" sz="1600" dirty="0" smtClean="0"/>
-              <a:t>＋</a:t>
-            </a:r>
-            <a:r>
-              <a:rPr lang="en-US" altLang="ko-KR" sz="1600" dirty="0" smtClean="0"/>
-              <a:t>0.6</a:t>
-            </a:r>
-            <a:r>
-              <a:rPr lang="ko-KR" altLang="en-US" sz="1600" dirty="0" smtClean="0"/>
-              <a:t>로 됩니다</a:t>
-            </a:r>
-            <a:r>
-              <a:rPr lang="ko-KR" altLang="en-US" sz="1600" dirty="0" smtClean="0"/>
-              <a:t>．</a:t>
-            </a:r>
-            <a:endParaRPr lang="en-US" altLang="ko-KR" sz="1600" dirty="0" smtClean="0"/>
+              <a:t>.</a:t>
+            </a:r>
           </a:p>
           <a:p>
             <a:pPr>
               <a:buNone/>
             </a:pPr>
             <a:r>
-              <a:rPr lang="ko-KR" altLang="en-US" sz="1600" dirty="0" smtClean="0"/>
-              <a:t>   （예</a:t>
-            </a:r>
-            <a:r>
-              <a:rPr lang="ko-KR" altLang="en-US" sz="1600" dirty="0" smtClean="0"/>
-              <a:t>： </a:t>
-            </a:r>
-            <a:r>
-              <a:rPr lang="en-US" altLang="ko-KR" sz="1600" dirty="0" smtClean="0"/>
-              <a:t>2mA × 200Ω</a:t>
-            </a:r>
-            <a:r>
-              <a:rPr lang="ko-KR" altLang="en-US" sz="1600" dirty="0" smtClean="0"/>
-              <a:t>＋</a:t>
-            </a:r>
-            <a:r>
-              <a:rPr lang="en-US" altLang="ko-KR" sz="1600" dirty="0" smtClean="0"/>
-              <a:t>0.6 = 1.0V</a:t>
-            </a:r>
-            <a:r>
-              <a:rPr lang="ko-KR" altLang="en-US" sz="1600" dirty="0" smtClean="0"/>
-              <a:t>）</a:t>
-            </a:r>
-            <a:endParaRPr lang="en-US" altLang="ko-KR" sz="1600" dirty="0" smtClean="0"/>
-          </a:p>
-          <a:p>
-            <a:r>
-              <a:rPr lang="ko-KR" altLang="en-US" sz="1600" dirty="0" smtClean="0"/>
-              <a:t>다음에 필요한 베이스 전류（</a:t>
-            </a:r>
-            <a:r>
-              <a:rPr lang="en-US" altLang="ko-KR" sz="1600" dirty="0" err="1" smtClean="0"/>
-              <a:t>Ib</a:t>
-            </a:r>
-            <a:r>
-              <a:rPr lang="en-US" altLang="ko-KR" sz="1600" dirty="0" smtClean="0"/>
-              <a:t>)</a:t>
-            </a:r>
-            <a:r>
-              <a:rPr lang="ko-KR" altLang="en-US" sz="1600" dirty="0" smtClean="0"/>
-              <a:t>를 전류 </a:t>
-            </a:r>
-            <a:r>
-              <a:rPr lang="ko-KR" altLang="en-US" sz="1600" dirty="0" err="1" smtClean="0"/>
-              <a:t>증폭율</a:t>
-            </a:r>
-            <a:r>
               <a:rPr lang="en-US" altLang="ko-KR" sz="1600" dirty="0" smtClean="0"/>
               <a:t>(</a:t>
             </a:r>
             <a:r>
+              <a:rPr lang="ko-KR" altLang="en-US" sz="1600" dirty="0" smtClean="0"/>
+              <a:t>예：</a:t>
+            </a:r>
+            <a:r>
               <a:rPr lang="en-US" altLang="ko-KR" sz="1600" dirty="0" err="1" smtClean="0"/>
-              <a:t>hfe</a:t>
+              <a:t>Vcc</a:t>
             </a:r>
             <a:r>
               <a:rPr lang="en-US" altLang="ko-KR" sz="1600" dirty="0" smtClean="0"/>
-              <a:t>)</a:t>
+              <a:t>=5V </a:t>
+            </a:r>
+            <a:r>
+              <a:rPr lang="en-US" altLang="ko-KR" sz="1600" dirty="0" err="1" smtClean="0"/>
+              <a:t>Ic</a:t>
+            </a:r>
+            <a:r>
+              <a:rPr lang="en-US" altLang="ko-KR" sz="1600" dirty="0" smtClean="0"/>
+              <a:t>=</a:t>
             </a:r>
             <a:r>
               <a:rPr lang="ko-KR" altLang="en-US" sz="1600" dirty="0" smtClean="0"/>
-              <a:t>에 의해 </a:t>
-            </a:r>
-            <a:r>
-              <a:rPr lang="ko-KR" altLang="en-US" sz="1600" dirty="0" smtClean="0"/>
-              <a:t>계산하면 </a:t>
+              <a:t>２</a:t>
             </a:r>
             <a:r>
               <a:rPr lang="en-US" altLang="ko-KR" sz="1600" dirty="0" err="1" smtClean="0"/>
-              <a:t>Ib</a:t>
+              <a:t>mA</a:t>
             </a:r>
             <a:r>
               <a:rPr lang="en-US" altLang="ko-KR" sz="1600" dirty="0" smtClean="0"/>
               <a:t> </a:t>
             </a:r>
             <a:r>
+              <a:rPr lang="ko-KR" altLang="en-US" sz="1600" dirty="0" smtClean="0"/>
+              <a:t>라면 </a:t>
+            </a:r>
+            <a:r>
+              <a:rPr lang="en-US" altLang="ko-KR" sz="1600" dirty="0" err="1" smtClean="0"/>
+              <a:t>Rc</a:t>
+            </a:r>
+            <a:r>
               <a:rPr lang="en-US" altLang="ko-KR" sz="1600" dirty="0" smtClean="0"/>
-              <a:t>= </a:t>
-            </a:r>
-            <a:r>
-              <a:rPr lang="en-US" altLang="ko-KR" sz="1600" dirty="0" err="1" smtClean="0"/>
-              <a:t>Ic</a:t>
+              <a:t>=1.25KΩ = </a:t>
+            </a:r>
+            <a:r>
+              <a:rPr lang="ko-KR" altLang="en-US" sz="1600" dirty="0" smtClean="0"/>
+              <a:t>약</a:t>
             </a:r>
             <a:r>
               <a:rPr lang="en-US" altLang="ko-KR" sz="1600" dirty="0" smtClean="0"/>
-              <a:t> ÷ </a:t>
-            </a:r>
-            <a:r>
-              <a:rPr lang="en-US" altLang="ko-KR" sz="1600" dirty="0" err="1" smtClean="0"/>
-              <a:t>hfe</a:t>
-            </a:r>
-            <a:endParaRPr lang="en-US" altLang="ko-KR" sz="1600" dirty="0" smtClean="0"/>
-          </a:p>
-          <a:p>
-            <a:pPr>
-              <a:buNone/>
-            </a:pPr>
-            <a:r>
-              <a:rPr lang="en-US" altLang="ko-KR" sz="1600" dirty="0" smtClean="0"/>
-              <a:t> </a:t>
-            </a:r>
-            <a:r>
-              <a:rPr lang="en-US" altLang="ko-KR" sz="1600" dirty="0" smtClean="0"/>
-              <a:t>  </a:t>
-            </a:r>
-            <a:r>
-              <a:rPr lang="ko-KR" altLang="en-US" sz="1600" dirty="0" smtClean="0"/>
-              <a:t>（예</a:t>
-            </a:r>
-            <a:r>
-              <a:rPr lang="ko-KR" altLang="en-US" sz="1600" dirty="0" smtClean="0"/>
-              <a:t>：</a:t>
-            </a:r>
-            <a:r>
-              <a:rPr lang="en-US" altLang="ko-KR" sz="1600" dirty="0" smtClean="0"/>
-              <a:t>2mA÷100 = 0.02mA </a:t>
-            </a:r>
-            <a:r>
-              <a:rPr lang="en-US" altLang="ko-KR" sz="1600" dirty="0" err="1" smtClean="0"/>
-              <a:t>hfe</a:t>
-            </a:r>
-            <a:r>
-              <a:rPr lang="en-US" altLang="ko-KR" sz="1600" dirty="0" smtClean="0"/>
-              <a:t>=100</a:t>
-            </a:r>
-            <a:r>
-              <a:rPr lang="ko-KR" altLang="en-US" sz="1600" dirty="0" smtClean="0"/>
-              <a:t>）가 됩니다</a:t>
-            </a:r>
-            <a:r>
-              <a:rPr lang="en-US" altLang="ko-KR" sz="1600" dirty="0" smtClean="0"/>
-              <a:t>.</a:t>
-            </a:r>
-          </a:p>
-          <a:p>
-            <a:r>
-              <a:rPr lang="ko-KR" altLang="en-US" sz="1600" dirty="0" smtClean="0"/>
-              <a:t>여기에서 베이스 저항은 베이스 전류의 １０배 이상의 전류가 흐르게 하여 베이스전류 </a:t>
-            </a:r>
-            <a:r>
-              <a:rPr lang="ko-KR" altLang="en-US" sz="1600" dirty="0" smtClean="0"/>
-              <a:t>및 베이스 </a:t>
-            </a:r>
-            <a:r>
-              <a:rPr lang="ko-KR" altLang="en-US" sz="1600" dirty="0" smtClean="0"/>
-              <a:t>전압이 변동하지 않도록 하며 </a:t>
-            </a:r>
-            <a:r>
-              <a:rPr lang="en-US" altLang="ko-KR" sz="1600" dirty="0" smtClean="0"/>
-              <a:t>R1</a:t>
-            </a:r>
-            <a:r>
-              <a:rPr lang="ko-KR" altLang="en-US" sz="1600" dirty="0" smtClean="0"/>
-              <a:t>，</a:t>
-            </a:r>
-            <a:r>
-              <a:rPr lang="en-US" altLang="ko-KR" sz="1600" dirty="0" smtClean="0"/>
-              <a:t>R2</a:t>
-            </a:r>
-            <a:r>
-              <a:rPr lang="ko-KR" altLang="en-US" sz="1600" dirty="0" smtClean="0"/>
-              <a:t>는 다음과 같이 계산합니다</a:t>
-            </a:r>
-            <a:r>
-              <a:rPr lang="en-US" altLang="ko-KR" sz="1600" dirty="0" smtClean="0"/>
-              <a:t>. </a:t>
-            </a:r>
-          </a:p>
-          <a:p>
-            <a:pPr>
-              <a:buNone/>
-            </a:pPr>
-            <a:r>
-              <a:rPr lang="en-US" altLang="ko-KR" sz="1600" dirty="0" smtClean="0"/>
-              <a:t>    </a:t>
-            </a:r>
-            <a:r>
-              <a:rPr lang="pt-BR" altLang="ko-KR" sz="1600" dirty="0" smtClean="0"/>
-              <a:t>R1 </a:t>
-            </a:r>
-            <a:r>
-              <a:rPr lang="pt-BR" altLang="ko-KR" sz="1600" dirty="0" smtClean="0"/>
-              <a:t>= </a:t>
-            </a:r>
-            <a:r>
-              <a:rPr lang="ko-KR" altLang="pt-BR" sz="1600" dirty="0" smtClean="0"/>
-              <a:t>（</a:t>
-            </a:r>
-            <a:r>
-              <a:rPr lang="pt-BR" altLang="ko-KR" sz="1600" dirty="0" smtClean="0"/>
-              <a:t>Vcc - Vb) ÷</a:t>
-            </a:r>
-            <a:r>
-              <a:rPr lang="ko-KR" altLang="pt-BR" sz="1600" dirty="0" smtClean="0"/>
-              <a:t>（</a:t>
-            </a:r>
-            <a:r>
-              <a:rPr lang="pt-BR" altLang="ko-KR" sz="1600" dirty="0" smtClean="0"/>
-              <a:t>10×Ic</a:t>
-            </a:r>
-            <a:r>
-              <a:rPr lang="ko-KR" altLang="pt-BR" sz="1600" dirty="0" smtClean="0"/>
-              <a:t>）</a:t>
-            </a:r>
-            <a:r>
-              <a:rPr lang="pt-BR" altLang="ko-KR" sz="1600" dirty="0" smtClean="0"/>
-              <a:t>, </a:t>
-            </a:r>
-            <a:endParaRPr lang="pt-BR" altLang="ko-KR" sz="1600" dirty="0" smtClean="0"/>
-          </a:p>
-          <a:p>
-            <a:pPr>
-              <a:buNone/>
-            </a:pPr>
-            <a:r>
-              <a:rPr lang="pt-BR" altLang="ko-KR" sz="1600" dirty="0" smtClean="0"/>
-              <a:t> </a:t>
-            </a:r>
-            <a:r>
-              <a:rPr lang="pt-BR" altLang="ko-KR" sz="1600" dirty="0" smtClean="0"/>
-              <a:t>   R2 </a:t>
-            </a:r>
-            <a:r>
-              <a:rPr lang="pt-BR" altLang="ko-KR" sz="1600" dirty="0" smtClean="0"/>
-              <a:t>= Vb ÷ (10 × Ic)</a:t>
-            </a:r>
-          </a:p>
-          <a:p>
-            <a:pPr>
-              <a:buNone/>
-            </a:pPr>
-            <a:r>
-              <a:rPr lang="en-US" altLang="ko-KR" sz="1600" dirty="0" smtClean="0"/>
-              <a:t>    (</a:t>
-            </a:r>
-            <a:r>
-              <a:rPr lang="ko-KR" altLang="en-US" sz="1600" dirty="0" smtClean="0"/>
-              <a:t>예：</a:t>
-            </a:r>
-            <a:r>
-              <a:rPr lang="en-US" altLang="ko-KR" sz="1600" dirty="0" smtClean="0"/>
-              <a:t>R1=(5V-1V)÷10×0.02mA=20K</a:t>
-            </a:r>
-            <a:r>
-              <a:rPr lang="el-GR" altLang="ko-KR" sz="1600" dirty="0" smtClean="0"/>
-              <a:t>Ω </a:t>
-            </a:r>
-            <a:r>
-              <a:rPr lang="en-US" altLang="ko-KR" sz="1600" dirty="0" smtClean="0"/>
-              <a:t>   </a:t>
-            </a:r>
-          </a:p>
-          <a:p>
-            <a:pPr>
-              <a:buNone/>
-            </a:pPr>
-            <a:r>
-              <a:rPr lang="en-US" altLang="ko-KR" sz="1600" dirty="0" smtClean="0"/>
-              <a:t> </a:t>
-            </a:r>
-            <a:r>
-              <a:rPr lang="en-US" altLang="ko-KR" sz="1600" dirty="0" smtClean="0"/>
-              <a:t>          R2=1V</a:t>
-            </a:r>
-            <a:r>
-              <a:rPr lang="en-US" altLang="ko-KR" sz="1600" dirty="0" smtClean="0"/>
-              <a:t>÷(10×0.02mA)=5K</a:t>
-            </a:r>
-            <a:r>
-              <a:rPr lang="el-GR" altLang="ko-KR" sz="1600" dirty="0" smtClean="0"/>
-              <a:t>Ω </a:t>
-            </a:r>
-            <a:r>
-              <a:rPr lang="ko-KR" altLang="el-GR" sz="1600" dirty="0" smtClean="0"/>
-              <a:t>）</a:t>
+              <a:t>1KΩ)</a:t>
             </a:r>
             <a:endParaRPr lang="ko-KR" altLang="en-US" sz="1600" dirty="0"/>
           </a:p>
@@ -8034,11 +7538,7 @@
           <a:p>
             <a:r>
               <a:rPr lang="en-US" altLang="ko-KR" dirty="0" smtClean="0"/>
-              <a:t>Transistor</a:t>
-            </a:r>
-            <a:r>
-              <a:rPr lang="en-US" altLang="ko-KR" dirty="0" smtClean="0"/>
-              <a:t> </a:t>
+              <a:t>Transistor </a:t>
             </a:r>
             <a:r>
               <a:rPr lang="en-US" altLang="ko-KR" sz="4000" dirty="0" smtClean="0"/>
@@ -8083,31 +7583,23 @@
             </a:pPr>
             <a:r>
               <a:rPr lang="en-US" altLang="ko-KR" sz="2000" dirty="0" smtClean="0"/>
-              <a:t>4.</a:t>
+              <a:t>2. </a:t>
             </a:r>
             <a:r>
               <a:rPr lang="ko-KR" altLang="en-US" sz="2000" dirty="0" err="1" smtClean="0"/>
-              <a:t>커플링</a:t>
-            </a:r>
-            <a:r>
-              <a:rPr lang="ko-KR" altLang="en-US" sz="2000" dirty="0" smtClean="0"/>
-              <a:t> 콘덴서</a:t>
-            </a:r>
-            <a:r>
-              <a:rPr lang="en-US" altLang="ko-KR" sz="2000" dirty="0" smtClean="0"/>
-              <a:t>(</a:t>
-            </a:r>
-            <a:r>
-              <a:rPr lang="en-US" altLang="ko-KR" sz="2000" dirty="0" err="1" smtClean="0"/>
-              <a:t>Cin</a:t>
-            </a:r>
-            <a:r>
-              <a:rPr lang="en-US" altLang="ko-KR" sz="2000" dirty="0" smtClean="0"/>
-              <a:t>)</a:t>
-            </a:r>
-            <a:r>
-              <a:rPr lang="ko-KR" altLang="en-US" sz="2000" dirty="0" smtClean="0"/>
-              <a:t>의 용량결정</a:t>
+              <a:t>이미터</a:t>
+            </a:r>
+            <a:r>
+              <a:rPr lang="ko-KR" altLang="en-US" sz="2000" dirty="0" smtClean="0"/>
+              <a:t> 저항（</a:t>
+            </a:r>
+            <a:r>
+              <a:rPr lang="en-US" altLang="ko-KR" sz="2000" dirty="0" smtClean="0"/>
+              <a:t>Re</a:t>
+            </a:r>
+            <a:r>
+              <a:rPr lang="ko-KR" altLang="en-US" sz="2000" dirty="0" smtClean="0"/>
+              <a:t>）의 결정</a:t>
             </a:r>
             <a:endParaRPr lang="en-US" altLang="ko-KR" sz="2000" dirty="0" smtClean="0"/>
           </a:p>
@@ -8120,202 +7612,70 @@
           <a:p>
             <a:r>
               <a:rPr lang="ko-KR" altLang="en-US" sz="1600" dirty="0" smtClean="0"/>
-              <a:t>교류신호를 증폭하는 경우는 직류전압과 무관하게 하기 위해 </a:t>
-            </a:r>
-            <a:r>
-              <a:rPr lang="ko-KR" altLang="en-US" sz="1600" dirty="0" err="1" smtClean="0"/>
-              <a:t>커플링</a:t>
+              <a:t>이 저항은 입력신호가 １</a:t>
+            </a:r>
+            <a:r>
+              <a:rPr lang="en-US" altLang="ko-KR" sz="1600" dirty="0" smtClean="0"/>
+              <a:t>V </a:t>
             </a:r>
             <a:r>
               <a:rPr lang="ko-KR" altLang="en-US" sz="1600" dirty="0" smtClean="0"/>
-              <a:t> 콘덴서（</a:t>
-            </a:r>
-            <a:r>
-              <a:rPr lang="en-US" altLang="ko-KR" sz="1600" dirty="0" err="1" smtClean="0"/>
-              <a:t>Cin</a:t>
-            </a:r>
-            <a:r>
-              <a:rPr lang="ko-KR" altLang="en-US" sz="1600" dirty="0" smtClean="0"/>
-              <a:t>）가 </a:t>
-            </a:r>
-            <a:r>
-              <a:rPr lang="ko-KR" altLang="en-US" sz="1600" dirty="0" smtClean="0"/>
-              <a:t>필요해집니다</a:t>
-            </a:r>
-            <a:r>
-              <a:rPr lang="ko-KR" altLang="en-US" sz="1600" dirty="0" smtClean="0"/>
-              <a:t>．이 값은 입력신호의 최저 주파수（ｆｃ）에 대하여 충분히 무시할 수 있는 </a:t>
-            </a:r>
-            <a:r>
-              <a:rPr lang="ko-KR" altLang="en-US" sz="1600" dirty="0" err="1" smtClean="0"/>
-              <a:t>임피던스가</a:t>
-            </a:r>
-            <a:r>
-              <a:rPr lang="ko-KR" altLang="en-US" sz="1600" dirty="0" smtClean="0"/>
-              <a:t> </a:t>
-            </a:r>
-            <a:r>
-              <a:rPr lang="ko-KR" altLang="en-US" sz="1600" dirty="0" smtClean="0"/>
-              <a:t>되도록 해야 합니다</a:t>
+              <a:t>이상이 되어도 출력이 포화하지 않도록 하여 신호를 깨끗하게 증폭 할 수 있도록 합니다</a:t>
             </a:r>
             <a:r>
               <a:rPr lang="en-US" altLang="ko-KR" sz="1600" dirty="0" smtClean="0"/>
               <a:t>. </a:t>
             </a:r>
+          </a:p>
+          <a:p>
             <a:r>
               <a:rPr lang="ko-KR" altLang="en-US" sz="1600" dirty="0" smtClean="0"/>
-              <a:t>입력용 콘덴서 </a:t>
+              <a:t>값의 결정은 </a:t>
+            </a:r>
+            <a:r>
+              <a:rPr lang="ko-KR" altLang="en-US" sz="1600" dirty="0" err="1" smtClean="0"/>
+              <a:t>러프하게</a:t>
+            </a:r>
+            <a:r>
+              <a:rPr lang="ko-KR" altLang="en-US" sz="1600" dirty="0" smtClean="0"/>
+              <a:t> 생각해도 좋으며 통상 </a:t>
             </a:r>
             <a:r>
               <a:rPr lang="en-US" altLang="ko-KR" sz="1600" dirty="0" err="1" smtClean="0"/>
-              <a:t>Cin</a:t>
+              <a:t>Rc</a:t>
+            </a:r>
+            <a:r>
+              <a:rPr lang="ko-KR" altLang="en-US" sz="1600" dirty="0" smtClean="0"/>
+              <a:t>의 </a:t>
             </a:r>
             <a:r>
               <a:rPr lang="en-US" altLang="ko-KR" sz="1600" dirty="0" smtClean="0"/>
-              <a:t> </a:t>
+              <a:t>1/5 ∼ 1/10 </a:t>
             </a:r>
             <a:r>
               <a:rPr lang="ko-KR" altLang="en-US" sz="1600" dirty="0" smtClean="0"/>
-              <a:t>은 트랜지스터의 입력 임피던스를 </a:t>
-            </a:r>
-            <a:r>
-              <a:rPr lang="en-US" altLang="ko-KR" sz="1600" dirty="0" err="1" smtClean="0"/>
-              <a:t>Rin</a:t>
+              <a:t>정도면 족합니다</a:t>
+            </a:r>
+            <a:r>
+              <a:rPr lang="en-US" altLang="ko-KR" sz="1600" dirty="0" smtClean="0"/>
+              <a:t>. </a:t>
+            </a:r>
+          </a:p>
+          <a:p>
+            <a:pPr>
+              <a:buNone/>
+            </a:pPr>
+            <a:r>
+              <a:rPr lang="en-US" altLang="ko-KR" sz="1600" dirty="0" smtClean="0"/>
+              <a:t>   (</a:t>
             </a:r>
             <a:r>
               <a:rPr lang="ko-KR" altLang="en-US" sz="1600" dirty="0" smtClean="0"/>
-              <a:t>이라고 한다면</a:t>
-            </a:r>
-            <a:endParaRPr lang="en-US" altLang="ko-KR" sz="1600" dirty="0" smtClean="0"/>
-          </a:p>
-          <a:p>
-            <a:r>
-              <a:rPr lang="ko-KR" altLang="en-US" sz="1600" dirty="0" smtClean="0"/>
-              <a:t>ｆｃ ＞ １</a:t>
+              <a:t>예：</a:t>
             </a:r>
             <a:r>
               <a:rPr lang="en-US" altLang="ko-KR" sz="1600" dirty="0" smtClean="0"/>
-              <a:t>÷</a:t>
-            </a:r>
-            <a:r>
-              <a:rPr lang="ko-KR" altLang="en-US" sz="1600" dirty="0" smtClean="0"/>
-              <a:t>（</a:t>
-            </a:r>
-            <a:r>
-              <a:rPr lang="en-US" altLang="ko-KR" sz="1600" dirty="0" smtClean="0"/>
-              <a:t>2π × </a:t>
-            </a:r>
-            <a:r>
-              <a:rPr lang="en-US" altLang="ko-KR" sz="1600" dirty="0" err="1" smtClean="0"/>
-              <a:t>Rin</a:t>
-            </a:r>
-            <a:r>
-              <a:rPr lang="en-US" altLang="ko-KR" sz="1600" dirty="0" smtClean="0"/>
-              <a:t> × </a:t>
-            </a:r>
-            <a:r>
-              <a:rPr lang="en-US" altLang="ko-KR" sz="1600" dirty="0" err="1" smtClean="0"/>
-              <a:t>Cin</a:t>
-            </a:r>
-            <a:r>
-              <a:rPr lang="en-US" altLang="ko-KR" sz="1600" dirty="0" smtClean="0"/>
-              <a:t>) </a:t>
-            </a:r>
-            <a:r>
-              <a:rPr lang="ko-KR" altLang="en-US" sz="1600" dirty="0" smtClean="0"/>
-              <a:t>이 되도록 정해야 하며 입력 임피던스 </a:t>
-            </a:r>
-            <a:r>
-              <a:rPr lang="en-US" altLang="ko-KR" sz="1600" dirty="0" err="1" smtClean="0"/>
-              <a:t>Rin</a:t>
-            </a:r>
-            <a:r>
-              <a:rPr lang="ko-KR" altLang="en-US" sz="1600" dirty="0" smtClean="0"/>
-              <a:t>은 대략 </a:t>
-            </a:r>
-            <a:r>
-              <a:rPr lang="en-US" altLang="ko-KR" sz="1600" dirty="0" smtClean="0"/>
-              <a:t>R1</a:t>
-            </a:r>
-            <a:r>
-              <a:rPr lang="ko-KR" altLang="en-US" sz="1600" dirty="0" smtClean="0"/>
-              <a:t>과 </a:t>
-            </a:r>
-            <a:r>
-              <a:rPr lang="en-US" altLang="ko-KR" sz="1600" dirty="0" smtClean="0"/>
-              <a:t>R2</a:t>
-            </a:r>
-            <a:r>
-              <a:rPr lang="ko-KR" altLang="en-US" sz="1600" dirty="0" smtClean="0"/>
-              <a:t>의 병렬 </a:t>
-            </a:r>
-            <a:r>
-              <a:rPr lang="ko-KR" altLang="en-US" sz="1600" dirty="0" smtClean="0"/>
-              <a:t>저항값이 됩니다</a:t>
-            </a:r>
-            <a:r>
-              <a:rPr lang="en-US" altLang="ko-KR" sz="1600" dirty="0" smtClean="0"/>
-              <a:t>.</a:t>
-            </a:r>
-          </a:p>
-          <a:p>
-            <a:r>
-              <a:rPr lang="ko-KR" altLang="en-US" sz="1600" dirty="0" smtClean="0"/>
-              <a:t>예：ｆｃ</a:t>
-            </a:r>
-            <a:r>
-              <a:rPr lang="ko-KR" altLang="en-US" sz="1600" dirty="0" err="1" smtClean="0"/>
-              <a:t>를</a:t>
-            </a:r>
-            <a:r>
-              <a:rPr lang="ko-KR" altLang="en-US" sz="1600" dirty="0" smtClean="0"/>
-              <a:t> </a:t>
-            </a:r>
-            <a:r>
-              <a:rPr lang="en-US" altLang="ko-KR" sz="1600" dirty="0" smtClean="0"/>
-              <a:t>20Hz</a:t>
-            </a:r>
-            <a:r>
-              <a:rPr lang="ko-KR" altLang="en-US" sz="1600" dirty="0" smtClean="0"/>
-              <a:t>라고 할때 </a:t>
-            </a:r>
-            <a:r>
-              <a:rPr lang="en-US" altLang="ko-KR" sz="1600" dirty="0" err="1" smtClean="0"/>
-              <a:t>Cin</a:t>
-            </a:r>
-            <a:r>
-              <a:rPr lang="en-US" altLang="ko-KR" sz="1600" dirty="0" smtClean="0"/>
-              <a:t> &gt; </a:t>
-            </a:r>
-            <a:r>
-              <a:rPr lang="ko-KR" altLang="en-US" sz="1600" dirty="0" smtClean="0"/>
-              <a:t>１／</a:t>
-            </a:r>
-            <a:r>
-              <a:rPr lang="en-US" altLang="ko-KR" sz="1600" dirty="0" smtClean="0"/>
-              <a:t>(6.3 × 4KΩ × 20Hz) = 2μF</a:t>
-            </a:r>
-          </a:p>
-          <a:p>
-            <a:r>
-              <a:rPr lang="en-US" altLang="ko-KR" sz="1600" dirty="0" smtClean="0"/>
-              <a:t>C</a:t>
-            </a:r>
-            <a:r>
-              <a:rPr lang="ko-KR" altLang="en-US" sz="1600" dirty="0" smtClean="0"/>
-              <a:t>ｉｎ </a:t>
-            </a:r>
-            <a:r>
-              <a:rPr lang="en-US" altLang="ko-KR" sz="1600" dirty="0" smtClean="0"/>
-              <a:t>= 4.7μF </a:t>
-            </a:r>
-            <a:r>
-              <a:rPr lang="ko-KR" altLang="en-US" sz="1600" dirty="0" smtClean="0"/>
-              <a:t>정도를 사용하면 좋습니다</a:t>
-            </a:r>
-            <a:r>
-              <a:rPr lang="en-US" altLang="ko-KR" sz="1600" dirty="0" smtClean="0"/>
-              <a:t>,</a:t>
+              <a:t>1KΩ ÷ 5 = 200Ω</a:t>
             </a:r>
             <a:r>
               <a:rPr lang="ko-KR" altLang="en-US" sz="1600" dirty="0" smtClean="0"/>
@@ -8425,7 +7785,6 @@
               <a:rPr lang="en-US" altLang="ko-KR" dirty="0" smtClean="0"/>
               <a:t>MOSFET</a:t>
             </a:r>
-            <a:endParaRPr lang="en-US" altLang="ko-KR" dirty="0" smtClean="0"/>
           </a:p>
           <a:p>
             <a:r>
@@ -8503,11 +7862,7 @@
           <a:p>
             <a:r>
               <a:rPr lang="en-US" altLang="ko-KR" dirty="0" smtClean="0"/>
-              <a:t>Transistor</a:t>
-            </a:r>
-            <a:r>
-              <a:rPr lang="en-US" altLang="ko-KR" dirty="0" smtClean="0"/>
-              <a:t> </a:t>
+              <a:t>Transistor </a:t>
             </a:r>
             <a:r>
               <a:rPr lang="en-US" altLang="ko-KR" sz="4000" dirty="0" smtClean="0"/>
@@ -8543,7 +7898,7 @@
         </p:spPr>
         <p:txBody>
           <a:bodyPr>
-            <a:normAutofit/>
+            <a:normAutofit fontScale="92500" lnSpcReduction="20000"/>
           </a:bodyPr>
           <a:lstStyle/>
           <a:p>
@@ -8552,15 +7907,23 @@
             </a:pPr>
             <a:r>
               <a:rPr lang="en-US" altLang="ko-KR" sz="2000" dirty="0" smtClean="0"/>
-              <a:t>5. </a:t>
-            </a:r>
-            <a:r>
-              <a:rPr lang="ko-KR" altLang="en-US" sz="2000" dirty="0" smtClean="0"/>
-              <a:t>바이패스 콘덴서（</a:t>
-            </a:r>
-            <a:r>
-              <a:rPr lang="en-US" altLang="ko-KR" sz="2000" dirty="0" err="1" smtClean="0"/>
-              <a:t>Ce</a:t>
+              <a:t>3. </a:t>
+            </a:r>
+            <a:r>
+              <a:rPr lang="ko-KR" altLang="en-US" sz="2000" dirty="0" smtClean="0"/>
+              <a:t>베이스 저항（</a:t>
+            </a:r>
+            <a:r>
+              <a:rPr lang="en-US" altLang="ko-KR" sz="2000" dirty="0" smtClean="0"/>
+              <a:t>R1</a:t>
+            </a:r>
+            <a:r>
+              <a:rPr lang="ko-KR" altLang="en-US" sz="2000" dirty="0" smtClean="0"/>
+              <a:t>과 </a:t>
+            </a:r>
+            <a:r>
+              <a:rPr lang="en-US" altLang="ko-KR" sz="2000" dirty="0" smtClean="0"/>
+              <a:t>R2</a:t>
             </a:r>
             <a:r>
               <a:rPr lang="ko-KR" altLang="en-US" sz="2000" dirty="0" smtClean="0"/>
@@ -8576,162 +7939,309 @@
           </a:p>
           <a:p>
             <a:r>
-              <a:rPr lang="ko-KR" altLang="en-US" sz="1600" dirty="0" err="1" smtClean="0"/>
-              <a:t>이미터의</a:t>
-            </a:r>
-            <a:r>
               <a:rPr lang="ko-KR" altLang="en-US" sz="1600" dirty="0" smtClean="0"/>
-              <a:t> 콘덴서도 최저 주파수에 대하여 충분히 낮은 </a:t>
-            </a:r>
-            <a:r>
-              <a:rPr lang="ko-KR" altLang="en-US" sz="1600" dirty="0" err="1" smtClean="0"/>
-              <a:t>인피던스가</a:t>
+              <a:t>먼저 필요한 베이스 전압（</a:t>
+            </a:r>
+            <a:r>
+              <a:rPr lang="en-US" altLang="ko-KR" sz="1600" dirty="0" err="1" smtClean="0"/>
+              <a:t>Vb</a:t>
+            </a:r>
+            <a:r>
+              <a:rPr lang="en-US" altLang="ko-KR" sz="1600" dirty="0" smtClean="0"/>
+              <a:t>)</a:t>
             </a:r>
             <a:r>
               <a:rPr lang="ko-KR" altLang="en-US" sz="1600" dirty="0" smtClean="0"/>
-              <a:t> 되도록 정해야 하며</a:t>
-            </a:r>
-          </a:p>
-          <a:p>
+              <a:t>을 구합니다</a:t>
+            </a:r>
+            <a:r>
+              <a:rPr lang="en-US" altLang="ko-KR" sz="1600" dirty="0" smtClean="0"/>
+              <a:t>. </a:t>
+            </a:r>
+            <a:r>
+              <a:rPr lang="ko-KR" altLang="en-US" sz="1600" dirty="0" smtClean="0"/>
+              <a:t>무신호시 </a:t>
+            </a:r>
+            <a:r>
+              <a:rPr lang="en-US" altLang="ko-KR" sz="1600" dirty="0" smtClean="0"/>
+              <a:t>Re</a:t>
+            </a:r>
+            <a:r>
+              <a:rPr lang="ko-KR" altLang="en-US" sz="1600" dirty="0" smtClean="0"/>
+              <a:t>에는 </a:t>
+            </a:r>
             <a:r>
               <a:rPr lang="en-US" altLang="ko-KR" sz="1600" dirty="0" err="1" smtClean="0"/>
-              <a:t>Ce</a:t>
+              <a:t>Ic</a:t>
+            </a:r>
+            <a:r>
+              <a:rPr lang="ko-KR" altLang="en-US" sz="1600" dirty="0" smtClean="0"/>
+              <a:t>의 전류가 흐르고 있고 베이스 이미터간 전압은 약 </a:t>
             </a:r>
             <a:r>
               <a:rPr lang="en-US" altLang="ko-KR" sz="1600" dirty="0" smtClean="0"/>
-              <a:t> </a:t>
+              <a:t>0.6V</a:t>
             </a:r>
             <a:r>
               <a:rPr lang="ko-KR" altLang="en-US" sz="1600" dirty="0" smtClean="0"/>
-              <a:t>＞ １</a:t>
+              <a:t>로 거의 일정하기 때문에 </a:t>
+            </a:r>
+            <a:r>
+              <a:rPr lang="en-US" altLang="ko-KR" sz="1600" dirty="0" err="1" smtClean="0"/>
+              <a:t>Vb</a:t>
             </a:r>
             <a:r>
               <a:rPr lang="en-US" altLang="ko-KR" sz="1600" dirty="0" smtClean="0"/>
-              <a:t>÷</a:t>
+              <a:t> = </a:t>
+            </a:r>
+            <a:r>
+              <a:rPr lang="en-US" altLang="ko-KR" sz="1600" dirty="0" err="1" smtClean="0"/>
+              <a:t>Ic×Re</a:t>
             </a:r>
             <a:r>
               <a:rPr lang="ko-KR" altLang="en-US" sz="1600" dirty="0" smtClean="0"/>
-              <a:t>（２</a:t>
+              <a:t>＋</a:t>
             </a:r>
             <a:r>
               <a:rPr lang="en-US" altLang="ko-KR" sz="1600" dirty="0" smtClean="0"/>
-              <a:t>π × </a:t>
+              <a:t>0.6</a:t>
             </a:r>
             <a:r>
               <a:rPr lang="ko-KR" altLang="en-US" sz="1600" dirty="0" smtClean="0"/>
-              <a:t>ｆｃ </a:t>
+              <a:t>로 됩니다．</a:t>
+            </a:r>
+            <a:endParaRPr lang="en-US" altLang="ko-KR" sz="1600" dirty="0" smtClean="0"/>
+          </a:p>
+          <a:p>
+            <a:pPr>
+              <a:buNone/>
+            </a:pPr>
+            <a:r>
+              <a:rPr lang="ko-KR" altLang="en-US" sz="1600" dirty="0" smtClean="0"/>
+              <a:t>   （예： </a:t>
             </a:r>
             <a:r>
               <a:rPr lang="en-US" altLang="ko-KR" sz="1600" dirty="0" smtClean="0"/>
-              <a:t>× Re</a:t>
+              <a:t>2mA × 200Ω</a:t>
+            </a:r>
+            <a:r>
+              <a:rPr lang="ko-KR" altLang="en-US" sz="1600" dirty="0" smtClean="0"/>
+              <a:t>＋</a:t>
+            </a:r>
+            <a:r>
+              <a:rPr lang="en-US" altLang="ko-KR" sz="1600" dirty="0" smtClean="0"/>
+              <a:t>0.6 = 1.0V</a:t>
             </a:r>
             <a:r>
               <a:rPr lang="ko-KR" altLang="en-US" sz="1600" dirty="0" smtClean="0"/>
               <a:t>）</a:t>
             </a:r>
+            <a:endParaRPr lang="en-US" altLang="ko-KR" sz="1600" dirty="0" smtClean="0"/>
+          </a:p>
+          <a:p>
+            <a:r>
+              <a:rPr lang="ko-KR" altLang="en-US" sz="1600" dirty="0" smtClean="0"/>
+              <a:t>다음에 필요한 베이스 전류（</a:t>
+            </a:r>
+            <a:r>
+              <a:rPr lang="en-US" altLang="ko-KR" sz="1600" dirty="0" err="1" smtClean="0"/>
+              <a:t>Ib</a:t>
+            </a:r>
+            <a:r>
+              <a:rPr lang="en-US" altLang="ko-KR" sz="1600" dirty="0" smtClean="0"/>
+              <a:t>)</a:t>
+            </a:r>
+            <a:r>
+              <a:rPr lang="ko-KR" altLang="en-US" sz="1600" dirty="0" smtClean="0"/>
+              <a:t>를 전류 </a:t>
+            </a:r>
             <a:r>
               <a:rPr lang="ko-KR" altLang="en-US" sz="1600" dirty="0" err="1" smtClean="0"/>
-              <a:t>로</a:t>
+              <a:t>증폭율</a:t>
+            </a:r>
+            <a:r>
+              <a:rPr lang="en-US" altLang="ko-KR" sz="1600" dirty="0" smtClean="0"/>
+              <a:t>(</a:t>
+            </a:r>
+            <a:r>
+              <a:rPr lang="en-US" altLang="ko-KR" sz="1600" dirty="0" err="1" smtClean="0"/>
+              <a:t>hfe</a:t>
+            </a:r>
+            <a:r>
+              <a:rPr lang="en-US" altLang="ko-KR" sz="1600" dirty="0" smtClean="0"/>
+              <a:t>)</a:t>
             </a:r>
             <a:r>
               <a:rPr lang="ko-KR" altLang="en-US" sz="1600" dirty="0" smtClean="0"/>
-              <a:t> 구합니다．</a:t>
-            </a:r>
-          </a:p>
-          <a:p>
+              <a:t>에 의해 계산하면 </a:t>
+            </a:r>
+            <a:r>
+              <a:rPr lang="en-US" altLang="ko-KR" sz="1600" dirty="0" err="1" smtClean="0"/>
+              <a:t>Ib</a:t>
+            </a:r>
+            <a:r>
+              <a:rPr lang="en-US" altLang="ko-KR" sz="1600" dirty="0" smtClean="0"/>
+              <a:t> = </a:t>
+            </a:r>
+            <a:r>
+              <a:rPr lang="en-US" altLang="ko-KR" sz="1600" dirty="0" err="1" smtClean="0"/>
+              <a:t>Ic</a:t>
+            </a:r>
+            <a:r>
+              <a:rPr lang="en-US" altLang="ko-KR" sz="1600" dirty="0" smtClean="0"/>
+              <a:t> ÷ </a:t>
+            </a:r>
+            <a:r>
+              <a:rPr lang="en-US" altLang="ko-KR" sz="1600" dirty="0" err="1" smtClean="0"/>
+              <a:t>hfe</a:t>
+            </a:r>
+            <a:endParaRPr lang="en-US" altLang="ko-KR" sz="1600" dirty="0" smtClean="0"/>
+          </a:p>
+          <a:p>
+            <a:pPr>
+              <a:buNone/>
+            </a:pPr>
+            <a:r>
+              <a:rPr lang="en-US" altLang="ko-KR" sz="1600" dirty="0" smtClean="0"/>
+              <a:t>   </a:t>
+            </a:r>
             <a:r>
               <a:rPr lang="ko-KR" altLang="en-US" sz="1600" dirty="0" smtClean="0"/>
-              <a:t>예： </a:t>
+              <a:t>（예：</a:t>
+            </a:r>
+            <a:r>
+              <a:rPr lang="en-US" altLang="ko-KR" sz="1600" dirty="0" smtClean="0"/>
+              <a:t>2mA÷100 = 0.02mA </a:t>
             </a:r>
             <a:r>
               <a:rPr lang="en-US" altLang="ko-KR" sz="1600" dirty="0" err="1" smtClean="0"/>
-              <a:t>Ce</a:t>
+              <a:t>hfe</a:t>
+            </a:r>
+            <a:r>
+              <a:rPr lang="en-US" altLang="ko-KR" sz="1600" dirty="0" smtClean="0"/>
+              <a:t>=100</a:t>
             </a:r>
             <a:r>
               <a:rPr lang="ko-KR" altLang="en-US" sz="1600" dirty="0" smtClean="0"/>
-              <a:t>＞１／（</a:t>
+              <a:t>）가 됩니다</a:t>
             </a:r>
             <a:r>
               <a:rPr lang="en-US" altLang="ko-KR" sz="1600" dirty="0" smtClean="0"/>
-              <a:t>6.3×20Hz×200</a:t>
+              <a:t>.</a:t>
+            </a:r>
+          </a:p>
+          <a:p>
+            <a:r>
+              <a:rPr lang="ko-KR" altLang="en-US" sz="1600" dirty="0" smtClean="0"/>
+              <a:t>여기에서 베이스 저항은 베이스 전류의 １０배 이상의 전류가 흐르게 하여 베이스전류 및 베이스 전압이 변동하지 않도록 하며 </a:t>
+            </a:r>
+            <a:r>
+              <a:rPr lang="en-US" altLang="ko-KR" sz="1600" dirty="0" smtClean="0"/>
+              <a:t>R1</a:t>
+            </a:r>
+            <a:r>
+              <a:rPr lang="ko-KR" altLang="en-US" sz="1600" dirty="0" smtClean="0"/>
+              <a:t>，</a:t>
+            </a:r>
+            <a:r>
+              <a:rPr lang="en-US" altLang="ko-KR" sz="1600" dirty="0" smtClean="0"/>
+              <a:t>R2</a:t>
+            </a:r>
+            <a:r>
+              <a:rPr lang="ko-KR" altLang="en-US" sz="1600" dirty="0" smtClean="0"/>
+              <a:t>는 다음과 같이 계산합니다</a:t>
+            </a:r>
+            <a:r>
+              <a:rPr lang="en-US" altLang="ko-KR" sz="1600" dirty="0" smtClean="0"/>
+              <a:t>. </a:t>
+            </a:r>
+          </a:p>
+          <a:p>
+            <a:pPr>
+              <a:buNone/>
+            </a:pPr>
+            <a:r>
+              <a:rPr lang="en-US" altLang="ko-KR" sz="1600" dirty="0" smtClean="0"/>
+              <a:t>    </a:t>
+            </a:r>
+            <a:r>
+              <a:rPr lang="pt-BR" altLang="ko-KR" sz="1600" dirty="0" smtClean="0"/>
+              <a:t>R1 = </a:t>
+            </a:r>
+            <a:r>
+              <a:rPr lang="ko-KR" altLang="pt-BR" sz="1600" dirty="0" smtClean="0"/>
+              <a:t>（</a:t>
+            </a:r>
+            <a:r>
+              <a:rPr lang="pt-BR" altLang="ko-KR" sz="1600" dirty="0" smtClean="0"/>
+              <a:t>Vcc - Vb) ÷</a:t>
+            </a:r>
+            <a:r>
+              <a:rPr lang="ko-KR" altLang="pt-BR" sz="1600" dirty="0" smtClean="0"/>
+              <a:t>（</a:t>
+            </a:r>
+            <a:r>
+              <a:rPr lang="pt-BR" altLang="ko-KR" sz="1600" dirty="0" smtClean="0"/>
+              <a:t>10×Ic</a:t>
+            </a:r>
+            <a:r>
+              <a:rPr lang="ko-KR" altLang="pt-BR" sz="1600" dirty="0" smtClean="0"/>
+              <a:t>）</a:t>
+            </a:r>
+            <a:r>
+              <a:rPr lang="pt-BR" altLang="ko-KR" sz="1600" dirty="0" smtClean="0"/>
+              <a:t>, </a:t>
+            </a:r>
+          </a:p>
+          <a:p>
+            <a:pPr>
+              <a:buNone/>
+            </a:pPr>
+            <a:r>
+              <a:rPr lang="pt-BR" altLang="ko-KR" sz="1600" dirty="0" smtClean="0"/>
+              <a:t>    R2 = Vb ÷ (10 × Ic)</a:t>
+            </a:r>
+          </a:p>
+          <a:p>
+            <a:pPr>
+              <a:buNone/>
+            </a:pPr>
+            <a:r>
+              <a:rPr lang="en-US" altLang="ko-KR" sz="1600" dirty="0" smtClean="0"/>
+              <a:t>    (</a:t>
+            </a:r>
+            <a:r>
+              <a:rPr lang="ko-KR" altLang="en-US" sz="1600" dirty="0" smtClean="0"/>
+              <a:t>예：</a:t>
+            </a:r>
+            <a:r>
+              <a:rPr lang="en-US" altLang="ko-KR" sz="1600" dirty="0" smtClean="0"/>
+              <a:t>R1=(5V-1V)÷10×0.02mA=20K</a:t>
             </a:r>
             <a:r>
               <a:rPr lang="el-GR" altLang="ko-KR" sz="1600" dirty="0" smtClean="0"/>
-              <a:t>Ω</a:t>
+              <a:t>Ω </a:t>
+            </a:r>
+            <a:r>
+              <a:rPr lang="en-US" altLang="ko-KR" sz="1600" dirty="0" smtClean="0"/>
+              <a:t>   </a:t>
+            </a:r>
+          </a:p>
+          <a:p>
+            <a:pPr>
+              <a:buNone/>
+            </a:pPr>
+            <a:r>
+              <a:rPr lang="en-US" altLang="ko-KR" sz="1600" dirty="0" smtClean="0"/>
+              <a:t>           R2=1V÷(10×0.02mA)=5K</a:t>
+            </a:r>
+            <a:r>
+              <a:rPr lang="el-GR" altLang="ko-KR" sz="1600" dirty="0" smtClean="0"/>
+              <a:t>Ω </a:t>
             </a:r>
             <a:r>
               <a:rPr lang="ko-KR" altLang="el-GR" sz="1600" dirty="0" smtClean="0"/>
               <a:t>）</a:t>
-            </a:r>
-            <a:r>
-              <a:rPr lang="el-GR" altLang="ko-KR" sz="1600" dirty="0" smtClean="0"/>
-              <a:t>=40μ</a:t>
-            </a:r>
-            <a:r>
-              <a:rPr lang="en-US" altLang="ko-KR" sz="1600" dirty="0" smtClean="0"/>
-              <a:t>F → </a:t>
-            </a:r>
-            <a:r>
-              <a:rPr lang="en-US" altLang="ko-KR" sz="1600" dirty="0" err="1" smtClean="0"/>
-              <a:t>Ce</a:t>
-            </a:r>
-            <a:r>
-              <a:rPr lang="en-US" altLang="ko-KR" sz="1600" dirty="0" smtClean="0"/>
-              <a:t>=100</a:t>
-            </a:r>
-            <a:r>
-              <a:rPr lang="el-GR" altLang="ko-KR" sz="1600" dirty="0" smtClean="0"/>
-              <a:t>μ</a:t>
-            </a:r>
-            <a:r>
-              <a:rPr lang="en-US" altLang="ko-KR" sz="1600" dirty="0" smtClean="0"/>
-              <a:t>F</a:t>
-            </a:r>
-            <a:r>
-              <a:rPr lang="ko-KR" altLang="en-US" sz="1600" dirty="0" smtClean="0"/>
-              <a:t>）</a:t>
-            </a:r>
-          </a:p>
-          <a:p>
-            <a:r>
-              <a:rPr lang="en-US" altLang="ko-KR" sz="1600" dirty="0" smtClean="0"/>
-              <a:t>《</a:t>
-            </a:r>
-            <a:r>
-              <a:rPr lang="ko-KR" altLang="en-US" sz="1600" dirty="0" smtClean="0"/>
-              <a:t>참고</a:t>
-            </a:r>
-            <a:r>
-              <a:rPr lang="en-US" altLang="ko-KR" sz="1600" dirty="0" smtClean="0"/>
-              <a:t>》</a:t>
-            </a:r>
-            <a:r>
-              <a:rPr lang="ko-KR" altLang="en-US" sz="1600" dirty="0" err="1" smtClean="0"/>
-              <a:t>직류증폭시는</a:t>
-            </a:r>
-            <a:r>
-              <a:rPr lang="ko-KR" altLang="en-US" sz="1600" dirty="0" smtClean="0"/>
-              <a:t> </a:t>
-            </a:r>
-            <a:r>
-              <a:rPr lang="en-US" altLang="ko-KR" sz="1600" dirty="0" err="1" smtClean="0"/>
-              <a:t>Cin</a:t>
-            </a:r>
-            <a:r>
-              <a:rPr lang="ko-KR" altLang="en-US" sz="1600" dirty="0" smtClean="0"/>
-              <a:t>이나 </a:t>
-            </a:r>
-            <a:r>
-              <a:rPr lang="en-US" altLang="ko-KR" sz="1600" dirty="0" err="1" smtClean="0"/>
-              <a:t>Ce</a:t>
-            </a:r>
-            <a:r>
-              <a:rPr lang="ko-KR" altLang="en-US" sz="1600" dirty="0" smtClean="0"/>
-              <a:t>는 불필요 하기 때문에 사용하지 않아도 좋습니다</a:t>
-            </a:r>
-            <a:r>
-              <a:rPr lang="en-US" altLang="ko-KR" sz="1600" dirty="0" smtClean="0"/>
-              <a:t>.</a:t>
             </a:r>
             <a:endParaRPr lang="ko-KR" altLang="en-US" sz="1600" dirty="0"/>
           </a:p>
@@ -8807,229 +8317,315 @@
         <p:spPr/>
         <p:txBody>
           <a:bodyPr>
+            <a:normAutofit fontScale="90000"/>
+          </a:bodyPr>
+          <a:lstStyle/>
+          <a:p>
+            <a:r>
+              <a:rPr lang="en-US" altLang="ko-KR" dirty="0" smtClean="0"/>
+              <a:t>Transistor </a:t>
+            </a:r>
+            <a:r>
+              <a:rPr lang="en-US" altLang="ko-KR" sz="4000" dirty="0" smtClean="0"/>
+              <a:t>–</a:t>
+            </a:r>
+            <a:r>
+              <a:rPr lang="ko-KR" altLang="en-US" sz="4000" dirty="0" smtClean="0"/>
+              <a:t> </a:t>
+            </a:r>
+            <a:r>
+              <a:rPr lang="ko-KR" altLang="en-US" sz="3600" dirty="0" smtClean="0"/>
+              <a:t>아날로그 회로에서 사용법</a:t>
+            </a:r>
+            <a:endParaRPr lang="ko-KR" altLang="en-US" dirty="0"/>
+          </a:p>
+        </p:txBody>
+      </p:sp>
+      <p:sp>
+        <p:nvSpPr>
+          <p:cNvPr id="4" name="내용 개체 틀 3"/>
+          <p:cNvSpPr>
+            <a:spLocks noGrp="1"/>
+          </p:cNvSpPr>
+          <p:nvPr>
+            <p:ph idx="1"/>
+          </p:nvPr>
+        </p:nvSpPr>
+        <p:spPr>
+          <a:xfrm>
+            <a:off x="4067944" y="1484784"/>
+            <a:ext cx="4618856" cy="4522507"/>
+          </a:xfrm>
+        </p:spPr>
+        <p:txBody>
+          <a:bodyPr>
             <a:normAutofit/>
           </a:bodyPr>
           <a:lstStyle/>
           <a:p>
-            <a:r>
-              <a:rPr lang="en-US" altLang="ko-KR" dirty="0" smtClean="0"/>
-              <a:t>MOSFET</a:t>
-            </a:r>
-            <a:endParaRPr lang="ko-KR" altLang="en-US" dirty="0"/>
-          </a:p>
-        </p:txBody>
-      </p:sp>
-      <p:sp>
-        <p:nvSpPr>
-          <p:cNvPr id="6" name="내용 개체 틀 5"/>
-          <p:cNvSpPr>
-            <a:spLocks noGrp="1"/>
-          </p:cNvSpPr>
-          <p:nvPr>
-            <p:ph idx="1"/>
-          </p:nvPr>
-        </p:nvSpPr>
-        <p:spPr/>
-        <p:txBody>
-          <a:bodyPr>
-            <a:normAutofit fontScale="92500"/>
-          </a:bodyPr>
-          <a:lstStyle/>
-          <a:p>
-            <a:r>
-              <a:rPr lang="ko-KR" altLang="en-US" dirty="0" smtClean="0"/>
-              <a:t>실 사용을 보면 </a:t>
-            </a:r>
-            <a:r>
-              <a:rPr lang="en-US" altLang="ko-KR" dirty="0" err="1" smtClean="0"/>
-              <a:t>Vgs</a:t>
-            </a:r>
-            <a:r>
-              <a:rPr lang="en-US" altLang="ko-KR" dirty="0" smtClean="0"/>
+            <a:pPr>
+              <a:buNone/>
+            </a:pPr>
+            <a:r>
+              <a:rPr lang="en-US" altLang="ko-KR" sz="2000" dirty="0" smtClean="0"/>
+              <a:t>4.</a:t>
+            </a:r>
+            <a:r>
+              <a:rPr lang="ko-KR" altLang="en-US" sz="2000" dirty="0" err="1" smtClean="0"/>
+              <a:t>커플링</a:t>
+            </a:r>
+            <a:r>
+              <a:rPr lang="ko-KR" altLang="en-US" sz="2000" dirty="0" smtClean="0"/>
+              <a:t> 콘덴서</a:t>
+            </a:r>
+            <a:r>
+              <a:rPr lang="en-US" altLang="ko-KR" sz="2000" dirty="0" smtClean="0"/>
+              <a:t>(</a:t>
+            </a:r>
+            <a:r>
+              <a:rPr lang="en-US" altLang="ko-KR" sz="2000" dirty="0" err="1" smtClean="0"/>
+              <a:t>Cin</a:t>
+            </a:r>
+            <a:r>
+              <a:rPr lang="en-US" altLang="ko-KR" sz="2000" dirty="0" smtClean="0"/>
+              <a:t>)</a:t>
+            </a:r>
+            <a:r>
+              <a:rPr lang="ko-KR" altLang="en-US" sz="2000" dirty="0" smtClean="0"/>
+              <a:t>의 용량결정</a:t>
+            </a:r>
+            <a:endParaRPr lang="en-US" altLang="ko-KR" sz="2000" dirty="0" smtClean="0"/>
+          </a:p>
+          <a:p>
+            <a:pPr>
+              <a:buNone/>
+            </a:pPr>
+            <a:endParaRPr lang="en-US" altLang="ko-KR" sz="2000" dirty="0" smtClean="0"/>
+          </a:p>
+          <a:p>
+            <a:r>
+              <a:rPr lang="ko-KR" altLang="en-US" sz="1600" dirty="0" smtClean="0"/>
+              <a:t>교류신호를 증폭하는 경우는 직류전압과 무관하게 하기 위해 </a:t>
+            </a:r>
+            <a:r>
+              <a:rPr lang="ko-KR" altLang="en-US" sz="1600" dirty="0" err="1" smtClean="0"/>
+              <a:t>커플링</a:t>
+            </a:r>
+            <a:r>
+              <a:rPr lang="ko-KR" altLang="en-US" sz="1600" dirty="0" smtClean="0"/>
+              <a:t> 콘덴서（</a:t>
+            </a:r>
+            <a:r>
+              <a:rPr lang="en-US" altLang="ko-KR" sz="1600" dirty="0" err="1" smtClean="0"/>
+              <a:t>Cin</a:t>
+            </a:r>
+            <a:r>
+              <a:rPr lang="ko-KR" altLang="en-US" sz="1600" dirty="0" smtClean="0"/>
+              <a:t>）가 필요해집니다．이 값은 입력신호의 최저 주파수（ｆｃ）에 대하여 충분히 무시할 수 있는 </a:t>
+            </a:r>
+            <a:r>
+              <a:rPr lang="ko-KR" altLang="en-US" sz="1600" dirty="0" err="1" smtClean="0"/>
+              <a:t>임피던스가</a:t>
+            </a:r>
+            <a:r>
+              <a:rPr lang="ko-KR" altLang="en-US" sz="1600" dirty="0" smtClean="0"/>
+              <a:t> 되도록 해야 합니다</a:t>
+            </a:r>
+            <a:r>
+              <a:rPr lang="en-US" altLang="ko-KR" sz="1600" dirty="0" smtClean="0"/>
+              <a:t>. </a:t>
+            </a:r>
+            <a:r>
+              <a:rPr lang="ko-KR" altLang="en-US" sz="1600" dirty="0" smtClean="0"/>
+              <a:t>입력용 콘덴서 </a:t>
+            </a:r>
+            <a:r>
+              <a:rPr lang="en-US" altLang="ko-KR" sz="1600" dirty="0" err="1" smtClean="0"/>
+              <a:t>Cin</a:t>
+            </a:r>
+            <a:r>
+              <a:rPr lang="en-US" altLang="ko-KR" sz="1600" dirty="0" smtClean="0"/>
               <a:t> </a:t>
             </a:r>
             <a:r>
-              <a:rPr lang="ko-KR" altLang="en-US" dirty="0" smtClean="0"/>
-              <a:t>의 전압이 결국 </a:t>
-            </a:r>
-            <a:r>
-              <a:rPr lang="en-US" altLang="ko-KR" dirty="0" smtClean="0"/>
-              <a:t>Drain </a:t>
-            </a:r>
-            <a:r>
-              <a:rPr lang="ko-KR" altLang="en-US" dirty="0" smtClean="0"/>
+              <a:rPr lang="ko-KR" altLang="en-US" sz="1600" dirty="0" smtClean="0"/>
+              <a:t>은 트랜지스터의 입력 임피던스를 </a:t>
+            </a:r>
+            <a:r>
+              <a:rPr lang="en-US" altLang="ko-KR" sz="1600" dirty="0" err="1" smtClean="0"/>
+              <a:t>Rin</a:t>
+            </a:r>
+            <a:r>
+              <a:rPr lang="ko-KR" altLang="en-US" sz="1600" dirty="0" smtClean="0"/>
+              <a:t>이라고 한다면</a:t>
+            </a:r>
+            <a:endParaRPr lang="en-US" altLang="ko-KR" sz="1600" dirty="0" smtClean="0"/>
+          </a:p>
+          <a:p>
+            <a:r>
+              <a:rPr lang="ko-KR" altLang="en-US" sz="1600" dirty="0" smtClean="0"/>
+              <a:t>ｆｃ ＞ １</a:t>
+            </a:r>
+            <a:r>
+              <a:rPr lang="en-US" altLang="ko-KR" sz="1600" dirty="0" smtClean="0"/>
+              <a:t>÷</a:t>
+            </a:r>
+            <a:r>
+              <a:rPr lang="ko-KR" altLang="en-US" sz="1600" dirty="0" smtClean="0"/>
+              <a:t>（</a:t>
+            </a:r>
+            <a:r>
+              <a:rPr lang="en-US" altLang="ko-KR" sz="1600" dirty="0" smtClean="0"/>
+              <a:t>2π × </a:t>
+            </a:r>
+            <a:r>
+              <a:rPr lang="en-US" altLang="ko-KR" sz="1600" dirty="0" err="1" smtClean="0"/>
+              <a:t>Rin</a:t>
+            </a:r>
+            <a:r>
+              <a:rPr lang="en-US" altLang="ko-KR" sz="1600" dirty="0" smtClean="0"/>
+              <a:t> × </a:t>
+            </a:r>
+            <a:r>
+              <a:rPr lang="en-US" altLang="ko-KR" sz="1600" dirty="0" err="1" smtClean="0"/>
+              <a:t>Cin</a:t>
+            </a:r>
+            <a:r>
+              <a:rPr lang="en-US" altLang="ko-KR" sz="1600" dirty="0" smtClean="0"/>
+              <a:t>) </a:t>
+            </a:r>
+            <a:r>
+              <a:rPr lang="ko-KR" altLang="en-US" sz="1600" dirty="0" smtClean="0"/>
+              <a:t>이 되도록 정해야 하며 입력 임피던스 </a:t>
+            </a:r>
+            <a:r>
+              <a:rPr lang="en-US" altLang="ko-KR" sz="1600" dirty="0" err="1" smtClean="0"/>
+              <a:t>Rin</a:t>
+            </a:r>
+            <a:r>
+              <a:rPr lang="ko-KR" altLang="en-US" sz="1600" dirty="0" smtClean="0"/>
+              <a:t>은 대략 </a:t>
+            </a:r>
+            <a:r>
+              <a:rPr lang="en-US" altLang="ko-KR" sz="1600" dirty="0" smtClean="0"/>
+              <a:t>R1</a:t>
+            </a:r>
+            <a:r>
+              <a:rPr lang="ko-KR" altLang="en-US" sz="1600" dirty="0" smtClean="0"/>
               <a:t>과 </a:t>
             </a:r>
             <a:r>
-              <a:rPr lang="en-US" altLang="ko-KR" dirty="0" smtClean="0"/>
-              <a:t>Source </a:t>
-            </a:r>
-            <a:r>
-              <a:rPr lang="ko-KR" altLang="en-US" dirty="0" smtClean="0"/>
-              <a:t>간의 동작을 어떻게 하는가 결정하게 됩니다</a:t>
-            </a:r>
-            <a:r>
-              <a:rPr lang="en-US" altLang="ko-KR" dirty="0" smtClean="0"/>
-              <a:t>. </a:t>
-            </a:r>
-            <a:r>
-              <a:rPr lang="ko-KR" altLang="en-US" dirty="0" smtClean="0"/>
-              <a:t>제일 좋은 것은 </a:t>
-            </a:r>
-            <a:r>
-              <a:rPr lang="en-US" altLang="ko-KR" dirty="0" err="1" smtClean="0"/>
-              <a:t>Vgs</a:t>
-            </a:r>
-            <a:r>
-              <a:rPr lang="en-US" altLang="ko-KR" dirty="0" smtClean="0"/>
+              <a:rPr lang="en-US" altLang="ko-KR" sz="1600" dirty="0" smtClean="0"/>
+              <a:t>R2</a:t>
+            </a:r>
+            <a:r>
+              <a:rPr lang="ko-KR" altLang="en-US" sz="1600" dirty="0" smtClean="0"/>
+              <a:t>의 병렬 저항값이 됩니다</a:t>
+            </a:r>
+            <a:r>
+              <a:rPr lang="en-US" altLang="ko-KR" sz="1600" dirty="0" smtClean="0"/>
+              <a:t>.</a:t>
+            </a:r>
+          </a:p>
+          <a:p>
+            <a:r>
+              <a:rPr lang="ko-KR" altLang="en-US" sz="1600" dirty="0" smtClean="0"/>
+              <a:t>예：ｆｃ</a:t>
+            </a:r>
+            <a:r>
+              <a:rPr lang="ko-KR" altLang="en-US" sz="1600" dirty="0" err="1" smtClean="0"/>
+              <a:t>를</a:t>
+            </a:r>
+            <a:r>
+              <a:rPr lang="ko-KR" altLang="en-US" sz="1600" dirty="0" smtClean="0"/>
               <a:t> </a:t>
             </a:r>
             <a:r>
-              <a:rPr lang="ko-KR" altLang="en-US" dirty="0" smtClean="0"/>
-              <a:t>를 </a:t>
-            </a:r>
-            <a:r>
-              <a:rPr lang="en-US" altLang="ko-KR" dirty="0" smtClean="0"/>
-              <a:t>D-S </a:t>
-            </a:r>
-            <a:r>
-              <a:rPr lang="ko-KR" altLang="en-US" dirty="0" smtClean="0"/>
-              <a:t>간의 </a:t>
-            </a:r>
-            <a:r>
-              <a:rPr lang="ko-KR" altLang="en-US" dirty="0" smtClean="0"/>
-              <a:t>전압 </a:t>
-            </a:r>
-            <a:r>
-              <a:rPr lang="ko-KR" altLang="en-US" dirty="0" smtClean="0"/>
-              <a:t>또는 </a:t>
-            </a:r>
-            <a:r>
-              <a:rPr lang="ko-KR" altLang="en-US" dirty="0" err="1" smtClean="0"/>
-              <a:t>스펙상</a:t>
-            </a:r>
-            <a:r>
-              <a:rPr lang="ko-KR" altLang="en-US" dirty="0" smtClean="0"/>
-              <a:t> 제시한 전압에 맞게 사용하는 것이 중요합니다</a:t>
-            </a:r>
-            <a:r>
-              <a:rPr lang="en-US" altLang="ko-KR" dirty="0" smtClean="0"/>
-              <a:t>. </a:t>
-            </a:r>
-            <a:endParaRPr lang="en-US" altLang="ko-KR" dirty="0" smtClean="0"/>
-          </a:p>
-          <a:p>
-            <a:r>
-              <a:rPr lang="ko-KR" altLang="en-US" dirty="0" smtClean="0"/>
-              <a:t>그런데</a:t>
-            </a:r>
-            <a:r>
-              <a:rPr lang="en-US" altLang="ko-KR" dirty="0" smtClean="0"/>
-              <a:t>, MOSFET </a:t>
-            </a:r>
-            <a:r>
-              <a:rPr lang="ko-KR" altLang="en-US" dirty="0" smtClean="0"/>
-              <a:t>을 </a:t>
-            </a:r>
-            <a:r>
-              <a:rPr lang="ko-KR" altLang="en-US" dirty="0" smtClean="0"/>
-              <a:t>간단히 사용하다 보면 </a:t>
-            </a:r>
-            <a:r>
-              <a:rPr lang="en-US" altLang="ko-KR" dirty="0" err="1" smtClean="0"/>
-              <a:t>Vgs</a:t>
-            </a:r>
-            <a:r>
-              <a:rPr lang="en-US" altLang="ko-KR" dirty="0" smtClean="0"/>
-              <a:t> </a:t>
-            </a:r>
-            <a:r>
-              <a:rPr lang="ko-KR" altLang="en-US" dirty="0" smtClean="0"/>
-              <a:t>를 무시하고 사용하는 경우가 허다하지요</a:t>
-            </a:r>
-            <a:r>
-              <a:rPr lang="en-US" altLang="ko-KR" dirty="0" smtClean="0"/>
-              <a:t>. </a:t>
-            </a:r>
-            <a:r>
-              <a:rPr lang="ko-KR" altLang="en-US" dirty="0" smtClean="0"/>
-              <a:t>그래서 시험적으로 </a:t>
-            </a:r>
-            <a:r>
-              <a:rPr lang="ko-KR" altLang="en-US" dirty="0" smtClean="0"/>
-              <a:t>사용할 </a:t>
-            </a:r>
-            <a:r>
-              <a:rPr lang="ko-KR" altLang="en-US" dirty="0" smtClean="0"/>
-              <a:t>때에는 아무런 문제가 없는데</a:t>
-            </a:r>
-            <a:r>
-              <a:rPr lang="en-US" altLang="ko-KR" dirty="0" smtClean="0"/>
-              <a:t>, </a:t>
-            </a:r>
-            <a:r>
-              <a:rPr lang="ko-KR" altLang="en-US" dirty="0" smtClean="0"/>
-              <a:t>회로 적용하여 </a:t>
-            </a:r>
-            <a:r>
-              <a:rPr lang="ko-KR" altLang="en-US" dirty="0" smtClean="0"/>
-              <a:t>사용하다 보면 </a:t>
-            </a:r>
-            <a:r>
-              <a:rPr lang="ko-KR" altLang="en-US" dirty="0" smtClean="0"/>
-              <a:t>이상 증상이 </a:t>
-            </a:r>
-            <a:r>
-              <a:rPr lang="ko-KR" altLang="en-US" dirty="0" smtClean="0"/>
-              <a:t>나타나기도 합니다</a:t>
-            </a:r>
-            <a:r>
-              <a:rPr lang="en-US" altLang="ko-KR" dirty="0" smtClean="0"/>
-              <a:t>. </a:t>
-            </a:r>
-            <a:endParaRPr lang="en-US" altLang="ko-KR" dirty="0" smtClean="0"/>
-          </a:p>
-          <a:p>
-            <a:r>
-              <a:rPr lang="ko-KR" altLang="en-US" dirty="0" smtClean="0"/>
-              <a:t>이를테면 </a:t>
-            </a:r>
-            <a:r>
-              <a:rPr lang="en-US" altLang="ko-KR" dirty="0" smtClean="0"/>
-              <a:t>OFF </a:t>
-            </a:r>
-            <a:r>
-              <a:rPr lang="ko-KR" altLang="en-US" dirty="0" smtClean="0"/>
-              <a:t>가 안된다든지</a:t>
-            </a:r>
-            <a:r>
-              <a:rPr lang="en-US" altLang="ko-KR" dirty="0" smtClean="0"/>
-              <a:t>, ON</a:t>
-            </a:r>
-            <a:r>
-              <a:rPr lang="ko-KR" altLang="en-US" dirty="0" smtClean="0"/>
-              <a:t>은 되는데 열이 많이 발생하고 </a:t>
-            </a:r>
-            <a:r>
-              <a:rPr lang="en-US" altLang="ko-KR" dirty="0" smtClean="0"/>
-              <a:t>MOSFET </a:t>
-            </a:r>
-            <a:r>
-              <a:rPr lang="ko-KR" altLang="en-US" dirty="0" smtClean="0"/>
-              <a:t>이 </a:t>
-            </a:r>
-            <a:r>
-              <a:rPr lang="ko-KR" altLang="en-US" dirty="0" smtClean="0"/>
-              <a:t>소실되어 버립니다</a:t>
-            </a:r>
-            <a:r>
-              <a:rPr lang="en-US" altLang="ko-KR" dirty="0" smtClean="0"/>
-              <a:t>.</a:t>
-            </a:r>
-            <a:endParaRPr lang="ko-KR" altLang="en-US" dirty="0"/>
-          </a:p>
-        </p:txBody>
-      </p:sp>
+              <a:rPr lang="en-US" altLang="ko-KR" sz="1600" dirty="0" smtClean="0"/>
+              <a:t>20Hz</a:t>
+            </a:r>
+            <a:r>
+              <a:rPr lang="ko-KR" altLang="en-US" sz="1600" dirty="0" smtClean="0"/>
+              <a:t>라고 할때 </a:t>
+            </a:r>
+            <a:r>
+              <a:rPr lang="en-US" altLang="ko-KR" sz="1600" dirty="0" err="1" smtClean="0"/>
+              <a:t>Cin</a:t>
+            </a:r>
+            <a:r>
+              <a:rPr lang="en-US" altLang="ko-KR" sz="1600" dirty="0" smtClean="0"/>
+              <a:t> &gt; </a:t>
+            </a:r>
+            <a:r>
+              <a:rPr lang="ko-KR" altLang="en-US" sz="1600" dirty="0" smtClean="0"/>
+              <a:t>１／</a:t>
+            </a:r>
+            <a:r>
+              <a:rPr lang="en-US" altLang="ko-KR" sz="1600" dirty="0" smtClean="0"/>
+              <a:t>(6.3 × 4KΩ × 20Hz) = 2μF</a:t>
+            </a:r>
+          </a:p>
+          <a:p>
+            <a:r>
+              <a:rPr lang="en-US" altLang="ko-KR" sz="1600" dirty="0" smtClean="0"/>
+              <a:t>C</a:t>
+            </a:r>
+            <a:r>
+              <a:rPr lang="ko-KR" altLang="en-US" sz="1600" dirty="0" smtClean="0"/>
+              <a:t>ｉｎ </a:t>
+            </a:r>
+            <a:r>
+              <a:rPr lang="en-US" altLang="ko-KR" sz="1600" dirty="0" smtClean="0"/>
+              <a:t>= 4.7μF </a:t>
+            </a:r>
+            <a:r>
+              <a:rPr lang="ko-KR" altLang="en-US" sz="1600" dirty="0" smtClean="0"/>
+              <a:t>정도를 사용하면 좋습니다</a:t>
+            </a:r>
+            <a:r>
+              <a:rPr lang="en-US" altLang="ko-KR" sz="1600" dirty="0" smtClean="0"/>
+              <a:t>,</a:t>
+            </a:r>
+            <a:r>
+              <a:rPr lang="ko-KR" altLang="en-US" sz="1600" dirty="0" smtClean="0"/>
+              <a:t>）</a:t>
+            </a:r>
+            <a:endParaRPr lang="ko-KR" altLang="en-US" sz="1600" dirty="0"/>
+          </a:p>
+        </p:txBody>
+      </p:sp>
+      <p:pic>
+        <p:nvPicPr>
+          <p:cNvPr id="5122" name="Picture 2"/>
+          <p:cNvPicPr>
+            <a:picLocks noChangeAspect="1" noChangeArrowheads="1"/>
+          </p:cNvPicPr>
+          <p:nvPr/>
+        </p:nvPicPr>
+        <p:blipFill>
+          <a:blip r:embed="rId2" cstate="print"/>
+          <a:srcRect/>
+          <a:stretch>
+            <a:fillRect/>
+          </a:stretch>
+        </p:blipFill>
+        <p:spPr bwMode="auto">
+          <a:xfrm>
+            <a:off x="179512" y="2276872"/>
+            <a:ext cx="3927059" cy="2995414"/>
+          </a:xfrm>
+          <a:prstGeom prst="rect">
+            <a:avLst/>
+          </a:prstGeom>
+          <a:noFill/>
+          <a:ln w="9525">
+            <a:noFill/>
+            <a:miter lim="800000"/>
+            <a:headEnd/>
+            <a:tailEnd/>
+          </a:ln>
+        </p:spPr>
+      </p:pic>
     </p:spTree>
   </p:cSld>
   <p:clrMapOvr>
@@ -9068,267 +8664,274 @@
         <p:spPr/>
         <p:txBody>
           <a:bodyPr>
+            <a:normAutofit fontScale="90000"/>
+          </a:bodyPr>
+          <a:lstStyle/>
+          <a:p>
+            <a:r>
+              <a:rPr lang="en-US" altLang="ko-KR" dirty="0" smtClean="0"/>
+              <a:t>Transistor </a:t>
+            </a:r>
+            <a:r>
+              <a:rPr lang="en-US" altLang="ko-KR" sz="4000" dirty="0" smtClean="0"/>
+              <a:t>–</a:t>
+            </a:r>
+            <a:r>
+              <a:rPr lang="ko-KR" altLang="en-US" sz="4000" dirty="0" smtClean="0"/>
+              <a:t> </a:t>
+            </a:r>
+            <a:r>
+              <a:rPr lang="ko-KR" altLang="en-US" sz="3600" dirty="0" smtClean="0"/>
+              <a:t>아날로그 회로에서 사용법</a:t>
+            </a:r>
+            <a:endParaRPr lang="ko-KR" altLang="en-US" dirty="0"/>
+          </a:p>
+        </p:txBody>
+      </p:sp>
+      <p:sp>
+        <p:nvSpPr>
+          <p:cNvPr id="4" name="내용 개체 틀 3"/>
+          <p:cNvSpPr>
+            <a:spLocks noGrp="1"/>
+          </p:cNvSpPr>
+          <p:nvPr>
+            <p:ph idx="1"/>
+          </p:nvPr>
+        </p:nvSpPr>
+        <p:spPr>
+          <a:xfrm>
+            <a:off x="4067944" y="1484784"/>
+            <a:ext cx="4618856" cy="4522507"/>
+          </a:xfrm>
+        </p:spPr>
+        <p:txBody>
+          <a:bodyPr>
             <a:normAutofit/>
           </a:bodyPr>
           <a:lstStyle/>
           <a:p>
-            <a:r>
-              <a:rPr lang="en-US" altLang="ko-KR" dirty="0" smtClean="0"/>
-              <a:t>MOSFET</a:t>
-            </a:r>
-            <a:endParaRPr lang="ko-KR" altLang="en-US" dirty="0"/>
-          </a:p>
-        </p:txBody>
-      </p:sp>
-      <p:sp>
-        <p:nvSpPr>
-          <p:cNvPr id="6" name="내용 개체 틀 5"/>
-          <p:cNvSpPr>
-            <a:spLocks noGrp="1"/>
-          </p:cNvSpPr>
-          <p:nvPr>
-            <p:ph idx="1"/>
-          </p:nvPr>
-        </p:nvSpPr>
-        <p:spPr/>
-        <p:txBody>
-          <a:bodyPr>
-            <a:normAutofit fontScale="92500" lnSpcReduction="20000"/>
-          </a:bodyPr>
-          <a:lstStyle/>
-          <a:p>
-            <a:r>
-              <a:rPr lang="en-US" altLang="ko-KR" dirty="0" smtClean="0"/>
-              <a:t>N-MOSFET </a:t>
-            </a:r>
-            <a:r>
-              <a:rPr lang="ko-KR" altLang="en-US" dirty="0" smtClean="0"/>
-              <a:t>을 사용할 경우에는 후자의 경우가 대부분입니다</a:t>
-            </a:r>
-            <a:r>
-              <a:rPr lang="en-US" altLang="ko-KR" dirty="0" smtClean="0"/>
-              <a:t>. </a:t>
-            </a:r>
-            <a:r>
-              <a:rPr lang="en-US" altLang="ko-KR" dirty="0" err="1" smtClean="0"/>
-              <a:t>Vgs</a:t>
-            </a:r>
-            <a:r>
-              <a:rPr lang="en-US" altLang="ko-KR" dirty="0" smtClean="0"/>
+            <a:pPr>
+              <a:buNone/>
+            </a:pPr>
+            <a:r>
+              <a:rPr lang="en-US" altLang="ko-KR" sz="2000" dirty="0" smtClean="0"/>
+              <a:t>5. </a:t>
+            </a:r>
+            <a:r>
+              <a:rPr lang="ko-KR" altLang="en-US" sz="2000" dirty="0" smtClean="0"/>
+              <a:t>바이패스 콘덴서（</a:t>
+            </a:r>
+            <a:r>
+              <a:rPr lang="en-US" altLang="ko-KR" sz="2000" dirty="0" err="1" smtClean="0"/>
+              <a:t>Ce</a:t>
+            </a:r>
+            <a:r>
+              <a:rPr lang="ko-KR" altLang="en-US" sz="2000" dirty="0" smtClean="0"/>
+              <a:t>）의 결정</a:t>
+            </a:r>
+            <a:endParaRPr lang="en-US" altLang="ko-KR" sz="2000" dirty="0" smtClean="0"/>
+          </a:p>
+          <a:p>
+            <a:pPr>
+              <a:buNone/>
+            </a:pPr>
+            <a:endParaRPr lang="en-US" altLang="ko-KR" sz="2000" dirty="0" smtClean="0"/>
+          </a:p>
+          <a:p>
+            <a:r>
+              <a:rPr lang="ko-KR" altLang="en-US" sz="1600" dirty="0" err="1" smtClean="0"/>
+              <a:t>이미터의</a:t>
+            </a:r>
+            <a:r>
+              <a:rPr lang="ko-KR" altLang="en-US" sz="1600" dirty="0" smtClean="0"/>
+              <a:t> 콘덴서도 최저 주파수에 대하여 충분히 낮은 </a:t>
+            </a:r>
+            <a:r>
+              <a:rPr lang="ko-KR" altLang="en-US" sz="1600" dirty="0" err="1" smtClean="0"/>
+              <a:t>인피던스가</a:t>
+            </a:r>
+            <a:r>
+              <a:rPr lang="ko-KR" altLang="en-US" sz="1600" dirty="0" smtClean="0"/>
+              <a:t> 되도록 정해야 하며</a:t>
+            </a:r>
+          </a:p>
+          <a:p>
+            <a:r>
+              <a:rPr lang="en-US" altLang="ko-KR" sz="1600" dirty="0" err="1" smtClean="0"/>
+              <a:t>Ce</a:t>
+            </a:r>
+            <a:r>
+              <a:rPr lang="en-US" altLang="ko-KR" sz="1600" dirty="0" smtClean="0"/>
               <a:t> </a:t>
             </a:r>
             <a:r>
-              <a:rPr lang="ko-KR" altLang="en-US" dirty="0" smtClean="0"/>
-              <a:t>전압이 적절하지 </a:t>
-            </a:r>
-            <a:r>
-              <a:rPr lang="ko-KR" altLang="en-US" dirty="0" smtClean="0"/>
-              <a:t>않기 때문에</a:t>
-            </a:r>
-            <a:r>
-              <a:rPr lang="en-US" altLang="ko-KR" dirty="0" smtClean="0"/>
-              <a:t>, D-S </a:t>
-            </a:r>
-            <a:r>
-              <a:rPr lang="ko-KR" altLang="en-US" dirty="0" smtClean="0"/>
-              <a:t>간 전압</a:t>
-            </a:r>
-            <a:r>
-              <a:rPr lang="en-US" altLang="ko-KR" dirty="0" smtClean="0"/>
-              <a:t>, </a:t>
-            </a:r>
-            <a:r>
-              <a:rPr lang="ko-KR" altLang="en-US" dirty="0" smtClean="0"/>
-              <a:t>전류를 버티지 못하고 발열이 생기고 소실되는 것이죠</a:t>
-            </a:r>
-            <a:r>
-              <a:rPr lang="en-US" altLang="ko-KR" dirty="0" smtClean="0"/>
-              <a:t>. </a:t>
-            </a:r>
-            <a:r>
-              <a:rPr lang="ko-KR" altLang="en-US" dirty="0" smtClean="0"/>
-              <a:t>충분한 </a:t>
-            </a:r>
-            <a:r>
-              <a:rPr lang="ko-KR" altLang="en-US" dirty="0" smtClean="0"/>
-              <a:t>전압 </a:t>
-            </a:r>
-            <a:r>
-              <a:rPr lang="ko-KR" altLang="en-US" dirty="0" err="1" smtClean="0"/>
-              <a:t>으로</a:t>
-            </a:r>
-            <a:r>
-              <a:rPr lang="ko-KR" altLang="en-US" dirty="0" smtClean="0"/>
+              <a:rPr lang="ko-KR" altLang="en-US" sz="1600" dirty="0" smtClean="0"/>
+              <a:t>＞ １</a:t>
+            </a:r>
+            <a:r>
+              <a:rPr lang="en-US" altLang="ko-KR" sz="1600" dirty="0" smtClean="0"/>
+              <a:t>÷</a:t>
+            </a:r>
+            <a:r>
+              <a:rPr lang="ko-KR" altLang="en-US" sz="1600" dirty="0" smtClean="0"/>
+              <a:t>（２</a:t>
+            </a:r>
+            <a:r>
+              <a:rPr lang="en-US" altLang="ko-KR" sz="1600" dirty="0" smtClean="0"/>
+              <a:t>π × </a:t>
+            </a:r>
+            <a:r>
+              <a:rPr lang="ko-KR" altLang="en-US" sz="1600" dirty="0" smtClean="0"/>
+              <a:t>ｆｃ </a:t>
+            </a:r>
+            <a:r>
+              <a:rPr lang="en-US" altLang="ko-KR" sz="1600" dirty="0" smtClean="0"/>
+              <a:t>× Re</a:t>
+            </a:r>
+            <a:r>
+              <a:rPr lang="ko-KR" altLang="en-US" sz="1600" dirty="0" smtClean="0"/>
+              <a:t>）</a:t>
+            </a:r>
+            <a:r>
+              <a:rPr lang="ko-KR" altLang="en-US" sz="1600" dirty="0" err="1" smtClean="0"/>
+              <a:t>로</a:t>
+            </a:r>
+            <a:r>
+              <a:rPr lang="ko-KR" altLang="en-US" sz="1600" dirty="0" smtClean="0"/>
+              <a:t> 구합니다．</a:t>
+            </a:r>
+          </a:p>
+          <a:p>
+            <a:r>
+              <a:rPr lang="ko-KR" altLang="en-US" sz="1600" dirty="0" smtClean="0"/>
+              <a:t>예： </a:t>
+            </a:r>
+            <a:r>
+              <a:rPr lang="en-US" altLang="ko-KR" sz="1600" dirty="0" err="1" smtClean="0"/>
+              <a:t>Ce</a:t>
+            </a:r>
+            <a:r>
+              <a:rPr lang="ko-KR" altLang="en-US" sz="1600" dirty="0" smtClean="0"/>
+              <a:t>＞１／（</a:t>
+            </a:r>
+            <a:r>
+              <a:rPr lang="en-US" altLang="ko-KR" sz="1600" dirty="0" smtClean="0"/>
+              <a:t>6.3×20Hz×200</a:t>
+            </a:r>
+            <a:r>
+              <a:rPr lang="el-GR" altLang="ko-KR" sz="1600" dirty="0" smtClean="0"/>
+              <a:t>Ω</a:t>
+            </a:r>
+            <a:r>
+              <a:rPr lang="ko-KR" altLang="el-GR" sz="1600" dirty="0" smtClean="0"/>
+              <a:t>）</a:t>
+            </a:r>
+            <a:r>
+              <a:rPr lang="el-GR" altLang="ko-KR" sz="1600" dirty="0" smtClean="0"/>
+              <a:t>=40μ</a:t>
+            </a:r>
+            <a:r>
+              <a:rPr lang="en-US" altLang="ko-KR" sz="1600" dirty="0" smtClean="0"/>
+              <a:t>F → </a:t>
+            </a:r>
+            <a:r>
+              <a:rPr lang="en-US" altLang="ko-KR" sz="1600" dirty="0" err="1" smtClean="0"/>
+              <a:t>Ce</a:t>
+            </a:r>
+            <a:r>
+              <a:rPr lang="en-US" altLang="ko-KR" sz="1600" dirty="0" smtClean="0"/>
+              <a:t>=100</a:t>
+            </a:r>
+            <a:r>
+              <a:rPr lang="el-GR" altLang="ko-KR" sz="1600" dirty="0" smtClean="0"/>
+              <a:t>μ</a:t>
+            </a:r>
+            <a:r>
+              <a:rPr lang="en-US" altLang="ko-KR" sz="1600" dirty="0" smtClean="0"/>
+              <a:t>F</a:t>
+            </a:r>
+            <a:r>
+              <a:rPr lang="ko-KR" altLang="en-US" sz="1600" dirty="0" smtClean="0"/>
+              <a:t>）</a:t>
+            </a:r>
+          </a:p>
+          <a:p>
+            <a:r>
+              <a:rPr lang="en-US" altLang="ko-KR" sz="1600" dirty="0" smtClean="0"/>
+              <a:t>《</a:t>
+            </a:r>
+            <a:r>
+              <a:rPr lang="ko-KR" altLang="en-US" sz="1600" dirty="0" smtClean="0"/>
+              <a:t>참고</a:t>
+            </a:r>
+            <a:r>
+              <a:rPr lang="en-US" altLang="ko-KR" sz="1600" dirty="0" smtClean="0"/>
+              <a:t>》</a:t>
+            </a:r>
+            <a:r>
+              <a:rPr lang="ko-KR" altLang="en-US" sz="1600" dirty="0" err="1" smtClean="0"/>
+              <a:t>직류증폭시는</a:t>
+            </a:r>
+            <a:r>
+              <a:rPr lang="ko-KR" altLang="en-US" sz="1600" dirty="0" smtClean="0"/>
               <a:t> </a:t>
             </a:r>
             <a:r>
-              <a:rPr lang="en-US" altLang="ko-KR" dirty="0" smtClean="0"/>
-              <a:t>Gate </a:t>
-            </a:r>
-            <a:r>
-              <a:rPr lang="ko-KR" altLang="en-US" dirty="0" smtClean="0"/>
-              <a:t>를 컨트롤 할 때에는 이런 문제가 없습니다</a:t>
-            </a:r>
-            <a:r>
-              <a:rPr lang="en-US" altLang="ko-KR" dirty="0" smtClean="0"/>
+              <a:rPr lang="en-US" altLang="ko-KR" sz="1600" dirty="0" err="1" smtClean="0"/>
+              <a:t>Cin</a:t>
+            </a:r>
+            <a:r>
+              <a:rPr lang="ko-KR" altLang="en-US" sz="1600" dirty="0" smtClean="0"/>
+              <a:t>이나 </a:t>
+            </a:r>
+            <a:r>
+              <a:rPr lang="en-US" altLang="ko-KR" sz="1600" dirty="0" err="1" smtClean="0"/>
+              <a:t>Ce</a:t>
+            </a:r>
+            <a:r>
+              <a:rPr lang="ko-KR" altLang="en-US" sz="1600" dirty="0" smtClean="0"/>
+              <a:t>는 불필요 하기 때문에 사용하지 않아도 좋습니다</a:t>
+            </a:r>
+            <a:r>
+              <a:rPr lang="en-US" altLang="ko-KR" sz="1600" dirty="0" smtClean="0"/>
               <a:t>.</a:t>
             </a:r>
-          </a:p>
-          <a:p>
-            <a:r>
-              <a:rPr lang="ko-KR" altLang="en-US" dirty="0" smtClean="0"/>
-              <a:t>반대로 </a:t>
-            </a:r>
-            <a:r>
-              <a:rPr lang="en-US" altLang="ko-KR" dirty="0" smtClean="0"/>
-              <a:t>P-MOSFET </a:t>
-            </a:r>
-            <a:r>
-              <a:rPr lang="ko-KR" altLang="en-US" dirty="0" smtClean="0"/>
-              <a:t>을 사용할 경우에는 </a:t>
-            </a:r>
-            <a:r>
-              <a:rPr lang="en-US" altLang="ko-KR" dirty="0" smtClean="0"/>
-              <a:t>OFF </a:t>
-            </a:r>
-            <a:r>
-              <a:rPr lang="ko-KR" altLang="en-US" dirty="0" smtClean="0"/>
-              <a:t>가 제대로 안되는 경우가 허다합니다</a:t>
-            </a:r>
-            <a:r>
-              <a:rPr lang="en-US" altLang="ko-KR" dirty="0" smtClean="0"/>
-              <a:t>. </a:t>
-            </a:r>
-            <a:r>
-              <a:rPr lang="ko-KR" altLang="en-US" dirty="0" smtClean="0"/>
-              <a:t>역시나 </a:t>
-            </a:r>
-            <a:r>
-              <a:rPr lang="en-US" altLang="ko-KR" dirty="0" err="1" smtClean="0"/>
-              <a:t>Vgs</a:t>
-            </a:r>
-            <a:r>
-              <a:rPr lang="en-US" altLang="ko-KR" dirty="0" smtClean="0"/>
-              <a:t> </a:t>
-            </a:r>
-            <a:r>
-              <a:rPr lang="ko-KR" altLang="en-US" dirty="0" smtClean="0"/>
-              <a:t>전압이 적절치 않기 때문입니다</a:t>
-            </a:r>
-            <a:r>
-              <a:rPr lang="en-US" altLang="ko-KR" dirty="0" smtClean="0"/>
-              <a:t>. S-D </a:t>
-            </a:r>
-            <a:r>
-              <a:rPr lang="ko-KR" altLang="en-US" dirty="0" smtClean="0"/>
-              <a:t>간 흐르는 전류를 막을 만한 전압이 </a:t>
-            </a:r>
-            <a:r>
-              <a:rPr lang="ko-KR" altLang="en-US" dirty="0" smtClean="0"/>
-              <a:t>필요한 것인데</a:t>
-            </a:r>
-            <a:r>
-              <a:rPr lang="en-US" altLang="ko-KR" dirty="0" smtClean="0"/>
-              <a:t>, </a:t>
-            </a:r>
-            <a:r>
-              <a:rPr lang="ko-KR" altLang="en-US" dirty="0" smtClean="0"/>
-              <a:t>충분한 전압으로 </a:t>
-            </a:r>
-            <a:r>
-              <a:rPr lang="en-US" altLang="ko-KR" dirty="0" smtClean="0"/>
-              <a:t>Gate </a:t>
-            </a:r>
-            <a:r>
-              <a:rPr lang="ko-KR" altLang="en-US" dirty="0" smtClean="0"/>
-              <a:t>를 조절하지 못하니 전류가 흘러 </a:t>
-            </a:r>
-            <a:r>
-              <a:rPr lang="en-US" altLang="ko-KR" dirty="0" smtClean="0"/>
-              <a:t>OFF</a:t>
-            </a:r>
-            <a:r>
-              <a:rPr lang="ko-KR" altLang="en-US" dirty="0" smtClean="0"/>
-              <a:t>가 되질 않는 </a:t>
-            </a:r>
-            <a:r>
-              <a:rPr lang="ko-KR" altLang="en-US" dirty="0" smtClean="0"/>
-              <a:t>것입니다</a:t>
-            </a:r>
-            <a:r>
-              <a:rPr lang="en-US" altLang="ko-KR" dirty="0" smtClean="0"/>
-              <a:t>.</a:t>
-            </a:r>
-          </a:p>
-          <a:p>
-            <a:r>
-              <a:rPr lang="ko-KR" altLang="en-US" dirty="0" smtClean="0"/>
-              <a:t>사실 </a:t>
-            </a:r>
-            <a:r>
-              <a:rPr lang="ko-KR" altLang="en-US" dirty="0" err="1" smtClean="0"/>
-              <a:t>논리게이트용</a:t>
-            </a:r>
-            <a:r>
-              <a:rPr lang="ko-KR" altLang="en-US" dirty="0" smtClean="0"/>
-              <a:t> </a:t>
-            </a:r>
-            <a:r>
-              <a:rPr lang="en-US" altLang="ko-KR" dirty="0" smtClean="0"/>
-              <a:t>MOSFET, </a:t>
-            </a:r>
-            <a:r>
-              <a:rPr lang="en-US" altLang="ko-KR" dirty="0" err="1" smtClean="0"/>
-              <a:t>Vds</a:t>
-            </a:r>
-            <a:r>
-              <a:rPr lang="en-US" altLang="ko-KR" dirty="0" smtClean="0"/>
-              <a:t> = </a:t>
-            </a:r>
-            <a:r>
-              <a:rPr lang="en-US" altLang="ko-KR" dirty="0" err="1" smtClean="0"/>
-              <a:t>Vgs</a:t>
-            </a:r>
-            <a:r>
-              <a:rPr lang="en-US" altLang="ko-KR" dirty="0" smtClean="0"/>
-              <a:t> </a:t>
-            </a:r>
-            <a:r>
-              <a:rPr lang="ko-KR" altLang="en-US" dirty="0" smtClean="0"/>
-              <a:t>조건이 아니라면 </a:t>
-            </a:r>
-            <a:r>
-              <a:rPr lang="en-US" altLang="ko-KR" dirty="0" smtClean="0"/>
-              <a:t>MOSFET </a:t>
-            </a:r>
-            <a:r>
-              <a:rPr lang="ko-KR" altLang="en-US" dirty="0" smtClean="0"/>
-              <a:t>도 </a:t>
-            </a:r>
-            <a:r>
-              <a:rPr lang="en-US" altLang="ko-KR" dirty="0" smtClean="0"/>
-              <a:t>TR </a:t>
-            </a:r>
-            <a:r>
-              <a:rPr lang="ko-KR" altLang="en-US" dirty="0" smtClean="0"/>
-              <a:t>이나 </a:t>
-            </a:r>
-            <a:r>
-              <a:rPr lang="ko-KR" altLang="en-US" dirty="0" smtClean="0"/>
-              <a:t>포토커플러로 </a:t>
-            </a:r>
-            <a:r>
-              <a:rPr lang="en-US" altLang="ko-KR" dirty="0" smtClean="0"/>
-              <a:t>ON/OFF</a:t>
-            </a:r>
-            <a:r>
-              <a:rPr lang="ko-KR" altLang="en-US" dirty="0" smtClean="0"/>
-              <a:t>를 해주는 것이 확실합니다</a:t>
-            </a:r>
-            <a:endParaRPr lang="ko-KR" altLang="en-US" dirty="0"/>
-          </a:p>
-        </p:txBody>
-      </p:sp>
+            <a:endParaRPr lang="ko-KR" altLang="en-US" sz="1600" dirty="0"/>
+          </a:p>
+        </p:txBody>
+      </p:sp>
+      <p:pic>
+        <p:nvPicPr>
+          <p:cNvPr id="5122" name="Picture 2"/>
+          <p:cNvPicPr>
+            <a:picLocks noChangeAspect="1" noChangeArrowheads="1"/>
+          </p:cNvPicPr>
+          <p:nvPr/>
+        </p:nvPicPr>
+        <p:blipFill>
+          <a:blip r:embed="rId2" cstate="print"/>
+          <a:srcRect/>
+          <a:stretch>
+            <a:fillRect/>
+          </a:stretch>
+        </p:blipFill>
+        <p:spPr bwMode="auto">
+          <a:xfrm>
+            <a:off x="179512" y="2276872"/>
+            <a:ext cx="3927059" cy="2995414"/>
+          </a:xfrm>
+          <a:prstGeom prst="rect">
+            <a:avLst/>
+          </a:prstGeom>
+          <a:noFill/>
+          <a:ln w="9525">
+            <a:noFill/>
+            <a:miter lim="800000"/>
+            <a:headEnd/>
+            <a:tailEnd/>
+          </a:ln>
+        </p:spPr>
+      </p:pic>
     </p:spTree>
   </p:cSld>
   <p:clrMapOvr>
@@ -9381,6 +8984,508 @@
       </p:sp>
       <p:sp>
         <p:nvSpPr>
+          <p:cNvPr id="6" name="내용 개체 틀 5"/>
+          <p:cNvSpPr>
+            <a:spLocks noGrp="1"/>
+          </p:cNvSpPr>
+          <p:nvPr>
+            <p:ph idx="1"/>
+          </p:nvPr>
+        </p:nvSpPr>
+        <p:spPr/>
+        <p:txBody>
+          <a:bodyPr>
+            <a:normAutofit fontScale="92500"/>
+          </a:bodyPr>
+          <a:lstStyle/>
+          <a:p>
+            <a:r>
+              <a:rPr lang="ko-KR" altLang="en-US" dirty="0" smtClean="0"/>
+              <a:t>실 사용을 보면 </a:t>
+            </a:r>
+            <a:r>
+              <a:rPr lang="en-US" altLang="ko-KR" dirty="0" err="1" smtClean="0"/>
+              <a:t>Vgs</a:t>
+            </a:r>
+            <a:r>
+              <a:rPr lang="en-US" altLang="ko-KR" dirty="0" smtClean="0"/>
+              <a:t> </a:t>
+            </a:r>
+            <a:r>
+              <a:rPr lang="ko-KR" altLang="en-US" dirty="0" smtClean="0"/>
+              <a:t>의 전압이 결국 </a:t>
+            </a:r>
+            <a:r>
+              <a:rPr lang="en-US" altLang="ko-KR" dirty="0" smtClean="0"/>
+              <a:t>Drain </a:t>
+            </a:r>
+            <a:r>
+              <a:rPr lang="ko-KR" altLang="en-US" dirty="0" smtClean="0"/>
+              <a:t>과 </a:t>
+            </a:r>
+            <a:r>
+              <a:rPr lang="en-US" altLang="ko-KR" dirty="0" smtClean="0"/>
+              <a:t>Source </a:t>
+            </a:r>
+            <a:r>
+              <a:rPr lang="ko-KR" altLang="en-US" dirty="0" smtClean="0"/>
+              <a:t>간의 동작을 어떻게 하는가 결정하게 됩니다</a:t>
+            </a:r>
+            <a:r>
+              <a:rPr lang="en-US" altLang="ko-KR" dirty="0" smtClean="0"/>
+              <a:t>. </a:t>
+            </a:r>
+            <a:r>
+              <a:rPr lang="ko-KR" altLang="en-US" dirty="0" smtClean="0"/>
+              <a:t>제일 좋은 것은 </a:t>
+            </a:r>
+            <a:r>
+              <a:rPr lang="en-US" altLang="ko-KR" dirty="0" err="1" smtClean="0"/>
+              <a:t>Vgs</a:t>
+            </a:r>
+            <a:r>
+              <a:rPr lang="en-US" altLang="ko-KR" dirty="0" smtClean="0"/>
+              <a:t> </a:t>
+            </a:r>
+            <a:r>
+              <a:rPr lang="ko-KR" altLang="en-US" dirty="0" smtClean="0"/>
+              <a:t>를 </a:t>
+            </a:r>
+            <a:r>
+              <a:rPr lang="en-US" altLang="ko-KR" dirty="0" smtClean="0"/>
+              <a:t>D-S </a:t>
+            </a:r>
+            <a:r>
+              <a:rPr lang="ko-KR" altLang="en-US" dirty="0" smtClean="0"/>
+              <a:t>간의 전압 또는 </a:t>
+            </a:r>
+            <a:r>
+              <a:rPr lang="ko-KR" altLang="en-US" dirty="0" err="1" smtClean="0"/>
+              <a:t>스펙상</a:t>
+            </a:r>
+            <a:r>
+              <a:rPr lang="ko-KR" altLang="en-US" dirty="0" smtClean="0"/>
+              <a:t> 제시한 전압에 맞게 사용하는 것이 중요합니다</a:t>
+            </a:r>
+            <a:r>
+              <a:rPr lang="en-US" altLang="ko-KR" dirty="0" smtClean="0"/>
+              <a:t>. </a:t>
+            </a:r>
+          </a:p>
+          <a:p>
+            <a:r>
+              <a:rPr lang="ko-KR" altLang="en-US" dirty="0" smtClean="0"/>
+              <a:t>그런데</a:t>
+            </a:r>
+            <a:r>
+              <a:rPr lang="en-US" altLang="ko-KR" dirty="0" smtClean="0"/>
+              <a:t>, MOSFET </a:t>
+            </a:r>
+            <a:r>
+              <a:rPr lang="ko-KR" altLang="en-US" dirty="0" smtClean="0"/>
+              <a:t>을 간단히 사용하다 보면 </a:t>
+            </a:r>
+            <a:r>
+              <a:rPr lang="en-US" altLang="ko-KR" dirty="0" err="1" smtClean="0"/>
+              <a:t>Vgs</a:t>
+            </a:r>
+            <a:r>
+              <a:rPr lang="en-US" altLang="ko-KR" dirty="0" smtClean="0"/>
+              <a:t> </a:t>
+            </a:r>
+            <a:r>
+              <a:rPr lang="ko-KR" altLang="en-US" dirty="0" smtClean="0"/>
+              <a:t>를 무시하고 사용하는 경우가 허다하지요</a:t>
+            </a:r>
+            <a:r>
+              <a:rPr lang="en-US" altLang="ko-KR" dirty="0" smtClean="0"/>
+              <a:t>. </a:t>
+            </a:r>
+            <a:r>
+              <a:rPr lang="ko-KR" altLang="en-US" dirty="0" smtClean="0"/>
+              <a:t>그래서 시험적으로 사용할 때에는 아무런 문제가 없는데</a:t>
+            </a:r>
+            <a:r>
+              <a:rPr lang="en-US" altLang="ko-KR" dirty="0" smtClean="0"/>
+              <a:t>, </a:t>
+            </a:r>
+            <a:r>
+              <a:rPr lang="ko-KR" altLang="en-US" dirty="0" smtClean="0"/>
+              <a:t>회로 적용하여 사용하다 보면 이상 증상이 나타나기도 합니다</a:t>
+            </a:r>
+            <a:r>
+              <a:rPr lang="en-US" altLang="ko-KR" dirty="0" smtClean="0"/>
+              <a:t>. </a:t>
+            </a:r>
+          </a:p>
+          <a:p>
+            <a:r>
+              <a:rPr lang="ko-KR" altLang="en-US" dirty="0" smtClean="0"/>
+              <a:t>이를테면 </a:t>
+            </a:r>
+            <a:r>
+              <a:rPr lang="en-US" altLang="ko-KR" dirty="0" smtClean="0"/>
+              <a:t>OFF </a:t>
+            </a:r>
+            <a:r>
+              <a:rPr lang="ko-KR" altLang="en-US" dirty="0" smtClean="0"/>
+              <a:t>가 안된다든지</a:t>
+            </a:r>
+            <a:r>
+              <a:rPr lang="en-US" altLang="ko-KR" dirty="0" smtClean="0"/>
+              <a:t>, ON</a:t>
+            </a:r>
+            <a:r>
+              <a:rPr lang="ko-KR" altLang="en-US" dirty="0" smtClean="0"/>
+              <a:t>은 되는데 열이 많이 발생하고 </a:t>
+            </a:r>
+            <a:r>
+              <a:rPr lang="en-US" altLang="ko-KR" dirty="0" smtClean="0"/>
+              <a:t>MOSFET </a:t>
+            </a:r>
+            <a:r>
+              <a:rPr lang="ko-KR" altLang="en-US" dirty="0" smtClean="0"/>
+              <a:t>이 소실되어 버립니다</a:t>
+            </a:r>
+            <a:r>
+              <a:rPr lang="en-US" altLang="ko-KR" dirty="0" smtClean="0"/>
+              <a:t>.</a:t>
+            </a:r>
+            <a:endParaRPr lang="ko-KR" altLang="en-US" dirty="0"/>
+          </a:p>
+        </p:txBody>
+      </p:sp>
+    </p:spTree>
+  </p:cSld>
+  <p:clrMapOvr>
+    <a:masterClrMapping/>
+  </p:clrMapOvr>
+</p:sld>
+</file>
+
+<file path=ppt/slides/slide24.xml><?xml version="1.0" encoding="utf-8"?>
+<p:sld xmlns:a="http://schemas.openxmlformats.org/drawingml/2006/main" xmlns:r="http://schemas.openxmlformats.org/officeDocument/2006/relationships" xmlns:p="http://schemas.openxmlformats.org/presentationml/2006/main">
+  <p:cSld>
+    <p:spTree>
+      <p:nvGrpSpPr>
+        <p:cNvPr id="1" name=""/>
+        <p:cNvGrpSpPr/>
+        <p:nvPr/>
+      </p:nvGrpSpPr>
+      <p:grpSpPr>
+        <a:xfrm>
+          <a:off x="0" y="0"/>
+          <a:ext cx="0" cy="0"/>
+          <a:chOff x="0" y="0"/>
+          <a:chExt cx="0" cy="0"/>
+        </a:xfrm>
+      </p:grpSpPr>
+      <p:sp>
+        <p:nvSpPr>
+          <p:cNvPr id="3" name="제목 2"/>
+          <p:cNvSpPr>
+            <a:spLocks noGrp="1"/>
+          </p:cNvSpPr>
+          <p:nvPr>
+            <p:ph type="title"/>
+          </p:nvPr>
+        </p:nvSpPr>
+        <p:spPr/>
+        <p:txBody>
+          <a:bodyPr>
+            <a:normAutofit/>
+          </a:bodyPr>
+          <a:lstStyle/>
+          <a:p>
+            <a:r>
+              <a:rPr lang="en-US" altLang="ko-KR" dirty="0" smtClean="0"/>
+              <a:t>MOSFET</a:t>
+            </a:r>
+            <a:endParaRPr lang="ko-KR" altLang="en-US" dirty="0"/>
+          </a:p>
+        </p:txBody>
+      </p:sp>
+      <p:sp>
+        <p:nvSpPr>
+          <p:cNvPr id="6" name="내용 개체 틀 5"/>
+          <p:cNvSpPr>
+            <a:spLocks noGrp="1"/>
+          </p:cNvSpPr>
+          <p:nvPr>
+            <p:ph idx="1"/>
+          </p:nvPr>
+        </p:nvSpPr>
+        <p:spPr/>
+        <p:txBody>
+          <a:bodyPr>
+            <a:normAutofit fontScale="92500" lnSpcReduction="20000"/>
+          </a:bodyPr>
+          <a:lstStyle/>
+          <a:p>
+            <a:r>
+              <a:rPr lang="en-US" altLang="ko-KR" dirty="0" smtClean="0"/>
+              <a:t>N-MOSFET </a:t>
+            </a:r>
+            <a:r>
+              <a:rPr lang="ko-KR" altLang="en-US" dirty="0" smtClean="0"/>
+              <a:t>을 사용할 경우에는 후자의 경우가 대부분입니다</a:t>
+            </a:r>
+            <a:r>
+              <a:rPr lang="en-US" altLang="ko-KR" dirty="0" smtClean="0"/>
+              <a:t>. </a:t>
+            </a:r>
+            <a:r>
+              <a:rPr lang="en-US" altLang="ko-KR" dirty="0" err="1" smtClean="0"/>
+              <a:t>Vgs</a:t>
+            </a:r>
+            <a:r>
+              <a:rPr lang="en-US" altLang="ko-KR" dirty="0" smtClean="0"/>
+              <a:t> </a:t>
+            </a:r>
+            <a:r>
+              <a:rPr lang="ko-KR" altLang="en-US" dirty="0" smtClean="0"/>
+              <a:t>전압이 적절하지 않기 때문에</a:t>
+            </a:r>
+            <a:r>
+              <a:rPr lang="en-US" altLang="ko-KR" dirty="0" smtClean="0"/>
+              <a:t>, D-S </a:t>
+            </a:r>
+            <a:r>
+              <a:rPr lang="ko-KR" altLang="en-US" dirty="0" smtClean="0"/>
+              <a:t>간 전압</a:t>
+            </a:r>
+            <a:r>
+              <a:rPr lang="en-US" altLang="ko-KR" dirty="0" smtClean="0"/>
+              <a:t>, </a:t>
+            </a:r>
+            <a:r>
+              <a:rPr lang="ko-KR" altLang="en-US" dirty="0" smtClean="0"/>
+              <a:t>전류를 버티지 못하고 발열이 생기고 소실되는 것이죠</a:t>
+            </a:r>
+            <a:r>
+              <a:rPr lang="en-US" altLang="ko-KR" dirty="0" smtClean="0"/>
+              <a:t>. </a:t>
+            </a:r>
+            <a:r>
+              <a:rPr lang="ko-KR" altLang="en-US" dirty="0" smtClean="0"/>
+              <a:t>충분한 전압 </a:t>
+            </a:r>
+            <a:r>
+              <a:rPr lang="ko-KR" altLang="en-US" dirty="0" err="1" smtClean="0"/>
+              <a:t>으로</a:t>
+            </a:r>
+            <a:r>
+              <a:rPr lang="ko-KR" altLang="en-US" dirty="0" smtClean="0"/>
+              <a:t> </a:t>
+            </a:r>
+            <a:r>
+              <a:rPr lang="en-US" altLang="ko-KR" dirty="0" smtClean="0"/>
+              <a:t>Gate </a:t>
+            </a:r>
+            <a:r>
+              <a:rPr lang="ko-KR" altLang="en-US" dirty="0" smtClean="0"/>
+              <a:t>를 컨트롤 할 때에는 이런 문제가 없습니다</a:t>
+            </a:r>
+            <a:r>
+              <a:rPr lang="en-US" altLang="ko-KR" dirty="0" smtClean="0"/>
+              <a:t>.</a:t>
+            </a:r>
+          </a:p>
+          <a:p>
+            <a:r>
+              <a:rPr lang="ko-KR" altLang="en-US" dirty="0" smtClean="0"/>
+              <a:t>반대로 </a:t>
+            </a:r>
+            <a:r>
+              <a:rPr lang="en-US" altLang="ko-KR" dirty="0" smtClean="0"/>
+              <a:t>P-MOSFET </a:t>
+            </a:r>
+            <a:r>
+              <a:rPr lang="ko-KR" altLang="en-US" dirty="0" smtClean="0"/>
+              <a:t>을 사용할 경우에는 </a:t>
+            </a:r>
+            <a:r>
+              <a:rPr lang="en-US" altLang="ko-KR" dirty="0" smtClean="0"/>
+              <a:t>OFF </a:t>
+            </a:r>
+            <a:r>
+              <a:rPr lang="ko-KR" altLang="en-US" dirty="0" smtClean="0"/>
+              <a:t>가 제대로 안되는 경우가 허다합니다</a:t>
+            </a:r>
+            <a:r>
+              <a:rPr lang="en-US" altLang="ko-KR" dirty="0" smtClean="0"/>
+              <a:t>. </a:t>
+            </a:r>
+            <a:r>
+              <a:rPr lang="ko-KR" altLang="en-US" dirty="0" smtClean="0"/>
+              <a:t>역시나 </a:t>
+            </a:r>
+            <a:r>
+              <a:rPr lang="en-US" altLang="ko-KR" dirty="0" err="1" smtClean="0"/>
+              <a:t>Vgs</a:t>
+            </a:r>
+            <a:r>
+              <a:rPr lang="en-US" altLang="ko-KR" dirty="0" smtClean="0"/>
+              <a:t> </a:t>
+            </a:r>
+            <a:r>
+              <a:rPr lang="ko-KR" altLang="en-US" dirty="0" smtClean="0"/>
+              <a:t>전압이 적절치 않기 때문입니다</a:t>
+            </a:r>
+            <a:r>
+              <a:rPr lang="en-US" altLang="ko-KR" dirty="0" smtClean="0"/>
+              <a:t>. S-D </a:t>
+            </a:r>
+            <a:r>
+              <a:rPr lang="ko-KR" altLang="en-US" dirty="0" smtClean="0"/>
+              <a:t>간 흐르는 전류를 막을 만한 전압이 필요한 것인데</a:t>
+            </a:r>
+            <a:r>
+              <a:rPr lang="en-US" altLang="ko-KR" dirty="0" smtClean="0"/>
+              <a:t>, </a:t>
+            </a:r>
+            <a:r>
+              <a:rPr lang="ko-KR" altLang="en-US" dirty="0" smtClean="0"/>
+              <a:t>충분한 전압으로 </a:t>
+            </a:r>
+            <a:r>
+              <a:rPr lang="en-US" altLang="ko-KR" dirty="0" smtClean="0"/>
+              <a:t>Gate </a:t>
+            </a:r>
+            <a:r>
+              <a:rPr lang="ko-KR" altLang="en-US" dirty="0" smtClean="0"/>
+              <a:t>를 조절하지 못하니 전류가 흘러 </a:t>
+            </a:r>
+            <a:r>
+              <a:rPr lang="en-US" altLang="ko-KR" dirty="0" smtClean="0"/>
+              <a:t>OFF</a:t>
+            </a:r>
+            <a:r>
+              <a:rPr lang="ko-KR" altLang="en-US" dirty="0" smtClean="0"/>
+              <a:t>가 되질 않는 것입니다</a:t>
+            </a:r>
+            <a:r>
+              <a:rPr lang="en-US" altLang="ko-KR" dirty="0" smtClean="0"/>
+              <a:t>.</a:t>
+            </a:r>
+          </a:p>
+          <a:p>
+            <a:r>
+              <a:rPr lang="ko-KR" altLang="en-US" dirty="0" smtClean="0"/>
+              <a:t>사실 </a:t>
+            </a:r>
+            <a:r>
+              <a:rPr lang="ko-KR" altLang="en-US" dirty="0" err="1" smtClean="0"/>
+              <a:t>논리게이트용</a:t>
+            </a:r>
+            <a:r>
+              <a:rPr lang="ko-KR" altLang="en-US" dirty="0" smtClean="0"/>
+              <a:t> </a:t>
+            </a:r>
+            <a:r>
+              <a:rPr lang="en-US" altLang="ko-KR" dirty="0" smtClean="0"/>
+              <a:t>MOSFET, </a:t>
+            </a:r>
+            <a:r>
+              <a:rPr lang="en-US" altLang="ko-KR" dirty="0" err="1" smtClean="0"/>
+              <a:t>Vds</a:t>
+            </a:r>
+            <a:r>
+              <a:rPr lang="en-US" altLang="ko-KR" dirty="0" smtClean="0"/>
+              <a:t> = </a:t>
+            </a:r>
+            <a:r>
+              <a:rPr lang="en-US" altLang="ko-KR" dirty="0" err="1" smtClean="0"/>
+              <a:t>Vgs</a:t>
+            </a:r>
+            <a:r>
+              <a:rPr lang="en-US" altLang="ko-KR" dirty="0" smtClean="0"/>
+              <a:t> </a:t>
+            </a:r>
+            <a:r>
+              <a:rPr lang="ko-KR" altLang="en-US" dirty="0" smtClean="0"/>
+              <a:t>조건이 아니라면 </a:t>
+            </a:r>
+            <a:r>
+              <a:rPr lang="en-US" altLang="ko-KR" dirty="0" smtClean="0"/>
+              <a:t>MOSFET </a:t>
+            </a:r>
+            <a:r>
+              <a:rPr lang="ko-KR" altLang="en-US" dirty="0" smtClean="0"/>
+              <a:t>도 </a:t>
+            </a:r>
+            <a:r>
+              <a:rPr lang="en-US" altLang="ko-KR" dirty="0" smtClean="0"/>
+              <a:t>TR </a:t>
+            </a:r>
+            <a:r>
+              <a:rPr lang="ko-KR" altLang="en-US" dirty="0" smtClean="0"/>
+              <a:t>이나 포토커플러로 </a:t>
+            </a:r>
+            <a:r>
+              <a:rPr lang="en-US" altLang="ko-KR" dirty="0" smtClean="0"/>
+              <a:t>ON/OFF</a:t>
+            </a:r>
+            <a:r>
+              <a:rPr lang="ko-KR" altLang="en-US" dirty="0" smtClean="0"/>
+              <a:t>를 해주는 것이 확실합니다</a:t>
+            </a:r>
+            <a:endParaRPr lang="ko-KR" altLang="en-US" dirty="0"/>
+          </a:p>
+        </p:txBody>
+      </p:sp>
+    </p:spTree>
+  </p:cSld>
+  <p:clrMapOvr>
+    <a:masterClrMapping/>
+  </p:clrMapOvr>
+</p:sld>
+</file>
+
+<file path=ppt/slides/slide25.xml><?xml version="1.0" encoding="utf-8"?>
+<p:sld xmlns:a="http://schemas.openxmlformats.org/drawingml/2006/main" xmlns:r="http://schemas.openxmlformats.org/officeDocument/2006/relationships" xmlns:p="http://schemas.openxmlformats.org/presentationml/2006/main">
+  <p:cSld>
+    <p:spTree>
+      <p:nvGrpSpPr>
+        <p:cNvPr id="1" name=""/>
+        <p:cNvGrpSpPr/>
+        <p:nvPr/>
+      </p:nvGrpSpPr>
+      <p:grpSpPr>
+        <a:xfrm>
+          <a:off x="0" y="0"/>
+          <a:ext cx="0" cy="0"/>
+          <a:chOff x="0" y="0"/>
+          <a:chExt cx="0" cy="0"/>
+        </a:xfrm>
+      </p:grpSpPr>
+      <p:sp>
+        <p:nvSpPr>
+          <p:cNvPr id="3" name="제목 2"/>
+          <p:cNvSpPr>
+            <a:spLocks noGrp="1"/>
+          </p:cNvSpPr>
+          <p:nvPr>
+            <p:ph type="title"/>
+          </p:nvPr>
+        </p:nvSpPr>
+        <p:spPr/>
+        <p:txBody>
+          <a:bodyPr>
+            <a:normAutofit/>
+          </a:bodyPr>
+          <a:lstStyle/>
+          <a:p>
+            <a:r>
+              <a:rPr lang="en-US" altLang="ko-KR" dirty="0" smtClean="0"/>
+              <a:t>MOSFET</a:t>
+            </a:r>
+            <a:endParaRPr lang="ko-KR" altLang="en-US" dirty="0"/>
+          </a:p>
+        </p:txBody>
+      </p:sp>
+      <p:sp>
+        <p:nvSpPr>
           <p:cNvPr id="4" name="내용 개체 틀 3"/>
           <p:cNvSpPr>
             <a:spLocks noGrp="1"/>
@@ -9451,7 +9556,6 @@
               <a:rPr lang="en-US" altLang="ko-KR" sz="2000" dirty="0" smtClean="0"/>
               <a:t>. </a:t>
             </a:r>
-            <a:endParaRPr lang="en-US" altLang="ko-KR" sz="2000" dirty="0" smtClean="0"/>
           </a:p>
           <a:p>
             <a:r>
@@ -9518,7 +9622,7 @@
 </p:sld>
 </file>
 
-<file path=ppt/slides/slide24.xml><?xml version="1.0" encoding="utf-8"?>
+<file path=ppt/slides/slide26.xml><?xml version="1.0" encoding="utf-8"?>
 <p:sld xmlns:a="http://schemas.openxmlformats.org/drawingml/2006/main" xmlns:r="http://schemas.openxmlformats.org/officeDocument/2006/relationships" xmlns:p="http://schemas.openxmlformats.org/presentationml/2006/main">
   <p:cSld>
     <p:spTree>
@@ -9632,7 +9736,6 @@
               <a:rPr lang="en-US" altLang="ko-KR" sz="2000" dirty="0" smtClean="0"/>
               <a:t>. </a:t>
             </a:r>
-            <a:endParaRPr lang="en-US" altLang="ko-KR" sz="2000" dirty="0" smtClean="0"/>
           </a:p>
           <a:p>
             <a:r>
@@ -9715,7 +9818,7 @@
 </p:sld>
 </file>
 
-<file path=ppt/slides/slide25.xml><?xml version="1.0" encoding="utf-8"?>
+<file path=ppt/slides/slide27.xml><?xml version="1.0" encoding="utf-8"?>
 <p:sld xmlns:a="http://schemas.openxmlformats.org/drawingml/2006/main" xmlns:r="http://schemas.openxmlformats.org/officeDocument/2006/relationships" xmlns:p="http://schemas.openxmlformats.org/presentationml/2006/main">
   <p:cSld>
     <p:spTree>
@@ -9801,15 +9904,7 @@
             </a:r>
             <a:r>
               <a:rPr lang="ko-KR" altLang="en-US" sz="2000" dirty="0" smtClean="0"/>
-              <a:t>소형 스위치의 경우에는 허용 </a:t>
-            </a:r>
-            <a:r>
-              <a:rPr lang="ko-KR" altLang="en-US" sz="2000" dirty="0" smtClean="0"/>
-              <a:t>전류가 </a:t>
-            </a:r>
-            <a:r>
-              <a:rPr lang="ko-KR" altLang="en-US" sz="2000" dirty="0" smtClean="0"/>
-              <a:t>크지 않아 부피가 큰 스위치를 쓰기도 하는데</a:t>
+              <a:t>소형 스위치의 경우에는 허용 전류가 크지 않아 부피가 큰 스위치를 쓰기도 하는데</a:t>
             </a:r>
             <a:r>
               <a:rPr lang="en-US" altLang="ko-KR" sz="2000" dirty="0" smtClean="0"/>
@@ -9825,11 +9920,7 @@
             </a:r>
             <a:r>
               <a:rPr lang="ko-KR" altLang="en-US" sz="2000" dirty="0" smtClean="0"/>
-              <a:t>처리를 </a:t>
-            </a:r>
-            <a:r>
-              <a:rPr lang="ko-KR" altLang="en-US" sz="2000" dirty="0" smtClean="0"/>
-              <a:t>할 수 있습니다</a:t>
+              <a:t>처리를 할 수 있습니다</a:t>
             </a:r>
             <a:r>
               <a:rPr lang="en-US" altLang="ko-KR" sz="2000" dirty="0" smtClean="0"/>
@@ -9875,11 +9966,7 @@
             </a:r>
             <a:r>
               <a:rPr lang="ko-KR" altLang="en-US" sz="2000" dirty="0" smtClean="0"/>
-              <a:t>와 연결이 </a:t>
-            </a:r>
-            <a:r>
-              <a:rPr lang="ko-KR" altLang="en-US" sz="2000" dirty="0" smtClean="0"/>
-              <a:t>되므로 </a:t>
+              <a:t>와 연결이 되므로 </a:t>
             </a:r>
             <a:r>
               <a:rPr lang="en-US" altLang="ko-KR" sz="2000" dirty="0" smtClean="0"/>
@@ -9909,7 +9996,6 @@
               <a:rPr lang="en-US" altLang="ko-KR" sz="2000" dirty="0" smtClean="0"/>
               <a:t>(2-1) </a:t>
             </a:r>
-            <a:endParaRPr lang="en-US" altLang="ko-KR" sz="2000" dirty="0" smtClean="0"/>
           </a:p>
           <a:p>
             <a:r>
@@ -9984,7 +10070,7 @@
 </p:sld>
 </file>
 
-<file path=ppt/slides/slide26.xml><?xml version="1.0" encoding="utf-8"?>
+<file path=ppt/slides/slide28.xml><?xml version="1.0" encoding="utf-8"?>
 <p:sld xmlns:a="http://schemas.openxmlformats.org/drawingml/2006/main" xmlns:r="http://schemas.openxmlformats.org/officeDocument/2006/relationships" xmlns:p="http://schemas.openxmlformats.org/presentationml/2006/main">
   <p:cSld>
     <p:spTree>
@@ -10074,11 +10160,7 @@
             </a:r>
             <a:r>
               <a:rPr lang="ko-KR" altLang="en-US" sz="2000" dirty="0" smtClean="0"/>
-              <a:t> 회로를 보호하기 위한 회로 </a:t>
-            </a:r>
-            <a:r>
-              <a:rPr lang="ko-KR" altLang="en-US" sz="2000" dirty="0" smtClean="0"/>
-              <a:t>입니다</a:t>
+              <a:t> 회로를 보호하기 위한 회로 입니다</a:t>
             </a:r>
             <a:r>
               <a:rPr lang="en-US" altLang="ko-KR" sz="2000" dirty="0" smtClean="0"/>
@@ -10100,7 +10182,6 @@
               <a:rPr lang="en-US" altLang="ko-KR" sz="2000" dirty="0" smtClean="0"/>
               <a:t>, </a:t>
             </a:r>
-            <a:endParaRPr lang="en-US" altLang="ko-KR" sz="2000" dirty="0" smtClean="0"/>
           </a:p>
           <a:p>
             <a:r>
@@ -10109,15 +10190,7 @@
             </a:r>
             <a:r>
               <a:rPr lang="ko-KR" altLang="en-US" sz="2000" dirty="0" smtClean="0"/>
-              <a:t>의 경우 전압강하가 있고 에너지 자체가 </a:t>
-            </a:r>
-            <a:r>
-              <a:rPr lang="ko-KR" altLang="en-US" sz="2000" dirty="0" smtClean="0"/>
-              <a:t>소모되는 </a:t>
-            </a:r>
-            <a:r>
-              <a:rPr lang="ko-KR" altLang="en-US" sz="2000" dirty="0" smtClean="0"/>
-              <a:t>꼴이므로 </a:t>
+              <a:t>의 경우 전압강하가 있고 에너지 자체가 소모되는 꼴이므로 </a:t>
             </a:r>
             <a:r>
               <a:rPr lang="en-US" altLang="ko-KR" sz="2000" dirty="0" smtClean="0"/>
@@ -10131,7 +10204,6 @@
               <a:rPr lang="en-US" altLang="ko-KR" sz="2000" dirty="0" smtClean="0"/>
               <a:t>. </a:t>
             </a:r>
-            <a:endParaRPr lang="en-US" altLang="ko-KR" sz="2000" dirty="0" smtClean="0"/>
           </a:p>
           <a:p>
             <a:r>
@@ -10152,11 +10224,7 @@
             </a:r>
             <a:r>
               <a:rPr lang="ko-KR" altLang="en-US" sz="2000" dirty="0" smtClean="0"/>
-              <a:t>의 </a:t>
-            </a:r>
-            <a:r>
-              <a:rPr lang="ko-KR" altLang="en-US" sz="2000" dirty="0" smtClean="0"/>
-              <a:t>기생 </a:t>
+              <a:t>의 기생 </a:t>
             </a:r>
             <a:r>
               <a:rPr lang="en-US" altLang="ko-KR" sz="2000" dirty="0" smtClean="0"/>
@@ -10200,30 +10268,17 @@
             </a:r>
             <a:r>
               <a:rPr lang="ko-KR" altLang="en-US" sz="2000" dirty="0" smtClean="0"/>
-              <a:t>간 전원이 </a:t>
-            </a:r>
-            <a:r>
-              <a:rPr lang="ko-KR" altLang="en-US" sz="2000" dirty="0" smtClean="0"/>
-              <a:t>통하지 못하게 </a:t>
-            </a:r>
-            <a:r>
-              <a:rPr lang="ko-KR" altLang="en-US" sz="2000" dirty="0" smtClean="0"/>
-              <a:t>되어 전체 회로를 보호하게 됩니다</a:t>
+              <a:t>간 전원이 통하지 못하게 되어 전체 회로를 보호하게 됩니다</a:t>
             </a:r>
             <a:r>
               <a:rPr lang="en-US" altLang="ko-KR" sz="2000" dirty="0" smtClean="0"/>
               <a:t>. </a:t>
             </a:r>
-            <a:endParaRPr lang="en-US" altLang="ko-KR" sz="2000" dirty="0" smtClean="0"/>
-          </a:p>
-          <a:p>
-            <a:r>
-              <a:rPr lang="ko-KR" altLang="en-US" sz="2000" dirty="0" smtClean="0"/>
-              <a:t>때문에 </a:t>
-            </a:r>
-            <a:r>
-              <a:rPr lang="ko-KR" altLang="en-US" sz="2000" dirty="0" smtClean="0"/>
-              <a:t>기생 </a:t>
+          </a:p>
+          <a:p>
+            <a:r>
+              <a:rPr lang="ko-KR" altLang="en-US" sz="2000" dirty="0" smtClean="0"/>
+              <a:t>때문에 기생 </a:t>
             </a:r>
             <a:r>
               <a:rPr lang="en-US" altLang="ko-KR" sz="2000" dirty="0" smtClean="0"/>
@@ -10231,15 +10286,7 @@
             </a:r>
             <a:r>
               <a:rPr lang="ko-KR" altLang="en-US" sz="2000" dirty="0" smtClean="0"/>
-              <a:t>의 방향이 스위치로 </a:t>
-            </a:r>
-            <a:r>
-              <a:rPr lang="ko-KR" altLang="en-US" sz="2000" dirty="0" smtClean="0"/>
-              <a:t>활용</a:t>
-            </a:r>
-            <a:r>
-              <a:rPr lang="ko-KR" altLang="en-US" sz="2000" dirty="0" smtClean="0"/>
-              <a:t>되는 회로와 차이가 있습니다</a:t>
+              <a:t>의 방향이 스위치로 활용되는 회로와 차이가 있습니다</a:t>
             </a:r>
             <a:r>
               <a:rPr lang="en-US" altLang="ko-KR" sz="2000" dirty="0" smtClean="0"/>
@@ -10489,6 +10536,81 @@
       </p:grpSpPr>
       <p:sp>
         <p:nvSpPr>
+          <p:cNvPr id="2" name="내용 개체 틀 1"/>
+          <p:cNvSpPr>
+            <a:spLocks noGrp="1"/>
+          </p:cNvSpPr>
+          <p:nvPr>
+            <p:ph idx="1"/>
+          </p:nvPr>
+        </p:nvSpPr>
+        <p:spPr/>
+        <p:txBody>
+          <a:bodyPr/>
+          <a:lstStyle/>
+          <a:p>
+            <a:r>
+              <a:rPr lang="ko-KR" altLang="en-US" dirty="0" err="1" smtClean="0"/>
+              <a:t>풀업</a:t>
+            </a:r>
+            <a:r>
+              <a:rPr lang="ko-KR" altLang="en-US" dirty="0" smtClean="0"/>
+              <a:t> 저항의 크기에 따른 차이</a:t>
+            </a:r>
+            <a:endParaRPr lang="en-US" altLang="ko-KR" dirty="0" smtClean="0"/>
+          </a:p>
+          <a:p>
+            <a:pPr lvl="1"/>
+            <a:r>
+              <a:rPr lang="ko-KR" altLang="en-US" dirty="0" err="1" smtClean="0"/>
+              <a:t>저항값이</a:t>
+            </a:r>
+            <a:r>
+              <a:rPr lang="ko-KR" altLang="en-US" dirty="0" smtClean="0"/>
+              <a:t> 작으면 </a:t>
+            </a:r>
+            <a:r>
+              <a:rPr lang="en-US" altLang="ko-KR" dirty="0" smtClean="0"/>
+              <a:t>(1K) </a:t>
+            </a:r>
+            <a:r>
+              <a:rPr lang="ko-KR" altLang="en-US" dirty="0" err="1" smtClean="0"/>
+              <a:t>스위칭</a:t>
+            </a:r>
+            <a:r>
+              <a:rPr lang="ko-KR" altLang="en-US" dirty="0" smtClean="0"/>
+              <a:t> 속도가 빨라지고 전력은 증가함</a:t>
+            </a:r>
+            <a:endParaRPr lang="en-US" altLang="ko-KR" dirty="0" smtClean="0"/>
+          </a:p>
+          <a:p>
+            <a:pPr lvl="1"/>
+            <a:r>
+              <a:rPr lang="ko-KR" altLang="en-US" dirty="0" err="1" smtClean="0"/>
+              <a:t>저항값이</a:t>
+            </a:r>
+            <a:r>
+              <a:rPr lang="ko-KR" altLang="en-US" dirty="0" smtClean="0"/>
+              <a:t> 커지면 </a:t>
+            </a:r>
+            <a:r>
+              <a:rPr lang="en-US" altLang="ko-KR" dirty="0" smtClean="0"/>
+              <a:t>(10K) </a:t>
+            </a:r>
+            <a:r>
+              <a:rPr lang="ko-KR" altLang="en-US" dirty="0" err="1" smtClean="0"/>
+              <a:t>스위칭</a:t>
+            </a:r>
+            <a:r>
+              <a:rPr lang="ko-KR" altLang="en-US" dirty="0" smtClean="0"/>
+              <a:t> 속도가 느려지고 전력은 감소함</a:t>
+            </a:r>
+            <a:endParaRPr lang="en-US" altLang="ko-KR" dirty="0" smtClean="0"/>
+          </a:p>
+        </p:txBody>
+      </p:sp>
+      <p:sp>
+        <p:nvSpPr>
           <p:cNvPr id="3" name="제목 2"/>
           <p:cNvSpPr>
             <a:spLocks noGrp="1"/>
@@ -10499,294 +10621,14 @@
         </p:nvSpPr>
         <p:spPr/>
         <p:txBody>
-          <a:bodyPr>
-            <a:normAutofit/>
-          </a:bodyPr>
+          <a:bodyPr/>
           <a:lstStyle/>
           <a:p>
             <a:r>
               <a:rPr lang="en-US" altLang="ko-KR" dirty="0" smtClean="0"/>
-              <a:t>Transistor</a:t>
-            </a:r>
-            <a:r>
-              <a:rPr lang="en-US" altLang="ko-KR" dirty="0" smtClean="0"/>
-              <a:t> –</a:t>
-            </a:r>
-            <a:r>
-              <a:rPr lang="ko-KR" altLang="en-US" dirty="0" smtClean="0"/>
-              <a:t> </a:t>
-            </a:r>
-            <a:r>
-              <a:rPr lang="ko-KR" altLang="en-US" dirty="0" err="1" smtClean="0"/>
-              <a:t>설계시</a:t>
-            </a:r>
-            <a:r>
-              <a:rPr lang="ko-KR" altLang="en-US" dirty="0" smtClean="0"/>
-              <a:t> 유의사항</a:t>
+              <a:t>Resistor</a:t>
             </a:r>
             <a:endParaRPr lang="ko-KR" altLang="en-US" dirty="0"/>
-          </a:p>
-        </p:txBody>
-      </p:sp>
-      <p:sp>
-        <p:nvSpPr>
-          <p:cNvPr id="6" name="내용 개체 틀 5"/>
-          <p:cNvSpPr>
-            <a:spLocks noGrp="1"/>
-          </p:cNvSpPr>
-          <p:nvPr>
-            <p:ph idx="1"/>
-          </p:nvPr>
-        </p:nvSpPr>
-        <p:spPr/>
-        <p:txBody>
-          <a:bodyPr>
-            <a:normAutofit fontScale="92500"/>
-          </a:bodyPr>
-          <a:lstStyle/>
-          <a:p>
-            <a:r>
-              <a:rPr lang="ko-KR" altLang="en-US" dirty="0" smtClean="0"/>
-              <a:t>몇 볼트까지 사용할 것인가</a:t>
-            </a:r>
-            <a:r>
-              <a:rPr lang="en-US" altLang="ko-KR" dirty="0" smtClean="0"/>
-              <a:t>?</a:t>
-            </a:r>
-          </a:p>
-          <a:p>
-            <a:pPr lvl="1"/>
-            <a:r>
-              <a:rPr lang="ko-KR" altLang="en-US" sz="2200" dirty="0" err="1" smtClean="0"/>
-              <a:t>컬렉터</a:t>
-            </a:r>
-            <a:r>
-              <a:rPr lang="en-US" altLang="ko-KR" sz="2200" dirty="0" smtClean="0"/>
-              <a:t>·</a:t>
-            </a:r>
-            <a:r>
-              <a:rPr lang="ko-KR" altLang="en-US" sz="2200" dirty="0" err="1" smtClean="0"/>
-              <a:t>이미터간</a:t>
-            </a:r>
-            <a:r>
-              <a:rPr lang="ko-KR" altLang="en-US" sz="2200" dirty="0" smtClean="0"/>
-              <a:t> 최대정격전압（</a:t>
-            </a:r>
-            <a:r>
-              <a:rPr lang="en-US" altLang="ko-KR" sz="2200" dirty="0" err="1" smtClean="0"/>
-              <a:t>Vceo</a:t>
-            </a:r>
-            <a:r>
-              <a:rPr lang="en-US" altLang="ko-KR" sz="2200" dirty="0" smtClean="0"/>
-              <a:t>)</a:t>
-            </a:r>
-            <a:r>
-              <a:rPr lang="ko-KR" altLang="en-US" sz="2200" dirty="0" smtClean="0"/>
-              <a:t>를 기준으로 </a:t>
-            </a:r>
-            <a:r>
-              <a:rPr lang="ko-KR" altLang="en-US" sz="2200" dirty="0" smtClean="0"/>
-              <a:t>하며 실제로는 </a:t>
-            </a:r>
-            <a:r>
-              <a:rPr lang="ko-KR" altLang="en-US" sz="2200" dirty="0" smtClean="0"/>
-              <a:t>이것의 </a:t>
-            </a:r>
-            <a:r>
-              <a:rPr lang="en-US" altLang="ko-KR" sz="2200" dirty="0" smtClean="0"/>
-              <a:t>1/2 </a:t>
-            </a:r>
-            <a:r>
-              <a:rPr lang="ko-KR" altLang="en-US" sz="2200" dirty="0" smtClean="0"/>
-              <a:t>이하의 전압에서 사용하는 것이 좋습니다</a:t>
-            </a:r>
-            <a:r>
-              <a:rPr lang="en-US" altLang="ko-KR" sz="2200" dirty="0" smtClean="0"/>
-              <a:t>.</a:t>
-            </a:r>
-          </a:p>
-          <a:p>
-            <a:pPr lvl="1"/>
-            <a:endParaRPr lang="en-US" altLang="ko-KR" sz="2400" dirty="0" smtClean="0"/>
-          </a:p>
-          <a:p>
-            <a:r>
-              <a:rPr lang="ko-KR" altLang="en-US" dirty="0" smtClean="0"/>
-              <a:t>몇 암페어까지 흐르게 할 것인가</a:t>
-            </a:r>
-            <a:r>
-              <a:rPr lang="en-US" altLang="ko-KR" dirty="0" smtClean="0"/>
-              <a:t>?</a:t>
-            </a:r>
-          </a:p>
-          <a:p>
-            <a:pPr lvl="1"/>
-            <a:r>
-              <a:rPr lang="ko-KR" altLang="en-US" sz="2200" dirty="0" smtClean="0"/>
-              <a:t>이것은 ２가지 관점에서 생각해야 합니다</a:t>
-            </a:r>
-            <a:r>
-              <a:rPr lang="en-US" altLang="ko-KR" sz="2200" dirty="0" smtClean="0"/>
-              <a:t>.</a:t>
-            </a:r>
-          </a:p>
-          <a:p>
-            <a:pPr lvl="1"/>
-            <a:r>
-              <a:rPr lang="ko-KR" altLang="en-US" sz="2200" dirty="0" smtClean="0"/>
-              <a:t>먼저 </a:t>
-            </a:r>
-            <a:r>
-              <a:rPr lang="ko-KR" altLang="en-US" sz="2200" dirty="0" err="1" smtClean="0"/>
-              <a:t>컬렉터</a:t>
-            </a:r>
-            <a:r>
-              <a:rPr lang="ko-KR" altLang="en-US" sz="2200" dirty="0" smtClean="0"/>
-              <a:t> 최대정격전류（</a:t>
-            </a:r>
-            <a:r>
-              <a:rPr lang="en-US" altLang="ko-KR" sz="2200" dirty="0" err="1" smtClean="0"/>
-              <a:t>Ic</a:t>
-            </a:r>
-            <a:r>
-              <a:rPr lang="en-US" altLang="ko-KR" sz="2200" dirty="0" smtClean="0"/>
-              <a:t>)</a:t>
-            </a:r>
-            <a:r>
-              <a:rPr lang="ko-KR" altLang="en-US" sz="2200" dirty="0" smtClean="0"/>
-              <a:t>를 초과해서는 안</a:t>
-            </a:r>
-            <a:r>
-              <a:rPr lang="ko-KR" altLang="en-US" sz="2200" dirty="0" smtClean="0"/>
-              <a:t>되며 </a:t>
-            </a:r>
-            <a:r>
-              <a:rPr lang="ko-KR" altLang="en-US" sz="2200" dirty="0" smtClean="0"/>
-              <a:t>실제 사용시에는 </a:t>
-            </a:r>
-            <a:r>
-              <a:rPr lang="en-US" altLang="ko-KR" sz="2200" dirty="0" smtClean="0"/>
-              <a:t>1/2 </a:t>
-            </a:r>
-            <a:r>
-              <a:rPr lang="ko-KR" altLang="en-US" sz="2200" dirty="0" smtClean="0"/>
-              <a:t>이하에서 </a:t>
-            </a:r>
-            <a:r>
-              <a:rPr lang="ko-KR" altLang="en-US" sz="2200" dirty="0" smtClean="0"/>
-              <a:t>사용해야 </a:t>
-            </a:r>
-            <a:r>
-              <a:rPr lang="ko-KR" altLang="en-US" sz="2200" dirty="0" smtClean="0"/>
-              <a:t>합니다</a:t>
-            </a:r>
-            <a:r>
-              <a:rPr lang="en-US" altLang="ko-KR" sz="2200" dirty="0" smtClean="0"/>
-              <a:t>.</a:t>
-            </a:r>
-          </a:p>
-          <a:p>
-            <a:pPr lvl="1"/>
-            <a:r>
-              <a:rPr lang="ko-KR" altLang="en-US" sz="2200" dirty="0" smtClean="0"/>
-              <a:t>또 하나는 </a:t>
-            </a:r>
-            <a:r>
-              <a:rPr lang="ko-KR" altLang="en-US" sz="2200" dirty="0" err="1" smtClean="0"/>
-              <a:t>콜렉터</a:t>
-            </a:r>
-            <a:r>
-              <a:rPr lang="ko-KR" altLang="en-US" sz="2200" dirty="0" smtClean="0"/>
-              <a:t> 손실</a:t>
-            </a:r>
-            <a:r>
-              <a:rPr lang="en-US" altLang="ko-KR" sz="2200" dirty="0" smtClean="0"/>
-              <a:t>(Pc)</a:t>
-            </a:r>
-            <a:r>
-              <a:rPr lang="ko-KR" altLang="en-US" sz="2200" dirty="0" smtClean="0"/>
-              <a:t>을 기준으로 최대 전력을 초과하여 사용하지 않도록 하는 </a:t>
-            </a:r>
-            <a:r>
-              <a:rPr lang="ko-KR" altLang="en-US" sz="2200" dirty="0" smtClean="0"/>
-              <a:t>것입니다</a:t>
-            </a:r>
-            <a:r>
-              <a:rPr lang="en-US" altLang="ko-KR" sz="2200" dirty="0" smtClean="0"/>
-              <a:t>. </a:t>
-            </a:r>
-            <a:r>
-              <a:rPr lang="ko-KR" altLang="en-US" sz="2200" dirty="0" smtClean="0"/>
-              <a:t>이것의 사용전압 </a:t>
-            </a:r>
-            <a:r>
-              <a:rPr lang="en-US" altLang="ko-KR" sz="2200" dirty="0" smtClean="0"/>
-              <a:t>× </a:t>
-            </a:r>
-            <a:r>
-              <a:rPr lang="ko-KR" altLang="en-US" sz="2200" dirty="0" smtClean="0"/>
-              <a:t>전류로 계산하여 역시 </a:t>
-            </a:r>
-            <a:r>
-              <a:rPr lang="en-US" altLang="ko-KR" sz="2200" dirty="0" smtClean="0"/>
-              <a:t>1/2 </a:t>
-            </a:r>
-            <a:r>
-              <a:rPr lang="ko-KR" altLang="en-US" sz="2200" dirty="0" smtClean="0"/>
-              <a:t>이하에서 </a:t>
-            </a:r>
-            <a:r>
-              <a:rPr lang="ko-KR" altLang="en-US" sz="2200" dirty="0" smtClean="0"/>
-              <a:t>사용해야 합니다</a:t>
-            </a:r>
-            <a:r>
-              <a:rPr lang="en-US" altLang="ko-KR" sz="2200" dirty="0" smtClean="0"/>
-              <a:t>.</a:t>
-            </a:r>
-          </a:p>
-          <a:p>
-            <a:pPr lvl="1"/>
-            <a:r>
-              <a:rPr lang="ko-KR" altLang="en-US" sz="2200" dirty="0" smtClean="0"/>
-              <a:t>그러나 이것은 </a:t>
-            </a:r>
-            <a:r>
-              <a:rPr lang="ko-KR" altLang="en-US" sz="2200" dirty="0" err="1" smtClean="0"/>
-              <a:t>방열판의</a:t>
-            </a:r>
-            <a:r>
-              <a:rPr lang="ko-KR" altLang="en-US" sz="2200" dirty="0" smtClean="0"/>
-              <a:t> 유무와 주위 </a:t>
-            </a:r>
-            <a:r>
-              <a:rPr lang="ko-KR" altLang="en-US" sz="2200" dirty="0" smtClean="0"/>
-              <a:t>온도에 따라 </a:t>
-            </a:r>
-            <a:r>
-              <a:rPr lang="ko-KR" altLang="en-US" sz="2200" dirty="0" smtClean="0"/>
-              <a:t>큰 차이가 있으므로 데이터 </a:t>
-            </a:r>
-            <a:r>
-              <a:rPr lang="ko-KR" altLang="en-US" sz="2200" dirty="0" err="1" smtClean="0"/>
-              <a:t>쉬트를</a:t>
-            </a:r>
-            <a:r>
-              <a:rPr lang="ko-KR" altLang="en-US" sz="2200" dirty="0" smtClean="0"/>
-              <a:t> </a:t>
-            </a:r>
-            <a:r>
-              <a:rPr lang="ko-KR" altLang="en-US" sz="2200" dirty="0" smtClean="0"/>
-              <a:t>확인하는 </a:t>
-            </a:r>
-            <a:r>
-              <a:rPr lang="ko-KR" altLang="en-US" sz="2200" dirty="0" smtClean="0"/>
-              <a:t>것이 좋습니다</a:t>
-            </a:r>
-            <a:r>
-              <a:rPr lang="en-US" altLang="ko-KR" sz="2200" dirty="0" smtClean="0"/>
-              <a:t>.</a:t>
-            </a:r>
-            <a:endParaRPr lang="ko-KR" altLang="en-US" sz="2200" dirty="0"/>
           </a:p>
         </p:txBody>
       </p:sp>
@@ -10817,6 +10659,78 @@
       </p:grpSpPr>
       <p:sp>
         <p:nvSpPr>
+          <p:cNvPr id="2" name="내용 개체 틀 1"/>
+          <p:cNvSpPr>
+            <a:spLocks noGrp="1"/>
+          </p:cNvSpPr>
+          <p:nvPr>
+            <p:ph idx="1"/>
+          </p:nvPr>
+        </p:nvSpPr>
+        <p:spPr/>
+        <p:txBody>
+          <a:bodyPr/>
+          <a:lstStyle/>
+          <a:p>
+            <a:r>
+              <a:rPr lang="ko-KR" altLang="en-US" dirty="0" err="1" smtClean="0"/>
+              <a:t>입력전원단</a:t>
+            </a:r>
+            <a:r>
+              <a:rPr lang="ko-KR" altLang="en-US" dirty="0" smtClean="0"/>
+              <a:t> 바이패스 </a:t>
+            </a:r>
+            <a:r>
+              <a:rPr lang="ko-KR" altLang="en-US" dirty="0" err="1" smtClean="0"/>
+              <a:t>커패시터</a:t>
+            </a:r>
+            <a:r>
+              <a:rPr lang="ko-KR" altLang="en-US" dirty="0" smtClean="0"/>
+              <a:t> </a:t>
+            </a:r>
+            <a:r>
+              <a:rPr lang="en-US" altLang="ko-KR" dirty="0" smtClean="0"/>
+              <a:t>47uF</a:t>
+            </a:r>
+          </a:p>
+          <a:p>
+            <a:endParaRPr lang="en-US" altLang="ko-KR" dirty="0" smtClean="0"/>
+          </a:p>
+          <a:p>
+            <a:r>
+              <a:rPr lang="en-US" altLang="ko-KR" dirty="0" err="1" smtClean="0"/>
+              <a:t>Photocoupler</a:t>
+            </a:r>
+            <a:r>
+              <a:rPr lang="en-US" altLang="ko-KR" dirty="0" smtClean="0"/>
+              <a:t> </a:t>
+            </a:r>
+            <a:r>
+              <a:rPr lang="ko-KR" altLang="en-US" dirty="0" err="1" smtClean="0"/>
+              <a:t>출력단</a:t>
+            </a:r>
+            <a:r>
+              <a:rPr lang="ko-KR" altLang="en-US" dirty="0" smtClean="0"/>
+              <a:t> </a:t>
+            </a:r>
+            <a:r>
+              <a:rPr lang="ko-KR" altLang="en-US" dirty="0" err="1" smtClean="0"/>
+              <a:t>커패시터</a:t>
+            </a:r>
+            <a:r>
+              <a:rPr lang="ko-KR" altLang="en-US" dirty="0" smtClean="0"/>
+              <a:t> </a:t>
+            </a:r>
+            <a:r>
+              <a:rPr lang="en-US" altLang="ko-KR" dirty="0" smtClean="0"/>
+              <a:t>0.1uF</a:t>
+            </a:r>
+            <a:endParaRPr lang="ko-KR" altLang="en-US" dirty="0"/>
+          </a:p>
+        </p:txBody>
+      </p:sp>
+      <p:sp>
+        <p:nvSpPr>
           <p:cNvPr id="3" name="제목 2"/>
           <p:cNvSpPr>
             <a:spLocks noGrp="1"/>
@@ -10827,191 +10741,13 @@
         </p:nvSpPr>
         <p:spPr/>
         <p:txBody>
-          <a:bodyPr>
-            <a:normAutofit/>
-          </a:bodyPr>
+          <a:bodyPr/>
           <a:lstStyle/>
           <a:p>
             <a:r>
               <a:rPr lang="en-US" altLang="ko-KR" dirty="0" smtClean="0"/>
-              <a:t>Transistor</a:t>
-            </a:r>
-            <a:r>
-              <a:rPr lang="en-US" altLang="ko-KR" dirty="0" smtClean="0"/>
-              <a:t> –</a:t>
-            </a:r>
-            <a:r>
-              <a:rPr lang="ko-KR" altLang="en-US" dirty="0" smtClean="0"/>
-              <a:t> </a:t>
-            </a:r>
-            <a:r>
-              <a:rPr lang="ko-KR" altLang="en-US" dirty="0" err="1" smtClean="0"/>
-              <a:t>설계시</a:t>
-            </a:r>
-            <a:r>
-              <a:rPr lang="ko-KR" altLang="en-US" dirty="0" smtClean="0"/>
-              <a:t> 유의사항</a:t>
-            </a:r>
-            <a:endParaRPr lang="ko-KR" altLang="en-US" dirty="0"/>
-          </a:p>
-        </p:txBody>
-      </p:sp>
-      <p:sp>
-        <p:nvSpPr>
-          <p:cNvPr id="6" name="내용 개체 틀 5"/>
-          <p:cNvSpPr>
-            <a:spLocks noGrp="1"/>
-          </p:cNvSpPr>
-          <p:nvPr>
-            <p:ph idx="1"/>
-          </p:nvPr>
-        </p:nvSpPr>
-        <p:spPr/>
-        <p:txBody>
-          <a:bodyPr>
-            <a:normAutofit/>
-          </a:bodyPr>
-          <a:lstStyle/>
-          <a:p>
-            <a:r>
-              <a:rPr lang="ko-KR" altLang="en-US" dirty="0" smtClean="0"/>
-              <a:t>증폭률을 얼마로 사용할 것인가</a:t>
-            </a:r>
-            <a:r>
-              <a:rPr lang="en-US" altLang="ko-KR" dirty="0" smtClean="0"/>
-              <a:t>?</a:t>
-            </a:r>
-          </a:p>
-          <a:p>
-            <a:pPr lvl="1"/>
-            <a:r>
-              <a:rPr lang="ko-KR" altLang="en-US" sz="2000" dirty="0" err="1" smtClean="0"/>
-              <a:t>직류전류증폭율</a:t>
-            </a:r>
-            <a:r>
-              <a:rPr lang="en-US" altLang="ko-KR" sz="2000" dirty="0" smtClean="0"/>
-              <a:t>(</a:t>
-            </a:r>
-            <a:r>
-              <a:rPr lang="en-US" altLang="ko-KR" sz="2000" dirty="0" err="1" smtClean="0"/>
-              <a:t>hfe</a:t>
-            </a:r>
-            <a:r>
-              <a:rPr lang="en-US" altLang="ko-KR" sz="2000" dirty="0" smtClean="0"/>
-              <a:t>)</a:t>
-            </a:r>
-            <a:r>
-              <a:rPr lang="ko-KR" altLang="en-US" sz="2000" dirty="0" smtClean="0"/>
-              <a:t>로 단순하게 입력전류의 몇 배가 되어 출력되는지 계산하면 되지만 </a:t>
-            </a:r>
-            <a:r>
-              <a:rPr lang="ko-KR" altLang="en-US" sz="2000" dirty="0" smtClean="0"/>
-              <a:t>트랜지스터마다 </a:t>
-            </a:r>
-            <a:r>
-              <a:rPr lang="ko-KR" altLang="en-US" sz="2000" dirty="0" smtClean="0"/>
-              <a:t>편차가 있으므로 최소값을 기준으로 </a:t>
-            </a:r>
-            <a:r>
-              <a:rPr lang="ko-KR" altLang="en-US" sz="2000" dirty="0" smtClean="0"/>
-              <a:t>해야 합니다</a:t>
-            </a:r>
-            <a:r>
-              <a:rPr lang="en-US" altLang="ko-KR" sz="2000" dirty="0" smtClean="0"/>
-              <a:t>.</a:t>
-            </a:r>
-            <a:endParaRPr lang="en-US" altLang="ko-KR" sz="4000" dirty="0" smtClean="0"/>
-          </a:p>
-          <a:p>
-            <a:pPr lvl="1"/>
-            <a:endParaRPr lang="en-US" altLang="ko-KR" sz="2400" dirty="0" smtClean="0"/>
-          </a:p>
-          <a:p>
-            <a:r>
-              <a:rPr lang="ko-KR" altLang="en-US" dirty="0" err="1" smtClean="0"/>
-              <a:t>어느정도의</a:t>
-            </a:r>
-            <a:r>
-              <a:rPr lang="ko-KR" altLang="en-US" dirty="0" smtClean="0"/>
-              <a:t> 주파수까지 증폭할 것인가</a:t>
-            </a:r>
-            <a:r>
-              <a:rPr lang="en-US" altLang="ko-KR" dirty="0" smtClean="0"/>
-              <a:t>?</a:t>
-            </a:r>
-            <a:endParaRPr lang="en-US" altLang="ko-KR" dirty="0" smtClean="0"/>
-          </a:p>
-          <a:p>
-            <a:pPr lvl="1"/>
-            <a:r>
-              <a:rPr lang="ko-KR" altLang="en-US" sz="2000" dirty="0" smtClean="0"/>
-              <a:t>이것은 이득 대역폭 </a:t>
-            </a:r>
-            <a:r>
-              <a:rPr lang="en-US" altLang="ko-KR" sz="2000" dirty="0" smtClean="0"/>
-              <a:t>(</a:t>
-            </a:r>
-            <a:r>
-              <a:rPr lang="en-US" altLang="ko-KR" sz="2000" dirty="0" err="1" smtClean="0"/>
-              <a:t>f</a:t>
-            </a:r>
-            <a:r>
-              <a:rPr lang="en-US" altLang="ko-KR" sz="1100" dirty="0" err="1" smtClean="0"/>
-              <a:t>T</a:t>
-            </a:r>
-            <a:r>
-              <a:rPr lang="en-US" altLang="ko-KR" sz="2000" dirty="0" smtClean="0"/>
-              <a:t>)</a:t>
-            </a:r>
-            <a:r>
-              <a:rPr lang="ko-KR" altLang="en-US" sz="2000" dirty="0" smtClean="0"/>
-              <a:t>을 기준으로 하여 다음과 같이 산출 합니다</a:t>
-            </a:r>
-            <a:r>
-              <a:rPr lang="en-US" altLang="ko-KR" sz="2000" dirty="0" smtClean="0"/>
-              <a:t>.</a:t>
-            </a:r>
-          </a:p>
-          <a:p>
-            <a:pPr lvl="1"/>
-            <a:r>
-              <a:rPr lang="ko-KR" altLang="en-US" sz="2000" dirty="0" smtClean="0"/>
-              <a:t>사용 가능한 주파수 ＝ 이득 대역폭</a:t>
-            </a:r>
-            <a:r>
-              <a:rPr lang="en-US" altLang="ko-KR" sz="2000" dirty="0" smtClean="0"/>
-              <a:t>(</a:t>
-            </a:r>
-            <a:r>
-              <a:rPr lang="en-US" altLang="ko-KR" sz="2000" dirty="0" err="1" smtClean="0"/>
-              <a:t>f</a:t>
-            </a:r>
-            <a:r>
-              <a:rPr lang="en-US" altLang="ko-KR" sz="1100" dirty="0" err="1" smtClean="0"/>
-              <a:t>T</a:t>
-            </a:r>
-            <a:r>
-              <a:rPr lang="en-US" altLang="ko-KR" sz="2000" dirty="0" smtClean="0"/>
-              <a:t>) ÷ </a:t>
-            </a:r>
-            <a:r>
-              <a:rPr lang="ko-KR" altLang="en-US" sz="2000" dirty="0" smtClean="0"/>
-              <a:t>직류 전류 증폭 율</a:t>
-            </a:r>
-            <a:r>
-              <a:rPr lang="en-US" altLang="ko-KR" sz="2000" dirty="0" smtClean="0"/>
-              <a:t>(</a:t>
-            </a:r>
-            <a:r>
-              <a:rPr lang="en-US" altLang="ko-KR" sz="2000" dirty="0" err="1" smtClean="0"/>
-              <a:t>hfe</a:t>
-            </a:r>
-            <a:r>
-              <a:rPr lang="en-US" altLang="ko-KR" sz="2000" dirty="0" smtClean="0"/>
-              <a:t>)</a:t>
-            </a:r>
-          </a:p>
-          <a:p>
+              <a:t>Capacitor</a:t>
+            </a:r>
             <a:endParaRPr lang="ko-KR" altLang="en-US" dirty="0"/>
           </a:p>
         </p:txBody>
@@ -11054,7 +10790,7 @@
         <p:spPr/>
         <p:txBody>
           <a:bodyPr>
-            <a:normAutofit fontScale="90000"/>
+            <a:normAutofit/>
           </a:bodyPr>
           <a:lstStyle/>
           <a:p>
@@ -11068,11 +10804,11 @@
             </a:r>
             <a:r>
               <a:rPr lang="ko-KR" altLang="en-US" dirty="0" err="1" smtClean="0"/>
-              <a:t>디지탈</a:t>
+              <a:t>설계시</a:t>
             </a:r>
             <a:r>
               <a:rPr lang="ko-KR" altLang="en-US" dirty="0" smtClean="0"/>
-              <a:t> 회로에서 사용법</a:t>
+              <a:t> 유의사항</a:t>
             </a:r>
             <a:endParaRPr lang="ko-KR" altLang="en-US" dirty="0"/>
           </a:p>
@@ -11091,106 +10827,61 @@
         <p:spPr/>
         <p:txBody>
           <a:bodyPr>
-            <a:normAutofit lnSpcReduction="10000"/>
+            <a:normAutofit fontScale="92500"/>
           </a:bodyPr>
           <a:lstStyle/>
           <a:p>
             <a:r>
               <a:rPr lang="ko-KR" altLang="en-US" dirty="0" smtClean="0"/>
-              <a:t>큰 전류나 높은 전압의 </a:t>
-            </a:r>
-            <a:r>
-              <a:rPr lang="ko-KR" altLang="en-US" dirty="0" smtClean="0"/>
-              <a:t>제어</a:t>
-            </a:r>
-            <a:endParaRPr lang="en-US" altLang="ko-KR" dirty="0" smtClean="0"/>
+              <a:t>몇 볼트까지 사용할 것인가</a:t>
+            </a:r>
+            <a:r>
+              <a:rPr lang="en-US" altLang="ko-KR" dirty="0" smtClean="0"/>
+              <a:t>?</a:t>
+            </a:r>
           </a:p>
           <a:p>
             <a:pPr lvl="1"/>
             <a:r>
+              <a:rPr lang="ko-KR" altLang="en-US" sz="2200" dirty="0" err="1" smtClean="0"/>
+              <a:t>컬렉터</a:t>
+            </a:r>
+            <a:r>
+              <a:rPr lang="en-US" altLang="ko-KR" sz="2200" dirty="0" smtClean="0"/>
+              <a:t>·</a:t>
+            </a:r>
+            <a:r>
+              <a:rPr lang="ko-KR" altLang="en-US" sz="2200" dirty="0" err="1" smtClean="0"/>
+              <a:t>이미터간</a:t>
+            </a:r>
+            <a:r>
               <a:rPr lang="ko-KR" altLang="en-US" sz="2200" dirty="0" smtClean="0"/>
-              <a:t>세그먼트 발광 다이오드의 제어</a:t>
+              <a:t> 최대정격전압（</a:t>
+            </a:r>
+            <a:r>
+              <a:rPr lang="en-US" altLang="ko-KR" sz="2200" dirty="0" err="1" smtClean="0"/>
+              <a:t>Vceo</a:t>
             </a:r>
             <a:r>
               <a:rPr lang="en-US" altLang="ko-KR" sz="2200" dirty="0" smtClean="0"/>
-              <a:t>, </a:t>
+              <a:t>)</a:t>
             </a:r>
             <a:r>
               <a:rPr lang="ko-KR" altLang="en-US" sz="2200" dirty="0" smtClean="0"/>
-              <a:t>모터나 </a:t>
-            </a:r>
-            <a:r>
-              <a:rPr lang="ko-KR" altLang="en-US" sz="2200" dirty="0" err="1" smtClean="0"/>
-              <a:t>릴레이등의</a:t>
+              <a:t>를 기준으로 하며 실제로는 이것의 </a:t>
+            </a:r>
+            <a:r>
+              <a:rPr lang="en-US" altLang="ko-KR" sz="2200" dirty="0" smtClean="0"/>
+              <a:t>1/2 </a:t>
             </a:r>
             <a:r>
               <a:rPr lang="ko-KR" altLang="en-US" sz="2200" dirty="0" smtClean="0"/>
-              <a:t> 드라이브</a:t>
+              <a:t>이하의 전압에서 사용하는 것이 좋습니다</a:t>
             </a:r>
             <a:r>
               <a:rPr lang="en-US" altLang="ko-KR" sz="2200" dirty="0" smtClean="0"/>
-              <a:t>, </a:t>
-            </a:r>
-            <a:r>
-              <a:rPr lang="ko-KR" altLang="en-US" sz="2200" dirty="0" smtClean="0"/>
-              <a:t>전원의 </a:t>
-            </a:r>
-            <a:r>
-              <a:rPr lang="en-US" altLang="ko-KR" sz="2200" dirty="0" smtClean="0"/>
-              <a:t>On/Off</a:t>
-            </a:r>
-            <a:r>
-              <a:rPr lang="ko-KR" altLang="en-US" sz="2200" dirty="0" smtClean="0"/>
-              <a:t>，조명등의 </a:t>
-            </a:r>
-            <a:r>
-              <a:rPr lang="ko-KR" altLang="en-US" sz="2200" dirty="0" smtClean="0"/>
-              <a:t>제어</a:t>
-            </a:r>
-            <a:endParaRPr lang="ko-KR" altLang="en-US" sz="2200" dirty="0" smtClean="0"/>
-          </a:p>
-          <a:p>
-            <a:pPr lvl="1"/>
-            <a:r>
-              <a:rPr lang="ko-KR" altLang="en-US" sz="2200" dirty="0" smtClean="0"/>
-              <a:t>전압레벨의 변환 </a:t>
-            </a:r>
-            <a:r>
-              <a:rPr lang="en-US" altLang="ko-KR" sz="2200" dirty="0" smtClean="0"/>
-              <a:t>: </a:t>
-            </a:r>
-            <a:r>
-              <a:rPr lang="ko-KR" altLang="en-US" sz="2200" dirty="0" err="1" smtClean="0"/>
-              <a:t>광센서나</a:t>
-            </a:r>
-            <a:r>
-              <a:rPr lang="ko-KR" altLang="en-US" sz="2200" dirty="0" smtClean="0"/>
-              <a:t> 마이크의 신호 증폭 및 변환</a:t>
-            </a:r>
-          </a:p>
-          <a:p>
-            <a:pPr lvl="1"/>
-            <a:r>
-              <a:rPr lang="ko-KR" altLang="en-US" sz="2200" dirty="0" smtClean="0"/>
-              <a:t>직류전압 증폭 </a:t>
-            </a:r>
-            <a:r>
-              <a:rPr lang="en-US" altLang="ko-KR" sz="2200" dirty="0" smtClean="0"/>
-              <a:t>: A/D </a:t>
-            </a:r>
-            <a:r>
-              <a:rPr lang="ko-KR" altLang="en-US" sz="2200" dirty="0" smtClean="0"/>
-              <a:t>변환 입력 신호 </a:t>
-            </a:r>
-            <a:r>
-              <a:rPr lang="ko-KR" altLang="en-US" sz="2200" dirty="0" err="1" smtClean="0"/>
-              <a:t>증폭및</a:t>
-            </a:r>
-            <a:r>
-              <a:rPr lang="ko-KR" altLang="en-US" sz="2200" dirty="0" smtClean="0"/>
-              <a:t> 센서 출력의 증폭</a:t>
-            </a:r>
-            <a:endParaRPr lang="en-US" altLang="ko-KR" sz="6200" dirty="0" smtClean="0"/>
+              <a:t>.</a:t>
+            </a:r>
           </a:p>
           <a:p>
             <a:pPr lvl="1"/>
@@ -11199,131 +10890,141 @@
           <a:p>
             <a:r>
               <a:rPr lang="ko-KR" altLang="en-US" dirty="0" smtClean="0"/>
-              <a:t>큰 부하 제어</a:t>
-            </a:r>
-            <a:endParaRPr lang="en-US" altLang="ko-KR" dirty="0" smtClean="0"/>
+              <a:t>몇 암페어까지 흐르게 할 것인가</a:t>
+            </a:r>
+            <a:r>
+              <a:rPr lang="en-US" altLang="ko-KR" dirty="0" smtClean="0"/>
+              <a:t>?</a:t>
+            </a:r>
           </a:p>
           <a:p>
             <a:pPr lvl="1"/>
             <a:r>
               <a:rPr lang="ko-KR" altLang="en-US" sz="2200" dirty="0" smtClean="0"/>
-              <a:t>여기서 말하는 </a:t>
-            </a:r>
-            <a:r>
-              <a:rPr lang="ko-KR" altLang="en-US" sz="2200" dirty="0" err="1" smtClean="0"/>
-              <a:t>큰부하라는</a:t>
-            </a:r>
-            <a:r>
-              <a:rPr lang="ko-KR" altLang="en-US" sz="2200" dirty="0" smtClean="0"/>
-              <a:t> 것은 수 </a:t>
-            </a:r>
-            <a:r>
-              <a:rPr lang="en-US" altLang="ko-KR" sz="2200" dirty="0" smtClean="0"/>
-              <a:t>10mA </a:t>
-            </a:r>
-            <a:r>
-              <a:rPr lang="ko-KR" altLang="en-US" sz="2200" dirty="0" smtClean="0"/>
-              <a:t>이상의 전류가 흐르거나 ５</a:t>
-            </a:r>
-            <a:r>
-              <a:rPr lang="en-US" altLang="ko-KR" sz="2200" dirty="0" smtClean="0"/>
-              <a:t>V </a:t>
-            </a:r>
-            <a:r>
-              <a:rPr lang="ko-KR" altLang="en-US" sz="2200" dirty="0" smtClean="0"/>
-              <a:t>이상의 전압이 </a:t>
-            </a:r>
-            <a:r>
-              <a:rPr lang="ko-KR" altLang="en-US" sz="2200" dirty="0" smtClean="0"/>
-              <a:t>필요한 </a:t>
-            </a:r>
-            <a:r>
-              <a:rPr lang="ko-KR" altLang="en-US" sz="2200" dirty="0" smtClean="0"/>
-              <a:t>부하를 말하며 </a:t>
-            </a:r>
-            <a:r>
-              <a:rPr lang="ko-KR" altLang="en-US" sz="2200" dirty="0" err="1" smtClean="0"/>
-              <a:t>디지탈</a:t>
-            </a:r>
-            <a:r>
-              <a:rPr lang="ko-KR" altLang="en-US" sz="2200" dirty="0" smtClean="0"/>
-              <a:t> </a:t>
-            </a:r>
-            <a:r>
-              <a:rPr lang="en-US" altLang="ko-KR" sz="2200" dirty="0" smtClean="0"/>
-              <a:t>IC</a:t>
-            </a:r>
-            <a:r>
-              <a:rPr lang="ko-KR" altLang="en-US" sz="2200" dirty="0" smtClean="0"/>
-              <a:t>로는 직접 드라이브할 수 없는 모터의 제어나 </a:t>
-            </a:r>
-            <a:r>
-              <a:rPr lang="ko-KR" altLang="en-US" sz="2200" dirty="0" smtClean="0"/>
-              <a:t>릴레이 또는 </a:t>
-            </a:r>
-            <a:r>
-              <a:rPr lang="ko-KR" altLang="en-US" sz="2200" dirty="0" err="1" smtClean="0"/>
-              <a:t>솔레노이드</a:t>
-            </a:r>
-            <a:r>
-              <a:rPr lang="ko-KR" altLang="en-US" sz="2200" dirty="0" smtClean="0"/>
-              <a:t> </a:t>
-            </a:r>
-            <a:r>
-              <a:rPr lang="ko-KR" altLang="en-US" sz="2200" dirty="0" err="1" smtClean="0"/>
-              <a:t>코일등의</a:t>
-            </a:r>
-            <a:r>
-              <a:rPr lang="ko-KR" altLang="en-US" sz="2200" dirty="0" smtClean="0"/>
-              <a:t> 드라이브가 여기에 해당됩니다</a:t>
+              <a:t>이것은 ２가지 관점에서 생각해야 합니다</a:t>
             </a:r>
             <a:r>
               <a:rPr lang="en-US" altLang="ko-KR" sz="2200" dirty="0" smtClean="0"/>
               <a:t>.</a:t>
             </a:r>
-            <a:endParaRPr lang="en-US" altLang="ko-KR" sz="2400" dirty="0" smtClean="0"/>
-          </a:p>
-          <a:p>
-            <a:endParaRPr lang="ko-KR" altLang="en-US" dirty="0"/>
-          </a:p>
-        </p:txBody>
-      </p:sp>
-      <p:sp>
-        <p:nvSpPr>
-          <p:cNvPr id="5" name="TextBox 4"/>
-          <p:cNvSpPr txBox="1"/>
-          <p:nvPr/>
-        </p:nvSpPr>
-        <p:spPr>
-          <a:xfrm>
-            <a:off x="3923928" y="6021288"/>
-            <a:ext cx="1368152" cy="461665"/>
-          </a:xfrm>
-          <a:prstGeom prst="rect">
-            <a:avLst/>
-          </a:prstGeom>
-          <a:noFill/>
-        </p:spPr>
-        <p:txBody>
-          <a:bodyPr wrap="square" rtlCol="0">
-            <a:spAutoFit/>
-          </a:bodyPr>
-          <a:lstStyle/>
-          <a:p>
-            <a:pPr marL="0" lvl="1"/>
-            <a:r>
-              <a:rPr lang="en-US" altLang="ko-KR" sz="2400" smtClean="0"/>
-              <a:t>- </a:t>
-            </a:r>
-            <a:r>
-              <a:rPr lang="ko-KR" altLang="en-US" sz="2400" dirty="0" smtClean="0"/>
-              <a:t>계속 </a:t>
-            </a:r>
-            <a:r>
-              <a:rPr lang="en-US" altLang="ko-KR" sz="2400" dirty="0" smtClean="0"/>
-              <a:t>-</a:t>
-            </a:r>
-            <a:endParaRPr lang="en-US" altLang="ko-KR" sz="4000" dirty="0" smtClean="0"/>
+          </a:p>
+          <a:p>
+            <a:pPr lvl="1"/>
+            <a:r>
+              <a:rPr lang="ko-KR" altLang="en-US" sz="2200" dirty="0" smtClean="0"/>
+              <a:t>먼저 </a:t>
+            </a:r>
+            <a:r>
+              <a:rPr lang="ko-KR" altLang="en-US" sz="2200" dirty="0" err="1" smtClean="0"/>
+              <a:t>컬렉터</a:t>
+            </a:r>
+            <a:r>
+              <a:rPr lang="ko-KR" altLang="en-US" sz="2200" dirty="0" smtClean="0"/>
+              <a:t> 최대정격전류（</a:t>
+            </a:r>
+            <a:r>
+              <a:rPr lang="en-US" altLang="ko-KR" sz="2200" dirty="0" err="1" smtClean="0"/>
+              <a:t>Ic</a:t>
+            </a:r>
+            <a:r>
+              <a:rPr lang="en-US" altLang="ko-KR" sz="2200" dirty="0" smtClean="0"/>
+              <a:t>)</a:t>
+            </a:r>
+            <a:r>
+              <a:rPr lang="ko-KR" altLang="en-US" sz="2200" dirty="0" smtClean="0"/>
+              <a:t>를 초과해서는 안되며 실제 사용시에는 </a:t>
+            </a:r>
+            <a:r>
+              <a:rPr lang="en-US" altLang="ko-KR" sz="2200" dirty="0" smtClean="0"/>
+              <a:t>1/2 </a:t>
+            </a:r>
+            <a:r>
+              <a:rPr lang="ko-KR" altLang="en-US" sz="2200" dirty="0" smtClean="0"/>
+              <a:t>이하에서 사용해야 합니다</a:t>
+            </a:r>
+            <a:r>
+              <a:rPr lang="en-US" altLang="ko-KR" sz="2200" dirty="0" smtClean="0"/>
+              <a:t>.</a:t>
+            </a:r>
+          </a:p>
+          <a:p>
+            <a:pPr lvl="1"/>
+            <a:r>
+              <a:rPr lang="ko-KR" altLang="en-US" sz="2200" dirty="0" smtClean="0"/>
+              <a:t>또 하나는 </a:t>
+            </a:r>
+            <a:r>
+              <a:rPr lang="ko-KR" altLang="en-US" sz="2200" dirty="0" err="1" smtClean="0"/>
+              <a:t>콜렉터</a:t>
+            </a:r>
+            <a:r>
+              <a:rPr lang="ko-KR" altLang="en-US" sz="2200" dirty="0" smtClean="0"/>
+              <a:t> 손실</a:t>
+            </a:r>
+            <a:r>
+              <a:rPr lang="en-US" altLang="ko-KR" sz="2200" dirty="0" smtClean="0"/>
+              <a:t>(Pc)</a:t>
+            </a:r>
+            <a:r>
+              <a:rPr lang="ko-KR" altLang="en-US" sz="2200" dirty="0" smtClean="0"/>
+              <a:t>을 기준으로 최대 전력을 초과하여 사용하지 않도록 하는 것입니다</a:t>
+            </a:r>
+            <a:r>
+              <a:rPr lang="en-US" altLang="ko-KR" sz="2200" dirty="0" smtClean="0"/>
+              <a:t>. </a:t>
+            </a:r>
+            <a:r>
+              <a:rPr lang="ko-KR" altLang="en-US" sz="2200" dirty="0" smtClean="0"/>
+              <a:t>이것의 사용전압 </a:t>
+            </a:r>
+            <a:r>
+              <a:rPr lang="en-US" altLang="ko-KR" sz="2200" dirty="0" smtClean="0"/>
+              <a:t>× </a:t>
+            </a:r>
+            <a:r>
+              <a:rPr lang="ko-KR" altLang="en-US" sz="2200" dirty="0" smtClean="0"/>
+              <a:t>전류로 계산하여 역시 </a:t>
+            </a:r>
+            <a:r>
+              <a:rPr lang="en-US" altLang="ko-KR" sz="2200" dirty="0" smtClean="0"/>
+              <a:t>1/2 </a:t>
+            </a:r>
+            <a:r>
+              <a:rPr lang="ko-KR" altLang="en-US" sz="2200" dirty="0" smtClean="0"/>
+              <a:t>이하에서 사용해야 합니다</a:t>
+            </a:r>
+            <a:r>
+              <a:rPr lang="en-US" altLang="ko-KR" sz="2200" dirty="0" smtClean="0"/>
+              <a:t>.</a:t>
+            </a:r>
+          </a:p>
+          <a:p>
+            <a:pPr lvl="1"/>
+            <a:r>
+              <a:rPr lang="ko-KR" altLang="en-US" sz="2200" dirty="0" smtClean="0"/>
+              <a:t>그러나 이것은 </a:t>
+            </a:r>
+            <a:r>
+              <a:rPr lang="ko-KR" altLang="en-US" sz="2200" dirty="0" err="1" smtClean="0"/>
+              <a:t>방열판의</a:t>
+            </a:r>
+            <a:r>
+              <a:rPr lang="ko-KR" altLang="en-US" sz="2200" dirty="0" smtClean="0"/>
+              <a:t> 유무와 주위 온도에 따라 큰 차이가 있으므로 데이터 </a:t>
+            </a:r>
+            <a:r>
+              <a:rPr lang="ko-KR" altLang="en-US" sz="2200" dirty="0" err="1" smtClean="0"/>
+              <a:t>쉬트를</a:t>
+            </a:r>
+            <a:r>
+              <a:rPr lang="ko-KR" altLang="en-US" sz="2200" dirty="0" smtClean="0"/>
+              <a:t> 확인하는 것이 좋습니다</a:t>
+            </a:r>
+            <a:r>
+              <a:rPr lang="en-US" altLang="ko-KR" sz="2200" dirty="0" smtClean="0"/>
+              <a:t>.</a:t>
+            </a:r>
+            <a:endParaRPr lang="ko-KR" altLang="en-US" sz="2200" dirty="0"/>
           </a:p>
         </p:txBody>
       </p:sp>
@@ -11365,6 +11066,505 @@
         <p:spPr/>
         <p:txBody>
           <a:bodyPr>
+            <a:normAutofit/>
+          </a:bodyPr>
+          <a:lstStyle/>
+          <a:p>
+            <a:r>
+              <a:rPr lang="en-US" altLang="ko-KR" dirty="0" smtClean="0"/>
+              <a:t>Transistor –</a:t>
+            </a:r>
+            <a:r>
+              <a:rPr lang="ko-KR" altLang="en-US" dirty="0" smtClean="0"/>
+              <a:t> </a:t>
+            </a:r>
+            <a:r>
+              <a:rPr lang="ko-KR" altLang="en-US" dirty="0" err="1" smtClean="0"/>
+              <a:t>설계시</a:t>
+            </a:r>
+            <a:r>
+              <a:rPr lang="ko-KR" altLang="en-US" dirty="0" smtClean="0"/>
+              <a:t> 유의사항</a:t>
+            </a:r>
+            <a:endParaRPr lang="ko-KR" altLang="en-US" dirty="0"/>
+          </a:p>
+        </p:txBody>
+      </p:sp>
+      <p:sp>
+        <p:nvSpPr>
+          <p:cNvPr id="6" name="내용 개체 틀 5"/>
+          <p:cNvSpPr>
+            <a:spLocks noGrp="1"/>
+          </p:cNvSpPr>
+          <p:nvPr>
+            <p:ph idx="1"/>
+          </p:nvPr>
+        </p:nvSpPr>
+        <p:spPr/>
+        <p:txBody>
+          <a:bodyPr>
+            <a:normAutofit/>
+          </a:bodyPr>
+          <a:lstStyle/>
+          <a:p>
+            <a:r>
+              <a:rPr lang="ko-KR" altLang="en-US" dirty="0" smtClean="0"/>
+              <a:t>증폭률을 얼마로 사용할 것인가</a:t>
+            </a:r>
+            <a:r>
+              <a:rPr lang="en-US" altLang="ko-KR" dirty="0" smtClean="0"/>
+              <a:t>?</a:t>
+            </a:r>
+          </a:p>
+          <a:p>
+            <a:pPr lvl="1"/>
+            <a:r>
+              <a:rPr lang="ko-KR" altLang="en-US" sz="2000" dirty="0" err="1" smtClean="0"/>
+              <a:t>직류전류증폭율</a:t>
+            </a:r>
+            <a:r>
+              <a:rPr lang="en-US" altLang="ko-KR" sz="2000" dirty="0" smtClean="0"/>
+              <a:t>(</a:t>
+            </a:r>
+            <a:r>
+              <a:rPr lang="en-US" altLang="ko-KR" sz="2000" dirty="0" err="1" smtClean="0"/>
+              <a:t>hfe</a:t>
+            </a:r>
+            <a:r>
+              <a:rPr lang="en-US" altLang="ko-KR" sz="2000" dirty="0" smtClean="0"/>
+              <a:t>)</a:t>
+            </a:r>
+            <a:r>
+              <a:rPr lang="ko-KR" altLang="en-US" sz="2000" dirty="0" smtClean="0"/>
+              <a:t>로 단순하게 입력전류의 몇 배가 되어 출력되는지 계산하면 되지만 트랜지스터마다 편차가 있으므로 최소값을 기준으로 해야 합니다</a:t>
+            </a:r>
+            <a:r>
+              <a:rPr lang="en-US" altLang="ko-KR" sz="2000" dirty="0" smtClean="0"/>
+              <a:t>.</a:t>
+            </a:r>
+            <a:endParaRPr lang="en-US" altLang="ko-KR" sz="4000" dirty="0" smtClean="0"/>
+          </a:p>
+          <a:p>
+            <a:pPr lvl="1"/>
+            <a:endParaRPr lang="en-US" altLang="ko-KR" sz="2400" dirty="0" smtClean="0"/>
+          </a:p>
+          <a:p>
+            <a:r>
+              <a:rPr lang="ko-KR" altLang="en-US" dirty="0" err="1" smtClean="0"/>
+              <a:t>어느정도의</a:t>
+            </a:r>
+            <a:r>
+              <a:rPr lang="ko-KR" altLang="en-US" dirty="0" smtClean="0"/>
+              <a:t> 주파수까지 증폭할 것인가</a:t>
+            </a:r>
+            <a:r>
+              <a:rPr lang="en-US" altLang="ko-KR" dirty="0" smtClean="0"/>
+              <a:t>?</a:t>
+            </a:r>
+          </a:p>
+          <a:p>
+            <a:pPr lvl="1"/>
+            <a:r>
+              <a:rPr lang="ko-KR" altLang="en-US" sz="2000" dirty="0" smtClean="0"/>
+              <a:t>이것은 이득 대역폭 </a:t>
+            </a:r>
+            <a:r>
+              <a:rPr lang="en-US" altLang="ko-KR" sz="2000" dirty="0" smtClean="0"/>
+              <a:t>(</a:t>
+            </a:r>
+            <a:r>
+              <a:rPr lang="en-US" altLang="ko-KR" sz="2000" dirty="0" err="1" smtClean="0"/>
+              <a:t>f</a:t>
+            </a:r>
+            <a:r>
+              <a:rPr lang="en-US" altLang="ko-KR" sz="1100" dirty="0" err="1" smtClean="0"/>
+              <a:t>T</a:t>
+            </a:r>
+            <a:r>
+              <a:rPr lang="en-US" altLang="ko-KR" sz="2000" dirty="0" smtClean="0"/>
+              <a:t>)</a:t>
+            </a:r>
+            <a:r>
+              <a:rPr lang="ko-KR" altLang="en-US" sz="2000" dirty="0" smtClean="0"/>
+              <a:t>을 기준으로 하여 다음과 같이 산출 합니다</a:t>
+            </a:r>
+            <a:r>
+              <a:rPr lang="en-US" altLang="ko-KR" sz="2000" dirty="0" smtClean="0"/>
+              <a:t>.</a:t>
+            </a:r>
+          </a:p>
+          <a:p>
+            <a:pPr lvl="1"/>
+            <a:r>
+              <a:rPr lang="ko-KR" altLang="en-US" sz="2000" dirty="0" smtClean="0"/>
+              <a:t>사용 가능한 주파수 ＝ 이득 대역폭</a:t>
+            </a:r>
+            <a:r>
+              <a:rPr lang="en-US" altLang="ko-KR" sz="2000" dirty="0" smtClean="0"/>
+              <a:t>(</a:t>
+            </a:r>
+            <a:r>
+              <a:rPr lang="en-US" altLang="ko-KR" sz="2000" dirty="0" err="1" smtClean="0"/>
+              <a:t>f</a:t>
+            </a:r>
+            <a:r>
+              <a:rPr lang="en-US" altLang="ko-KR" sz="1100" dirty="0" err="1" smtClean="0"/>
+              <a:t>T</a:t>
+            </a:r>
+            <a:r>
+              <a:rPr lang="en-US" altLang="ko-KR" sz="2000" dirty="0" smtClean="0"/>
+              <a:t>) ÷ </a:t>
+            </a:r>
+            <a:r>
+              <a:rPr lang="ko-KR" altLang="en-US" sz="2000" dirty="0" smtClean="0"/>
+              <a:t>직류 전류 증폭 율</a:t>
+            </a:r>
+            <a:r>
+              <a:rPr lang="en-US" altLang="ko-KR" sz="2000" dirty="0" smtClean="0"/>
+              <a:t>(</a:t>
+            </a:r>
+            <a:r>
+              <a:rPr lang="en-US" altLang="ko-KR" sz="2000" dirty="0" err="1" smtClean="0"/>
+              <a:t>hfe</a:t>
+            </a:r>
+            <a:r>
+              <a:rPr lang="en-US" altLang="ko-KR" sz="2000" dirty="0" smtClean="0"/>
+              <a:t>)</a:t>
+            </a:r>
+          </a:p>
+          <a:p>
+            <a:endParaRPr lang="ko-KR" altLang="en-US" dirty="0"/>
+          </a:p>
+        </p:txBody>
+      </p:sp>
+    </p:spTree>
+  </p:cSld>
+  <p:clrMapOvr>
+    <a:masterClrMapping/>
+  </p:clrMapOvr>
+</p:sld>
+</file>
+
+<file path=ppt/slides/slide8.xml><?xml version="1.0" encoding="utf-8"?>
+<p:sld xmlns:a="http://schemas.openxmlformats.org/drawingml/2006/main" xmlns:r="http://schemas.openxmlformats.org/officeDocument/2006/relationships" xmlns:p="http://schemas.openxmlformats.org/presentationml/2006/main">
+  <p:cSld>
+    <p:spTree>
+      <p:nvGrpSpPr>
+        <p:cNvPr id="1" name=""/>
+        <p:cNvGrpSpPr/>
+        <p:nvPr/>
+      </p:nvGrpSpPr>
+      <p:grpSpPr>
+        <a:xfrm>
+          <a:off x="0" y="0"/>
+          <a:ext cx="0" cy="0"/>
+          <a:chOff x="0" y="0"/>
+          <a:chExt cx="0" cy="0"/>
+        </a:xfrm>
+      </p:grpSpPr>
+      <p:sp>
+        <p:nvSpPr>
+          <p:cNvPr id="3" name="제목 2"/>
+          <p:cNvSpPr>
+            <a:spLocks noGrp="1"/>
+          </p:cNvSpPr>
+          <p:nvPr>
+            <p:ph type="title"/>
+          </p:nvPr>
+        </p:nvSpPr>
+        <p:spPr/>
+        <p:txBody>
+          <a:bodyPr>
+            <a:normAutofit fontScale="90000"/>
+          </a:bodyPr>
+          <a:lstStyle/>
+          <a:p>
+            <a:r>
+              <a:rPr lang="en-US" altLang="ko-KR" dirty="0" smtClean="0"/>
+              <a:t>Transistor –</a:t>
+            </a:r>
+            <a:r>
+              <a:rPr lang="ko-KR" altLang="en-US" dirty="0" smtClean="0"/>
+              <a:t> </a:t>
+            </a:r>
+            <a:r>
+              <a:rPr lang="ko-KR" altLang="en-US" dirty="0" err="1" smtClean="0"/>
+              <a:t>디지탈</a:t>
+            </a:r>
+            <a:r>
+              <a:rPr lang="ko-KR" altLang="en-US" dirty="0" smtClean="0"/>
+              <a:t> 회로에서 사용법</a:t>
+            </a:r>
+            <a:endParaRPr lang="ko-KR" altLang="en-US" dirty="0"/>
+          </a:p>
+        </p:txBody>
+      </p:sp>
+      <p:sp>
+        <p:nvSpPr>
+          <p:cNvPr id="6" name="내용 개체 틀 5"/>
+          <p:cNvSpPr>
+            <a:spLocks noGrp="1"/>
+          </p:cNvSpPr>
+          <p:nvPr>
+            <p:ph idx="1"/>
+          </p:nvPr>
+        </p:nvSpPr>
+        <p:spPr/>
+        <p:txBody>
+          <a:bodyPr>
+            <a:normAutofit lnSpcReduction="10000"/>
+          </a:bodyPr>
+          <a:lstStyle/>
+          <a:p>
+            <a:r>
+              <a:rPr lang="ko-KR" altLang="en-US" dirty="0" smtClean="0"/>
+              <a:t>큰 전류나 높은 전압의 제어</a:t>
+            </a:r>
+            <a:endParaRPr lang="en-US" altLang="ko-KR" dirty="0" smtClean="0"/>
+          </a:p>
+          <a:p>
+            <a:pPr lvl="1"/>
+            <a:r>
+              <a:rPr lang="ko-KR" altLang="en-US" sz="2200" dirty="0" smtClean="0"/>
+              <a:t>세그먼트 발광 다이오드의 제어</a:t>
+            </a:r>
+            <a:r>
+              <a:rPr lang="en-US" altLang="ko-KR" sz="2200" dirty="0" smtClean="0"/>
+              <a:t>, </a:t>
+            </a:r>
+            <a:r>
+              <a:rPr lang="ko-KR" altLang="en-US" sz="2200" dirty="0" smtClean="0"/>
+              <a:t>모터나 </a:t>
+            </a:r>
+            <a:r>
+              <a:rPr lang="ko-KR" altLang="en-US" sz="2200" dirty="0" err="1" smtClean="0"/>
+              <a:t>릴레이등의</a:t>
+            </a:r>
+            <a:r>
+              <a:rPr lang="ko-KR" altLang="en-US" sz="2200" dirty="0" smtClean="0"/>
+              <a:t> 드라이브</a:t>
+            </a:r>
+            <a:r>
+              <a:rPr lang="en-US" altLang="ko-KR" sz="2200" dirty="0" smtClean="0"/>
+              <a:t>, </a:t>
+            </a:r>
+            <a:r>
+              <a:rPr lang="ko-KR" altLang="en-US" sz="2200" dirty="0" smtClean="0"/>
+              <a:t>전원의 </a:t>
+            </a:r>
+            <a:r>
+              <a:rPr lang="en-US" altLang="ko-KR" sz="2200" dirty="0" smtClean="0"/>
+              <a:t>On/Off</a:t>
+            </a:r>
+            <a:r>
+              <a:rPr lang="ko-KR" altLang="en-US" sz="2200" dirty="0" smtClean="0"/>
+              <a:t>，조명등의 제어</a:t>
+            </a:r>
+          </a:p>
+          <a:p>
+            <a:pPr lvl="1"/>
+            <a:r>
+              <a:rPr lang="ko-KR" altLang="en-US" sz="2200" dirty="0" smtClean="0"/>
+              <a:t>전압레벨의 변환 </a:t>
+            </a:r>
+            <a:r>
+              <a:rPr lang="en-US" altLang="ko-KR" sz="2200" dirty="0" smtClean="0"/>
+              <a:t>: </a:t>
+            </a:r>
+            <a:r>
+              <a:rPr lang="ko-KR" altLang="en-US" sz="2200" dirty="0" err="1" smtClean="0"/>
+              <a:t>광센서나</a:t>
+            </a:r>
+            <a:r>
+              <a:rPr lang="ko-KR" altLang="en-US" sz="2200" dirty="0" smtClean="0"/>
+              <a:t> 마이크의 신호 증폭 및 변환</a:t>
+            </a:r>
+          </a:p>
+          <a:p>
+            <a:pPr lvl="1"/>
+            <a:r>
+              <a:rPr lang="ko-KR" altLang="en-US" sz="2200" dirty="0" smtClean="0"/>
+              <a:t>직류전압 증폭 </a:t>
+            </a:r>
+            <a:r>
+              <a:rPr lang="en-US" altLang="ko-KR" sz="2200" dirty="0" smtClean="0"/>
+              <a:t>: A/D </a:t>
+            </a:r>
+            <a:r>
+              <a:rPr lang="ko-KR" altLang="en-US" sz="2200" dirty="0" smtClean="0"/>
+              <a:t>변환 입력 신호 </a:t>
+            </a:r>
+            <a:r>
+              <a:rPr lang="ko-KR" altLang="en-US" sz="2200" dirty="0" err="1" smtClean="0"/>
+              <a:t>증폭및</a:t>
+            </a:r>
+            <a:r>
+              <a:rPr lang="ko-KR" altLang="en-US" sz="2200" dirty="0" smtClean="0"/>
+              <a:t> 센서 출력의 증폭</a:t>
+            </a:r>
+            <a:endParaRPr lang="en-US" altLang="ko-KR" sz="6200" dirty="0" smtClean="0"/>
+          </a:p>
+          <a:p>
+            <a:pPr lvl="1"/>
+            <a:endParaRPr lang="en-US" altLang="ko-KR" sz="2400" dirty="0" smtClean="0"/>
+          </a:p>
+          <a:p>
+            <a:r>
+              <a:rPr lang="ko-KR" altLang="en-US" dirty="0" smtClean="0"/>
+              <a:t>큰 부하 제어</a:t>
+            </a:r>
+            <a:endParaRPr lang="en-US" altLang="ko-KR" dirty="0" smtClean="0"/>
+          </a:p>
+          <a:p>
+            <a:pPr lvl="1"/>
+            <a:r>
+              <a:rPr lang="ko-KR" altLang="en-US" sz="2200" dirty="0" smtClean="0"/>
+              <a:t>여기서 말하는 </a:t>
+            </a:r>
+            <a:r>
+              <a:rPr lang="ko-KR" altLang="en-US" sz="2200" dirty="0" err="1" smtClean="0"/>
+              <a:t>큰부하라는</a:t>
+            </a:r>
+            <a:r>
+              <a:rPr lang="ko-KR" altLang="en-US" sz="2200" dirty="0" smtClean="0"/>
+              <a:t> 것은 수 </a:t>
+            </a:r>
+            <a:r>
+              <a:rPr lang="en-US" altLang="ko-KR" sz="2200" dirty="0" smtClean="0"/>
+              <a:t>10mA </a:t>
+            </a:r>
+            <a:r>
+              <a:rPr lang="ko-KR" altLang="en-US" sz="2200" dirty="0" smtClean="0"/>
+              <a:t>이상의 전류가 흐르거나 ５</a:t>
+            </a:r>
+            <a:r>
+              <a:rPr lang="en-US" altLang="ko-KR" sz="2200" dirty="0" smtClean="0"/>
+              <a:t>V </a:t>
+            </a:r>
+            <a:r>
+              <a:rPr lang="ko-KR" altLang="en-US" sz="2200" dirty="0" smtClean="0"/>
+              <a:t>이상의 전압이 필요한 부하를 말하며 </a:t>
+            </a:r>
+            <a:r>
+              <a:rPr lang="ko-KR" altLang="en-US" sz="2200" dirty="0" err="1" smtClean="0"/>
+              <a:t>디지탈</a:t>
+            </a:r>
+            <a:r>
+              <a:rPr lang="ko-KR" altLang="en-US" sz="2200" dirty="0" smtClean="0"/>
+              <a:t> </a:t>
+            </a:r>
+            <a:r>
+              <a:rPr lang="en-US" altLang="ko-KR" sz="2200" dirty="0" smtClean="0"/>
+              <a:t>IC</a:t>
+            </a:r>
+            <a:r>
+              <a:rPr lang="ko-KR" altLang="en-US" sz="2200" dirty="0" smtClean="0"/>
+              <a:t>로는 직접 드라이브할 수 없는 모터의 제어나 릴레이 또는 </a:t>
+            </a:r>
+            <a:r>
+              <a:rPr lang="ko-KR" altLang="en-US" sz="2200" dirty="0" err="1" smtClean="0"/>
+              <a:t>솔레노이드</a:t>
+            </a:r>
+            <a:r>
+              <a:rPr lang="ko-KR" altLang="en-US" sz="2200" dirty="0" smtClean="0"/>
+              <a:t> </a:t>
+            </a:r>
+            <a:r>
+              <a:rPr lang="ko-KR" altLang="en-US" sz="2200" dirty="0" err="1" smtClean="0"/>
+              <a:t>코일등의</a:t>
+            </a:r>
+            <a:r>
+              <a:rPr lang="ko-KR" altLang="en-US" sz="2200" dirty="0" smtClean="0"/>
+              <a:t> 드라이브가 여기에 해당됩니다</a:t>
+            </a:r>
+            <a:r>
+              <a:rPr lang="en-US" altLang="ko-KR" sz="2200" dirty="0" smtClean="0"/>
+              <a:t>.</a:t>
+            </a:r>
+            <a:endParaRPr lang="en-US" altLang="ko-KR" sz="2400" dirty="0" smtClean="0"/>
+          </a:p>
+          <a:p>
+            <a:endParaRPr lang="ko-KR" altLang="en-US" dirty="0"/>
+          </a:p>
+        </p:txBody>
+      </p:sp>
+      <p:sp>
+        <p:nvSpPr>
+          <p:cNvPr id="5" name="TextBox 4"/>
+          <p:cNvSpPr txBox="1"/>
+          <p:nvPr/>
+        </p:nvSpPr>
+        <p:spPr>
+          <a:xfrm>
+            <a:off x="3923928" y="6021288"/>
+            <a:ext cx="1368152" cy="461665"/>
+          </a:xfrm>
+          <a:prstGeom prst="rect">
+            <a:avLst/>
+          </a:prstGeom>
+          <a:noFill/>
+        </p:spPr>
+        <p:txBody>
+          <a:bodyPr wrap="square" rtlCol="0">
+            <a:spAutoFit/>
+          </a:bodyPr>
+          <a:lstStyle/>
+          <a:p>
+            <a:pPr marL="0" lvl="1"/>
+            <a:r>
+              <a:rPr lang="en-US" altLang="ko-KR" sz="2400" smtClean="0"/>
+              <a:t>- </a:t>
+            </a:r>
+            <a:r>
+              <a:rPr lang="ko-KR" altLang="en-US" sz="2400" dirty="0" smtClean="0"/>
+              <a:t>계속 </a:t>
+            </a:r>
+            <a:r>
+              <a:rPr lang="en-US" altLang="ko-KR" sz="2400" dirty="0" smtClean="0"/>
+              <a:t>-</a:t>
+            </a:r>
+            <a:endParaRPr lang="en-US" altLang="ko-KR" sz="4000" dirty="0" smtClean="0"/>
+          </a:p>
+        </p:txBody>
+      </p:sp>
+    </p:spTree>
+  </p:cSld>
+  <p:clrMapOvr>
+    <a:masterClrMapping/>
+  </p:clrMapOvr>
+</p:sld>
+</file>
+
+<file path=ppt/slides/slide9.xml><?xml version="1.0" encoding="utf-8"?>
+<p:sld xmlns:a="http://schemas.openxmlformats.org/drawingml/2006/main" xmlns:r="http://schemas.openxmlformats.org/officeDocument/2006/relationships" xmlns:p="http://schemas.openxmlformats.org/presentationml/2006/main">
+  <p:cSld>
+    <p:spTree>
+      <p:nvGrpSpPr>
+        <p:cNvPr id="1" name=""/>
+        <p:cNvGrpSpPr/>
+        <p:nvPr/>
+      </p:nvGrpSpPr>
+      <p:grpSpPr>
+        <a:xfrm>
+          <a:off x="0" y="0"/>
+          <a:ext cx="0" cy="0"/>
+          <a:chOff x="0" y="0"/>
+          <a:chExt cx="0" cy="0"/>
+        </a:xfrm>
+      </p:grpSpPr>
+      <p:sp>
+        <p:nvSpPr>
+          <p:cNvPr id="3" name="제목 2"/>
+          <p:cNvSpPr>
+            <a:spLocks noGrp="1"/>
+          </p:cNvSpPr>
+          <p:nvPr>
+            <p:ph type="title"/>
+          </p:nvPr>
+        </p:nvSpPr>
+        <p:spPr/>
+        <p:txBody>
+          <a:bodyPr>
             <a:normAutofit fontScale="90000"/>
           </a:bodyPr>
           <a:lstStyle/>
@@ -11413,11 +11613,7 @@
           <a:p>
             <a:r>
               <a:rPr lang="ko-KR" altLang="en-US" dirty="0" smtClean="0"/>
-              <a:t>큰 </a:t>
-            </a:r>
-            <a:r>
-              <a:rPr lang="ko-KR" altLang="en-US" dirty="0" smtClean="0"/>
-              <a:t>부하 제어</a:t>
+              <a:t>큰 부하 제어</a:t>
             </a:r>
             <a:endParaRPr lang="en-US" altLang="ko-KR" dirty="0" smtClean="0"/>
           </a:p>
@@ -11534,658 +11730,6 @@
           </a:p>
         </p:txBody>
       </p:sp>
-    </p:spTree>
-  </p:cSld>
-  <p:clrMapOvr>
-    <a:masterClrMapping/>
-  </p:clrMapOvr>
-</p:sld>
-</file>
-
-<file path=ppt/slides/slide8.xml><?xml version="1.0" encoding="utf-8"?>
-<p:sld xmlns:a="http://schemas.openxmlformats.org/drawingml/2006/main" xmlns:r="http://schemas.openxmlformats.org/officeDocument/2006/relationships" xmlns:p="http://schemas.openxmlformats.org/presentationml/2006/main">
-  <p:cSld>
-    <p:spTree>
-      <p:nvGrpSpPr>
-        <p:cNvPr id="1" name=""/>
-        <p:cNvGrpSpPr/>
-        <p:nvPr/>
-      </p:nvGrpSpPr>
-      <p:grpSpPr>
-        <a:xfrm>
-          <a:off x="0" y="0"/>
-          <a:ext cx="0" cy="0"/>
-          <a:chOff x="0" y="0"/>
-          <a:chExt cx="0" cy="0"/>
-        </a:xfrm>
-      </p:grpSpPr>
-      <p:sp>
-        <p:nvSpPr>
-          <p:cNvPr id="3" name="제목 2"/>
-          <p:cNvSpPr>
-            <a:spLocks noGrp="1"/>
-          </p:cNvSpPr>
-          <p:nvPr>
-            <p:ph type="title"/>
-          </p:nvPr>
-        </p:nvSpPr>
-        <p:spPr/>
-        <p:txBody>
-          <a:bodyPr>
-            <a:normAutofit fontScale="90000"/>
-          </a:bodyPr>
-          <a:lstStyle/>
-          <a:p>
-            <a:r>
-              <a:rPr lang="en-US" altLang="ko-KR" dirty="0" smtClean="0"/>
-              <a:t>Transistor –</a:t>
-            </a:r>
-            <a:r>
-              <a:rPr lang="ko-KR" altLang="en-US" dirty="0" smtClean="0"/>
-              <a:t> </a:t>
-            </a:r>
-            <a:r>
-              <a:rPr lang="ko-KR" altLang="en-US" dirty="0" err="1" smtClean="0"/>
-              <a:t>디지탈</a:t>
-            </a:r>
-            <a:r>
-              <a:rPr lang="ko-KR" altLang="en-US" dirty="0" smtClean="0"/>
-              <a:t> 회로에서 사용법</a:t>
-            </a:r>
-            <a:endParaRPr lang="ko-KR" altLang="en-US" dirty="0"/>
-          </a:p>
-        </p:txBody>
-      </p:sp>
-      <p:sp>
-        <p:nvSpPr>
-          <p:cNvPr id="6" name="내용 개체 틀 5"/>
-          <p:cNvSpPr>
-            <a:spLocks noGrp="1"/>
-          </p:cNvSpPr>
-          <p:nvPr>
-            <p:ph idx="1"/>
-          </p:nvPr>
-        </p:nvSpPr>
-        <p:spPr>
-          <a:xfrm>
-            <a:off x="457200" y="2708920"/>
-            <a:ext cx="8229600" cy="3658411"/>
-          </a:xfrm>
-        </p:spPr>
-        <p:txBody>
-          <a:bodyPr>
-            <a:normAutofit/>
-          </a:bodyPr>
-          <a:lstStyle/>
-          <a:p>
-            <a:r>
-              <a:rPr lang="ko-KR" altLang="en-US" dirty="0" smtClean="0"/>
-              <a:t>큰 </a:t>
-            </a:r>
-            <a:r>
-              <a:rPr lang="ko-KR" altLang="en-US" dirty="0" smtClean="0"/>
-              <a:t>부하 제어</a:t>
-            </a:r>
-            <a:endParaRPr lang="en-US" altLang="ko-KR" dirty="0" smtClean="0"/>
-          </a:p>
-          <a:p>
-            <a:pPr lvl="1"/>
-            <a:r>
-              <a:rPr lang="ko-KR" altLang="en-US" sz="2000" dirty="0" smtClean="0"/>
-              <a:t>트랜지스터의 선정은 드라이브하는 전압과 전류를 고려하여 선정하며 전류 </a:t>
-            </a:r>
-            <a:r>
-              <a:rPr lang="ko-KR" altLang="en-US" sz="2000" dirty="0" err="1" smtClean="0"/>
-              <a:t>증폭율이나</a:t>
-            </a:r>
-            <a:r>
-              <a:rPr lang="ko-KR" altLang="en-US" sz="2000" dirty="0" smtClean="0"/>
-              <a:t> </a:t>
-            </a:r>
-            <a:r>
-              <a:rPr lang="ko-KR" altLang="en-US" sz="2000" dirty="0" smtClean="0"/>
-              <a:t>주파수 </a:t>
-            </a:r>
-            <a:r>
-              <a:rPr lang="ko-KR" altLang="en-US" sz="2000" dirty="0" smtClean="0"/>
-              <a:t>특성은 생각할 필요가 없습니다</a:t>
-            </a:r>
-            <a:r>
-              <a:rPr lang="en-US" altLang="ko-KR" sz="2000" dirty="0" smtClean="0"/>
-              <a:t>.</a:t>
-            </a:r>
-          </a:p>
-          <a:p>
-            <a:pPr lvl="1"/>
-            <a:r>
-              <a:rPr lang="ko-KR" altLang="en-US" sz="2000" dirty="0" smtClean="0"/>
-              <a:t>동작 원리는 </a:t>
-            </a:r>
-            <a:r>
-              <a:rPr lang="en-US" altLang="ko-KR" sz="2000" dirty="0" smtClean="0"/>
-              <a:t>(a)</a:t>
-            </a:r>
-            <a:r>
-              <a:rPr lang="ko-KR" altLang="en-US" sz="2000" dirty="0" smtClean="0"/>
-              <a:t>의 경우 디지탈 </a:t>
-            </a:r>
-            <a:r>
-              <a:rPr lang="en-US" altLang="ko-KR" sz="2000" dirty="0" smtClean="0"/>
-              <a:t>IC</a:t>
-            </a:r>
-            <a:r>
-              <a:rPr lang="ko-KR" altLang="en-US" sz="2000" dirty="0" smtClean="0"/>
-              <a:t>의 출력이 </a:t>
-            </a:r>
-            <a:r>
-              <a:rPr lang="en-US" altLang="ko-KR" sz="2000" dirty="0" smtClean="0"/>
-              <a:t>High </a:t>
-            </a:r>
-            <a:r>
-              <a:rPr lang="ko-KR" altLang="en-US" sz="2000" dirty="0" smtClean="0"/>
-              <a:t>가 되면 </a:t>
-            </a:r>
-            <a:r>
-              <a:rPr lang="en-US" altLang="ko-KR" sz="2000" dirty="0" smtClean="0"/>
-              <a:t>4.5V </a:t>
-            </a:r>
-            <a:r>
-              <a:rPr lang="ko-KR" altLang="en-US" sz="2000" dirty="0" smtClean="0"/>
-              <a:t>이상의 전압이 되어 </a:t>
-            </a:r>
-            <a:r>
-              <a:rPr lang="ko-KR" altLang="en-US" sz="2000" dirty="0" smtClean="0"/>
-              <a:t>이것이 저항을 </a:t>
-            </a:r>
-            <a:r>
-              <a:rPr lang="ko-KR" altLang="en-US" sz="2000" dirty="0" smtClean="0"/>
-              <a:t>통하여 트랜지스터에 </a:t>
-            </a:r>
-            <a:r>
-              <a:rPr lang="en-US" altLang="ko-KR" sz="2000" dirty="0" err="1" smtClean="0"/>
-              <a:t>Ib</a:t>
-            </a:r>
-            <a:r>
-              <a:rPr lang="ko-KR" altLang="en-US" sz="2000" dirty="0" smtClean="0"/>
-              <a:t>가 흐르게하여 트랜지스터가 </a:t>
-            </a:r>
-            <a:r>
-              <a:rPr lang="en-US" altLang="ko-KR" sz="2000" dirty="0" smtClean="0"/>
-              <a:t>On</a:t>
-            </a:r>
-            <a:r>
-              <a:rPr lang="ko-KR" altLang="en-US" sz="2000" dirty="0" smtClean="0"/>
-              <a:t>되고 </a:t>
-            </a:r>
-            <a:r>
-              <a:rPr lang="en-US" altLang="ko-KR" sz="2000" dirty="0" err="1" smtClean="0"/>
-              <a:t>Ic</a:t>
-            </a:r>
-            <a:r>
-              <a:rPr lang="ko-KR" altLang="en-US" sz="2000" dirty="0" smtClean="0"/>
-              <a:t>가 흘러서 부하가 </a:t>
-            </a:r>
-            <a:r>
-              <a:rPr lang="ko-KR" altLang="en-US" sz="2000" dirty="0" smtClean="0"/>
-              <a:t>작동합니다</a:t>
-            </a:r>
-            <a:r>
-              <a:rPr lang="en-US" altLang="ko-KR" sz="2000" dirty="0" smtClean="0"/>
-              <a:t>.</a:t>
-            </a:r>
-            <a:endParaRPr lang="ko-KR" altLang="en-US" dirty="0"/>
-          </a:p>
-        </p:txBody>
-      </p:sp>
-      <p:pic>
-        <p:nvPicPr>
-          <p:cNvPr id="4" name="Picture 3"/>
-          <p:cNvPicPr>
-            <a:picLocks noChangeAspect="1" noChangeArrowheads="1"/>
-          </p:cNvPicPr>
-          <p:nvPr/>
-        </p:nvPicPr>
-        <p:blipFill>
-          <a:blip r:embed="rId2" cstate="print"/>
-          <a:srcRect/>
-          <a:stretch>
-            <a:fillRect/>
-          </a:stretch>
-        </p:blipFill>
-        <p:spPr bwMode="auto">
-          <a:xfrm>
-            <a:off x="5004048" y="1196752"/>
-            <a:ext cx="3509458" cy="1584176"/>
-          </a:xfrm>
-          <a:prstGeom prst="rect">
-            <a:avLst/>
-          </a:prstGeom>
-          <a:noFill/>
-          <a:ln w="9525">
-            <a:noFill/>
-            <a:miter lim="800000"/>
-            <a:headEnd/>
-            <a:tailEnd/>
-          </a:ln>
-        </p:spPr>
-      </p:pic>
-      <p:sp>
-        <p:nvSpPr>
-          <p:cNvPr id="5" name="TextBox 4"/>
-          <p:cNvSpPr txBox="1"/>
-          <p:nvPr/>
-        </p:nvSpPr>
-        <p:spPr>
-          <a:xfrm>
-            <a:off x="3923928" y="6279703"/>
-            <a:ext cx="1368152" cy="461665"/>
-          </a:xfrm>
-          <a:prstGeom prst="rect">
-            <a:avLst/>
-          </a:prstGeom>
-          <a:noFill/>
-        </p:spPr>
-        <p:txBody>
-          <a:bodyPr wrap="square" rtlCol="0">
-            <a:spAutoFit/>
-          </a:bodyPr>
-          <a:lstStyle/>
-          <a:p>
-            <a:pPr marL="0" lvl="1"/>
-            <a:r>
-              <a:rPr lang="en-US" altLang="ko-KR" sz="2400" smtClean="0"/>
-              <a:t>- </a:t>
-            </a:r>
-            <a:r>
-              <a:rPr lang="ko-KR" altLang="en-US" sz="2400" dirty="0" smtClean="0"/>
-              <a:t>계속 </a:t>
-            </a:r>
-            <a:r>
-              <a:rPr lang="en-US" altLang="ko-KR" sz="2400" dirty="0" smtClean="0"/>
-              <a:t>-</a:t>
-            </a:r>
-            <a:endParaRPr lang="en-US" altLang="ko-KR" sz="4000" dirty="0" smtClean="0"/>
-          </a:p>
-        </p:txBody>
-      </p:sp>
-    </p:spTree>
-  </p:cSld>
-  <p:clrMapOvr>
-    <a:masterClrMapping/>
-  </p:clrMapOvr>
-</p:sld>
-</file>
-
-<file path=ppt/slides/slide9.xml><?xml version="1.0" encoding="utf-8"?>
-<p:sld xmlns:a="http://schemas.openxmlformats.org/drawingml/2006/main" xmlns:r="http://schemas.openxmlformats.org/officeDocument/2006/relationships" xmlns:p="http://schemas.openxmlformats.org/presentationml/2006/main">
-  <p:cSld>
-    <p:spTree>
-      <p:nvGrpSpPr>
-        <p:cNvPr id="1" name=""/>
-        <p:cNvGrpSpPr/>
-        <p:nvPr/>
-      </p:nvGrpSpPr>
-      <p:grpSpPr>
-        <a:xfrm>
-          <a:off x="0" y="0"/>
-          <a:ext cx="0" cy="0"/>
-          <a:chOff x="0" y="0"/>
-          <a:chExt cx="0" cy="0"/>
-        </a:xfrm>
-      </p:grpSpPr>
-      <p:sp>
-        <p:nvSpPr>
-          <p:cNvPr id="3" name="제목 2"/>
-          <p:cNvSpPr>
-            <a:spLocks noGrp="1"/>
-          </p:cNvSpPr>
-          <p:nvPr>
-            <p:ph type="title"/>
-          </p:nvPr>
-        </p:nvSpPr>
-        <p:spPr/>
-        <p:txBody>
-          <a:bodyPr>
-            <a:normAutofit fontScale="90000"/>
-          </a:bodyPr>
-          <a:lstStyle/>
-          <a:p>
-            <a:r>
-              <a:rPr lang="en-US" altLang="ko-KR" dirty="0" smtClean="0"/>
-              <a:t>Transistor –</a:t>
-            </a:r>
-            <a:r>
-              <a:rPr lang="ko-KR" altLang="en-US" dirty="0" smtClean="0"/>
-              <a:t> </a:t>
-            </a:r>
-            <a:r>
-              <a:rPr lang="ko-KR" altLang="en-US" dirty="0" err="1" smtClean="0"/>
-              <a:t>디지탈</a:t>
-            </a:r>
-            <a:r>
-              <a:rPr lang="ko-KR" altLang="en-US" dirty="0" smtClean="0"/>
-              <a:t> 회로에서 사용법</a:t>
-            </a:r>
-            <a:endParaRPr lang="ko-KR" altLang="en-US" dirty="0"/>
-          </a:p>
-        </p:txBody>
-      </p:sp>
-      <p:sp>
-        <p:nvSpPr>
-          <p:cNvPr id="6" name="내용 개체 틀 5"/>
-          <p:cNvSpPr>
-            <a:spLocks noGrp="1"/>
-          </p:cNvSpPr>
-          <p:nvPr>
-            <p:ph idx="1"/>
-          </p:nvPr>
-        </p:nvSpPr>
-        <p:spPr>
-          <a:xfrm>
-            <a:off x="457200" y="2708920"/>
-            <a:ext cx="8229600" cy="3658411"/>
-          </a:xfrm>
-        </p:spPr>
-        <p:txBody>
-          <a:bodyPr>
-            <a:normAutofit/>
-          </a:bodyPr>
-          <a:lstStyle/>
-          <a:p>
-            <a:r>
-              <a:rPr lang="ko-KR" altLang="en-US" dirty="0" smtClean="0"/>
-              <a:t>큰 </a:t>
-            </a:r>
-            <a:r>
-              <a:rPr lang="ko-KR" altLang="en-US" dirty="0" smtClean="0"/>
-              <a:t>부하 제어</a:t>
-            </a:r>
-            <a:endParaRPr lang="en-US" altLang="ko-KR" dirty="0" smtClean="0"/>
-          </a:p>
-          <a:p>
-            <a:pPr lvl="1"/>
-            <a:r>
-              <a:rPr lang="ko-KR" altLang="en-US" sz="2000" dirty="0" smtClean="0"/>
-              <a:t>역으로 </a:t>
-            </a:r>
-            <a:r>
-              <a:rPr lang="ko-KR" altLang="en-US" sz="2000" dirty="0" err="1" smtClean="0"/>
-              <a:t>디지탈</a:t>
-            </a:r>
-            <a:r>
-              <a:rPr lang="ko-KR" altLang="en-US" sz="2000" dirty="0" smtClean="0"/>
-              <a:t> </a:t>
-            </a:r>
-            <a:r>
-              <a:rPr lang="en-US" altLang="ko-KR" sz="2000" dirty="0" smtClean="0"/>
-              <a:t>IC</a:t>
-            </a:r>
-            <a:r>
-              <a:rPr lang="ko-KR" altLang="en-US" sz="2000" dirty="0" smtClean="0"/>
-              <a:t>의 출력이 </a:t>
-            </a:r>
-            <a:r>
-              <a:rPr lang="en-US" altLang="ko-KR" sz="2000" dirty="0" smtClean="0"/>
-              <a:t>Low</a:t>
-            </a:r>
-            <a:r>
-              <a:rPr lang="ko-KR" altLang="en-US" sz="2000" dirty="0" smtClean="0"/>
-              <a:t>로 되면 트랜지스터의 </a:t>
-            </a:r>
-            <a:r>
-              <a:rPr lang="en-US" altLang="ko-KR" sz="2000" dirty="0" err="1" smtClean="0"/>
-              <a:t>Vbe</a:t>
-            </a:r>
-            <a:r>
-              <a:rPr lang="en-US" altLang="ko-KR" sz="2000" dirty="0" smtClean="0"/>
-              <a:t>(0.6V </a:t>
-            </a:r>
-            <a:r>
-              <a:rPr lang="ko-KR" altLang="en-US" sz="2000" dirty="0" smtClean="0"/>
-              <a:t>정도）보다 작은 </a:t>
-            </a:r>
-            <a:r>
-              <a:rPr lang="ko-KR" altLang="en-US" sz="2000" dirty="0" smtClean="0"/>
-              <a:t>출력전압</a:t>
-            </a:r>
-            <a:r>
-              <a:rPr lang="en-US" altLang="ko-KR" sz="2000" dirty="0" smtClean="0"/>
-              <a:t>(</a:t>
-            </a:r>
-            <a:r>
-              <a:rPr lang="en-US" altLang="ko-KR" sz="2000" dirty="0" smtClean="0"/>
-              <a:t>0.2V </a:t>
-            </a:r>
-            <a:r>
-              <a:rPr lang="ko-KR" altLang="en-US" sz="2000" dirty="0" smtClean="0"/>
-              <a:t>정도）이 되기 때문에 </a:t>
-            </a:r>
-            <a:r>
-              <a:rPr lang="en-US" altLang="ko-KR" sz="2000" dirty="0" err="1" smtClean="0"/>
-              <a:t>Ib</a:t>
-            </a:r>
-            <a:r>
-              <a:rPr lang="ko-KR" altLang="en-US" sz="2000" dirty="0" smtClean="0"/>
-              <a:t>는 흐르지 않아서 트랜지스터가 </a:t>
-            </a:r>
-            <a:r>
-              <a:rPr lang="en-US" altLang="ko-KR" sz="2000" dirty="0" smtClean="0"/>
-              <a:t>Off</a:t>
-            </a:r>
-            <a:r>
-              <a:rPr lang="ko-KR" altLang="en-US" sz="2000" dirty="0" smtClean="0"/>
-              <a:t>되어 부하전류도 </a:t>
-            </a:r>
-            <a:r>
-              <a:rPr lang="ko-KR" altLang="en-US" sz="2000" dirty="0" smtClean="0"/>
-              <a:t>흐르지 않게 </a:t>
-            </a:r>
-            <a:r>
-              <a:rPr lang="ko-KR" altLang="en-US" sz="2000" dirty="0" smtClean="0"/>
-              <a:t>됩니다</a:t>
-            </a:r>
-            <a:r>
-              <a:rPr lang="en-US" altLang="ko-KR" sz="2000" dirty="0" smtClean="0"/>
-              <a:t>.</a:t>
-            </a:r>
-          </a:p>
-          <a:p>
-            <a:pPr lvl="1"/>
-            <a:endParaRPr lang="en-US" altLang="ko-KR" sz="2000" dirty="0" smtClean="0"/>
-          </a:p>
-          <a:p>
-            <a:pPr lvl="1"/>
-            <a:r>
-              <a:rPr lang="en-US" altLang="ko-KR" sz="2000" dirty="0" smtClean="0"/>
-              <a:t>(b)</a:t>
-            </a:r>
-            <a:r>
-              <a:rPr lang="ko-KR" altLang="en-US" sz="2000" dirty="0" smtClean="0"/>
-              <a:t>의 경우에는 반대로 디지탈 </a:t>
-            </a:r>
-            <a:r>
-              <a:rPr lang="en-US" altLang="ko-KR" sz="2000" dirty="0" smtClean="0"/>
-              <a:t>IC</a:t>
-            </a:r>
-            <a:r>
-              <a:rPr lang="ko-KR" altLang="en-US" sz="2000" dirty="0" smtClean="0"/>
-              <a:t>의 출력이 </a:t>
-            </a:r>
-            <a:r>
-              <a:rPr lang="en-US" altLang="ko-KR" sz="2000" dirty="0" smtClean="0"/>
-              <a:t>High</a:t>
-            </a:r>
-            <a:r>
-              <a:rPr lang="ko-KR" altLang="en-US" sz="2000" dirty="0" smtClean="0"/>
-              <a:t>가 되면 트랜지스터는 </a:t>
-            </a:r>
-            <a:r>
-              <a:rPr lang="en-US" altLang="ko-KR" sz="2000" dirty="0" smtClean="0"/>
-              <a:t>Off </a:t>
-            </a:r>
-            <a:r>
-              <a:rPr lang="ko-KR" altLang="en-US" sz="2000" dirty="0" smtClean="0"/>
-              <a:t>되어 </a:t>
-            </a:r>
-            <a:r>
-              <a:rPr lang="ko-KR" altLang="en-US" sz="2000" dirty="0" smtClean="0"/>
-              <a:t>부하전류는 흐르지 </a:t>
-            </a:r>
-            <a:r>
-              <a:rPr lang="ko-KR" altLang="en-US" sz="2000" dirty="0" smtClean="0"/>
-              <a:t>않으며，</a:t>
-            </a:r>
-            <a:r>
-              <a:rPr lang="ko-KR" altLang="en-US" sz="2000" dirty="0" err="1" smtClean="0"/>
-              <a:t>디지탈</a:t>
-            </a:r>
-            <a:r>
-              <a:rPr lang="ko-KR" altLang="en-US" sz="2000" dirty="0" smtClean="0"/>
-              <a:t> </a:t>
-            </a:r>
-            <a:r>
-              <a:rPr lang="en-US" altLang="ko-KR" sz="2000" dirty="0" smtClean="0"/>
-              <a:t>IC </a:t>
-            </a:r>
-            <a:r>
-              <a:rPr lang="ko-KR" altLang="en-US" sz="2000" dirty="0" smtClean="0"/>
-              <a:t>출력이 </a:t>
-            </a:r>
-            <a:r>
-              <a:rPr lang="en-US" altLang="ko-KR" sz="2000" dirty="0" smtClean="0"/>
-              <a:t>Low</a:t>
-            </a:r>
-            <a:r>
-              <a:rPr lang="ko-KR" altLang="en-US" sz="2000" dirty="0" smtClean="0"/>
-              <a:t>로 되면 트랜지스터가 </a:t>
-            </a:r>
-            <a:r>
-              <a:rPr lang="en-US" altLang="ko-KR" sz="2000" dirty="0" smtClean="0"/>
-              <a:t>On </a:t>
-            </a:r>
-            <a:r>
-              <a:rPr lang="ko-KR" altLang="en-US" sz="2000" dirty="0" smtClean="0"/>
-              <a:t>되어 부하에 전류가 </a:t>
-            </a:r>
-            <a:r>
-              <a:rPr lang="ko-KR" altLang="en-US" sz="2000" dirty="0" smtClean="0"/>
-              <a:t>흐르게 </a:t>
-            </a:r>
-            <a:r>
-              <a:rPr lang="ko-KR" altLang="en-US" sz="2000" dirty="0" smtClean="0"/>
-              <a:t>됩니다</a:t>
-            </a:r>
-            <a:r>
-              <a:rPr lang="en-US" altLang="ko-KR" sz="2000" dirty="0" smtClean="0"/>
-              <a:t>.</a:t>
-            </a:r>
-            <a:endParaRPr lang="ko-KR" altLang="en-US" sz="2000" dirty="0"/>
-          </a:p>
-        </p:txBody>
-      </p:sp>
-      <p:pic>
-        <p:nvPicPr>
-          <p:cNvPr id="4" name="Picture 3"/>
-          <p:cNvPicPr>
-            <a:picLocks noChangeAspect="1" noChangeArrowheads="1"/>
-          </p:cNvPicPr>
-          <p:nvPr/>
-        </p:nvPicPr>
-        <p:blipFill>
-          <a:blip r:embed="rId2" cstate="print"/>
-          <a:srcRect/>
-          <a:stretch>
-            <a:fillRect/>
-          </a:stretch>
-        </p:blipFill>
-        <p:spPr bwMode="auto">
-          <a:xfrm>
-            <a:off x="5004048" y="1196752"/>
-            <a:ext cx="3509458" cy="1584176"/>
-          </a:xfrm>
-          <a:prstGeom prst="rect">
-            <a:avLst/>
-          </a:prstGeom>
-          <a:noFill/>
-          <a:ln w="9525">
-            <a:noFill/>
-            <a:miter lim="800000"/>
-            <a:headEnd/>
-            <a:tailEnd/>
-          </a:ln>
-        </p:spPr>
-      </p:pic>
-      <p:sp>
-        <p:nvSpPr>
-          <p:cNvPr id="5" name="TextBox 4"/>
-          <p:cNvSpPr txBox="1"/>
-          <p:nvPr/>
-        </p:nvSpPr>
-        <p:spPr>
-          <a:xfrm>
-            <a:off x="3923928" y="6279703"/>
-            <a:ext cx="1368152" cy="461665"/>
-          </a:xfrm>
-          <a:prstGeom prst="rect">
-            <a:avLst/>
-          </a:prstGeom>
-          <a:noFill/>
-        </p:spPr>
-        <p:txBody>
-          <a:bodyPr wrap="square" rtlCol="0">
-            <a:spAutoFit/>
-          </a:bodyPr>
-          <a:lstStyle/>
-          <a:p>
-            <a:pPr marL="0" lvl="1"/>
-            <a:r>
-              <a:rPr lang="en-US" altLang="ko-KR" sz="2400" smtClean="0"/>
-              <a:t>- </a:t>
-            </a:r>
-            <a:r>
-              <a:rPr lang="ko-KR" altLang="en-US" sz="2400" dirty="0" smtClean="0"/>
-              <a:t>계속 </a:t>
-            </a:r>
-            <a:r>
-              <a:rPr lang="en-US" altLang="ko-KR" sz="2400" dirty="0" smtClean="0"/>
-              <a:t>-</a:t>
-            </a:r>
-            <a:endParaRPr lang="en-US" altLang="ko-KR" sz="4000" dirty="0" smtClean="0"/>
-          </a:p>
-        </p:txBody>
-      </p:sp>
-      <p:pic>
-        <p:nvPicPr>
-          <p:cNvPr id="7" name="Picture 3"/>
-          <p:cNvPicPr>
-            <a:picLocks noChangeAspect="1" noChangeArrowheads="1"/>
-          </p:cNvPicPr>
-          <p:nvPr/>
-        </p:nvPicPr>
-        <p:blipFill>
-          <a:blip r:embed="rId2" cstate="print"/>
-          <a:srcRect/>
-          <a:stretch>
-            <a:fillRect/>
-          </a:stretch>
-        </p:blipFill>
-        <p:spPr bwMode="auto">
-          <a:xfrm>
-            <a:off x="5156448" y="1349152"/>
-            <a:ext cx="3509458" cy="1584176"/>
-          </a:xfrm>
-          <a:prstGeom prst="rect">
-            <a:avLst/>
-          </a:prstGeom>
-          <a:noFill/>
-          <a:ln w="9525">
-            <a:noFill/>
-            <a:miter lim="800000"/>
-            <a:headEnd/>
-            <a:tailEnd/>
-          </a:ln>
-        </p:spPr>
-      </p:pic>
     </p:spTree>
   </p:cSld>
   <p:clrMapOvr>

--- a/EET. Presentation & Summary/회로설계.pptx
+++ b/EET. Presentation & Summary/회로설계.pptx
@@ -9,30 +9,31 @@
     <p:sldId id="257" r:id="rId3"/>
     <p:sldId id="258" r:id="rId4"/>
     <p:sldId id="283" r:id="rId5"/>
-    <p:sldId id="284" r:id="rId6"/>
-    <p:sldId id="261" r:id="rId7"/>
-    <p:sldId id="259" r:id="rId8"/>
-    <p:sldId id="262" r:id="rId9"/>
-    <p:sldId id="267" r:id="rId10"/>
-    <p:sldId id="264" r:id="rId11"/>
-    <p:sldId id="265" r:id="rId12"/>
-    <p:sldId id="266" r:id="rId13"/>
-    <p:sldId id="268" r:id="rId14"/>
-    <p:sldId id="260" r:id="rId15"/>
-    <p:sldId id="269" r:id="rId16"/>
-    <p:sldId id="270" r:id="rId17"/>
-    <p:sldId id="272" r:id="rId18"/>
-    <p:sldId id="271" r:id="rId19"/>
-    <p:sldId id="273" r:id="rId20"/>
-    <p:sldId id="274" r:id="rId21"/>
-    <p:sldId id="275" r:id="rId22"/>
-    <p:sldId id="276" r:id="rId23"/>
-    <p:sldId id="278" r:id="rId24"/>
-    <p:sldId id="279" r:id="rId25"/>
-    <p:sldId id="277" r:id="rId26"/>
-    <p:sldId id="280" r:id="rId27"/>
-    <p:sldId id="281" r:id="rId28"/>
-    <p:sldId id="282" r:id="rId29"/>
+    <p:sldId id="285" r:id="rId6"/>
+    <p:sldId id="284" r:id="rId7"/>
+    <p:sldId id="261" r:id="rId8"/>
+    <p:sldId id="259" r:id="rId9"/>
+    <p:sldId id="262" r:id="rId10"/>
+    <p:sldId id="267" r:id="rId11"/>
+    <p:sldId id="264" r:id="rId12"/>
+    <p:sldId id="265" r:id="rId13"/>
+    <p:sldId id="266" r:id="rId14"/>
+    <p:sldId id="268" r:id="rId15"/>
+    <p:sldId id="260" r:id="rId16"/>
+    <p:sldId id="269" r:id="rId17"/>
+    <p:sldId id="270" r:id="rId18"/>
+    <p:sldId id="272" r:id="rId19"/>
+    <p:sldId id="271" r:id="rId20"/>
+    <p:sldId id="273" r:id="rId21"/>
+    <p:sldId id="274" r:id="rId22"/>
+    <p:sldId id="275" r:id="rId23"/>
+    <p:sldId id="276" r:id="rId24"/>
+    <p:sldId id="278" r:id="rId25"/>
+    <p:sldId id="279" r:id="rId26"/>
+    <p:sldId id="277" r:id="rId27"/>
+    <p:sldId id="280" r:id="rId28"/>
+    <p:sldId id="281" r:id="rId29"/>
+    <p:sldId id="282" r:id="rId30"/>
   </p:sldIdLst>
   <p:sldSz cx="9144000" cy="6858000" type="screen4x3"/>
   <p:notesSz cx="6858000" cy="9144000"/>
@@ -4873,26 +4874,7 @@
             <a:pPr lvl="1"/>
             <a:r>
               <a:rPr lang="ko-KR" altLang="en-US" sz="2000" dirty="0" smtClean="0"/>
-              <a:t>트랜지스터의 선정은 드라이브하는 전압과 전류를 고려하여 선정하며 전류 </a:t>
-            </a:r>
-            <a:r>
-              <a:rPr lang="ko-KR" altLang="en-US" sz="2000" dirty="0" err="1" smtClean="0"/>
-              <a:t>증폭율이나</a:t>
-            </a:r>
-            <a:r>
-              <a:rPr lang="ko-KR" altLang="en-US" sz="2000" dirty="0" smtClean="0"/>
-              <a:t> 주파수 특성은 생각할 필요가 없습니다</a:t>
-            </a:r>
-            <a:r>
-              <a:rPr lang="en-US" altLang="ko-KR" sz="2000" dirty="0" smtClean="0"/>
-              <a:t>.</a:t>
-            </a:r>
-          </a:p>
-          <a:p>
-            <a:pPr lvl="1"/>
-            <a:r>
-              <a:rPr lang="ko-KR" altLang="en-US" sz="2000" dirty="0" smtClean="0"/>
-              <a:t>동작 원리는 </a:t>
+              <a:t>이와 같은 경우 트랜지스터의 사용법은 다음 그림과 같이 사용하는 것이 기본이며 부하전류의 방향에 따라서 </a:t>
             </a:r>
             <a:r>
               <a:rPr lang="en-US" altLang="ko-KR" sz="2000" dirty="0" smtClean="0"/>
@@ -4900,59 +4882,31 @@
             </a:r>
             <a:r>
               <a:rPr lang="ko-KR" altLang="en-US" sz="2000" dirty="0" smtClean="0"/>
-              <a:t>의 경우 디지탈 </a:t>
-            </a:r>
-            <a:r>
-              <a:rPr lang="en-US" altLang="ko-KR" sz="2000" dirty="0" smtClean="0"/>
-              <a:t>IC</a:t>
-            </a:r>
-            <a:r>
-              <a:rPr lang="ko-KR" altLang="en-US" sz="2000" dirty="0" smtClean="0"/>
-              <a:t>의 출력이 </a:t>
-            </a:r>
-            <a:r>
-              <a:rPr lang="en-US" altLang="ko-KR" sz="2000" dirty="0" smtClean="0"/>
-              <a:t>High </a:t>
-            </a:r>
-            <a:r>
-              <a:rPr lang="ko-KR" altLang="en-US" sz="2000" dirty="0" smtClean="0"/>
-              <a:t>가 되면 </a:t>
-            </a:r>
-            <a:r>
-              <a:rPr lang="en-US" altLang="ko-KR" sz="2000" dirty="0" smtClean="0"/>
-              <a:t>4.5V </a:t>
-            </a:r>
-            <a:r>
-              <a:rPr lang="ko-KR" altLang="en-US" sz="2000" dirty="0" smtClean="0"/>
-              <a:t>이상의 전압이 되어 이것이 저항을 통하여 트랜지스터에 </a:t>
-            </a:r>
-            <a:r>
-              <a:rPr lang="en-US" altLang="ko-KR" sz="2000" dirty="0" err="1" smtClean="0"/>
-              <a:t>Ib</a:t>
-            </a:r>
-            <a:r>
-              <a:rPr lang="ko-KR" altLang="en-US" sz="2000" dirty="0" smtClean="0"/>
-              <a:t>가 흐르게하여 트랜지스터가 </a:t>
-            </a:r>
-            <a:r>
-              <a:rPr lang="en-US" altLang="ko-KR" sz="2000" dirty="0" smtClean="0"/>
-              <a:t>On</a:t>
-            </a:r>
-            <a:r>
-              <a:rPr lang="ko-KR" altLang="en-US" sz="2000" dirty="0" smtClean="0"/>
-              <a:t>되고 </a:t>
-            </a:r>
-            <a:r>
-              <a:rPr lang="en-US" altLang="ko-KR" sz="2000" dirty="0" err="1" smtClean="0"/>
-              <a:t>Ic</a:t>
-            </a:r>
-            <a:r>
-              <a:rPr lang="ko-KR" altLang="en-US" sz="2000" dirty="0" smtClean="0"/>
-              <a:t>가 흘러서 부하가 작동합니다</a:t>
-            </a:r>
-            <a:r>
-              <a:rPr lang="en-US" altLang="ko-KR" sz="2000" dirty="0" smtClean="0"/>
-              <a:t>.</a:t>
+              <a:t>，</a:t>
+            </a:r>
+            <a:r>
+              <a:rPr lang="en-US" altLang="ko-KR" sz="2000" dirty="0" smtClean="0"/>
+              <a:t>(b)</a:t>
+            </a:r>
+            <a:r>
+              <a:rPr lang="ko-KR" altLang="en-US" sz="2000" dirty="0" smtClean="0"/>
+              <a:t>의 두가지 사용법이 있고 사용하는 트랜지스터도 </a:t>
+            </a:r>
+            <a:r>
+              <a:rPr lang="en-US" altLang="ko-KR" sz="2000" dirty="0" smtClean="0"/>
+              <a:t>NPN</a:t>
+            </a:r>
+            <a:r>
+              <a:rPr lang="ko-KR" altLang="en-US" sz="2000" dirty="0" smtClean="0"/>
+              <a:t>형과 </a:t>
+            </a:r>
+            <a:r>
+              <a:rPr lang="en-US" altLang="ko-KR" sz="2000" dirty="0" smtClean="0"/>
+              <a:t>PNP</a:t>
+            </a:r>
+            <a:r>
+              <a:rPr lang="ko-KR" altLang="en-US" sz="2000" dirty="0" smtClean="0"/>
+              <a:t>형으로 각각 구분하여 사용해야 합니다．</a:t>
             </a:r>
             <a:endParaRPr lang="ko-KR" altLang="en-US" dirty="0"/>
           </a:p>
@@ -5123,15 +5077,34 @@
             <a:pPr lvl="1"/>
             <a:r>
               <a:rPr lang="ko-KR" altLang="en-US" sz="2000" dirty="0" smtClean="0"/>
-              <a:t>역으로 </a:t>
+              <a:t>트랜지스터의 선정은 드라이브하는 전압과 전류를 고려하여 선정하며 전류 </a:t>
             </a:r>
             <a:r>
               <a:rPr lang="ko-KR" altLang="en-US" sz="2000" dirty="0" err="1" smtClean="0"/>
-              <a:t>디지탈</a:t>
-            </a:r>
-            <a:r>
-              <a:rPr lang="ko-KR" altLang="en-US" sz="2000" dirty="0" smtClean="0"/>
-              <a:t> </a:t>
+              <a:t>증폭율이나</a:t>
+            </a:r>
+            <a:r>
+              <a:rPr lang="ko-KR" altLang="en-US" sz="2000" dirty="0" smtClean="0"/>
+              <a:t> 주파수 특성은 생각할 필요가 없습니다</a:t>
+            </a:r>
+            <a:r>
+              <a:rPr lang="en-US" altLang="ko-KR" sz="2000" dirty="0" smtClean="0"/>
+              <a:t>.</a:t>
+            </a:r>
+          </a:p>
+          <a:p>
+            <a:pPr lvl="1"/>
+            <a:r>
+              <a:rPr lang="ko-KR" altLang="en-US" sz="2000" dirty="0" smtClean="0"/>
+              <a:t>동작 원리는 </a:t>
+            </a:r>
+            <a:r>
+              <a:rPr lang="en-US" altLang="ko-KR" sz="2000" dirty="0" smtClean="0"/>
+              <a:t>(a)</a:t>
+            </a:r>
+            <a:r>
+              <a:rPr lang="ko-KR" altLang="en-US" sz="2000" dirty="0" smtClean="0"/>
+              <a:t>의 경우 디지탈 </a:t>
             </a:r>
             <a:r>
               <a:rPr lang="en-US" altLang="ko-KR" sz="2000" dirty="0" smtClean="0"/>
@@ -5143,31 +5116,19 @@
             </a:r>
             <a:r>
               <a:rPr lang="en-US" altLang="ko-KR" sz="2000" dirty="0" smtClean="0"/>
-              <a:t>Low</a:t>
-            </a:r>
-            <a:r>
-              <a:rPr lang="ko-KR" altLang="en-US" sz="2000" dirty="0" smtClean="0"/>
-              <a:t>로 되면 트랜지스터의 </a:t>
-            </a:r>
-            <a:r>
-              <a:rPr lang="en-US" altLang="ko-KR" sz="2000" dirty="0" err="1" smtClean="0"/>
-              <a:t>Vbe</a:t>
-            </a:r>
-            <a:r>
-              <a:rPr lang="en-US" altLang="ko-KR" sz="2000" dirty="0" smtClean="0"/>
-              <a:t>(0.6V </a:t>
-            </a:r>
-            <a:r>
-              <a:rPr lang="ko-KR" altLang="en-US" sz="2000" dirty="0" smtClean="0"/>
-              <a:t>정도）보다 작은 출력전압</a:t>
-            </a:r>
-            <a:r>
-              <a:rPr lang="en-US" altLang="ko-KR" sz="2000" dirty="0" smtClean="0"/>
-              <a:t>(0.2V </a:t>
-            </a:r>
-            <a:r>
-              <a:rPr lang="ko-KR" altLang="en-US" sz="2000" dirty="0" smtClean="0"/>
-              <a:t>정도）이 되기 때문에 </a:t>
+              <a:t>High </a:t>
+            </a:r>
+            <a:r>
+              <a:rPr lang="ko-KR" altLang="en-US" sz="2000" dirty="0" smtClean="0"/>
+              <a:t>가 되면 </a:t>
+            </a:r>
+            <a:r>
+              <a:rPr lang="en-US" altLang="ko-KR" sz="2000" dirty="0" smtClean="0"/>
+              <a:t>4.5V </a:t>
+            </a:r>
+            <a:r>
+              <a:rPr lang="ko-KR" altLang="en-US" sz="2000" dirty="0" smtClean="0"/>
+              <a:t>이상의 전압이 되어 이것이 저항을 통하여 트랜지스터에 </a:t>
             </a:r>
             <a:r>
               <a:rPr lang="en-US" altLang="ko-KR" sz="2000" dirty="0" err="1" smtClean="0"/>
@@ -5175,96 +5136,29 @@
             </a:r>
             <a:r>
               <a:rPr lang="ko-KR" altLang="en-US" sz="2000" dirty="0" smtClean="0"/>
-              <a:t>는 흐르지 않아서 트랜지스터가 </a:t>
-            </a:r>
-            <a:r>
-              <a:rPr lang="en-US" altLang="ko-KR" sz="2000" dirty="0" smtClean="0"/>
-              <a:t>Off</a:t>
-            </a:r>
-            <a:r>
-              <a:rPr lang="ko-KR" altLang="en-US" sz="2000" dirty="0" smtClean="0"/>
-              <a:t>되어 부하전류도 흐르지 않게 됩니다</a:t>
+              <a:t>가 흐르게하여 트랜지스터가 </a:t>
+            </a:r>
+            <a:r>
+              <a:rPr lang="en-US" altLang="ko-KR" sz="2000" dirty="0" smtClean="0"/>
+              <a:t>On</a:t>
+            </a:r>
+            <a:r>
+              <a:rPr lang="ko-KR" altLang="en-US" sz="2000" dirty="0" smtClean="0"/>
+              <a:t>되고 </a:t>
+            </a:r>
+            <a:r>
+              <a:rPr lang="en-US" altLang="ko-KR" sz="2000" dirty="0" err="1" smtClean="0"/>
+              <a:t>Ic</a:t>
+            </a:r>
+            <a:r>
+              <a:rPr lang="ko-KR" altLang="en-US" sz="2000" dirty="0" smtClean="0"/>
+              <a:t>가 흘러서 부하가 작동합니다</a:t>
             </a:r>
             <a:r>
               <a:rPr lang="en-US" altLang="ko-KR" sz="2000" dirty="0" smtClean="0"/>
               <a:t>.</a:t>
             </a:r>
-          </a:p>
-          <a:p>
-            <a:pPr lvl="1"/>
-            <a:endParaRPr lang="en-US" altLang="ko-KR" sz="2000" dirty="0" smtClean="0"/>
-          </a:p>
-          <a:p>
-            <a:pPr lvl="1"/>
-            <a:r>
-              <a:rPr lang="en-US" altLang="ko-KR" sz="2000" dirty="0" smtClean="0"/>
-              <a:t>(b)</a:t>
-            </a:r>
-            <a:r>
-              <a:rPr lang="ko-KR" altLang="en-US" sz="2000" dirty="0" smtClean="0"/>
-              <a:t>의 경우에는 반대로 디지탈 </a:t>
-            </a:r>
-            <a:r>
-              <a:rPr lang="en-US" altLang="ko-KR" sz="2000" dirty="0" smtClean="0"/>
-              <a:t>IC</a:t>
-            </a:r>
-            <a:r>
-              <a:rPr lang="ko-KR" altLang="en-US" sz="2000" dirty="0" smtClean="0"/>
-              <a:t>의 출력이 </a:t>
-            </a:r>
-            <a:r>
-              <a:rPr lang="en-US" altLang="ko-KR" sz="2000" dirty="0" smtClean="0"/>
-              <a:t>High</a:t>
-            </a:r>
-            <a:r>
-              <a:rPr lang="ko-KR" altLang="en-US" sz="2000" dirty="0" smtClean="0"/>
-              <a:t>가 되면 트랜지스터는 </a:t>
-            </a:r>
-            <a:r>
-              <a:rPr lang="en-US" altLang="ko-KR" sz="2000" dirty="0" smtClean="0"/>
-              <a:t>Off </a:t>
-            </a:r>
-            <a:r>
-              <a:rPr lang="ko-KR" altLang="en-US" sz="2000" dirty="0" smtClean="0"/>
-              <a:t>되어 부하전류는 흐르지 않으며，</a:t>
-            </a:r>
-            <a:r>
-              <a:rPr lang="ko-KR" altLang="en-US" sz="2000" dirty="0" err="1" smtClean="0"/>
-              <a:t>디지탈</a:t>
-            </a:r>
-            <a:r>
-              <a:rPr lang="ko-KR" altLang="en-US" sz="2000" dirty="0" smtClean="0"/>
-              <a:t> </a:t>
-            </a:r>
-            <a:r>
-              <a:rPr lang="en-US" altLang="ko-KR" sz="2000" dirty="0" smtClean="0"/>
-              <a:t>IC </a:t>
-            </a:r>
-            <a:r>
-              <a:rPr lang="ko-KR" altLang="en-US" sz="2000" dirty="0" smtClean="0"/>
-              <a:t>출력이 </a:t>
-            </a:r>
-            <a:r>
-              <a:rPr lang="en-US" altLang="ko-KR" sz="2000" dirty="0" smtClean="0"/>
-              <a:t>Low</a:t>
-            </a:r>
-            <a:r>
-              <a:rPr lang="ko-KR" altLang="en-US" sz="2000" dirty="0" smtClean="0"/>
-              <a:t>로 되면 트랜지스터가 </a:t>
-            </a:r>
-            <a:r>
-              <a:rPr lang="en-US" altLang="ko-KR" sz="2000" dirty="0" smtClean="0"/>
-              <a:t>On </a:t>
-            </a:r>
-            <a:r>
-              <a:rPr lang="ko-KR" altLang="en-US" sz="2000" dirty="0" smtClean="0"/>
-              <a:t>되어 부하에 전류가 흐르게 됩니다</a:t>
-            </a:r>
-            <a:r>
-              <a:rPr lang="en-US" altLang="ko-KR" sz="2000" dirty="0" smtClean="0"/>
-              <a:t>.</a:t>
-            </a:r>
-            <a:endParaRPr lang="ko-KR" altLang="en-US" sz="2000" dirty="0"/>
+            <a:endParaRPr lang="ko-KR" altLang="en-US" dirty="0"/>
           </a:p>
         </p:txBody>
       </p:sp>
@@ -5348,6 +5242,316 @@
 </file>
 
 <file path=ppt/slides/slide12.xml><?xml version="1.0" encoding="utf-8"?>
+<p:sld xmlns:a="http://schemas.openxmlformats.org/drawingml/2006/main" xmlns:r="http://schemas.openxmlformats.org/officeDocument/2006/relationships" xmlns:p="http://schemas.openxmlformats.org/presentationml/2006/main">
+  <p:cSld>
+    <p:spTree>
+      <p:nvGrpSpPr>
+        <p:cNvPr id="1" name=""/>
+        <p:cNvGrpSpPr/>
+        <p:nvPr/>
+      </p:nvGrpSpPr>
+      <p:grpSpPr>
+        <a:xfrm>
+          <a:off x="0" y="0"/>
+          <a:ext cx="0" cy="0"/>
+          <a:chOff x="0" y="0"/>
+          <a:chExt cx="0" cy="0"/>
+        </a:xfrm>
+      </p:grpSpPr>
+      <p:sp>
+        <p:nvSpPr>
+          <p:cNvPr id="3" name="제목 2"/>
+          <p:cNvSpPr>
+            <a:spLocks noGrp="1"/>
+          </p:cNvSpPr>
+          <p:nvPr>
+            <p:ph type="title"/>
+          </p:nvPr>
+        </p:nvSpPr>
+        <p:spPr/>
+        <p:txBody>
+          <a:bodyPr>
+            <a:normAutofit fontScale="90000"/>
+          </a:bodyPr>
+          <a:lstStyle/>
+          <a:p>
+            <a:r>
+              <a:rPr lang="en-US" altLang="ko-KR" dirty="0" smtClean="0"/>
+              <a:t>Transistor –</a:t>
+            </a:r>
+            <a:r>
+              <a:rPr lang="ko-KR" altLang="en-US" dirty="0" smtClean="0"/>
+              <a:t> </a:t>
+            </a:r>
+            <a:r>
+              <a:rPr lang="ko-KR" altLang="en-US" dirty="0" err="1" smtClean="0"/>
+              <a:t>디지탈</a:t>
+            </a:r>
+            <a:r>
+              <a:rPr lang="ko-KR" altLang="en-US" dirty="0" smtClean="0"/>
+              <a:t> 회로에서 사용법</a:t>
+            </a:r>
+            <a:endParaRPr lang="ko-KR" altLang="en-US" dirty="0"/>
+          </a:p>
+        </p:txBody>
+      </p:sp>
+      <p:sp>
+        <p:nvSpPr>
+          <p:cNvPr id="6" name="내용 개체 틀 5"/>
+          <p:cNvSpPr>
+            <a:spLocks noGrp="1"/>
+          </p:cNvSpPr>
+          <p:nvPr>
+            <p:ph idx="1"/>
+          </p:nvPr>
+        </p:nvSpPr>
+        <p:spPr>
+          <a:xfrm>
+            <a:off x="457200" y="2708920"/>
+            <a:ext cx="8229600" cy="3658411"/>
+          </a:xfrm>
+        </p:spPr>
+        <p:txBody>
+          <a:bodyPr>
+            <a:normAutofit/>
+          </a:bodyPr>
+          <a:lstStyle/>
+          <a:p>
+            <a:r>
+              <a:rPr lang="ko-KR" altLang="en-US" dirty="0" smtClean="0"/>
+              <a:t>큰 부하 제어</a:t>
+            </a:r>
+            <a:endParaRPr lang="en-US" altLang="ko-KR" dirty="0" smtClean="0"/>
+          </a:p>
+          <a:p>
+            <a:pPr lvl="1"/>
+            <a:r>
+              <a:rPr lang="ko-KR" altLang="en-US" sz="2000" dirty="0" smtClean="0"/>
+              <a:t>역으로 </a:t>
+            </a:r>
+            <a:r>
+              <a:rPr lang="ko-KR" altLang="en-US" sz="2000" dirty="0" err="1" smtClean="0"/>
+              <a:t>디지탈</a:t>
+            </a:r>
+            <a:r>
+              <a:rPr lang="ko-KR" altLang="en-US" sz="2000" dirty="0" smtClean="0"/>
+              <a:t> </a:t>
+            </a:r>
+            <a:r>
+              <a:rPr lang="en-US" altLang="ko-KR" sz="2000" dirty="0" smtClean="0"/>
+              <a:t>IC</a:t>
+            </a:r>
+            <a:r>
+              <a:rPr lang="ko-KR" altLang="en-US" sz="2000" dirty="0" smtClean="0"/>
+              <a:t>의 출력이 </a:t>
+            </a:r>
+            <a:r>
+              <a:rPr lang="en-US" altLang="ko-KR" sz="2000" dirty="0" smtClean="0"/>
+              <a:t>Low</a:t>
+            </a:r>
+            <a:r>
+              <a:rPr lang="ko-KR" altLang="en-US" sz="2000" dirty="0" smtClean="0"/>
+              <a:t>로 되면 트랜지스터의 </a:t>
+            </a:r>
+            <a:r>
+              <a:rPr lang="en-US" altLang="ko-KR" sz="2000" dirty="0" err="1" smtClean="0"/>
+              <a:t>Vbe</a:t>
+            </a:r>
+            <a:r>
+              <a:rPr lang="en-US" altLang="ko-KR" sz="2000" dirty="0" smtClean="0"/>
+              <a:t>(0.6V </a:t>
+            </a:r>
+            <a:r>
+              <a:rPr lang="ko-KR" altLang="en-US" sz="2000" dirty="0" smtClean="0"/>
+              <a:t>정도）보다 작은 출력전압</a:t>
+            </a:r>
+            <a:r>
+              <a:rPr lang="en-US" altLang="ko-KR" sz="2000" dirty="0" smtClean="0"/>
+              <a:t>(0.2V </a:t>
+            </a:r>
+            <a:r>
+              <a:rPr lang="ko-KR" altLang="en-US" sz="2000" dirty="0" smtClean="0"/>
+              <a:t>정도）이 되기 때문에 </a:t>
+            </a:r>
+            <a:r>
+              <a:rPr lang="en-US" altLang="ko-KR" sz="2000" dirty="0" err="1" smtClean="0"/>
+              <a:t>Ib</a:t>
+            </a:r>
+            <a:r>
+              <a:rPr lang="ko-KR" altLang="en-US" sz="2000" dirty="0" smtClean="0"/>
+              <a:t>는 흐르지 않아서 트랜지스터가 </a:t>
+            </a:r>
+            <a:r>
+              <a:rPr lang="en-US" altLang="ko-KR" sz="2000" dirty="0" smtClean="0"/>
+              <a:t>Off</a:t>
+            </a:r>
+            <a:r>
+              <a:rPr lang="ko-KR" altLang="en-US" sz="2000" dirty="0" smtClean="0"/>
+              <a:t>되어 부하전류도 흐르지 않게 됩니다</a:t>
+            </a:r>
+            <a:r>
+              <a:rPr lang="en-US" altLang="ko-KR" sz="2000" dirty="0" smtClean="0"/>
+              <a:t>.</a:t>
+            </a:r>
+          </a:p>
+          <a:p>
+            <a:pPr lvl="1"/>
+            <a:endParaRPr lang="en-US" altLang="ko-KR" sz="2000" dirty="0" smtClean="0"/>
+          </a:p>
+          <a:p>
+            <a:pPr lvl="1"/>
+            <a:r>
+              <a:rPr lang="en-US" altLang="ko-KR" sz="2000" dirty="0" smtClean="0"/>
+              <a:t>(b)</a:t>
+            </a:r>
+            <a:r>
+              <a:rPr lang="ko-KR" altLang="en-US" sz="2000" dirty="0" smtClean="0"/>
+              <a:t>의 경우에는 반대로 디지탈 </a:t>
+            </a:r>
+            <a:r>
+              <a:rPr lang="en-US" altLang="ko-KR" sz="2000" dirty="0" smtClean="0"/>
+              <a:t>IC</a:t>
+            </a:r>
+            <a:r>
+              <a:rPr lang="ko-KR" altLang="en-US" sz="2000" dirty="0" smtClean="0"/>
+              <a:t>의 출력이 </a:t>
+            </a:r>
+            <a:r>
+              <a:rPr lang="en-US" altLang="ko-KR" sz="2000" dirty="0" smtClean="0"/>
+              <a:t>High</a:t>
+            </a:r>
+            <a:r>
+              <a:rPr lang="ko-KR" altLang="en-US" sz="2000" dirty="0" smtClean="0"/>
+              <a:t>가 되면 트랜지스터는 </a:t>
+            </a:r>
+            <a:r>
+              <a:rPr lang="en-US" altLang="ko-KR" sz="2000" dirty="0" smtClean="0"/>
+              <a:t>Off </a:t>
+            </a:r>
+            <a:r>
+              <a:rPr lang="ko-KR" altLang="en-US" sz="2000" dirty="0" smtClean="0"/>
+              <a:t>되어 부하전류는 흐르지 않으며，</a:t>
+            </a:r>
+            <a:r>
+              <a:rPr lang="ko-KR" altLang="en-US" sz="2000" dirty="0" err="1" smtClean="0"/>
+              <a:t>디지탈</a:t>
+            </a:r>
+            <a:r>
+              <a:rPr lang="ko-KR" altLang="en-US" sz="2000" dirty="0" smtClean="0"/>
+              <a:t> </a:t>
+            </a:r>
+            <a:r>
+              <a:rPr lang="en-US" altLang="ko-KR" sz="2000" dirty="0" smtClean="0"/>
+              <a:t>IC </a:t>
+            </a:r>
+            <a:r>
+              <a:rPr lang="ko-KR" altLang="en-US" sz="2000" dirty="0" smtClean="0"/>
+              <a:t>출력이 </a:t>
+            </a:r>
+            <a:r>
+              <a:rPr lang="en-US" altLang="ko-KR" sz="2000" dirty="0" smtClean="0"/>
+              <a:t>Low</a:t>
+            </a:r>
+            <a:r>
+              <a:rPr lang="ko-KR" altLang="en-US" sz="2000" dirty="0" smtClean="0"/>
+              <a:t>로 되면 트랜지스터가 </a:t>
+            </a:r>
+            <a:r>
+              <a:rPr lang="en-US" altLang="ko-KR" sz="2000" dirty="0" smtClean="0"/>
+              <a:t>On </a:t>
+            </a:r>
+            <a:r>
+              <a:rPr lang="ko-KR" altLang="en-US" sz="2000" dirty="0" smtClean="0"/>
+              <a:t>되어 부하에 전류가 흐르게 됩니다</a:t>
+            </a:r>
+            <a:r>
+              <a:rPr lang="en-US" altLang="ko-KR" sz="2000" dirty="0" smtClean="0"/>
+              <a:t>.</a:t>
+            </a:r>
+            <a:endParaRPr lang="ko-KR" altLang="en-US" sz="2000" dirty="0"/>
+          </a:p>
+        </p:txBody>
+      </p:sp>
+      <p:pic>
+        <p:nvPicPr>
+          <p:cNvPr id="4" name="Picture 3"/>
+          <p:cNvPicPr>
+            <a:picLocks noChangeAspect="1" noChangeArrowheads="1"/>
+          </p:cNvPicPr>
+          <p:nvPr/>
+        </p:nvPicPr>
+        <p:blipFill>
+          <a:blip r:embed="rId2" cstate="print"/>
+          <a:srcRect/>
+          <a:stretch>
+            <a:fillRect/>
+          </a:stretch>
+        </p:blipFill>
+        <p:spPr bwMode="auto">
+          <a:xfrm>
+            <a:off x="5004048" y="1196752"/>
+            <a:ext cx="3509458" cy="1584176"/>
+          </a:xfrm>
+          <a:prstGeom prst="rect">
+            <a:avLst/>
+          </a:prstGeom>
+          <a:noFill/>
+          <a:ln w="9525">
+            <a:noFill/>
+            <a:miter lim="800000"/>
+            <a:headEnd/>
+            <a:tailEnd/>
+          </a:ln>
+        </p:spPr>
+      </p:pic>
+      <p:sp>
+        <p:nvSpPr>
+          <p:cNvPr id="5" name="TextBox 4"/>
+          <p:cNvSpPr txBox="1"/>
+          <p:nvPr/>
+        </p:nvSpPr>
+        <p:spPr>
+          <a:xfrm>
+            <a:off x="3923928" y="6279703"/>
+            <a:ext cx="1368152" cy="461665"/>
+          </a:xfrm>
+          <a:prstGeom prst="rect">
+            <a:avLst/>
+          </a:prstGeom>
+          <a:noFill/>
+        </p:spPr>
+        <p:txBody>
+          <a:bodyPr wrap="square" rtlCol="0">
+            <a:spAutoFit/>
+          </a:bodyPr>
+          <a:lstStyle/>
+          <a:p>
+            <a:pPr marL="0" lvl="1"/>
+            <a:r>
+              <a:rPr lang="en-US" altLang="ko-KR" sz="2400" smtClean="0"/>
+              <a:t>- </a:t>
+            </a:r>
+            <a:r>
+              <a:rPr lang="ko-KR" altLang="en-US" sz="2400" dirty="0" smtClean="0"/>
+              <a:t>계속 </a:t>
+            </a:r>
+            <a:r>
+              <a:rPr lang="en-US" altLang="ko-KR" sz="2400" dirty="0" smtClean="0"/>
+              <a:t>-</a:t>
+            </a:r>
+            <a:endParaRPr lang="en-US" altLang="ko-KR" sz="4000" dirty="0" smtClean="0"/>
+          </a:p>
+        </p:txBody>
+      </p:sp>
+    </p:spTree>
+  </p:cSld>
+  <p:clrMapOvr>
+    <a:masterClrMapping/>
+  </p:clrMapOvr>
+</p:sld>
+</file>
+
+<file path=ppt/slides/slide13.xml><?xml version="1.0" encoding="utf-8"?>
 <p:sld xmlns:a="http://schemas.openxmlformats.org/drawingml/2006/main" xmlns:r="http://schemas.openxmlformats.org/officeDocument/2006/relationships" xmlns:p="http://schemas.openxmlformats.org/presentationml/2006/main">
   <p:cSld>
     <p:spTree>
@@ -5674,7 +5878,7 @@
 </p:sld>
 </file>
 
-<file path=ppt/slides/slide13.xml><?xml version="1.0" encoding="utf-8"?>
+<file path=ppt/slides/slide14.xml><?xml version="1.0" encoding="utf-8"?>
 <p:sld xmlns:a="http://schemas.openxmlformats.org/drawingml/2006/main" xmlns:r="http://schemas.openxmlformats.org/officeDocument/2006/relationships" xmlns:p="http://schemas.openxmlformats.org/presentationml/2006/main">
   <p:cSld>
     <p:spTree>
@@ -5906,218 +6110,6 @@
 </p:sld>
 </file>
 
-<file path=ppt/slides/slide14.xml><?xml version="1.0" encoding="utf-8"?>
-<p:sld xmlns:a="http://schemas.openxmlformats.org/drawingml/2006/main" xmlns:r="http://schemas.openxmlformats.org/officeDocument/2006/relationships" xmlns:p="http://schemas.openxmlformats.org/presentationml/2006/main">
-  <p:cSld>
-    <p:spTree>
-      <p:nvGrpSpPr>
-        <p:cNvPr id="1" name=""/>
-        <p:cNvGrpSpPr/>
-        <p:nvPr/>
-      </p:nvGrpSpPr>
-      <p:grpSpPr>
-        <a:xfrm>
-          <a:off x="0" y="0"/>
-          <a:ext cx="0" cy="0"/>
-          <a:chOff x="0" y="0"/>
-          <a:chExt cx="0" cy="0"/>
-        </a:xfrm>
-      </p:grpSpPr>
-      <p:sp>
-        <p:nvSpPr>
-          <p:cNvPr id="3" name="제목 2"/>
-          <p:cNvSpPr>
-            <a:spLocks noGrp="1"/>
-          </p:cNvSpPr>
-          <p:nvPr>
-            <p:ph type="title"/>
-          </p:nvPr>
-        </p:nvSpPr>
-        <p:spPr/>
-        <p:txBody>
-          <a:bodyPr>
-            <a:normAutofit/>
-          </a:bodyPr>
-          <a:lstStyle/>
-          <a:p>
-            <a:r>
-              <a:rPr lang="en-US" altLang="ko-KR" dirty="0" smtClean="0"/>
-              <a:t>Transistor-</a:t>
-            </a:r>
-            <a:r>
-              <a:rPr lang="ko-KR" altLang="en-US" dirty="0" smtClean="0"/>
-              <a:t> 전압레벨 변환 방법</a:t>
-            </a:r>
-            <a:endParaRPr lang="ko-KR" altLang="en-US" dirty="0"/>
-          </a:p>
-        </p:txBody>
-      </p:sp>
-      <p:sp>
-        <p:nvSpPr>
-          <p:cNvPr id="4" name="내용 개체 틀 3"/>
-          <p:cNvSpPr>
-            <a:spLocks noGrp="1"/>
-          </p:cNvSpPr>
-          <p:nvPr>
-            <p:ph idx="1"/>
-          </p:nvPr>
-        </p:nvSpPr>
-        <p:spPr>
-          <a:xfrm>
-            <a:off x="4067944" y="1484784"/>
-            <a:ext cx="4618856" cy="4522507"/>
-          </a:xfrm>
-        </p:spPr>
-        <p:txBody>
-          <a:bodyPr>
-            <a:normAutofit lnSpcReduction="10000"/>
-          </a:bodyPr>
-          <a:lstStyle/>
-          <a:p>
-            <a:pPr>
-              <a:buFont typeface="Wingdings" pitchFamily="2" charset="2"/>
-              <a:buChar char="v"/>
-            </a:pPr>
-            <a:r>
-              <a:rPr lang="ko-KR" altLang="en-US" sz="2000" dirty="0" smtClean="0"/>
-              <a:t>각종 </a:t>
-            </a:r>
-            <a:r>
-              <a:rPr lang="ko-KR" altLang="en-US" sz="2000" dirty="0" err="1" smtClean="0"/>
-              <a:t>센서류는</a:t>
-            </a:r>
-            <a:r>
-              <a:rPr lang="ko-KR" altLang="en-US" sz="2000" dirty="0" smtClean="0"/>
-              <a:t> 출력 전압이 낮아서 </a:t>
-            </a:r>
-            <a:r>
-              <a:rPr lang="ko-KR" altLang="en-US" sz="2000" dirty="0" err="1" smtClean="0"/>
-              <a:t>디지탈</a:t>
-            </a:r>
-            <a:r>
-              <a:rPr lang="ko-KR" altLang="en-US" sz="2000" dirty="0" smtClean="0"/>
-              <a:t> 회로에 직접입력으로 사용하기 부적절한 경우가 많으며 이때 트랜지스터로 전압레벨을 증폭하여 사용합니다</a:t>
-            </a:r>
-            <a:r>
-              <a:rPr lang="en-US" altLang="ko-KR" sz="2000" dirty="0" smtClean="0"/>
-              <a:t>. </a:t>
-            </a:r>
-          </a:p>
-          <a:p>
-            <a:pPr>
-              <a:buFont typeface="Wingdings" pitchFamily="2" charset="2"/>
-              <a:buChar char="v"/>
-            </a:pPr>
-            <a:r>
-              <a:rPr lang="ko-KR" altLang="en-US" sz="2000" dirty="0" smtClean="0"/>
-              <a:t>이때는 결국 직류전압증폭기로 사용하는 것이 되기 때문에 본래의 기본증폭 회로로 구성하면 되나 </a:t>
-            </a:r>
-            <a:r>
-              <a:rPr lang="en-US" altLang="ko-KR" sz="2000" dirty="0" smtClean="0"/>
-              <a:t>On/Off</a:t>
-            </a:r>
-            <a:r>
-              <a:rPr lang="ko-KR" altLang="en-US" sz="2000" dirty="0" smtClean="0"/>
-              <a:t>를 판정하는 정도면 족하기 때문에 회로를 </a:t>
-            </a:r>
-            <a:r>
-              <a:rPr lang="ko-KR" altLang="en-US" sz="2000" dirty="0" err="1" smtClean="0"/>
-              <a:t>간략화</a:t>
-            </a:r>
-            <a:r>
-              <a:rPr lang="ko-KR" altLang="en-US" sz="2000" dirty="0" smtClean="0"/>
-              <a:t> 할 수 있습니다</a:t>
-            </a:r>
-            <a:r>
-              <a:rPr lang="en-US" altLang="ko-KR" sz="2000" dirty="0" smtClean="0"/>
-              <a:t>.</a:t>
-            </a:r>
-          </a:p>
-          <a:p>
-            <a:pPr>
-              <a:buFont typeface="Wingdings" pitchFamily="2" charset="2"/>
-              <a:buChar char="v"/>
-            </a:pPr>
-            <a:r>
-              <a:rPr lang="ko-KR" altLang="en-US" sz="2000" dirty="0" smtClean="0"/>
-              <a:t>실제로 사용하는 회로는 그림과 같이 되며 입력으로 사용된 센서의 출력 전압이 평상시는 거의 </a:t>
-            </a:r>
-            <a:r>
-              <a:rPr lang="en-US" altLang="ko-KR" sz="2000" dirty="0" smtClean="0"/>
-              <a:t>0V</a:t>
-            </a:r>
-            <a:r>
-              <a:rPr lang="ko-KR" altLang="en-US" sz="2000" dirty="0" smtClean="0"/>
-              <a:t>이고 검출시에 </a:t>
-            </a:r>
-            <a:r>
-              <a:rPr lang="en-US" altLang="ko-KR" sz="2000" dirty="0" smtClean="0"/>
-              <a:t>0.6V </a:t>
-            </a:r>
-            <a:r>
-              <a:rPr lang="ko-KR" altLang="en-US" sz="2000" dirty="0" err="1" smtClean="0"/>
-              <a:t>이상일때와</a:t>
-            </a:r>
-            <a:r>
-              <a:rPr lang="ko-KR" altLang="en-US" sz="2000" dirty="0" smtClean="0"/>
-              <a:t> </a:t>
-            </a:r>
-            <a:r>
-              <a:rPr lang="en-US" altLang="ko-KR" sz="2000" dirty="0" smtClean="0"/>
-              <a:t>0.6V </a:t>
-            </a:r>
-            <a:r>
-              <a:rPr lang="ko-KR" altLang="en-US" sz="2000" dirty="0" smtClean="0"/>
-              <a:t>이하 일 때 회로가 조금 다르게 됩니다</a:t>
-            </a:r>
-            <a:r>
-              <a:rPr lang="en-US" altLang="ko-KR" sz="2000" dirty="0" smtClean="0"/>
-              <a:t>.</a:t>
-            </a:r>
-            <a:endParaRPr lang="ko-KR" altLang="en-US" sz="2000" dirty="0"/>
-          </a:p>
-        </p:txBody>
-      </p:sp>
-      <p:pic>
-        <p:nvPicPr>
-          <p:cNvPr id="3074" name="Picture 2"/>
-          <p:cNvPicPr>
-            <a:picLocks noChangeAspect="1" noChangeArrowheads="1"/>
-          </p:cNvPicPr>
-          <p:nvPr/>
-        </p:nvPicPr>
-        <p:blipFill>
-          <a:blip r:embed="rId2" cstate="print"/>
-          <a:srcRect/>
-          <a:stretch>
-            <a:fillRect/>
-          </a:stretch>
-        </p:blipFill>
-        <p:spPr bwMode="auto">
-          <a:xfrm>
-            <a:off x="493017" y="2060848"/>
-            <a:ext cx="3545633" cy="2736304"/>
-          </a:xfrm>
-          <a:prstGeom prst="rect">
-            <a:avLst/>
-          </a:prstGeom>
-          <a:noFill/>
-          <a:ln w="9525">
-            <a:noFill/>
-            <a:miter lim="800000"/>
-            <a:headEnd/>
-            <a:tailEnd/>
-          </a:ln>
-        </p:spPr>
-      </p:pic>
-    </p:spTree>
-  </p:cSld>
-  <p:clrMapOvr>
-    <a:masterClrMapping/>
-  </p:clrMapOvr>
-</p:sld>
-</file>
-
 <file path=ppt/slides/slide15.xml><?xml version="1.0" encoding="utf-8"?>
 <p:sld xmlns:a="http://schemas.openxmlformats.org/drawingml/2006/main" xmlns:r="http://schemas.openxmlformats.org/officeDocument/2006/relationships" xmlns:p="http://schemas.openxmlformats.org/presentationml/2006/main">
   <p:cSld>
@@ -6177,12 +6169,12 @@
         <p:spPr>
           <a:xfrm>
             <a:off x="4067944" y="1484784"/>
-            <a:ext cx="4618856" cy="5040560"/>
+            <a:ext cx="4618856" cy="4522507"/>
           </a:xfrm>
         </p:spPr>
         <p:txBody>
           <a:bodyPr>
-            <a:noAutofit/>
+            <a:normAutofit lnSpcReduction="10000"/>
           </a:bodyPr>
           <a:lstStyle/>
           <a:p>
@@ -6191,111 +6183,27 @@
               <a:buChar char="v"/>
             </a:pPr>
             <a:r>
-              <a:rPr lang="en-US" altLang="ko-KR" sz="1500" dirty="0" smtClean="0"/>
-              <a:t>(a)</a:t>
-            </a:r>
-            <a:r>
-              <a:rPr lang="ko-KR" altLang="en-US" sz="1500" dirty="0" smtClean="0"/>
-              <a:t>의 회로에서 센서의 출력이 평상시 </a:t>
-            </a:r>
-            <a:r>
-              <a:rPr lang="en-US" altLang="ko-KR" sz="1500" dirty="0" smtClean="0"/>
-              <a:t>0V</a:t>
-            </a:r>
-            <a:r>
-              <a:rPr lang="ko-KR" altLang="en-US" sz="1500" dirty="0" smtClean="0"/>
-              <a:t>에 가깝기 때문에 트랜지스터는 </a:t>
-            </a:r>
-            <a:r>
-              <a:rPr lang="en-US" altLang="ko-KR" sz="1500" dirty="0" smtClean="0"/>
-              <a:t>Off </a:t>
-            </a:r>
-            <a:r>
-              <a:rPr lang="ko-KR" altLang="en-US" sz="1500" dirty="0" smtClean="0"/>
-              <a:t>되어 디지털 </a:t>
-            </a:r>
-            <a:r>
-              <a:rPr lang="en-US" altLang="ko-KR" sz="1500" dirty="0" smtClean="0"/>
-              <a:t>IC</a:t>
-            </a:r>
-            <a:r>
-              <a:rPr lang="ko-KR" altLang="en-US" sz="1500" dirty="0" smtClean="0"/>
-              <a:t>의 입력은 거의 전원전압에 가까워저서 </a:t>
-            </a:r>
-            <a:r>
-              <a:rPr lang="en-US" altLang="ko-KR" sz="1500" dirty="0" smtClean="0"/>
-              <a:t>High</a:t>
-            </a:r>
-            <a:r>
-              <a:rPr lang="ko-KR" altLang="en-US" sz="1500" dirty="0" smtClean="0"/>
-              <a:t>로 되고</a:t>
-            </a:r>
-            <a:r>
-              <a:rPr lang="en-US" altLang="ko-KR" sz="1500" dirty="0" smtClean="0"/>
-              <a:t>, </a:t>
-            </a:r>
-            <a:r>
-              <a:rPr lang="ko-KR" altLang="en-US" sz="1500" dirty="0" smtClean="0"/>
-              <a:t>센서 </a:t>
-            </a:r>
-            <a:r>
-              <a:rPr lang="ko-KR" altLang="en-US" sz="1500" dirty="0" err="1" smtClean="0"/>
-              <a:t>검출시에</a:t>
-            </a:r>
-            <a:r>
-              <a:rPr lang="ko-KR" altLang="en-US" sz="1500" dirty="0" smtClean="0"/>
-              <a:t> 출력이 </a:t>
-            </a:r>
-            <a:r>
-              <a:rPr lang="en-US" altLang="ko-KR" sz="1500" dirty="0" smtClean="0"/>
-              <a:t>0.6V </a:t>
-            </a:r>
-            <a:r>
-              <a:rPr lang="ko-KR" altLang="en-US" sz="1500" dirty="0" smtClean="0"/>
-              <a:t>이상이 되면 트랜지스터가 </a:t>
-            </a:r>
-            <a:r>
-              <a:rPr lang="en-US" altLang="ko-KR" sz="1500" dirty="0" smtClean="0"/>
-              <a:t>On</a:t>
-            </a:r>
-            <a:r>
-              <a:rPr lang="ko-KR" altLang="en-US" sz="1500" dirty="0" smtClean="0"/>
-              <a:t>으로 되어 </a:t>
-            </a:r>
-            <a:r>
-              <a:rPr lang="ko-KR" altLang="en-US" sz="1500" dirty="0" err="1" smtClean="0"/>
+              <a:rPr lang="ko-KR" altLang="en-US" sz="2000" dirty="0" smtClean="0"/>
+              <a:t>각종 </a:t>
+            </a:r>
+            <a:r>
+              <a:rPr lang="ko-KR" altLang="en-US" sz="2000" dirty="0" err="1" smtClean="0"/>
+              <a:t>센서류는</a:t>
+            </a:r>
+            <a:r>
+              <a:rPr lang="ko-KR" altLang="en-US" sz="2000" dirty="0" smtClean="0"/>
+              <a:t> 출력 전압이 낮아서 </a:t>
+            </a:r>
+            <a:r>
+              <a:rPr lang="ko-KR" altLang="en-US" sz="2000" dirty="0" err="1" smtClean="0"/>
               <a:t>디지탈</a:t>
             </a:r>
             <a:r>
-              <a:rPr lang="ko-KR" altLang="en-US" sz="1500" dirty="0" smtClean="0"/>
-              <a:t> </a:t>
-            </a:r>
-            <a:r>
-              <a:rPr lang="en-US" altLang="ko-KR" sz="1500" dirty="0" smtClean="0"/>
-              <a:t>IC</a:t>
-            </a:r>
-            <a:r>
-              <a:rPr lang="ko-KR" altLang="en-US" sz="1500" dirty="0" smtClean="0"/>
-              <a:t>의 입력은 거의 </a:t>
-            </a:r>
-            <a:r>
-              <a:rPr lang="en-US" altLang="ko-KR" sz="1500" dirty="0" smtClean="0"/>
-              <a:t>0V</a:t>
-            </a:r>
-            <a:r>
-              <a:rPr lang="ko-KR" altLang="en-US" sz="1500" dirty="0" smtClean="0"/>
-              <a:t>가 되고 </a:t>
-            </a:r>
-            <a:r>
-              <a:rPr lang="en-US" altLang="ko-KR" sz="1500" dirty="0" smtClean="0"/>
-              <a:t>Low</a:t>
-            </a:r>
-            <a:r>
-              <a:rPr lang="ko-KR" altLang="en-US" sz="1500" dirty="0" smtClean="0"/>
-              <a:t>로 됩니다</a:t>
-            </a:r>
-            <a:r>
-              <a:rPr lang="en-US" altLang="ko-KR" sz="1500" dirty="0" smtClean="0"/>
+              <a:rPr lang="ko-KR" altLang="en-US" sz="2000" dirty="0" smtClean="0"/>
+              <a:t> 회로에 직접입력으로 사용하기 부적절한 경우가 많으며 이때 트랜지스터로 전압레벨을 증폭하여 사용합니다</a:t>
+            </a:r>
+            <a:r>
+              <a:rPr lang="en-US" altLang="ko-KR" sz="2000" dirty="0" smtClean="0"/>
               <a:t>. </a:t>
             </a:r>
           </a:p>
@@ -6305,103 +6213,27 @@
               <a:buChar char="v"/>
             </a:pPr>
             <a:r>
-              <a:rPr lang="en-US" altLang="ko-KR" sz="1500" dirty="0" smtClean="0"/>
-              <a:t>R1</a:t>
-            </a:r>
-            <a:r>
-              <a:rPr lang="ko-KR" altLang="en-US" sz="1500" dirty="0" smtClean="0"/>
-              <a:t>과 </a:t>
-            </a:r>
-            <a:r>
-              <a:rPr lang="en-US" altLang="ko-KR" sz="1500" dirty="0" err="1" smtClean="0"/>
-              <a:t>Rc</a:t>
-            </a:r>
-            <a:r>
-              <a:rPr lang="ko-KR" altLang="en-US" sz="1500" dirty="0" smtClean="0"/>
-              <a:t>의 저항치 결정방법은 먼저 </a:t>
-            </a:r>
-            <a:r>
-              <a:rPr lang="en-US" altLang="ko-KR" sz="1500" dirty="0" err="1" smtClean="0"/>
-              <a:t>Rc</a:t>
-            </a:r>
-            <a:r>
-              <a:rPr lang="ko-KR" altLang="en-US" sz="1500" dirty="0" smtClean="0"/>
-              <a:t>는 디지탈 </a:t>
-            </a:r>
-            <a:r>
-              <a:rPr lang="en-US" altLang="ko-KR" sz="1500" dirty="0" smtClean="0"/>
-              <a:t>IC</a:t>
-            </a:r>
-            <a:r>
-              <a:rPr lang="ko-KR" altLang="en-US" sz="1500" dirty="0" smtClean="0"/>
-              <a:t>의 입력전류는 수 </a:t>
-            </a:r>
-            <a:r>
-              <a:rPr lang="en-US" altLang="ko-KR" sz="1500" dirty="0" smtClean="0"/>
-              <a:t>10μA </a:t>
-            </a:r>
-            <a:r>
-              <a:rPr lang="ko-KR" altLang="en-US" sz="1500" dirty="0" err="1" smtClean="0"/>
-              <a:t>이하이기때문에</a:t>
-            </a:r>
-            <a:r>
-              <a:rPr lang="ko-KR" altLang="en-US" sz="1500" dirty="0" smtClean="0"/>
-              <a:t> 트랜지스터가 </a:t>
-            </a:r>
-            <a:r>
-              <a:rPr lang="en-US" altLang="ko-KR" sz="1500" dirty="0" smtClean="0"/>
-              <a:t>Off</a:t>
-            </a:r>
-            <a:r>
-              <a:rPr lang="ko-KR" altLang="en-US" sz="1500" dirty="0" smtClean="0"/>
-              <a:t>되었을 때 </a:t>
-            </a:r>
-            <a:r>
-              <a:rPr lang="en-US" altLang="ko-KR" sz="1500" dirty="0" err="1" smtClean="0"/>
-              <a:t>Rc</a:t>
-            </a:r>
-            <a:r>
-              <a:rPr lang="en-US" altLang="ko-KR" sz="1500" dirty="0" smtClean="0"/>
-              <a:t> </a:t>
-            </a:r>
-            <a:r>
-              <a:rPr lang="ko-KR" altLang="en-US" sz="1500" dirty="0" smtClean="0"/>
-              <a:t>를 경유하여 </a:t>
-            </a:r>
-            <a:r>
-              <a:rPr lang="ko-KR" altLang="en-US" sz="1500" dirty="0" err="1" smtClean="0"/>
-              <a:t>디지탈</a:t>
-            </a:r>
-            <a:r>
-              <a:rPr lang="ko-KR" altLang="en-US" sz="1500" dirty="0" smtClean="0"/>
-              <a:t> </a:t>
-            </a:r>
-            <a:r>
-              <a:rPr lang="en-US" altLang="ko-KR" sz="1500" dirty="0" smtClean="0"/>
-              <a:t>IC</a:t>
-            </a:r>
-            <a:r>
-              <a:rPr lang="ko-KR" altLang="en-US" sz="1500" dirty="0" smtClean="0"/>
-              <a:t>에 전류가 흐를 수 있도록 수 </a:t>
-            </a:r>
-            <a:r>
-              <a:rPr lang="en-US" altLang="ko-KR" sz="1500" dirty="0" smtClean="0"/>
-              <a:t>10KΩ </a:t>
-            </a:r>
-            <a:r>
-              <a:rPr lang="ko-KR" altLang="en-US" sz="1500" dirty="0" smtClean="0"/>
-              <a:t>이하의 저항이면 적당하며 보통은 </a:t>
-            </a:r>
-            <a:r>
-              <a:rPr lang="en-US" altLang="ko-KR" sz="1500" dirty="0" smtClean="0"/>
-              <a:t>5KΩ∼20KΩ </a:t>
-            </a:r>
-            <a:r>
-              <a:rPr lang="ko-KR" altLang="en-US" sz="1500" dirty="0" smtClean="0"/>
-              <a:t>정도가 쓰여집니다</a:t>
-            </a:r>
-            <a:r>
-              <a:rPr lang="en-US" altLang="ko-KR" sz="1500" dirty="0" smtClean="0"/>
+              <a:rPr lang="ko-KR" altLang="en-US" sz="2000" dirty="0" smtClean="0"/>
+              <a:t>이때는 결국 직류전압증폭기로 사용하는 것이 되기 때문에 본래의 기본증폭 회로로 구성하면 되나 </a:t>
+            </a:r>
+            <a:r>
+              <a:rPr lang="en-US" altLang="ko-KR" sz="2000" dirty="0" smtClean="0"/>
+              <a:t>On/Off</a:t>
+            </a:r>
+            <a:r>
+              <a:rPr lang="ko-KR" altLang="en-US" sz="2000" dirty="0" smtClean="0"/>
+              <a:t>를 판정하는 정도면 족하기 때문에 회로를 </a:t>
+            </a:r>
+            <a:r>
+              <a:rPr lang="ko-KR" altLang="en-US" sz="2000" dirty="0" err="1" smtClean="0"/>
+              <a:t>간략화</a:t>
+            </a:r>
+            <a:r>
+              <a:rPr lang="ko-KR" altLang="en-US" sz="2000" dirty="0" smtClean="0"/>
+              <a:t> 할 수 있습니다</a:t>
+            </a:r>
+            <a:r>
+              <a:rPr lang="en-US" altLang="ko-KR" sz="2000" dirty="0" smtClean="0"/>
               <a:t>.</a:t>
             </a:r>
           </a:p>
@@ -6411,78 +6243,42 @@
               <a:buChar char="v"/>
             </a:pPr>
             <a:r>
-              <a:rPr lang="en-US" altLang="ko-KR" sz="1500" dirty="0" smtClean="0"/>
-              <a:t>R1</a:t>
-            </a:r>
-            <a:r>
-              <a:rPr lang="ko-KR" altLang="en-US" sz="1500" dirty="0" smtClean="0"/>
-              <a:t>은 센서의 출력 전류에 의하여 결정되며 너무 작게 하면 센서에 무리를 주어 감도가 떨어질수 있습니다</a:t>
-            </a:r>
-            <a:r>
-              <a:rPr lang="en-US" altLang="ko-KR" sz="1500" dirty="0" smtClean="0"/>
-              <a:t>. </a:t>
-            </a:r>
-            <a:r>
-              <a:rPr lang="ko-KR" altLang="en-US" sz="1500" dirty="0" smtClean="0"/>
-              <a:t>대부분은 수</a:t>
-            </a:r>
-            <a:r>
-              <a:rPr lang="en-US" altLang="ko-KR" sz="1500" dirty="0" smtClean="0"/>
-              <a:t>10KΩ </a:t>
-            </a:r>
-            <a:r>
-              <a:rPr lang="ko-KR" altLang="en-US" sz="1500" dirty="0" smtClean="0"/>
-              <a:t>정도면 적당하며 일반적으로 </a:t>
-            </a:r>
-            <a:r>
-              <a:rPr lang="en-US" altLang="ko-KR" sz="1500" dirty="0" smtClean="0"/>
-              <a:t>10KΩ ~ 50KΩ </a:t>
-            </a:r>
-            <a:r>
-              <a:rPr lang="ko-KR" altLang="en-US" sz="1500" dirty="0" smtClean="0"/>
-              <a:t>정도가 쓰여지지만 센서의 규격에 최적 </a:t>
-            </a:r>
-            <a:r>
-              <a:rPr lang="ko-KR" altLang="en-US" sz="1500" dirty="0" err="1" smtClean="0"/>
-              <a:t>부하저항치가</a:t>
-            </a:r>
-            <a:r>
-              <a:rPr lang="ko-KR" altLang="en-US" sz="1500" dirty="0" smtClean="0"/>
-              <a:t> 있으면 </a:t>
-            </a:r>
-            <a:r>
-              <a:rPr lang="ko-KR" altLang="en-US" sz="1500" dirty="0" err="1" smtClean="0"/>
-              <a:t>그에따른</a:t>
-            </a:r>
-            <a:r>
-              <a:rPr lang="ko-KR" altLang="en-US" sz="1500" dirty="0" smtClean="0"/>
-              <a:t> 저항치를 사용하며 이때는 센서의 부하는 </a:t>
-            </a:r>
-            <a:r>
-              <a:rPr lang="en-US" altLang="ko-KR" sz="1500" dirty="0" smtClean="0"/>
-              <a:t>R1</a:t>
-            </a:r>
-            <a:r>
-              <a:rPr lang="ko-KR" altLang="en-US" sz="1500" dirty="0" smtClean="0"/>
-              <a:t>과 트랜지스터의 입력 저항이 병렬이 되므로 이점도 주의하여 결정해야 합니다</a:t>
-            </a:r>
-            <a:r>
-              <a:rPr lang="en-US" altLang="ko-KR" sz="1500" dirty="0" smtClean="0"/>
-              <a:t>, </a:t>
-            </a:r>
-            <a:r>
-              <a:rPr lang="ko-KR" altLang="en-US" sz="1500" dirty="0" smtClean="0"/>
-              <a:t>참고로 트랜지스터의 입력저항은 수 </a:t>
-            </a:r>
-            <a:r>
-              <a:rPr lang="en-US" altLang="ko-KR" sz="1500" dirty="0" smtClean="0"/>
-              <a:t>10KΩ</a:t>
-            </a:r>
-            <a:r>
-              <a:rPr lang="ko-KR" altLang="en-US" sz="1500" dirty="0" smtClean="0"/>
-              <a:t>정도 입니다．</a:t>
-            </a:r>
-            <a:endParaRPr lang="ko-KR" altLang="en-US" sz="1500" dirty="0"/>
+              <a:rPr lang="ko-KR" altLang="en-US" sz="2000" dirty="0" smtClean="0"/>
+              <a:t>실제로 사용하는 회로는 그림과 같이 되며 입력으로 사용된 센서의 출력 전압이 평상시는 거의 </a:t>
+            </a:r>
+            <a:r>
+              <a:rPr lang="en-US" altLang="ko-KR" sz="2000" dirty="0" smtClean="0"/>
+              <a:t>0V</a:t>
+            </a:r>
+            <a:r>
+              <a:rPr lang="ko-KR" altLang="en-US" sz="2000" dirty="0" smtClean="0"/>
+              <a:t>이고 검출시에 </a:t>
+            </a:r>
+            <a:r>
+              <a:rPr lang="en-US" altLang="ko-KR" sz="2000" dirty="0" smtClean="0"/>
+              <a:t>0.6V </a:t>
+            </a:r>
+            <a:r>
+              <a:rPr lang="ko-KR" altLang="en-US" sz="2000" dirty="0" err="1" smtClean="0"/>
+              <a:t>이상일때와</a:t>
+            </a:r>
+            <a:r>
+              <a:rPr lang="ko-KR" altLang="en-US" sz="2000" dirty="0" smtClean="0"/>
+              <a:t> </a:t>
+            </a:r>
+            <a:r>
+              <a:rPr lang="en-US" altLang="ko-KR" sz="2000" dirty="0" smtClean="0"/>
+              <a:t>0.6V </a:t>
+            </a:r>
+            <a:r>
+              <a:rPr lang="ko-KR" altLang="en-US" sz="2000" dirty="0" smtClean="0"/>
+              <a:t>이하 일 때 회로가 조금 다르게 됩니다</a:t>
+            </a:r>
+            <a:r>
+              <a:rPr lang="en-US" altLang="ko-KR" sz="2000" dirty="0" smtClean="0"/>
+              <a:t>.</a:t>
+            </a:r>
+            <a:endParaRPr lang="ko-KR" altLang="en-US" sz="2000" dirty="0"/>
           </a:p>
         </p:txBody>
       </p:sp>
@@ -6599,6 +6395,414 @@
               <a:buChar char="v"/>
             </a:pPr>
             <a:r>
+              <a:rPr lang="en-US" altLang="ko-KR" sz="1500" dirty="0" smtClean="0"/>
+              <a:t>(a)</a:t>
+            </a:r>
+            <a:r>
+              <a:rPr lang="ko-KR" altLang="en-US" sz="1500" dirty="0" smtClean="0"/>
+              <a:t>의 회로에서 센서의 출력이 평상시 </a:t>
+            </a:r>
+            <a:r>
+              <a:rPr lang="en-US" altLang="ko-KR" sz="1500" dirty="0" smtClean="0"/>
+              <a:t>0V</a:t>
+            </a:r>
+            <a:r>
+              <a:rPr lang="ko-KR" altLang="en-US" sz="1500" dirty="0" smtClean="0"/>
+              <a:t>에 가깝기 때문에 트랜지스터는 </a:t>
+            </a:r>
+            <a:r>
+              <a:rPr lang="en-US" altLang="ko-KR" sz="1500" dirty="0" smtClean="0"/>
+              <a:t>Off </a:t>
+            </a:r>
+            <a:r>
+              <a:rPr lang="ko-KR" altLang="en-US" sz="1500" dirty="0" smtClean="0"/>
+              <a:t>되어 디지털 </a:t>
+            </a:r>
+            <a:r>
+              <a:rPr lang="en-US" altLang="ko-KR" sz="1500" dirty="0" smtClean="0"/>
+              <a:t>IC</a:t>
+            </a:r>
+            <a:r>
+              <a:rPr lang="ko-KR" altLang="en-US" sz="1500" dirty="0" smtClean="0"/>
+              <a:t>의 입력은 거의 전원전압에 가까워저서 </a:t>
+            </a:r>
+            <a:r>
+              <a:rPr lang="en-US" altLang="ko-KR" sz="1500" dirty="0" smtClean="0"/>
+              <a:t>High</a:t>
+            </a:r>
+            <a:r>
+              <a:rPr lang="ko-KR" altLang="en-US" sz="1500" dirty="0" smtClean="0"/>
+              <a:t>로 되고</a:t>
+            </a:r>
+            <a:r>
+              <a:rPr lang="en-US" altLang="ko-KR" sz="1500" dirty="0" smtClean="0"/>
+              <a:t>, </a:t>
+            </a:r>
+            <a:r>
+              <a:rPr lang="ko-KR" altLang="en-US" sz="1500" dirty="0" smtClean="0"/>
+              <a:t>센서 </a:t>
+            </a:r>
+            <a:r>
+              <a:rPr lang="ko-KR" altLang="en-US" sz="1500" dirty="0" err="1" smtClean="0"/>
+              <a:t>검출시에</a:t>
+            </a:r>
+            <a:r>
+              <a:rPr lang="ko-KR" altLang="en-US" sz="1500" dirty="0" smtClean="0"/>
+              <a:t> 출력이 </a:t>
+            </a:r>
+            <a:r>
+              <a:rPr lang="en-US" altLang="ko-KR" sz="1500" dirty="0" smtClean="0"/>
+              <a:t>0.6V </a:t>
+            </a:r>
+            <a:r>
+              <a:rPr lang="ko-KR" altLang="en-US" sz="1500" dirty="0" smtClean="0"/>
+              <a:t>이상이 되면 트랜지스터가 </a:t>
+            </a:r>
+            <a:r>
+              <a:rPr lang="en-US" altLang="ko-KR" sz="1500" dirty="0" smtClean="0"/>
+              <a:t>On</a:t>
+            </a:r>
+            <a:r>
+              <a:rPr lang="ko-KR" altLang="en-US" sz="1500" dirty="0" smtClean="0"/>
+              <a:t>으로 되어 </a:t>
+            </a:r>
+            <a:r>
+              <a:rPr lang="ko-KR" altLang="en-US" sz="1500" dirty="0" err="1" smtClean="0"/>
+              <a:t>디지탈</a:t>
+            </a:r>
+            <a:r>
+              <a:rPr lang="ko-KR" altLang="en-US" sz="1500" dirty="0" smtClean="0"/>
+              <a:t> </a:t>
+            </a:r>
+            <a:r>
+              <a:rPr lang="en-US" altLang="ko-KR" sz="1500" dirty="0" smtClean="0"/>
+              <a:t>IC</a:t>
+            </a:r>
+            <a:r>
+              <a:rPr lang="ko-KR" altLang="en-US" sz="1500" dirty="0" smtClean="0"/>
+              <a:t>의 입력은 거의 </a:t>
+            </a:r>
+            <a:r>
+              <a:rPr lang="en-US" altLang="ko-KR" sz="1500" dirty="0" smtClean="0"/>
+              <a:t>0V</a:t>
+            </a:r>
+            <a:r>
+              <a:rPr lang="ko-KR" altLang="en-US" sz="1500" dirty="0" smtClean="0"/>
+              <a:t>가 되고 </a:t>
+            </a:r>
+            <a:r>
+              <a:rPr lang="en-US" altLang="ko-KR" sz="1500" dirty="0" smtClean="0"/>
+              <a:t>Low</a:t>
+            </a:r>
+            <a:r>
+              <a:rPr lang="ko-KR" altLang="en-US" sz="1500" dirty="0" smtClean="0"/>
+              <a:t>로 됩니다</a:t>
+            </a:r>
+            <a:r>
+              <a:rPr lang="en-US" altLang="ko-KR" sz="1500" dirty="0" smtClean="0"/>
+              <a:t>. </a:t>
+            </a:r>
+          </a:p>
+          <a:p>
+            <a:pPr>
+              <a:buFont typeface="Wingdings" pitchFamily="2" charset="2"/>
+              <a:buChar char="v"/>
+            </a:pPr>
+            <a:r>
+              <a:rPr lang="en-US" altLang="ko-KR" sz="1500" dirty="0" smtClean="0"/>
+              <a:t>R1</a:t>
+            </a:r>
+            <a:r>
+              <a:rPr lang="ko-KR" altLang="en-US" sz="1500" dirty="0" smtClean="0"/>
+              <a:t>과 </a:t>
+            </a:r>
+            <a:r>
+              <a:rPr lang="en-US" altLang="ko-KR" sz="1500" dirty="0" err="1" smtClean="0"/>
+              <a:t>Rc</a:t>
+            </a:r>
+            <a:r>
+              <a:rPr lang="ko-KR" altLang="en-US" sz="1500" dirty="0" smtClean="0"/>
+              <a:t>의 저항치 결정방법은 먼저 </a:t>
+            </a:r>
+            <a:r>
+              <a:rPr lang="en-US" altLang="ko-KR" sz="1500" dirty="0" err="1" smtClean="0"/>
+              <a:t>Rc</a:t>
+            </a:r>
+            <a:r>
+              <a:rPr lang="ko-KR" altLang="en-US" sz="1500" dirty="0" smtClean="0"/>
+              <a:t>는 디지탈 </a:t>
+            </a:r>
+            <a:r>
+              <a:rPr lang="en-US" altLang="ko-KR" sz="1500" dirty="0" smtClean="0"/>
+              <a:t>IC</a:t>
+            </a:r>
+            <a:r>
+              <a:rPr lang="ko-KR" altLang="en-US" sz="1500" dirty="0" smtClean="0"/>
+              <a:t>의 입력전류는 수 </a:t>
+            </a:r>
+            <a:r>
+              <a:rPr lang="en-US" altLang="ko-KR" sz="1500" dirty="0" smtClean="0"/>
+              <a:t>10μA </a:t>
+            </a:r>
+            <a:r>
+              <a:rPr lang="ko-KR" altLang="en-US" sz="1500" dirty="0" err="1" smtClean="0"/>
+              <a:t>이하이기때문에</a:t>
+            </a:r>
+            <a:r>
+              <a:rPr lang="ko-KR" altLang="en-US" sz="1500" dirty="0" smtClean="0"/>
+              <a:t> 트랜지스터가 </a:t>
+            </a:r>
+            <a:r>
+              <a:rPr lang="en-US" altLang="ko-KR" sz="1500" dirty="0" smtClean="0"/>
+              <a:t>Off</a:t>
+            </a:r>
+            <a:r>
+              <a:rPr lang="ko-KR" altLang="en-US" sz="1500" dirty="0" smtClean="0"/>
+              <a:t>되었을 때 </a:t>
+            </a:r>
+            <a:r>
+              <a:rPr lang="en-US" altLang="ko-KR" sz="1500" dirty="0" err="1" smtClean="0"/>
+              <a:t>Rc</a:t>
+            </a:r>
+            <a:r>
+              <a:rPr lang="en-US" altLang="ko-KR" sz="1500" dirty="0" smtClean="0"/>
+              <a:t> </a:t>
+            </a:r>
+            <a:r>
+              <a:rPr lang="ko-KR" altLang="en-US" sz="1500" dirty="0" smtClean="0"/>
+              <a:t>를 경유하여 </a:t>
+            </a:r>
+            <a:r>
+              <a:rPr lang="ko-KR" altLang="en-US" sz="1500" dirty="0" err="1" smtClean="0"/>
+              <a:t>디지탈</a:t>
+            </a:r>
+            <a:r>
+              <a:rPr lang="ko-KR" altLang="en-US" sz="1500" dirty="0" smtClean="0"/>
+              <a:t> </a:t>
+            </a:r>
+            <a:r>
+              <a:rPr lang="en-US" altLang="ko-KR" sz="1500" dirty="0" smtClean="0"/>
+              <a:t>IC</a:t>
+            </a:r>
+            <a:r>
+              <a:rPr lang="ko-KR" altLang="en-US" sz="1500" dirty="0" smtClean="0"/>
+              <a:t>에 전류가 흐를 수 있도록 수 </a:t>
+            </a:r>
+            <a:r>
+              <a:rPr lang="en-US" altLang="ko-KR" sz="1500" dirty="0" smtClean="0"/>
+              <a:t>10KΩ </a:t>
+            </a:r>
+            <a:r>
+              <a:rPr lang="ko-KR" altLang="en-US" sz="1500" dirty="0" smtClean="0"/>
+              <a:t>이하의 저항이면 적당하며 보통은 </a:t>
+            </a:r>
+            <a:r>
+              <a:rPr lang="en-US" altLang="ko-KR" sz="1500" dirty="0" smtClean="0"/>
+              <a:t>5KΩ∼20KΩ </a:t>
+            </a:r>
+            <a:r>
+              <a:rPr lang="ko-KR" altLang="en-US" sz="1500" dirty="0" smtClean="0"/>
+              <a:t>정도가 쓰여집니다</a:t>
+            </a:r>
+            <a:r>
+              <a:rPr lang="en-US" altLang="ko-KR" sz="1500" dirty="0" smtClean="0"/>
+              <a:t>.</a:t>
+            </a:r>
+          </a:p>
+          <a:p>
+            <a:pPr>
+              <a:buFont typeface="Wingdings" pitchFamily="2" charset="2"/>
+              <a:buChar char="v"/>
+            </a:pPr>
+            <a:r>
+              <a:rPr lang="en-US" altLang="ko-KR" sz="1500" dirty="0" smtClean="0"/>
+              <a:t>R1</a:t>
+            </a:r>
+            <a:r>
+              <a:rPr lang="ko-KR" altLang="en-US" sz="1500" dirty="0" smtClean="0"/>
+              <a:t>은 센서의 출력 전류에 의하여 결정되며 너무 작게 하면 센서에 무리를 주어 감도가 떨어질수 있습니다</a:t>
+            </a:r>
+            <a:r>
+              <a:rPr lang="en-US" altLang="ko-KR" sz="1500" dirty="0" smtClean="0"/>
+              <a:t>. </a:t>
+            </a:r>
+            <a:r>
+              <a:rPr lang="ko-KR" altLang="en-US" sz="1500" dirty="0" smtClean="0"/>
+              <a:t>대부분은 수</a:t>
+            </a:r>
+            <a:r>
+              <a:rPr lang="en-US" altLang="ko-KR" sz="1500" dirty="0" smtClean="0"/>
+              <a:t>10KΩ </a:t>
+            </a:r>
+            <a:r>
+              <a:rPr lang="ko-KR" altLang="en-US" sz="1500" dirty="0" smtClean="0"/>
+              <a:t>정도면 적당하며 일반적으로 </a:t>
+            </a:r>
+            <a:r>
+              <a:rPr lang="en-US" altLang="ko-KR" sz="1500" dirty="0" smtClean="0"/>
+              <a:t>10KΩ ~ 50KΩ </a:t>
+            </a:r>
+            <a:r>
+              <a:rPr lang="ko-KR" altLang="en-US" sz="1500" dirty="0" smtClean="0"/>
+              <a:t>정도가 쓰여지지만 센서의 규격에 최적 </a:t>
+            </a:r>
+            <a:r>
+              <a:rPr lang="ko-KR" altLang="en-US" sz="1500" dirty="0" err="1" smtClean="0"/>
+              <a:t>부하저항치가</a:t>
+            </a:r>
+            <a:r>
+              <a:rPr lang="ko-KR" altLang="en-US" sz="1500" dirty="0" smtClean="0"/>
+              <a:t> 있으면 </a:t>
+            </a:r>
+            <a:r>
+              <a:rPr lang="ko-KR" altLang="en-US" sz="1500" dirty="0" err="1" smtClean="0"/>
+              <a:t>그에따른</a:t>
+            </a:r>
+            <a:r>
+              <a:rPr lang="ko-KR" altLang="en-US" sz="1500" dirty="0" smtClean="0"/>
+              <a:t> 저항치를 사용하며 이때는 센서의 부하는 </a:t>
+            </a:r>
+            <a:r>
+              <a:rPr lang="en-US" altLang="ko-KR" sz="1500" dirty="0" smtClean="0"/>
+              <a:t>R1</a:t>
+            </a:r>
+            <a:r>
+              <a:rPr lang="ko-KR" altLang="en-US" sz="1500" dirty="0" smtClean="0"/>
+              <a:t>과 트랜지스터의 입력 저항이 병렬이 되므로 이점도 주의하여 결정해야 합니다</a:t>
+            </a:r>
+            <a:r>
+              <a:rPr lang="en-US" altLang="ko-KR" sz="1500" dirty="0" smtClean="0"/>
+              <a:t>, </a:t>
+            </a:r>
+            <a:r>
+              <a:rPr lang="ko-KR" altLang="en-US" sz="1500" dirty="0" smtClean="0"/>
+              <a:t>참고로 트랜지스터의 입력저항은 수 </a:t>
+            </a:r>
+            <a:r>
+              <a:rPr lang="en-US" altLang="ko-KR" sz="1500" dirty="0" smtClean="0"/>
+              <a:t>10KΩ</a:t>
+            </a:r>
+            <a:r>
+              <a:rPr lang="ko-KR" altLang="en-US" sz="1500" dirty="0" smtClean="0"/>
+              <a:t>정도 입니다．</a:t>
+            </a:r>
+            <a:endParaRPr lang="ko-KR" altLang="en-US" sz="1500" dirty="0"/>
+          </a:p>
+        </p:txBody>
+      </p:sp>
+      <p:pic>
+        <p:nvPicPr>
+          <p:cNvPr id="3074" name="Picture 2"/>
+          <p:cNvPicPr>
+            <a:picLocks noChangeAspect="1" noChangeArrowheads="1"/>
+          </p:cNvPicPr>
+          <p:nvPr/>
+        </p:nvPicPr>
+        <p:blipFill>
+          <a:blip r:embed="rId2" cstate="print"/>
+          <a:srcRect/>
+          <a:stretch>
+            <a:fillRect/>
+          </a:stretch>
+        </p:blipFill>
+        <p:spPr bwMode="auto">
+          <a:xfrm>
+            <a:off x="493017" y="2060848"/>
+            <a:ext cx="3545633" cy="2736304"/>
+          </a:xfrm>
+          <a:prstGeom prst="rect">
+            <a:avLst/>
+          </a:prstGeom>
+          <a:noFill/>
+          <a:ln w="9525">
+            <a:noFill/>
+            <a:miter lim="800000"/>
+            <a:headEnd/>
+            <a:tailEnd/>
+          </a:ln>
+        </p:spPr>
+      </p:pic>
+    </p:spTree>
+  </p:cSld>
+  <p:clrMapOvr>
+    <a:masterClrMapping/>
+  </p:clrMapOvr>
+</p:sld>
+</file>
+
+<file path=ppt/slides/slide17.xml><?xml version="1.0" encoding="utf-8"?>
+<p:sld xmlns:a="http://schemas.openxmlformats.org/drawingml/2006/main" xmlns:r="http://schemas.openxmlformats.org/officeDocument/2006/relationships" xmlns:p="http://schemas.openxmlformats.org/presentationml/2006/main">
+  <p:cSld>
+    <p:spTree>
+      <p:nvGrpSpPr>
+        <p:cNvPr id="1" name=""/>
+        <p:cNvGrpSpPr/>
+        <p:nvPr/>
+      </p:nvGrpSpPr>
+      <p:grpSpPr>
+        <a:xfrm>
+          <a:off x="0" y="0"/>
+          <a:ext cx="0" cy="0"/>
+          <a:chOff x="0" y="0"/>
+          <a:chExt cx="0" cy="0"/>
+        </a:xfrm>
+      </p:grpSpPr>
+      <p:sp>
+        <p:nvSpPr>
+          <p:cNvPr id="3" name="제목 2"/>
+          <p:cNvSpPr>
+            <a:spLocks noGrp="1"/>
+          </p:cNvSpPr>
+          <p:nvPr>
+            <p:ph type="title"/>
+          </p:nvPr>
+        </p:nvSpPr>
+        <p:spPr/>
+        <p:txBody>
+          <a:bodyPr>
+            <a:normAutofit/>
+          </a:bodyPr>
+          <a:lstStyle/>
+          <a:p>
+            <a:r>
+              <a:rPr lang="en-US" altLang="ko-KR" dirty="0" smtClean="0"/>
+              <a:t>Transistor-</a:t>
+            </a:r>
+            <a:r>
+              <a:rPr lang="ko-KR" altLang="en-US" dirty="0" smtClean="0"/>
+              <a:t> 전압레벨 변환 방법</a:t>
+            </a:r>
+            <a:endParaRPr lang="ko-KR" altLang="en-US" dirty="0"/>
+          </a:p>
+        </p:txBody>
+      </p:sp>
+      <p:sp>
+        <p:nvSpPr>
+          <p:cNvPr id="4" name="내용 개체 틀 3"/>
+          <p:cNvSpPr>
+            <a:spLocks noGrp="1"/>
+          </p:cNvSpPr>
+          <p:nvPr>
+            <p:ph idx="1"/>
+          </p:nvPr>
+        </p:nvSpPr>
+        <p:spPr>
+          <a:xfrm>
+            <a:off x="4067944" y="1484784"/>
+            <a:ext cx="4618856" cy="5040560"/>
+          </a:xfrm>
+        </p:spPr>
+        <p:txBody>
+          <a:bodyPr>
+            <a:noAutofit/>
+          </a:bodyPr>
+          <a:lstStyle/>
+          <a:p>
+            <a:pPr>
+              <a:buFont typeface="Wingdings" pitchFamily="2" charset="2"/>
+              <a:buChar char="v"/>
+            </a:pPr>
+            <a:r>
               <a:rPr lang="en-US" altLang="ko-KR" sz="1600" dirty="0" smtClean="0"/>
               <a:t>(b) </a:t>
             </a:r>
@@ -6894,291 +7098,6 @@
 </p:sld>
 </file>
 
-<file path=ppt/slides/slide17.xml><?xml version="1.0" encoding="utf-8"?>
-<p:sld xmlns:a="http://schemas.openxmlformats.org/drawingml/2006/main" xmlns:r="http://schemas.openxmlformats.org/officeDocument/2006/relationships" xmlns:p="http://schemas.openxmlformats.org/presentationml/2006/main">
-  <p:cSld>
-    <p:spTree>
-      <p:nvGrpSpPr>
-        <p:cNvPr id="1" name=""/>
-        <p:cNvGrpSpPr/>
-        <p:nvPr/>
-      </p:nvGrpSpPr>
-      <p:grpSpPr>
-        <a:xfrm>
-          <a:off x="0" y="0"/>
-          <a:ext cx="0" cy="0"/>
-          <a:chOff x="0" y="0"/>
-          <a:chExt cx="0" cy="0"/>
-        </a:xfrm>
-      </p:grpSpPr>
-      <p:sp>
-        <p:nvSpPr>
-          <p:cNvPr id="3" name="제목 2"/>
-          <p:cNvSpPr>
-            <a:spLocks noGrp="1"/>
-          </p:cNvSpPr>
-          <p:nvPr>
-            <p:ph type="title"/>
-          </p:nvPr>
-        </p:nvSpPr>
-        <p:spPr/>
-        <p:txBody>
-          <a:bodyPr>
-            <a:normAutofit fontScale="90000"/>
-          </a:bodyPr>
-          <a:lstStyle/>
-          <a:p>
-            <a:r>
-              <a:rPr lang="en-US" altLang="ko-KR" dirty="0" smtClean="0"/>
-              <a:t>Transistor </a:t>
-            </a:r>
-            <a:r>
-              <a:rPr lang="en-US" altLang="ko-KR" sz="4000" dirty="0" smtClean="0"/>
-              <a:t>–</a:t>
-            </a:r>
-            <a:r>
-              <a:rPr lang="ko-KR" altLang="en-US" sz="4000" dirty="0" smtClean="0"/>
-              <a:t> </a:t>
-            </a:r>
-            <a:r>
-              <a:rPr lang="ko-KR" altLang="en-US" sz="3600" dirty="0" smtClean="0"/>
-              <a:t>아날로그 회로에서 사용법</a:t>
-            </a:r>
-            <a:endParaRPr lang="ko-KR" altLang="en-US" dirty="0"/>
-          </a:p>
-        </p:txBody>
-      </p:sp>
-      <p:sp>
-        <p:nvSpPr>
-          <p:cNvPr id="6" name="내용 개체 틀 5"/>
-          <p:cNvSpPr>
-            <a:spLocks noGrp="1"/>
-          </p:cNvSpPr>
-          <p:nvPr>
-            <p:ph idx="1"/>
-          </p:nvPr>
-        </p:nvSpPr>
-        <p:spPr/>
-        <p:txBody>
-          <a:bodyPr>
-            <a:normAutofit fontScale="92500" lnSpcReduction="20000"/>
-          </a:bodyPr>
-          <a:lstStyle/>
-          <a:p>
-            <a:r>
-              <a:rPr lang="ko-KR" altLang="en-US" dirty="0" smtClean="0"/>
-              <a:t>아날로그 신호를 증폭하기 위한 기본 회로는 대부분 </a:t>
-            </a:r>
-            <a:r>
-              <a:rPr lang="ko-KR" altLang="en-US" dirty="0" err="1" smtClean="0"/>
-              <a:t>이미터</a:t>
-            </a:r>
-            <a:r>
-              <a:rPr lang="ko-KR" altLang="en-US" dirty="0" smtClean="0"/>
-              <a:t> 접지 회로를 사용하며 최대한 깨끗하게 입력 신호를 증폭하도록 해야 합니다</a:t>
-            </a:r>
-            <a:r>
-              <a:rPr lang="en-US" altLang="ko-KR" dirty="0" smtClean="0"/>
-              <a:t>.</a:t>
-            </a:r>
-          </a:p>
-          <a:p>
-            <a:pPr lvl="1"/>
-            <a:r>
-              <a:rPr lang="ko-KR" altLang="en-US" sz="2000" dirty="0" smtClean="0"/>
-              <a:t>그 기본회로는 다음 그림과 같으며 회로정수의 결정방법은 아래와 같은 순서로 행합니다．</a:t>
-            </a:r>
-          </a:p>
-          <a:p>
-            <a:pPr lvl="1"/>
-            <a:r>
-              <a:rPr lang="ko-KR" altLang="en-US" sz="2000" dirty="0" smtClean="0"/>
-              <a:t>여기로 미리 사용할 전원전압（</a:t>
-            </a:r>
-            <a:r>
-              <a:rPr lang="en-US" altLang="ko-KR" sz="2000" dirty="0" err="1" smtClean="0"/>
-              <a:t>Vcc</a:t>
-            </a:r>
-            <a:r>
-              <a:rPr lang="en-US" altLang="ko-KR" sz="2000" dirty="0" smtClean="0"/>
-              <a:t>)</a:t>
-            </a:r>
-            <a:r>
-              <a:rPr lang="ko-KR" altLang="en-US" sz="2000" dirty="0" smtClean="0"/>
-              <a:t>은 정해 있는 것으로 하고 사용할 트랜지스터의 전류 증폭율</a:t>
-            </a:r>
-            <a:r>
-              <a:rPr lang="en-US" altLang="ko-KR" sz="2000" dirty="0" smtClean="0"/>
-              <a:t>(</a:t>
-            </a:r>
-            <a:r>
-              <a:rPr lang="en-US" altLang="ko-KR" sz="2000" dirty="0" err="1" smtClean="0"/>
-              <a:t>hfe</a:t>
-            </a:r>
-            <a:r>
-              <a:rPr lang="en-US" altLang="ko-KR" sz="2000" dirty="0" smtClean="0"/>
-              <a:t>)</a:t>
-            </a:r>
-            <a:r>
-              <a:rPr lang="ko-KR" altLang="en-US" sz="2000" dirty="0" smtClean="0"/>
-              <a:t>은 </a:t>
-            </a:r>
-            <a:r>
-              <a:rPr lang="en-US" altLang="ko-KR" sz="2000" dirty="0" smtClean="0"/>
-              <a:t>100</a:t>
-            </a:r>
-            <a:r>
-              <a:rPr lang="ko-KR" altLang="en-US" sz="2000" dirty="0" smtClean="0"/>
-              <a:t>으로 가정합니다</a:t>
-            </a:r>
-            <a:r>
-              <a:rPr lang="en-US" altLang="ko-KR" sz="2000" dirty="0" smtClean="0"/>
-              <a:t>. </a:t>
-            </a:r>
-            <a:r>
-              <a:rPr lang="ko-KR" altLang="en-US" sz="2000" dirty="0" smtClean="0"/>
-              <a:t>트랜지스터의 </a:t>
-            </a:r>
-            <a:r>
-              <a:rPr lang="ko-KR" altLang="en-US" sz="2000" dirty="0" err="1" smtClean="0"/>
-              <a:t>선정시는</a:t>
-            </a:r>
-            <a:r>
-              <a:rPr lang="ko-KR" altLang="en-US" sz="2000" dirty="0" smtClean="0"/>
-              <a:t> 주파수 특성이 중요하고 이득 대역폭 </a:t>
-            </a:r>
-            <a:r>
-              <a:rPr lang="en-US" altLang="ko-KR" sz="2000" dirty="0" smtClean="0"/>
-              <a:t>(</a:t>
-            </a:r>
-            <a:r>
-              <a:rPr lang="en-US" altLang="ko-KR" sz="2000" dirty="0" err="1" smtClean="0"/>
-              <a:t>fT</a:t>
-            </a:r>
-            <a:r>
-              <a:rPr lang="en-US" altLang="ko-KR" sz="2000" dirty="0" smtClean="0"/>
-              <a:t>)</a:t>
-            </a:r>
-            <a:r>
-              <a:rPr lang="ko-KR" altLang="en-US" sz="2000" dirty="0" smtClean="0"/>
-              <a:t>이 높은것을 사용할 필요가 있습니다．</a:t>
-            </a:r>
-            <a:endParaRPr lang="en-US" altLang="ko-KR" sz="2000" dirty="0" smtClean="0"/>
-          </a:p>
-          <a:p>
-            <a:pPr lvl="1"/>
-            <a:endParaRPr lang="en-US" altLang="ko-KR" dirty="0" smtClean="0"/>
-          </a:p>
-          <a:p>
-            <a:pPr lvl="1">
-              <a:buNone/>
-            </a:pPr>
-            <a:r>
-              <a:rPr lang="ko-KR" altLang="en-US" dirty="0" smtClean="0"/>
-              <a:t>예：</a:t>
-            </a:r>
-          </a:p>
-          <a:p>
-            <a:pPr lvl="1"/>
-            <a:r>
-              <a:rPr lang="en-US" altLang="ko-KR" dirty="0" err="1" smtClean="0"/>
-              <a:t>fT</a:t>
-            </a:r>
-            <a:r>
-              <a:rPr lang="ko-KR" altLang="en-US" dirty="0" smtClean="0"/>
-              <a:t>가 </a:t>
-            </a:r>
-            <a:r>
-              <a:rPr lang="en-US" altLang="ko-KR" dirty="0" smtClean="0"/>
-              <a:t>200MHz </a:t>
-            </a:r>
-            <a:r>
-              <a:rPr lang="ko-KR" altLang="en-US" dirty="0" smtClean="0"/>
-              <a:t>이고 </a:t>
-            </a:r>
-            <a:r>
-              <a:rPr lang="en-US" altLang="ko-KR" dirty="0" err="1" smtClean="0"/>
-              <a:t>hfe</a:t>
-            </a:r>
-            <a:r>
-              <a:rPr lang="ko-KR" altLang="en-US" dirty="0" smtClean="0"/>
-              <a:t>가 </a:t>
-            </a:r>
-            <a:r>
-              <a:rPr lang="en-US" altLang="ko-KR" dirty="0" smtClean="0"/>
-              <a:t>100</a:t>
-            </a:r>
-            <a:r>
-              <a:rPr lang="ko-KR" altLang="en-US" dirty="0" smtClean="0"/>
-              <a:t>이라면，</a:t>
-            </a:r>
-            <a:r>
-              <a:rPr lang="en-US" altLang="ko-KR" dirty="0" smtClean="0"/>
-              <a:t>200MHz ÷ 100 = 2MHz </a:t>
-            </a:r>
-            <a:r>
-              <a:rPr lang="ko-KR" altLang="en-US" dirty="0" smtClean="0"/>
-              <a:t>로 되어 실제로 사용할 수 있는 주파수는 ２</a:t>
-            </a:r>
-            <a:r>
-              <a:rPr lang="en-US" altLang="ko-KR" dirty="0" smtClean="0"/>
-              <a:t>MHz </a:t>
-            </a:r>
-            <a:r>
-              <a:rPr lang="ko-KR" altLang="en-US" dirty="0" smtClean="0"/>
-              <a:t>정도가 됩니다</a:t>
-            </a:r>
-            <a:r>
-              <a:rPr lang="en-US" altLang="ko-KR" dirty="0" smtClean="0"/>
-              <a:t>.</a:t>
-            </a:r>
-          </a:p>
-          <a:p>
-            <a:pPr lvl="1"/>
-            <a:r>
-              <a:rPr lang="ko-KR" altLang="en-US" dirty="0" smtClean="0"/>
-              <a:t>따라서 </a:t>
-            </a:r>
-            <a:r>
-              <a:rPr lang="en-US" altLang="ko-KR" dirty="0" smtClean="0"/>
-              <a:t>10MHz </a:t>
-            </a:r>
-            <a:r>
-              <a:rPr lang="ko-KR" altLang="en-US" dirty="0" smtClean="0"/>
-              <a:t>이상의 주파수로 사용하려면 </a:t>
-            </a:r>
-            <a:r>
-              <a:rPr lang="en-US" altLang="ko-KR" dirty="0" smtClean="0"/>
-              <a:t>ft</a:t>
-            </a:r>
-            <a:r>
-              <a:rPr lang="ko-KR" altLang="en-US" dirty="0" smtClean="0"/>
-              <a:t>는 </a:t>
-            </a:r>
-            <a:r>
-              <a:rPr lang="en-US" altLang="ko-KR" dirty="0" smtClean="0"/>
-              <a:t>1GHz </a:t>
-            </a:r>
-            <a:r>
-              <a:rPr lang="ko-KR" altLang="en-US" dirty="0" smtClean="0"/>
-              <a:t>이상이 필요하게 됩니다</a:t>
-            </a:r>
-            <a:r>
-              <a:rPr lang="en-US" altLang="ko-KR" dirty="0" smtClean="0"/>
-              <a:t>.</a:t>
-            </a:r>
-            <a:endParaRPr lang="ko-KR" altLang="en-US" dirty="0"/>
-          </a:p>
-        </p:txBody>
-      </p:sp>
-    </p:spTree>
-  </p:cSld>
-  <p:clrMapOvr>
-    <a:masterClrMapping/>
-  </p:clrMapOvr>
-</p:sld>
-</file>
-
 <file path=ppt/slides/slide18.xml><?xml version="1.0" encoding="utf-8"?>
 <p:sld xmlns:a="http://schemas.openxmlformats.org/drawingml/2006/main" xmlns:r="http://schemas.openxmlformats.org/officeDocument/2006/relationships" xmlns:p="http://schemas.openxmlformats.org/presentationml/2006/main">
   <p:cSld>
@@ -7235,7 +7154,7 @@
       </p:sp>
       <p:sp>
         <p:nvSpPr>
-          <p:cNvPr id="4" name="내용 개체 틀 3"/>
+          <p:cNvPr id="6" name="내용 개체 틀 5"/>
           <p:cNvSpPr>
             <a:spLocks noGrp="1"/>
           </p:cNvSpPr>
@@ -7243,257 +7162,219 @@
             <p:ph idx="1"/>
           </p:nvPr>
         </p:nvSpPr>
-        <p:spPr>
-          <a:xfrm>
-            <a:off x="4067944" y="1484784"/>
-            <a:ext cx="4618856" cy="4522507"/>
-          </a:xfrm>
-        </p:spPr>
+        <p:spPr/>
         <p:txBody>
           <a:bodyPr>
-            <a:normAutofit/>
+            <a:normAutofit fontScale="92500" lnSpcReduction="20000"/>
           </a:bodyPr>
           <a:lstStyle/>
           <a:p>
-            <a:pPr>
+            <a:r>
+              <a:rPr lang="ko-KR" altLang="en-US" dirty="0" smtClean="0"/>
+              <a:t>아날로그 신호를 증폭하기 위한 기본 회로는 대부분 </a:t>
+            </a:r>
+            <a:r>
+              <a:rPr lang="ko-KR" altLang="en-US" dirty="0" err="1" smtClean="0"/>
+              <a:t>이미터</a:t>
+            </a:r>
+            <a:r>
+              <a:rPr lang="ko-KR" altLang="en-US" dirty="0" smtClean="0"/>
+              <a:t> 접지 회로를 사용하며 최대한 깨끗하게 입력 신호를 증폭하도록 해야 합니다</a:t>
+            </a:r>
+            <a:r>
+              <a:rPr lang="en-US" altLang="ko-KR" dirty="0" smtClean="0"/>
+              <a:t>.</a:t>
+            </a:r>
+          </a:p>
+          <a:p>
+            <a:pPr lvl="1"/>
+            <a:r>
+              <a:rPr lang="ko-KR" altLang="en-US" sz="2000" dirty="0" smtClean="0"/>
+              <a:t>그 기본회로는 다음 그림과 같으며 회로정수의 결정방법은 아래와 같은 순서로 행합니다．</a:t>
+            </a:r>
+          </a:p>
+          <a:p>
+            <a:pPr lvl="1"/>
+            <a:r>
+              <a:rPr lang="ko-KR" altLang="en-US" sz="2000" dirty="0" smtClean="0"/>
+              <a:t>여기로 미리 사용할 전원전압（</a:t>
+            </a:r>
+            <a:r>
+              <a:rPr lang="en-US" altLang="ko-KR" sz="2000" dirty="0" err="1" smtClean="0"/>
+              <a:t>Vcc</a:t>
+            </a:r>
+            <a:r>
+              <a:rPr lang="en-US" altLang="ko-KR" sz="2000" dirty="0" smtClean="0"/>
+              <a:t>)</a:t>
+            </a:r>
+            <a:r>
+              <a:rPr lang="ko-KR" altLang="en-US" sz="2000" dirty="0" smtClean="0"/>
+              <a:t>은 정해 있는 것으로 하고 사용할 트랜지스터의 전류 증폭율</a:t>
+            </a:r>
+            <a:r>
+              <a:rPr lang="en-US" altLang="ko-KR" sz="2000" dirty="0" smtClean="0"/>
+              <a:t>(</a:t>
+            </a:r>
+            <a:r>
+              <a:rPr lang="en-US" altLang="ko-KR" sz="2000" dirty="0" err="1" smtClean="0"/>
+              <a:t>hfe</a:t>
+            </a:r>
+            <a:r>
+              <a:rPr lang="en-US" altLang="ko-KR" sz="2000" dirty="0" smtClean="0"/>
+              <a:t>)</a:t>
+            </a:r>
+            <a:r>
+              <a:rPr lang="ko-KR" altLang="en-US" sz="2000" dirty="0" smtClean="0"/>
+              <a:t>은 </a:t>
+            </a:r>
+            <a:r>
+              <a:rPr lang="en-US" altLang="ko-KR" sz="2000" dirty="0" smtClean="0"/>
+              <a:t>100</a:t>
+            </a:r>
+            <a:r>
+              <a:rPr lang="ko-KR" altLang="en-US" sz="2000" dirty="0" smtClean="0"/>
+              <a:t>으로 가정합니다</a:t>
+            </a:r>
+            <a:r>
+              <a:rPr lang="en-US" altLang="ko-KR" sz="2000" dirty="0" smtClean="0"/>
+              <a:t>. </a:t>
+            </a:r>
+            <a:r>
+              <a:rPr lang="ko-KR" altLang="en-US" sz="2000" dirty="0" smtClean="0"/>
+              <a:t>트랜지스터의 </a:t>
+            </a:r>
+            <a:r>
+              <a:rPr lang="ko-KR" altLang="en-US" sz="2000" dirty="0" err="1" smtClean="0"/>
+              <a:t>선정시는</a:t>
+            </a:r>
+            <a:r>
+              <a:rPr lang="ko-KR" altLang="en-US" sz="2000" dirty="0" smtClean="0"/>
+              <a:t> 주파수 특성이 중요하고 이득 대역폭 </a:t>
+            </a:r>
+            <a:r>
+              <a:rPr lang="en-US" altLang="ko-KR" sz="2000" dirty="0" smtClean="0"/>
+              <a:t>(</a:t>
+            </a:r>
+            <a:r>
+              <a:rPr lang="en-US" altLang="ko-KR" sz="2000" dirty="0" err="1" smtClean="0"/>
+              <a:t>fT</a:t>
+            </a:r>
+            <a:r>
+              <a:rPr lang="en-US" altLang="ko-KR" sz="2000" dirty="0" smtClean="0"/>
+              <a:t>)</a:t>
+            </a:r>
+            <a:r>
+              <a:rPr lang="ko-KR" altLang="en-US" sz="2000" dirty="0" smtClean="0"/>
+              <a:t>이 높은것을 사용할 필요가 있습니다．</a:t>
+            </a:r>
+            <a:endParaRPr lang="en-US" altLang="ko-KR" sz="2000" dirty="0" smtClean="0"/>
+          </a:p>
+          <a:p>
+            <a:pPr lvl="1"/>
+            <a:endParaRPr lang="en-US" altLang="ko-KR" dirty="0" smtClean="0"/>
+          </a:p>
+          <a:p>
+            <a:pPr lvl="1">
               <a:buNone/>
             </a:pPr>
             <a:r>
-              <a:rPr lang="en-US" altLang="ko-KR" sz="2000" dirty="0" smtClean="0"/>
-              <a:t>1. </a:t>
-            </a:r>
-            <a:r>
-              <a:rPr lang="ko-KR" altLang="en-US" sz="2000" dirty="0" err="1" smtClean="0"/>
-              <a:t>컬렉터</a:t>
-            </a:r>
-            <a:r>
-              <a:rPr lang="ko-KR" altLang="en-US" sz="2000" dirty="0" smtClean="0"/>
-              <a:t> 저항（</a:t>
-            </a:r>
-            <a:r>
-              <a:rPr lang="en-US" altLang="ko-KR" sz="2000" dirty="0" err="1" smtClean="0"/>
-              <a:t>Rc</a:t>
-            </a:r>
-            <a:r>
-              <a:rPr lang="en-US" altLang="ko-KR" sz="2000" dirty="0" smtClean="0"/>
-              <a:t>)</a:t>
-            </a:r>
-            <a:r>
-              <a:rPr lang="ko-KR" altLang="en-US" sz="2000" dirty="0" smtClean="0"/>
-              <a:t>의 결정</a:t>
-            </a:r>
-            <a:endParaRPr lang="en-US" altLang="ko-KR" sz="2000" dirty="0" smtClean="0"/>
-          </a:p>
-          <a:p>
-            <a:pPr>
-              <a:buNone/>
-            </a:pPr>
-            <a:endParaRPr lang="en-US" altLang="ko-KR" sz="2000" dirty="0" smtClean="0"/>
-          </a:p>
-          <a:p>
-            <a:r>
-              <a:rPr lang="ko-KR" altLang="en-US" sz="1600" dirty="0" smtClean="0"/>
-              <a:t>이것은 부하전류（</a:t>
-            </a:r>
-            <a:r>
-              <a:rPr lang="en-US" altLang="ko-KR" sz="1600" dirty="0" err="1" smtClean="0"/>
-              <a:t>Ic</a:t>
-            </a:r>
-            <a:r>
-              <a:rPr lang="en-US" altLang="ko-KR" sz="1600" dirty="0" smtClean="0"/>
-              <a:t>)</a:t>
-            </a:r>
-            <a:r>
-              <a:rPr lang="ko-KR" altLang="en-US" sz="1600" dirty="0" smtClean="0"/>
-              <a:t>를 고려해서 결정해야 합니다</a:t>
-            </a:r>
-            <a:r>
-              <a:rPr lang="en-US" altLang="ko-KR" sz="1600" dirty="0" smtClean="0"/>
+              <a:rPr lang="ko-KR" altLang="en-US" dirty="0" smtClean="0"/>
+              <a:t>예：</a:t>
+            </a:r>
+          </a:p>
+          <a:p>
+            <a:pPr lvl="1"/>
+            <a:r>
+              <a:rPr lang="en-US" altLang="ko-KR" dirty="0" err="1" smtClean="0"/>
+              <a:t>fT</a:t>
+            </a:r>
+            <a:r>
+              <a:rPr lang="ko-KR" altLang="en-US" dirty="0" smtClean="0"/>
+              <a:t>가 </a:t>
+            </a:r>
+            <a:r>
+              <a:rPr lang="en-US" altLang="ko-KR" dirty="0" smtClean="0"/>
+              <a:t>200MHz </a:t>
+            </a:r>
+            <a:r>
+              <a:rPr lang="ko-KR" altLang="en-US" dirty="0" smtClean="0"/>
+              <a:t>이고 </a:t>
+            </a:r>
+            <a:r>
+              <a:rPr lang="en-US" altLang="ko-KR" dirty="0" err="1" smtClean="0"/>
+              <a:t>hfe</a:t>
+            </a:r>
+            <a:r>
+              <a:rPr lang="ko-KR" altLang="en-US" dirty="0" smtClean="0"/>
+              <a:t>가 </a:t>
+            </a:r>
+            <a:r>
+              <a:rPr lang="en-US" altLang="ko-KR" dirty="0" smtClean="0"/>
+              <a:t>100</a:t>
+            </a:r>
+            <a:r>
+              <a:rPr lang="ko-KR" altLang="en-US" dirty="0" smtClean="0"/>
+              <a:t>이라면，</a:t>
+            </a:r>
+            <a:r>
+              <a:rPr lang="en-US" altLang="ko-KR" dirty="0" smtClean="0"/>
+              <a:t>200MHz ÷ 100 = 2MHz </a:t>
+            </a:r>
+            <a:r>
+              <a:rPr lang="ko-KR" altLang="en-US" dirty="0" smtClean="0"/>
+              <a:t>로 되어 실제로 사용할 수 있는 주파수는 ２</a:t>
+            </a:r>
+            <a:r>
+              <a:rPr lang="en-US" altLang="ko-KR" dirty="0" smtClean="0"/>
+              <a:t>MHz </a:t>
+            </a:r>
+            <a:r>
+              <a:rPr lang="ko-KR" altLang="en-US" dirty="0" smtClean="0"/>
+              <a:t>정도가 됩니다</a:t>
+            </a:r>
+            <a:r>
+              <a:rPr lang="en-US" altLang="ko-KR" dirty="0" smtClean="0"/>
               <a:t>.</a:t>
             </a:r>
           </a:p>
           <a:p>
-            <a:r>
-              <a:rPr lang="ko-KR" altLang="en-US" sz="1600" dirty="0" smtClean="0"/>
-              <a:t>파워가 필요한 </a:t>
-            </a:r>
-            <a:r>
-              <a:rPr lang="ko-KR" altLang="en-US" sz="1600" dirty="0" err="1" smtClean="0"/>
-              <a:t>드라이브일때는</a:t>
-            </a:r>
-            <a:r>
-              <a:rPr lang="ko-KR" altLang="en-US" sz="1600" dirty="0" smtClean="0"/>
-              <a:t> 수 １００ｍ</a:t>
-            </a:r>
-            <a:r>
-              <a:rPr lang="en-US" altLang="ko-KR" sz="1600" dirty="0" smtClean="0"/>
-              <a:t>A </a:t>
-            </a:r>
-            <a:r>
-              <a:rPr lang="ko-KR" altLang="en-US" sz="1600" dirty="0" smtClean="0"/>
-              <a:t>정도가 필요하며 통상은 수 ｍ</a:t>
-            </a:r>
-            <a:r>
-              <a:rPr lang="en-US" altLang="ko-KR" sz="1600" dirty="0" smtClean="0"/>
-              <a:t>A ~ </a:t>
-            </a:r>
-            <a:r>
-              <a:rPr lang="ko-KR" altLang="en-US" sz="1600" dirty="0" smtClean="0"/>
-              <a:t>수 １０ｍ</a:t>
-            </a:r>
-            <a:r>
-              <a:rPr lang="en-US" altLang="ko-KR" sz="1600" dirty="0" smtClean="0"/>
-              <a:t>A </a:t>
-            </a:r>
-            <a:r>
-              <a:rPr lang="ko-KR" altLang="en-US" sz="1600" dirty="0" smtClean="0"/>
-              <a:t>정도가 일반적입니다．</a:t>
-            </a:r>
-          </a:p>
-          <a:p>
-            <a:r>
-              <a:rPr lang="en-US" altLang="ko-KR" sz="1600" dirty="0" err="1" smtClean="0"/>
-              <a:t>Rc</a:t>
-            </a:r>
-            <a:r>
-              <a:rPr lang="ko-KR" altLang="en-US" sz="1600" dirty="0" smtClean="0"/>
-              <a:t>는 무신호시 출력전압이 전원 전압의 １／２이 되도록 하면 되며</a:t>
-            </a:r>
-          </a:p>
-          <a:p>
-            <a:r>
-              <a:rPr lang="en-US" altLang="ko-KR" sz="1600" dirty="0" err="1" smtClean="0"/>
-              <a:t>Rc</a:t>
-            </a:r>
-            <a:r>
-              <a:rPr lang="en-US" altLang="ko-KR" sz="1600" dirty="0" smtClean="0"/>
-              <a:t> = </a:t>
-            </a:r>
-            <a:r>
-              <a:rPr lang="ko-KR" altLang="en-US" sz="1600" dirty="0" smtClean="0"/>
-              <a:t>（</a:t>
-            </a:r>
-            <a:r>
-              <a:rPr lang="en-US" altLang="ko-KR" sz="1600" dirty="0" err="1" smtClean="0"/>
-              <a:t>Vcc</a:t>
-            </a:r>
-            <a:r>
-              <a:rPr lang="en-US" altLang="ko-KR" sz="1600" dirty="0" smtClean="0"/>
-              <a:t>/2) ÷ </a:t>
-            </a:r>
-            <a:r>
-              <a:rPr lang="en-US" altLang="ko-KR" sz="1600" dirty="0" err="1" smtClean="0"/>
-              <a:t>Ic</a:t>
-            </a:r>
-            <a:r>
-              <a:rPr lang="en-US" altLang="ko-KR" sz="1600" dirty="0" smtClean="0"/>
-              <a:t> </a:t>
-            </a:r>
-            <a:r>
-              <a:rPr lang="ko-KR" altLang="en-US" sz="1600" dirty="0" smtClean="0"/>
-              <a:t>로 계산하면 구할 수 있습니다</a:t>
-            </a:r>
-            <a:r>
-              <a:rPr lang="en-US" altLang="ko-KR" sz="1600" dirty="0" smtClean="0"/>
+            <a:pPr lvl="1"/>
+            <a:r>
+              <a:rPr lang="ko-KR" altLang="en-US" dirty="0" smtClean="0"/>
+              <a:t>따라서 </a:t>
+            </a:r>
+            <a:r>
+              <a:rPr lang="en-US" altLang="ko-KR" dirty="0" smtClean="0"/>
+              <a:t>10MHz </a:t>
+            </a:r>
+            <a:r>
+              <a:rPr lang="ko-KR" altLang="en-US" dirty="0" smtClean="0"/>
+              <a:t>이상의 주파수로 사용하려면 </a:t>
+            </a:r>
+            <a:r>
+              <a:rPr lang="en-US" altLang="ko-KR" dirty="0" smtClean="0"/>
+              <a:t>ft</a:t>
+            </a:r>
+            <a:r>
+              <a:rPr lang="ko-KR" altLang="en-US" dirty="0" smtClean="0"/>
+              <a:t>는 </a:t>
+            </a:r>
+            <a:r>
+              <a:rPr lang="en-US" altLang="ko-KR" dirty="0" smtClean="0"/>
+              <a:t>1GHz </a:t>
+            </a:r>
+            <a:r>
+              <a:rPr lang="ko-KR" altLang="en-US" dirty="0" smtClean="0"/>
+              <a:t>이상이 필요하게 됩니다</a:t>
+            </a:r>
+            <a:r>
+              <a:rPr lang="en-US" altLang="ko-KR" dirty="0" smtClean="0"/>
               <a:t>.</a:t>
             </a:r>
-          </a:p>
-          <a:p>
-            <a:pPr>
-              <a:buNone/>
-            </a:pPr>
-            <a:r>
-              <a:rPr lang="en-US" altLang="ko-KR" sz="1600" dirty="0" smtClean="0"/>
-              <a:t>(</a:t>
-            </a:r>
-            <a:r>
-              <a:rPr lang="ko-KR" altLang="en-US" sz="1600" dirty="0" smtClean="0"/>
-              <a:t>예：</a:t>
-            </a:r>
-            <a:r>
-              <a:rPr lang="en-US" altLang="ko-KR" sz="1600" dirty="0" err="1" smtClean="0"/>
-              <a:t>Vcc</a:t>
-            </a:r>
-            <a:r>
-              <a:rPr lang="en-US" altLang="ko-KR" sz="1600" dirty="0" smtClean="0"/>
-              <a:t>=5V </a:t>
-            </a:r>
-            <a:r>
-              <a:rPr lang="en-US" altLang="ko-KR" sz="1600" dirty="0" err="1" smtClean="0"/>
-              <a:t>Ic</a:t>
-            </a:r>
-            <a:r>
-              <a:rPr lang="en-US" altLang="ko-KR" sz="1600" dirty="0" smtClean="0"/>
-              <a:t>=</a:t>
-            </a:r>
-            <a:r>
-              <a:rPr lang="ko-KR" altLang="en-US" sz="1600" dirty="0" smtClean="0"/>
-              <a:t>２</a:t>
-            </a:r>
-            <a:r>
-              <a:rPr lang="en-US" altLang="ko-KR" sz="1600" dirty="0" err="1" smtClean="0"/>
-              <a:t>mA</a:t>
-            </a:r>
-            <a:r>
-              <a:rPr lang="en-US" altLang="ko-KR" sz="1600" dirty="0" smtClean="0"/>
-              <a:t> </a:t>
-            </a:r>
-            <a:r>
-              <a:rPr lang="ko-KR" altLang="en-US" sz="1600" dirty="0" smtClean="0"/>
-              <a:t>라면 </a:t>
-            </a:r>
-            <a:r>
-              <a:rPr lang="en-US" altLang="ko-KR" sz="1600" dirty="0" err="1" smtClean="0"/>
-              <a:t>Rc</a:t>
-            </a:r>
-            <a:r>
-              <a:rPr lang="en-US" altLang="ko-KR" sz="1600" dirty="0" smtClean="0"/>
-              <a:t>=1.25KΩ = </a:t>
-            </a:r>
-            <a:r>
-              <a:rPr lang="ko-KR" altLang="en-US" sz="1600" dirty="0" smtClean="0"/>
-              <a:t>약</a:t>
-            </a:r>
-            <a:r>
-              <a:rPr lang="en-US" altLang="ko-KR" sz="1600" dirty="0" smtClean="0"/>
-              <a:t>1KΩ)</a:t>
-            </a:r>
-            <a:endParaRPr lang="ko-KR" altLang="en-US" sz="1600" dirty="0"/>
-          </a:p>
-        </p:txBody>
-      </p:sp>
-      <p:pic>
-        <p:nvPicPr>
-          <p:cNvPr id="5122" name="Picture 2"/>
-          <p:cNvPicPr>
-            <a:picLocks noChangeAspect="1" noChangeArrowheads="1"/>
-          </p:cNvPicPr>
-          <p:nvPr/>
-        </p:nvPicPr>
-        <p:blipFill>
-          <a:blip r:embed="rId2" cstate="print"/>
-          <a:srcRect/>
-          <a:stretch>
-            <a:fillRect/>
-          </a:stretch>
-        </p:blipFill>
-        <p:spPr bwMode="auto">
-          <a:xfrm>
-            <a:off x="179512" y="2276872"/>
-            <a:ext cx="3927059" cy="2995414"/>
-          </a:xfrm>
-          <a:prstGeom prst="rect">
-            <a:avLst/>
-          </a:prstGeom>
-          <a:noFill/>
-          <a:ln w="9525">
-            <a:noFill/>
-            <a:miter lim="800000"/>
-            <a:headEnd/>
-            <a:tailEnd/>
-          </a:ln>
-        </p:spPr>
-      </p:pic>
+            <a:endParaRPr lang="ko-KR" altLang="en-US" dirty="0"/>
+          </a:p>
+        </p:txBody>
+      </p:sp>
     </p:spTree>
   </p:cSld>
   <p:clrMapOvr>
@@ -7583,23 +7464,27 @@
             </a:pPr>
             <a:r>
               <a:rPr lang="en-US" altLang="ko-KR" sz="2000" dirty="0" smtClean="0"/>
-              <a:t>2. </a:t>
+              <a:t>1. </a:t>
             </a:r>
             <a:r>
               <a:rPr lang="ko-KR" altLang="en-US" sz="2000" dirty="0" err="1" smtClean="0"/>
-              <a:t>이미터</a:t>
+              <a:t>컬렉터</a:t>
             </a:r>
             <a:r>
               <a:rPr lang="ko-KR" altLang="en-US" sz="2000" dirty="0" smtClean="0"/>
               <a:t> 저항（</a:t>
             </a:r>
             <a:r>
-              <a:rPr lang="en-US" altLang="ko-KR" sz="2000" dirty="0" smtClean="0"/>
-              <a:t>Re</a:t>
-            </a:r>
-            <a:r>
-              <a:rPr lang="ko-KR" altLang="en-US" sz="2000" dirty="0" smtClean="0"/>
-              <a:t>）의 결정</a:t>
+              <a:rPr lang="en-US" altLang="ko-KR" sz="2000" dirty="0" err="1" smtClean="0"/>
+              <a:t>Rc</a:t>
+            </a:r>
+            <a:r>
+              <a:rPr lang="en-US" altLang="ko-KR" sz="2000" dirty="0" smtClean="0"/>
+              <a:t>)</a:t>
+            </a:r>
+            <a:r>
+              <a:rPr lang="ko-KR" altLang="en-US" sz="2000" dirty="0" smtClean="0"/>
+              <a:t>의 결정</a:t>
             </a:r>
             <a:endParaRPr lang="en-US" altLang="ko-KR" sz="2000" dirty="0" smtClean="0"/>
           </a:p>
@@ -7612,53 +7497,109 @@
           <a:p>
             <a:r>
               <a:rPr lang="ko-KR" altLang="en-US" sz="1600" dirty="0" smtClean="0"/>
-              <a:t>이 저항은 입력신호가 １</a:t>
+              <a:t>이것은 부하전류（</a:t>
+            </a:r>
+            <a:r>
+              <a:rPr lang="en-US" altLang="ko-KR" sz="1600" dirty="0" err="1" smtClean="0"/>
+              <a:t>Ic</a:t>
             </a:r>
             <a:r>
               <a:rPr lang="en-US" altLang="ko-KR" sz="1600" dirty="0" smtClean="0"/>
-              <a:t>V </a:t>
+              <a:t>)</a:t>
             </a:r>
             <a:r>
               <a:rPr lang="ko-KR" altLang="en-US" sz="1600" dirty="0" smtClean="0"/>
-              <a:t>이상이 되어도 출력이 포화하지 않도록 하여 신호를 깨끗하게 증폭 할 수 있도록 합니다</a:t>
+              <a:t>를 고려해서 결정해야 합니다</a:t>
             </a:r>
             <a:r>
               <a:rPr lang="en-US" altLang="ko-KR" sz="1600" dirty="0" smtClean="0"/>
-              <a:t>. </a:t>
+              <a:t>.</a:t>
             </a:r>
           </a:p>
           <a:p>
             <a:r>
               <a:rPr lang="ko-KR" altLang="en-US" sz="1600" dirty="0" smtClean="0"/>
-              <a:t>값의 결정은 </a:t>
+              <a:t>파워가 필요한 </a:t>
             </a:r>
             <a:r>
               <a:rPr lang="ko-KR" altLang="en-US" sz="1600" dirty="0" err="1" smtClean="0"/>
-              <a:t>러프하게</a:t>
+              <a:t>드라이브일때는</a:t>
             </a:r>
             <a:r>
               <a:rPr lang="ko-KR" altLang="en-US" sz="1600" dirty="0" smtClean="0"/>
-              <a:t> 생각해도 좋으며 통상 </a:t>
-            </a:r>
+              <a:t> 수 １００ｍ</a:t>
+            </a:r>
+            <a:r>
+              <a:rPr lang="en-US" altLang="ko-KR" sz="1600" dirty="0" smtClean="0"/>
+              <a:t>A </a:t>
+            </a:r>
+            <a:r>
+              <a:rPr lang="ko-KR" altLang="en-US" sz="1600" dirty="0" smtClean="0"/>
+              <a:t>정도가 필요하며 통상은 수 ｍ</a:t>
+            </a:r>
+            <a:r>
+              <a:rPr lang="en-US" altLang="ko-KR" sz="1600" dirty="0" smtClean="0"/>
+              <a:t>A ~ </a:t>
+            </a:r>
+            <a:r>
+              <a:rPr lang="ko-KR" altLang="en-US" sz="1600" dirty="0" smtClean="0"/>
+              <a:t>수 １０ｍ</a:t>
+            </a:r>
+            <a:r>
+              <a:rPr lang="en-US" altLang="ko-KR" sz="1600" dirty="0" smtClean="0"/>
+              <a:t>A </a:t>
+            </a:r>
+            <a:r>
+              <a:rPr lang="ko-KR" altLang="en-US" sz="1600" dirty="0" smtClean="0"/>
+              <a:t>정도가 일반적입니다．</a:t>
+            </a:r>
+          </a:p>
+          <a:p>
             <a:r>
               <a:rPr lang="en-US" altLang="ko-KR" sz="1600" dirty="0" err="1" smtClean="0"/>
               <a:t>Rc</a:t>
             </a:r>
             <a:r>
               <a:rPr lang="ko-KR" altLang="en-US" sz="1600" dirty="0" smtClean="0"/>
-              <a:t>의 </a:t>
+              <a:t>는 무신호시 출력전압이 전원 전압의 １／２이 되도록 하면 되며</a:t>
+            </a:r>
+          </a:p>
+          <a:p>
+            <a:r>
+              <a:rPr lang="en-US" altLang="ko-KR" sz="1600" dirty="0" err="1" smtClean="0"/>
+              <a:t>Rc</a:t>
             </a:r>
             <a:r>
               <a:rPr lang="en-US" altLang="ko-KR" sz="1600" dirty="0" smtClean="0"/>
-              <a:t>1/5 ∼ 1/10 </a:t>
+              <a:t> = </a:t>
             </a:r>
             <a:r>
               <a:rPr lang="ko-KR" altLang="en-US" sz="1600" dirty="0" smtClean="0"/>
-              <a:t>정도면 족합니다</a:t>
+              <a:t>（</a:t>
+            </a:r>
+            <a:r>
+              <a:rPr lang="en-US" altLang="ko-KR" sz="1600" dirty="0" err="1" smtClean="0"/>
+              <a:t>Vcc</a:t>
             </a:r>
             <a:r>
               <a:rPr lang="en-US" altLang="ko-KR" sz="1600" dirty="0" smtClean="0"/>
-              <a:t>. </a:t>
+              <a:t>/2) ÷ </a:t>
+            </a:r>
+            <a:r>
+              <a:rPr lang="en-US" altLang="ko-KR" sz="1600" dirty="0" err="1" smtClean="0"/>
+              <a:t>Ic</a:t>
+            </a:r>
+            <a:r>
+              <a:rPr lang="en-US" altLang="ko-KR" sz="1600" dirty="0" smtClean="0"/>
+              <a:t> </a:t>
+            </a:r>
+            <a:r>
+              <a:rPr lang="ko-KR" altLang="en-US" sz="1600" dirty="0" smtClean="0"/>
+              <a:t>로 계산하면 구할 수 있습니다</a:t>
+            </a:r>
+            <a:r>
+              <a:rPr lang="en-US" altLang="ko-KR" sz="1600" dirty="0" smtClean="0"/>
+              <a:t>.</a:t>
             </a:r>
           </a:p>
           <a:p>
@@ -7667,19 +7608,59 @@
             </a:pPr>
             <a:r>
               <a:rPr lang="en-US" altLang="ko-KR" sz="1600" dirty="0" smtClean="0"/>
-              <a:t>   (</a:t>
+              <a:t>(</a:t>
             </a:r>
             <a:r>
               <a:rPr lang="ko-KR" altLang="en-US" sz="1600" dirty="0" smtClean="0"/>
               <a:t>예：</a:t>
             </a:r>
             <a:r>
+              <a:rPr lang="en-US" altLang="ko-KR" sz="1600" dirty="0" err="1" smtClean="0"/>
+              <a:t>Vcc</a:t>
+            </a:r>
+            <a:r>
               <a:rPr lang="en-US" altLang="ko-KR" sz="1600" dirty="0" smtClean="0"/>
-              <a:t>1KΩ ÷ 5 = 200Ω</a:t>
+              <a:t>=5V </a:t>
+            </a:r>
+            <a:r>
+              <a:rPr lang="en-US" altLang="ko-KR" sz="1600" dirty="0" err="1" smtClean="0"/>
+              <a:t>Ic</a:t>
+            </a:r>
+            <a:r>
+              <a:rPr lang="en-US" altLang="ko-KR" sz="1600" dirty="0" smtClean="0"/>
+              <a:t>=</a:t>
             </a:r>
             <a:r>
               <a:rPr lang="ko-KR" altLang="en-US" sz="1600" dirty="0" smtClean="0"/>
-              <a:t>）</a:t>
+              <a:t>２</a:t>
+            </a:r>
+            <a:r>
+              <a:rPr lang="en-US" altLang="ko-KR" sz="1600" dirty="0" err="1" smtClean="0"/>
+              <a:t>mA</a:t>
+            </a:r>
+            <a:r>
+              <a:rPr lang="en-US" altLang="ko-KR" sz="1600" dirty="0" smtClean="0"/>
+              <a:t> </a:t>
+            </a:r>
+            <a:r>
+              <a:rPr lang="ko-KR" altLang="en-US" sz="1600" dirty="0" smtClean="0"/>
+              <a:t>라면 </a:t>
+            </a:r>
+            <a:r>
+              <a:rPr lang="en-US" altLang="ko-KR" sz="1600" dirty="0" err="1" smtClean="0"/>
+              <a:t>Rc</a:t>
+            </a:r>
+            <a:r>
+              <a:rPr lang="en-US" altLang="ko-KR" sz="1600" dirty="0" smtClean="0"/>
+              <a:t>=1.25KΩ = </a:t>
+            </a:r>
+            <a:r>
+              <a:rPr lang="ko-KR" altLang="en-US" sz="1600" dirty="0" smtClean="0"/>
+              <a:t>약</a:t>
+            </a:r>
+            <a:r>
+              <a:rPr lang="en-US" altLang="ko-KR" sz="1600" dirty="0" smtClean="0"/>
+              <a:t>1KΩ)</a:t>
             </a:r>
             <a:endParaRPr lang="ko-KR" altLang="en-US" sz="1600" dirty="0"/>
           </a:p>
@@ -7898,7 +7879,7 @@
         </p:spPr>
         <p:txBody>
           <a:bodyPr>
-            <a:normAutofit fontScale="92500" lnSpcReduction="20000"/>
+            <a:normAutofit/>
           </a:bodyPr>
           <a:lstStyle/>
           <a:p>
@@ -7907,23 +7888,19 @@
             </a:pPr>
             <a:r>
               <a:rPr lang="en-US" altLang="ko-KR" sz="2000" dirty="0" smtClean="0"/>
-              <a:t>3. </a:t>
-            </a:r>
-            <a:r>
-              <a:rPr lang="ko-KR" altLang="en-US" sz="2000" dirty="0" smtClean="0"/>
-              <a:t>베이스 저항（</a:t>
-            </a:r>
-            <a:r>
-              <a:rPr lang="en-US" altLang="ko-KR" sz="2000" dirty="0" smtClean="0"/>
-              <a:t>R1</a:t>
-            </a:r>
-            <a:r>
-              <a:rPr lang="ko-KR" altLang="en-US" sz="2000" dirty="0" smtClean="0"/>
-              <a:t>과 </a:t>
-            </a:r>
-            <a:r>
-              <a:rPr lang="en-US" altLang="ko-KR" sz="2000" dirty="0" smtClean="0"/>
-              <a:t>R2</a:t>
+              <a:t>2. </a:t>
+            </a:r>
+            <a:r>
+              <a:rPr lang="ko-KR" altLang="en-US" sz="2000" dirty="0" err="1" smtClean="0"/>
+              <a:t>이미터</a:t>
+            </a:r>
+            <a:r>
+              <a:rPr lang="ko-KR" altLang="en-US" sz="2000" dirty="0" smtClean="0"/>
+              <a:t> 저항（</a:t>
+            </a:r>
+            <a:r>
+              <a:rPr lang="en-US" altLang="ko-KR" sz="2000" dirty="0" smtClean="0"/>
+              <a:t>Re</a:t>
             </a:r>
             <a:r>
               <a:rPr lang="ko-KR" altLang="en-US" sz="2000" dirty="0" smtClean="0"/>
@@ -7940,275 +7917,62 @@
           <a:p>
             <a:r>
               <a:rPr lang="ko-KR" altLang="en-US" sz="1600" dirty="0" smtClean="0"/>
-              <a:t>먼저 필요한 베이스 전압（</a:t>
-            </a:r>
-            <a:r>
-              <a:rPr lang="en-US" altLang="ko-KR" sz="1600" dirty="0" err="1" smtClean="0"/>
-              <a:t>Vb</a:t>
+              <a:t>이 저항은 입력신호가 １</a:t>
             </a:r>
             <a:r>
               <a:rPr lang="en-US" altLang="ko-KR" sz="1600" dirty="0" smtClean="0"/>
-              <a:t>)</a:t>
+              <a:t>V </a:t>
             </a:r>
             <a:r>
               <a:rPr lang="ko-KR" altLang="en-US" sz="1600" dirty="0" smtClean="0"/>
-              <a:t>을 구합니다</a:t>
+              <a:t>이상이 되어도 출력이 포화하지 않도록 하여 신호를 깨끗하게 증폭 할 수 있도록 합니다</a:t>
             </a:r>
             <a:r>
               <a:rPr lang="en-US" altLang="ko-KR" sz="1600" dirty="0" smtClean="0"/>
               <a:t>. </a:t>
             </a:r>
+          </a:p>
+          <a:p>
             <a:r>
               <a:rPr lang="ko-KR" altLang="en-US" sz="1600" dirty="0" smtClean="0"/>
-              <a:t>무신호시 </a:t>
+              <a:t>값의 결정은 </a:t>
+            </a:r>
+            <a:r>
+              <a:rPr lang="ko-KR" altLang="en-US" sz="1600" dirty="0" err="1" smtClean="0"/>
+              <a:t>러프하게</a:t>
+            </a:r>
+            <a:r>
+              <a:rPr lang="ko-KR" altLang="en-US" sz="1600" dirty="0" smtClean="0"/>
+              <a:t> 생각해도 좋으며 통상 </a:t>
+            </a:r>
+            <a:r>
+              <a:rPr lang="en-US" altLang="ko-KR" sz="1600" dirty="0" err="1" smtClean="0"/>
+              <a:t>Rc</a:t>
+            </a:r>
+            <a:r>
+              <a:rPr lang="ko-KR" altLang="en-US" sz="1600" dirty="0" smtClean="0"/>
+              <a:t>의 </a:t>
             </a:r>
             <a:r>
               <a:rPr lang="en-US" altLang="ko-KR" sz="1600" dirty="0" smtClean="0"/>
-              <a:t>Re</a:t>
+              <a:t>1/5 ∼ 1/10 </a:t>
             </a:r>
             <a:r>
               <a:rPr lang="ko-KR" altLang="en-US" sz="1600" dirty="0" smtClean="0"/>
-              <a:t>에는 </a:t>
-            </a:r>
-            <a:r>
-              <a:rPr lang="en-US" altLang="ko-KR" sz="1600" dirty="0" err="1" smtClean="0"/>
-              <a:t>Ic</a:t>
-            </a:r>
-            <a:r>
-              <a:rPr lang="ko-KR" altLang="en-US" sz="1600" dirty="0" smtClean="0"/>
-              <a:t>의 전류가 흐르고 있고 베이스 이미터간 전압은 약 </a:t>
+              <a:t>정도면 족합니다</a:t>
             </a:r>
             <a:r>
               <a:rPr lang="en-US" altLang="ko-KR" sz="1600" dirty="0" smtClean="0"/>
-              <a:t>0.6V</a:t>
-            </a:r>
-            <a:r>
-              <a:rPr lang="ko-KR" altLang="en-US" sz="1600" dirty="0" smtClean="0"/>
-              <a:t>로 거의 일정하기 때문에 </a:t>
-            </a:r>
-            <a:r>
-              <a:rPr lang="en-US" altLang="ko-KR" sz="1600" dirty="0" err="1" smtClean="0"/>
-              <a:t>Vb</a:t>
-            </a:r>
-            <a:r>
-              <a:rPr lang="en-US" altLang="ko-KR" sz="1600" dirty="0" smtClean="0"/>
-              <a:t> = </a:t>
-            </a:r>
-            <a:r>
-              <a:rPr lang="en-US" altLang="ko-KR" sz="1600" dirty="0" err="1" smtClean="0"/>
-              <a:t>Ic×Re</a:t>
-            </a:r>
-            <a:r>
-              <a:rPr lang="ko-KR" altLang="en-US" sz="1600" dirty="0" smtClean="0"/>
-              <a:t>＋</a:t>
-            </a:r>
-            <a:r>
-              <a:rPr lang="en-US" altLang="ko-KR" sz="1600" dirty="0" smtClean="0"/>
-              <a:t>0.6</a:t>
-            </a:r>
-            <a:r>
-              <a:rPr lang="ko-KR" altLang="en-US" sz="1600" dirty="0" smtClean="0"/>
-              <a:t>로 됩니다．</a:t>
-            </a:r>
-            <a:endParaRPr lang="en-US" altLang="ko-KR" sz="1600" dirty="0" smtClean="0"/>
+              <a:t>. </a:t>
+            </a:r>
           </a:p>
           <a:p>
             <a:pPr>
               <a:buNone/>
             </a:pPr>
             <a:r>
-              <a:rPr lang="ko-KR" altLang="en-US" sz="1600" dirty="0" smtClean="0"/>
-              <a:t>   （예： </a:t>
-            </a:r>
-            <a:r>
               <a:rPr lang="en-US" altLang="ko-KR" sz="1600" dirty="0" smtClean="0"/>
-              <a:t>2mA × 200Ω</a:t>
-            </a:r>
-            <a:r>
-              <a:rPr lang="ko-KR" altLang="en-US" sz="1600" dirty="0" smtClean="0"/>
-              <a:t>＋</a:t>
-            </a:r>
-            <a:r>
-              <a:rPr lang="en-US" altLang="ko-KR" sz="1600" dirty="0" smtClean="0"/>
-              <a:t>0.6 = 1.0V</a:t>
-            </a:r>
-            <a:r>
-              <a:rPr lang="ko-KR" altLang="en-US" sz="1600" dirty="0" smtClean="0"/>
-              <a:t>）</a:t>
-            </a:r>
-            <a:endParaRPr lang="en-US" altLang="ko-KR" sz="1600" dirty="0" smtClean="0"/>
-          </a:p>
-          <a:p>
-            <a:r>
-              <a:rPr lang="ko-KR" altLang="en-US" sz="1600" dirty="0" smtClean="0"/>
-              <a:t>다음에 필요한 베이스 전류（</a:t>
-            </a:r>
-            <a:r>
-              <a:rPr lang="en-US" altLang="ko-KR" sz="1600" dirty="0" err="1" smtClean="0"/>
-              <a:t>Ib</a:t>
-            </a:r>
-            <a:r>
-              <a:rPr lang="en-US" altLang="ko-KR" sz="1600" dirty="0" smtClean="0"/>
-              <a:t>)</a:t>
-            </a:r>
-            <a:r>
-              <a:rPr lang="ko-KR" altLang="en-US" sz="1600" dirty="0" smtClean="0"/>
-              <a:t>를 전류 </a:t>
-            </a:r>
-            <a:r>
-              <a:rPr lang="ko-KR" altLang="en-US" sz="1600" dirty="0" err="1" smtClean="0"/>
-              <a:t>증폭율</a:t>
-            </a:r>
-            <a:r>
-              <a:rPr lang="en-US" altLang="ko-KR" sz="1600" dirty="0" smtClean="0"/>
-              <a:t>(</a:t>
-            </a:r>
-            <a:r>
-              <a:rPr lang="en-US" altLang="ko-KR" sz="1600" dirty="0" err="1" smtClean="0"/>
-              <a:t>hfe</a:t>
-            </a:r>
-            <a:r>
-              <a:rPr lang="en-US" altLang="ko-KR" sz="1600" dirty="0" smtClean="0"/>
-              <a:t>)</a:t>
-            </a:r>
-            <a:r>
-              <a:rPr lang="ko-KR" altLang="en-US" sz="1600" dirty="0" smtClean="0"/>
-              <a:t>에 의해 계산하면 </a:t>
-            </a:r>
-            <a:r>
-              <a:rPr lang="en-US" altLang="ko-KR" sz="1600" dirty="0" err="1" smtClean="0"/>
-              <a:t>Ib</a:t>
-            </a:r>
-            <a:r>
-              <a:rPr lang="en-US" altLang="ko-KR" sz="1600" dirty="0" smtClean="0"/>
-              <a:t> = </a:t>
-            </a:r>
-            <a:r>
-              <a:rPr lang="en-US" altLang="ko-KR" sz="1600" dirty="0" err="1" smtClean="0"/>
-              <a:t>Ic</a:t>
-            </a:r>
-            <a:r>
-              <a:rPr lang="en-US" altLang="ko-KR" sz="1600" dirty="0" smtClean="0"/>
-              <a:t> ÷ </a:t>
-            </a:r>
-            <a:r>
-              <a:rPr lang="en-US" altLang="ko-KR" sz="1600" dirty="0" err="1" smtClean="0"/>
-              <a:t>hfe</a:t>
-            </a:r>
-            <a:endParaRPr lang="en-US" altLang="ko-KR" sz="1600" dirty="0" smtClean="0"/>
-          </a:p>
-          <a:p>
-            <a:pPr>
-              <a:buNone/>
-            </a:pPr>
-            <a:r>
-              <a:rPr lang="en-US" altLang="ko-KR" sz="1600" dirty="0" smtClean="0"/>
-              <a:t>   </a:t>
-            </a:r>
-            <a:r>
-              <a:rPr lang="ko-KR" altLang="en-US" sz="1600" dirty="0" smtClean="0"/>
-              <a:t>（예：</a:t>
-            </a:r>
-            <a:r>
-              <a:rPr lang="en-US" altLang="ko-KR" sz="1600" dirty="0" smtClean="0"/>
-              <a:t>2mA÷100 = 0.02mA </a:t>
-            </a:r>
-            <a:r>
-              <a:rPr lang="en-US" altLang="ko-KR" sz="1600" dirty="0" err="1" smtClean="0"/>
-              <a:t>hfe</a:t>
-            </a:r>
-            <a:r>
-              <a:rPr lang="en-US" altLang="ko-KR" sz="1600" dirty="0" smtClean="0"/>
-              <a:t>=100</a:t>
-            </a:r>
-            <a:r>
-              <a:rPr lang="ko-KR" altLang="en-US" sz="1600" dirty="0" smtClean="0"/>
-              <a:t>）가 됩니다</a:t>
-            </a:r>
-            <a:r>
-              <a:rPr lang="en-US" altLang="ko-KR" sz="1600" dirty="0" smtClean="0"/>
-              <a:t>.</a:t>
-            </a:r>
-          </a:p>
-          <a:p>
-            <a:r>
-              <a:rPr lang="ko-KR" altLang="en-US" sz="1600" dirty="0" smtClean="0"/>
-              <a:t>여기에서 베이스 저항은 베이스 전류의 １０배 이상의 전류가 흐르게 하여 베이스전류 및 베이스 전압이 변동하지 않도록 하며 </a:t>
-            </a:r>
-            <a:r>
-              <a:rPr lang="en-US" altLang="ko-KR" sz="1600" dirty="0" smtClean="0"/>
-              <a:t>R1</a:t>
-            </a:r>
-            <a:r>
-              <a:rPr lang="ko-KR" altLang="en-US" sz="1600" dirty="0" smtClean="0"/>
-              <a:t>，</a:t>
-            </a:r>
-            <a:r>
-              <a:rPr lang="en-US" altLang="ko-KR" sz="1600" dirty="0" smtClean="0"/>
-              <a:t>R2</a:t>
-            </a:r>
-            <a:r>
-              <a:rPr lang="ko-KR" altLang="en-US" sz="1600" dirty="0" smtClean="0"/>
-              <a:t>는 다음과 같이 계산합니다</a:t>
-            </a:r>
-            <a:r>
-              <a:rPr lang="en-US" altLang="ko-KR" sz="1600" dirty="0" smtClean="0"/>
-              <a:t>. </a:t>
-            </a:r>
-          </a:p>
-          <a:p>
-            <a:pPr>
-              <a:buNone/>
-            </a:pPr>
-            <a:r>
-              <a:rPr lang="en-US" altLang="ko-KR" sz="1600" dirty="0" smtClean="0"/>
-              <a:t>    </a:t>
-            </a:r>
-            <a:r>
-              <a:rPr lang="pt-BR" altLang="ko-KR" sz="1600" dirty="0" smtClean="0"/>
-              <a:t>R1 = </a:t>
-            </a:r>
-            <a:r>
-              <a:rPr lang="ko-KR" altLang="pt-BR" sz="1600" dirty="0" smtClean="0"/>
-              <a:t>（</a:t>
-            </a:r>
-            <a:r>
-              <a:rPr lang="pt-BR" altLang="ko-KR" sz="1600" dirty="0" smtClean="0"/>
-              <a:t>Vcc - Vb) ÷</a:t>
-            </a:r>
-            <a:r>
-              <a:rPr lang="ko-KR" altLang="pt-BR" sz="1600" dirty="0" smtClean="0"/>
-              <a:t>（</a:t>
-            </a:r>
-            <a:r>
-              <a:rPr lang="pt-BR" altLang="ko-KR" sz="1600" dirty="0" smtClean="0"/>
-              <a:t>10×Ic</a:t>
-            </a:r>
-            <a:r>
-              <a:rPr lang="ko-KR" altLang="pt-BR" sz="1600" dirty="0" smtClean="0"/>
-              <a:t>）</a:t>
-            </a:r>
-            <a:r>
-              <a:rPr lang="pt-BR" altLang="ko-KR" sz="1600" dirty="0" smtClean="0"/>
-              <a:t>, </a:t>
-            </a:r>
-          </a:p>
-          <a:p>
-            <a:pPr>
-              <a:buNone/>
-            </a:pPr>
-            <a:r>
-              <a:rPr lang="pt-BR" altLang="ko-KR" sz="1600" dirty="0" smtClean="0"/>
-              <a:t>    R2 = Vb ÷ (10 × Ic)</a:t>
-            </a:r>
-          </a:p>
-          <a:p>
-            <a:pPr>
-              <a:buNone/>
-            </a:pPr>
-            <a:r>
-              <a:rPr lang="en-US" altLang="ko-KR" sz="1600" dirty="0" smtClean="0"/>
-              <a:t>    (</a:t>
+              <a:t>   (</a:t>
             </a:r>
             <a:r>
               <a:rPr lang="ko-KR" altLang="en-US" sz="1600" dirty="0" smtClean="0"/>
@@ -8216,31 +7980,10 @@
             </a:r>
             <a:r>
               <a:rPr lang="en-US" altLang="ko-KR" sz="1600" dirty="0" smtClean="0"/>
-              <a:t>R1=(5V-1V)÷10×0.02mA=20K</a:t>
-            </a:r>
-            <a:r>
-              <a:rPr lang="el-GR" altLang="ko-KR" sz="1600" dirty="0" smtClean="0"/>
-              <a:t>Ω </a:t>
-            </a:r>
-            <a:r>
-              <a:rPr lang="en-US" altLang="ko-KR" sz="1600" dirty="0" smtClean="0"/>
-              <a:t>   </a:t>
-            </a:r>
-          </a:p>
-          <a:p>
-            <a:pPr>
-              <a:buNone/>
-            </a:pPr>
-            <a:r>
-              <a:rPr lang="en-US" altLang="ko-KR" sz="1600" dirty="0" smtClean="0"/>
-              <a:t>           R2=1V÷(10×0.02mA)=5K</a:t>
-            </a:r>
-            <a:r>
-              <a:rPr lang="el-GR" altLang="ko-KR" sz="1600" dirty="0" smtClean="0"/>
-              <a:t>Ω </a:t>
-            </a:r>
-            <a:r>
-              <a:rPr lang="ko-KR" altLang="el-GR" sz="1600" dirty="0" smtClean="0"/>
+              <a:t>1KΩ ÷ 5 = 200Ω</a:t>
+            </a:r>
+            <a:r>
+              <a:rPr lang="ko-KR" altLang="en-US" sz="1600" dirty="0" smtClean="0"/>
               <a:t>）</a:t>
             </a:r>
             <a:endParaRPr lang="ko-KR" altLang="en-US" sz="1600" dirty="0"/>
@@ -8359,7 +8102,7 @@
         </p:spPr>
         <p:txBody>
           <a:bodyPr>
-            <a:normAutofit/>
+            <a:normAutofit fontScale="92500" lnSpcReduction="20000"/>
           </a:bodyPr>
           <a:lstStyle/>
           <a:p>
@@ -8368,31 +8111,27 @@
             </a:pPr>
             <a:r>
               <a:rPr lang="en-US" altLang="ko-KR" sz="2000" dirty="0" smtClean="0"/>
-              <a:t>4.</a:t>
-            </a:r>
-            <a:r>
-              <a:rPr lang="ko-KR" altLang="en-US" sz="2000" dirty="0" err="1" smtClean="0"/>
-              <a:t>커플링</a:t>
-            </a:r>
-            <a:r>
-              <a:rPr lang="ko-KR" altLang="en-US" sz="2000" dirty="0" smtClean="0"/>
-              <a:t> 콘덴서</a:t>
-            </a:r>
-            <a:r>
-              <a:rPr lang="en-US" altLang="ko-KR" sz="2000" dirty="0" smtClean="0"/>
-              <a:t>(</a:t>
-            </a:r>
-            <a:r>
-              <a:rPr lang="en-US" altLang="ko-KR" sz="2000" dirty="0" err="1" smtClean="0"/>
-              <a:t>Cin</a:t>
-            </a:r>
-            <a:r>
-              <a:rPr lang="en-US" altLang="ko-KR" sz="2000" dirty="0" smtClean="0"/>
-              <a:t>)</a:t>
-            </a:r>
-            <a:r>
-              <a:rPr lang="ko-KR" altLang="en-US" sz="2000" dirty="0" smtClean="0"/>
-              <a:t>의 용량결정</a:t>
+              <a:t>3. </a:t>
+            </a:r>
+            <a:r>
+              <a:rPr lang="ko-KR" altLang="en-US" sz="2000" dirty="0" smtClean="0"/>
+              <a:t>베이스 저항（</a:t>
+            </a:r>
+            <a:r>
+              <a:rPr lang="en-US" altLang="ko-KR" sz="2000" dirty="0" smtClean="0"/>
+              <a:t>R1</a:t>
+            </a:r>
+            <a:r>
+              <a:rPr lang="ko-KR" altLang="en-US" sz="2000" dirty="0" smtClean="0"/>
+              <a:t>과 </a:t>
+            </a:r>
+            <a:r>
+              <a:rPr lang="en-US" altLang="ko-KR" sz="2000" dirty="0" smtClean="0"/>
+              <a:t>R2</a:t>
+            </a:r>
+            <a:r>
+              <a:rPr lang="ko-KR" altLang="en-US" sz="2000" dirty="0" smtClean="0"/>
+              <a:t>）의 결정</a:t>
             </a:r>
             <a:endParaRPr lang="en-US" altLang="ko-KR" sz="2000" dirty="0" smtClean="0"/>
           </a:p>
@@ -8405,31 +8144,19 @@
           <a:p>
             <a:r>
               <a:rPr lang="ko-KR" altLang="en-US" sz="1600" dirty="0" smtClean="0"/>
-              <a:t>교류신호를 증폭하는 경우는 직류전압과 무관하게 하기 위해 </a:t>
-            </a:r>
-            <a:r>
-              <a:rPr lang="ko-KR" altLang="en-US" sz="1600" dirty="0" err="1" smtClean="0"/>
-              <a:t>커플링</a:t>
+              <a:t>먼저 필요한 베이스 전압（</a:t>
+            </a:r>
+            <a:r>
+              <a:rPr lang="en-US" altLang="ko-KR" sz="1600" dirty="0" err="1" smtClean="0"/>
+              <a:t>Vb</a:t>
+            </a:r>
+            <a:r>
+              <a:rPr lang="en-US" altLang="ko-KR" sz="1600" dirty="0" smtClean="0"/>
+              <a:t>)</a:t>
             </a:r>
             <a:r>
               <a:rPr lang="ko-KR" altLang="en-US" sz="1600" dirty="0" smtClean="0"/>
-              <a:t> 콘덴서（</a:t>
-            </a:r>
-            <a:r>
-              <a:rPr lang="en-US" altLang="ko-KR" sz="1600" dirty="0" err="1" smtClean="0"/>
-              <a:t>Cin</a:t>
-            </a:r>
-            <a:r>
-              <a:rPr lang="ko-KR" altLang="en-US" sz="1600" dirty="0" smtClean="0"/>
-              <a:t>）가 필요해집니다．이 값은 입력신호의 최저 주파수（ｆｃ）에 대하여 충분히 무시할 수 있는 </a:t>
-            </a:r>
-            <a:r>
-              <a:rPr lang="ko-KR" altLang="en-US" sz="1600" dirty="0" err="1" smtClean="0"/>
-              <a:t>임피던스가</a:t>
-            </a:r>
-            <a:r>
-              <a:rPr lang="ko-KR" altLang="en-US" sz="1600" dirty="0" smtClean="0"/>
-              <a:t> 되도록 해야 합니다</a:t>
+              <a:t>을 구합니다</a:t>
             </a:r>
             <a:r>
               <a:rPr lang="en-US" altLang="ko-KR" sz="1600" dirty="0" smtClean="0"/>
@@ -8437,74 +8164,180 @@
             </a:r>
             <a:r>
               <a:rPr lang="ko-KR" altLang="en-US" sz="1600" dirty="0" smtClean="0"/>
-              <a:t>입력용 콘덴서 </a:t>
+              <a:t>무신호시 </a:t>
+            </a:r>
+            <a:r>
+              <a:rPr lang="en-US" altLang="ko-KR" sz="1600" dirty="0" smtClean="0"/>
+              <a:t>Re</a:t>
+            </a:r>
+            <a:r>
+              <a:rPr lang="ko-KR" altLang="en-US" sz="1600" dirty="0" smtClean="0"/>
+              <a:t>에는 </a:t>
             </a:r>
             <a:r>
               <a:rPr lang="en-US" altLang="ko-KR" sz="1600" dirty="0" err="1" smtClean="0"/>
-              <a:t>Cin</a:t>
+              <a:t>Ic</a:t>
+            </a:r>
+            <a:r>
+              <a:rPr lang="ko-KR" altLang="en-US" sz="1600" dirty="0" smtClean="0"/>
+              <a:t>의 전류가 흐르고 있고 베이스 이미터간 전압은 약 </a:t>
             </a:r>
             <a:r>
               <a:rPr lang="en-US" altLang="ko-KR" sz="1600" dirty="0" smtClean="0"/>
-              <a:t> </a:t>
+              <a:t>0.6V</a:t>
             </a:r>
             <a:r>
               <a:rPr lang="ko-KR" altLang="en-US" sz="1600" dirty="0" smtClean="0"/>
-              <a:t>은 트랜지스터의 입력 임피던스를 </a:t>
+              <a:t>로 거의 일정하기 때문에 </a:t>
             </a:r>
             <a:r>
               <a:rPr lang="en-US" altLang="ko-KR" sz="1600" dirty="0" err="1" smtClean="0"/>
-              <a:t>Rin</a:t>
+              <a:t>Vb</a:t>
+            </a:r>
+            <a:r>
+              <a:rPr lang="en-US" altLang="ko-KR" sz="1600" dirty="0" smtClean="0"/>
+              <a:t> = </a:t>
+            </a:r>
+            <a:r>
+              <a:rPr lang="en-US" altLang="ko-KR" sz="1600" dirty="0" err="1" smtClean="0"/>
+              <a:t>Ic×Re</a:t>
             </a:r>
             <a:r>
               <a:rPr lang="ko-KR" altLang="en-US" sz="1600" dirty="0" smtClean="0"/>
-              <a:t>이라고 한다면</a:t>
+              <a:t>＋</a:t>
+            </a:r>
+            <a:r>
+              <a:rPr lang="en-US" altLang="ko-KR" sz="1600" dirty="0" smtClean="0"/>
+              <a:t>0.6</a:t>
+            </a:r>
+            <a:r>
+              <a:rPr lang="ko-KR" altLang="en-US" sz="1600" dirty="0" smtClean="0"/>
+              <a:t>로 됩니다．</a:t>
             </a:r>
             <a:endParaRPr lang="en-US" altLang="ko-KR" sz="1600" dirty="0" smtClean="0"/>
           </a:p>
           <a:p>
+            <a:pPr>
+              <a:buNone/>
+            </a:pPr>
             <a:r>
               <a:rPr lang="ko-KR" altLang="en-US" sz="1600" dirty="0" smtClean="0"/>
-              <a:t>ｆｃ ＞ １</a:t>
+              <a:t>   （예： </a:t>
             </a:r>
             <a:r>
               <a:rPr lang="en-US" altLang="ko-KR" sz="1600" dirty="0" smtClean="0"/>
-              <a:t>÷</a:t>
+              <a:t>2mA × 200Ω</a:t>
             </a:r>
             <a:r>
               <a:rPr lang="ko-KR" altLang="en-US" sz="1600" dirty="0" smtClean="0"/>
-              <a:t>（</a:t>
+              <a:t>＋</a:t>
             </a:r>
             <a:r>
               <a:rPr lang="en-US" altLang="ko-KR" sz="1600" dirty="0" smtClean="0"/>
-              <a:t>2π × </a:t>
+              <a:t>0.6 = 1.0V</a:t>
+            </a:r>
+            <a:r>
+              <a:rPr lang="ko-KR" altLang="en-US" sz="1600" dirty="0" smtClean="0"/>
+              <a:t>）</a:t>
+            </a:r>
+            <a:endParaRPr lang="en-US" altLang="ko-KR" sz="1600" dirty="0" smtClean="0"/>
+          </a:p>
+          <a:p>
+            <a:r>
+              <a:rPr lang="ko-KR" altLang="en-US" sz="1600" dirty="0" smtClean="0"/>
+              <a:t>다음에 필요한 베이스 전류（</a:t>
             </a:r>
             <a:r>
               <a:rPr lang="en-US" altLang="ko-KR" sz="1600" dirty="0" err="1" smtClean="0"/>
-              <a:t>Rin</a:t>
+              <a:t>Ib</a:t>
             </a:r>
             <a:r>
               <a:rPr lang="en-US" altLang="ko-KR" sz="1600" dirty="0" smtClean="0"/>
-              <a:t> × </a:t>
+              <a:t>)</a:t>
+            </a:r>
+            <a:r>
+              <a:rPr lang="ko-KR" altLang="en-US" sz="1600" dirty="0" smtClean="0"/>
+              <a:t>를 전류 </a:t>
+            </a:r>
+            <a:r>
+              <a:rPr lang="ko-KR" altLang="en-US" sz="1600" dirty="0" err="1" smtClean="0"/>
+              <a:t>증폭율</a:t>
+            </a:r>
+            <a:r>
+              <a:rPr lang="en-US" altLang="ko-KR" sz="1600" dirty="0" smtClean="0"/>
+              <a:t>(</a:t>
             </a:r>
             <a:r>
               <a:rPr lang="en-US" altLang="ko-KR" sz="1600" dirty="0" err="1" smtClean="0"/>
-              <a:t>Cin</a:t>
+              <a:t>hfe</a:t>
             </a:r>
             <a:r>
               <a:rPr lang="en-US" altLang="ko-KR" sz="1600" dirty="0" smtClean="0"/>
-              <a:t>) </a:t>
+              <a:t>)</a:t>
             </a:r>
             <a:r>
               <a:rPr lang="ko-KR" altLang="en-US" sz="1600" dirty="0" smtClean="0"/>
-              <a:t>이 되도록 정해야 하며 입력 임피던스 </a:t>
+              <a:t>에 의해 계산하면 </a:t>
             </a:r>
             <a:r>
               <a:rPr lang="en-US" altLang="ko-KR" sz="1600" dirty="0" err="1" smtClean="0"/>
-              <a:t>Rin</a:t>
+              <a:t>Ib</a:t>
+            </a:r>
+            <a:r>
+              <a:rPr lang="en-US" altLang="ko-KR" sz="1600" dirty="0" smtClean="0"/>
+              <a:t> = </a:t>
+            </a:r>
+            <a:r>
+              <a:rPr lang="en-US" altLang="ko-KR" sz="1600" dirty="0" err="1" smtClean="0"/>
+              <a:t>Ic</a:t>
+            </a:r>
+            <a:r>
+              <a:rPr lang="en-US" altLang="ko-KR" sz="1600" dirty="0" smtClean="0"/>
+              <a:t> ÷ </a:t>
+            </a:r>
+            <a:r>
+              <a:rPr lang="en-US" altLang="ko-KR" sz="1600" dirty="0" err="1" smtClean="0"/>
+              <a:t>hfe</a:t>
+            </a:r>
+            <a:endParaRPr lang="en-US" altLang="ko-KR" sz="1600" dirty="0" smtClean="0"/>
+          </a:p>
+          <a:p>
+            <a:pPr>
+              <a:buNone/>
+            </a:pPr>
+            <a:r>
+              <a:rPr lang="en-US" altLang="ko-KR" sz="1600" dirty="0" smtClean="0"/>
+              <a:t>   </a:t>
             </a:r>
             <a:r>
               <a:rPr lang="ko-KR" altLang="en-US" sz="1600" dirty="0" smtClean="0"/>
-              <a:t>은 대략 </a:t>
+              <a:t>（예：</a:t>
+            </a:r>
+            <a:r>
+              <a:rPr lang="en-US" altLang="ko-KR" sz="1600" dirty="0" smtClean="0"/>
+              <a:t>2mA÷100 = 0.02mA </a:t>
+            </a:r>
+            <a:r>
+              <a:rPr lang="en-US" altLang="ko-KR" sz="1600" dirty="0" err="1" smtClean="0"/>
+              <a:t>hfe</a:t>
+            </a:r>
+            <a:r>
+              <a:rPr lang="en-US" altLang="ko-KR" sz="1600" dirty="0" smtClean="0"/>
+              <a:t>=100</a:t>
+            </a:r>
+            <a:r>
+              <a:rPr lang="ko-KR" altLang="en-US" sz="1600" dirty="0" smtClean="0"/>
+              <a:t>）가 됩니다</a:t>
+            </a:r>
+            <a:r>
+              <a:rPr lang="en-US" altLang="ko-KR" sz="1600" dirty="0" smtClean="0"/>
+              <a:t>.</a:t>
+            </a:r>
+          </a:p>
+          <a:p>
+            <a:r>
+              <a:rPr lang="ko-KR" altLang="en-US" sz="1600" dirty="0" smtClean="0"/>
+              <a:t>여기에서 베이스 저항은 베이스 전류의 １０배 이상의 전류가 흐르게 하여 베이스전류 및 베이스 전압이 변동하지 않도록 하며 </a:t>
             </a:r>
             <a:r>
               <a:rPr lang="en-US" altLang="ko-KR" sz="1600" dirty="0" smtClean="0"/>
@@ -8512,7 +8345,7 @@
             </a:r>
             <a:r>
               <a:rPr lang="ko-KR" altLang="en-US" sz="1600" dirty="0" smtClean="0"/>
-              <a:t>과 </a:t>
+              <a:t>，</a:t>
             </a:r>
             <a:r>
               <a:rPr lang="en-US" altLang="ko-KR" sz="1600" dirty="0" smtClean="0"/>
@@ -8520,74 +8353,98 @@
             </a:r>
             <a:r>
               <a:rPr lang="ko-KR" altLang="en-US" sz="1600" dirty="0" smtClean="0"/>
-              <a:t>의 병렬 저항값이 됩니다</a:t>
+              <a:t>는 다음과 같이 계산합니다</a:t>
             </a:r>
             <a:r>
               <a:rPr lang="en-US" altLang="ko-KR" sz="1600" dirty="0" smtClean="0"/>
-              <a:t>.</a:t>
-            </a:r>
-          </a:p>
-          <a:p>
+              <a:t>. </a:t>
+            </a:r>
+          </a:p>
+          <a:p>
+            <a:pPr>
+              <a:buNone/>
+            </a:pPr>
+            <a:r>
+              <a:rPr lang="en-US" altLang="ko-KR" sz="1600" dirty="0" smtClean="0"/>
+              <a:t>    </a:t>
+            </a:r>
+            <a:r>
+              <a:rPr lang="pt-BR" altLang="ko-KR" sz="1600" dirty="0" smtClean="0"/>
+              <a:t>R1 = </a:t>
+            </a:r>
+            <a:r>
+              <a:rPr lang="ko-KR" altLang="pt-BR" sz="1600" dirty="0" smtClean="0"/>
+              <a:t>（</a:t>
+            </a:r>
+            <a:r>
+              <a:rPr lang="pt-BR" altLang="ko-KR" sz="1600" dirty="0" smtClean="0"/>
+              <a:t>Vcc - Vb) ÷</a:t>
+            </a:r>
+            <a:r>
+              <a:rPr lang="ko-KR" altLang="pt-BR" sz="1600" dirty="0" smtClean="0"/>
+              <a:t>（</a:t>
+            </a:r>
+            <a:r>
+              <a:rPr lang="pt-BR" altLang="ko-KR" sz="1600" dirty="0" smtClean="0"/>
+              <a:t>10×Ic</a:t>
+            </a:r>
+            <a:r>
+              <a:rPr lang="ko-KR" altLang="pt-BR" sz="1600" dirty="0" smtClean="0"/>
+              <a:t>）</a:t>
+            </a:r>
+            <a:r>
+              <a:rPr lang="pt-BR" altLang="ko-KR" sz="1600" dirty="0" smtClean="0"/>
+              <a:t>, </a:t>
+            </a:r>
+          </a:p>
+          <a:p>
+            <a:pPr>
+              <a:buNone/>
+            </a:pPr>
+            <a:r>
+              <a:rPr lang="pt-BR" altLang="ko-KR" sz="1600" dirty="0" smtClean="0"/>
+              <a:t>    R2 = Vb ÷ (10 × Ic)</a:t>
+            </a:r>
+          </a:p>
+          <a:p>
+            <a:pPr>
+              <a:buNone/>
+            </a:pPr>
+            <a:r>
+              <a:rPr lang="en-US" altLang="ko-KR" sz="1600" dirty="0" smtClean="0"/>
+              <a:t>    (</a:t>
+            </a:r>
             <a:r>
               <a:rPr lang="ko-KR" altLang="en-US" sz="1600" dirty="0" smtClean="0"/>
-              <a:t>예：ｆｃ</a:t>
-            </a:r>
-            <a:r>
-              <a:rPr lang="ko-KR" altLang="en-US" sz="1600" dirty="0" err="1" smtClean="0"/>
-              <a:t>를</a:t>
-            </a:r>
-            <a:r>
-              <a:rPr lang="ko-KR" altLang="en-US" sz="1600" dirty="0" smtClean="0"/>
-              <a:t> </a:t>
+              <a:t>예：</a:t>
             </a:r>
             <a:r>
               <a:rPr lang="en-US" altLang="ko-KR" sz="1600" dirty="0" smtClean="0"/>
-              <a:t>20Hz</a:t>
-            </a:r>
-            <a:r>
-              <a:rPr lang="ko-KR" altLang="en-US" sz="1600" dirty="0" smtClean="0"/>
-              <a:t>라고 할때 </a:t>
-            </a:r>
-            <a:r>
-              <a:rPr lang="en-US" altLang="ko-KR" sz="1600" dirty="0" err="1" smtClean="0"/>
-              <a:t>Cin</a:t>
+              <a:t>R1=(5V-1V)÷10×0.02mA=20K</a:t>
+            </a:r>
+            <a:r>
+              <a:rPr lang="el-GR" altLang="ko-KR" sz="1600" dirty="0" smtClean="0"/>
+              <a:t>Ω </a:t>
             </a:r>
             <a:r>
               <a:rPr lang="en-US" altLang="ko-KR" sz="1600" dirty="0" smtClean="0"/>
-              <a:t> &gt; </a:t>
-            </a:r>
-            <a:r>
-              <a:rPr lang="ko-KR" altLang="en-US" sz="1600" dirty="0" smtClean="0"/>
-              <a:t>１／</a:t>
-            </a:r>
+              <a:t>   </a:t>
+            </a:r>
+          </a:p>
+          <a:p>
+            <a:pPr>
+              <a:buNone/>
+            </a:pPr>
             <a:r>
               <a:rPr lang="en-US" altLang="ko-KR" sz="1600" dirty="0" smtClean="0"/>
-              <a:t>(6.3 × 4KΩ × 20Hz) = 2μF</a:t>
-            </a:r>
-          </a:p>
-          <a:p>
-            <a:r>
-              <a:rPr lang="en-US" altLang="ko-KR" sz="1600" dirty="0" smtClean="0"/>
-              <a:t>C</a:t>
-            </a:r>
-            <a:r>
-              <a:rPr lang="ko-KR" altLang="en-US" sz="1600" dirty="0" smtClean="0"/>
-              <a:t>ｉｎ </a:t>
-            </a:r>
-            <a:r>
-              <a:rPr lang="en-US" altLang="ko-KR" sz="1600" dirty="0" smtClean="0"/>
-              <a:t>= 4.7μF </a:t>
-            </a:r>
-            <a:r>
-              <a:rPr lang="ko-KR" altLang="en-US" sz="1600" dirty="0" smtClean="0"/>
-              <a:t>정도를 사용하면 좋습니다</a:t>
-            </a:r>
-            <a:r>
-              <a:rPr lang="en-US" altLang="ko-KR" sz="1600" dirty="0" smtClean="0"/>
-              <a:t>,</a:t>
-            </a:r>
-            <a:r>
-              <a:rPr lang="ko-KR" altLang="en-US" sz="1600" dirty="0" smtClean="0"/>
+              <a:t>           R2=1V÷(10×0.02mA)=5K</a:t>
+            </a:r>
+            <a:r>
+              <a:rPr lang="el-GR" altLang="ko-KR" sz="1600" dirty="0" smtClean="0"/>
+              <a:t>Ω </a:t>
+            </a:r>
+            <a:r>
+              <a:rPr lang="ko-KR" altLang="el-GR" sz="1600" dirty="0" smtClean="0"/>
               <a:t>）</a:t>
             </a:r>
             <a:endParaRPr lang="ko-KR" altLang="en-US" sz="1600" dirty="0"/>
@@ -8715,19 +8572,31 @@
             </a:pPr>
             <a:r>
               <a:rPr lang="en-US" altLang="ko-KR" sz="2000" dirty="0" smtClean="0"/>
-              <a:t>5. </a:t>
-            </a:r>
-            <a:r>
-              <a:rPr lang="ko-KR" altLang="en-US" sz="2000" dirty="0" smtClean="0"/>
-              <a:t>바이패스 콘덴서（</a:t>
+              <a:t>4.</a:t>
+            </a:r>
+            <a:r>
+              <a:rPr lang="ko-KR" altLang="en-US" sz="2000" dirty="0" err="1" smtClean="0"/>
+              <a:t>커플링</a:t>
+            </a:r>
+            <a:r>
+              <a:rPr lang="ko-KR" altLang="en-US" sz="2000" dirty="0" smtClean="0"/>
+              <a:t> 콘덴서</a:t>
+            </a:r>
+            <a:r>
+              <a:rPr lang="en-US" altLang="ko-KR" sz="2000" dirty="0" smtClean="0"/>
+              <a:t>(</a:t>
             </a:r>
             <a:r>
               <a:rPr lang="en-US" altLang="ko-KR" sz="2000" dirty="0" err="1" smtClean="0"/>
-              <a:t>Ce</a:t>
-            </a:r>
-            <a:r>
-              <a:rPr lang="ko-KR" altLang="en-US" sz="2000" dirty="0" smtClean="0"/>
-              <a:t>）의 결정</a:t>
+              <a:t>Cin</a:t>
+            </a:r>
+            <a:r>
+              <a:rPr lang="en-US" altLang="ko-KR" sz="2000" dirty="0" smtClean="0"/>
+              <a:t>)</a:t>
+            </a:r>
+            <a:r>
+              <a:rPr lang="ko-KR" altLang="en-US" sz="2000" dirty="0" smtClean="0"/>
+              <a:t>의 용량결정</a:t>
             </a:r>
             <a:endParaRPr lang="en-US" altLang="ko-KR" sz="2000" dirty="0" smtClean="0"/>
           </a:p>
@@ -8739,26 +8608,44 @@
           </a:p>
           <a:p>
             <a:r>
+              <a:rPr lang="ko-KR" altLang="en-US" sz="1600" dirty="0" smtClean="0"/>
+              <a:t>교류신호를 증폭하는 경우는 직류전압과 무관하게 하기 위해 </a:t>
+            </a:r>
+            <a:r>
               <a:rPr lang="ko-KR" altLang="en-US" sz="1600" dirty="0" err="1" smtClean="0"/>
-              <a:t>이미터의</a:t>
+              <a:t>커플링</a:t>
             </a:r>
             <a:r>
               <a:rPr lang="ko-KR" altLang="en-US" sz="1600" dirty="0" smtClean="0"/>
-              <a:t> 콘덴서도 최저 주파수에 대하여 충분히 낮은 </a:t>
+              <a:t> 콘덴서（</a:t>
+            </a:r>
+            <a:r>
+              <a:rPr lang="en-US" altLang="ko-KR" sz="1600" dirty="0" err="1" smtClean="0"/>
+              <a:t>Cin</a:t>
+            </a:r>
+            <a:r>
+              <a:rPr lang="ko-KR" altLang="en-US" sz="1600" dirty="0" smtClean="0"/>
+              <a:t>）가 필요해집니다．이 값은 입력신호의 최저 주파수（ｆｃ）에 대하여 충분히 무시할 수 있는 </a:t>
             </a:r>
             <a:r>
               <a:rPr lang="ko-KR" altLang="en-US" sz="1600" dirty="0" err="1" smtClean="0"/>
-              <a:t>인피던스가</a:t>
+              <a:t>임피던스가</a:t>
             </a:r>
             <a:r>
               <a:rPr lang="ko-KR" altLang="en-US" sz="1600" dirty="0" smtClean="0"/>
-              <a:t> 되도록 정해야 하며</a:t>
-            </a:r>
-          </a:p>
-          <a:p>
+              <a:t> 되도록 해야 합니다</a:t>
+            </a:r>
+            <a:r>
+              <a:rPr lang="en-US" altLang="ko-KR" sz="1600" dirty="0" smtClean="0"/>
+              <a:t>. </a:t>
+            </a:r>
+            <a:r>
+              <a:rPr lang="ko-KR" altLang="en-US" sz="1600" dirty="0" smtClean="0"/>
+              <a:t>입력용 콘덴서 </a:t>
+            </a:r>
             <a:r>
               <a:rPr lang="en-US" altLang="ko-KR" sz="1600" dirty="0" err="1" smtClean="0"/>
-              <a:t>Ce</a:t>
+              <a:t>Cin</a:t>
             </a:r>
             <a:r>
               <a:rPr lang="en-US" altLang="ko-KR" sz="1600" dirty="0" smtClean="0"/>
@@ -8766,7 +8653,22 @@
             </a:r>
             <a:r>
               <a:rPr lang="ko-KR" altLang="en-US" sz="1600" dirty="0" smtClean="0"/>
-              <a:t>＞ １</a:t>
+              <a:t>은 트랜지스터의 입력 임피던스를 </a:t>
+            </a:r>
+            <a:r>
+              <a:rPr lang="en-US" altLang="ko-KR" sz="1600" dirty="0" err="1" smtClean="0"/>
+              <a:t>Rin</a:t>
+            </a:r>
+            <a:r>
+              <a:rPr lang="ko-KR" altLang="en-US" sz="1600" dirty="0" smtClean="0"/>
+              <a:t>이라고 한다면</a:t>
+            </a:r>
+            <a:endParaRPr lang="en-US" altLang="ko-KR" sz="1600" dirty="0" smtClean="0"/>
+          </a:p>
+          <a:p>
+            <a:r>
+              <a:rPr lang="ko-KR" altLang="en-US" sz="1600" dirty="0" smtClean="0"/>
+              <a:t>ｆｃ ＞ １</a:t>
             </a:r>
             <a:r>
               <a:rPr lang="en-US" altLang="ko-KR" sz="1600" dirty="0" smtClean="0"/>
@@ -8774,127 +8676,123 @@
             </a:r>
             <a:r>
               <a:rPr lang="ko-KR" altLang="en-US" sz="1600" dirty="0" smtClean="0"/>
-              <a:t>（２</a:t>
+              <a:t>（</a:t>
             </a:r>
             <a:r>
               <a:rPr lang="en-US" altLang="ko-KR" sz="1600" dirty="0" smtClean="0"/>
-              <a:t>π × </a:t>
+              <a:t>2π × </a:t>
+            </a:r>
+            <a:r>
+              <a:rPr lang="en-US" altLang="ko-KR" sz="1600" dirty="0" err="1" smtClean="0"/>
+              <a:t>Rin</a:t>
+            </a:r>
+            <a:r>
+              <a:rPr lang="en-US" altLang="ko-KR" sz="1600" dirty="0" smtClean="0"/>
+              <a:t> × </a:t>
+            </a:r>
+            <a:r>
+              <a:rPr lang="en-US" altLang="ko-KR" sz="1600" dirty="0" err="1" smtClean="0"/>
+              <a:t>Cin</a:t>
+            </a:r>
+            <a:r>
+              <a:rPr lang="en-US" altLang="ko-KR" sz="1600" dirty="0" smtClean="0"/>
+              <a:t>) </a:t>
             </a:r>
             <a:r>
               <a:rPr lang="ko-KR" altLang="en-US" sz="1600" dirty="0" smtClean="0"/>
-              <a:t>ｆｃ </a:t>
+              <a:t>이 되도록 정해야 하며 입력 임피던스 </a:t>
+            </a:r>
+            <a:r>
+              <a:rPr lang="en-US" altLang="ko-KR" sz="1600" dirty="0" err="1" smtClean="0"/>
+              <a:t>Rin</a:t>
+            </a:r>
+            <a:r>
+              <a:rPr lang="ko-KR" altLang="en-US" sz="1600" dirty="0" smtClean="0"/>
+              <a:t>은 대략 </a:t>
             </a:r>
             <a:r>
               <a:rPr lang="en-US" altLang="ko-KR" sz="1600" dirty="0" smtClean="0"/>
-              <a:t>× Re</a:t>
+              <a:t>R1</a:t>
+            </a:r>
+            <a:r>
+              <a:rPr lang="ko-KR" altLang="en-US" sz="1600" dirty="0" smtClean="0"/>
+              <a:t>과 </a:t>
+            </a:r>
+            <a:r>
+              <a:rPr lang="en-US" altLang="ko-KR" sz="1600" dirty="0" smtClean="0"/>
+              <a:t>R2</a:t>
+            </a:r>
+            <a:r>
+              <a:rPr lang="ko-KR" altLang="en-US" sz="1600" dirty="0" smtClean="0"/>
+              <a:t>의 병렬 저항값이 됩니다</a:t>
+            </a:r>
+            <a:r>
+              <a:rPr lang="en-US" altLang="ko-KR" sz="1600" dirty="0" smtClean="0"/>
+              <a:t>.</a:t>
+            </a:r>
+          </a:p>
+          <a:p>
+            <a:r>
+              <a:rPr lang="ko-KR" altLang="en-US" sz="1600" dirty="0" smtClean="0"/>
+              <a:t>예：ｆｃ</a:t>
+            </a:r>
+            <a:r>
+              <a:rPr lang="ko-KR" altLang="en-US" sz="1600" dirty="0" err="1" smtClean="0"/>
+              <a:t>를</a:t>
+            </a:r>
+            <a:r>
+              <a:rPr lang="ko-KR" altLang="en-US" sz="1600" dirty="0" smtClean="0"/>
+              <a:t> </a:t>
+            </a:r>
+            <a:r>
+              <a:rPr lang="en-US" altLang="ko-KR" sz="1600" dirty="0" smtClean="0"/>
+              <a:t>20Hz</a:t>
+            </a:r>
+            <a:r>
+              <a:rPr lang="ko-KR" altLang="en-US" sz="1600" dirty="0" smtClean="0"/>
+              <a:t>라고 할때 </a:t>
+            </a:r>
+            <a:r>
+              <a:rPr lang="en-US" altLang="ko-KR" sz="1600" dirty="0" err="1" smtClean="0"/>
+              <a:t>Cin</a:t>
+            </a:r>
+            <a:r>
+              <a:rPr lang="en-US" altLang="ko-KR" sz="1600" dirty="0" smtClean="0"/>
+              <a:t> &gt; </a:t>
+            </a:r>
+            <a:r>
+              <a:rPr lang="ko-KR" altLang="en-US" sz="1600" dirty="0" smtClean="0"/>
+              <a:t>１／</a:t>
+            </a:r>
+            <a:r>
+              <a:rPr lang="en-US" altLang="ko-KR" sz="1600" dirty="0" smtClean="0"/>
+              <a:t>(6.3 × 4KΩ × 20Hz) = 2μF</a:t>
+            </a:r>
+          </a:p>
+          <a:p>
+            <a:r>
+              <a:rPr lang="en-US" altLang="ko-KR" sz="1600" dirty="0" smtClean="0"/>
+              <a:t>C</a:t>
+            </a:r>
+            <a:r>
+              <a:rPr lang="ko-KR" altLang="en-US" sz="1600" dirty="0" smtClean="0"/>
+              <a:t>ｉｎ </a:t>
+            </a:r>
+            <a:r>
+              <a:rPr lang="en-US" altLang="ko-KR" sz="1600" dirty="0" smtClean="0"/>
+              <a:t>= 4.7μF </a:t>
+            </a:r>
+            <a:r>
+              <a:rPr lang="ko-KR" altLang="en-US" sz="1600" dirty="0" smtClean="0"/>
+              <a:t>정도를 사용하면 좋습니다</a:t>
+            </a:r>
+            <a:r>
+              <a:rPr lang="en-US" altLang="ko-KR" sz="1600" dirty="0" smtClean="0"/>
+              <a:t>,</a:t>
             </a:r>
             <a:r>
               <a:rPr lang="ko-KR" altLang="en-US" sz="1600" dirty="0" smtClean="0"/>
               <a:t>）</a:t>
-            </a:r>
-            <a:r>
-              <a:rPr lang="ko-KR" altLang="en-US" sz="1600" dirty="0" err="1" smtClean="0"/>
-              <a:t>로</a:t>
-            </a:r>
-            <a:r>
-              <a:rPr lang="ko-KR" altLang="en-US" sz="1600" dirty="0" smtClean="0"/>
-              <a:t> 구합니다．</a:t>
-            </a:r>
-          </a:p>
-          <a:p>
-            <a:r>
-              <a:rPr lang="ko-KR" altLang="en-US" sz="1600" dirty="0" smtClean="0"/>
-              <a:t>예： </a:t>
-            </a:r>
-            <a:r>
-              <a:rPr lang="en-US" altLang="ko-KR" sz="1600" dirty="0" err="1" smtClean="0"/>
-              <a:t>Ce</a:t>
-            </a:r>
-            <a:r>
-              <a:rPr lang="ko-KR" altLang="en-US" sz="1600" dirty="0" smtClean="0"/>
-              <a:t>＞１／（</a:t>
-            </a:r>
-            <a:r>
-              <a:rPr lang="en-US" altLang="ko-KR" sz="1600" dirty="0" smtClean="0"/>
-              <a:t>6.3×20Hz×200</a:t>
-            </a:r>
-            <a:r>
-              <a:rPr lang="el-GR" altLang="ko-KR" sz="1600" dirty="0" smtClean="0"/>
-              <a:t>Ω</a:t>
-            </a:r>
-            <a:r>
-              <a:rPr lang="ko-KR" altLang="el-GR" sz="1600" dirty="0" smtClean="0"/>
-              <a:t>）</a:t>
-            </a:r>
-            <a:r>
-              <a:rPr lang="el-GR" altLang="ko-KR" sz="1600" dirty="0" smtClean="0"/>
-              <a:t>=40μ</a:t>
-            </a:r>
-            <a:r>
-              <a:rPr lang="en-US" altLang="ko-KR" sz="1600" dirty="0" smtClean="0"/>
-              <a:t>F → </a:t>
-            </a:r>
-            <a:r>
-              <a:rPr lang="en-US" altLang="ko-KR" sz="1600" dirty="0" err="1" smtClean="0"/>
-              <a:t>Ce</a:t>
-            </a:r>
-            <a:r>
-              <a:rPr lang="en-US" altLang="ko-KR" sz="1600" dirty="0" smtClean="0"/>
-              <a:t>=100</a:t>
-            </a:r>
-            <a:r>
-              <a:rPr lang="el-GR" altLang="ko-KR" sz="1600" dirty="0" smtClean="0"/>
-              <a:t>μ</a:t>
-            </a:r>
-            <a:r>
-              <a:rPr lang="en-US" altLang="ko-KR" sz="1600" dirty="0" smtClean="0"/>
-              <a:t>F</a:t>
-            </a:r>
-            <a:r>
-              <a:rPr lang="ko-KR" altLang="en-US" sz="1600" dirty="0" smtClean="0"/>
-              <a:t>）</a:t>
-            </a:r>
-          </a:p>
-          <a:p>
-            <a:r>
-              <a:rPr lang="en-US" altLang="ko-KR" sz="1600" dirty="0" smtClean="0"/>
-              <a:t>《</a:t>
-            </a:r>
-            <a:r>
-              <a:rPr lang="ko-KR" altLang="en-US" sz="1600" dirty="0" smtClean="0"/>
-              <a:t>참고</a:t>
-            </a:r>
-            <a:r>
-              <a:rPr lang="en-US" altLang="ko-KR" sz="1600" dirty="0" smtClean="0"/>
-              <a:t>》</a:t>
-            </a:r>
-            <a:r>
-              <a:rPr lang="ko-KR" altLang="en-US" sz="1600" dirty="0" err="1" smtClean="0"/>
-              <a:t>직류증폭시는</a:t>
-            </a:r>
-            <a:r>
-              <a:rPr lang="ko-KR" altLang="en-US" sz="1600" dirty="0" smtClean="0"/>
-              <a:t> </a:t>
-            </a:r>
-            <a:r>
-              <a:rPr lang="en-US" altLang="ko-KR" sz="1600" dirty="0" err="1" smtClean="0"/>
-              <a:t>Cin</a:t>
-            </a:r>
-            <a:r>
-              <a:rPr lang="ko-KR" altLang="en-US" sz="1600" dirty="0" smtClean="0"/>
-              <a:t>이나 </a:t>
-            </a:r>
-            <a:r>
-              <a:rPr lang="en-US" altLang="ko-KR" sz="1600" dirty="0" err="1" smtClean="0"/>
-              <a:t>Ce</a:t>
-            </a:r>
-            <a:r>
-              <a:rPr lang="ko-KR" altLang="en-US" sz="1600" dirty="0" smtClean="0"/>
-              <a:t>는 불필요 하기 때문에 사용하지 않아도 좋습니다</a:t>
-            </a:r>
-            <a:r>
-              <a:rPr lang="en-US" altLang="ko-KR" sz="1600" dirty="0" smtClean="0"/>
-              <a:t>.</a:t>
             </a:r>
             <a:endParaRPr lang="ko-KR" altLang="en-US" sz="1600" dirty="0"/>
           </a:p>
@@ -8970,191 +8868,274 @@
         <p:spPr/>
         <p:txBody>
           <a:bodyPr>
+            <a:normAutofit fontScale="90000"/>
+          </a:bodyPr>
+          <a:lstStyle/>
+          <a:p>
+            <a:r>
+              <a:rPr lang="en-US" altLang="ko-KR" dirty="0" smtClean="0"/>
+              <a:t>Transistor </a:t>
+            </a:r>
+            <a:r>
+              <a:rPr lang="en-US" altLang="ko-KR" sz="4000" dirty="0" smtClean="0"/>
+              <a:t>–</a:t>
+            </a:r>
+            <a:r>
+              <a:rPr lang="ko-KR" altLang="en-US" sz="4000" dirty="0" smtClean="0"/>
+              <a:t> </a:t>
+            </a:r>
+            <a:r>
+              <a:rPr lang="ko-KR" altLang="en-US" sz="3600" dirty="0" smtClean="0"/>
+              <a:t>아날로그 회로에서 사용법</a:t>
+            </a:r>
+            <a:endParaRPr lang="ko-KR" altLang="en-US" dirty="0"/>
+          </a:p>
+        </p:txBody>
+      </p:sp>
+      <p:sp>
+        <p:nvSpPr>
+          <p:cNvPr id="4" name="내용 개체 틀 3"/>
+          <p:cNvSpPr>
+            <a:spLocks noGrp="1"/>
+          </p:cNvSpPr>
+          <p:nvPr>
+            <p:ph idx="1"/>
+          </p:nvPr>
+        </p:nvSpPr>
+        <p:spPr>
+          <a:xfrm>
+            <a:off x="4067944" y="1484784"/>
+            <a:ext cx="4618856" cy="4522507"/>
+          </a:xfrm>
+        </p:spPr>
+        <p:txBody>
+          <a:bodyPr>
             <a:normAutofit/>
           </a:bodyPr>
           <a:lstStyle/>
           <a:p>
-            <a:r>
-              <a:rPr lang="en-US" altLang="ko-KR" dirty="0" smtClean="0"/>
-              <a:t>MOSFET</a:t>
-            </a:r>
-            <a:endParaRPr lang="ko-KR" altLang="en-US" dirty="0"/>
-          </a:p>
-        </p:txBody>
-      </p:sp>
-      <p:sp>
-        <p:nvSpPr>
-          <p:cNvPr id="6" name="내용 개체 틀 5"/>
-          <p:cNvSpPr>
-            <a:spLocks noGrp="1"/>
-          </p:cNvSpPr>
-          <p:nvPr>
-            <p:ph idx="1"/>
-          </p:nvPr>
-        </p:nvSpPr>
-        <p:spPr/>
-        <p:txBody>
-          <a:bodyPr>
-            <a:normAutofit fontScale="92500"/>
-          </a:bodyPr>
-          <a:lstStyle/>
-          <a:p>
-            <a:r>
-              <a:rPr lang="ko-KR" altLang="en-US" dirty="0" smtClean="0"/>
-              <a:t>실 사용을 보면 </a:t>
-            </a:r>
-            <a:r>
-              <a:rPr lang="en-US" altLang="ko-KR" dirty="0" err="1" smtClean="0"/>
-              <a:t>Vgs</a:t>
-            </a:r>
-            <a:r>
-              <a:rPr lang="en-US" altLang="ko-KR" dirty="0" smtClean="0"/>
+            <a:pPr>
+              <a:buNone/>
+            </a:pPr>
+            <a:r>
+              <a:rPr lang="en-US" altLang="ko-KR" sz="2000" dirty="0" smtClean="0"/>
+              <a:t>5. </a:t>
+            </a:r>
+            <a:r>
+              <a:rPr lang="ko-KR" altLang="en-US" sz="2000" dirty="0" smtClean="0"/>
+              <a:t>바이패스 콘덴서（</a:t>
+            </a:r>
+            <a:r>
+              <a:rPr lang="en-US" altLang="ko-KR" sz="2000" dirty="0" err="1" smtClean="0"/>
+              <a:t>Ce</a:t>
+            </a:r>
+            <a:r>
+              <a:rPr lang="ko-KR" altLang="en-US" sz="2000" dirty="0" smtClean="0"/>
+              <a:t>）의 결정</a:t>
+            </a:r>
+            <a:endParaRPr lang="en-US" altLang="ko-KR" sz="2000" dirty="0" smtClean="0"/>
+          </a:p>
+          <a:p>
+            <a:pPr>
+              <a:buNone/>
+            </a:pPr>
+            <a:endParaRPr lang="en-US" altLang="ko-KR" sz="2000" dirty="0" smtClean="0"/>
+          </a:p>
+          <a:p>
+            <a:r>
+              <a:rPr lang="ko-KR" altLang="en-US" sz="1600" dirty="0" err="1" smtClean="0"/>
+              <a:t>이미터의</a:t>
+            </a:r>
+            <a:r>
+              <a:rPr lang="ko-KR" altLang="en-US" sz="1600" dirty="0" smtClean="0"/>
+              <a:t> 콘덴서도 최저 주파수에 대하여 충분히 낮은 </a:t>
+            </a:r>
+            <a:r>
+              <a:rPr lang="ko-KR" altLang="en-US" sz="1600" dirty="0" err="1" smtClean="0"/>
+              <a:t>인피던스가</a:t>
+            </a:r>
+            <a:r>
+              <a:rPr lang="ko-KR" altLang="en-US" sz="1600" dirty="0" smtClean="0"/>
+              <a:t> 되도록 정해야 하며</a:t>
+            </a:r>
+          </a:p>
+          <a:p>
+            <a:r>
+              <a:rPr lang="en-US" altLang="ko-KR" sz="1600" dirty="0" err="1" smtClean="0"/>
+              <a:t>Ce</a:t>
+            </a:r>
+            <a:r>
+              <a:rPr lang="en-US" altLang="ko-KR" sz="1600" dirty="0" smtClean="0"/>
               <a:t> </a:t>
             </a:r>
             <a:r>
-              <a:rPr lang="ko-KR" altLang="en-US" dirty="0" smtClean="0"/>
-              <a:t>의 전압이 결국 </a:t>
-            </a:r>
-            <a:r>
-              <a:rPr lang="en-US" altLang="ko-KR" dirty="0" smtClean="0"/>
-              <a:t>Drain </a:t>
-            </a:r>
-            <a:r>
-              <a:rPr lang="ko-KR" altLang="en-US" dirty="0" smtClean="0"/>
-              <a:t>과 </a:t>
-            </a:r>
-            <a:r>
-              <a:rPr lang="en-US" altLang="ko-KR" dirty="0" smtClean="0"/>
-              <a:t>Source </a:t>
-            </a:r>
-            <a:r>
-              <a:rPr lang="ko-KR" altLang="en-US" dirty="0" smtClean="0"/>
-              <a:t>간의 동작을 어떻게 하는가 결정하게 됩니다</a:t>
-            </a:r>
-            <a:r>
-              <a:rPr lang="en-US" altLang="ko-KR" dirty="0" smtClean="0"/>
-              <a:t>. </a:t>
-            </a:r>
-            <a:r>
-              <a:rPr lang="ko-KR" altLang="en-US" dirty="0" smtClean="0"/>
-              <a:t>제일 좋은 것은 </a:t>
-            </a:r>
-            <a:r>
-              <a:rPr lang="en-US" altLang="ko-KR" dirty="0" err="1" smtClean="0"/>
-              <a:t>Vgs</a:t>
-            </a:r>
-            <a:r>
-              <a:rPr lang="en-US" altLang="ko-KR" dirty="0" smtClean="0"/>
+              <a:rPr lang="ko-KR" altLang="en-US" sz="1600" dirty="0" smtClean="0"/>
+              <a:t>＞ １</a:t>
+            </a:r>
+            <a:r>
+              <a:rPr lang="en-US" altLang="ko-KR" sz="1600" dirty="0" smtClean="0"/>
+              <a:t>÷</a:t>
+            </a:r>
+            <a:r>
+              <a:rPr lang="ko-KR" altLang="en-US" sz="1600" dirty="0" smtClean="0"/>
+              <a:t>（２</a:t>
+            </a:r>
+            <a:r>
+              <a:rPr lang="en-US" altLang="ko-KR" sz="1600" dirty="0" smtClean="0"/>
+              <a:t>π × </a:t>
+            </a:r>
+            <a:r>
+              <a:rPr lang="ko-KR" altLang="en-US" sz="1600" dirty="0" smtClean="0"/>
+              <a:t>ｆｃ </a:t>
+            </a:r>
+            <a:r>
+              <a:rPr lang="en-US" altLang="ko-KR" sz="1600" dirty="0" smtClean="0"/>
+              <a:t>× Re</a:t>
+            </a:r>
+            <a:r>
+              <a:rPr lang="ko-KR" altLang="en-US" sz="1600" dirty="0" smtClean="0"/>
+              <a:t>）</a:t>
+            </a:r>
+            <a:r>
+              <a:rPr lang="ko-KR" altLang="en-US" sz="1600" dirty="0" err="1" smtClean="0"/>
+              <a:t>로</a:t>
+            </a:r>
+            <a:r>
+              <a:rPr lang="ko-KR" altLang="en-US" sz="1600" dirty="0" smtClean="0"/>
+              <a:t> 구합니다．</a:t>
+            </a:r>
+          </a:p>
+          <a:p>
+            <a:r>
+              <a:rPr lang="ko-KR" altLang="en-US" sz="1600" dirty="0" smtClean="0"/>
+              <a:t>예： </a:t>
+            </a:r>
+            <a:r>
+              <a:rPr lang="en-US" altLang="ko-KR" sz="1600" dirty="0" err="1" smtClean="0"/>
+              <a:t>Ce</a:t>
+            </a:r>
+            <a:r>
+              <a:rPr lang="ko-KR" altLang="en-US" sz="1600" dirty="0" smtClean="0"/>
+              <a:t>＞１／（</a:t>
+            </a:r>
+            <a:r>
+              <a:rPr lang="en-US" altLang="ko-KR" sz="1600" dirty="0" smtClean="0"/>
+              <a:t>6.3×20Hz×200</a:t>
+            </a:r>
+            <a:r>
+              <a:rPr lang="el-GR" altLang="ko-KR" sz="1600" dirty="0" smtClean="0"/>
+              <a:t>Ω</a:t>
+            </a:r>
+            <a:r>
+              <a:rPr lang="ko-KR" altLang="el-GR" sz="1600" dirty="0" smtClean="0"/>
+              <a:t>）</a:t>
+            </a:r>
+            <a:r>
+              <a:rPr lang="el-GR" altLang="ko-KR" sz="1600" dirty="0" smtClean="0"/>
+              <a:t>=40μ</a:t>
+            </a:r>
+            <a:r>
+              <a:rPr lang="en-US" altLang="ko-KR" sz="1600" dirty="0" smtClean="0"/>
+              <a:t>F → </a:t>
+            </a:r>
+            <a:r>
+              <a:rPr lang="en-US" altLang="ko-KR" sz="1600" dirty="0" err="1" smtClean="0"/>
+              <a:t>Ce</a:t>
+            </a:r>
+            <a:r>
+              <a:rPr lang="en-US" altLang="ko-KR" sz="1600" dirty="0" smtClean="0"/>
+              <a:t>=100</a:t>
+            </a:r>
+            <a:r>
+              <a:rPr lang="el-GR" altLang="ko-KR" sz="1600" dirty="0" smtClean="0"/>
+              <a:t>μ</a:t>
+            </a:r>
+            <a:r>
+              <a:rPr lang="en-US" altLang="ko-KR" sz="1600" dirty="0" smtClean="0"/>
+              <a:t>F</a:t>
+            </a:r>
+            <a:r>
+              <a:rPr lang="ko-KR" altLang="en-US" sz="1600" dirty="0" smtClean="0"/>
+              <a:t>）</a:t>
+            </a:r>
+          </a:p>
+          <a:p>
+            <a:r>
+              <a:rPr lang="en-US" altLang="ko-KR" sz="1600" dirty="0" smtClean="0"/>
+              <a:t>《</a:t>
+            </a:r>
+            <a:r>
+              <a:rPr lang="ko-KR" altLang="en-US" sz="1600" dirty="0" smtClean="0"/>
+              <a:t>참고</a:t>
+            </a:r>
+            <a:r>
+              <a:rPr lang="en-US" altLang="ko-KR" sz="1600" dirty="0" smtClean="0"/>
+              <a:t>》</a:t>
+            </a:r>
+            <a:r>
+              <a:rPr lang="ko-KR" altLang="en-US" sz="1600" dirty="0" err="1" smtClean="0"/>
+              <a:t>직류증폭시는</a:t>
+            </a:r>
+            <a:r>
+              <a:rPr lang="ko-KR" altLang="en-US" sz="1600" dirty="0" smtClean="0"/>
               <a:t> </a:t>
             </a:r>
             <a:r>
-              <a:rPr lang="ko-KR" altLang="en-US" dirty="0" smtClean="0"/>
-              <a:t>를 </a:t>
-            </a:r>
-            <a:r>
-              <a:rPr lang="en-US" altLang="ko-KR" dirty="0" smtClean="0"/>
-              <a:t>D-S </a:t>
-            </a:r>
-            <a:r>
-              <a:rPr lang="ko-KR" altLang="en-US" dirty="0" smtClean="0"/>
-              <a:t>간의 전압 또는 </a:t>
-            </a:r>
-            <a:r>
-              <a:rPr lang="ko-KR" altLang="en-US" dirty="0" err="1" smtClean="0"/>
-              <a:t>스펙상</a:t>
-            </a:r>
-            <a:r>
-              <a:rPr lang="ko-KR" altLang="en-US" dirty="0" smtClean="0"/>
-              <a:t> 제시한 전압에 맞게 사용하는 것이 중요합니다</a:t>
-            </a:r>
-            <a:r>
-              <a:rPr lang="en-US" altLang="ko-KR" dirty="0" smtClean="0"/>
-              <a:t>. </a:t>
-            </a:r>
-          </a:p>
-          <a:p>
-            <a:r>
-              <a:rPr lang="ko-KR" altLang="en-US" dirty="0" smtClean="0"/>
-              <a:t>그런데</a:t>
-            </a:r>
-            <a:r>
-              <a:rPr lang="en-US" altLang="ko-KR" dirty="0" smtClean="0"/>
-              <a:t>, MOSFET </a:t>
-            </a:r>
-            <a:r>
-              <a:rPr lang="ko-KR" altLang="en-US" dirty="0" smtClean="0"/>
-              <a:t>을 간단히 사용하다 보면 </a:t>
-            </a:r>
-            <a:r>
-              <a:rPr lang="en-US" altLang="ko-KR" dirty="0" err="1" smtClean="0"/>
-              <a:t>Vgs</a:t>
-            </a:r>
-            <a:r>
-              <a:rPr lang="en-US" altLang="ko-KR" dirty="0" smtClean="0"/>
-              <a:t> </a:t>
-            </a:r>
-            <a:r>
-              <a:rPr lang="ko-KR" altLang="en-US" dirty="0" smtClean="0"/>
-              <a:t>를 무시하고 사용하는 경우가 허다하지요</a:t>
-            </a:r>
-            <a:r>
-              <a:rPr lang="en-US" altLang="ko-KR" dirty="0" smtClean="0"/>
-              <a:t>. </a:t>
-            </a:r>
-            <a:r>
-              <a:rPr lang="ko-KR" altLang="en-US" dirty="0" smtClean="0"/>
-              <a:t>그래서 시험적으로 사용할 때에는 아무런 문제가 없는데</a:t>
-            </a:r>
-            <a:r>
-              <a:rPr lang="en-US" altLang="ko-KR" dirty="0" smtClean="0"/>
-              <a:t>, </a:t>
-            </a:r>
-            <a:r>
-              <a:rPr lang="ko-KR" altLang="en-US" dirty="0" smtClean="0"/>
-              <a:t>회로 적용하여 사용하다 보면 이상 증상이 나타나기도 합니다</a:t>
-            </a:r>
-            <a:r>
-              <a:rPr lang="en-US" altLang="ko-KR" dirty="0" smtClean="0"/>
-              <a:t>. </a:t>
-            </a:r>
-          </a:p>
-          <a:p>
-            <a:r>
-              <a:rPr lang="ko-KR" altLang="en-US" dirty="0" smtClean="0"/>
-              <a:t>이를테면 </a:t>
-            </a:r>
-            <a:r>
-              <a:rPr lang="en-US" altLang="ko-KR" dirty="0" smtClean="0"/>
-              <a:t>OFF </a:t>
-            </a:r>
-            <a:r>
-              <a:rPr lang="ko-KR" altLang="en-US" dirty="0" smtClean="0"/>
-              <a:t>가 안된다든지</a:t>
-            </a:r>
-            <a:r>
-              <a:rPr lang="en-US" altLang="ko-KR" dirty="0" smtClean="0"/>
-              <a:t>, ON</a:t>
-            </a:r>
-            <a:r>
-              <a:rPr lang="ko-KR" altLang="en-US" dirty="0" smtClean="0"/>
-              <a:t>은 되는데 열이 많이 발생하고 </a:t>
-            </a:r>
-            <a:r>
-              <a:rPr lang="en-US" altLang="ko-KR" dirty="0" smtClean="0"/>
-              <a:t>MOSFET </a:t>
-            </a:r>
-            <a:r>
-              <a:rPr lang="ko-KR" altLang="en-US" dirty="0" smtClean="0"/>
-              <a:t>이 소실되어 버립니다</a:t>
-            </a:r>
-            <a:r>
-              <a:rPr lang="en-US" altLang="ko-KR" dirty="0" smtClean="0"/>
+              <a:rPr lang="en-US" altLang="ko-KR" sz="1600" dirty="0" err="1" smtClean="0"/>
+              <a:t>Cin</a:t>
+            </a:r>
+            <a:r>
+              <a:rPr lang="ko-KR" altLang="en-US" sz="1600" dirty="0" smtClean="0"/>
+              <a:t>이나 </a:t>
+            </a:r>
+            <a:r>
+              <a:rPr lang="en-US" altLang="ko-KR" sz="1600" dirty="0" err="1" smtClean="0"/>
+              <a:t>Ce</a:t>
+            </a:r>
+            <a:r>
+              <a:rPr lang="ko-KR" altLang="en-US" sz="1600" dirty="0" smtClean="0"/>
+              <a:t>는 불필요 하기 때문에 사용하지 않아도 좋습니다</a:t>
+            </a:r>
+            <a:r>
+              <a:rPr lang="en-US" altLang="ko-KR" sz="1600" dirty="0" smtClean="0"/>
               <a:t>.</a:t>
             </a:r>
-            <a:endParaRPr lang="ko-KR" altLang="en-US" dirty="0"/>
-          </a:p>
-        </p:txBody>
-      </p:sp>
+            <a:endParaRPr lang="ko-KR" altLang="en-US" sz="1600" dirty="0"/>
+          </a:p>
+        </p:txBody>
+      </p:sp>
+      <p:pic>
+        <p:nvPicPr>
+          <p:cNvPr id="5122" name="Picture 2"/>
+          <p:cNvPicPr>
+            <a:picLocks noChangeAspect="1" noChangeArrowheads="1"/>
+          </p:cNvPicPr>
+          <p:nvPr/>
+        </p:nvPicPr>
+        <p:blipFill>
+          <a:blip r:embed="rId2" cstate="print"/>
+          <a:srcRect/>
+          <a:stretch>
+            <a:fillRect/>
+          </a:stretch>
+        </p:blipFill>
+        <p:spPr bwMode="auto">
+          <a:xfrm>
+            <a:off x="179512" y="2276872"/>
+            <a:ext cx="3927059" cy="2995414"/>
+          </a:xfrm>
+          <a:prstGeom prst="rect">
+            <a:avLst/>
+          </a:prstGeom>
+          <a:noFill/>
+          <a:ln w="9525">
+            <a:noFill/>
+            <a:miter lim="800000"/>
+            <a:headEnd/>
+            <a:tailEnd/>
+          </a:ln>
+        </p:spPr>
+      </p:pic>
     </p:spTree>
   </p:cSld>
   <p:clrMapOvr>
@@ -9218,23 +9199,51 @@
         <p:spPr/>
         <p:txBody>
           <a:bodyPr>
-            <a:normAutofit fontScale="92500" lnSpcReduction="20000"/>
+            <a:normAutofit fontScale="92500"/>
           </a:bodyPr>
           <a:lstStyle/>
           <a:p>
             <a:r>
+              <a:rPr lang="ko-KR" altLang="en-US" dirty="0" smtClean="0"/>
+              <a:t>실 사용을 보면 </a:t>
+            </a:r>
+            <a:r>
+              <a:rPr lang="en-US" altLang="ko-KR" dirty="0" err="1" smtClean="0"/>
+              <a:t>Vgs</a:t>
+            </a:r>
+            <a:r>
               <a:rPr lang="en-US" altLang="ko-KR" dirty="0" smtClean="0"/>
-              <a:t>N-MOSFET </a:t>
+              <a:t> </a:t>
             </a:r>
             <a:r>
               <a:rPr lang="ko-KR" altLang="en-US" dirty="0" smtClean="0"/>
-              <a:t>을 사용할 경우에는 후자의 경우가 대부분입니다</a:t>
+              <a:t>의 전압이 결국 </a:t>
+            </a:r>
+            <a:r>
+              <a:rPr lang="en-US" altLang="ko-KR" dirty="0" smtClean="0"/>
+              <a:t>Drain </a:t>
+            </a:r>
+            <a:r>
+              <a:rPr lang="ko-KR" altLang="en-US" dirty="0" smtClean="0"/>
+              <a:t>과 </a:t>
+            </a:r>
+            <a:r>
+              <a:rPr lang="en-US" altLang="ko-KR" dirty="0" smtClean="0"/>
+              <a:t>Source </a:t>
+            </a:r>
+            <a:r>
+              <a:rPr lang="ko-KR" altLang="en-US" dirty="0" smtClean="0"/>
+              <a:t>간의 동작을 어떻게 하는가 결정하게 됩니다</a:t>
             </a:r>
             <a:r>
               <a:rPr lang="en-US" altLang="ko-KR" dirty="0" smtClean="0"/>
               <a:t>. </a:t>
             </a:r>
             <a:r>
+              <a:rPr lang="ko-KR" altLang="en-US" dirty="0" smtClean="0"/>
+              <a:t>제일 좋은 것은 </a:t>
+            </a:r>
+            <a:r>
               <a:rPr lang="en-US" altLang="ko-KR" dirty="0" err="1" smtClean="0"/>
               <a:t>Vgs</a:t>
             </a:r>
@@ -9244,15 +9253,61 @@
             </a:r>
             <a:r>
               <a:rPr lang="ko-KR" altLang="en-US" dirty="0" smtClean="0"/>
-              <a:t>전압이 적절하지 않기 때문에</a:t>
+              <a:t>를 </a:t>
             </a:r>
             <a:r>
               <a:rPr lang="en-US" altLang="ko-KR" dirty="0" smtClean="0"/>
-              <a:t>, D-S </a:t>
+              <a:t>D-S </a:t>
             </a:r>
             <a:r>
               <a:rPr lang="ko-KR" altLang="en-US" dirty="0" smtClean="0"/>
-              <a:t>간 전압</a:t>
+              <a:t>간의 전압 또는 </a:t>
+            </a:r>
+            <a:r>
+              <a:rPr lang="ko-KR" altLang="en-US" dirty="0" err="1" smtClean="0"/>
+              <a:t>스펙상</a:t>
+            </a:r>
+            <a:r>
+              <a:rPr lang="ko-KR" altLang="en-US" dirty="0" smtClean="0"/>
+              <a:t> 제시한 전압에 맞게 사용하는 것이 중요합니다</a:t>
+            </a:r>
+            <a:r>
+              <a:rPr lang="en-US" altLang="ko-KR" dirty="0" smtClean="0"/>
+              <a:t>. </a:t>
+            </a:r>
+          </a:p>
+          <a:p>
+            <a:r>
+              <a:rPr lang="ko-KR" altLang="en-US" dirty="0" smtClean="0"/>
+              <a:t>그런데</a:t>
+            </a:r>
+            <a:r>
+              <a:rPr lang="en-US" altLang="ko-KR" dirty="0" smtClean="0"/>
+              <a:t>, MOSFET </a:t>
+            </a:r>
+            <a:r>
+              <a:rPr lang="ko-KR" altLang="en-US" dirty="0" smtClean="0"/>
+              <a:t>을 간단히 사용하다 보면 </a:t>
+            </a:r>
+            <a:r>
+              <a:rPr lang="en-US" altLang="ko-KR" dirty="0" err="1" smtClean="0"/>
+              <a:t>Vgs</a:t>
+            </a:r>
+            <a:r>
+              <a:rPr lang="en-US" altLang="ko-KR" dirty="0" smtClean="0"/>
+              <a:t> </a:t>
+            </a:r>
+            <a:r>
+              <a:rPr lang="ko-KR" altLang="en-US" dirty="0" smtClean="0"/>
+              <a:t>를 무시하고 사용하는 경우가 허다하지요</a:t>
+            </a:r>
+            <a:r>
+              <a:rPr lang="en-US" altLang="ko-KR" dirty="0" smtClean="0"/>
+              <a:t>. </a:t>
+            </a:r>
+            <a:r>
+              <a:rPr lang="ko-KR" altLang="en-US" dirty="0" smtClean="0"/>
+              <a:t>그래서 시험적으로 사용할 때에는 아무런 문제가 없는데</a:t>
             </a:r>
             <a:r>
               <a:rPr lang="en-US" altLang="ko-KR" dirty="0" smtClean="0"/>
@@ -9260,175 +9315,45 @@
             </a:r>
             <a:r>
               <a:rPr lang="ko-KR" altLang="en-US" dirty="0" smtClean="0"/>
-              <a:t>전류를 버티지 못하고 발열이 생기고 소실되는 것이죠</a:t>
+              <a:t>회로 적용하여 사용하다 보면 이상 증상이 나타나기도 합니다</a:t>
             </a:r>
             <a:r>
               <a:rPr lang="en-US" altLang="ko-KR" dirty="0" smtClean="0"/>
               <a:t>. </a:t>
             </a:r>
+          </a:p>
+          <a:p>
             <a:r>
               <a:rPr lang="ko-KR" altLang="en-US" dirty="0" smtClean="0"/>
-              <a:t>충분한 전압 </a:t>
-            </a:r>
-            <a:r>
-              <a:rPr lang="ko-KR" altLang="en-US" dirty="0" err="1" smtClean="0"/>
-              <a:t>으로</a:t>
+              <a:t>이를테면 </a:t>
+            </a:r>
+            <a:r>
+              <a:rPr lang="en-US" altLang="ko-KR" dirty="0" smtClean="0"/>
+              <a:t>OFF </a:t>
             </a:r>
             <a:r>
               <a:rPr lang="ko-KR" altLang="en-US" dirty="0" smtClean="0"/>
-              <a:t> </a:t>
+              <a:t>가 안된다든지</a:t>
             </a:r>
             <a:r>
               <a:rPr lang="en-US" altLang="ko-KR" dirty="0" smtClean="0"/>
-              <a:t>Gate </a:t>
+              <a:t>, ON</a:t>
             </a:r>
             <a:r>
               <a:rPr lang="ko-KR" altLang="en-US" dirty="0" smtClean="0"/>
-              <a:t>를 컨트롤 할 때에는 이런 문제가 없습니다</a:t>
+              <a:t>은 되는데 열이 많이 발생하고 </a:t>
+            </a:r>
+            <a:r>
+              <a:rPr lang="en-US" altLang="ko-KR" dirty="0" smtClean="0"/>
+              <a:t>MOSFET </a:t>
+            </a:r>
+            <a:r>
+              <a:rPr lang="ko-KR" altLang="en-US" dirty="0" smtClean="0"/>
+              <a:t>이 소실되어 버립니다</a:t>
             </a:r>
             <a:r>
               <a:rPr lang="en-US" altLang="ko-KR" dirty="0" smtClean="0"/>
               <a:t>.</a:t>
-            </a:r>
-          </a:p>
-          <a:p>
-            <a:r>
-              <a:rPr lang="ko-KR" altLang="en-US" dirty="0" smtClean="0"/>
-              <a:t>반대로 </a:t>
-            </a:r>
-            <a:r>
-              <a:rPr lang="en-US" altLang="ko-KR" dirty="0" smtClean="0"/>
-              <a:t>P-MOSFET </a:t>
-            </a:r>
-            <a:r>
-              <a:rPr lang="ko-KR" altLang="en-US" dirty="0" smtClean="0"/>
-              <a:t>을 사용할 경우에는 </a:t>
-            </a:r>
-            <a:r>
-              <a:rPr lang="en-US" altLang="ko-KR" dirty="0" smtClean="0"/>
-              <a:t>OFF </a:t>
-            </a:r>
-            <a:r>
-              <a:rPr lang="ko-KR" altLang="en-US" dirty="0" smtClean="0"/>
-              <a:t>가 제대로 안되는 경우가 허다합니다</a:t>
-            </a:r>
-            <a:r>
-              <a:rPr lang="en-US" altLang="ko-KR" dirty="0" smtClean="0"/>
-              <a:t>. </a:t>
-            </a:r>
-            <a:r>
-              <a:rPr lang="ko-KR" altLang="en-US" dirty="0" smtClean="0"/>
-              <a:t>역시나 </a:t>
-            </a:r>
-            <a:r>
-              <a:rPr lang="en-US" altLang="ko-KR" dirty="0" err="1" smtClean="0"/>
-              <a:t>Vgs</a:t>
-            </a:r>
-            <a:r>
-              <a:rPr lang="en-US" altLang="ko-KR" dirty="0" smtClean="0"/>
-              <a:t> </a:t>
-            </a:r>
-            <a:r>
-              <a:rPr lang="ko-KR" altLang="en-US" dirty="0" smtClean="0"/>
-              <a:t>전압이 적절치 않기 때문입니다</a:t>
-            </a:r>
-            <a:r>
-              <a:rPr lang="en-US" altLang="ko-KR" dirty="0" smtClean="0"/>
-              <a:t>. S-D </a:t>
-            </a:r>
-            <a:r>
-              <a:rPr lang="ko-KR" altLang="en-US" dirty="0" smtClean="0"/>
-              <a:t>간 흐르는 전류를 막을 만한 전압이 필요한 것인데</a:t>
-            </a:r>
-            <a:r>
-              <a:rPr lang="en-US" altLang="ko-KR" dirty="0" smtClean="0"/>
-              <a:t>, </a:t>
-            </a:r>
-            <a:r>
-              <a:rPr lang="ko-KR" altLang="en-US" dirty="0" smtClean="0"/>
-              <a:t>충분한 전압으로 </a:t>
-            </a:r>
-            <a:r>
-              <a:rPr lang="en-US" altLang="ko-KR" dirty="0" smtClean="0"/>
-              <a:t>Gate </a:t>
-            </a:r>
-            <a:r>
-              <a:rPr lang="ko-KR" altLang="en-US" dirty="0" smtClean="0"/>
-              <a:t>를 조절하지 못하니 전류가 흘러 </a:t>
-            </a:r>
-            <a:r>
-              <a:rPr lang="en-US" altLang="ko-KR" dirty="0" smtClean="0"/>
-              <a:t>OFF</a:t>
-            </a:r>
-            <a:r>
-              <a:rPr lang="ko-KR" altLang="en-US" dirty="0" smtClean="0"/>
-              <a:t>가 되질 않는 것입니다</a:t>
-            </a:r>
-            <a:r>
-              <a:rPr lang="en-US" altLang="ko-KR" dirty="0" smtClean="0"/>
-              <a:t>.</a:t>
-            </a:r>
-          </a:p>
-          <a:p>
-            <a:r>
-              <a:rPr lang="ko-KR" altLang="en-US" dirty="0" smtClean="0"/>
-              <a:t>사실 </a:t>
-            </a:r>
-            <a:r>
-              <a:rPr lang="ko-KR" altLang="en-US" dirty="0" err="1" smtClean="0"/>
-              <a:t>논리게이트용</a:t>
-            </a:r>
-            <a:r>
-              <a:rPr lang="ko-KR" altLang="en-US" dirty="0" smtClean="0"/>
-              <a:t> </a:t>
-            </a:r>
-            <a:r>
-              <a:rPr lang="en-US" altLang="ko-KR" dirty="0" smtClean="0"/>
-              <a:t>MOSFET, </a:t>
-            </a:r>
-            <a:r>
-              <a:rPr lang="en-US" altLang="ko-KR" dirty="0" err="1" smtClean="0"/>
-              <a:t>Vds</a:t>
-            </a:r>
-            <a:r>
-              <a:rPr lang="en-US" altLang="ko-KR" dirty="0" smtClean="0"/>
-              <a:t> = </a:t>
-            </a:r>
-            <a:r>
-              <a:rPr lang="en-US" altLang="ko-KR" dirty="0" err="1" smtClean="0"/>
-              <a:t>Vgs</a:t>
-            </a:r>
-            <a:r>
-              <a:rPr lang="en-US" altLang="ko-KR" dirty="0" smtClean="0"/>
-              <a:t> </a:t>
-            </a:r>
-            <a:r>
-              <a:rPr lang="ko-KR" altLang="en-US" dirty="0" smtClean="0"/>
-              <a:t>조건이 아니라면 </a:t>
-            </a:r>
-            <a:r>
-              <a:rPr lang="en-US" altLang="ko-KR" dirty="0" smtClean="0"/>
-              <a:t>MOSFET </a:t>
-            </a:r>
-            <a:r>
-              <a:rPr lang="ko-KR" altLang="en-US" dirty="0" smtClean="0"/>
-              <a:t>도 </a:t>
-            </a:r>
-            <a:r>
-              <a:rPr lang="en-US" altLang="ko-KR" dirty="0" smtClean="0"/>
-              <a:t>TR </a:t>
-            </a:r>
-            <a:r>
-              <a:rPr lang="ko-KR" altLang="en-US" dirty="0" smtClean="0"/>
-              <a:t>이나 포토커플러로 </a:t>
-            </a:r>
-            <a:r>
-              <a:rPr lang="en-US" altLang="ko-KR" dirty="0" smtClean="0"/>
-              <a:t>ON/OFF</a:t>
-            </a:r>
-            <a:r>
-              <a:rPr lang="ko-KR" altLang="en-US" dirty="0" smtClean="0"/>
-              <a:t>를 해주는 것이 확실합니다</a:t>
             </a:r>
             <a:endParaRPr lang="ko-KR" altLang="en-US" dirty="0"/>
           </a:p>
@@ -9443,6 +9368,285 @@
 </file>
 
 <file path=ppt/slides/slide25.xml><?xml version="1.0" encoding="utf-8"?>
+<p:sld xmlns:a="http://schemas.openxmlformats.org/drawingml/2006/main" xmlns:r="http://schemas.openxmlformats.org/officeDocument/2006/relationships" xmlns:p="http://schemas.openxmlformats.org/presentationml/2006/main">
+  <p:cSld>
+    <p:spTree>
+      <p:nvGrpSpPr>
+        <p:cNvPr id="1" name=""/>
+        <p:cNvGrpSpPr/>
+        <p:nvPr/>
+      </p:nvGrpSpPr>
+      <p:grpSpPr>
+        <a:xfrm>
+          <a:off x="0" y="0"/>
+          <a:ext cx="0" cy="0"/>
+          <a:chOff x="0" y="0"/>
+          <a:chExt cx="0" cy="0"/>
+        </a:xfrm>
+      </p:grpSpPr>
+      <p:sp>
+        <p:nvSpPr>
+          <p:cNvPr id="3" name="제목 2"/>
+          <p:cNvSpPr>
+            <a:spLocks noGrp="1"/>
+          </p:cNvSpPr>
+          <p:nvPr>
+            <p:ph type="title"/>
+          </p:nvPr>
+        </p:nvSpPr>
+        <p:spPr/>
+        <p:txBody>
+          <a:bodyPr>
+            <a:normAutofit/>
+          </a:bodyPr>
+          <a:lstStyle/>
+          <a:p>
+            <a:r>
+              <a:rPr lang="en-US" altLang="ko-KR" dirty="0" smtClean="0"/>
+              <a:t>MOSFET</a:t>
+            </a:r>
+            <a:endParaRPr lang="ko-KR" altLang="en-US" dirty="0"/>
+          </a:p>
+        </p:txBody>
+      </p:sp>
+      <p:sp>
+        <p:nvSpPr>
+          <p:cNvPr id="6" name="내용 개체 틀 5"/>
+          <p:cNvSpPr>
+            <a:spLocks noGrp="1"/>
+          </p:cNvSpPr>
+          <p:nvPr>
+            <p:ph idx="1"/>
+          </p:nvPr>
+        </p:nvSpPr>
+        <p:spPr/>
+        <p:txBody>
+          <a:bodyPr>
+            <a:normAutofit fontScale="92500" lnSpcReduction="20000"/>
+          </a:bodyPr>
+          <a:lstStyle/>
+          <a:p>
+            <a:r>
+              <a:rPr lang="en-US" altLang="ko-KR" dirty="0" smtClean="0"/>
+              <a:t>N-MOSFET </a:t>
+            </a:r>
+            <a:r>
+              <a:rPr lang="ko-KR" altLang="en-US" dirty="0" smtClean="0"/>
+              <a:t>을 사용할 경우에는 후자의 경우가 대부분입니다</a:t>
+            </a:r>
+            <a:r>
+              <a:rPr lang="en-US" altLang="ko-KR" dirty="0" smtClean="0"/>
+              <a:t>. </a:t>
+            </a:r>
+            <a:r>
+              <a:rPr lang="en-US" altLang="ko-KR" dirty="0" err="1" smtClean="0"/>
+              <a:t>Vgs</a:t>
+            </a:r>
+            <a:r>
+              <a:rPr lang="en-US" altLang="ko-KR" dirty="0" smtClean="0"/>
+              <a:t> </a:t>
+            </a:r>
+            <a:r>
+              <a:rPr lang="ko-KR" altLang="en-US" dirty="0" smtClean="0"/>
+              <a:t>전압이 적절하지 않기 때문에</a:t>
+            </a:r>
+            <a:r>
+              <a:rPr lang="en-US" altLang="ko-KR" dirty="0" smtClean="0"/>
+              <a:t>, D-S </a:t>
+            </a:r>
+            <a:r>
+              <a:rPr lang="ko-KR" altLang="en-US" dirty="0" smtClean="0"/>
+              <a:t>간 전압</a:t>
+            </a:r>
+            <a:r>
+              <a:rPr lang="en-US" altLang="ko-KR" dirty="0" smtClean="0"/>
+              <a:t>, </a:t>
+            </a:r>
+            <a:r>
+              <a:rPr lang="ko-KR" altLang="en-US" dirty="0" smtClean="0"/>
+              <a:t>전류를 버티지 못하고 발열이 생기고 소실되는 것이죠</a:t>
+            </a:r>
+            <a:r>
+              <a:rPr lang="en-US" altLang="ko-KR" dirty="0" smtClean="0"/>
+              <a:t>. </a:t>
+            </a:r>
+            <a:r>
+              <a:rPr lang="ko-KR" altLang="en-US" dirty="0" smtClean="0"/>
+              <a:t>충분한 전압 </a:t>
+            </a:r>
+            <a:r>
+              <a:rPr lang="ko-KR" altLang="en-US" dirty="0" err="1" smtClean="0"/>
+              <a:t>으로</a:t>
+            </a:r>
+            <a:r>
+              <a:rPr lang="ko-KR" altLang="en-US" dirty="0" smtClean="0"/>
+              <a:t> </a:t>
+            </a:r>
+            <a:r>
+              <a:rPr lang="en-US" altLang="ko-KR" dirty="0" smtClean="0"/>
+              <a:t>Gate </a:t>
+            </a:r>
+            <a:r>
+              <a:rPr lang="ko-KR" altLang="en-US" dirty="0" smtClean="0"/>
+              <a:t>를 컨트롤 할 때에는 이런 문제가 없습니다</a:t>
+            </a:r>
+            <a:r>
+              <a:rPr lang="en-US" altLang="ko-KR" dirty="0" smtClean="0"/>
+              <a:t>.</a:t>
+            </a:r>
+          </a:p>
+          <a:p>
+            <a:r>
+              <a:rPr lang="ko-KR" altLang="en-US" dirty="0" smtClean="0"/>
+              <a:t>반대로 </a:t>
+            </a:r>
+            <a:r>
+              <a:rPr lang="en-US" altLang="ko-KR" dirty="0" smtClean="0"/>
+              <a:t>P-MOSFET </a:t>
+            </a:r>
+            <a:r>
+              <a:rPr lang="ko-KR" altLang="en-US" dirty="0" smtClean="0"/>
+              <a:t>을 사용할 경우에는 </a:t>
+            </a:r>
+            <a:r>
+              <a:rPr lang="en-US" altLang="ko-KR" dirty="0" smtClean="0"/>
+              <a:t>OFF </a:t>
+            </a:r>
+            <a:r>
+              <a:rPr lang="ko-KR" altLang="en-US" dirty="0" smtClean="0"/>
+              <a:t>가 제대로 안되는 경우가 허다합니다</a:t>
+            </a:r>
+            <a:r>
+              <a:rPr lang="en-US" altLang="ko-KR" dirty="0" smtClean="0"/>
+              <a:t>. </a:t>
+            </a:r>
+            <a:r>
+              <a:rPr lang="ko-KR" altLang="en-US" dirty="0" smtClean="0"/>
+              <a:t>역시나 </a:t>
+            </a:r>
+            <a:r>
+              <a:rPr lang="en-US" altLang="ko-KR" dirty="0" err="1" smtClean="0"/>
+              <a:t>Vgs</a:t>
+            </a:r>
+            <a:r>
+              <a:rPr lang="en-US" altLang="ko-KR" dirty="0" smtClean="0"/>
+              <a:t> </a:t>
+            </a:r>
+            <a:r>
+              <a:rPr lang="ko-KR" altLang="en-US" dirty="0" smtClean="0"/>
+              <a:t>전압이 적절치 않기 때문입니다</a:t>
+            </a:r>
+            <a:r>
+              <a:rPr lang="en-US" altLang="ko-KR" dirty="0" smtClean="0"/>
+              <a:t>. S-D </a:t>
+            </a:r>
+            <a:r>
+              <a:rPr lang="ko-KR" altLang="en-US" dirty="0" smtClean="0"/>
+              <a:t>간 흐르는 전류를 막을 만한 전압이 필요한 것인데</a:t>
+            </a:r>
+            <a:r>
+              <a:rPr lang="en-US" altLang="ko-KR" dirty="0" smtClean="0"/>
+              <a:t>, </a:t>
+            </a:r>
+            <a:r>
+              <a:rPr lang="ko-KR" altLang="en-US" dirty="0" smtClean="0"/>
+              <a:t>충분한 전압으로 </a:t>
+            </a:r>
+            <a:r>
+              <a:rPr lang="en-US" altLang="ko-KR" dirty="0" smtClean="0"/>
+              <a:t>Gate </a:t>
+            </a:r>
+            <a:r>
+              <a:rPr lang="ko-KR" altLang="en-US" dirty="0" smtClean="0"/>
+              <a:t>를 조절하지 못하니 전류가 흘러 </a:t>
+            </a:r>
+            <a:r>
+              <a:rPr lang="en-US" altLang="ko-KR" dirty="0" smtClean="0"/>
+              <a:t>OFF</a:t>
+            </a:r>
+            <a:r>
+              <a:rPr lang="ko-KR" altLang="en-US" dirty="0" smtClean="0"/>
+              <a:t>가 되질 않는 것입니다</a:t>
+            </a:r>
+            <a:r>
+              <a:rPr lang="en-US" altLang="ko-KR" dirty="0" smtClean="0"/>
+              <a:t>.</a:t>
+            </a:r>
+          </a:p>
+          <a:p>
+            <a:r>
+              <a:rPr lang="ko-KR" altLang="en-US" dirty="0" smtClean="0"/>
+              <a:t>사실 </a:t>
+            </a:r>
+            <a:r>
+              <a:rPr lang="ko-KR" altLang="en-US" dirty="0" err="1" smtClean="0"/>
+              <a:t>논리게이트용</a:t>
+            </a:r>
+            <a:r>
+              <a:rPr lang="ko-KR" altLang="en-US" dirty="0" smtClean="0"/>
+              <a:t> </a:t>
+            </a:r>
+            <a:r>
+              <a:rPr lang="en-US" altLang="ko-KR" dirty="0" smtClean="0"/>
+              <a:t>MOSFET, </a:t>
+            </a:r>
+            <a:r>
+              <a:rPr lang="en-US" altLang="ko-KR" dirty="0" err="1" smtClean="0"/>
+              <a:t>Vds</a:t>
+            </a:r>
+            <a:r>
+              <a:rPr lang="en-US" altLang="ko-KR" dirty="0" smtClean="0"/>
+              <a:t> = </a:t>
+            </a:r>
+            <a:r>
+              <a:rPr lang="en-US" altLang="ko-KR" dirty="0" err="1" smtClean="0"/>
+              <a:t>Vgs</a:t>
+            </a:r>
+            <a:r>
+              <a:rPr lang="en-US" altLang="ko-KR" dirty="0" smtClean="0"/>
+              <a:t> </a:t>
+            </a:r>
+            <a:r>
+              <a:rPr lang="ko-KR" altLang="en-US" dirty="0" smtClean="0"/>
+              <a:t>조건이 아니라면 </a:t>
+            </a:r>
+            <a:r>
+              <a:rPr lang="en-US" altLang="ko-KR" dirty="0" smtClean="0"/>
+              <a:t>MOSFET </a:t>
+            </a:r>
+            <a:r>
+              <a:rPr lang="ko-KR" altLang="en-US" dirty="0" smtClean="0"/>
+              <a:t>도 </a:t>
+            </a:r>
+            <a:r>
+              <a:rPr lang="en-US" altLang="ko-KR" dirty="0" smtClean="0"/>
+              <a:t>TR </a:t>
+            </a:r>
+            <a:r>
+              <a:rPr lang="ko-KR" altLang="en-US" dirty="0" smtClean="0"/>
+              <a:t>이나 포토커플러로 </a:t>
+            </a:r>
+            <a:r>
+              <a:rPr lang="en-US" altLang="ko-KR" dirty="0" smtClean="0"/>
+              <a:t>ON/OFF</a:t>
+            </a:r>
+            <a:r>
+              <a:rPr lang="ko-KR" altLang="en-US" dirty="0" smtClean="0"/>
+              <a:t>를 해주는 것이 확실합니다</a:t>
+            </a:r>
+            <a:endParaRPr lang="ko-KR" altLang="en-US" dirty="0"/>
+          </a:p>
+        </p:txBody>
+      </p:sp>
+    </p:spTree>
+  </p:cSld>
+  <p:clrMapOvr>
+    <a:masterClrMapping/>
+  </p:clrMapOvr>
+</p:sld>
+</file>
+
+<file path=ppt/slides/slide26.xml><?xml version="1.0" encoding="utf-8"?>
 <p:sld xmlns:a="http://schemas.openxmlformats.org/drawingml/2006/main" xmlns:r="http://schemas.openxmlformats.org/officeDocument/2006/relationships" xmlns:p="http://schemas.openxmlformats.org/presentationml/2006/main">
   <p:cSld>
     <p:spTree>
@@ -9622,7 +9826,7 @@
 </p:sld>
 </file>
 
-<file path=ppt/slides/slide26.xml><?xml version="1.0" encoding="utf-8"?>
+<file path=ppt/slides/slide27.xml><?xml version="1.0" encoding="utf-8"?>
 <p:sld xmlns:a="http://schemas.openxmlformats.org/drawingml/2006/main" xmlns:r="http://schemas.openxmlformats.org/officeDocument/2006/relationships" xmlns:p="http://schemas.openxmlformats.org/presentationml/2006/main">
   <p:cSld>
     <p:spTree>
@@ -9818,7 +10022,7 @@
 </p:sld>
 </file>
 
-<file path=ppt/slides/slide27.xml><?xml version="1.0" encoding="utf-8"?>
+<file path=ppt/slides/slide28.xml><?xml version="1.0" encoding="utf-8"?>
 <p:sld xmlns:a="http://schemas.openxmlformats.org/drawingml/2006/main" xmlns:r="http://schemas.openxmlformats.org/officeDocument/2006/relationships" xmlns:p="http://schemas.openxmlformats.org/presentationml/2006/main">
   <p:cSld>
     <p:spTree>
@@ -10070,7 +10274,7 @@
 </p:sld>
 </file>
 
-<file path=ppt/slides/slide28.xml><?xml version="1.0" encoding="utf-8"?>
+<file path=ppt/slides/slide29.xml><?xml version="1.0" encoding="utf-8"?>
 <p:sld xmlns:a="http://schemas.openxmlformats.org/drawingml/2006/main" xmlns:r="http://schemas.openxmlformats.org/officeDocument/2006/relationships" xmlns:p="http://schemas.openxmlformats.org/presentationml/2006/main">
   <p:cSld>
     <p:spTree>
@@ -10394,7 +10598,11 @@
           <a:p>
             <a:r>
               <a:rPr lang="en-US" altLang="ko-KR" dirty="0" smtClean="0"/>
-              <a:t>Resistor</a:t>
+              <a:t>Resistor - </a:t>
+            </a:r>
+            <a:r>
+              <a:rPr lang="ko-KR" altLang="en-US" dirty="0" smtClean="0"/>
+              <a:t>설계</a:t>
             </a:r>
             <a:endParaRPr lang="ko-KR" altLang="en-US" dirty="0"/>
           </a:p>
@@ -10626,7 +10834,11 @@
           <a:p>
             <a:r>
               <a:rPr lang="en-US" altLang="ko-KR" dirty="0" smtClean="0"/>
-              <a:t>Resistor</a:t>
+              <a:t>Resistor - </a:t>
+            </a:r>
+            <a:r>
+              <a:rPr lang="ko-KR" altLang="en-US" dirty="0" err="1" smtClean="0"/>
+              <a:t>풀업</a:t>
             </a:r>
             <a:endParaRPr lang="ko-KR" altLang="en-US" dirty="0"/>
           </a:p>
@@ -10674,15 +10886,75 @@
           <a:p>
             <a:r>
               <a:rPr lang="ko-KR" altLang="en-US" dirty="0" err="1" smtClean="0"/>
-              <a:t>입력전원단</a:t>
+              <a:t>저항값의</a:t>
             </a:r>
             <a:r>
               <a:rPr lang="ko-KR" altLang="en-US" dirty="0" smtClean="0"/>
-              <a:t> 바이패스 </a:t>
+              <a:t> 표준에 대해서는 </a:t>
+            </a:r>
+            <a:r>
+              <a:rPr lang="en-US" altLang="ko-KR" dirty="0" smtClean="0"/>
+              <a:t>KS </a:t>
+            </a:r>
+            <a:r>
+              <a:rPr lang="ko-KR" altLang="en-US" dirty="0" smtClean="0"/>
+              <a:t>규격이나 </a:t>
+            </a:r>
+            <a:r>
+              <a:rPr lang="en-US" altLang="ko-KR" dirty="0" smtClean="0"/>
+              <a:t>JIS </a:t>
+            </a:r>
+            <a:r>
+              <a:rPr lang="ko-KR" altLang="en-US" dirty="0" smtClean="0"/>
+              <a:t>규격을 </a:t>
+            </a:r>
+            <a:r>
+              <a:rPr lang="ko-KR" altLang="en-US" dirty="0" smtClean="0"/>
+              <a:t>사용하고 있으며 이것들은 </a:t>
+            </a:r>
+            <a:r>
+              <a:rPr lang="en-US" altLang="ko-KR" dirty="0" smtClean="0"/>
+              <a:t>E </a:t>
             </a:r>
             <a:r>
               <a:rPr lang="ko-KR" altLang="en-US" dirty="0" err="1" smtClean="0"/>
-              <a:t>커패시터</a:t>
+              <a:t>게열</a:t>
+            </a:r>
+            <a:r>
+              <a:rPr lang="ko-KR" altLang="en-US" dirty="0" smtClean="0"/>
+              <a:t> 이라 하며 </a:t>
+            </a:r>
+            <a:r>
+              <a:rPr lang="en-US" altLang="ko-KR" dirty="0" smtClean="0"/>
+              <a:t>10</a:t>
+            </a:r>
+            <a:r>
+              <a:rPr lang="ko-KR" altLang="en-US" dirty="0" smtClean="0"/>
+              <a:t>을 대수적으로 몇등분 하는가에 따라 </a:t>
+            </a:r>
+            <a:r>
+              <a:rPr lang="en-US" altLang="ko-KR" dirty="0" smtClean="0"/>
+              <a:t>E3, </a:t>
+            </a:r>
+            <a:r>
+              <a:rPr lang="en-US" altLang="ko-KR" dirty="0" smtClean="0"/>
+              <a:t>E6, </a:t>
+            </a:r>
+            <a:r>
+              <a:rPr lang="en-US" altLang="ko-KR" dirty="0" smtClean="0"/>
+              <a:t>E12, E24</a:t>
+            </a:r>
+            <a:r>
+              <a:rPr lang="ko-KR" altLang="en-US" dirty="0" smtClean="0"/>
+              <a:t>등과 같이 표현 합니다</a:t>
+            </a:r>
+            <a:r>
+              <a:rPr lang="en-US" altLang="ko-KR" dirty="0" smtClean="0"/>
+              <a:t>. </a:t>
+            </a:r>
+            <a:r>
+              <a:rPr lang="ko-KR" altLang="en-US" dirty="0" err="1" smtClean="0"/>
+              <a:t>예를들어</a:t>
             </a:r>
             <a:r>
               <a:rPr lang="ko-KR" altLang="en-US" dirty="0" smtClean="0"/>
@@ -10690,40 +10962,123 @@
             </a:r>
             <a:r>
               <a:rPr lang="en-US" altLang="ko-KR" dirty="0" smtClean="0"/>
-              <a:t>47uF</a:t>
-            </a:r>
-          </a:p>
-          <a:p>
-            <a:endParaRPr lang="en-US" altLang="ko-KR" dirty="0" smtClean="0"/>
-          </a:p>
-          <a:p>
-            <a:r>
-              <a:rPr lang="en-US" altLang="ko-KR" dirty="0" err="1" smtClean="0"/>
-              <a:t>Photocoupler</a:t>
-            </a:r>
-            <a:r>
-              <a:rPr lang="en-US" altLang="ko-KR" dirty="0" smtClean="0"/>
-              <a:t> </a:t>
+              <a:t>E3 </a:t>
             </a:r>
             <a:r>
               <a:rPr lang="ko-KR" altLang="en-US" dirty="0" err="1" smtClean="0"/>
-              <a:t>출력단</a:t>
+              <a:t>계열일이면</a:t>
             </a:r>
             <a:r>
               <a:rPr lang="ko-KR" altLang="en-US" dirty="0" smtClean="0"/>
               <a:t> </a:t>
             </a:r>
             <a:r>
-              <a:rPr lang="ko-KR" altLang="en-US" dirty="0" err="1" smtClean="0"/>
-              <a:t>커패시터</a:t>
+              <a:rPr lang="en-US" altLang="ko-KR" dirty="0" smtClean="0"/>
+              <a:t>10</a:t>
             </a:r>
             <a:r>
               <a:rPr lang="ko-KR" altLang="en-US" dirty="0" smtClean="0"/>
-              <a:t> </a:t>
+              <a:t>을 대수적으로 </a:t>
             </a:r>
             <a:r>
               <a:rPr lang="en-US" altLang="ko-KR" dirty="0" smtClean="0"/>
-              <a:t>0.1uF</a:t>
+              <a:t>3</a:t>
+            </a:r>
+            <a:r>
+              <a:rPr lang="ko-KR" altLang="en-US" dirty="0" smtClean="0"/>
+              <a:t>등분하여 다음</a:t>
+            </a:r>
+          </a:p>
+          <a:p>
+            <a:pPr lvl="1"/>
+            <a:r>
+              <a:rPr lang="en-US" altLang="ko-KR" dirty="0" smtClean="0"/>
+              <a:t>1. 10</a:t>
+            </a:r>
+            <a:r>
+              <a:rPr lang="ko-KR" altLang="en-US" dirty="0" smtClean="0"/>
+              <a:t>의 </a:t>
+            </a:r>
+            <a:r>
+              <a:rPr lang="en-US" altLang="ko-KR" dirty="0" smtClean="0"/>
+              <a:t>0</a:t>
+            </a:r>
+            <a:r>
+              <a:rPr lang="ko-KR" altLang="en-US" dirty="0" smtClean="0"/>
+              <a:t>승 </a:t>
+            </a:r>
+            <a:r>
+              <a:rPr lang="en-US" altLang="ko-KR" dirty="0" smtClean="0"/>
+              <a:t>: 1</a:t>
+            </a:r>
+          </a:p>
+          <a:p>
+            <a:pPr lvl="1"/>
+            <a:r>
+              <a:rPr lang="en-US" altLang="ko-KR" dirty="0" smtClean="0"/>
+              <a:t>2. 10</a:t>
+            </a:r>
+            <a:r>
+              <a:rPr lang="ko-KR" altLang="en-US" dirty="0" smtClean="0"/>
+              <a:t>의 </a:t>
+            </a:r>
+            <a:r>
+              <a:rPr lang="en-US" altLang="ko-KR" dirty="0" smtClean="0"/>
+              <a:t>1/3 </a:t>
+            </a:r>
+            <a:r>
+              <a:rPr lang="ko-KR" altLang="en-US" dirty="0" smtClean="0"/>
+              <a:t>승 </a:t>
+            </a:r>
+            <a:r>
+              <a:rPr lang="en-US" altLang="ko-KR" dirty="0" smtClean="0"/>
+              <a:t>: 2.2</a:t>
+            </a:r>
+          </a:p>
+          <a:p>
+            <a:pPr lvl="1"/>
+            <a:r>
+              <a:rPr lang="en-US" altLang="ko-KR" dirty="0" smtClean="0"/>
+              <a:t>3. 10</a:t>
+            </a:r>
+            <a:r>
+              <a:rPr lang="ko-KR" altLang="en-US" dirty="0" smtClean="0"/>
+              <a:t>의 </a:t>
+            </a:r>
+            <a:r>
+              <a:rPr lang="en-US" altLang="ko-KR" dirty="0" smtClean="0"/>
+              <a:t>2/3 </a:t>
+            </a:r>
+            <a:r>
+              <a:rPr lang="ko-KR" altLang="en-US" dirty="0" smtClean="0"/>
+              <a:t>승 </a:t>
+            </a:r>
+            <a:r>
+              <a:rPr lang="en-US" altLang="ko-KR" dirty="0" smtClean="0"/>
+              <a:t>: 4.7</a:t>
+            </a:r>
+          </a:p>
+          <a:p>
+            <a:pPr lvl="1"/>
+            <a:r>
+              <a:rPr lang="en-US" altLang="ko-KR" dirty="0" smtClean="0"/>
+              <a:t>4. 10</a:t>
+            </a:r>
+            <a:r>
+              <a:rPr lang="ko-KR" altLang="en-US" dirty="0" smtClean="0"/>
+              <a:t>의 </a:t>
+            </a:r>
+            <a:r>
+              <a:rPr lang="en-US" altLang="ko-KR" dirty="0" smtClean="0"/>
+              <a:t>3/3 </a:t>
+            </a:r>
+            <a:r>
+              <a:rPr lang="ko-KR" altLang="en-US" dirty="0" smtClean="0"/>
+              <a:t>승 </a:t>
+            </a:r>
+            <a:r>
+              <a:rPr lang="en-US" altLang="ko-KR" dirty="0" smtClean="0"/>
+              <a:t>: 10</a:t>
             </a:r>
             <a:endParaRPr lang="ko-KR" altLang="en-US" dirty="0"/>
           </a:p>
@@ -10746,7 +11101,11 @@
           <a:p>
             <a:r>
               <a:rPr lang="en-US" altLang="ko-KR" dirty="0" smtClean="0"/>
-              <a:t>Capacitor</a:t>
+              <a:t>Resistor - </a:t>
+            </a:r>
+            <a:r>
+              <a:rPr lang="ko-KR" altLang="en-US" dirty="0" smtClean="0"/>
+              <a:t>표준</a:t>
             </a:r>
             <a:endParaRPr lang="ko-KR" altLang="en-US" dirty="0"/>
           </a:p>
@@ -10779,6 +11138,111 @@
       </p:grpSpPr>
       <p:sp>
         <p:nvSpPr>
+          <p:cNvPr id="2" name="내용 개체 틀 1"/>
+          <p:cNvSpPr>
+            <a:spLocks noGrp="1"/>
+          </p:cNvSpPr>
+          <p:nvPr>
+            <p:ph idx="1"/>
+          </p:nvPr>
+        </p:nvSpPr>
+        <p:spPr/>
+        <p:txBody>
+          <a:bodyPr/>
+          <a:lstStyle/>
+          <a:p>
+            <a:r>
+              <a:rPr lang="ko-KR" altLang="en-US" dirty="0" err="1" smtClean="0"/>
+              <a:t>입력전원단</a:t>
+            </a:r>
+            <a:r>
+              <a:rPr lang="ko-KR" altLang="en-US" dirty="0" smtClean="0"/>
+              <a:t> 바이패스 </a:t>
+            </a:r>
+            <a:r>
+              <a:rPr lang="ko-KR" altLang="en-US" dirty="0" err="1" smtClean="0"/>
+              <a:t>커패시터</a:t>
+            </a:r>
+            <a:r>
+              <a:rPr lang="ko-KR" altLang="en-US" dirty="0" smtClean="0"/>
+              <a:t> </a:t>
+            </a:r>
+            <a:r>
+              <a:rPr lang="en-US" altLang="ko-KR" dirty="0" smtClean="0"/>
+              <a:t>47uF</a:t>
+            </a:r>
+          </a:p>
+          <a:p>
+            <a:endParaRPr lang="en-US" altLang="ko-KR" dirty="0" smtClean="0"/>
+          </a:p>
+          <a:p>
+            <a:r>
+              <a:rPr lang="en-US" altLang="ko-KR" dirty="0" err="1" smtClean="0"/>
+              <a:t>Photocoupler</a:t>
+            </a:r>
+            <a:r>
+              <a:rPr lang="en-US" altLang="ko-KR" dirty="0" smtClean="0"/>
+              <a:t> </a:t>
+            </a:r>
+            <a:r>
+              <a:rPr lang="ko-KR" altLang="en-US" dirty="0" err="1" smtClean="0"/>
+              <a:t>출력단</a:t>
+            </a:r>
+            <a:r>
+              <a:rPr lang="ko-KR" altLang="en-US" dirty="0" smtClean="0"/>
+              <a:t> </a:t>
+            </a:r>
+            <a:r>
+              <a:rPr lang="ko-KR" altLang="en-US" dirty="0" err="1" smtClean="0"/>
+              <a:t>커패시터</a:t>
+            </a:r>
+            <a:r>
+              <a:rPr lang="ko-KR" altLang="en-US" dirty="0" smtClean="0"/>
+              <a:t> </a:t>
+            </a:r>
+            <a:r>
+              <a:rPr lang="en-US" altLang="ko-KR" dirty="0" smtClean="0"/>
+              <a:t>0.1uF</a:t>
+            </a:r>
+          </a:p>
+          <a:p>
+            <a:endParaRPr lang="en-US" altLang="ko-KR" dirty="0" smtClean="0"/>
+          </a:p>
+          <a:p>
+            <a:r>
+              <a:rPr lang="en-US" altLang="ko-KR" dirty="0" smtClean="0"/>
+              <a:t>Polarity / </a:t>
+            </a:r>
+            <a:r>
+              <a:rPr lang="en-US" altLang="ko-KR" dirty="0" err="1" smtClean="0"/>
+              <a:t>Nonpolar</a:t>
+            </a:r>
+            <a:r>
+              <a:rPr lang="en-US" altLang="ko-KR" dirty="0" smtClean="0"/>
+              <a:t> (</a:t>
+            </a:r>
+            <a:r>
+              <a:rPr lang="ko-KR" altLang="en-US" dirty="0" smtClean="0"/>
+              <a:t>극성 </a:t>
+            </a:r>
+            <a:r>
+              <a:rPr lang="en-US" altLang="ko-KR" dirty="0" smtClean="0"/>
+              <a:t>/ </a:t>
+            </a:r>
+            <a:r>
+              <a:rPr lang="ko-KR" altLang="en-US" dirty="0" err="1" smtClean="0"/>
+              <a:t>무극성</a:t>
+            </a:r>
+            <a:r>
+              <a:rPr lang="en-US" altLang="ko-KR" dirty="0" smtClean="0"/>
+              <a:t>)</a:t>
+            </a:r>
+            <a:endParaRPr lang="ko-KR" altLang="en-US" dirty="0"/>
+          </a:p>
+        </p:txBody>
+      </p:sp>
+      <p:sp>
+        <p:nvSpPr>
           <p:cNvPr id="3" name="제목 2"/>
           <p:cNvSpPr>
             <a:spLocks noGrp="1"/>
@@ -10789,242 +11253,14 @@
         </p:nvSpPr>
         <p:spPr/>
         <p:txBody>
-          <a:bodyPr>
-            <a:normAutofit/>
-          </a:bodyPr>
+          <a:bodyPr/>
           <a:lstStyle/>
           <a:p>
             <a:r>
               <a:rPr lang="en-US" altLang="ko-KR" dirty="0" smtClean="0"/>
-              <a:t>Transistor –</a:t>
-            </a:r>
-            <a:r>
-              <a:rPr lang="ko-KR" altLang="en-US" dirty="0" smtClean="0"/>
-              <a:t> </a:t>
-            </a:r>
-            <a:r>
-              <a:rPr lang="ko-KR" altLang="en-US" dirty="0" err="1" smtClean="0"/>
-              <a:t>설계시</a:t>
-            </a:r>
-            <a:r>
-              <a:rPr lang="ko-KR" altLang="en-US" dirty="0" smtClean="0"/>
-              <a:t> 유의사항</a:t>
+              <a:t>Capacitor</a:t>
             </a:r>
             <a:endParaRPr lang="ko-KR" altLang="en-US" dirty="0"/>
-          </a:p>
-        </p:txBody>
-      </p:sp>
-      <p:sp>
-        <p:nvSpPr>
-          <p:cNvPr id="6" name="내용 개체 틀 5"/>
-          <p:cNvSpPr>
-            <a:spLocks noGrp="1"/>
-          </p:cNvSpPr>
-          <p:nvPr>
-            <p:ph idx="1"/>
-          </p:nvPr>
-        </p:nvSpPr>
-        <p:spPr/>
-        <p:txBody>
-          <a:bodyPr>
-            <a:normAutofit fontScale="92500"/>
-          </a:bodyPr>
-          <a:lstStyle/>
-          <a:p>
-            <a:r>
-              <a:rPr lang="ko-KR" altLang="en-US" dirty="0" smtClean="0"/>
-              <a:t>몇 볼트까지 사용할 것인가</a:t>
-            </a:r>
-            <a:r>
-              <a:rPr lang="en-US" altLang="ko-KR" dirty="0" smtClean="0"/>
-              <a:t>?</a:t>
-            </a:r>
-          </a:p>
-          <a:p>
-            <a:pPr lvl="1"/>
-            <a:r>
-              <a:rPr lang="ko-KR" altLang="en-US" sz="2200" dirty="0" err="1" smtClean="0"/>
-              <a:t>컬렉터</a:t>
-            </a:r>
-            <a:r>
-              <a:rPr lang="en-US" altLang="ko-KR" sz="2200" dirty="0" smtClean="0"/>
-              <a:t>·</a:t>
-            </a:r>
-            <a:r>
-              <a:rPr lang="ko-KR" altLang="en-US" sz="2200" dirty="0" err="1" smtClean="0"/>
-              <a:t>이미터간</a:t>
-            </a:r>
-            <a:r>
-              <a:rPr lang="ko-KR" altLang="en-US" sz="2200" dirty="0" smtClean="0"/>
-              <a:t> 최대정격전압（</a:t>
-            </a:r>
-            <a:r>
-              <a:rPr lang="en-US" altLang="ko-KR" sz="2200" dirty="0" err="1" smtClean="0"/>
-              <a:t>Vceo</a:t>
-            </a:r>
-            <a:r>
-              <a:rPr lang="en-US" altLang="ko-KR" sz="2200" dirty="0" smtClean="0"/>
-              <a:t>)</a:t>
-            </a:r>
-            <a:r>
-              <a:rPr lang="ko-KR" altLang="en-US" sz="2200" dirty="0" smtClean="0"/>
-              <a:t>를 기준으로 하며 실제로는 이것의 </a:t>
-            </a:r>
-            <a:r>
-              <a:rPr lang="en-US" altLang="ko-KR" sz="2200" dirty="0" smtClean="0"/>
-              <a:t>1/2 </a:t>
-            </a:r>
-            <a:r>
-              <a:rPr lang="ko-KR" altLang="en-US" sz="2200" dirty="0" smtClean="0"/>
-              <a:t>이하의 전압에서 사용하는 것이 좋습니다</a:t>
-            </a:r>
-            <a:r>
-              <a:rPr lang="en-US" altLang="ko-KR" sz="2200" dirty="0" smtClean="0"/>
-              <a:t>.</a:t>
-            </a:r>
-          </a:p>
-          <a:p>
-            <a:pPr lvl="1"/>
-            <a:endParaRPr lang="en-US" altLang="ko-KR" sz="2400" dirty="0" smtClean="0"/>
-          </a:p>
-          <a:p>
-            <a:r>
-              <a:rPr lang="ko-KR" altLang="en-US" dirty="0" smtClean="0"/>
-              <a:t>몇 암페어까지 흐르게 할 것인가</a:t>
-            </a:r>
-            <a:r>
-              <a:rPr lang="en-US" altLang="ko-KR" dirty="0" smtClean="0"/>
-              <a:t>?</a:t>
-            </a:r>
-          </a:p>
-          <a:p>
-            <a:pPr lvl="1"/>
-            <a:r>
-              <a:rPr lang="ko-KR" altLang="en-US" sz="2200" dirty="0" smtClean="0"/>
-              <a:t>이것은 ２가지 관점에서 생각해야 합니다</a:t>
-            </a:r>
-            <a:r>
-              <a:rPr lang="en-US" altLang="ko-KR" sz="2200" dirty="0" smtClean="0"/>
-              <a:t>.</a:t>
-            </a:r>
-          </a:p>
-          <a:p>
-            <a:pPr lvl="1"/>
-            <a:r>
-              <a:rPr lang="ko-KR" altLang="en-US" sz="2200" dirty="0" smtClean="0"/>
-              <a:t>먼저 </a:t>
-            </a:r>
-            <a:r>
-              <a:rPr lang="ko-KR" altLang="en-US" sz="2200" dirty="0" err="1" smtClean="0"/>
-              <a:t>컬렉터</a:t>
-            </a:r>
-            <a:r>
-              <a:rPr lang="ko-KR" altLang="en-US" sz="2200" dirty="0" smtClean="0"/>
-              <a:t> 최대정격전류（</a:t>
-            </a:r>
-            <a:r>
-              <a:rPr lang="en-US" altLang="ko-KR" sz="2200" dirty="0" err="1" smtClean="0"/>
-              <a:t>Ic</a:t>
-            </a:r>
-            <a:r>
-              <a:rPr lang="en-US" altLang="ko-KR" sz="2200" dirty="0" smtClean="0"/>
-              <a:t>)</a:t>
-            </a:r>
-            <a:r>
-              <a:rPr lang="ko-KR" altLang="en-US" sz="2200" dirty="0" smtClean="0"/>
-              <a:t>를 초과해서는 안되며 실제 사용시에는 </a:t>
-            </a:r>
-            <a:r>
-              <a:rPr lang="en-US" altLang="ko-KR" sz="2200" dirty="0" smtClean="0"/>
-              <a:t>1/2 </a:t>
-            </a:r>
-            <a:r>
-              <a:rPr lang="ko-KR" altLang="en-US" sz="2200" dirty="0" smtClean="0"/>
-              <a:t>이하에서 사용해야 합니다</a:t>
-            </a:r>
-            <a:r>
-              <a:rPr lang="en-US" altLang="ko-KR" sz="2200" dirty="0" smtClean="0"/>
-              <a:t>.</a:t>
-            </a:r>
-          </a:p>
-          <a:p>
-            <a:pPr lvl="1"/>
-            <a:r>
-              <a:rPr lang="ko-KR" altLang="en-US" sz="2200" dirty="0" smtClean="0"/>
-              <a:t>또 하나는 </a:t>
-            </a:r>
-            <a:r>
-              <a:rPr lang="ko-KR" altLang="en-US" sz="2200" dirty="0" err="1" smtClean="0"/>
-              <a:t>콜렉터</a:t>
-            </a:r>
-            <a:r>
-              <a:rPr lang="ko-KR" altLang="en-US" sz="2200" dirty="0" smtClean="0"/>
-              <a:t> 손실</a:t>
-            </a:r>
-            <a:r>
-              <a:rPr lang="en-US" altLang="ko-KR" sz="2200" dirty="0" smtClean="0"/>
-              <a:t>(Pc)</a:t>
-            </a:r>
-            <a:r>
-              <a:rPr lang="ko-KR" altLang="en-US" sz="2200" dirty="0" smtClean="0"/>
-              <a:t>을 기준으로 최대 전력을 초과하여 사용하지 않도록 하는 것입니다</a:t>
-            </a:r>
-            <a:r>
-              <a:rPr lang="en-US" altLang="ko-KR" sz="2200" dirty="0" smtClean="0"/>
-              <a:t>. </a:t>
-            </a:r>
-            <a:r>
-              <a:rPr lang="ko-KR" altLang="en-US" sz="2200" dirty="0" smtClean="0"/>
-              <a:t>이것의 사용전압 </a:t>
-            </a:r>
-            <a:r>
-              <a:rPr lang="en-US" altLang="ko-KR" sz="2200" dirty="0" smtClean="0"/>
-              <a:t>× </a:t>
-            </a:r>
-            <a:r>
-              <a:rPr lang="ko-KR" altLang="en-US" sz="2200" dirty="0" smtClean="0"/>
-              <a:t>전류로 계산하여 역시 </a:t>
-            </a:r>
-            <a:r>
-              <a:rPr lang="en-US" altLang="ko-KR" sz="2200" dirty="0" smtClean="0"/>
-              <a:t>1/2 </a:t>
-            </a:r>
-            <a:r>
-              <a:rPr lang="ko-KR" altLang="en-US" sz="2200" dirty="0" smtClean="0"/>
-              <a:t>이하에서 사용해야 합니다</a:t>
-            </a:r>
-            <a:r>
-              <a:rPr lang="en-US" altLang="ko-KR" sz="2200" dirty="0" smtClean="0"/>
-              <a:t>.</a:t>
-            </a:r>
-          </a:p>
-          <a:p>
-            <a:pPr lvl="1"/>
-            <a:r>
-              <a:rPr lang="ko-KR" altLang="en-US" sz="2200" dirty="0" smtClean="0"/>
-              <a:t>그러나 이것은 </a:t>
-            </a:r>
-            <a:r>
-              <a:rPr lang="ko-KR" altLang="en-US" sz="2200" dirty="0" err="1" smtClean="0"/>
-              <a:t>방열판의</a:t>
-            </a:r>
-            <a:r>
-              <a:rPr lang="ko-KR" altLang="en-US" sz="2200" dirty="0" smtClean="0"/>
-              <a:t> 유무와 주위 온도에 따라 큰 차이가 있으므로 데이터 </a:t>
-            </a:r>
-            <a:r>
-              <a:rPr lang="ko-KR" altLang="en-US" sz="2200" dirty="0" err="1" smtClean="0"/>
-              <a:t>쉬트를</a:t>
-            </a:r>
-            <a:r>
-              <a:rPr lang="ko-KR" altLang="en-US" sz="2200" dirty="0" smtClean="0"/>
-              <a:t> 확인하는 것이 좋습니다</a:t>
-            </a:r>
-            <a:r>
-              <a:rPr lang="en-US" altLang="ko-KR" sz="2200" dirty="0" smtClean="0"/>
-              <a:t>.</a:t>
-            </a:r>
-            <a:endParaRPr lang="ko-KR" altLang="en-US" sz="2200" dirty="0"/>
           </a:p>
         </p:txBody>
       </p:sp>
@@ -11103,13 +11339,13 @@
         <p:spPr/>
         <p:txBody>
           <a:bodyPr>
-            <a:normAutofit/>
+            <a:normAutofit fontScale="92500"/>
           </a:bodyPr>
           <a:lstStyle/>
           <a:p>
             <a:r>
               <a:rPr lang="ko-KR" altLang="en-US" dirty="0" smtClean="0"/>
-              <a:t>증폭률을 얼마로 사용할 것인가</a:t>
+              <a:t>몇 볼트까지 사용할 것인가</a:t>
             </a:r>
             <a:r>
               <a:rPr lang="en-US" altLang="ko-KR" dirty="0" smtClean="0"/>
@@ -11119,30 +11355,45 @@
           <a:p>
             <a:pPr lvl="1"/>
             <a:r>
-              <a:rPr lang="ko-KR" altLang="en-US" sz="2000" dirty="0" err="1" smtClean="0"/>
-              <a:t>직류전류증폭율</a:t>
-            </a:r>
-            <a:r>
-              <a:rPr lang="en-US" altLang="ko-KR" sz="2000" dirty="0" smtClean="0"/>
-              <a:t>(</a:t>
-            </a:r>
-            <a:r>
-              <a:rPr lang="en-US" altLang="ko-KR" sz="2000" dirty="0" err="1" smtClean="0"/>
-              <a:t>hfe</a:t>
-            </a:r>
-            <a:r>
-              <a:rPr lang="en-US" altLang="ko-KR" sz="2000" dirty="0" smtClean="0"/>
+              <a:rPr lang="ko-KR" altLang="en-US" sz="2200" dirty="0" err="1" smtClean="0"/>
+              <a:t>컬렉터</a:t>
+            </a:r>
+            <a:r>
+              <a:rPr lang="en-US" altLang="ko-KR" sz="2200" dirty="0" smtClean="0"/>
+              <a:t>·</a:t>
+            </a:r>
+            <a:r>
+              <a:rPr lang="ko-KR" altLang="en-US" sz="2200" dirty="0" err="1" smtClean="0"/>
+              <a:t>이미터간</a:t>
+            </a:r>
+            <a:r>
+              <a:rPr lang="ko-KR" altLang="en-US" sz="2200" dirty="0" smtClean="0"/>
+              <a:t> 최대정격전압（</a:t>
+            </a:r>
+            <a:r>
+              <a:rPr lang="en-US" altLang="ko-KR" sz="2200" dirty="0" err="1" smtClean="0"/>
+              <a:t>Vceo</a:t>
+            </a:r>
+            <a:r>
+              <a:rPr lang="en-US" altLang="ko-KR" sz="2200" dirty="0" smtClean="0"/>
               <a:t>)</a:t>
             </a:r>
             <a:r>
-              <a:rPr lang="ko-KR" altLang="en-US" sz="2000" dirty="0" smtClean="0"/>
-              <a:t>로 단순하게 입력전류의 몇 배가 되어 출력되는지 계산하면 되지만 트랜지스터마다 편차가 있으므로 최소값을 기준으로 해야 합니다</a:t>
-            </a:r>
-            <a:r>
-              <a:rPr lang="en-US" altLang="ko-KR" sz="2000" dirty="0" smtClean="0"/>
+              <a:rPr lang="ko-KR" altLang="en-US" sz="2200" dirty="0" smtClean="0"/>
+              <a:t>를 기준으로 하며 실제로는 이것의 </a:t>
+            </a:r>
+            <a:r>
+              <a:rPr lang="en-US" altLang="ko-KR" sz="2200" dirty="0" smtClean="0"/>
+              <a:t>1/2 </a:t>
+            </a:r>
+            <a:r>
+              <a:rPr lang="ko-KR" altLang="en-US" sz="2200" dirty="0" smtClean="0"/>
+              <a:t>이하의 전압에서 사용하는 것이 좋습니다</a:t>
+            </a:r>
+            <a:r>
+              <a:rPr lang="en-US" altLang="ko-KR" sz="2200" dirty="0" smtClean="0"/>
               <a:t>.</a:t>
             </a:r>
-            <a:endParaRPr lang="en-US" altLang="ko-KR" sz="4000" dirty="0" smtClean="0"/>
           </a:p>
           <a:p>
             <a:pPr lvl="1"/>
@@ -11150,12 +11401,8 @@
           </a:p>
           <a:p>
             <a:r>
-              <a:rPr lang="ko-KR" altLang="en-US" dirty="0" err="1" smtClean="0"/>
-              <a:t>어느정도의</a:t>
-            </a:r>
-            <a:r>
               <a:rPr lang="ko-KR" altLang="en-US" dirty="0" smtClean="0"/>
-              <a:t> 주파수까지 증폭할 것인가</a:t>
+              <a:t>몇 암페어까지 흐르게 할 것인가</a:t>
             </a:r>
             <a:r>
               <a:rPr lang="en-US" altLang="ko-KR" dirty="0" smtClean="0"/>
@@ -11165,75 +11412,131 @@
           <a:p>
             <a:pPr lvl="1"/>
             <a:r>
-              <a:rPr lang="ko-KR" altLang="en-US" sz="2000" dirty="0" smtClean="0"/>
-              <a:t>이것은 이득 대역폭 </a:t>
-            </a:r>
-            <a:r>
-              <a:rPr lang="en-US" altLang="ko-KR" sz="2000" dirty="0" smtClean="0"/>
-              <a:t>(</a:t>
-            </a:r>
-            <a:r>
-              <a:rPr lang="en-US" altLang="ko-KR" sz="2000" dirty="0" err="1" smtClean="0"/>
-              <a:t>f</a:t>
-            </a:r>
-            <a:r>
-              <a:rPr lang="en-US" altLang="ko-KR" sz="1100" dirty="0" err="1" smtClean="0"/>
-              <a:t>T</a:t>
-            </a:r>
-            <a:r>
-              <a:rPr lang="en-US" altLang="ko-KR" sz="2000" dirty="0" smtClean="0"/>
+              <a:rPr lang="ko-KR" altLang="en-US" sz="2200" dirty="0" smtClean="0"/>
+              <a:t>이것은 ２가지 관점에서 생각해야 합니다</a:t>
+            </a:r>
+            <a:r>
+              <a:rPr lang="en-US" altLang="ko-KR" sz="2200" dirty="0" smtClean="0"/>
+              <a:t>.</a:t>
+            </a:r>
+          </a:p>
+          <a:p>
+            <a:pPr lvl="1"/>
+            <a:r>
+              <a:rPr lang="ko-KR" altLang="en-US" sz="2200" dirty="0" smtClean="0"/>
+              <a:t>먼저 </a:t>
+            </a:r>
+            <a:r>
+              <a:rPr lang="ko-KR" altLang="en-US" sz="2200" dirty="0" err="1" smtClean="0"/>
+              <a:t>컬렉터</a:t>
+            </a:r>
+            <a:r>
+              <a:rPr lang="ko-KR" altLang="en-US" sz="2200" dirty="0" smtClean="0"/>
+              <a:t> 최대정격전류（</a:t>
+            </a:r>
+            <a:r>
+              <a:rPr lang="en-US" altLang="ko-KR" sz="2200" dirty="0" err="1" smtClean="0"/>
+              <a:t>Ic</a:t>
+            </a:r>
+            <a:r>
+              <a:rPr lang="en-US" altLang="ko-KR" sz="2200" dirty="0" smtClean="0"/>
               <a:t>)</a:t>
             </a:r>
             <a:r>
-              <a:rPr lang="ko-KR" altLang="en-US" sz="2000" dirty="0" smtClean="0"/>
-              <a:t>을 기준으로 하여 다음과 같이 산출 합니다</a:t>
-            </a:r>
-            <a:r>
-              <a:rPr lang="en-US" altLang="ko-KR" sz="2000" dirty="0" smtClean="0"/>
+              <a:rPr lang="ko-KR" altLang="en-US" sz="2200" dirty="0" smtClean="0"/>
+              <a:t>를 초과해서는 안되며 실제 사용시에는 </a:t>
+            </a:r>
+            <a:r>
+              <a:rPr lang="en-US" altLang="ko-KR" sz="2200" dirty="0" smtClean="0"/>
+              <a:t>1/2 </a:t>
+            </a:r>
+            <a:r>
+              <a:rPr lang="ko-KR" altLang="en-US" sz="2200" dirty="0" smtClean="0"/>
+              <a:t>이하에서 사용해야 합니다</a:t>
+            </a:r>
+            <a:r>
+              <a:rPr lang="en-US" altLang="ko-KR" sz="2200" dirty="0" smtClean="0"/>
               <a:t>.</a:t>
             </a:r>
           </a:p>
           <a:p>
             <a:pPr lvl="1"/>
             <a:r>
-              <a:rPr lang="ko-KR" altLang="en-US" sz="2000" dirty="0" smtClean="0"/>
-              <a:t>사용 가능한 주파수 ＝ 이득 대역폭</a:t>
-            </a:r>
-            <a:r>
-              <a:rPr lang="en-US" altLang="ko-KR" sz="2000" dirty="0" smtClean="0"/>
-              <a:t>(</a:t>
-            </a:r>
-            <a:r>
-              <a:rPr lang="en-US" altLang="ko-KR" sz="2000" dirty="0" err="1" smtClean="0"/>
-              <a:t>f</a:t>
-            </a:r>
-            <a:r>
-              <a:rPr lang="en-US" altLang="ko-KR" sz="1100" dirty="0" err="1" smtClean="0"/>
-              <a:t>T</a:t>
-            </a:r>
-            <a:r>
-              <a:rPr lang="en-US" altLang="ko-KR" sz="2000" dirty="0" smtClean="0"/>
-              <a:t>) ÷ </a:t>
-            </a:r>
-            <a:r>
-              <a:rPr lang="ko-KR" altLang="en-US" sz="2000" dirty="0" smtClean="0"/>
-              <a:t>직류 전류 증폭 율</a:t>
-            </a:r>
-            <a:r>
-              <a:rPr lang="en-US" altLang="ko-KR" sz="2000" dirty="0" smtClean="0"/>
-              <a:t>(</a:t>
-            </a:r>
-            <a:r>
-              <a:rPr lang="en-US" altLang="ko-KR" sz="2000" dirty="0" err="1" smtClean="0"/>
-              <a:t>hfe</a:t>
-            </a:r>
-            <a:r>
-              <a:rPr lang="en-US" altLang="ko-KR" sz="2000" dirty="0" smtClean="0"/>
-              <a:t>)</a:t>
-            </a:r>
-          </a:p>
-          <a:p>
-            <a:endParaRPr lang="ko-KR" altLang="en-US" dirty="0"/>
+              <a:rPr lang="ko-KR" altLang="en-US" sz="2200" dirty="0" smtClean="0"/>
+              <a:t>또 하나는 </a:t>
+            </a:r>
+            <a:r>
+              <a:rPr lang="ko-KR" altLang="en-US" sz="2200" dirty="0" err="1" smtClean="0"/>
+              <a:t>콜렉터</a:t>
+            </a:r>
+            <a:r>
+              <a:rPr lang="ko-KR" altLang="en-US" sz="2200" dirty="0" smtClean="0"/>
+              <a:t> 손실</a:t>
+            </a:r>
+            <a:r>
+              <a:rPr lang="en-US" altLang="ko-KR" sz="2200" dirty="0" smtClean="0"/>
+              <a:t>(Pc)</a:t>
+            </a:r>
+            <a:r>
+              <a:rPr lang="ko-KR" altLang="en-US" sz="2200" dirty="0" smtClean="0"/>
+              <a:t>을 기준으로 최대 전력을 초과하여 사용하지 않도록 하는 것입니다</a:t>
+            </a:r>
+            <a:r>
+              <a:rPr lang="en-US" altLang="ko-KR" sz="2200" dirty="0" smtClean="0"/>
+              <a:t>. </a:t>
+            </a:r>
+            <a:r>
+              <a:rPr lang="ko-KR" altLang="en-US" sz="2200" dirty="0" smtClean="0"/>
+              <a:t>이것의 사용전압 </a:t>
+            </a:r>
+            <a:r>
+              <a:rPr lang="en-US" altLang="ko-KR" sz="2200" dirty="0" smtClean="0"/>
+              <a:t>× </a:t>
+            </a:r>
+            <a:r>
+              <a:rPr lang="ko-KR" altLang="en-US" sz="2200" dirty="0" smtClean="0"/>
+              <a:t>전류로 계산하여 역시 </a:t>
+            </a:r>
+            <a:r>
+              <a:rPr lang="en-US" altLang="ko-KR" sz="2200" dirty="0" smtClean="0"/>
+              <a:t>1/2 </a:t>
+            </a:r>
+            <a:r>
+              <a:rPr lang="ko-KR" altLang="en-US" sz="2200" dirty="0" smtClean="0"/>
+              <a:t>이하에서 사용해야 합니다</a:t>
+            </a:r>
+            <a:r>
+              <a:rPr lang="en-US" altLang="ko-KR" sz="2200" dirty="0" smtClean="0"/>
+              <a:t>.</a:t>
+            </a:r>
+          </a:p>
+          <a:p>
+            <a:pPr lvl="1"/>
+            <a:r>
+              <a:rPr lang="ko-KR" altLang="en-US" sz="2200" dirty="0" smtClean="0"/>
+              <a:t>그러나 이것은 </a:t>
+            </a:r>
+            <a:r>
+              <a:rPr lang="ko-KR" altLang="en-US" sz="2200" dirty="0" err="1" smtClean="0"/>
+              <a:t>방열판의</a:t>
+            </a:r>
+            <a:r>
+              <a:rPr lang="ko-KR" altLang="en-US" sz="2200" dirty="0" smtClean="0"/>
+              <a:t> 유무와 주위 온도에 따라 큰 차이가 있으므로 데이터 </a:t>
+            </a:r>
+            <a:r>
+              <a:rPr lang="ko-KR" altLang="en-US" sz="2200" dirty="0" err="1" smtClean="0"/>
+              <a:t>쉬트를</a:t>
+            </a:r>
+            <a:r>
+              <a:rPr lang="ko-KR" altLang="en-US" sz="2200" dirty="0" smtClean="0"/>
+              <a:t> 확인하는 것이 좋습니다</a:t>
+            </a:r>
+            <a:r>
+              <a:rPr lang="en-US" altLang="ko-KR" sz="2200" dirty="0" smtClean="0"/>
+              <a:t>.</a:t>
+            </a:r>
+            <a:endParaRPr lang="ko-KR" altLang="en-US" sz="2200" dirty="0"/>
           </a:p>
         </p:txBody>
       </p:sp>
@@ -11275,7 +11578,7 @@
         <p:spPr/>
         <p:txBody>
           <a:bodyPr>
-            <a:normAutofit fontScale="90000"/>
+            <a:normAutofit/>
           </a:bodyPr>
           <a:lstStyle/>
           <a:p>
@@ -11289,11 +11592,11 @@
             </a:r>
             <a:r>
               <a:rPr lang="ko-KR" altLang="en-US" dirty="0" err="1" smtClean="0"/>
-              <a:t>디지탈</a:t>
+              <a:t>설계시</a:t>
             </a:r>
             <a:r>
               <a:rPr lang="ko-KR" altLang="en-US" dirty="0" smtClean="0"/>
-              <a:t> 회로에서 사용법</a:t>
+              <a:t> 유의사항</a:t>
             </a:r>
             <a:endParaRPr lang="ko-KR" altLang="en-US" dirty="0"/>
           </a:p>
@@ -11312,97 +11615,46 @@
         <p:spPr/>
         <p:txBody>
           <a:bodyPr>
-            <a:normAutofit lnSpcReduction="10000"/>
+            <a:normAutofit/>
           </a:bodyPr>
           <a:lstStyle/>
           <a:p>
             <a:r>
               <a:rPr lang="ko-KR" altLang="en-US" dirty="0" smtClean="0"/>
-              <a:t>큰 전류나 높은 전압의 제어</a:t>
-            </a:r>
-            <a:endParaRPr lang="en-US" altLang="ko-KR" dirty="0" smtClean="0"/>
+              <a:t>증폭률을 얼마로 사용할 것인가</a:t>
+            </a:r>
+            <a:r>
+              <a:rPr lang="en-US" altLang="ko-KR" dirty="0" smtClean="0"/>
+              <a:t>?</a:t>
+            </a:r>
           </a:p>
           <a:p>
             <a:pPr lvl="1"/>
             <a:r>
-              <a:rPr lang="ko-KR" altLang="en-US" sz="2200" dirty="0" smtClean="0"/>
-              <a:t>세그먼트 발광 다이오드의 제어</a:t>
-            </a:r>
-            <a:r>
-              <a:rPr lang="en-US" altLang="ko-KR" sz="2200" dirty="0" smtClean="0"/>
-              <a:t>, </a:t>
-            </a:r>
-            <a:r>
-              <a:rPr lang="ko-KR" altLang="en-US" sz="2200" dirty="0" smtClean="0"/>
-              <a:t>모터나 </a:t>
-            </a:r>
-            <a:r>
-              <a:rPr lang="ko-KR" altLang="en-US" sz="2200" dirty="0" err="1" smtClean="0"/>
-              <a:t>릴레이등의</a:t>
-            </a:r>
-            <a:r>
-              <a:rPr lang="ko-KR" altLang="en-US" sz="2200" dirty="0" smtClean="0"/>
-              <a:t> 드라이브</a:t>
-            </a:r>
-            <a:r>
-              <a:rPr lang="en-US" altLang="ko-KR" sz="2200" dirty="0" smtClean="0"/>
-              <a:t>, </a:t>
-            </a:r>
-            <a:r>
-              <a:rPr lang="ko-KR" altLang="en-US" sz="2200" dirty="0" smtClean="0"/>
-              <a:t>전원의 </a:t>
-            </a:r>
-            <a:r>
-              <a:rPr lang="en-US" altLang="ko-KR" sz="2200" dirty="0" smtClean="0"/>
-              <a:t>On/Off</a:t>
-            </a:r>
-            <a:r>
-              <a:rPr lang="ko-KR" altLang="en-US" sz="2200" dirty="0" smtClean="0"/>
-              <a:t>，조명등의 제어</a:t>
-            </a:r>
-          </a:p>
-          <a:p>
-            <a:pPr lvl="1"/>
-            <a:r>
-              <a:rPr lang="ko-KR" altLang="en-US" sz="2200" dirty="0" smtClean="0"/>
-              <a:t>전압레벨의 변환 </a:t>
-            </a:r>
-            <a:r>
-              <a:rPr lang="en-US" altLang="ko-KR" sz="2200" dirty="0" smtClean="0"/>
-              <a:t>: </a:t>
-            </a:r>
-            <a:r>
-              <a:rPr lang="ko-KR" altLang="en-US" sz="2200" dirty="0" err="1" smtClean="0"/>
-              <a:t>광센서나</a:t>
-            </a:r>
-            <a:r>
-              <a:rPr lang="ko-KR" altLang="en-US" sz="2200" dirty="0" smtClean="0"/>
-              <a:t> 마이크의 신호 증폭 및 변환</a:t>
-            </a:r>
-          </a:p>
-          <a:p>
-            <a:pPr lvl="1"/>
-            <a:r>
-              <a:rPr lang="ko-KR" altLang="en-US" sz="2200" dirty="0" smtClean="0"/>
-              <a:t>직류전압 증폭 </a:t>
-            </a:r>
-            <a:r>
-              <a:rPr lang="en-US" altLang="ko-KR" sz="2200" dirty="0" smtClean="0"/>
-              <a:t>: A/D </a:t>
-            </a:r>
-            <a:r>
-              <a:rPr lang="ko-KR" altLang="en-US" sz="2200" dirty="0" smtClean="0"/>
-              <a:t>변환 입력 신호 </a:t>
-            </a:r>
-            <a:r>
-              <a:rPr lang="ko-KR" altLang="en-US" sz="2200" dirty="0" err="1" smtClean="0"/>
-              <a:t>증폭및</a:t>
-            </a:r>
-            <a:r>
-              <a:rPr lang="ko-KR" altLang="en-US" sz="2200" dirty="0" smtClean="0"/>
-              <a:t> 센서 출력의 증폭</a:t>
-            </a:r>
-            <a:endParaRPr lang="en-US" altLang="ko-KR" sz="6200" dirty="0" smtClean="0"/>
+              <a:rPr lang="ko-KR" altLang="en-US" sz="2000" dirty="0" err="1" smtClean="0"/>
+              <a:t>직류전류증폭율</a:t>
+            </a:r>
+            <a:r>
+              <a:rPr lang="en-US" altLang="ko-KR" sz="2000" dirty="0" smtClean="0"/>
+              <a:t>(</a:t>
+            </a:r>
+            <a:r>
+              <a:rPr lang="en-US" altLang="ko-KR" sz="2000" dirty="0" err="1" smtClean="0"/>
+              <a:t>hfe</a:t>
+            </a:r>
+            <a:r>
+              <a:rPr lang="en-US" altLang="ko-KR" sz="2000" dirty="0" smtClean="0"/>
+              <a:t>)</a:t>
+            </a:r>
+            <a:r>
+              <a:rPr lang="ko-KR" altLang="en-US" sz="2000" dirty="0" smtClean="0"/>
+              <a:t>로 단순하게 입력전류의 몇 배가 되어 출력되는지 계산하면 되지만 트랜지스터마다 편차가 있으므로 최소값을 기준으로 해야 합니다</a:t>
+            </a:r>
+            <a:r>
+              <a:rPr lang="en-US" altLang="ko-KR" sz="2000" dirty="0" smtClean="0"/>
+              <a:t>.</a:t>
+            </a:r>
+            <a:endParaRPr lang="en-US" altLang="ko-KR" sz="4000" dirty="0" smtClean="0"/>
           </a:p>
           <a:p>
             <a:pPr lvl="1"/>
@@ -11410,120 +11662,90 @@
           </a:p>
           <a:p>
             <a:r>
+              <a:rPr lang="ko-KR" altLang="en-US" dirty="0" err="1" smtClean="0"/>
+              <a:t>어느정도의</a:t>
+            </a:r>
+            <a:r>
               <a:rPr lang="ko-KR" altLang="en-US" dirty="0" smtClean="0"/>
-              <a:t>큰 부하 제어</a:t>
-            </a:r>
-            <a:endParaRPr lang="en-US" altLang="ko-KR" dirty="0" smtClean="0"/>
+              <a:t> 주파수까지 증폭할 것인가</a:t>
+            </a:r>
+            <a:r>
+              <a:rPr lang="en-US" altLang="ko-KR" dirty="0" smtClean="0"/>
+              <a:t>?</a:t>
+            </a:r>
           </a:p>
           <a:p>
             <a:pPr lvl="1"/>
             <a:r>
-              <a:rPr lang="ko-KR" altLang="en-US" sz="2200" dirty="0" smtClean="0"/>
-              <a:t>여기서 말하는 </a:t>
-            </a:r>
-            <a:r>
-              <a:rPr lang="ko-KR" altLang="en-US" sz="2200" dirty="0" err="1" smtClean="0"/>
-              <a:t>큰부하라는</a:t>
-            </a:r>
-            <a:r>
-              <a:rPr lang="ko-KR" altLang="en-US" sz="2200" dirty="0" smtClean="0"/>
-              <a:t> 것은 수 </a:t>
-            </a:r>
-            <a:r>
-              <a:rPr lang="en-US" altLang="ko-KR" sz="2200" dirty="0" smtClean="0"/>
-              <a:t>10mA </a:t>
-            </a:r>
-            <a:r>
-              <a:rPr lang="ko-KR" altLang="en-US" sz="2200" dirty="0" smtClean="0"/>
-              <a:t>이상의 전류가 흐르거나 ５</a:t>
-            </a:r>
-            <a:r>
-              <a:rPr lang="en-US" altLang="ko-KR" sz="2200" dirty="0" smtClean="0"/>
-              <a:t>V </a:t>
-            </a:r>
-            <a:r>
-              <a:rPr lang="ko-KR" altLang="en-US" sz="2200" dirty="0" smtClean="0"/>
-              <a:t>이상의 전압이 필요한 부하를 말하며 </a:t>
-            </a:r>
-            <a:r>
-              <a:rPr lang="ko-KR" altLang="en-US" sz="2200" dirty="0" err="1" smtClean="0"/>
-              <a:t>디지탈</a:t>
-            </a:r>
-            <a:r>
-              <a:rPr lang="ko-KR" altLang="en-US" sz="2200" dirty="0" smtClean="0"/>
-              <a:t> </a:t>
-            </a:r>
-            <a:r>
-              <a:rPr lang="en-US" altLang="ko-KR" sz="2200" dirty="0" smtClean="0"/>
-              <a:t>IC</a:t>
-            </a:r>
-            <a:r>
-              <a:rPr lang="ko-KR" altLang="en-US" sz="2200" dirty="0" smtClean="0"/>
-              <a:t>로는 직접 드라이브할 수 없는 모터의 제어나 릴레이 또는 </a:t>
-            </a:r>
-            <a:r>
-              <a:rPr lang="ko-KR" altLang="en-US" sz="2200" dirty="0" err="1" smtClean="0"/>
-              <a:t>솔레노이드</a:t>
-            </a:r>
-            <a:r>
-              <a:rPr lang="ko-KR" altLang="en-US" sz="2200" dirty="0" smtClean="0"/>
-              <a:t> </a:t>
-            </a:r>
-            <a:r>
-              <a:rPr lang="ko-KR" altLang="en-US" sz="2200" dirty="0" err="1" smtClean="0"/>
-              <a:t>코일등의</a:t>
-            </a:r>
-            <a:r>
-              <a:rPr lang="ko-KR" altLang="en-US" sz="2200" dirty="0" smtClean="0"/>
-              <a:t> 드라이브가 여기에 해당됩니다</a:t>
-            </a:r>
-            <a:r>
-              <a:rPr lang="en-US" altLang="ko-KR" sz="2200" dirty="0" smtClean="0"/>
+              <a:rPr lang="ko-KR" altLang="en-US" sz="2000" dirty="0" smtClean="0"/>
+              <a:t>이것은 이득 대역폭 </a:t>
+            </a:r>
+            <a:r>
+              <a:rPr lang="en-US" altLang="ko-KR" sz="2000" dirty="0" smtClean="0"/>
+              <a:t>(</a:t>
+            </a:r>
+            <a:r>
+              <a:rPr lang="en-US" altLang="ko-KR" sz="2000" dirty="0" err="1" smtClean="0"/>
+              <a:t>f</a:t>
+            </a:r>
+            <a:r>
+              <a:rPr lang="en-US" altLang="ko-KR" sz="1100" dirty="0" err="1" smtClean="0"/>
+              <a:t>T</a:t>
+            </a:r>
+            <a:r>
+              <a:rPr lang="en-US" altLang="ko-KR" sz="2000" dirty="0" smtClean="0"/>
+              <a:t>)</a:t>
+            </a:r>
+            <a:r>
+              <a:rPr lang="ko-KR" altLang="en-US" sz="2000" dirty="0" smtClean="0"/>
+              <a:t>을 기준으로 하여 다음과 같이 산출 합니다</a:t>
+            </a:r>
+            <a:r>
+              <a:rPr lang="en-US" altLang="ko-KR" sz="2000" dirty="0" smtClean="0"/>
               <a:t>.</a:t>
             </a:r>
-            <a:endParaRPr lang="en-US" altLang="ko-KR" sz="2400" dirty="0" smtClean="0"/>
+          </a:p>
+          <a:p>
+            <a:pPr lvl="1"/>
+            <a:r>
+              <a:rPr lang="ko-KR" altLang="en-US" sz="2000" dirty="0" smtClean="0"/>
+              <a:t>사용 가능한 주파수 ＝ 이득 대역폭</a:t>
+            </a:r>
+            <a:r>
+              <a:rPr lang="en-US" altLang="ko-KR" sz="2000" dirty="0" smtClean="0"/>
+              <a:t>(</a:t>
+            </a:r>
+            <a:r>
+              <a:rPr lang="en-US" altLang="ko-KR" sz="2000" dirty="0" err="1" smtClean="0"/>
+              <a:t>f</a:t>
+            </a:r>
+            <a:r>
+              <a:rPr lang="en-US" altLang="ko-KR" sz="1100" dirty="0" err="1" smtClean="0"/>
+              <a:t>T</a:t>
+            </a:r>
+            <a:r>
+              <a:rPr lang="en-US" altLang="ko-KR" sz="2000" dirty="0" smtClean="0"/>
+              <a:t>) ÷ </a:t>
+            </a:r>
+            <a:r>
+              <a:rPr lang="ko-KR" altLang="en-US" sz="2000" dirty="0" smtClean="0"/>
+              <a:t>직류 전류 증폭 율</a:t>
+            </a:r>
+            <a:r>
+              <a:rPr lang="en-US" altLang="ko-KR" sz="2000" dirty="0" smtClean="0"/>
+              <a:t>(</a:t>
+            </a:r>
+            <a:r>
+              <a:rPr lang="en-US" altLang="ko-KR" sz="2000" dirty="0" err="1" smtClean="0"/>
+              <a:t>hfe</a:t>
+            </a:r>
+            <a:r>
+              <a:rPr lang="en-US" altLang="ko-KR" sz="2000" dirty="0" smtClean="0"/>
+              <a:t>)</a:t>
+            </a:r>
           </a:p>
           <a:p>
             <a:endParaRPr lang="ko-KR" altLang="en-US" dirty="0"/>
-          </a:p>
-        </p:txBody>
-      </p:sp>
-      <p:sp>
-        <p:nvSpPr>
-          <p:cNvPr id="5" name="TextBox 4"/>
-          <p:cNvSpPr txBox="1"/>
-          <p:nvPr/>
-        </p:nvSpPr>
-        <p:spPr>
-          <a:xfrm>
-            <a:off x="3923928" y="6021288"/>
-            <a:ext cx="1368152" cy="461665"/>
-          </a:xfrm>
-          <a:prstGeom prst="rect">
-            <a:avLst/>
-          </a:prstGeom>
-          <a:noFill/>
-        </p:spPr>
-        <p:txBody>
-          <a:bodyPr wrap="square" rtlCol="0">
-            <a:spAutoFit/>
-          </a:bodyPr>
-          <a:lstStyle/>
-          <a:p>
-            <a:pPr marL="0" lvl="1"/>
-            <a:r>
-              <a:rPr lang="en-US" altLang="ko-KR" sz="2400" smtClean="0"/>
-              <a:t>- </a:t>
-            </a:r>
-            <a:r>
-              <a:rPr lang="ko-KR" altLang="en-US" sz="2400" dirty="0" smtClean="0"/>
-              <a:t>계속 </a:t>
-            </a:r>
-            <a:r>
-              <a:rPr lang="en-US" altLang="ko-KR" sz="2400" dirty="0" smtClean="0"/>
-              <a:t>-</a:t>
-            </a:r>
-            <a:endParaRPr lang="en-US" altLang="ko-KR" sz="4000" dirty="0" smtClean="0"/>
           </a:p>
         </p:txBody>
       </p:sp>
@@ -11599,20 +11821,108 @@
             <p:ph idx="1"/>
           </p:nvPr>
         </p:nvSpPr>
-        <p:spPr>
-          <a:xfrm>
-            <a:off x="457200" y="2708920"/>
-            <a:ext cx="8229600" cy="3658411"/>
-          </a:xfrm>
-        </p:spPr>
+        <p:spPr/>
         <p:txBody>
           <a:bodyPr>
-            <a:normAutofit/>
+            <a:normAutofit lnSpcReduction="10000"/>
           </a:bodyPr>
           <a:lstStyle/>
           <a:p>
             <a:r>
               <a:rPr lang="ko-KR" altLang="en-US" dirty="0" smtClean="0"/>
+              <a:t>큰 전류나 높은 전압의 제어</a:t>
+            </a:r>
+            <a:endParaRPr lang="en-US" altLang="ko-KR" dirty="0" smtClean="0"/>
+          </a:p>
+          <a:p>
+            <a:pPr lvl="1"/>
+            <a:r>
+              <a:rPr lang="ko-KR" altLang="en-US" sz="2200" dirty="0" smtClean="0"/>
+              <a:t>세그먼트 발광 다이오드의 제어</a:t>
+            </a:r>
+            <a:r>
+              <a:rPr lang="en-US" altLang="ko-KR" sz="2200" dirty="0" smtClean="0"/>
+              <a:t>, </a:t>
+            </a:r>
+            <a:r>
+              <a:rPr lang="ko-KR" altLang="en-US" sz="2200" dirty="0" smtClean="0"/>
+              <a:t>모터나 </a:t>
+            </a:r>
+            <a:r>
+              <a:rPr lang="ko-KR" altLang="en-US" sz="2200" dirty="0" err="1" smtClean="0"/>
+              <a:t>릴레이등의</a:t>
+            </a:r>
+            <a:r>
+              <a:rPr lang="ko-KR" altLang="en-US" sz="2200" dirty="0" smtClean="0"/>
+              <a:t> 드라이브</a:t>
+            </a:r>
+            <a:r>
+              <a:rPr lang="en-US" altLang="ko-KR" sz="2200" dirty="0" smtClean="0"/>
+              <a:t>, </a:t>
+            </a:r>
+            <a:r>
+              <a:rPr lang="ko-KR" altLang="en-US" sz="2200" dirty="0" smtClean="0"/>
+              <a:t>전원의 </a:t>
+            </a:r>
+            <a:r>
+              <a:rPr lang="en-US" altLang="ko-KR" sz="2200" dirty="0" smtClean="0"/>
+              <a:t>On/Off</a:t>
+            </a:r>
+            <a:r>
+              <a:rPr lang="ko-KR" altLang="en-US" sz="2200" dirty="0" smtClean="0"/>
+              <a:t>，조명등의 제어</a:t>
+            </a:r>
+          </a:p>
+          <a:p>
+            <a:pPr lvl="1"/>
+            <a:r>
+              <a:rPr lang="ko-KR" altLang="en-US" sz="2200" dirty="0" smtClean="0"/>
+              <a:t>전압레벨의 변환 </a:t>
+            </a:r>
+            <a:r>
+              <a:rPr lang="en-US" altLang="ko-KR" sz="2200" dirty="0" smtClean="0"/>
+              <a:t>: </a:t>
+            </a:r>
+            <a:r>
+              <a:rPr lang="ko-KR" altLang="en-US" sz="2200" dirty="0" err="1" smtClean="0"/>
+              <a:t>광센서나</a:t>
+            </a:r>
+            <a:r>
+              <a:rPr lang="ko-KR" altLang="en-US" sz="2200" dirty="0" smtClean="0"/>
+              <a:t> 마이크의 신호 증폭 및 변환</a:t>
+            </a:r>
+          </a:p>
+          <a:p>
+            <a:pPr lvl="1"/>
+            <a:r>
+              <a:rPr lang="ko-KR" altLang="en-US" sz="2200" dirty="0" smtClean="0"/>
+              <a:t>직류전압 증폭 </a:t>
+            </a:r>
+            <a:r>
+              <a:rPr lang="en-US" altLang="ko-KR" sz="2200" dirty="0" smtClean="0"/>
+              <a:t>: A/D </a:t>
+            </a:r>
+            <a:r>
+              <a:rPr lang="ko-KR" altLang="en-US" sz="2200" dirty="0" smtClean="0"/>
+              <a:t>변환 입력 신호 </a:t>
+            </a:r>
+            <a:r>
+              <a:rPr lang="ko-KR" altLang="en-US" sz="2200" dirty="0" err="1" smtClean="0"/>
+              <a:t>증폭및</a:t>
+            </a:r>
+            <a:r>
+              <a:rPr lang="ko-KR" altLang="en-US" sz="2200" dirty="0" smtClean="0"/>
+              <a:t> 센서 출력의 증폭</a:t>
+            </a:r>
+            <a:endParaRPr lang="en-US" altLang="ko-KR" sz="6200" dirty="0" smtClean="0"/>
+          </a:p>
+          <a:p>
+            <a:pPr lvl="1"/>
+            <a:endParaRPr lang="en-US" altLang="ko-KR" sz="2400" dirty="0" smtClean="0"/>
+          </a:p>
+          <a:p>
+            <a:r>
+              <a:rPr lang="ko-KR" altLang="en-US" dirty="0" smtClean="0"/>
               <a:t>큰 부하 제어</a:t>
             </a:r>
             <a:endParaRPr lang="en-US" altLang="ko-KR" dirty="0" smtClean="0"/>
@@ -11620,77 +11930,76 @@
           <a:p>
             <a:pPr lvl="1"/>
             <a:r>
-              <a:rPr lang="ko-KR" altLang="en-US" sz="2000" dirty="0" smtClean="0"/>
-              <a:t>이와 같은 경우 트랜지스터의 사용법은 다음 그림과 같이 사용하는 것이 기본이며 부하전류의 방향에 따라서 </a:t>
-            </a:r>
-            <a:r>
-              <a:rPr lang="en-US" altLang="ko-KR" sz="2000" dirty="0" smtClean="0"/>
-              <a:t>(a)</a:t>
-            </a:r>
-            <a:r>
-              <a:rPr lang="ko-KR" altLang="en-US" sz="2000" dirty="0" smtClean="0"/>
-              <a:t>，</a:t>
-            </a:r>
-            <a:r>
-              <a:rPr lang="en-US" altLang="ko-KR" sz="2000" dirty="0" smtClean="0"/>
-              <a:t>(b)</a:t>
-            </a:r>
-            <a:r>
-              <a:rPr lang="ko-KR" altLang="en-US" sz="2000" dirty="0" smtClean="0"/>
-              <a:t>의 두가지 사용법이 있고 사용하는 트랜지스터도 </a:t>
-            </a:r>
-            <a:r>
-              <a:rPr lang="en-US" altLang="ko-KR" sz="2000" dirty="0" smtClean="0"/>
-              <a:t>NPN</a:t>
-            </a:r>
-            <a:r>
-              <a:rPr lang="ko-KR" altLang="en-US" sz="2000" dirty="0" smtClean="0"/>
-              <a:t>형과 </a:t>
-            </a:r>
-            <a:r>
-              <a:rPr lang="en-US" altLang="ko-KR" sz="2000" dirty="0" smtClean="0"/>
-              <a:t>PNP</a:t>
-            </a:r>
-            <a:r>
-              <a:rPr lang="ko-KR" altLang="en-US" sz="2000" dirty="0" smtClean="0"/>
-              <a:t>형으로 각각 구분하여 사용해야 합니다．</a:t>
-            </a:r>
+              <a:rPr lang="ko-KR" altLang="en-US" sz="2200" dirty="0" smtClean="0"/>
+              <a:t>여기서 말하는 </a:t>
+            </a:r>
+            <a:r>
+              <a:rPr lang="ko-KR" altLang="en-US" sz="2200" dirty="0" err="1" smtClean="0"/>
+              <a:t>큰부하라는</a:t>
+            </a:r>
+            <a:r>
+              <a:rPr lang="ko-KR" altLang="en-US" sz="2200" dirty="0" smtClean="0"/>
+              <a:t> 것은 수 </a:t>
+            </a:r>
+            <a:r>
+              <a:rPr lang="en-US" altLang="ko-KR" sz="2200" dirty="0" smtClean="0"/>
+              <a:t>10mA </a:t>
+            </a:r>
+            <a:r>
+              <a:rPr lang="ko-KR" altLang="en-US" sz="2200" dirty="0" smtClean="0"/>
+              <a:t>이상의 전류가 흐르거나 ５</a:t>
+            </a:r>
+            <a:r>
+              <a:rPr lang="en-US" altLang="ko-KR" sz="2200" dirty="0" smtClean="0"/>
+              <a:t>V </a:t>
+            </a:r>
+            <a:r>
+              <a:rPr lang="ko-KR" altLang="en-US" sz="2200" dirty="0" smtClean="0"/>
+              <a:t>이상의 전압이 필요한 부하를 말하며 </a:t>
+            </a:r>
+            <a:r>
+              <a:rPr lang="ko-KR" altLang="en-US" sz="2200" dirty="0" err="1" smtClean="0"/>
+              <a:t>디지탈</a:t>
+            </a:r>
+            <a:r>
+              <a:rPr lang="ko-KR" altLang="en-US" sz="2200" dirty="0" smtClean="0"/>
+              <a:t> </a:t>
+            </a:r>
+            <a:r>
+              <a:rPr lang="en-US" altLang="ko-KR" sz="2200" dirty="0" smtClean="0"/>
+              <a:t>IC</a:t>
+            </a:r>
+            <a:r>
+              <a:rPr lang="ko-KR" altLang="en-US" sz="2200" dirty="0" smtClean="0"/>
+              <a:t>로는 직접 드라이브할 수 없는 모터의 제어나 릴레이 또는 </a:t>
+            </a:r>
+            <a:r>
+              <a:rPr lang="ko-KR" altLang="en-US" sz="2200" dirty="0" err="1" smtClean="0"/>
+              <a:t>솔레노이드</a:t>
+            </a:r>
+            <a:r>
+              <a:rPr lang="ko-KR" altLang="en-US" sz="2200" dirty="0" smtClean="0"/>
+              <a:t> </a:t>
+            </a:r>
+            <a:r>
+              <a:rPr lang="ko-KR" altLang="en-US" sz="2200" dirty="0" err="1" smtClean="0"/>
+              <a:t>코일등의</a:t>
+            </a:r>
+            <a:r>
+              <a:rPr lang="ko-KR" altLang="en-US" sz="2200" dirty="0" smtClean="0"/>
+              <a:t> 드라이브가 여기에 해당됩니다</a:t>
+            </a:r>
+            <a:r>
+              <a:rPr lang="en-US" altLang="ko-KR" sz="2200" dirty="0" smtClean="0"/>
+              <a:t>.</a:t>
+            </a:r>
+            <a:endParaRPr lang="en-US" altLang="ko-KR" sz="2400" dirty="0" smtClean="0"/>
+          </a:p>
+          <a:p>
             <a:endParaRPr lang="ko-KR" altLang="en-US" dirty="0"/>
           </a:p>
         </p:txBody>
       </p:sp>
-      <p:pic>
-        <p:nvPicPr>
-          <p:cNvPr id="4" name="Picture 3"/>
-          <p:cNvPicPr>
-            <a:picLocks noChangeAspect="1" noChangeArrowheads="1"/>
-          </p:cNvPicPr>
-          <p:nvPr/>
-        </p:nvPicPr>
-        <p:blipFill>
-          <a:blip r:embed="rId2" cstate="print"/>
-          <a:srcRect/>
-          <a:stretch>
-            <a:fillRect/>
-          </a:stretch>
-        </p:blipFill>
-        <p:spPr bwMode="auto">
-          <a:xfrm>
-            <a:off x="5004048" y="1196752"/>
-            <a:ext cx="3509458" cy="1584176"/>
-          </a:xfrm>
-          <a:prstGeom prst="rect">
-            <a:avLst/>
-          </a:prstGeom>
-          <a:noFill/>
-          <a:ln w="9525">
-            <a:noFill/>
-            <a:miter lim="800000"/>
-            <a:headEnd/>
-            <a:tailEnd/>
-          </a:ln>
-        </p:spPr>
-      </p:pic>
       <p:sp>
         <p:nvSpPr>
           <p:cNvPr id="5" name="TextBox 4"/>
@@ -11699,7 +12008,7 @@
         </p:nvSpPr>
         <p:spPr>
           <a:xfrm>
-            <a:off x="3923928" y="6279703"/>
+            <a:off x="3923928" y="6021288"/>
             <a:ext cx="1368152" cy="461665"/>
           </a:xfrm>
           <a:prstGeom prst="rect">

--- a/EET. Presentation & Summary/회로설계.pptx
+++ b/EET. Presentation & Summary/회로설계.pptx
@@ -10,30 +10,31 @@
     <p:sldId id="258" r:id="rId4"/>
     <p:sldId id="283" r:id="rId5"/>
     <p:sldId id="285" r:id="rId6"/>
-    <p:sldId id="284" r:id="rId7"/>
-    <p:sldId id="261" r:id="rId8"/>
-    <p:sldId id="259" r:id="rId9"/>
-    <p:sldId id="262" r:id="rId10"/>
-    <p:sldId id="267" r:id="rId11"/>
-    <p:sldId id="264" r:id="rId12"/>
-    <p:sldId id="265" r:id="rId13"/>
-    <p:sldId id="266" r:id="rId14"/>
-    <p:sldId id="268" r:id="rId15"/>
-    <p:sldId id="260" r:id="rId16"/>
-    <p:sldId id="269" r:id="rId17"/>
-    <p:sldId id="270" r:id="rId18"/>
-    <p:sldId id="272" r:id="rId19"/>
-    <p:sldId id="271" r:id="rId20"/>
-    <p:sldId id="273" r:id="rId21"/>
-    <p:sldId id="274" r:id="rId22"/>
-    <p:sldId id="275" r:id="rId23"/>
-    <p:sldId id="276" r:id="rId24"/>
-    <p:sldId id="278" r:id="rId25"/>
-    <p:sldId id="279" r:id="rId26"/>
-    <p:sldId id="277" r:id="rId27"/>
-    <p:sldId id="280" r:id="rId28"/>
-    <p:sldId id="281" r:id="rId29"/>
-    <p:sldId id="282" r:id="rId30"/>
+    <p:sldId id="286" r:id="rId7"/>
+    <p:sldId id="284" r:id="rId8"/>
+    <p:sldId id="261" r:id="rId9"/>
+    <p:sldId id="259" r:id="rId10"/>
+    <p:sldId id="262" r:id="rId11"/>
+    <p:sldId id="267" r:id="rId12"/>
+    <p:sldId id="264" r:id="rId13"/>
+    <p:sldId id="265" r:id="rId14"/>
+    <p:sldId id="266" r:id="rId15"/>
+    <p:sldId id="268" r:id="rId16"/>
+    <p:sldId id="260" r:id="rId17"/>
+    <p:sldId id="269" r:id="rId18"/>
+    <p:sldId id="270" r:id="rId19"/>
+    <p:sldId id="272" r:id="rId20"/>
+    <p:sldId id="271" r:id="rId21"/>
+    <p:sldId id="273" r:id="rId22"/>
+    <p:sldId id="274" r:id="rId23"/>
+    <p:sldId id="275" r:id="rId24"/>
+    <p:sldId id="276" r:id="rId25"/>
+    <p:sldId id="278" r:id="rId26"/>
+    <p:sldId id="279" r:id="rId27"/>
+    <p:sldId id="277" r:id="rId28"/>
+    <p:sldId id="280" r:id="rId29"/>
+    <p:sldId id="281" r:id="rId30"/>
+    <p:sldId id="282" r:id="rId31"/>
   </p:sldIdLst>
   <p:sldSz cx="9144000" cy="6858000" type="screen4x3"/>
   <p:notesSz cx="6858000" cy="9144000"/>
@@ -4852,6 +4853,296 @@
             <p:ph idx="1"/>
           </p:nvPr>
         </p:nvSpPr>
+        <p:spPr/>
+        <p:txBody>
+          <a:bodyPr>
+            <a:normAutofit lnSpcReduction="10000"/>
+          </a:bodyPr>
+          <a:lstStyle/>
+          <a:p>
+            <a:r>
+              <a:rPr lang="ko-KR" altLang="en-US" dirty="0" smtClean="0"/>
+              <a:t>큰 전류나 높은 전압의 제어</a:t>
+            </a:r>
+            <a:endParaRPr lang="en-US" altLang="ko-KR" dirty="0" smtClean="0"/>
+          </a:p>
+          <a:p>
+            <a:pPr lvl="1"/>
+            <a:r>
+              <a:rPr lang="ko-KR" altLang="en-US" sz="2200" dirty="0" smtClean="0"/>
+              <a:t>세그먼트 발광 다이오드의 제어</a:t>
+            </a:r>
+            <a:r>
+              <a:rPr lang="en-US" altLang="ko-KR" sz="2200" dirty="0" smtClean="0"/>
+              <a:t>, </a:t>
+            </a:r>
+            <a:r>
+              <a:rPr lang="ko-KR" altLang="en-US" sz="2200" dirty="0" smtClean="0"/>
+              <a:t>모터나 </a:t>
+            </a:r>
+            <a:r>
+              <a:rPr lang="ko-KR" altLang="en-US" sz="2200" dirty="0" err="1" smtClean="0"/>
+              <a:t>릴레이등의</a:t>
+            </a:r>
+            <a:r>
+              <a:rPr lang="ko-KR" altLang="en-US" sz="2200" dirty="0" smtClean="0"/>
+              <a:t> 드라이브</a:t>
+            </a:r>
+            <a:r>
+              <a:rPr lang="en-US" altLang="ko-KR" sz="2200" dirty="0" smtClean="0"/>
+              <a:t>, </a:t>
+            </a:r>
+            <a:r>
+              <a:rPr lang="ko-KR" altLang="en-US" sz="2200" dirty="0" smtClean="0"/>
+              <a:t>전원의 </a:t>
+            </a:r>
+            <a:r>
+              <a:rPr lang="en-US" altLang="ko-KR" sz="2200" dirty="0" smtClean="0"/>
+              <a:t>On/Off</a:t>
+            </a:r>
+            <a:r>
+              <a:rPr lang="ko-KR" altLang="en-US" sz="2200" dirty="0" smtClean="0"/>
+              <a:t>，조명등의 제어</a:t>
+            </a:r>
+          </a:p>
+          <a:p>
+            <a:pPr lvl="1"/>
+            <a:r>
+              <a:rPr lang="ko-KR" altLang="en-US" sz="2200" dirty="0" smtClean="0"/>
+              <a:t>전압레벨의 변환 </a:t>
+            </a:r>
+            <a:r>
+              <a:rPr lang="en-US" altLang="ko-KR" sz="2200" dirty="0" smtClean="0"/>
+              <a:t>: </a:t>
+            </a:r>
+            <a:r>
+              <a:rPr lang="ko-KR" altLang="en-US" sz="2200" dirty="0" err="1" smtClean="0"/>
+              <a:t>광센서나</a:t>
+            </a:r>
+            <a:r>
+              <a:rPr lang="ko-KR" altLang="en-US" sz="2200" dirty="0" smtClean="0"/>
+              <a:t> 마이크의 신호 증폭 및 변환</a:t>
+            </a:r>
+          </a:p>
+          <a:p>
+            <a:pPr lvl="1"/>
+            <a:r>
+              <a:rPr lang="ko-KR" altLang="en-US" sz="2200" dirty="0" smtClean="0"/>
+              <a:t>직류전압 증폭 </a:t>
+            </a:r>
+            <a:r>
+              <a:rPr lang="en-US" altLang="ko-KR" sz="2200" dirty="0" smtClean="0"/>
+              <a:t>: A/D </a:t>
+            </a:r>
+            <a:r>
+              <a:rPr lang="ko-KR" altLang="en-US" sz="2200" dirty="0" smtClean="0"/>
+              <a:t>변환 입력 신호 </a:t>
+            </a:r>
+            <a:r>
+              <a:rPr lang="ko-KR" altLang="en-US" sz="2200" dirty="0" err="1" smtClean="0"/>
+              <a:t>증폭및</a:t>
+            </a:r>
+            <a:r>
+              <a:rPr lang="ko-KR" altLang="en-US" sz="2200" dirty="0" smtClean="0"/>
+              <a:t> 센서 출력의 증폭</a:t>
+            </a:r>
+            <a:endParaRPr lang="en-US" altLang="ko-KR" sz="6200" dirty="0" smtClean="0"/>
+          </a:p>
+          <a:p>
+            <a:pPr lvl="1"/>
+            <a:endParaRPr lang="en-US" altLang="ko-KR" sz="2400" dirty="0" smtClean="0"/>
+          </a:p>
+          <a:p>
+            <a:r>
+              <a:rPr lang="ko-KR" altLang="en-US" dirty="0" smtClean="0"/>
+              <a:t>큰 부하 제어</a:t>
+            </a:r>
+            <a:endParaRPr lang="en-US" altLang="ko-KR" dirty="0" smtClean="0"/>
+          </a:p>
+          <a:p>
+            <a:pPr lvl="1"/>
+            <a:r>
+              <a:rPr lang="ko-KR" altLang="en-US" sz="2200" dirty="0" smtClean="0"/>
+              <a:t>여기서 말하는 </a:t>
+            </a:r>
+            <a:r>
+              <a:rPr lang="ko-KR" altLang="en-US" sz="2200" dirty="0" err="1" smtClean="0"/>
+              <a:t>큰부하라는</a:t>
+            </a:r>
+            <a:r>
+              <a:rPr lang="ko-KR" altLang="en-US" sz="2200" dirty="0" smtClean="0"/>
+              <a:t> 것은 수 </a:t>
+            </a:r>
+            <a:r>
+              <a:rPr lang="en-US" altLang="ko-KR" sz="2200" dirty="0" smtClean="0"/>
+              <a:t>10mA </a:t>
+            </a:r>
+            <a:r>
+              <a:rPr lang="ko-KR" altLang="en-US" sz="2200" dirty="0" smtClean="0"/>
+              <a:t>이상의 전류가 흐르거나 ５</a:t>
+            </a:r>
+            <a:r>
+              <a:rPr lang="en-US" altLang="ko-KR" sz="2200" dirty="0" smtClean="0"/>
+              <a:t>V </a:t>
+            </a:r>
+            <a:r>
+              <a:rPr lang="ko-KR" altLang="en-US" sz="2200" dirty="0" smtClean="0"/>
+              <a:t>이상의 전압이 필요한 부하를 말하며 </a:t>
+            </a:r>
+            <a:r>
+              <a:rPr lang="ko-KR" altLang="en-US" sz="2200" dirty="0" err="1" smtClean="0"/>
+              <a:t>디지탈</a:t>
+            </a:r>
+            <a:r>
+              <a:rPr lang="ko-KR" altLang="en-US" sz="2200" dirty="0" smtClean="0"/>
+              <a:t> </a:t>
+            </a:r>
+            <a:r>
+              <a:rPr lang="en-US" altLang="ko-KR" sz="2200" dirty="0" smtClean="0"/>
+              <a:t>IC</a:t>
+            </a:r>
+            <a:r>
+              <a:rPr lang="ko-KR" altLang="en-US" sz="2200" dirty="0" smtClean="0"/>
+              <a:t>로는 직접 드라이브할 수 없는 모터의 제어나 릴레이 또는 </a:t>
+            </a:r>
+            <a:r>
+              <a:rPr lang="ko-KR" altLang="en-US" sz="2200" dirty="0" err="1" smtClean="0"/>
+              <a:t>솔레노이드</a:t>
+            </a:r>
+            <a:r>
+              <a:rPr lang="ko-KR" altLang="en-US" sz="2200" dirty="0" smtClean="0"/>
+              <a:t> </a:t>
+            </a:r>
+            <a:r>
+              <a:rPr lang="ko-KR" altLang="en-US" sz="2200" dirty="0" err="1" smtClean="0"/>
+              <a:t>코일등의</a:t>
+            </a:r>
+            <a:r>
+              <a:rPr lang="ko-KR" altLang="en-US" sz="2200" dirty="0" smtClean="0"/>
+              <a:t> 드라이브가 여기에 해당됩니다</a:t>
+            </a:r>
+            <a:r>
+              <a:rPr lang="en-US" altLang="ko-KR" sz="2200" dirty="0" smtClean="0"/>
+              <a:t>.</a:t>
+            </a:r>
+            <a:endParaRPr lang="en-US" altLang="ko-KR" sz="2400" dirty="0" smtClean="0"/>
+          </a:p>
+          <a:p>
+            <a:endParaRPr lang="ko-KR" altLang="en-US" dirty="0"/>
+          </a:p>
+        </p:txBody>
+      </p:sp>
+      <p:sp>
+        <p:nvSpPr>
+          <p:cNvPr id="5" name="TextBox 4"/>
+          <p:cNvSpPr txBox="1"/>
+          <p:nvPr/>
+        </p:nvSpPr>
+        <p:spPr>
+          <a:xfrm>
+            <a:off x="3923928" y="6021288"/>
+            <a:ext cx="1368152" cy="461665"/>
+          </a:xfrm>
+          <a:prstGeom prst="rect">
+            <a:avLst/>
+          </a:prstGeom>
+          <a:noFill/>
+        </p:spPr>
+        <p:txBody>
+          <a:bodyPr wrap="square" rtlCol="0">
+            <a:spAutoFit/>
+          </a:bodyPr>
+          <a:lstStyle/>
+          <a:p>
+            <a:pPr marL="0" lvl="1"/>
+            <a:r>
+              <a:rPr lang="en-US" altLang="ko-KR" sz="2400" smtClean="0"/>
+              <a:t>- </a:t>
+            </a:r>
+            <a:r>
+              <a:rPr lang="ko-KR" altLang="en-US" sz="2400" dirty="0" smtClean="0"/>
+              <a:t>계속 </a:t>
+            </a:r>
+            <a:r>
+              <a:rPr lang="en-US" altLang="ko-KR" sz="2400" dirty="0" smtClean="0"/>
+              <a:t>-</a:t>
+            </a:r>
+            <a:endParaRPr lang="en-US" altLang="ko-KR" sz="4000" dirty="0" smtClean="0"/>
+          </a:p>
+        </p:txBody>
+      </p:sp>
+    </p:spTree>
+  </p:cSld>
+  <p:clrMapOvr>
+    <a:masterClrMapping/>
+  </p:clrMapOvr>
+</p:sld>
+</file>
+
+<file path=ppt/slides/slide11.xml><?xml version="1.0" encoding="utf-8"?>
+<p:sld xmlns:a="http://schemas.openxmlformats.org/drawingml/2006/main" xmlns:r="http://schemas.openxmlformats.org/officeDocument/2006/relationships" xmlns:p="http://schemas.openxmlformats.org/presentationml/2006/main">
+  <p:cSld>
+    <p:spTree>
+      <p:nvGrpSpPr>
+        <p:cNvPr id="1" name=""/>
+        <p:cNvGrpSpPr/>
+        <p:nvPr/>
+      </p:nvGrpSpPr>
+      <p:grpSpPr>
+        <a:xfrm>
+          <a:off x="0" y="0"/>
+          <a:ext cx="0" cy="0"/>
+          <a:chOff x="0" y="0"/>
+          <a:chExt cx="0" cy="0"/>
+        </a:xfrm>
+      </p:grpSpPr>
+      <p:sp>
+        <p:nvSpPr>
+          <p:cNvPr id="3" name="제목 2"/>
+          <p:cNvSpPr>
+            <a:spLocks noGrp="1"/>
+          </p:cNvSpPr>
+          <p:nvPr>
+            <p:ph type="title"/>
+          </p:nvPr>
+        </p:nvSpPr>
+        <p:spPr/>
+        <p:txBody>
+          <a:bodyPr>
+            <a:normAutofit fontScale="90000"/>
+          </a:bodyPr>
+          <a:lstStyle/>
+          <a:p>
+            <a:r>
+              <a:rPr lang="en-US" altLang="ko-KR" dirty="0" smtClean="0"/>
+              <a:t>Transistor –</a:t>
+            </a:r>
+            <a:r>
+              <a:rPr lang="ko-KR" altLang="en-US" dirty="0" smtClean="0"/>
+              <a:t> </a:t>
+            </a:r>
+            <a:r>
+              <a:rPr lang="ko-KR" altLang="en-US" dirty="0" err="1" smtClean="0"/>
+              <a:t>디지탈</a:t>
+            </a:r>
+            <a:r>
+              <a:rPr lang="ko-KR" altLang="en-US" dirty="0" smtClean="0"/>
+              <a:t> 회로에서 사용법</a:t>
+            </a:r>
+            <a:endParaRPr lang="ko-KR" altLang="en-US" dirty="0"/>
+          </a:p>
+        </p:txBody>
+      </p:sp>
+      <p:sp>
+        <p:nvSpPr>
+          <p:cNvPr id="6" name="내용 개체 틀 5"/>
+          <p:cNvSpPr>
+            <a:spLocks noGrp="1"/>
+          </p:cNvSpPr>
+          <p:nvPr>
+            <p:ph idx="1"/>
+          </p:nvPr>
+        </p:nvSpPr>
         <p:spPr>
           <a:xfrm>
             <a:off x="457200" y="2708920"/>
@@ -4991,7 +5282,7 @@
 </p:sld>
 </file>
 
-<file path=ppt/slides/slide11.xml><?xml version="1.0" encoding="utf-8"?>
+<file path=ppt/slides/slide12.xml><?xml version="1.0" encoding="utf-8"?>
 <p:sld xmlns:a="http://schemas.openxmlformats.org/drawingml/2006/main" xmlns:r="http://schemas.openxmlformats.org/officeDocument/2006/relationships" xmlns:p="http://schemas.openxmlformats.org/presentationml/2006/main">
   <p:cSld>
     <p:spTree>
@@ -5241,7 +5532,7 @@
 </p:sld>
 </file>
 
-<file path=ppt/slides/slide12.xml><?xml version="1.0" encoding="utf-8"?>
+<file path=ppt/slides/slide13.xml><?xml version="1.0" encoding="utf-8"?>
 <p:sld xmlns:a="http://schemas.openxmlformats.org/drawingml/2006/main" xmlns:r="http://schemas.openxmlformats.org/officeDocument/2006/relationships" xmlns:p="http://schemas.openxmlformats.org/presentationml/2006/main">
   <p:cSld>
     <p:spTree>
@@ -5551,7 +5842,7 @@
 </p:sld>
 </file>
 
-<file path=ppt/slides/slide13.xml><?xml version="1.0" encoding="utf-8"?>
+<file path=ppt/slides/slide14.xml><?xml version="1.0" encoding="utf-8"?>
 <p:sld xmlns:a="http://schemas.openxmlformats.org/drawingml/2006/main" xmlns:r="http://schemas.openxmlformats.org/officeDocument/2006/relationships" xmlns:p="http://schemas.openxmlformats.org/presentationml/2006/main">
   <p:cSld>
     <p:spTree>
@@ -5878,7 +6169,7 @@
 </p:sld>
 </file>
 
-<file path=ppt/slides/slide14.xml><?xml version="1.0" encoding="utf-8"?>
+<file path=ppt/slides/slide15.xml><?xml version="1.0" encoding="utf-8"?>
 <p:sld xmlns:a="http://schemas.openxmlformats.org/drawingml/2006/main" xmlns:r="http://schemas.openxmlformats.org/officeDocument/2006/relationships" xmlns:p="http://schemas.openxmlformats.org/presentationml/2006/main">
   <p:cSld>
     <p:spTree>
@@ -6110,218 +6401,6 @@
 </p:sld>
 </file>
 
-<file path=ppt/slides/slide15.xml><?xml version="1.0" encoding="utf-8"?>
-<p:sld xmlns:a="http://schemas.openxmlformats.org/drawingml/2006/main" xmlns:r="http://schemas.openxmlformats.org/officeDocument/2006/relationships" xmlns:p="http://schemas.openxmlformats.org/presentationml/2006/main">
-  <p:cSld>
-    <p:spTree>
-      <p:nvGrpSpPr>
-        <p:cNvPr id="1" name=""/>
-        <p:cNvGrpSpPr/>
-        <p:nvPr/>
-      </p:nvGrpSpPr>
-      <p:grpSpPr>
-        <a:xfrm>
-          <a:off x="0" y="0"/>
-          <a:ext cx="0" cy="0"/>
-          <a:chOff x="0" y="0"/>
-          <a:chExt cx="0" cy="0"/>
-        </a:xfrm>
-      </p:grpSpPr>
-      <p:sp>
-        <p:nvSpPr>
-          <p:cNvPr id="3" name="제목 2"/>
-          <p:cNvSpPr>
-            <a:spLocks noGrp="1"/>
-          </p:cNvSpPr>
-          <p:nvPr>
-            <p:ph type="title"/>
-          </p:nvPr>
-        </p:nvSpPr>
-        <p:spPr/>
-        <p:txBody>
-          <a:bodyPr>
-            <a:normAutofit/>
-          </a:bodyPr>
-          <a:lstStyle/>
-          <a:p>
-            <a:r>
-              <a:rPr lang="en-US" altLang="ko-KR" dirty="0" smtClean="0"/>
-              <a:t>Transistor-</a:t>
-            </a:r>
-            <a:r>
-              <a:rPr lang="ko-KR" altLang="en-US" dirty="0" smtClean="0"/>
-              <a:t> 전압레벨 변환 방법</a:t>
-            </a:r>
-            <a:endParaRPr lang="ko-KR" altLang="en-US" dirty="0"/>
-          </a:p>
-        </p:txBody>
-      </p:sp>
-      <p:sp>
-        <p:nvSpPr>
-          <p:cNvPr id="4" name="내용 개체 틀 3"/>
-          <p:cNvSpPr>
-            <a:spLocks noGrp="1"/>
-          </p:cNvSpPr>
-          <p:nvPr>
-            <p:ph idx="1"/>
-          </p:nvPr>
-        </p:nvSpPr>
-        <p:spPr>
-          <a:xfrm>
-            <a:off x="4067944" y="1484784"/>
-            <a:ext cx="4618856" cy="4522507"/>
-          </a:xfrm>
-        </p:spPr>
-        <p:txBody>
-          <a:bodyPr>
-            <a:normAutofit lnSpcReduction="10000"/>
-          </a:bodyPr>
-          <a:lstStyle/>
-          <a:p>
-            <a:pPr>
-              <a:buFont typeface="Wingdings" pitchFamily="2" charset="2"/>
-              <a:buChar char="v"/>
-            </a:pPr>
-            <a:r>
-              <a:rPr lang="ko-KR" altLang="en-US" sz="2000" dirty="0" smtClean="0"/>
-              <a:t>각종 </a:t>
-            </a:r>
-            <a:r>
-              <a:rPr lang="ko-KR" altLang="en-US" sz="2000" dirty="0" err="1" smtClean="0"/>
-              <a:t>센서류는</a:t>
-            </a:r>
-            <a:r>
-              <a:rPr lang="ko-KR" altLang="en-US" sz="2000" dirty="0" smtClean="0"/>
-              <a:t> 출력 전압이 낮아서 </a:t>
-            </a:r>
-            <a:r>
-              <a:rPr lang="ko-KR" altLang="en-US" sz="2000" dirty="0" err="1" smtClean="0"/>
-              <a:t>디지탈</a:t>
-            </a:r>
-            <a:r>
-              <a:rPr lang="ko-KR" altLang="en-US" sz="2000" dirty="0" smtClean="0"/>
-              <a:t> 회로에 직접입력으로 사용하기 부적절한 경우가 많으며 이때 트랜지스터로 전압레벨을 증폭하여 사용합니다</a:t>
-            </a:r>
-            <a:r>
-              <a:rPr lang="en-US" altLang="ko-KR" sz="2000" dirty="0" smtClean="0"/>
-              <a:t>. </a:t>
-            </a:r>
-          </a:p>
-          <a:p>
-            <a:pPr>
-              <a:buFont typeface="Wingdings" pitchFamily="2" charset="2"/>
-              <a:buChar char="v"/>
-            </a:pPr>
-            <a:r>
-              <a:rPr lang="ko-KR" altLang="en-US" sz="2000" dirty="0" smtClean="0"/>
-              <a:t>이때는 결국 직류전압증폭기로 사용하는 것이 되기 때문에 본래의 기본증폭 회로로 구성하면 되나 </a:t>
-            </a:r>
-            <a:r>
-              <a:rPr lang="en-US" altLang="ko-KR" sz="2000" dirty="0" smtClean="0"/>
-              <a:t>On/Off</a:t>
-            </a:r>
-            <a:r>
-              <a:rPr lang="ko-KR" altLang="en-US" sz="2000" dirty="0" smtClean="0"/>
-              <a:t>를 판정하는 정도면 족하기 때문에 회로를 </a:t>
-            </a:r>
-            <a:r>
-              <a:rPr lang="ko-KR" altLang="en-US" sz="2000" dirty="0" err="1" smtClean="0"/>
-              <a:t>간략화</a:t>
-            </a:r>
-            <a:r>
-              <a:rPr lang="ko-KR" altLang="en-US" sz="2000" dirty="0" smtClean="0"/>
-              <a:t> 할 수 있습니다</a:t>
-            </a:r>
-            <a:r>
-              <a:rPr lang="en-US" altLang="ko-KR" sz="2000" dirty="0" smtClean="0"/>
-              <a:t>.</a:t>
-            </a:r>
-          </a:p>
-          <a:p>
-            <a:pPr>
-              <a:buFont typeface="Wingdings" pitchFamily="2" charset="2"/>
-              <a:buChar char="v"/>
-            </a:pPr>
-            <a:r>
-              <a:rPr lang="ko-KR" altLang="en-US" sz="2000" dirty="0" smtClean="0"/>
-              <a:t>실제로 사용하는 회로는 그림과 같이 되며 입력으로 사용된 센서의 출력 전압이 평상시는 거의 </a:t>
-            </a:r>
-            <a:r>
-              <a:rPr lang="en-US" altLang="ko-KR" sz="2000" dirty="0" smtClean="0"/>
-              <a:t>0V</a:t>
-            </a:r>
-            <a:r>
-              <a:rPr lang="ko-KR" altLang="en-US" sz="2000" dirty="0" smtClean="0"/>
-              <a:t>이고 검출시에 </a:t>
-            </a:r>
-            <a:r>
-              <a:rPr lang="en-US" altLang="ko-KR" sz="2000" dirty="0" smtClean="0"/>
-              <a:t>0.6V </a:t>
-            </a:r>
-            <a:r>
-              <a:rPr lang="ko-KR" altLang="en-US" sz="2000" dirty="0" err="1" smtClean="0"/>
-              <a:t>이상일때와</a:t>
-            </a:r>
-            <a:r>
-              <a:rPr lang="ko-KR" altLang="en-US" sz="2000" dirty="0" smtClean="0"/>
-              <a:t> </a:t>
-            </a:r>
-            <a:r>
-              <a:rPr lang="en-US" altLang="ko-KR" sz="2000" dirty="0" smtClean="0"/>
-              <a:t>0.6V </a:t>
-            </a:r>
-            <a:r>
-              <a:rPr lang="ko-KR" altLang="en-US" sz="2000" dirty="0" smtClean="0"/>
-              <a:t>이하 일 때 회로가 조금 다르게 됩니다</a:t>
-            </a:r>
-            <a:r>
-              <a:rPr lang="en-US" altLang="ko-KR" sz="2000" dirty="0" smtClean="0"/>
-              <a:t>.</a:t>
-            </a:r>
-            <a:endParaRPr lang="ko-KR" altLang="en-US" sz="2000" dirty="0"/>
-          </a:p>
-        </p:txBody>
-      </p:sp>
-      <p:pic>
-        <p:nvPicPr>
-          <p:cNvPr id="3074" name="Picture 2"/>
-          <p:cNvPicPr>
-            <a:picLocks noChangeAspect="1" noChangeArrowheads="1"/>
-          </p:cNvPicPr>
-          <p:nvPr/>
-        </p:nvPicPr>
-        <p:blipFill>
-          <a:blip r:embed="rId2" cstate="print"/>
-          <a:srcRect/>
-          <a:stretch>
-            <a:fillRect/>
-          </a:stretch>
-        </p:blipFill>
-        <p:spPr bwMode="auto">
-          <a:xfrm>
-            <a:off x="493017" y="2060848"/>
-            <a:ext cx="3545633" cy="2736304"/>
-          </a:xfrm>
-          <a:prstGeom prst="rect">
-            <a:avLst/>
-          </a:prstGeom>
-          <a:noFill/>
-          <a:ln w="9525">
-            <a:noFill/>
-            <a:miter lim="800000"/>
-            <a:headEnd/>
-            <a:tailEnd/>
-          </a:ln>
-        </p:spPr>
-      </p:pic>
-    </p:spTree>
-  </p:cSld>
-  <p:clrMapOvr>
-    <a:masterClrMapping/>
-  </p:clrMapOvr>
-</p:sld>
-</file>
-
 <file path=ppt/slides/slide16.xml><?xml version="1.0" encoding="utf-8"?>
 <p:sld xmlns:a="http://schemas.openxmlformats.org/drawingml/2006/main" xmlns:r="http://schemas.openxmlformats.org/officeDocument/2006/relationships" xmlns:p="http://schemas.openxmlformats.org/presentationml/2006/main">
   <p:cSld>
@@ -6381,12 +6460,12 @@
         <p:spPr>
           <a:xfrm>
             <a:off x="4067944" y="1484784"/>
-            <a:ext cx="4618856" cy="5040560"/>
+            <a:ext cx="4618856" cy="4522507"/>
           </a:xfrm>
         </p:spPr>
         <p:txBody>
           <a:bodyPr>
-            <a:noAutofit/>
+            <a:normAutofit lnSpcReduction="10000"/>
           </a:bodyPr>
           <a:lstStyle/>
           <a:p>
@@ -6395,111 +6474,27 @@
               <a:buChar char="v"/>
             </a:pPr>
             <a:r>
-              <a:rPr lang="en-US" altLang="ko-KR" sz="1500" dirty="0" smtClean="0"/>
-              <a:t>(a)</a:t>
-            </a:r>
-            <a:r>
-              <a:rPr lang="ko-KR" altLang="en-US" sz="1500" dirty="0" smtClean="0"/>
-              <a:t>의 회로에서 센서의 출력이 평상시 </a:t>
-            </a:r>
-            <a:r>
-              <a:rPr lang="en-US" altLang="ko-KR" sz="1500" dirty="0" smtClean="0"/>
-              <a:t>0V</a:t>
-            </a:r>
-            <a:r>
-              <a:rPr lang="ko-KR" altLang="en-US" sz="1500" dirty="0" smtClean="0"/>
-              <a:t>에 가깝기 때문에 트랜지스터는 </a:t>
-            </a:r>
-            <a:r>
-              <a:rPr lang="en-US" altLang="ko-KR" sz="1500" dirty="0" smtClean="0"/>
-              <a:t>Off </a:t>
-            </a:r>
-            <a:r>
-              <a:rPr lang="ko-KR" altLang="en-US" sz="1500" dirty="0" smtClean="0"/>
-              <a:t>되어 디지털 </a:t>
-            </a:r>
-            <a:r>
-              <a:rPr lang="en-US" altLang="ko-KR" sz="1500" dirty="0" smtClean="0"/>
-              <a:t>IC</a:t>
-            </a:r>
-            <a:r>
-              <a:rPr lang="ko-KR" altLang="en-US" sz="1500" dirty="0" smtClean="0"/>
-              <a:t>의 입력은 거의 전원전압에 가까워저서 </a:t>
-            </a:r>
-            <a:r>
-              <a:rPr lang="en-US" altLang="ko-KR" sz="1500" dirty="0" smtClean="0"/>
-              <a:t>High</a:t>
-            </a:r>
-            <a:r>
-              <a:rPr lang="ko-KR" altLang="en-US" sz="1500" dirty="0" smtClean="0"/>
-              <a:t>로 되고</a:t>
-            </a:r>
-            <a:r>
-              <a:rPr lang="en-US" altLang="ko-KR" sz="1500" dirty="0" smtClean="0"/>
-              <a:t>, </a:t>
-            </a:r>
-            <a:r>
-              <a:rPr lang="ko-KR" altLang="en-US" sz="1500" dirty="0" smtClean="0"/>
-              <a:t>센서 </a:t>
-            </a:r>
-            <a:r>
-              <a:rPr lang="ko-KR" altLang="en-US" sz="1500" dirty="0" err="1" smtClean="0"/>
-              <a:t>검출시에</a:t>
-            </a:r>
-            <a:r>
-              <a:rPr lang="ko-KR" altLang="en-US" sz="1500" dirty="0" smtClean="0"/>
-              <a:t> 출력이 </a:t>
-            </a:r>
-            <a:r>
-              <a:rPr lang="en-US" altLang="ko-KR" sz="1500" dirty="0" smtClean="0"/>
-              <a:t>0.6V </a:t>
-            </a:r>
-            <a:r>
-              <a:rPr lang="ko-KR" altLang="en-US" sz="1500" dirty="0" smtClean="0"/>
-              <a:t>이상이 되면 트랜지스터가 </a:t>
-            </a:r>
-            <a:r>
-              <a:rPr lang="en-US" altLang="ko-KR" sz="1500" dirty="0" smtClean="0"/>
-              <a:t>On</a:t>
-            </a:r>
-            <a:r>
-              <a:rPr lang="ko-KR" altLang="en-US" sz="1500" dirty="0" smtClean="0"/>
-              <a:t>으로 되어 </a:t>
-            </a:r>
-            <a:r>
-              <a:rPr lang="ko-KR" altLang="en-US" sz="1500" dirty="0" err="1" smtClean="0"/>
+              <a:rPr lang="ko-KR" altLang="en-US" sz="2000" dirty="0" smtClean="0"/>
+              <a:t>각종 </a:t>
+            </a:r>
+            <a:r>
+              <a:rPr lang="ko-KR" altLang="en-US" sz="2000" dirty="0" err="1" smtClean="0"/>
+              <a:t>센서류는</a:t>
+            </a:r>
+            <a:r>
+              <a:rPr lang="ko-KR" altLang="en-US" sz="2000" dirty="0" smtClean="0"/>
+              <a:t> 출력 전압이 낮아서 </a:t>
+            </a:r>
+            <a:r>
+              <a:rPr lang="ko-KR" altLang="en-US" sz="2000" dirty="0" err="1" smtClean="0"/>
               <a:t>디지탈</a:t>
             </a:r>
             <a:r>
-              <a:rPr lang="ko-KR" altLang="en-US" sz="1500" dirty="0" smtClean="0"/>
-              <a:t> </a:t>
-            </a:r>
-            <a:r>
-              <a:rPr lang="en-US" altLang="ko-KR" sz="1500" dirty="0" smtClean="0"/>
-              <a:t>IC</a:t>
-            </a:r>
-            <a:r>
-              <a:rPr lang="ko-KR" altLang="en-US" sz="1500" dirty="0" smtClean="0"/>
-              <a:t>의 입력은 거의 </a:t>
-            </a:r>
-            <a:r>
-              <a:rPr lang="en-US" altLang="ko-KR" sz="1500" dirty="0" smtClean="0"/>
-              <a:t>0V</a:t>
-            </a:r>
-            <a:r>
-              <a:rPr lang="ko-KR" altLang="en-US" sz="1500" dirty="0" smtClean="0"/>
-              <a:t>가 되고 </a:t>
-            </a:r>
-            <a:r>
-              <a:rPr lang="en-US" altLang="ko-KR" sz="1500" dirty="0" smtClean="0"/>
-              <a:t>Low</a:t>
-            </a:r>
-            <a:r>
-              <a:rPr lang="ko-KR" altLang="en-US" sz="1500" dirty="0" smtClean="0"/>
-              <a:t>로 됩니다</a:t>
-            </a:r>
-            <a:r>
-              <a:rPr lang="en-US" altLang="ko-KR" sz="1500" dirty="0" smtClean="0"/>
+              <a:rPr lang="ko-KR" altLang="en-US" sz="2000" dirty="0" smtClean="0"/>
+              <a:t> 회로에 직접입력으로 사용하기 부적절한 경우가 많으며 이때 트랜지스터로 전압레벨을 증폭하여 사용합니다</a:t>
+            </a:r>
+            <a:r>
+              <a:rPr lang="en-US" altLang="ko-KR" sz="2000" dirty="0" smtClean="0"/>
               <a:t>. </a:t>
             </a:r>
           </a:p>
@@ -6509,103 +6504,27 @@
               <a:buChar char="v"/>
             </a:pPr>
             <a:r>
-              <a:rPr lang="en-US" altLang="ko-KR" sz="1500" dirty="0" smtClean="0"/>
-              <a:t>R1</a:t>
-            </a:r>
-            <a:r>
-              <a:rPr lang="ko-KR" altLang="en-US" sz="1500" dirty="0" smtClean="0"/>
-              <a:t>과 </a:t>
-            </a:r>
-            <a:r>
-              <a:rPr lang="en-US" altLang="ko-KR" sz="1500" dirty="0" err="1" smtClean="0"/>
-              <a:t>Rc</a:t>
-            </a:r>
-            <a:r>
-              <a:rPr lang="ko-KR" altLang="en-US" sz="1500" dirty="0" smtClean="0"/>
-              <a:t>의 저항치 결정방법은 먼저 </a:t>
-            </a:r>
-            <a:r>
-              <a:rPr lang="en-US" altLang="ko-KR" sz="1500" dirty="0" err="1" smtClean="0"/>
-              <a:t>Rc</a:t>
-            </a:r>
-            <a:r>
-              <a:rPr lang="ko-KR" altLang="en-US" sz="1500" dirty="0" smtClean="0"/>
-              <a:t>는 디지탈 </a:t>
-            </a:r>
-            <a:r>
-              <a:rPr lang="en-US" altLang="ko-KR" sz="1500" dirty="0" smtClean="0"/>
-              <a:t>IC</a:t>
-            </a:r>
-            <a:r>
-              <a:rPr lang="ko-KR" altLang="en-US" sz="1500" dirty="0" smtClean="0"/>
-              <a:t>의 입력전류는 수 </a:t>
-            </a:r>
-            <a:r>
-              <a:rPr lang="en-US" altLang="ko-KR" sz="1500" dirty="0" smtClean="0"/>
-              <a:t>10μA </a:t>
-            </a:r>
-            <a:r>
-              <a:rPr lang="ko-KR" altLang="en-US" sz="1500" dirty="0" err="1" smtClean="0"/>
-              <a:t>이하이기때문에</a:t>
-            </a:r>
-            <a:r>
-              <a:rPr lang="ko-KR" altLang="en-US" sz="1500" dirty="0" smtClean="0"/>
-              <a:t> 트랜지스터가 </a:t>
-            </a:r>
-            <a:r>
-              <a:rPr lang="en-US" altLang="ko-KR" sz="1500" dirty="0" smtClean="0"/>
-              <a:t>Off</a:t>
-            </a:r>
-            <a:r>
-              <a:rPr lang="ko-KR" altLang="en-US" sz="1500" dirty="0" smtClean="0"/>
-              <a:t>되었을 때 </a:t>
-            </a:r>
-            <a:r>
-              <a:rPr lang="en-US" altLang="ko-KR" sz="1500" dirty="0" err="1" smtClean="0"/>
-              <a:t>Rc</a:t>
-            </a:r>
-            <a:r>
-              <a:rPr lang="en-US" altLang="ko-KR" sz="1500" dirty="0" smtClean="0"/>
-              <a:t> </a:t>
-            </a:r>
-            <a:r>
-              <a:rPr lang="ko-KR" altLang="en-US" sz="1500" dirty="0" smtClean="0"/>
-              <a:t>를 경유하여 </a:t>
-            </a:r>
-            <a:r>
-              <a:rPr lang="ko-KR" altLang="en-US" sz="1500" dirty="0" err="1" smtClean="0"/>
-              <a:t>디지탈</a:t>
-            </a:r>
-            <a:r>
-              <a:rPr lang="ko-KR" altLang="en-US" sz="1500" dirty="0" smtClean="0"/>
-              <a:t> </a:t>
-            </a:r>
-            <a:r>
-              <a:rPr lang="en-US" altLang="ko-KR" sz="1500" dirty="0" smtClean="0"/>
-              <a:t>IC</a:t>
-            </a:r>
-            <a:r>
-              <a:rPr lang="ko-KR" altLang="en-US" sz="1500" dirty="0" smtClean="0"/>
-              <a:t>에 전류가 흐를 수 있도록 수 </a:t>
-            </a:r>
-            <a:r>
-              <a:rPr lang="en-US" altLang="ko-KR" sz="1500" dirty="0" smtClean="0"/>
-              <a:t>10KΩ </a:t>
-            </a:r>
-            <a:r>
-              <a:rPr lang="ko-KR" altLang="en-US" sz="1500" dirty="0" smtClean="0"/>
-              <a:t>이하의 저항이면 적당하며 보통은 </a:t>
-            </a:r>
-            <a:r>
-              <a:rPr lang="en-US" altLang="ko-KR" sz="1500" dirty="0" smtClean="0"/>
-              <a:t>5KΩ∼20KΩ </a:t>
-            </a:r>
-            <a:r>
-              <a:rPr lang="ko-KR" altLang="en-US" sz="1500" dirty="0" smtClean="0"/>
-              <a:t>정도가 쓰여집니다</a:t>
-            </a:r>
-            <a:r>
-              <a:rPr lang="en-US" altLang="ko-KR" sz="1500" dirty="0" smtClean="0"/>
+              <a:rPr lang="ko-KR" altLang="en-US" sz="2000" dirty="0" smtClean="0"/>
+              <a:t>이때는 결국 직류전압증폭기로 사용하는 것이 되기 때문에 본래의 기본증폭 회로로 구성하면 되나 </a:t>
+            </a:r>
+            <a:r>
+              <a:rPr lang="en-US" altLang="ko-KR" sz="2000" dirty="0" smtClean="0"/>
+              <a:t>On/Off</a:t>
+            </a:r>
+            <a:r>
+              <a:rPr lang="ko-KR" altLang="en-US" sz="2000" dirty="0" smtClean="0"/>
+              <a:t>를 판정하는 정도면 족하기 때문에 회로를 </a:t>
+            </a:r>
+            <a:r>
+              <a:rPr lang="ko-KR" altLang="en-US" sz="2000" dirty="0" err="1" smtClean="0"/>
+              <a:t>간략화</a:t>
+            </a:r>
+            <a:r>
+              <a:rPr lang="ko-KR" altLang="en-US" sz="2000" dirty="0" smtClean="0"/>
+              <a:t> 할 수 있습니다</a:t>
+            </a:r>
+            <a:r>
+              <a:rPr lang="en-US" altLang="ko-KR" sz="2000" dirty="0" smtClean="0"/>
               <a:t>.</a:t>
             </a:r>
           </a:p>
@@ -6615,78 +6534,42 @@
               <a:buChar char="v"/>
             </a:pPr>
             <a:r>
-              <a:rPr lang="en-US" altLang="ko-KR" sz="1500" dirty="0" smtClean="0"/>
-              <a:t>R1</a:t>
-            </a:r>
-            <a:r>
-              <a:rPr lang="ko-KR" altLang="en-US" sz="1500" dirty="0" smtClean="0"/>
-              <a:t>은 센서의 출력 전류에 의하여 결정되며 너무 작게 하면 센서에 무리를 주어 감도가 떨어질수 있습니다</a:t>
-            </a:r>
-            <a:r>
-              <a:rPr lang="en-US" altLang="ko-KR" sz="1500" dirty="0" smtClean="0"/>
-              <a:t>. </a:t>
-            </a:r>
-            <a:r>
-              <a:rPr lang="ko-KR" altLang="en-US" sz="1500" dirty="0" smtClean="0"/>
-              <a:t>대부분은 수</a:t>
-            </a:r>
-            <a:r>
-              <a:rPr lang="en-US" altLang="ko-KR" sz="1500" dirty="0" smtClean="0"/>
-              <a:t>10KΩ </a:t>
-            </a:r>
-            <a:r>
-              <a:rPr lang="ko-KR" altLang="en-US" sz="1500" dirty="0" smtClean="0"/>
-              <a:t>정도면 적당하며 일반적으로 </a:t>
-            </a:r>
-            <a:r>
-              <a:rPr lang="en-US" altLang="ko-KR" sz="1500" dirty="0" smtClean="0"/>
-              <a:t>10KΩ ~ 50KΩ </a:t>
-            </a:r>
-            <a:r>
-              <a:rPr lang="ko-KR" altLang="en-US" sz="1500" dirty="0" smtClean="0"/>
-              <a:t>정도가 쓰여지지만 센서의 규격에 최적 </a:t>
-            </a:r>
-            <a:r>
-              <a:rPr lang="ko-KR" altLang="en-US" sz="1500" dirty="0" err="1" smtClean="0"/>
-              <a:t>부하저항치가</a:t>
-            </a:r>
-            <a:r>
-              <a:rPr lang="ko-KR" altLang="en-US" sz="1500" dirty="0" smtClean="0"/>
-              <a:t> 있으면 </a:t>
-            </a:r>
-            <a:r>
-              <a:rPr lang="ko-KR" altLang="en-US" sz="1500" dirty="0" err="1" smtClean="0"/>
-              <a:t>그에따른</a:t>
-            </a:r>
-            <a:r>
-              <a:rPr lang="ko-KR" altLang="en-US" sz="1500" dirty="0" smtClean="0"/>
-              <a:t> 저항치를 사용하며 이때는 센서의 부하는 </a:t>
-            </a:r>
-            <a:r>
-              <a:rPr lang="en-US" altLang="ko-KR" sz="1500" dirty="0" smtClean="0"/>
-              <a:t>R1</a:t>
-            </a:r>
-            <a:r>
-              <a:rPr lang="ko-KR" altLang="en-US" sz="1500" dirty="0" smtClean="0"/>
-              <a:t>과 트랜지스터의 입력 저항이 병렬이 되므로 이점도 주의하여 결정해야 합니다</a:t>
-            </a:r>
-            <a:r>
-              <a:rPr lang="en-US" altLang="ko-KR" sz="1500" dirty="0" smtClean="0"/>
-              <a:t>, </a:t>
-            </a:r>
-            <a:r>
-              <a:rPr lang="ko-KR" altLang="en-US" sz="1500" dirty="0" smtClean="0"/>
-              <a:t>참고로 트랜지스터의 입력저항은 수 </a:t>
-            </a:r>
-            <a:r>
-              <a:rPr lang="en-US" altLang="ko-KR" sz="1500" dirty="0" smtClean="0"/>
-              <a:t>10KΩ</a:t>
-            </a:r>
-            <a:r>
-              <a:rPr lang="ko-KR" altLang="en-US" sz="1500" dirty="0" smtClean="0"/>
-              <a:t>정도 입니다．</a:t>
-            </a:r>
-            <a:endParaRPr lang="ko-KR" altLang="en-US" sz="1500" dirty="0"/>
+              <a:rPr lang="ko-KR" altLang="en-US" sz="2000" dirty="0" smtClean="0"/>
+              <a:t>실제로 사용하는 회로는 그림과 같이 되며 입력으로 사용된 센서의 출력 전압이 평상시는 거의 </a:t>
+            </a:r>
+            <a:r>
+              <a:rPr lang="en-US" altLang="ko-KR" sz="2000" dirty="0" smtClean="0"/>
+              <a:t>0V</a:t>
+            </a:r>
+            <a:r>
+              <a:rPr lang="ko-KR" altLang="en-US" sz="2000" dirty="0" smtClean="0"/>
+              <a:t>이고 검출시에 </a:t>
+            </a:r>
+            <a:r>
+              <a:rPr lang="en-US" altLang="ko-KR" sz="2000" dirty="0" smtClean="0"/>
+              <a:t>0.6V </a:t>
+            </a:r>
+            <a:r>
+              <a:rPr lang="ko-KR" altLang="en-US" sz="2000" dirty="0" err="1" smtClean="0"/>
+              <a:t>이상일때와</a:t>
+            </a:r>
+            <a:r>
+              <a:rPr lang="ko-KR" altLang="en-US" sz="2000" dirty="0" smtClean="0"/>
+              <a:t> </a:t>
+            </a:r>
+            <a:r>
+              <a:rPr lang="en-US" altLang="ko-KR" sz="2000" dirty="0" smtClean="0"/>
+              <a:t>0.6V </a:t>
+            </a:r>
+            <a:r>
+              <a:rPr lang="ko-KR" altLang="en-US" sz="2000" dirty="0" smtClean="0"/>
+              <a:t>이하 일 때 회로가 조금 다르게 됩니다</a:t>
+            </a:r>
+            <a:r>
+              <a:rPr lang="en-US" altLang="ko-KR" sz="2000" dirty="0" smtClean="0"/>
+              <a:t>.</a:t>
+            </a:r>
+            <a:endParaRPr lang="ko-KR" altLang="en-US" sz="2000" dirty="0"/>
           </a:p>
         </p:txBody>
       </p:sp>
@@ -6803,6 +6686,414 @@
               <a:buChar char="v"/>
             </a:pPr>
             <a:r>
+              <a:rPr lang="en-US" altLang="ko-KR" sz="1500" dirty="0" smtClean="0"/>
+              <a:t>(a)</a:t>
+            </a:r>
+            <a:r>
+              <a:rPr lang="ko-KR" altLang="en-US" sz="1500" dirty="0" smtClean="0"/>
+              <a:t>의 회로에서 센서의 출력이 평상시 </a:t>
+            </a:r>
+            <a:r>
+              <a:rPr lang="en-US" altLang="ko-KR" sz="1500" dirty="0" smtClean="0"/>
+              <a:t>0V</a:t>
+            </a:r>
+            <a:r>
+              <a:rPr lang="ko-KR" altLang="en-US" sz="1500" dirty="0" smtClean="0"/>
+              <a:t>에 가깝기 때문에 트랜지스터는 </a:t>
+            </a:r>
+            <a:r>
+              <a:rPr lang="en-US" altLang="ko-KR" sz="1500" dirty="0" smtClean="0"/>
+              <a:t>Off </a:t>
+            </a:r>
+            <a:r>
+              <a:rPr lang="ko-KR" altLang="en-US" sz="1500" dirty="0" smtClean="0"/>
+              <a:t>되어 디지털 </a:t>
+            </a:r>
+            <a:r>
+              <a:rPr lang="en-US" altLang="ko-KR" sz="1500" dirty="0" smtClean="0"/>
+              <a:t>IC</a:t>
+            </a:r>
+            <a:r>
+              <a:rPr lang="ko-KR" altLang="en-US" sz="1500" dirty="0" smtClean="0"/>
+              <a:t>의 입력은 거의 전원전압에 가까워저서 </a:t>
+            </a:r>
+            <a:r>
+              <a:rPr lang="en-US" altLang="ko-KR" sz="1500" dirty="0" smtClean="0"/>
+              <a:t>High</a:t>
+            </a:r>
+            <a:r>
+              <a:rPr lang="ko-KR" altLang="en-US" sz="1500" dirty="0" smtClean="0"/>
+              <a:t>로 되고</a:t>
+            </a:r>
+            <a:r>
+              <a:rPr lang="en-US" altLang="ko-KR" sz="1500" dirty="0" smtClean="0"/>
+              <a:t>, </a:t>
+            </a:r>
+            <a:r>
+              <a:rPr lang="ko-KR" altLang="en-US" sz="1500" dirty="0" smtClean="0"/>
+              <a:t>센서 </a:t>
+            </a:r>
+            <a:r>
+              <a:rPr lang="ko-KR" altLang="en-US" sz="1500" dirty="0" err="1" smtClean="0"/>
+              <a:t>검출시에</a:t>
+            </a:r>
+            <a:r>
+              <a:rPr lang="ko-KR" altLang="en-US" sz="1500" dirty="0" smtClean="0"/>
+              <a:t> 출력이 </a:t>
+            </a:r>
+            <a:r>
+              <a:rPr lang="en-US" altLang="ko-KR" sz="1500" dirty="0" smtClean="0"/>
+              <a:t>0.6V </a:t>
+            </a:r>
+            <a:r>
+              <a:rPr lang="ko-KR" altLang="en-US" sz="1500" dirty="0" smtClean="0"/>
+              <a:t>이상이 되면 트랜지스터가 </a:t>
+            </a:r>
+            <a:r>
+              <a:rPr lang="en-US" altLang="ko-KR" sz="1500" dirty="0" smtClean="0"/>
+              <a:t>On</a:t>
+            </a:r>
+            <a:r>
+              <a:rPr lang="ko-KR" altLang="en-US" sz="1500" dirty="0" smtClean="0"/>
+              <a:t>으로 되어 </a:t>
+            </a:r>
+            <a:r>
+              <a:rPr lang="ko-KR" altLang="en-US" sz="1500" dirty="0" err="1" smtClean="0"/>
+              <a:t>디지탈</a:t>
+            </a:r>
+            <a:r>
+              <a:rPr lang="ko-KR" altLang="en-US" sz="1500" dirty="0" smtClean="0"/>
+              <a:t> </a:t>
+            </a:r>
+            <a:r>
+              <a:rPr lang="en-US" altLang="ko-KR" sz="1500" dirty="0" smtClean="0"/>
+              <a:t>IC</a:t>
+            </a:r>
+            <a:r>
+              <a:rPr lang="ko-KR" altLang="en-US" sz="1500" dirty="0" smtClean="0"/>
+              <a:t>의 입력은 거의 </a:t>
+            </a:r>
+            <a:r>
+              <a:rPr lang="en-US" altLang="ko-KR" sz="1500" dirty="0" smtClean="0"/>
+              <a:t>0V</a:t>
+            </a:r>
+            <a:r>
+              <a:rPr lang="ko-KR" altLang="en-US" sz="1500" dirty="0" smtClean="0"/>
+              <a:t>가 되고 </a:t>
+            </a:r>
+            <a:r>
+              <a:rPr lang="en-US" altLang="ko-KR" sz="1500" dirty="0" smtClean="0"/>
+              <a:t>Low</a:t>
+            </a:r>
+            <a:r>
+              <a:rPr lang="ko-KR" altLang="en-US" sz="1500" dirty="0" smtClean="0"/>
+              <a:t>로 됩니다</a:t>
+            </a:r>
+            <a:r>
+              <a:rPr lang="en-US" altLang="ko-KR" sz="1500" dirty="0" smtClean="0"/>
+              <a:t>. </a:t>
+            </a:r>
+          </a:p>
+          <a:p>
+            <a:pPr>
+              <a:buFont typeface="Wingdings" pitchFamily="2" charset="2"/>
+              <a:buChar char="v"/>
+            </a:pPr>
+            <a:r>
+              <a:rPr lang="en-US" altLang="ko-KR" sz="1500" dirty="0" smtClean="0"/>
+              <a:t>R1</a:t>
+            </a:r>
+            <a:r>
+              <a:rPr lang="ko-KR" altLang="en-US" sz="1500" dirty="0" smtClean="0"/>
+              <a:t>과 </a:t>
+            </a:r>
+            <a:r>
+              <a:rPr lang="en-US" altLang="ko-KR" sz="1500" dirty="0" err="1" smtClean="0"/>
+              <a:t>Rc</a:t>
+            </a:r>
+            <a:r>
+              <a:rPr lang="ko-KR" altLang="en-US" sz="1500" dirty="0" smtClean="0"/>
+              <a:t>의 저항치 결정방법은 먼저 </a:t>
+            </a:r>
+            <a:r>
+              <a:rPr lang="en-US" altLang="ko-KR" sz="1500" dirty="0" err="1" smtClean="0"/>
+              <a:t>Rc</a:t>
+            </a:r>
+            <a:r>
+              <a:rPr lang="ko-KR" altLang="en-US" sz="1500" dirty="0" smtClean="0"/>
+              <a:t>는 디지탈 </a:t>
+            </a:r>
+            <a:r>
+              <a:rPr lang="en-US" altLang="ko-KR" sz="1500" dirty="0" smtClean="0"/>
+              <a:t>IC</a:t>
+            </a:r>
+            <a:r>
+              <a:rPr lang="ko-KR" altLang="en-US" sz="1500" dirty="0" smtClean="0"/>
+              <a:t>의 입력전류는 수 </a:t>
+            </a:r>
+            <a:r>
+              <a:rPr lang="en-US" altLang="ko-KR" sz="1500" dirty="0" smtClean="0"/>
+              <a:t>10μA </a:t>
+            </a:r>
+            <a:r>
+              <a:rPr lang="ko-KR" altLang="en-US" sz="1500" dirty="0" err="1" smtClean="0"/>
+              <a:t>이하이기때문에</a:t>
+            </a:r>
+            <a:r>
+              <a:rPr lang="ko-KR" altLang="en-US" sz="1500" dirty="0" smtClean="0"/>
+              <a:t> 트랜지스터가 </a:t>
+            </a:r>
+            <a:r>
+              <a:rPr lang="en-US" altLang="ko-KR" sz="1500" dirty="0" smtClean="0"/>
+              <a:t>Off</a:t>
+            </a:r>
+            <a:r>
+              <a:rPr lang="ko-KR" altLang="en-US" sz="1500" dirty="0" smtClean="0"/>
+              <a:t>되었을 때 </a:t>
+            </a:r>
+            <a:r>
+              <a:rPr lang="en-US" altLang="ko-KR" sz="1500" dirty="0" err="1" smtClean="0"/>
+              <a:t>Rc</a:t>
+            </a:r>
+            <a:r>
+              <a:rPr lang="en-US" altLang="ko-KR" sz="1500" dirty="0" smtClean="0"/>
+              <a:t> </a:t>
+            </a:r>
+            <a:r>
+              <a:rPr lang="ko-KR" altLang="en-US" sz="1500" dirty="0" smtClean="0"/>
+              <a:t>를 경유하여 </a:t>
+            </a:r>
+            <a:r>
+              <a:rPr lang="ko-KR" altLang="en-US" sz="1500" dirty="0" err="1" smtClean="0"/>
+              <a:t>디지탈</a:t>
+            </a:r>
+            <a:r>
+              <a:rPr lang="ko-KR" altLang="en-US" sz="1500" dirty="0" smtClean="0"/>
+              <a:t> </a:t>
+            </a:r>
+            <a:r>
+              <a:rPr lang="en-US" altLang="ko-KR" sz="1500" dirty="0" smtClean="0"/>
+              <a:t>IC</a:t>
+            </a:r>
+            <a:r>
+              <a:rPr lang="ko-KR" altLang="en-US" sz="1500" dirty="0" smtClean="0"/>
+              <a:t>에 전류가 흐를 수 있도록 수 </a:t>
+            </a:r>
+            <a:r>
+              <a:rPr lang="en-US" altLang="ko-KR" sz="1500" dirty="0" smtClean="0"/>
+              <a:t>10KΩ </a:t>
+            </a:r>
+            <a:r>
+              <a:rPr lang="ko-KR" altLang="en-US" sz="1500" dirty="0" smtClean="0"/>
+              <a:t>이하의 저항이면 적당하며 보통은 </a:t>
+            </a:r>
+            <a:r>
+              <a:rPr lang="en-US" altLang="ko-KR" sz="1500" dirty="0" smtClean="0"/>
+              <a:t>5KΩ∼20KΩ </a:t>
+            </a:r>
+            <a:r>
+              <a:rPr lang="ko-KR" altLang="en-US" sz="1500" dirty="0" smtClean="0"/>
+              <a:t>정도가 쓰여집니다</a:t>
+            </a:r>
+            <a:r>
+              <a:rPr lang="en-US" altLang="ko-KR" sz="1500" dirty="0" smtClean="0"/>
+              <a:t>.</a:t>
+            </a:r>
+          </a:p>
+          <a:p>
+            <a:pPr>
+              <a:buFont typeface="Wingdings" pitchFamily="2" charset="2"/>
+              <a:buChar char="v"/>
+            </a:pPr>
+            <a:r>
+              <a:rPr lang="en-US" altLang="ko-KR" sz="1500" dirty="0" smtClean="0"/>
+              <a:t>R1</a:t>
+            </a:r>
+            <a:r>
+              <a:rPr lang="ko-KR" altLang="en-US" sz="1500" dirty="0" smtClean="0"/>
+              <a:t>은 센서의 출력 전류에 의하여 결정되며 너무 작게 하면 센서에 무리를 주어 감도가 떨어질수 있습니다</a:t>
+            </a:r>
+            <a:r>
+              <a:rPr lang="en-US" altLang="ko-KR" sz="1500" dirty="0" smtClean="0"/>
+              <a:t>. </a:t>
+            </a:r>
+            <a:r>
+              <a:rPr lang="ko-KR" altLang="en-US" sz="1500" dirty="0" smtClean="0"/>
+              <a:t>대부분은 수</a:t>
+            </a:r>
+            <a:r>
+              <a:rPr lang="en-US" altLang="ko-KR" sz="1500" dirty="0" smtClean="0"/>
+              <a:t>10KΩ </a:t>
+            </a:r>
+            <a:r>
+              <a:rPr lang="ko-KR" altLang="en-US" sz="1500" dirty="0" smtClean="0"/>
+              <a:t>정도면 적당하며 일반적으로 </a:t>
+            </a:r>
+            <a:r>
+              <a:rPr lang="en-US" altLang="ko-KR" sz="1500" dirty="0" smtClean="0"/>
+              <a:t>10KΩ ~ 50KΩ </a:t>
+            </a:r>
+            <a:r>
+              <a:rPr lang="ko-KR" altLang="en-US" sz="1500" dirty="0" smtClean="0"/>
+              <a:t>정도가 쓰여지지만 센서의 규격에 최적 </a:t>
+            </a:r>
+            <a:r>
+              <a:rPr lang="ko-KR" altLang="en-US" sz="1500" dirty="0" err="1" smtClean="0"/>
+              <a:t>부하저항치가</a:t>
+            </a:r>
+            <a:r>
+              <a:rPr lang="ko-KR" altLang="en-US" sz="1500" dirty="0" smtClean="0"/>
+              <a:t> 있으면 </a:t>
+            </a:r>
+            <a:r>
+              <a:rPr lang="ko-KR" altLang="en-US" sz="1500" dirty="0" err="1" smtClean="0"/>
+              <a:t>그에따른</a:t>
+            </a:r>
+            <a:r>
+              <a:rPr lang="ko-KR" altLang="en-US" sz="1500" dirty="0" smtClean="0"/>
+              <a:t> 저항치를 사용하며 이때는 센서의 부하는 </a:t>
+            </a:r>
+            <a:r>
+              <a:rPr lang="en-US" altLang="ko-KR" sz="1500" dirty="0" smtClean="0"/>
+              <a:t>R1</a:t>
+            </a:r>
+            <a:r>
+              <a:rPr lang="ko-KR" altLang="en-US" sz="1500" dirty="0" smtClean="0"/>
+              <a:t>과 트랜지스터의 입력 저항이 병렬이 되므로 이점도 주의하여 결정해야 합니다</a:t>
+            </a:r>
+            <a:r>
+              <a:rPr lang="en-US" altLang="ko-KR" sz="1500" dirty="0" smtClean="0"/>
+              <a:t>, </a:t>
+            </a:r>
+            <a:r>
+              <a:rPr lang="ko-KR" altLang="en-US" sz="1500" dirty="0" smtClean="0"/>
+              <a:t>참고로 트랜지스터의 입력저항은 수 </a:t>
+            </a:r>
+            <a:r>
+              <a:rPr lang="en-US" altLang="ko-KR" sz="1500" dirty="0" smtClean="0"/>
+              <a:t>10KΩ</a:t>
+            </a:r>
+            <a:r>
+              <a:rPr lang="ko-KR" altLang="en-US" sz="1500" dirty="0" smtClean="0"/>
+              <a:t>정도 입니다．</a:t>
+            </a:r>
+            <a:endParaRPr lang="ko-KR" altLang="en-US" sz="1500" dirty="0"/>
+          </a:p>
+        </p:txBody>
+      </p:sp>
+      <p:pic>
+        <p:nvPicPr>
+          <p:cNvPr id="3074" name="Picture 2"/>
+          <p:cNvPicPr>
+            <a:picLocks noChangeAspect="1" noChangeArrowheads="1"/>
+          </p:cNvPicPr>
+          <p:nvPr/>
+        </p:nvPicPr>
+        <p:blipFill>
+          <a:blip r:embed="rId2" cstate="print"/>
+          <a:srcRect/>
+          <a:stretch>
+            <a:fillRect/>
+          </a:stretch>
+        </p:blipFill>
+        <p:spPr bwMode="auto">
+          <a:xfrm>
+            <a:off x="493017" y="2060848"/>
+            <a:ext cx="3545633" cy="2736304"/>
+          </a:xfrm>
+          <a:prstGeom prst="rect">
+            <a:avLst/>
+          </a:prstGeom>
+          <a:noFill/>
+          <a:ln w="9525">
+            <a:noFill/>
+            <a:miter lim="800000"/>
+            <a:headEnd/>
+            <a:tailEnd/>
+          </a:ln>
+        </p:spPr>
+      </p:pic>
+    </p:spTree>
+  </p:cSld>
+  <p:clrMapOvr>
+    <a:masterClrMapping/>
+  </p:clrMapOvr>
+</p:sld>
+</file>
+
+<file path=ppt/slides/slide18.xml><?xml version="1.0" encoding="utf-8"?>
+<p:sld xmlns:a="http://schemas.openxmlformats.org/drawingml/2006/main" xmlns:r="http://schemas.openxmlformats.org/officeDocument/2006/relationships" xmlns:p="http://schemas.openxmlformats.org/presentationml/2006/main">
+  <p:cSld>
+    <p:spTree>
+      <p:nvGrpSpPr>
+        <p:cNvPr id="1" name=""/>
+        <p:cNvGrpSpPr/>
+        <p:nvPr/>
+      </p:nvGrpSpPr>
+      <p:grpSpPr>
+        <a:xfrm>
+          <a:off x="0" y="0"/>
+          <a:ext cx="0" cy="0"/>
+          <a:chOff x="0" y="0"/>
+          <a:chExt cx="0" cy="0"/>
+        </a:xfrm>
+      </p:grpSpPr>
+      <p:sp>
+        <p:nvSpPr>
+          <p:cNvPr id="3" name="제목 2"/>
+          <p:cNvSpPr>
+            <a:spLocks noGrp="1"/>
+          </p:cNvSpPr>
+          <p:nvPr>
+            <p:ph type="title"/>
+          </p:nvPr>
+        </p:nvSpPr>
+        <p:spPr/>
+        <p:txBody>
+          <a:bodyPr>
+            <a:normAutofit/>
+          </a:bodyPr>
+          <a:lstStyle/>
+          <a:p>
+            <a:r>
+              <a:rPr lang="en-US" altLang="ko-KR" dirty="0" smtClean="0"/>
+              <a:t>Transistor-</a:t>
+            </a:r>
+            <a:r>
+              <a:rPr lang="ko-KR" altLang="en-US" dirty="0" smtClean="0"/>
+              <a:t> 전압레벨 변환 방법</a:t>
+            </a:r>
+            <a:endParaRPr lang="ko-KR" altLang="en-US" dirty="0"/>
+          </a:p>
+        </p:txBody>
+      </p:sp>
+      <p:sp>
+        <p:nvSpPr>
+          <p:cNvPr id="4" name="내용 개체 틀 3"/>
+          <p:cNvSpPr>
+            <a:spLocks noGrp="1"/>
+          </p:cNvSpPr>
+          <p:nvPr>
+            <p:ph idx="1"/>
+          </p:nvPr>
+        </p:nvSpPr>
+        <p:spPr>
+          <a:xfrm>
+            <a:off x="4067944" y="1484784"/>
+            <a:ext cx="4618856" cy="5040560"/>
+          </a:xfrm>
+        </p:spPr>
+        <p:txBody>
+          <a:bodyPr>
+            <a:noAutofit/>
+          </a:bodyPr>
+          <a:lstStyle/>
+          <a:p>
+            <a:pPr>
+              <a:buFont typeface="Wingdings" pitchFamily="2" charset="2"/>
+              <a:buChar char="v"/>
+            </a:pPr>
+            <a:r>
               <a:rPr lang="en-US" altLang="ko-KR" sz="1600" dirty="0" smtClean="0"/>
               <a:t>(b) </a:t>
             </a:r>
@@ -7098,291 +7389,6 @@
 </p:sld>
 </file>
 
-<file path=ppt/slides/slide18.xml><?xml version="1.0" encoding="utf-8"?>
-<p:sld xmlns:a="http://schemas.openxmlformats.org/drawingml/2006/main" xmlns:r="http://schemas.openxmlformats.org/officeDocument/2006/relationships" xmlns:p="http://schemas.openxmlformats.org/presentationml/2006/main">
-  <p:cSld>
-    <p:spTree>
-      <p:nvGrpSpPr>
-        <p:cNvPr id="1" name=""/>
-        <p:cNvGrpSpPr/>
-        <p:nvPr/>
-      </p:nvGrpSpPr>
-      <p:grpSpPr>
-        <a:xfrm>
-          <a:off x="0" y="0"/>
-          <a:ext cx="0" cy="0"/>
-          <a:chOff x="0" y="0"/>
-          <a:chExt cx="0" cy="0"/>
-        </a:xfrm>
-      </p:grpSpPr>
-      <p:sp>
-        <p:nvSpPr>
-          <p:cNvPr id="3" name="제목 2"/>
-          <p:cNvSpPr>
-            <a:spLocks noGrp="1"/>
-          </p:cNvSpPr>
-          <p:nvPr>
-            <p:ph type="title"/>
-          </p:nvPr>
-        </p:nvSpPr>
-        <p:spPr/>
-        <p:txBody>
-          <a:bodyPr>
-            <a:normAutofit fontScale="90000"/>
-          </a:bodyPr>
-          <a:lstStyle/>
-          <a:p>
-            <a:r>
-              <a:rPr lang="en-US" altLang="ko-KR" dirty="0" smtClean="0"/>
-              <a:t>Transistor </a:t>
-            </a:r>
-            <a:r>
-              <a:rPr lang="en-US" altLang="ko-KR" sz="4000" dirty="0" smtClean="0"/>
-              <a:t>–</a:t>
-            </a:r>
-            <a:r>
-              <a:rPr lang="ko-KR" altLang="en-US" sz="4000" dirty="0" smtClean="0"/>
-              <a:t> </a:t>
-            </a:r>
-            <a:r>
-              <a:rPr lang="ko-KR" altLang="en-US" sz="3600" dirty="0" smtClean="0"/>
-              <a:t>아날로그 회로에서 사용법</a:t>
-            </a:r>
-            <a:endParaRPr lang="ko-KR" altLang="en-US" dirty="0"/>
-          </a:p>
-        </p:txBody>
-      </p:sp>
-      <p:sp>
-        <p:nvSpPr>
-          <p:cNvPr id="6" name="내용 개체 틀 5"/>
-          <p:cNvSpPr>
-            <a:spLocks noGrp="1"/>
-          </p:cNvSpPr>
-          <p:nvPr>
-            <p:ph idx="1"/>
-          </p:nvPr>
-        </p:nvSpPr>
-        <p:spPr/>
-        <p:txBody>
-          <a:bodyPr>
-            <a:normAutofit fontScale="92500" lnSpcReduction="20000"/>
-          </a:bodyPr>
-          <a:lstStyle/>
-          <a:p>
-            <a:r>
-              <a:rPr lang="ko-KR" altLang="en-US" dirty="0" smtClean="0"/>
-              <a:t>아날로그 신호를 증폭하기 위한 기본 회로는 대부분 </a:t>
-            </a:r>
-            <a:r>
-              <a:rPr lang="ko-KR" altLang="en-US" dirty="0" err="1" smtClean="0"/>
-              <a:t>이미터</a:t>
-            </a:r>
-            <a:r>
-              <a:rPr lang="ko-KR" altLang="en-US" dirty="0" smtClean="0"/>
-              <a:t> 접지 회로를 사용하며 최대한 깨끗하게 입력 신호를 증폭하도록 해야 합니다</a:t>
-            </a:r>
-            <a:r>
-              <a:rPr lang="en-US" altLang="ko-KR" dirty="0" smtClean="0"/>
-              <a:t>.</a:t>
-            </a:r>
-          </a:p>
-          <a:p>
-            <a:pPr lvl="1"/>
-            <a:r>
-              <a:rPr lang="ko-KR" altLang="en-US" sz="2000" dirty="0" smtClean="0"/>
-              <a:t>그 기본회로는 다음 그림과 같으며 회로정수의 결정방법은 아래와 같은 순서로 행합니다．</a:t>
-            </a:r>
-          </a:p>
-          <a:p>
-            <a:pPr lvl="1"/>
-            <a:r>
-              <a:rPr lang="ko-KR" altLang="en-US" sz="2000" dirty="0" smtClean="0"/>
-              <a:t>여기로 미리 사용할 전원전압（</a:t>
-            </a:r>
-            <a:r>
-              <a:rPr lang="en-US" altLang="ko-KR" sz="2000" dirty="0" err="1" smtClean="0"/>
-              <a:t>Vcc</a:t>
-            </a:r>
-            <a:r>
-              <a:rPr lang="en-US" altLang="ko-KR" sz="2000" dirty="0" smtClean="0"/>
-              <a:t>)</a:t>
-            </a:r>
-            <a:r>
-              <a:rPr lang="ko-KR" altLang="en-US" sz="2000" dirty="0" smtClean="0"/>
-              <a:t>은 정해 있는 것으로 하고 사용할 트랜지스터의 전류 증폭율</a:t>
-            </a:r>
-            <a:r>
-              <a:rPr lang="en-US" altLang="ko-KR" sz="2000" dirty="0" smtClean="0"/>
-              <a:t>(</a:t>
-            </a:r>
-            <a:r>
-              <a:rPr lang="en-US" altLang="ko-KR" sz="2000" dirty="0" err="1" smtClean="0"/>
-              <a:t>hfe</a:t>
-            </a:r>
-            <a:r>
-              <a:rPr lang="en-US" altLang="ko-KR" sz="2000" dirty="0" smtClean="0"/>
-              <a:t>)</a:t>
-            </a:r>
-            <a:r>
-              <a:rPr lang="ko-KR" altLang="en-US" sz="2000" dirty="0" smtClean="0"/>
-              <a:t>은 </a:t>
-            </a:r>
-            <a:r>
-              <a:rPr lang="en-US" altLang="ko-KR" sz="2000" dirty="0" smtClean="0"/>
-              <a:t>100</a:t>
-            </a:r>
-            <a:r>
-              <a:rPr lang="ko-KR" altLang="en-US" sz="2000" dirty="0" smtClean="0"/>
-              <a:t>으로 가정합니다</a:t>
-            </a:r>
-            <a:r>
-              <a:rPr lang="en-US" altLang="ko-KR" sz="2000" dirty="0" smtClean="0"/>
-              <a:t>. </a:t>
-            </a:r>
-            <a:r>
-              <a:rPr lang="ko-KR" altLang="en-US" sz="2000" dirty="0" smtClean="0"/>
-              <a:t>트랜지스터의 </a:t>
-            </a:r>
-            <a:r>
-              <a:rPr lang="ko-KR" altLang="en-US" sz="2000" dirty="0" err="1" smtClean="0"/>
-              <a:t>선정시는</a:t>
-            </a:r>
-            <a:r>
-              <a:rPr lang="ko-KR" altLang="en-US" sz="2000" dirty="0" smtClean="0"/>
-              <a:t> 주파수 특성이 중요하고 이득 대역폭 </a:t>
-            </a:r>
-            <a:r>
-              <a:rPr lang="en-US" altLang="ko-KR" sz="2000" dirty="0" smtClean="0"/>
-              <a:t>(</a:t>
-            </a:r>
-            <a:r>
-              <a:rPr lang="en-US" altLang="ko-KR" sz="2000" dirty="0" err="1" smtClean="0"/>
-              <a:t>fT</a:t>
-            </a:r>
-            <a:r>
-              <a:rPr lang="en-US" altLang="ko-KR" sz="2000" dirty="0" smtClean="0"/>
-              <a:t>)</a:t>
-            </a:r>
-            <a:r>
-              <a:rPr lang="ko-KR" altLang="en-US" sz="2000" dirty="0" smtClean="0"/>
-              <a:t>이 높은것을 사용할 필요가 있습니다．</a:t>
-            </a:r>
-            <a:endParaRPr lang="en-US" altLang="ko-KR" sz="2000" dirty="0" smtClean="0"/>
-          </a:p>
-          <a:p>
-            <a:pPr lvl="1"/>
-            <a:endParaRPr lang="en-US" altLang="ko-KR" dirty="0" smtClean="0"/>
-          </a:p>
-          <a:p>
-            <a:pPr lvl="1">
-              <a:buNone/>
-            </a:pPr>
-            <a:r>
-              <a:rPr lang="ko-KR" altLang="en-US" dirty="0" smtClean="0"/>
-              <a:t>예：</a:t>
-            </a:r>
-          </a:p>
-          <a:p>
-            <a:pPr lvl="1"/>
-            <a:r>
-              <a:rPr lang="en-US" altLang="ko-KR" dirty="0" err="1" smtClean="0"/>
-              <a:t>fT</a:t>
-            </a:r>
-            <a:r>
-              <a:rPr lang="ko-KR" altLang="en-US" dirty="0" smtClean="0"/>
-              <a:t>가 </a:t>
-            </a:r>
-            <a:r>
-              <a:rPr lang="en-US" altLang="ko-KR" dirty="0" smtClean="0"/>
-              <a:t>200MHz </a:t>
-            </a:r>
-            <a:r>
-              <a:rPr lang="ko-KR" altLang="en-US" dirty="0" smtClean="0"/>
-              <a:t>이고 </a:t>
-            </a:r>
-            <a:r>
-              <a:rPr lang="en-US" altLang="ko-KR" dirty="0" err="1" smtClean="0"/>
-              <a:t>hfe</a:t>
-            </a:r>
-            <a:r>
-              <a:rPr lang="ko-KR" altLang="en-US" dirty="0" smtClean="0"/>
-              <a:t>가 </a:t>
-            </a:r>
-            <a:r>
-              <a:rPr lang="en-US" altLang="ko-KR" dirty="0" smtClean="0"/>
-              <a:t>100</a:t>
-            </a:r>
-            <a:r>
-              <a:rPr lang="ko-KR" altLang="en-US" dirty="0" smtClean="0"/>
-              <a:t>이라면，</a:t>
-            </a:r>
-            <a:r>
-              <a:rPr lang="en-US" altLang="ko-KR" dirty="0" smtClean="0"/>
-              <a:t>200MHz ÷ 100 = 2MHz </a:t>
-            </a:r>
-            <a:r>
-              <a:rPr lang="ko-KR" altLang="en-US" dirty="0" smtClean="0"/>
-              <a:t>로 되어 실제로 사용할 수 있는 주파수는 ２</a:t>
-            </a:r>
-            <a:r>
-              <a:rPr lang="en-US" altLang="ko-KR" dirty="0" smtClean="0"/>
-              <a:t>MHz </a:t>
-            </a:r>
-            <a:r>
-              <a:rPr lang="ko-KR" altLang="en-US" dirty="0" smtClean="0"/>
-              <a:t>정도가 됩니다</a:t>
-            </a:r>
-            <a:r>
-              <a:rPr lang="en-US" altLang="ko-KR" dirty="0" smtClean="0"/>
-              <a:t>.</a:t>
-            </a:r>
-          </a:p>
-          <a:p>
-            <a:pPr lvl="1"/>
-            <a:r>
-              <a:rPr lang="ko-KR" altLang="en-US" dirty="0" smtClean="0"/>
-              <a:t>따라서 </a:t>
-            </a:r>
-            <a:r>
-              <a:rPr lang="en-US" altLang="ko-KR" dirty="0" smtClean="0"/>
-              <a:t>10MHz </a:t>
-            </a:r>
-            <a:r>
-              <a:rPr lang="ko-KR" altLang="en-US" dirty="0" smtClean="0"/>
-              <a:t>이상의 주파수로 사용하려면 </a:t>
-            </a:r>
-            <a:r>
-              <a:rPr lang="en-US" altLang="ko-KR" dirty="0" smtClean="0"/>
-              <a:t>ft</a:t>
-            </a:r>
-            <a:r>
-              <a:rPr lang="ko-KR" altLang="en-US" dirty="0" smtClean="0"/>
-              <a:t>는 </a:t>
-            </a:r>
-            <a:r>
-              <a:rPr lang="en-US" altLang="ko-KR" dirty="0" smtClean="0"/>
-              <a:t>1GHz </a:t>
-            </a:r>
-            <a:r>
-              <a:rPr lang="ko-KR" altLang="en-US" dirty="0" smtClean="0"/>
-              <a:t>이상이 필요하게 됩니다</a:t>
-            </a:r>
-            <a:r>
-              <a:rPr lang="en-US" altLang="ko-KR" dirty="0" smtClean="0"/>
-              <a:t>.</a:t>
-            </a:r>
-            <a:endParaRPr lang="ko-KR" altLang="en-US" dirty="0"/>
-          </a:p>
-        </p:txBody>
-      </p:sp>
-    </p:spTree>
-  </p:cSld>
-  <p:clrMapOvr>
-    <a:masterClrMapping/>
-  </p:clrMapOvr>
-</p:sld>
-</file>
-
 <file path=ppt/slides/slide19.xml><?xml version="1.0" encoding="utf-8"?>
 <p:sld xmlns:a="http://schemas.openxmlformats.org/drawingml/2006/main" xmlns:r="http://schemas.openxmlformats.org/officeDocument/2006/relationships" xmlns:p="http://schemas.openxmlformats.org/presentationml/2006/main">
   <p:cSld>
@@ -7439,7 +7445,7 @@
       </p:sp>
       <p:sp>
         <p:nvSpPr>
-          <p:cNvPr id="4" name="내용 개체 틀 3"/>
+          <p:cNvPr id="6" name="내용 개체 틀 5"/>
           <p:cNvSpPr>
             <a:spLocks noGrp="1"/>
           </p:cNvSpPr>
@@ -7447,257 +7453,219 @@
             <p:ph idx="1"/>
           </p:nvPr>
         </p:nvSpPr>
-        <p:spPr>
-          <a:xfrm>
-            <a:off x="4067944" y="1484784"/>
-            <a:ext cx="4618856" cy="4522507"/>
-          </a:xfrm>
-        </p:spPr>
+        <p:spPr/>
         <p:txBody>
           <a:bodyPr>
-            <a:normAutofit/>
+            <a:normAutofit fontScale="92500" lnSpcReduction="20000"/>
           </a:bodyPr>
           <a:lstStyle/>
           <a:p>
-            <a:pPr>
+            <a:r>
+              <a:rPr lang="ko-KR" altLang="en-US" dirty="0" smtClean="0"/>
+              <a:t>아날로그 신호를 증폭하기 위한 기본 회로는 대부분 </a:t>
+            </a:r>
+            <a:r>
+              <a:rPr lang="ko-KR" altLang="en-US" dirty="0" err="1" smtClean="0"/>
+              <a:t>이미터</a:t>
+            </a:r>
+            <a:r>
+              <a:rPr lang="ko-KR" altLang="en-US" dirty="0" smtClean="0"/>
+              <a:t> 접지 회로를 사용하며 최대한 깨끗하게 입력 신호를 증폭하도록 해야 합니다</a:t>
+            </a:r>
+            <a:r>
+              <a:rPr lang="en-US" altLang="ko-KR" dirty="0" smtClean="0"/>
+              <a:t>.</a:t>
+            </a:r>
+          </a:p>
+          <a:p>
+            <a:pPr lvl="1"/>
+            <a:r>
+              <a:rPr lang="ko-KR" altLang="en-US" sz="2000" dirty="0" smtClean="0"/>
+              <a:t>그 기본회로는 다음 그림과 같으며 회로정수의 결정방법은 아래와 같은 순서로 행합니다．</a:t>
+            </a:r>
+          </a:p>
+          <a:p>
+            <a:pPr lvl="1"/>
+            <a:r>
+              <a:rPr lang="ko-KR" altLang="en-US" sz="2000" dirty="0" smtClean="0"/>
+              <a:t>여기로 미리 사용할 전원전압（</a:t>
+            </a:r>
+            <a:r>
+              <a:rPr lang="en-US" altLang="ko-KR" sz="2000" dirty="0" err="1" smtClean="0"/>
+              <a:t>Vcc</a:t>
+            </a:r>
+            <a:r>
+              <a:rPr lang="en-US" altLang="ko-KR" sz="2000" dirty="0" smtClean="0"/>
+              <a:t>)</a:t>
+            </a:r>
+            <a:r>
+              <a:rPr lang="ko-KR" altLang="en-US" sz="2000" dirty="0" smtClean="0"/>
+              <a:t>은 정해 있는 것으로 하고 사용할 트랜지스터의 전류 증폭율</a:t>
+            </a:r>
+            <a:r>
+              <a:rPr lang="en-US" altLang="ko-KR" sz="2000" dirty="0" smtClean="0"/>
+              <a:t>(</a:t>
+            </a:r>
+            <a:r>
+              <a:rPr lang="en-US" altLang="ko-KR" sz="2000" dirty="0" err="1" smtClean="0"/>
+              <a:t>hfe</a:t>
+            </a:r>
+            <a:r>
+              <a:rPr lang="en-US" altLang="ko-KR" sz="2000" dirty="0" smtClean="0"/>
+              <a:t>)</a:t>
+            </a:r>
+            <a:r>
+              <a:rPr lang="ko-KR" altLang="en-US" sz="2000" dirty="0" smtClean="0"/>
+              <a:t>은 </a:t>
+            </a:r>
+            <a:r>
+              <a:rPr lang="en-US" altLang="ko-KR" sz="2000" dirty="0" smtClean="0"/>
+              <a:t>100</a:t>
+            </a:r>
+            <a:r>
+              <a:rPr lang="ko-KR" altLang="en-US" sz="2000" dirty="0" smtClean="0"/>
+              <a:t>으로 가정합니다</a:t>
+            </a:r>
+            <a:r>
+              <a:rPr lang="en-US" altLang="ko-KR" sz="2000" dirty="0" smtClean="0"/>
+              <a:t>. </a:t>
+            </a:r>
+            <a:r>
+              <a:rPr lang="ko-KR" altLang="en-US" sz="2000" dirty="0" smtClean="0"/>
+              <a:t>트랜지스터의 </a:t>
+            </a:r>
+            <a:r>
+              <a:rPr lang="ko-KR" altLang="en-US" sz="2000" dirty="0" err="1" smtClean="0"/>
+              <a:t>선정시는</a:t>
+            </a:r>
+            <a:r>
+              <a:rPr lang="ko-KR" altLang="en-US" sz="2000" dirty="0" smtClean="0"/>
+              <a:t> 주파수 특성이 중요하고 이득 대역폭 </a:t>
+            </a:r>
+            <a:r>
+              <a:rPr lang="en-US" altLang="ko-KR" sz="2000" dirty="0" smtClean="0"/>
+              <a:t>(</a:t>
+            </a:r>
+            <a:r>
+              <a:rPr lang="en-US" altLang="ko-KR" sz="2000" dirty="0" err="1" smtClean="0"/>
+              <a:t>fT</a:t>
+            </a:r>
+            <a:r>
+              <a:rPr lang="en-US" altLang="ko-KR" sz="2000" dirty="0" smtClean="0"/>
+              <a:t>)</a:t>
+            </a:r>
+            <a:r>
+              <a:rPr lang="ko-KR" altLang="en-US" sz="2000" dirty="0" smtClean="0"/>
+              <a:t>이 높은것을 사용할 필요가 있습니다．</a:t>
+            </a:r>
+            <a:endParaRPr lang="en-US" altLang="ko-KR" sz="2000" dirty="0" smtClean="0"/>
+          </a:p>
+          <a:p>
+            <a:pPr lvl="1"/>
+            <a:endParaRPr lang="en-US" altLang="ko-KR" dirty="0" smtClean="0"/>
+          </a:p>
+          <a:p>
+            <a:pPr lvl="1">
               <a:buNone/>
             </a:pPr>
             <a:r>
-              <a:rPr lang="en-US" altLang="ko-KR" sz="2000" dirty="0" smtClean="0"/>
-              <a:t>1. </a:t>
-            </a:r>
-            <a:r>
-              <a:rPr lang="ko-KR" altLang="en-US" sz="2000" dirty="0" err="1" smtClean="0"/>
-              <a:t>컬렉터</a:t>
-            </a:r>
-            <a:r>
-              <a:rPr lang="ko-KR" altLang="en-US" sz="2000" dirty="0" smtClean="0"/>
-              <a:t> 저항（</a:t>
-            </a:r>
-            <a:r>
-              <a:rPr lang="en-US" altLang="ko-KR" sz="2000" dirty="0" err="1" smtClean="0"/>
-              <a:t>Rc</a:t>
-            </a:r>
-            <a:r>
-              <a:rPr lang="en-US" altLang="ko-KR" sz="2000" dirty="0" smtClean="0"/>
-              <a:t>)</a:t>
-            </a:r>
-            <a:r>
-              <a:rPr lang="ko-KR" altLang="en-US" sz="2000" dirty="0" smtClean="0"/>
-              <a:t>의 결정</a:t>
-            </a:r>
-            <a:endParaRPr lang="en-US" altLang="ko-KR" sz="2000" dirty="0" smtClean="0"/>
-          </a:p>
-          <a:p>
-            <a:pPr>
-              <a:buNone/>
-            </a:pPr>
-            <a:endParaRPr lang="en-US" altLang="ko-KR" sz="2000" dirty="0" smtClean="0"/>
-          </a:p>
-          <a:p>
-            <a:r>
-              <a:rPr lang="ko-KR" altLang="en-US" sz="1600" dirty="0" smtClean="0"/>
-              <a:t>이것은 부하전류（</a:t>
-            </a:r>
-            <a:r>
-              <a:rPr lang="en-US" altLang="ko-KR" sz="1600" dirty="0" err="1" smtClean="0"/>
-              <a:t>Ic</a:t>
-            </a:r>
-            <a:r>
-              <a:rPr lang="en-US" altLang="ko-KR" sz="1600" dirty="0" smtClean="0"/>
-              <a:t>)</a:t>
-            </a:r>
-            <a:r>
-              <a:rPr lang="ko-KR" altLang="en-US" sz="1600" dirty="0" smtClean="0"/>
-              <a:t>를 고려해서 결정해야 합니다</a:t>
-            </a:r>
-            <a:r>
-              <a:rPr lang="en-US" altLang="ko-KR" sz="1600" dirty="0" smtClean="0"/>
+              <a:rPr lang="ko-KR" altLang="en-US" dirty="0" smtClean="0"/>
+              <a:t>예：</a:t>
+            </a:r>
+          </a:p>
+          <a:p>
+            <a:pPr lvl="1"/>
+            <a:r>
+              <a:rPr lang="en-US" altLang="ko-KR" dirty="0" err="1" smtClean="0"/>
+              <a:t>fT</a:t>
+            </a:r>
+            <a:r>
+              <a:rPr lang="ko-KR" altLang="en-US" dirty="0" smtClean="0"/>
+              <a:t>가 </a:t>
+            </a:r>
+            <a:r>
+              <a:rPr lang="en-US" altLang="ko-KR" dirty="0" smtClean="0"/>
+              <a:t>200MHz </a:t>
+            </a:r>
+            <a:r>
+              <a:rPr lang="ko-KR" altLang="en-US" dirty="0" smtClean="0"/>
+              <a:t>이고 </a:t>
+            </a:r>
+            <a:r>
+              <a:rPr lang="en-US" altLang="ko-KR" dirty="0" err="1" smtClean="0"/>
+              <a:t>hfe</a:t>
+            </a:r>
+            <a:r>
+              <a:rPr lang="ko-KR" altLang="en-US" dirty="0" smtClean="0"/>
+              <a:t>가 </a:t>
+            </a:r>
+            <a:r>
+              <a:rPr lang="en-US" altLang="ko-KR" dirty="0" smtClean="0"/>
+              <a:t>100</a:t>
+            </a:r>
+            <a:r>
+              <a:rPr lang="ko-KR" altLang="en-US" dirty="0" smtClean="0"/>
+              <a:t>이라면，</a:t>
+            </a:r>
+            <a:r>
+              <a:rPr lang="en-US" altLang="ko-KR" dirty="0" smtClean="0"/>
+              <a:t>200MHz ÷ 100 = 2MHz </a:t>
+            </a:r>
+            <a:r>
+              <a:rPr lang="ko-KR" altLang="en-US" dirty="0" smtClean="0"/>
+              <a:t>로 되어 실제로 사용할 수 있는 주파수는 ２</a:t>
+            </a:r>
+            <a:r>
+              <a:rPr lang="en-US" altLang="ko-KR" dirty="0" smtClean="0"/>
+              <a:t>MHz </a:t>
+            </a:r>
+            <a:r>
+              <a:rPr lang="ko-KR" altLang="en-US" dirty="0" smtClean="0"/>
+              <a:t>정도가 됩니다</a:t>
+            </a:r>
+            <a:r>
+              <a:rPr lang="en-US" altLang="ko-KR" dirty="0" smtClean="0"/>
               <a:t>.</a:t>
             </a:r>
           </a:p>
           <a:p>
-            <a:r>
-              <a:rPr lang="ko-KR" altLang="en-US" sz="1600" dirty="0" smtClean="0"/>
-              <a:t>파워가 필요한 </a:t>
-            </a:r>
-            <a:r>
-              <a:rPr lang="ko-KR" altLang="en-US" sz="1600" dirty="0" err="1" smtClean="0"/>
-              <a:t>드라이브일때는</a:t>
-            </a:r>
-            <a:r>
-              <a:rPr lang="ko-KR" altLang="en-US" sz="1600" dirty="0" smtClean="0"/>
-              <a:t> 수 １００ｍ</a:t>
-            </a:r>
-            <a:r>
-              <a:rPr lang="en-US" altLang="ko-KR" sz="1600" dirty="0" smtClean="0"/>
-              <a:t>A </a:t>
-            </a:r>
-            <a:r>
-              <a:rPr lang="ko-KR" altLang="en-US" sz="1600" dirty="0" smtClean="0"/>
-              <a:t>정도가 필요하며 통상은 수 ｍ</a:t>
-            </a:r>
-            <a:r>
-              <a:rPr lang="en-US" altLang="ko-KR" sz="1600" dirty="0" smtClean="0"/>
-              <a:t>A ~ </a:t>
-            </a:r>
-            <a:r>
-              <a:rPr lang="ko-KR" altLang="en-US" sz="1600" dirty="0" smtClean="0"/>
-              <a:t>수 １０ｍ</a:t>
-            </a:r>
-            <a:r>
-              <a:rPr lang="en-US" altLang="ko-KR" sz="1600" dirty="0" smtClean="0"/>
-              <a:t>A </a:t>
-            </a:r>
-            <a:r>
-              <a:rPr lang="ko-KR" altLang="en-US" sz="1600" dirty="0" smtClean="0"/>
-              <a:t>정도가 일반적입니다．</a:t>
-            </a:r>
-          </a:p>
-          <a:p>
-            <a:r>
-              <a:rPr lang="en-US" altLang="ko-KR" sz="1600" dirty="0" err="1" smtClean="0"/>
-              <a:t>Rc</a:t>
-            </a:r>
-            <a:r>
-              <a:rPr lang="ko-KR" altLang="en-US" sz="1600" dirty="0" smtClean="0"/>
-              <a:t>는 무신호시 출력전압이 전원 전압의 １／２이 되도록 하면 되며</a:t>
-            </a:r>
-          </a:p>
-          <a:p>
-            <a:r>
-              <a:rPr lang="en-US" altLang="ko-KR" sz="1600" dirty="0" err="1" smtClean="0"/>
-              <a:t>Rc</a:t>
-            </a:r>
-            <a:r>
-              <a:rPr lang="en-US" altLang="ko-KR" sz="1600" dirty="0" smtClean="0"/>
-              <a:t> = </a:t>
-            </a:r>
-            <a:r>
-              <a:rPr lang="ko-KR" altLang="en-US" sz="1600" dirty="0" smtClean="0"/>
-              <a:t>（</a:t>
-            </a:r>
-            <a:r>
-              <a:rPr lang="en-US" altLang="ko-KR" sz="1600" dirty="0" err="1" smtClean="0"/>
-              <a:t>Vcc</a:t>
-            </a:r>
-            <a:r>
-              <a:rPr lang="en-US" altLang="ko-KR" sz="1600" dirty="0" smtClean="0"/>
-              <a:t>/2) ÷ </a:t>
-            </a:r>
-            <a:r>
-              <a:rPr lang="en-US" altLang="ko-KR" sz="1600" dirty="0" err="1" smtClean="0"/>
-              <a:t>Ic</a:t>
-            </a:r>
-            <a:r>
-              <a:rPr lang="en-US" altLang="ko-KR" sz="1600" dirty="0" smtClean="0"/>
-              <a:t> </a:t>
-            </a:r>
-            <a:r>
-              <a:rPr lang="ko-KR" altLang="en-US" sz="1600" dirty="0" smtClean="0"/>
-              <a:t>로 계산하면 구할 수 있습니다</a:t>
-            </a:r>
-            <a:r>
-              <a:rPr lang="en-US" altLang="ko-KR" sz="1600" dirty="0" smtClean="0"/>
+            <a:pPr lvl="1"/>
+            <a:r>
+              <a:rPr lang="ko-KR" altLang="en-US" dirty="0" smtClean="0"/>
+              <a:t>따라서 </a:t>
+            </a:r>
+            <a:r>
+              <a:rPr lang="en-US" altLang="ko-KR" dirty="0" smtClean="0"/>
+              <a:t>10MHz </a:t>
+            </a:r>
+            <a:r>
+              <a:rPr lang="ko-KR" altLang="en-US" dirty="0" smtClean="0"/>
+              <a:t>이상의 주파수로 사용하려면 </a:t>
+            </a:r>
+            <a:r>
+              <a:rPr lang="en-US" altLang="ko-KR" dirty="0" smtClean="0"/>
+              <a:t>ft</a:t>
+            </a:r>
+            <a:r>
+              <a:rPr lang="ko-KR" altLang="en-US" dirty="0" smtClean="0"/>
+              <a:t>는 </a:t>
+            </a:r>
+            <a:r>
+              <a:rPr lang="en-US" altLang="ko-KR" dirty="0" smtClean="0"/>
+              <a:t>1GHz </a:t>
+            </a:r>
+            <a:r>
+              <a:rPr lang="ko-KR" altLang="en-US" dirty="0" smtClean="0"/>
+              <a:t>이상이 필요하게 됩니다</a:t>
+            </a:r>
+            <a:r>
+              <a:rPr lang="en-US" altLang="ko-KR" dirty="0" smtClean="0"/>
               <a:t>.</a:t>
             </a:r>
-          </a:p>
-          <a:p>
-            <a:pPr>
-              <a:buNone/>
-            </a:pPr>
-            <a:r>
-              <a:rPr lang="en-US" altLang="ko-KR" sz="1600" dirty="0" smtClean="0"/>
-              <a:t>(</a:t>
-            </a:r>
-            <a:r>
-              <a:rPr lang="ko-KR" altLang="en-US" sz="1600" dirty="0" smtClean="0"/>
-              <a:t>예：</a:t>
-            </a:r>
-            <a:r>
-              <a:rPr lang="en-US" altLang="ko-KR" sz="1600" dirty="0" err="1" smtClean="0"/>
-              <a:t>Vcc</a:t>
-            </a:r>
-            <a:r>
-              <a:rPr lang="en-US" altLang="ko-KR" sz="1600" dirty="0" smtClean="0"/>
-              <a:t>=5V </a:t>
-            </a:r>
-            <a:r>
-              <a:rPr lang="en-US" altLang="ko-KR" sz="1600" dirty="0" err="1" smtClean="0"/>
-              <a:t>Ic</a:t>
-            </a:r>
-            <a:r>
-              <a:rPr lang="en-US" altLang="ko-KR" sz="1600" dirty="0" smtClean="0"/>
-              <a:t>=</a:t>
-            </a:r>
-            <a:r>
-              <a:rPr lang="ko-KR" altLang="en-US" sz="1600" dirty="0" smtClean="0"/>
-              <a:t>２</a:t>
-            </a:r>
-            <a:r>
-              <a:rPr lang="en-US" altLang="ko-KR" sz="1600" dirty="0" err="1" smtClean="0"/>
-              <a:t>mA</a:t>
-            </a:r>
-            <a:r>
-              <a:rPr lang="en-US" altLang="ko-KR" sz="1600" dirty="0" smtClean="0"/>
-              <a:t> </a:t>
-            </a:r>
-            <a:r>
-              <a:rPr lang="ko-KR" altLang="en-US" sz="1600" dirty="0" smtClean="0"/>
-              <a:t>라면 </a:t>
-            </a:r>
-            <a:r>
-              <a:rPr lang="en-US" altLang="ko-KR" sz="1600" dirty="0" err="1" smtClean="0"/>
-              <a:t>Rc</a:t>
-            </a:r>
-            <a:r>
-              <a:rPr lang="en-US" altLang="ko-KR" sz="1600" dirty="0" smtClean="0"/>
-              <a:t>=1.25KΩ = </a:t>
-            </a:r>
-            <a:r>
-              <a:rPr lang="ko-KR" altLang="en-US" sz="1600" dirty="0" smtClean="0"/>
-              <a:t>약</a:t>
-            </a:r>
-            <a:r>
-              <a:rPr lang="en-US" altLang="ko-KR" sz="1600" dirty="0" smtClean="0"/>
-              <a:t>1KΩ)</a:t>
-            </a:r>
-            <a:endParaRPr lang="ko-KR" altLang="en-US" sz="1600" dirty="0"/>
-          </a:p>
-        </p:txBody>
-      </p:sp>
-      <p:pic>
-        <p:nvPicPr>
-          <p:cNvPr id="5122" name="Picture 2"/>
-          <p:cNvPicPr>
-            <a:picLocks noChangeAspect="1" noChangeArrowheads="1"/>
-          </p:cNvPicPr>
-          <p:nvPr/>
-        </p:nvPicPr>
-        <p:blipFill>
-          <a:blip r:embed="rId2" cstate="print"/>
-          <a:srcRect/>
-          <a:stretch>
-            <a:fillRect/>
-          </a:stretch>
-        </p:blipFill>
-        <p:spPr bwMode="auto">
-          <a:xfrm>
-            <a:off x="179512" y="2276872"/>
-            <a:ext cx="3927059" cy="2995414"/>
-          </a:xfrm>
-          <a:prstGeom prst="rect">
-            <a:avLst/>
-          </a:prstGeom>
-          <a:noFill/>
-          <a:ln w="9525">
-            <a:noFill/>
-            <a:miter lim="800000"/>
-            <a:headEnd/>
-            <a:tailEnd/>
-          </a:ln>
-        </p:spPr>
-      </p:pic>
+            <a:endParaRPr lang="ko-KR" altLang="en-US" dirty="0"/>
+          </a:p>
+        </p:txBody>
+      </p:sp>
     </p:spTree>
   </p:cSld>
   <p:clrMapOvr>
@@ -7888,23 +7856,27 @@
             </a:pPr>
             <a:r>
               <a:rPr lang="en-US" altLang="ko-KR" sz="2000" dirty="0" smtClean="0"/>
-              <a:t>2. </a:t>
+              <a:t>1. </a:t>
             </a:r>
             <a:r>
               <a:rPr lang="ko-KR" altLang="en-US" sz="2000" dirty="0" err="1" smtClean="0"/>
-              <a:t>이미터</a:t>
+              <a:t>컬렉터</a:t>
             </a:r>
             <a:r>
               <a:rPr lang="ko-KR" altLang="en-US" sz="2000" dirty="0" smtClean="0"/>
               <a:t> 저항（</a:t>
             </a:r>
             <a:r>
-              <a:rPr lang="en-US" altLang="ko-KR" sz="2000" dirty="0" smtClean="0"/>
-              <a:t>Re</a:t>
-            </a:r>
-            <a:r>
-              <a:rPr lang="ko-KR" altLang="en-US" sz="2000" dirty="0" smtClean="0"/>
-              <a:t>）의 결정</a:t>
+              <a:rPr lang="en-US" altLang="ko-KR" sz="2000" dirty="0" err="1" smtClean="0"/>
+              <a:t>Rc</a:t>
+            </a:r>
+            <a:r>
+              <a:rPr lang="en-US" altLang="ko-KR" sz="2000" dirty="0" smtClean="0"/>
+              <a:t>)</a:t>
+            </a:r>
+            <a:r>
+              <a:rPr lang="ko-KR" altLang="en-US" sz="2000" dirty="0" smtClean="0"/>
+              <a:t>의 결정</a:t>
             </a:r>
             <a:endParaRPr lang="en-US" altLang="ko-KR" sz="2000" dirty="0" smtClean="0"/>
           </a:p>
@@ -7917,53 +7889,109 @@
           <a:p>
             <a:r>
               <a:rPr lang="ko-KR" altLang="en-US" sz="1600" dirty="0" smtClean="0"/>
-              <a:t>이 저항은 입력신호가 １</a:t>
+              <a:t>이것은 부하전류（</a:t>
+            </a:r>
+            <a:r>
+              <a:rPr lang="en-US" altLang="ko-KR" sz="1600" dirty="0" err="1" smtClean="0"/>
+              <a:t>Ic</a:t>
             </a:r>
             <a:r>
               <a:rPr lang="en-US" altLang="ko-KR" sz="1600" dirty="0" smtClean="0"/>
-              <a:t>V </a:t>
+              <a:t>)</a:t>
             </a:r>
             <a:r>
               <a:rPr lang="ko-KR" altLang="en-US" sz="1600" dirty="0" smtClean="0"/>
-              <a:t>이상이 되어도 출력이 포화하지 않도록 하여 신호를 깨끗하게 증폭 할 수 있도록 합니다</a:t>
+              <a:t>를 고려해서 결정해야 합니다</a:t>
             </a:r>
             <a:r>
               <a:rPr lang="en-US" altLang="ko-KR" sz="1600" dirty="0" smtClean="0"/>
-              <a:t>. </a:t>
+              <a:t>.</a:t>
             </a:r>
           </a:p>
           <a:p>
             <a:r>
               <a:rPr lang="ko-KR" altLang="en-US" sz="1600" dirty="0" smtClean="0"/>
-              <a:t>값의 결정은 </a:t>
+              <a:t>파워가 필요한 </a:t>
             </a:r>
             <a:r>
               <a:rPr lang="ko-KR" altLang="en-US" sz="1600" dirty="0" err="1" smtClean="0"/>
-              <a:t>러프하게</a:t>
+              <a:t>드라이브일때는</a:t>
             </a:r>
             <a:r>
               <a:rPr lang="ko-KR" altLang="en-US" sz="1600" dirty="0" smtClean="0"/>
-              <a:t> 생각해도 좋으며 통상 </a:t>
-            </a:r>
+              <a:t> 수 １００ｍ</a:t>
+            </a:r>
+            <a:r>
+              <a:rPr lang="en-US" altLang="ko-KR" sz="1600" dirty="0" smtClean="0"/>
+              <a:t>A </a:t>
+            </a:r>
+            <a:r>
+              <a:rPr lang="ko-KR" altLang="en-US" sz="1600" dirty="0" smtClean="0"/>
+              <a:t>정도가 필요하며 통상은 수 ｍ</a:t>
+            </a:r>
+            <a:r>
+              <a:rPr lang="en-US" altLang="ko-KR" sz="1600" dirty="0" smtClean="0"/>
+              <a:t>A ~ </a:t>
+            </a:r>
+            <a:r>
+              <a:rPr lang="ko-KR" altLang="en-US" sz="1600" dirty="0" smtClean="0"/>
+              <a:t>수 １０ｍ</a:t>
+            </a:r>
+            <a:r>
+              <a:rPr lang="en-US" altLang="ko-KR" sz="1600" dirty="0" smtClean="0"/>
+              <a:t>A </a:t>
+            </a:r>
+            <a:r>
+              <a:rPr lang="ko-KR" altLang="en-US" sz="1600" dirty="0" smtClean="0"/>
+              <a:t>정도가 일반적입니다．</a:t>
+            </a:r>
+          </a:p>
+          <a:p>
             <a:r>
               <a:rPr lang="en-US" altLang="ko-KR" sz="1600" dirty="0" err="1" smtClean="0"/>
               <a:t>Rc</a:t>
             </a:r>
             <a:r>
               <a:rPr lang="ko-KR" altLang="en-US" sz="1600" dirty="0" smtClean="0"/>
-              <a:t>의 </a:t>
+              <a:t>는 무신호시 출력전압이 전원 전압의 １／２이 되도록 하면 되며</a:t>
+            </a:r>
+          </a:p>
+          <a:p>
+            <a:r>
+              <a:rPr lang="en-US" altLang="ko-KR" sz="1600" dirty="0" err="1" smtClean="0"/>
+              <a:t>Rc</a:t>
             </a:r>
             <a:r>
               <a:rPr lang="en-US" altLang="ko-KR" sz="1600" dirty="0" smtClean="0"/>
-              <a:t>1/5 ∼ 1/10 </a:t>
+              <a:t> = </a:t>
             </a:r>
             <a:r>
               <a:rPr lang="ko-KR" altLang="en-US" sz="1600" dirty="0" smtClean="0"/>
-              <a:t>정도면 족합니다</a:t>
+              <a:t>（</a:t>
+            </a:r>
+            <a:r>
+              <a:rPr lang="en-US" altLang="ko-KR" sz="1600" dirty="0" err="1" smtClean="0"/>
+              <a:t>Vcc</a:t>
             </a:r>
             <a:r>
               <a:rPr lang="en-US" altLang="ko-KR" sz="1600" dirty="0" smtClean="0"/>
-              <a:t>. </a:t>
+              <a:t>/2) ÷ </a:t>
+            </a:r>
+            <a:r>
+              <a:rPr lang="en-US" altLang="ko-KR" sz="1600" dirty="0" err="1" smtClean="0"/>
+              <a:t>Ic</a:t>
+            </a:r>
+            <a:r>
+              <a:rPr lang="en-US" altLang="ko-KR" sz="1600" dirty="0" smtClean="0"/>
+              <a:t> </a:t>
+            </a:r>
+            <a:r>
+              <a:rPr lang="ko-KR" altLang="en-US" sz="1600" dirty="0" smtClean="0"/>
+              <a:t>로 계산하면 구할 수 있습니다</a:t>
+            </a:r>
+            <a:r>
+              <a:rPr lang="en-US" altLang="ko-KR" sz="1600" dirty="0" smtClean="0"/>
+              <a:t>.</a:t>
             </a:r>
           </a:p>
           <a:p>
@@ -7972,19 +8000,59 @@
             </a:pPr>
             <a:r>
               <a:rPr lang="en-US" altLang="ko-KR" sz="1600" dirty="0" smtClean="0"/>
-              <a:t>   (</a:t>
+              <a:t>(</a:t>
             </a:r>
             <a:r>
               <a:rPr lang="ko-KR" altLang="en-US" sz="1600" dirty="0" smtClean="0"/>
               <a:t>예：</a:t>
             </a:r>
             <a:r>
+              <a:rPr lang="en-US" altLang="ko-KR" sz="1600" dirty="0" err="1" smtClean="0"/>
+              <a:t>Vcc</a:t>
+            </a:r>
+            <a:r>
               <a:rPr lang="en-US" altLang="ko-KR" sz="1600" dirty="0" smtClean="0"/>
-              <a:t>1KΩ ÷ 5 = 200Ω</a:t>
+              <a:t>=5V </a:t>
+            </a:r>
+            <a:r>
+              <a:rPr lang="en-US" altLang="ko-KR" sz="1600" dirty="0" err="1" smtClean="0"/>
+              <a:t>Ic</a:t>
+            </a:r>
+            <a:r>
+              <a:rPr lang="en-US" altLang="ko-KR" sz="1600" dirty="0" smtClean="0"/>
+              <a:t>=</a:t>
             </a:r>
             <a:r>
               <a:rPr lang="ko-KR" altLang="en-US" sz="1600" dirty="0" smtClean="0"/>
-              <a:t>）</a:t>
+              <a:t>２</a:t>
+            </a:r>
+            <a:r>
+              <a:rPr lang="en-US" altLang="ko-KR" sz="1600" dirty="0" err="1" smtClean="0"/>
+              <a:t>mA</a:t>
+            </a:r>
+            <a:r>
+              <a:rPr lang="en-US" altLang="ko-KR" sz="1600" dirty="0" smtClean="0"/>
+              <a:t> </a:t>
+            </a:r>
+            <a:r>
+              <a:rPr lang="ko-KR" altLang="en-US" sz="1600" dirty="0" smtClean="0"/>
+              <a:t>라면 </a:t>
+            </a:r>
+            <a:r>
+              <a:rPr lang="en-US" altLang="ko-KR" sz="1600" dirty="0" err="1" smtClean="0"/>
+              <a:t>Rc</a:t>
+            </a:r>
+            <a:r>
+              <a:rPr lang="en-US" altLang="ko-KR" sz="1600" dirty="0" smtClean="0"/>
+              <a:t>=1.25KΩ = </a:t>
+            </a:r>
+            <a:r>
+              <a:rPr lang="ko-KR" altLang="en-US" sz="1600" dirty="0" smtClean="0"/>
+              <a:t>약</a:t>
+            </a:r>
+            <a:r>
+              <a:rPr lang="en-US" altLang="ko-KR" sz="1600" dirty="0" smtClean="0"/>
+              <a:t>1KΩ)</a:t>
             </a:r>
             <a:endParaRPr lang="ko-KR" altLang="en-US" sz="1600" dirty="0"/>
           </a:p>
@@ -8102,7 +8170,7 @@
         </p:spPr>
         <p:txBody>
           <a:bodyPr>
-            <a:normAutofit fontScale="92500" lnSpcReduction="20000"/>
+            <a:normAutofit/>
           </a:bodyPr>
           <a:lstStyle/>
           <a:p>
@@ -8111,23 +8179,19 @@
             </a:pPr>
             <a:r>
               <a:rPr lang="en-US" altLang="ko-KR" sz="2000" dirty="0" smtClean="0"/>
-              <a:t>3. </a:t>
-            </a:r>
-            <a:r>
-              <a:rPr lang="ko-KR" altLang="en-US" sz="2000" dirty="0" smtClean="0"/>
-              <a:t>베이스 저항（</a:t>
-            </a:r>
-            <a:r>
-              <a:rPr lang="en-US" altLang="ko-KR" sz="2000" dirty="0" smtClean="0"/>
-              <a:t>R1</a:t>
-            </a:r>
-            <a:r>
-              <a:rPr lang="ko-KR" altLang="en-US" sz="2000" dirty="0" smtClean="0"/>
-              <a:t>과 </a:t>
-            </a:r>
-            <a:r>
-              <a:rPr lang="en-US" altLang="ko-KR" sz="2000" dirty="0" smtClean="0"/>
-              <a:t>R2</a:t>
+              <a:t>2. </a:t>
+            </a:r>
+            <a:r>
+              <a:rPr lang="ko-KR" altLang="en-US" sz="2000" dirty="0" err="1" smtClean="0"/>
+              <a:t>이미터</a:t>
+            </a:r>
+            <a:r>
+              <a:rPr lang="ko-KR" altLang="en-US" sz="2000" dirty="0" smtClean="0"/>
+              <a:t> 저항（</a:t>
+            </a:r>
+            <a:r>
+              <a:rPr lang="en-US" altLang="ko-KR" sz="2000" dirty="0" smtClean="0"/>
+              <a:t>Re</a:t>
             </a:r>
             <a:r>
               <a:rPr lang="ko-KR" altLang="en-US" sz="2000" dirty="0" smtClean="0"/>
@@ -8144,275 +8208,62 @@
           <a:p>
             <a:r>
               <a:rPr lang="ko-KR" altLang="en-US" sz="1600" dirty="0" smtClean="0"/>
-              <a:t>먼저 필요한 베이스 전압（</a:t>
-            </a:r>
-            <a:r>
-              <a:rPr lang="en-US" altLang="ko-KR" sz="1600" dirty="0" err="1" smtClean="0"/>
-              <a:t>Vb</a:t>
+              <a:t>이 저항은 입력신호가 １</a:t>
             </a:r>
             <a:r>
               <a:rPr lang="en-US" altLang="ko-KR" sz="1600" dirty="0" smtClean="0"/>
-              <a:t>)</a:t>
+              <a:t>V </a:t>
             </a:r>
             <a:r>
               <a:rPr lang="ko-KR" altLang="en-US" sz="1600" dirty="0" smtClean="0"/>
-              <a:t>을 구합니다</a:t>
+              <a:t>이상이 되어도 출력이 포화하지 않도록 하여 신호를 깨끗하게 증폭 할 수 있도록 합니다</a:t>
             </a:r>
             <a:r>
               <a:rPr lang="en-US" altLang="ko-KR" sz="1600" dirty="0" smtClean="0"/>
               <a:t>. </a:t>
             </a:r>
+          </a:p>
+          <a:p>
             <a:r>
               <a:rPr lang="ko-KR" altLang="en-US" sz="1600" dirty="0" smtClean="0"/>
-              <a:t>무신호시 </a:t>
+              <a:t>값의 결정은 </a:t>
+            </a:r>
+            <a:r>
+              <a:rPr lang="ko-KR" altLang="en-US" sz="1600" dirty="0" err="1" smtClean="0"/>
+              <a:t>러프하게</a:t>
+            </a:r>
+            <a:r>
+              <a:rPr lang="ko-KR" altLang="en-US" sz="1600" dirty="0" smtClean="0"/>
+              <a:t> 생각해도 좋으며 통상 </a:t>
+            </a:r>
+            <a:r>
+              <a:rPr lang="en-US" altLang="ko-KR" sz="1600" dirty="0" err="1" smtClean="0"/>
+              <a:t>Rc</a:t>
+            </a:r>
+            <a:r>
+              <a:rPr lang="ko-KR" altLang="en-US" sz="1600" dirty="0" smtClean="0"/>
+              <a:t>의 </a:t>
             </a:r>
             <a:r>
               <a:rPr lang="en-US" altLang="ko-KR" sz="1600" dirty="0" smtClean="0"/>
-              <a:t>Re</a:t>
+              <a:t>1/5 ∼ 1/10 </a:t>
             </a:r>
             <a:r>
               <a:rPr lang="ko-KR" altLang="en-US" sz="1600" dirty="0" smtClean="0"/>
-              <a:t>에는 </a:t>
-            </a:r>
-            <a:r>
-              <a:rPr lang="en-US" altLang="ko-KR" sz="1600" dirty="0" err="1" smtClean="0"/>
-              <a:t>Ic</a:t>
-            </a:r>
-            <a:r>
-              <a:rPr lang="ko-KR" altLang="en-US" sz="1600" dirty="0" smtClean="0"/>
-              <a:t>의 전류가 흐르고 있고 베이스 이미터간 전압은 약 </a:t>
+              <a:t>정도면 족합니다</a:t>
             </a:r>
             <a:r>
               <a:rPr lang="en-US" altLang="ko-KR" sz="1600" dirty="0" smtClean="0"/>
-              <a:t>0.6V</a:t>
-            </a:r>
-            <a:r>
-              <a:rPr lang="ko-KR" altLang="en-US" sz="1600" dirty="0" smtClean="0"/>
-              <a:t>로 거의 일정하기 때문에 </a:t>
-            </a:r>
-            <a:r>
-              <a:rPr lang="en-US" altLang="ko-KR" sz="1600" dirty="0" err="1" smtClean="0"/>
-              <a:t>Vb</a:t>
-            </a:r>
-            <a:r>
-              <a:rPr lang="en-US" altLang="ko-KR" sz="1600" dirty="0" smtClean="0"/>
-              <a:t> = </a:t>
-            </a:r>
-            <a:r>
-              <a:rPr lang="en-US" altLang="ko-KR" sz="1600" dirty="0" err="1" smtClean="0"/>
-              <a:t>Ic×Re</a:t>
-            </a:r>
-            <a:r>
-              <a:rPr lang="ko-KR" altLang="en-US" sz="1600" dirty="0" smtClean="0"/>
-              <a:t>＋</a:t>
-            </a:r>
-            <a:r>
-              <a:rPr lang="en-US" altLang="ko-KR" sz="1600" dirty="0" smtClean="0"/>
-              <a:t>0.6</a:t>
-            </a:r>
-            <a:r>
-              <a:rPr lang="ko-KR" altLang="en-US" sz="1600" dirty="0" smtClean="0"/>
-              <a:t>로 됩니다．</a:t>
-            </a:r>
-            <a:endParaRPr lang="en-US" altLang="ko-KR" sz="1600" dirty="0" smtClean="0"/>
+              <a:t>. </a:t>
+            </a:r>
           </a:p>
           <a:p>
             <a:pPr>
               <a:buNone/>
             </a:pPr>
             <a:r>
-              <a:rPr lang="ko-KR" altLang="en-US" sz="1600" dirty="0" smtClean="0"/>
-              <a:t>   （예： </a:t>
-            </a:r>
-            <a:r>
               <a:rPr lang="en-US" altLang="ko-KR" sz="1600" dirty="0" smtClean="0"/>
-              <a:t>2mA × 200Ω</a:t>
-            </a:r>
-            <a:r>
-              <a:rPr lang="ko-KR" altLang="en-US" sz="1600" dirty="0" smtClean="0"/>
-              <a:t>＋</a:t>
-            </a:r>
-            <a:r>
-              <a:rPr lang="en-US" altLang="ko-KR" sz="1600" dirty="0" smtClean="0"/>
-              <a:t>0.6 = 1.0V</a:t>
-            </a:r>
-            <a:r>
-              <a:rPr lang="ko-KR" altLang="en-US" sz="1600" dirty="0" smtClean="0"/>
-              <a:t>）</a:t>
-            </a:r>
-            <a:endParaRPr lang="en-US" altLang="ko-KR" sz="1600" dirty="0" smtClean="0"/>
-          </a:p>
-          <a:p>
-            <a:r>
-              <a:rPr lang="ko-KR" altLang="en-US" sz="1600" dirty="0" smtClean="0"/>
-              <a:t>다음에 필요한 베이스 전류（</a:t>
-            </a:r>
-            <a:r>
-              <a:rPr lang="en-US" altLang="ko-KR" sz="1600" dirty="0" err="1" smtClean="0"/>
-              <a:t>Ib</a:t>
-            </a:r>
-            <a:r>
-              <a:rPr lang="en-US" altLang="ko-KR" sz="1600" dirty="0" smtClean="0"/>
-              <a:t>)</a:t>
-            </a:r>
-            <a:r>
-              <a:rPr lang="ko-KR" altLang="en-US" sz="1600" dirty="0" smtClean="0"/>
-              <a:t>를 전류 </a:t>
-            </a:r>
-            <a:r>
-              <a:rPr lang="ko-KR" altLang="en-US" sz="1600" dirty="0" err="1" smtClean="0"/>
-              <a:t>증폭율</a:t>
-            </a:r>
-            <a:r>
-              <a:rPr lang="en-US" altLang="ko-KR" sz="1600" dirty="0" smtClean="0"/>
-              <a:t>(</a:t>
-            </a:r>
-            <a:r>
-              <a:rPr lang="en-US" altLang="ko-KR" sz="1600" dirty="0" err="1" smtClean="0"/>
-              <a:t>hfe</a:t>
-            </a:r>
-            <a:r>
-              <a:rPr lang="en-US" altLang="ko-KR" sz="1600" dirty="0" smtClean="0"/>
-              <a:t>)</a:t>
-            </a:r>
-            <a:r>
-              <a:rPr lang="ko-KR" altLang="en-US" sz="1600" dirty="0" smtClean="0"/>
-              <a:t>에 의해 계산하면 </a:t>
-            </a:r>
-            <a:r>
-              <a:rPr lang="en-US" altLang="ko-KR" sz="1600" dirty="0" err="1" smtClean="0"/>
-              <a:t>Ib</a:t>
-            </a:r>
-            <a:r>
-              <a:rPr lang="en-US" altLang="ko-KR" sz="1600" dirty="0" smtClean="0"/>
-              <a:t> = </a:t>
-            </a:r>
-            <a:r>
-              <a:rPr lang="en-US" altLang="ko-KR" sz="1600" dirty="0" err="1" smtClean="0"/>
-              <a:t>Ic</a:t>
-            </a:r>
-            <a:r>
-              <a:rPr lang="en-US" altLang="ko-KR" sz="1600" dirty="0" smtClean="0"/>
-              <a:t> ÷ </a:t>
-            </a:r>
-            <a:r>
-              <a:rPr lang="en-US" altLang="ko-KR" sz="1600" dirty="0" err="1" smtClean="0"/>
-              <a:t>hfe</a:t>
-            </a:r>
-            <a:endParaRPr lang="en-US" altLang="ko-KR" sz="1600" dirty="0" smtClean="0"/>
-          </a:p>
-          <a:p>
-            <a:pPr>
-              <a:buNone/>
-            </a:pPr>
-            <a:r>
-              <a:rPr lang="en-US" altLang="ko-KR" sz="1600" dirty="0" smtClean="0"/>
-              <a:t>   </a:t>
-            </a:r>
-            <a:r>
-              <a:rPr lang="ko-KR" altLang="en-US" sz="1600" dirty="0" smtClean="0"/>
-              <a:t>（예：</a:t>
-            </a:r>
-            <a:r>
-              <a:rPr lang="en-US" altLang="ko-KR" sz="1600" dirty="0" smtClean="0"/>
-              <a:t>2mA÷100 = 0.02mA </a:t>
-            </a:r>
-            <a:r>
-              <a:rPr lang="en-US" altLang="ko-KR" sz="1600" dirty="0" err="1" smtClean="0"/>
-              <a:t>hfe</a:t>
-            </a:r>
-            <a:r>
-              <a:rPr lang="en-US" altLang="ko-KR" sz="1600" dirty="0" smtClean="0"/>
-              <a:t>=100</a:t>
-            </a:r>
-            <a:r>
-              <a:rPr lang="ko-KR" altLang="en-US" sz="1600" dirty="0" smtClean="0"/>
-              <a:t>）가 됩니다</a:t>
-            </a:r>
-            <a:r>
-              <a:rPr lang="en-US" altLang="ko-KR" sz="1600" dirty="0" smtClean="0"/>
-              <a:t>.</a:t>
-            </a:r>
-          </a:p>
-          <a:p>
-            <a:r>
-              <a:rPr lang="ko-KR" altLang="en-US" sz="1600" dirty="0" smtClean="0"/>
-              <a:t>여기에서 베이스 저항은 베이스 전류의 １０배 이상의 전류가 흐르게 하여 베이스전류 및 베이스 전압이 변동하지 않도록 하며 </a:t>
-            </a:r>
-            <a:r>
-              <a:rPr lang="en-US" altLang="ko-KR" sz="1600" dirty="0" smtClean="0"/>
-              <a:t>R1</a:t>
-            </a:r>
-            <a:r>
-              <a:rPr lang="ko-KR" altLang="en-US" sz="1600" dirty="0" smtClean="0"/>
-              <a:t>，</a:t>
-            </a:r>
-            <a:r>
-              <a:rPr lang="en-US" altLang="ko-KR" sz="1600" dirty="0" smtClean="0"/>
-              <a:t>R2</a:t>
-            </a:r>
-            <a:r>
-              <a:rPr lang="ko-KR" altLang="en-US" sz="1600" dirty="0" smtClean="0"/>
-              <a:t>는 다음과 같이 계산합니다</a:t>
-            </a:r>
-            <a:r>
-              <a:rPr lang="en-US" altLang="ko-KR" sz="1600" dirty="0" smtClean="0"/>
-              <a:t>. </a:t>
-            </a:r>
-          </a:p>
-          <a:p>
-            <a:pPr>
-              <a:buNone/>
-            </a:pPr>
-            <a:r>
-              <a:rPr lang="en-US" altLang="ko-KR" sz="1600" dirty="0" smtClean="0"/>
-              <a:t>    </a:t>
-            </a:r>
-            <a:r>
-              <a:rPr lang="pt-BR" altLang="ko-KR" sz="1600" dirty="0" smtClean="0"/>
-              <a:t>R1 = </a:t>
-            </a:r>
-            <a:r>
-              <a:rPr lang="ko-KR" altLang="pt-BR" sz="1600" dirty="0" smtClean="0"/>
-              <a:t>（</a:t>
-            </a:r>
-            <a:r>
-              <a:rPr lang="pt-BR" altLang="ko-KR" sz="1600" dirty="0" smtClean="0"/>
-              <a:t>Vcc - Vb) ÷</a:t>
-            </a:r>
-            <a:r>
-              <a:rPr lang="ko-KR" altLang="pt-BR" sz="1600" dirty="0" smtClean="0"/>
-              <a:t>（</a:t>
-            </a:r>
-            <a:r>
-              <a:rPr lang="pt-BR" altLang="ko-KR" sz="1600" dirty="0" smtClean="0"/>
-              <a:t>10×Ic</a:t>
-            </a:r>
-            <a:r>
-              <a:rPr lang="ko-KR" altLang="pt-BR" sz="1600" dirty="0" smtClean="0"/>
-              <a:t>）</a:t>
-            </a:r>
-            <a:r>
-              <a:rPr lang="pt-BR" altLang="ko-KR" sz="1600" dirty="0" smtClean="0"/>
-              <a:t>, </a:t>
-            </a:r>
-          </a:p>
-          <a:p>
-            <a:pPr>
-              <a:buNone/>
-            </a:pPr>
-            <a:r>
-              <a:rPr lang="pt-BR" altLang="ko-KR" sz="1600" dirty="0" smtClean="0"/>
-              <a:t>    R2 = Vb ÷ (10 × Ic)</a:t>
-            </a:r>
-          </a:p>
-          <a:p>
-            <a:pPr>
-              <a:buNone/>
-            </a:pPr>
-            <a:r>
-              <a:rPr lang="en-US" altLang="ko-KR" sz="1600" dirty="0" smtClean="0"/>
-              <a:t>    (</a:t>
+              <a:t>   (</a:t>
             </a:r>
             <a:r>
               <a:rPr lang="ko-KR" altLang="en-US" sz="1600" dirty="0" smtClean="0"/>
@@ -8420,31 +8271,10 @@
             </a:r>
             <a:r>
               <a:rPr lang="en-US" altLang="ko-KR" sz="1600" dirty="0" smtClean="0"/>
-              <a:t>R1=(5V-1V)÷10×0.02mA=20K</a:t>
-            </a:r>
-            <a:r>
-              <a:rPr lang="el-GR" altLang="ko-KR" sz="1600" dirty="0" smtClean="0"/>
-              <a:t>Ω </a:t>
-            </a:r>
-            <a:r>
-              <a:rPr lang="en-US" altLang="ko-KR" sz="1600" dirty="0" smtClean="0"/>
-              <a:t>   </a:t>
-            </a:r>
-          </a:p>
-          <a:p>
-            <a:pPr>
-              <a:buNone/>
-            </a:pPr>
-            <a:r>
-              <a:rPr lang="en-US" altLang="ko-KR" sz="1600" dirty="0" smtClean="0"/>
-              <a:t>           R2=1V÷(10×0.02mA)=5K</a:t>
-            </a:r>
-            <a:r>
-              <a:rPr lang="el-GR" altLang="ko-KR" sz="1600" dirty="0" smtClean="0"/>
-              <a:t>Ω </a:t>
-            </a:r>
-            <a:r>
-              <a:rPr lang="ko-KR" altLang="el-GR" sz="1600" dirty="0" smtClean="0"/>
+              <a:t>1KΩ ÷ 5 = 200Ω</a:t>
+            </a:r>
+            <a:r>
+              <a:rPr lang="ko-KR" altLang="en-US" sz="1600" dirty="0" smtClean="0"/>
               <a:t>）</a:t>
             </a:r>
             <a:endParaRPr lang="ko-KR" altLang="en-US" sz="1600" dirty="0"/>
@@ -8563,7 +8393,7 @@
         </p:spPr>
         <p:txBody>
           <a:bodyPr>
-            <a:normAutofit/>
+            <a:normAutofit fontScale="92500" lnSpcReduction="20000"/>
           </a:bodyPr>
           <a:lstStyle/>
           <a:p>
@@ -8572,31 +8402,27 @@
             </a:pPr>
             <a:r>
               <a:rPr lang="en-US" altLang="ko-KR" sz="2000" dirty="0" smtClean="0"/>
-              <a:t>4.</a:t>
-            </a:r>
-            <a:r>
-              <a:rPr lang="ko-KR" altLang="en-US" sz="2000" dirty="0" err="1" smtClean="0"/>
-              <a:t>커플링</a:t>
-            </a:r>
-            <a:r>
-              <a:rPr lang="ko-KR" altLang="en-US" sz="2000" dirty="0" smtClean="0"/>
-              <a:t> 콘덴서</a:t>
-            </a:r>
-            <a:r>
-              <a:rPr lang="en-US" altLang="ko-KR" sz="2000" dirty="0" smtClean="0"/>
-              <a:t>(</a:t>
-            </a:r>
-            <a:r>
-              <a:rPr lang="en-US" altLang="ko-KR" sz="2000" dirty="0" err="1" smtClean="0"/>
-              <a:t>Cin</a:t>
-            </a:r>
-            <a:r>
-              <a:rPr lang="en-US" altLang="ko-KR" sz="2000" dirty="0" smtClean="0"/>
-              <a:t>)</a:t>
-            </a:r>
-            <a:r>
-              <a:rPr lang="ko-KR" altLang="en-US" sz="2000" dirty="0" smtClean="0"/>
-              <a:t>의 용량결정</a:t>
+              <a:t>3. </a:t>
+            </a:r>
+            <a:r>
+              <a:rPr lang="ko-KR" altLang="en-US" sz="2000" dirty="0" smtClean="0"/>
+              <a:t>베이스 저항（</a:t>
+            </a:r>
+            <a:r>
+              <a:rPr lang="en-US" altLang="ko-KR" sz="2000" dirty="0" smtClean="0"/>
+              <a:t>R1</a:t>
+            </a:r>
+            <a:r>
+              <a:rPr lang="ko-KR" altLang="en-US" sz="2000" dirty="0" smtClean="0"/>
+              <a:t>과 </a:t>
+            </a:r>
+            <a:r>
+              <a:rPr lang="en-US" altLang="ko-KR" sz="2000" dirty="0" smtClean="0"/>
+              <a:t>R2</a:t>
+            </a:r>
+            <a:r>
+              <a:rPr lang="ko-KR" altLang="en-US" sz="2000" dirty="0" smtClean="0"/>
+              <a:t>）의 결정</a:t>
             </a:r>
             <a:endParaRPr lang="en-US" altLang="ko-KR" sz="2000" dirty="0" smtClean="0"/>
           </a:p>
@@ -8609,31 +8435,19 @@
           <a:p>
             <a:r>
               <a:rPr lang="ko-KR" altLang="en-US" sz="1600" dirty="0" smtClean="0"/>
-              <a:t>교류신호를 증폭하는 경우는 직류전압과 무관하게 하기 위해 </a:t>
-            </a:r>
-            <a:r>
-              <a:rPr lang="ko-KR" altLang="en-US" sz="1600" dirty="0" err="1" smtClean="0"/>
-              <a:t>커플링</a:t>
+              <a:t>먼저 필요한 베이스 전압（</a:t>
+            </a:r>
+            <a:r>
+              <a:rPr lang="en-US" altLang="ko-KR" sz="1600" dirty="0" err="1" smtClean="0"/>
+              <a:t>Vb</a:t>
+            </a:r>
+            <a:r>
+              <a:rPr lang="en-US" altLang="ko-KR" sz="1600" dirty="0" smtClean="0"/>
+              <a:t>)</a:t>
             </a:r>
             <a:r>
               <a:rPr lang="ko-KR" altLang="en-US" sz="1600" dirty="0" smtClean="0"/>
-              <a:t> 콘덴서（</a:t>
-            </a:r>
-            <a:r>
-              <a:rPr lang="en-US" altLang="ko-KR" sz="1600" dirty="0" err="1" smtClean="0"/>
-              <a:t>Cin</a:t>
-            </a:r>
-            <a:r>
-              <a:rPr lang="ko-KR" altLang="en-US" sz="1600" dirty="0" smtClean="0"/>
-              <a:t>）가 필요해집니다．이 값은 입력신호의 최저 주파수（ｆｃ）에 대하여 충분히 무시할 수 있는 </a:t>
-            </a:r>
-            <a:r>
-              <a:rPr lang="ko-KR" altLang="en-US" sz="1600" dirty="0" err="1" smtClean="0"/>
-              <a:t>임피던스가</a:t>
-            </a:r>
-            <a:r>
-              <a:rPr lang="ko-KR" altLang="en-US" sz="1600" dirty="0" smtClean="0"/>
-              <a:t> 되도록 해야 합니다</a:t>
+              <a:t>을 구합니다</a:t>
             </a:r>
             <a:r>
               <a:rPr lang="en-US" altLang="ko-KR" sz="1600" dirty="0" smtClean="0"/>
@@ -8641,74 +8455,180 @@
             </a:r>
             <a:r>
               <a:rPr lang="ko-KR" altLang="en-US" sz="1600" dirty="0" smtClean="0"/>
-              <a:t>입력용 콘덴서 </a:t>
+              <a:t>무신호시 </a:t>
+            </a:r>
+            <a:r>
+              <a:rPr lang="en-US" altLang="ko-KR" sz="1600" dirty="0" smtClean="0"/>
+              <a:t>Re</a:t>
+            </a:r>
+            <a:r>
+              <a:rPr lang="ko-KR" altLang="en-US" sz="1600" dirty="0" smtClean="0"/>
+              <a:t>에는 </a:t>
             </a:r>
             <a:r>
               <a:rPr lang="en-US" altLang="ko-KR" sz="1600" dirty="0" err="1" smtClean="0"/>
-              <a:t>Cin</a:t>
+              <a:t>Ic</a:t>
+            </a:r>
+            <a:r>
+              <a:rPr lang="ko-KR" altLang="en-US" sz="1600" dirty="0" smtClean="0"/>
+              <a:t>의 전류가 흐르고 있고 베이스 이미터간 전압은 약 </a:t>
             </a:r>
             <a:r>
               <a:rPr lang="en-US" altLang="ko-KR" sz="1600" dirty="0" smtClean="0"/>
-              <a:t> </a:t>
+              <a:t>0.6V</a:t>
             </a:r>
             <a:r>
               <a:rPr lang="ko-KR" altLang="en-US" sz="1600" dirty="0" smtClean="0"/>
-              <a:t>은 트랜지스터의 입력 임피던스를 </a:t>
+              <a:t>로 거의 일정하기 때문에 </a:t>
             </a:r>
             <a:r>
               <a:rPr lang="en-US" altLang="ko-KR" sz="1600" dirty="0" err="1" smtClean="0"/>
-              <a:t>Rin</a:t>
+              <a:t>Vb</a:t>
+            </a:r>
+            <a:r>
+              <a:rPr lang="en-US" altLang="ko-KR" sz="1600" dirty="0" smtClean="0"/>
+              <a:t> = </a:t>
+            </a:r>
+            <a:r>
+              <a:rPr lang="en-US" altLang="ko-KR" sz="1600" dirty="0" err="1" smtClean="0"/>
+              <a:t>Ic×Re</a:t>
             </a:r>
             <a:r>
               <a:rPr lang="ko-KR" altLang="en-US" sz="1600" dirty="0" smtClean="0"/>
-              <a:t>이라고 한다면</a:t>
+              <a:t>＋</a:t>
+            </a:r>
+            <a:r>
+              <a:rPr lang="en-US" altLang="ko-KR" sz="1600" dirty="0" smtClean="0"/>
+              <a:t>0.6</a:t>
+            </a:r>
+            <a:r>
+              <a:rPr lang="ko-KR" altLang="en-US" sz="1600" dirty="0" smtClean="0"/>
+              <a:t>로 됩니다．</a:t>
             </a:r>
             <a:endParaRPr lang="en-US" altLang="ko-KR" sz="1600" dirty="0" smtClean="0"/>
           </a:p>
           <a:p>
+            <a:pPr>
+              <a:buNone/>
+            </a:pPr>
             <a:r>
               <a:rPr lang="ko-KR" altLang="en-US" sz="1600" dirty="0" smtClean="0"/>
-              <a:t>ｆｃ ＞ １</a:t>
+              <a:t>   （예： </a:t>
             </a:r>
             <a:r>
               <a:rPr lang="en-US" altLang="ko-KR" sz="1600" dirty="0" smtClean="0"/>
-              <a:t>÷</a:t>
+              <a:t>2mA × 200Ω</a:t>
             </a:r>
             <a:r>
               <a:rPr lang="ko-KR" altLang="en-US" sz="1600" dirty="0" smtClean="0"/>
-              <a:t>（</a:t>
+              <a:t>＋</a:t>
             </a:r>
             <a:r>
               <a:rPr lang="en-US" altLang="ko-KR" sz="1600" dirty="0" smtClean="0"/>
-              <a:t>2π × </a:t>
+              <a:t>0.6 = 1.0V</a:t>
+            </a:r>
+            <a:r>
+              <a:rPr lang="ko-KR" altLang="en-US" sz="1600" dirty="0" smtClean="0"/>
+              <a:t>）</a:t>
+            </a:r>
+            <a:endParaRPr lang="en-US" altLang="ko-KR" sz="1600" dirty="0" smtClean="0"/>
+          </a:p>
+          <a:p>
+            <a:r>
+              <a:rPr lang="ko-KR" altLang="en-US" sz="1600" dirty="0" smtClean="0"/>
+              <a:t>다음에 필요한 베이스 전류（</a:t>
             </a:r>
             <a:r>
               <a:rPr lang="en-US" altLang="ko-KR" sz="1600" dirty="0" err="1" smtClean="0"/>
-              <a:t>Rin</a:t>
+              <a:t>Ib</a:t>
             </a:r>
             <a:r>
               <a:rPr lang="en-US" altLang="ko-KR" sz="1600" dirty="0" smtClean="0"/>
-              <a:t> × </a:t>
+              <a:t>)</a:t>
+            </a:r>
+            <a:r>
+              <a:rPr lang="ko-KR" altLang="en-US" sz="1600" dirty="0" smtClean="0"/>
+              <a:t>를 전류 </a:t>
+            </a:r>
+            <a:r>
+              <a:rPr lang="ko-KR" altLang="en-US" sz="1600" dirty="0" err="1" smtClean="0"/>
+              <a:t>증폭율</a:t>
+            </a:r>
+            <a:r>
+              <a:rPr lang="en-US" altLang="ko-KR" sz="1600" dirty="0" smtClean="0"/>
+              <a:t>(</a:t>
             </a:r>
             <a:r>
               <a:rPr lang="en-US" altLang="ko-KR" sz="1600" dirty="0" err="1" smtClean="0"/>
-              <a:t>Cin</a:t>
+              <a:t>hfe</a:t>
             </a:r>
             <a:r>
               <a:rPr lang="en-US" altLang="ko-KR" sz="1600" dirty="0" smtClean="0"/>
-              <a:t>) </a:t>
+              <a:t>)</a:t>
             </a:r>
             <a:r>
               <a:rPr lang="ko-KR" altLang="en-US" sz="1600" dirty="0" smtClean="0"/>
-              <a:t>이 되도록 정해야 하며 입력 임피던스 </a:t>
+              <a:t>에 의해 계산하면 </a:t>
             </a:r>
             <a:r>
               <a:rPr lang="en-US" altLang="ko-KR" sz="1600" dirty="0" err="1" smtClean="0"/>
-              <a:t>Rin</a:t>
+              <a:t>Ib</a:t>
+            </a:r>
+            <a:r>
+              <a:rPr lang="en-US" altLang="ko-KR" sz="1600" dirty="0" smtClean="0"/>
+              <a:t> = </a:t>
+            </a:r>
+            <a:r>
+              <a:rPr lang="en-US" altLang="ko-KR" sz="1600" dirty="0" err="1" smtClean="0"/>
+              <a:t>Ic</a:t>
+            </a:r>
+            <a:r>
+              <a:rPr lang="en-US" altLang="ko-KR" sz="1600" dirty="0" smtClean="0"/>
+              <a:t> ÷ </a:t>
+            </a:r>
+            <a:r>
+              <a:rPr lang="en-US" altLang="ko-KR" sz="1600" dirty="0" err="1" smtClean="0"/>
+              <a:t>hfe</a:t>
+            </a:r>
+            <a:endParaRPr lang="en-US" altLang="ko-KR" sz="1600" dirty="0" smtClean="0"/>
+          </a:p>
+          <a:p>
+            <a:pPr>
+              <a:buNone/>
+            </a:pPr>
+            <a:r>
+              <a:rPr lang="en-US" altLang="ko-KR" sz="1600" dirty="0" smtClean="0"/>
+              <a:t>   </a:t>
             </a:r>
             <a:r>
               <a:rPr lang="ko-KR" altLang="en-US" sz="1600" dirty="0" smtClean="0"/>
-              <a:t>은 대략 </a:t>
+              <a:t>（예：</a:t>
+            </a:r>
+            <a:r>
+              <a:rPr lang="en-US" altLang="ko-KR" sz="1600" dirty="0" smtClean="0"/>
+              <a:t>2mA÷100 = 0.02mA </a:t>
+            </a:r>
+            <a:r>
+              <a:rPr lang="en-US" altLang="ko-KR" sz="1600" dirty="0" err="1" smtClean="0"/>
+              <a:t>hfe</a:t>
+            </a:r>
+            <a:r>
+              <a:rPr lang="en-US" altLang="ko-KR" sz="1600" dirty="0" smtClean="0"/>
+              <a:t>=100</a:t>
+            </a:r>
+            <a:r>
+              <a:rPr lang="ko-KR" altLang="en-US" sz="1600" dirty="0" smtClean="0"/>
+              <a:t>）가 됩니다</a:t>
+            </a:r>
+            <a:r>
+              <a:rPr lang="en-US" altLang="ko-KR" sz="1600" dirty="0" smtClean="0"/>
+              <a:t>.</a:t>
+            </a:r>
+          </a:p>
+          <a:p>
+            <a:r>
+              <a:rPr lang="ko-KR" altLang="en-US" sz="1600" dirty="0" smtClean="0"/>
+              <a:t>여기에서 베이스 저항은 베이스 전류의 １０배 이상의 전류가 흐르게 하여 베이스전류 및 베이스 전압이 변동하지 않도록 하며 </a:t>
             </a:r>
             <a:r>
               <a:rPr lang="en-US" altLang="ko-KR" sz="1600" dirty="0" smtClean="0"/>
@@ -8716,7 +8636,7 @@
             </a:r>
             <a:r>
               <a:rPr lang="ko-KR" altLang="en-US" sz="1600" dirty="0" smtClean="0"/>
-              <a:t>과 </a:t>
+              <a:t>，</a:t>
             </a:r>
             <a:r>
               <a:rPr lang="en-US" altLang="ko-KR" sz="1600" dirty="0" smtClean="0"/>
@@ -8724,74 +8644,98 @@
             </a:r>
             <a:r>
               <a:rPr lang="ko-KR" altLang="en-US" sz="1600" dirty="0" smtClean="0"/>
-              <a:t>의 병렬 저항값이 됩니다</a:t>
+              <a:t>는 다음과 같이 계산합니다</a:t>
             </a:r>
             <a:r>
               <a:rPr lang="en-US" altLang="ko-KR" sz="1600" dirty="0" smtClean="0"/>
-              <a:t>.</a:t>
-            </a:r>
-          </a:p>
-          <a:p>
+              <a:t>. </a:t>
+            </a:r>
+          </a:p>
+          <a:p>
+            <a:pPr>
+              <a:buNone/>
+            </a:pPr>
+            <a:r>
+              <a:rPr lang="en-US" altLang="ko-KR" sz="1600" dirty="0" smtClean="0"/>
+              <a:t>    </a:t>
+            </a:r>
+            <a:r>
+              <a:rPr lang="pt-BR" altLang="ko-KR" sz="1600" dirty="0" smtClean="0"/>
+              <a:t>R1 = </a:t>
+            </a:r>
+            <a:r>
+              <a:rPr lang="ko-KR" altLang="pt-BR" sz="1600" dirty="0" smtClean="0"/>
+              <a:t>（</a:t>
+            </a:r>
+            <a:r>
+              <a:rPr lang="pt-BR" altLang="ko-KR" sz="1600" dirty="0" smtClean="0"/>
+              <a:t>Vcc - Vb) ÷</a:t>
+            </a:r>
+            <a:r>
+              <a:rPr lang="ko-KR" altLang="pt-BR" sz="1600" dirty="0" smtClean="0"/>
+              <a:t>（</a:t>
+            </a:r>
+            <a:r>
+              <a:rPr lang="pt-BR" altLang="ko-KR" sz="1600" dirty="0" smtClean="0"/>
+              <a:t>10×Ic</a:t>
+            </a:r>
+            <a:r>
+              <a:rPr lang="ko-KR" altLang="pt-BR" sz="1600" dirty="0" smtClean="0"/>
+              <a:t>）</a:t>
+            </a:r>
+            <a:r>
+              <a:rPr lang="pt-BR" altLang="ko-KR" sz="1600" dirty="0" smtClean="0"/>
+              <a:t>, </a:t>
+            </a:r>
+          </a:p>
+          <a:p>
+            <a:pPr>
+              <a:buNone/>
+            </a:pPr>
+            <a:r>
+              <a:rPr lang="pt-BR" altLang="ko-KR" sz="1600" dirty="0" smtClean="0"/>
+              <a:t>    R2 = Vb ÷ (10 × Ic)</a:t>
+            </a:r>
+          </a:p>
+          <a:p>
+            <a:pPr>
+              <a:buNone/>
+            </a:pPr>
+            <a:r>
+              <a:rPr lang="en-US" altLang="ko-KR" sz="1600" dirty="0" smtClean="0"/>
+              <a:t>    (</a:t>
+            </a:r>
             <a:r>
               <a:rPr lang="ko-KR" altLang="en-US" sz="1600" dirty="0" smtClean="0"/>
-              <a:t>예：ｆｃ</a:t>
-            </a:r>
-            <a:r>
-              <a:rPr lang="ko-KR" altLang="en-US" sz="1600" dirty="0" err="1" smtClean="0"/>
-              <a:t>를</a:t>
-            </a:r>
-            <a:r>
-              <a:rPr lang="ko-KR" altLang="en-US" sz="1600" dirty="0" smtClean="0"/>
-              <a:t> </a:t>
+              <a:t>예：</a:t>
             </a:r>
             <a:r>
               <a:rPr lang="en-US" altLang="ko-KR" sz="1600" dirty="0" smtClean="0"/>
-              <a:t>20Hz</a:t>
-            </a:r>
-            <a:r>
-              <a:rPr lang="ko-KR" altLang="en-US" sz="1600" dirty="0" smtClean="0"/>
-              <a:t>라고 할때 </a:t>
-            </a:r>
-            <a:r>
-              <a:rPr lang="en-US" altLang="ko-KR" sz="1600" dirty="0" err="1" smtClean="0"/>
-              <a:t>Cin</a:t>
+              <a:t>R1=(5V-1V)÷10×0.02mA=20K</a:t>
+            </a:r>
+            <a:r>
+              <a:rPr lang="el-GR" altLang="ko-KR" sz="1600" dirty="0" smtClean="0"/>
+              <a:t>Ω </a:t>
             </a:r>
             <a:r>
               <a:rPr lang="en-US" altLang="ko-KR" sz="1600" dirty="0" smtClean="0"/>
-              <a:t> &gt; </a:t>
-            </a:r>
-            <a:r>
-              <a:rPr lang="ko-KR" altLang="en-US" sz="1600" dirty="0" smtClean="0"/>
-              <a:t>１／</a:t>
-            </a:r>
+              <a:t>   </a:t>
+            </a:r>
+          </a:p>
+          <a:p>
+            <a:pPr>
+              <a:buNone/>
+            </a:pPr>
             <a:r>
               <a:rPr lang="en-US" altLang="ko-KR" sz="1600" dirty="0" smtClean="0"/>
-              <a:t>(6.3 × 4KΩ × 20Hz) = 2μF</a:t>
-            </a:r>
-          </a:p>
-          <a:p>
-            <a:r>
-              <a:rPr lang="en-US" altLang="ko-KR" sz="1600" dirty="0" smtClean="0"/>
-              <a:t>C</a:t>
-            </a:r>
-            <a:r>
-              <a:rPr lang="ko-KR" altLang="en-US" sz="1600" dirty="0" smtClean="0"/>
-              <a:t>ｉｎ </a:t>
-            </a:r>
-            <a:r>
-              <a:rPr lang="en-US" altLang="ko-KR" sz="1600" dirty="0" smtClean="0"/>
-              <a:t>= 4.7μF </a:t>
-            </a:r>
-            <a:r>
-              <a:rPr lang="ko-KR" altLang="en-US" sz="1600" dirty="0" smtClean="0"/>
-              <a:t>정도를 사용하면 좋습니다</a:t>
-            </a:r>
-            <a:r>
-              <a:rPr lang="en-US" altLang="ko-KR" sz="1600" dirty="0" smtClean="0"/>
-              <a:t>,</a:t>
-            </a:r>
-            <a:r>
-              <a:rPr lang="ko-KR" altLang="en-US" sz="1600" dirty="0" smtClean="0"/>
+              <a:t>           R2=1V÷(10×0.02mA)=5K</a:t>
+            </a:r>
+            <a:r>
+              <a:rPr lang="el-GR" altLang="ko-KR" sz="1600" dirty="0" smtClean="0"/>
+              <a:t>Ω </a:t>
+            </a:r>
+            <a:r>
+              <a:rPr lang="ko-KR" altLang="el-GR" sz="1600" dirty="0" smtClean="0"/>
               <a:t>）</a:t>
             </a:r>
             <a:endParaRPr lang="ko-KR" altLang="en-US" sz="1600" dirty="0"/>
@@ -8919,19 +8863,31 @@
             </a:pPr>
             <a:r>
               <a:rPr lang="en-US" altLang="ko-KR" sz="2000" dirty="0" smtClean="0"/>
-              <a:t>5. </a:t>
-            </a:r>
-            <a:r>
-              <a:rPr lang="ko-KR" altLang="en-US" sz="2000" dirty="0" smtClean="0"/>
-              <a:t>바이패스 콘덴서（</a:t>
+              <a:t>4.</a:t>
+            </a:r>
+            <a:r>
+              <a:rPr lang="ko-KR" altLang="en-US" sz="2000" dirty="0" err="1" smtClean="0"/>
+              <a:t>커플링</a:t>
+            </a:r>
+            <a:r>
+              <a:rPr lang="ko-KR" altLang="en-US" sz="2000" dirty="0" smtClean="0"/>
+              <a:t> 콘덴서</a:t>
+            </a:r>
+            <a:r>
+              <a:rPr lang="en-US" altLang="ko-KR" sz="2000" dirty="0" smtClean="0"/>
+              <a:t>(</a:t>
             </a:r>
             <a:r>
               <a:rPr lang="en-US" altLang="ko-KR" sz="2000" dirty="0" err="1" smtClean="0"/>
-              <a:t>Ce</a:t>
-            </a:r>
-            <a:r>
-              <a:rPr lang="ko-KR" altLang="en-US" sz="2000" dirty="0" smtClean="0"/>
-              <a:t>）의 결정</a:t>
+              <a:t>Cin</a:t>
+            </a:r>
+            <a:r>
+              <a:rPr lang="en-US" altLang="ko-KR" sz="2000" dirty="0" smtClean="0"/>
+              <a:t>)</a:t>
+            </a:r>
+            <a:r>
+              <a:rPr lang="ko-KR" altLang="en-US" sz="2000" dirty="0" smtClean="0"/>
+              <a:t>의 용량결정</a:t>
             </a:r>
             <a:endParaRPr lang="en-US" altLang="ko-KR" sz="2000" dirty="0" smtClean="0"/>
           </a:p>
@@ -8943,26 +8899,44 @@
           </a:p>
           <a:p>
             <a:r>
+              <a:rPr lang="ko-KR" altLang="en-US" sz="1600" dirty="0" smtClean="0"/>
+              <a:t>교류신호를 증폭하는 경우는 직류전압과 무관하게 하기 위해 </a:t>
+            </a:r>
+            <a:r>
               <a:rPr lang="ko-KR" altLang="en-US" sz="1600" dirty="0" err="1" smtClean="0"/>
-              <a:t>이미터의</a:t>
+              <a:t>커플링</a:t>
             </a:r>
             <a:r>
               <a:rPr lang="ko-KR" altLang="en-US" sz="1600" dirty="0" smtClean="0"/>
-              <a:t> 콘덴서도 최저 주파수에 대하여 충분히 낮은 </a:t>
+              <a:t> 콘덴서（</a:t>
+            </a:r>
+            <a:r>
+              <a:rPr lang="en-US" altLang="ko-KR" sz="1600" dirty="0" err="1" smtClean="0"/>
+              <a:t>Cin</a:t>
+            </a:r>
+            <a:r>
+              <a:rPr lang="ko-KR" altLang="en-US" sz="1600" dirty="0" smtClean="0"/>
+              <a:t>）가 필요해집니다．이 값은 입력신호의 최저 주파수（ｆｃ）에 대하여 충분히 무시할 수 있는 </a:t>
             </a:r>
             <a:r>
               <a:rPr lang="ko-KR" altLang="en-US" sz="1600" dirty="0" err="1" smtClean="0"/>
-              <a:t>인피던스가</a:t>
+              <a:t>임피던스가</a:t>
             </a:r>
             <a:r>
               <a:rPr lang="ko-KR" altLang="en-US" sz="1600" dirty="0" smtClean="0"/>
-              <a:t> 되도록 정해야 하며</a:t>
-            </a:r>
-          </a:p>
-          <a:p>
+              <a:t> 되도록 해야 합니다</a:t>
+            </a:r>
+            <a:r>
+              <a:rPr lang="en-US" altLang="ko-KR" sz="1600" dirty="0" smtClean="0"/>
+              <a:t>. </a:t>
+            </a:r>
+            <a:r>
+              <a:rPr lang="ko-KR" altLang="en-US" sz="1600" dirty="0" smtClean="0"/>
+              <a:t>입력용 콘덴서 </a:t>
+            </a:r>
             <a:r>
               <a:rPr lang="en-US" altLang="ko-KR" sz="1600" dirty="0" err="1" smtClean="0"/>
-              <a:t>Ce</a:t>
+              <a:t>Cin</a:t>
             </a:r>
             <a:r>
               <a:rPr lang="en-US" altLang="ko-KR" sz="1600" dirty="0" smtClean="0"/>
@@ -8970,7 +8944,22 @@
             </a:r>
             <a:r>
               <a:rPr lang="ko-KR" altLang="en-US" sz="1600" dirty="0" smtClean="0"/>
-              <a:t>＞ １</a:t>
+              <a:t>은 트랜지스터의 입력 임피던스를 </a:t>
+            </a:r>
+            <a:r>
+              <a:rPr lang="en-US" altLang="ko-KR" sz="1600" dirty="0" err="1" smtClean="0"/>
+              <a:t>Rin</a:t>
+            </a:r>
+            <a:r>
+              <a:rPr lang="ko-KR" altLang="en-US" sz="1600" dirty="0" smtClean="0"/>
+              <a:t>이라고 한다면</a:t>
+            </a:r>
+            <a:endParaRPr lang="en-US" altLang="ko-KR" sz="1600" dirty="0" smtClean="0"/>
+          </a:p>
+          <a:p>
+            <a:r>
+              <a:rPr lang="ko-KR" altLang="en-US" sz="1600" dirty="0" smtClean="0"/>
+              <a:t>ｆｃ ＞ １</a:t>
             </a:r>
             <a:r>
               <a:rPr lang="en-US" altLang="ko-KR" sz="1600" dirty="0" smtClean="0"/>
@@ -8978,127 +8967,123 @@
             </a:r>
             <a:r>
               <a:rPr lang="ko-KR" altLang="en-US" sz="1600" dirty="0" smtClean="0"/>
-              <a:t>（２</a:t>
+              <a:t>（</a:t>
             </a:r>
             <a:r>
               <a:rPr lang="en-US" altLang="ko-KR" sz="1600" dirty="0" smtClean="0"/>
-              <a:t>π × </a:t>
+              <a:t>2π × </a:t>
+            </a:r>
+            <a:r>
+              <a:rPr lang="en-US" altLang="ko-KR" sz="1600" dirty="0" err="1" smtClean="0"/>
+              <a:t>Rin</a:t>
+            </a:r>
+            <a:r>
+              <a:rPr lang="en-US" altLang="ko-KR" sz="1600" dirty="0" smtClean="0"/>
+              <a:t> × </a:t>
+            </a:r>
+            <a:r>
+              <a:rPr lang="en-US" altLang="ko-KR" sz="1600" dirty="0" err="1" smtClean="0"/>
+              <a:t>Cin</a:t>
+            </a:r>
+            <a:r>
+              <a:rPr lang="en-US" altLang="ko-KR" sz="1600" dirty="0" smtClean="0"/>
+              <a:t>) </a:t>
             </a:r>
             <a:r>
               <a:rPr lang="ko-KR" altLang="en-US" sz="1600" dirty="0" smtClean="0"/>
-              <a:t>ｆｃ </a:t>
+              <a:t>이 되도록 정해야 하며 입력 임피던스 </a:t>
+            </a:r>
+            <a:r>
+              <a:rPr lang="en-US" altLang="ko-KR" sz="1600" dirty="0" err="1" smtClean="0"/>
+              <a:t>Rin</a:t>
+            </a:r>
+            <a:r>
+              <a:rPr lang="ko-KR" altLang="en-US" sz="1600" dirty="0" smtClean="0"/>
+              <a:t>은 대략 </a:t>
             </a:r>
             <a:r>
               <a:rPr lang="en-US" altLang="ko-KR" sz="1600" dirty="0" smtClean="0"/>
-              <a:t>× Re</a:t>
+              <a:t>R1</a:t>
+            </a:r>
+            <a:r>
+              <a:rPr lang="ko-KR" altLang="en-US" sz="1600" dirty="0" smtClean="0"/>
+              <a:t>과 </a:t>
+            </a:r>
+            <a:r>
+              <a:rPr lang="en-US" altLang="ko-KR" sz="1600" dirty="0" smtClean="0"/>
+              <a:t>R2</a:t>
+            </a:r>
+            <a:r>
+              <a:rPr lang="ko-KR" altLang="en-US" sz="1600" dirty="0" smtClean="0"/>
+              <a:t>의 병렬 저항값이 됩니다</a:t>
+            </a:r>
+            <a:r>
+              <a:rPr lang="en-US" altLang="ko-KR" sz="1600" dirty="0" smtClean="0"/>
+              <a:t>.</a:t>
+            </a:r>
+          </a:p>
+          <a:p>
+            <a:r>
+              <a:rPr lang="ko-KR" altLang="en-US" sz="1600" dirty="0" smtClean="0"/>
+              <a:t>예：ｆｃ</a:t>
+            </a:r>
+            <a:r>
+              <a:rPr lang="ko-KR" altLang="en-US" sz="1600" dirty="0" err="1" smtClean="0"/>
+              <a:t>를</a:t>
+            </a:r>
+            <a:r>
+              <a:rPr lang="ko-KR" altLang="en-US" sz="1600" dirty="0" smtClean="0"/>
+              <a:t> </a:t>
+            </a:r>
+            <a:r>
+              <a:rPr lang="en-US" altLang="ko-KR" sz="1600" dirty="0" smtClean="0"/>
+              <a:t>20Hz</a:t>
+            </a:r>
+            <a:r>
+              <a:rPr lang="ko-KR" altLang="en-US" sz="1600" dirty="0" smtClean="0"/>
+              <a:t>라고 할때 </a:t>
+            </a:r>
+            <a:r>
+              <a:rPr lang="en-US" altLang="ko-KR" sz="1600" dirty="0" err="1" smtClean="0"/>
+              <a:t>Cin</a:t>
+            </a:r>
+            <a:r>
+              <a:rPr lang="en-US" altLang="ko-KR" sz="1600" dirty="0" smtClean="0"/>
+              <a:t> &gt; </a:t>
+            </a:r>
+            <a:r>
+              <a:rPr lang="ko-KR" altLang="en-US" sz="1600" dirty="0" smtClean="0"/>
+              <a:t>１／</a:t>
+            </a:r>
+            <a:r>
+              <a:rPr lang="en-US" altLang="ko-KR" sz="1600" dirty="0" smtClean="0"/>
+              <a:t>(6.3 × 4KΩ × 20Hz) = 2μF</a:t>
+            </a:r>
+          </a:p>
+          <a:p>
+            <a:r>
+              <a:rPr lang="en-US" altLang="ko-KR" sz="1600" dirty="0" smtClean="0"/>
+              <a:t>C</a:t>
+            </a:r>
+            <a:r>
+              <a:rPr lang="ko-KR" altLang="en-US" sz="1600" dirty="0" smtClean="0"/>
+              <a:t>ｉｎ </a:t>
+            </a:r>
+            <a:r>
+              <a:rPr lang="en-US" altLang="ko-KR" sz="1600" dirty="0" smtClean="0"/>
+              <a:t>= 4.7μF </a:t>
+            </a:r>
+            <a:r>
+              <a:rPr lang="ko-KR" altLang="en-US" sz="1600" dirty="0" smtClean="0"/>
+              <a:t>정도를 사용하면 좋습니다</a:t>
+            </a:r>
+            <a:r>
+              <a:rPr lang="en-US" altLang="ko-KR" sz="1600" dirty="0" smtClean="0"/>
+              <a:t>,</a:t>
             </a:r>
             <a:r>
               <a:rPr lang="ko-KR" altLang="en-US" sz="1600" dirty="0" smtClean="0"/>
               <a:t>）</a:t>
-            </a:r>
-            <a:r>
-              <a:rPr lang="ko-KR" altLang="en-US" sz="1600" dirty="0" err="1" smtClean="0"/>
-              <a:t>로</a:t>
-            </a:r>
-            <a:r>
-              <a:rPr lang="ko-KR" altLang="en-US" sz="1600" dirty="0" smtClean="0"/>
-              <a:t> 구합니다．</a:t>
-            </a:r>
-          </a:p>
-          <a:p>
-            <a:r>
-              <a:rPr lang="ko-KR" altLang="en-US" sz="1600" dirty="0" smtClean="0"/>
-              <a:t>예： </a:t>
-            </a:r>
-            <a:r>
-              <a:rPr lang="en-US" altLang="ko-KR" sz="1600" dirty="0" err="1" smtClean="0"/>
-              <a:t>Ce</a:t>
-            </a:r>
-            <a:r>
-              <a:rPr lang="ko-KR" altLang="en-US" sz="1600" dirty="0" smtClean="0"/>
-              <a:t>＞１／（</a:t>
-            </a:r>
-            <a:r>
-              <a:rPr lang="en-US" altLang="ko-KR" sz="1600" dirty="0" smtClean="0"/>
-              <a:t>6.3×20Hz×200</a:t>
-            </a:r>
-            <a:r>
-              <a:rPr lang="el-GR" altLang="ko-KR" sz="1600" dirty="0" smtClean="0"/>
-              <a:t>Ω</a:t>
-            </a:r>
-            <a:r>
-              <a:rPr lang="ko-KR" altLang="el-GR" sz="1600" dirty="0" smtClean="0"/>
-              <a:t>）</a:t>
-            </a:r>
-            <a:r>
-              <a:rPr lang="el-GR" altLang="ko-KR" sz="1600" dirty="0" smtClean="0"/>
-              <a:t>=40μ</a:t>
-            </a:r>
-            <a:r>
-              <a:rPr lang="en-US" altLang="ko-KR" sz="1600" dirty="0" smtClean="0"/>
-              <a:t>F → </a:t>
-            </a:r>
-            <a:r>
-              <a:rPr lang="en-US" altLang="ko-KR" sz="1600" dirty="0" err="1" smtClean="0"/>
-              <a:t>Ce</a:t>
-            </a:r>
-            <a:r>
-              <a:rPr lang="en-US" altLang="ko-KR" sz="1600" dirty="0" smtClean="0"/>
-              <a:t>=100</a:t>
-            </a:r>
-            <a:r>
-              <a:rPr lang="el-GR" altLang="ko-KR" sz="1600" dirty="0" smtClean="0"/>
-              <a:t>μ</a:t>
-            </a:r>
-            <a:r>
-              <a:rPr lang="en-US" altLang="ko-KR" sz="1600" dirty="0" smtClean="0"/>
-              <a:t>F</a:t>
-            </a:r>
-            <a:r>
-              <a:rPr lang="ko-KR" altLang="en-US" sz="1600" dirty="0" smtClean="0"/>
-              <a:t>）</a:t>
-            </a:r>
-          </a:p>
-          <a:p>
-            <a:r>
-              <a:rPr lang="en-US" altLang="ko-KR" sz="1600" dirty="0" smtClean="0"/>
-              <a:t>《</a:t>
-            </a:r>
-            <a:r>
-              <a:rPr lang="ko-KR" altLang="en-US" sz="1600" dirty="0" smtClean="0"/>
-              <a:t>참고</a:t>
-            </a:r>
-            <a:r>
-              <a:rPr lang="en-US" altLang="ko-KR" sz="1600" dirty="0" smtClean="0"/>
-              <a:t>》</a:t>
-            </a:r>
-            <a:r>
-              <a:rPr lang="ko-KR" altLang="en-US" sz="1600" dirty="0" err="1" smtClean="0"/>
-              <a:t>직류증폭시는</a:t>
-            </a:r>
-            <a:r>
-              <a:rPr lang="ko-KR" altLang="en-US" sz="1600" dirty="0" smtClean="0"/>
-              <a:t> </a:t>
-            </a:r>
-            <a:r>
-              <a:rPr lang="en-US" altLang="ko-KR" sz="1600" dirty="0" err="1" smtClean="0"/>
-              <a:t>Cin</a:t>
-            </a:r>
-            <a:r>
-              <a:rPr lang="ko-KR" altLang="en-US" sz="1600" dirty="0" smtClean="0"/>
-              <a:t>이나 </a:t>
-            </a:r>
-            <a:r>
-              <a:rPr lang="en-US" altLang="ko-KR" sz="1600" dirty="0" err="1" smtClean="0"/>
-              <a:t>Ce</a:t>
-            </a:r>
-            <a:r>
-              <a:rPr lang="ko-KR" altLang="en-US" sz="1600" dirty="0" smtClean="0"/>
-              <a:t>는 불필요 하기 때문에 사용하지 않아도 좋습니다</a:t>
-            </a:r>
-            <a:r>
-              <a:rPr lang="en-US" altLang="ko-KR" sz="1600" dirty="0" smtClean="0"/>
-              <a:t>.</a:t>
             </a:r>
             <a:endParaRPr lang="ko-KR" altLang="en-US" sz="1600" dirty="0"/>
           </a:p>
@@ -9174,191 +9159,274 @@
         <p:spPr/>
         <p:txBody>
           <a:bodyPr>
+            <a:normAutofit fontScale="90000"/>
+          </a:bodyPr>
+          <a:lstStyle/>
+          <a:p>
+            <a:r>
+              <a:rPr lang="en-US" altLang="ko-KR" dirty="0" smtClean="0"/>
+              <a:t>Transistor </a:t>
+            </a:r>
+            <a:r>
+              <a:rPr lang="en-US" altLang="ko-KR" sz="4000" dirty="0" smtClean="0"/>
+              <a:t>–</a:t>
+            </a:r>
+            <a:r>
+              <a:rPr lang="ko-KR" altLang="en-US" sz="4000" dirty="0" smtClean="0"/>
+              <a:t> </a:t>
+            </a:r>
+            <a:r>
+              <a:rPr lang="ko-KR" altLang="en-US" sz="3600" dirty="0" smtClean="0"/>
+              <a:t>아날로그 회로에서 사용법</a:t>
+            </a:r>
+            <a:endParaRPr lang="ko-KR" altLang="en-US" dirty="0"/>
+          </a:p>
+        </p:txBody>
+      </p:sp>
+      <p:sp>
+        <p:nvSpPr>
+          <p:cNvPr id="4" name="내용 개체 틀 3"/>
+          <p:cNvSpPr>
+            <a:spLocks noGrp="1"/>
+          </p:cNvSpPr>
+          <p:nvPr>
+            <p:ph idx="1"/>
+          </p:nvPr>
+        </p:nvSpPr>
+        <p:spPr>
+          <a:xfrm>
+            <a:off x="4067944" y="1484784"/>
+            <a:ext cx="4618856" cy="4522507"/>
+          </a:xfrm>
+        </p:spPr>
+        <p:txBody>
+          <a:bodyPr>
             <a:normAutofit/>
           </a:bodyPr>
           <a:lstStyle/>
           <a:p>
-            <a:r>
-              <a:rPr lang="en-US" altLang="ko-KR" dirty="0" smtClean="0"/>
-              <a:t>MOSFET</a:t>
-            </a:r>
-            <a:endParaRPr lang="ko-KR" altLang="en-US" dirty="0"/>
-          </a:p>
-        </p:txBody>
-      </p:sp>
-      <p:sp>
-        <p:nvSpPr>
-          <p:cNvPr id="6" name="내용 개체 틀 5"/>
-          <p:cNvSpPr>
-            <a:spLocks noGrp="1"/>
-          </p:cNvSpPr>
-          <p:nvPr>
-            <p:ph idx="1"/>
-          </p:nvPr>
-        </p:nvSpPr>
-        <p:spPr/>
-        <p:txBody>
-          <a:bodyPr>
-            <a:normAutofit fontScale="92500"/>
-          </a:bodyPr>
-          <a:lstStyle/>
-          <a:p>
-            <a:r>
-              <a:rPr lang="ko-KR" altLang="en-US" dirty="0" smtClean="0"/>
-              <a:t>실 사용을 보면 </a:t>
-            </a:r>
-            <a:r>
-              <a:rPr lang="en-US" altLang="ko-KR" dirty="0" err="1" smtClean="0"/>
-              <a:t>Vgs</a:t>
-            </a:r>
-            <a:r>
-              <a:rPr lang="en-US" altLang="ko-KR" dirty="0" smtClean="0"/>
+            <a:pPr>
+              <a:buNone/>
+            </a:pPr>
+            <a:r>
+              <a:rPr lang="en-US" altLang="ko-KR" sz="2000" dirty="0" smtClean="0"/>
+              <a:t>5. </a:t>
+            </a:r>
+            <a:r>
+              <a:rPr lang="ko-KR" altLang="en-US" sz="2000" dirty="0" smtClean="0"/>
+              <a:t>바이패스 콘덴서（</a:t>
+            </a:r>
+            <a:r>
+              <a:rPr lang="en-US" altLang="ko-KR" sz="2000" dirty="0" err="1" smtClean="0"/>
+              <a:t>Ce</a:t>
+            </a:r>
+            <a:r>
+              <a:rPr lang="ko-KR" altLang="en-US" sz="2000" dirty="0" smtClean="0"/>
+              <a:t>）의 결정</a:t>
+            </a:r>
+            <a:endParaRPr lang="en-US" altLang="ko-KR" sz="2000" dirty="0" smtClean="0"/>
+          </a:p>
+          <a:p>
+            <a:pPr>
+              <a:buNone/>
+            </a:pPr>
+            <a:endParaRPr lang="en-US" altLang="ko-KR" sz="2000" dirty="0" smtClean="0"/>
+          </a:p>
+          <a:p>
+            <a:r>
+              <a:rPr lang="ko-KR" altLang="en-US" sz="1600" dirty="0" err="1" smtClean="0"/>
+              <a:t>이미터의</a:t>
+            </a:r>
+            <a:r>
+              <a:rPr lang="ko-KR" altLang="en-US" sz="1600" dirty="0" smtClean="0"/>
+              <a:t> 콘덴서도 최저 주파수에 대하여 충분히 낮은 </a:t>
+            </a:r>
+            <a:r>
+              <a:rPr lang="ko-KR" altLang="en-US" sz="1600" dirty="0" err="1" smtClean="0"/>
+              <a:t>인피던스가</a:t>
+            </a:r>
+            <a:r>
+              <a:rPr lang="ko-KR" altLang="en-US" sz="1600" dirty="0" smtClean="0"/>
+              <a:t> 되도록 정해야 하며</a:t>
+            </a:r>
+          </a:p>
+          <a:p>
+            <a:r>
+              <a:rPr lang="en-US" altLang="ko-KR" sz="1600" dirty="0" err="1" smtClean="0"/>
+              <a:t>Ce</a:t>
+            </a:r>
+            <a:r>
+              <a:rPr lang="en-US" altLang="ko-KR" sz="1600" dirty="0" smtClean="0"/>
               <a:t> </a:t>
             </a:r>
             <a:r>
-              <a:rPr lang="ko-KR" altLang="en-US" dirty="0" smtClean="0"/>
-              <a:t>의 전압이 결국 </a:t>
-            </a:r>
-            <a:r>
-              <a:rPr lang="en-US" altLang="ko-KR" dirty="0" smtClean="0"/>
-              <a:t>Drain </a:t>
-            </a:r>
-            <a:r>
-              <a:rPr lang="ko-KR" altLang="en-US" dirty="0" smtClean="0"/>
-              <a:t>과 </a:t>
-            </a:r>
-            <a:r>
-              <a:rPr lang="en-US" altLang="ko-KR" dirty="0" smtClean="0"/>
-              <a:t>Source </a:t>
-            </a:r>
-            <a:r>
-              <a:rPr lang="ko-KR" altLang="en-US" dirty="0" smtClean="0"/>
-              <a:t>간의 동작을 어떻게 하는가 결정하게 됩니다</a:t>
-            </a:r>
-            <a:r>
-              <a:rPr lang="en-US" altLang="ko-KR" dirty="0" smtClean="0"/>
-              <a:t>. </a:t>
-            </a:r>
-            <a:r>
-              <a:rPr lang="ko-KR" altLang="en-US" dirty="0" smtClean="0"/>
-              <a:t>제일 좋은 것은 </a:t>
-            </a:r>
-            <a:r>
-              <a:rPr lang="en-US" altLang="ko-KR" dirty="0" err="1" smtClean="0"/>
-              <a:t>Vgs</a:t>
-            </a:r>
-            <a:r>
-              <a:rPr lang="en-US" altLang="ko-KR" dirty="0" smtClean="0"/>
+              <a:rPr lang="ko-KR" altLang="en-US" sz="1600" dirty="0" smtClean="0"/>
+              <a:t>＞ １</a:t>
+            </a:r>
+            <a:r>
+              <a:rPr lang="en-US" altLang="ko-KR" sz="1600" dirty="0" smtClean="0"/>
+              <a:t>÷</a:t>
+            </a:r>
+            <a:r>
+              <a:rPr lang="ko-KR" altLang="en-US" sz="1600" dirty="0" smtClean="0"/>
+              <a:t>（２</a:t>
+            </a:r>
+            <a:r>
+              <a:rPr lang="en-US" altLang="ko-KR" sz="1600" dirty="0" smtClean="0"/>
+              <a:t>π × </a:t>
+            </a:r>
+            <a:r>
+              <a:rPr lang="ko-KR" altLang="en-US" sz="1600" dirty="0" smtClean="0"/>
+              <a:t>ｆｃ </a:t>
+            </a:r>
+            <a:r>
+              <a:rPr lang="en-US" altLang="ko-KR" sz="1600" dirty="0" smtClean="0"/>
+              <a:t>× Re</a:t>
+            </a:r>
+            <a:r>
+              <a:rPr lang="ko-KR" altLang="en-US" sz="1600" dirty="0" smtClean="0"/>
+              <a:t>）</a:t>
+            </a:r>
+            <a:r>
+              <a:rPr lang="ko-KR" altLang="en-US" sz="1600" dirty="0" err="1" smtClean="0"/>
+              <a:t>로</a:t>
+            </a:r>
+            <a:r>
+              <a:rPr lang="ko-KR" altLang="en-US" sz="1600" dirty="0" smtClean="0"/>
+              <a:t> 구합니다．</a:t>
+            </a:r>
+          </a:p>
+          <a:p>
+            <a:r>
+              <a:rPr lang="ko-KR" altLang="en-US" sz="1600" dirty="0" smtClean="0"/>
+              <a:t>예： </a:t>
+            </a:r>
+            <a:r>
+              <a:rPr lang="en-US" altLang="ko-KR" sz="1600" dirty="0" err="1" smtClean="0"/>
+              <a:t>Ce</a:t>
+            </a:r>
+            <a:r>
+              <a:rPr lang="ko-KR" altLang="en-US" sz="1600" dirty="0" smtClean="0"/>
+              <a:t>＞１／（</a:t>
+            </a:r>
+            <a:r>
+              <a:rPr lang="en-US" altLang="ko-KR" sz="1600" dirty="0" smtClean="0"/>
+              <a:t>6.3×20Hz×200</a:t>
+            </a:r>
+            <a:r>
+              <a:rPr lang="el-GR" altLang="ko-KR" sz="1600" dirty="0" smtClean="0"/>
+              <a:t>Ω</a:t>
+            </a:r>
+            <a:r>
+              <a:rPr lang="ko-KR" altLang="el-GR" sz="1600" dirty="0" smtClean="0"/>
+              <a:t>）</a:t>
+            </a:r>
+            <a:r>
+              <a:rPr lang="el-GR" altLang="ko-KR" sz="1600" dirty="0" smtClean="0"/>
+              <a:t>=40μ</a:t>
+            </a:r>
+            <a:r>
+              <a:rPr lang="en-US" altLang="ko-KR" sz="1600" dirty="0" smtClean="0"/>
+              <a:t>F → </a:t>
+            </a:r>
+            <a:r>
+              <a:rPr lang="en-US" altLang="ko-KR" sz="1600" dirty="0" err="1" smtClean="0"/>
+              <a:t>Ce</a:t>
+            </a:r>
+            <a:r>
+              <a:rPr lang="en-US" altLang="ko-KR" sz="1600" dirty="0" smtClean="0"/>
+              <a:t>=100</a:t>
+            </a:r>
+            <a:r>
+              <a:rPr lang="el-GR" altLang="ko-KR" sz="1600" dirty="0" smtClean="0"/>
+              <a:t>μ</a:t>
+            </a:r>
+            <a:r>
+              <a:rPr lang="en-US" altLang="ko-KR" sz="1600" dirty="0" smtClean="0"/>
+              <a:t>F</a:t>
+            </a:r>
+            <a:r>
+              <a:rPr lang="ko-KR" altLang="en-US" sz="1600" dirty="0" smtClean="0"/>
+              <a:t>）</a:t>
+            </a:r>
+          </a:p>
+          <a:p>
+            <a:r>
+              <a:rPr lang="en-US" altLang="ko-KR" sz="1600" dirty="0" smtClean="0"/>
+              <a:t>《</a:t>
+            </a:r>
+            <a:r>
+              <a:rPr lang="ko-KR" altLang="en-US" sz="1600" dirty="0" smtClean="0"/>
+              <a:t>참고</a:t>
+            </a:r>
+            <a:r>
+              <a:rPr lang="en-US" altLang="ko-KR" sz="1600" dirty="0" smtClean="0"/>
+              <a:t>》</a:t>
+            </a:r>
+            <a:r>
+              <a:rPr lang="ko-KR" altLang="en-US" sz="1600" dirty="0" err="1" smtClean="0"/>
+              <a:t>직류증폭시는</a:t>
+            </a:r>
+            <a:r>
+              <a:rPr lang="ko-KR" altLang="en-US" sz="1600" dirty="0" smtClean="0"/>
               <a:t> </a:t>
             </a:r>
             <a:r>
-              <a:rPr lang="ko-KR" altLang="en-US" dirty="0" smtClean="0"/>
-              <a:t>를 </a:t>
-            </a:r>
-            <a:r>
-              <a:rPr lang="en-US" altLang="ko-KR" dirty="0" smtClean="0"/>
-              <a:t>D-S </a:t>
-            </a:r>
-            <a:r>
-              <a:rPr lang="ko-KR" altLang="en-US" dirty="0" smtClean="0"/>
-              <a:t>간의 전압 또는 </a:t>
-            </a:r>
-            <a:r>
-              <a:rPr lang="ko-KR" altLang="en-US" dirty="0" err="1" smtClean="0"/>
-              <a:t>스펙상</a:t>
-            </a:r>
-            <a:r>
-              <a:rPr lang="ko-KR" altLang="en-US" dirty="0" smtClean="0"/>
-              <a:t> 제시한 전압에 맞게 사용하는 것이 중요합니다</a:t>
-            </a:r>
-            <a:r>
-              <a:rPr lang="en-US" altLang="ko-KR" dirty="0" smtClean="0"/>
-              <a:t>. </a:t>
-            </a:r>
-          </a:p>
-          <a:p>
-            <a:r>
-              <a:rPr lang="ko-KR" altLang="en-US" dirty="0" smtClean="0"/>
-              <a:t>그런데</a:t>
-            </a:r>
-            <a:r>
-              <a:rPr lang="en-US" altLang="ko-KR" dirty="0" smtClean="0"/>
-              <a:t>, MOSFET </a:t>
-            </a:r>
-            <a:r>
-              <a:rPr lang="ko-KR" altLang="en-US" dirty="0" smtClean="0"/>
-              <a:t>을 간단히 사용하다 보면 </a:t>
-            </a:r>
-            <a:r>
-              <a:rPr lang="en-US" altLang="ko-KR" dirty="0" err="1" smtClean="0"/>
-              <a:t>Vgs</a:t>
-            </a:r>
-            <a:r>
-              <a:rPr lang="en-US" altLang="ko-KR" dirty="0" smtClean="0"/>
-              <a:t> </a:t>
-            </a:r>
-            <a:r>
-              <a:rPr lang="ko-KR" altLang="en-US" dirty="0" smtClean="0"/>
-              <a:t>를 무시하고 사용하는 경우가 허다하지요</a:t>
-            </a:r>
-            <a:r>
-              <a:rPr lang="en-US" altLang="ko-KR" dirty="0" smtClean="0"/>
-              <a:t>. </a:t>
-            </a:r>
-            <a:r>
-              <a:rPr lang="ko-KR" altLang="en-US" dirty="0" smtClean="0"/>
-              <a:t>그래서 시험적으로 사용할 때에는 아무런 문제가 없는데</a:t>
-            </a:r>
-            <a:r>
-              <a:rPr lang="en-US" altLang="ko-KR" dirty="0" smtClean="0"/>
-              <a:t>, </a:t>
-            </a:r>
-            <a:r>
-              <a:rPr lang="ko-KR" altLang="en-US" dirty="0" smtClean="0"/>
-              <a:t>회로 적용하여 사용하다 보면 이상 증상이 나타나기도 합니다</a:t>
-            </a:r>
-            <a:r>
-              <a:rPr lang="en-US" altLang="ko-KR" dirty="0" smtClean="0"/>
-              <a:t>. </a:t>
-            </a:r>
-          </a:p>
-          <a:p>
-            <a:r>
-              <a:rPr lang="ko-KR" altLang="en-US" dirty="0" smtClean="0"/>
-              <a:t>이를테면 </a:t>
-            </a:r>
-            <a:r>
-              <a:rPr lang="en-US" altLang="ko-KR" dirty="0" smtClean="0"/>
-              <a:t>OFF </a:t>
-            </a:r>
-            <a:r>
-              <a:rPr lang="ko-KR" altLang="en-US" dirty="0" smtClean="0"/>
-              <a:t>가 안된다든지</a:t>
-            </a:r>
-            <a:r>
-              <a:rPr lang="en-US" altLang="ko-KR" dirty="0" smtClean="0"/>
-              <a:t>, ON</a:t>
-            </a:r>
-            <a:r>
-              <a:rPr lang="ko-KR" altLang="en-US" dirty="0" smtClean="0"/>
-              <a:t>은 되는데 열이 많이 발생하고 </a:t>
-            </a:r>
-            <a:r>
-              <a:rPr lang="en-US" altLang="ko-KR" dirty="0" smtClean="0"/>
-              <a:t>MOSFET </a:t>
-            </a:r>
-            <a:r>
-              <a:rPr lang="ko-KR" altLang="en-US" dirty="0" smtClean="0"/>
-              <a:t>이 소실되어 버립니다</a:t>
-            </a:r>
-            <a:r>
-              <a:rPr lang="en-US" altLang="ko-KR" dirty="0" smtClean="0"/>
+              <a:rPr lang="en-US" altLang="ko-KR" sz="1600" dirty="0" err="1" smtClean="0"/>
+              <a:t>Cin</a:t>
+            </a:r>
+            <a:r>
+              <a:rPr lang="ko-KR" altLang="en-US" sz="1600" dirty="0" smtClean="0"/>
+              <a:t>이나 </a:t>
+            </a:r>
+            <a:r>
+              <a:rPr lang="en-US" altLang="ko-KR" sz="1600" dirty="0" err="1" smtClean="0"/>
+              <a:t>Ce</a:t>
+            </a:r>
+            <a:r>
+              <a:rPr lang="ko-KR" altLang="en-US" sz="1600" dirty="0" smtClean="0"/>
+              <a:t>는 불필요 하기 때문에 사용하지 않아도 좋습니다</a:t>
+            </a:r>
+            <a:r>
+              <a:rPr lang="en-US" altLang="ko-KR" sz="1600" dirty="0" smtClean="0"/>
               <a:t>.</a:t>
             </a:r>
-            <a:endParaRPr lang="ko-KR" altLang="en-US" dirty="0"/>
-          </a:p>
-        </p:txBody>
-      </p:sp>
+            <a:endParaRPr lang="ko-KR" altLang="en-US" sz="1600" dirty="0"/>
+          </a:p>
+        </p:txBody>
+      </p:sp>
+      <p:pic>
+        <p:nvPicPr>
+          <p:cNvPr id="5122" name="Picture 2"/>
+          <p:cNvPicPr>
+            <a:picLocks noChangeAspect="1" noChangeArrowheads="1"/>
+          </p:cNvPicPr>
+          <p:nvPr/>
+        </p:nvPicPr>
+        <p:blipFill>
+          <a:blip r:embed="rId2" cstate="print"/>
+          <a:srcRect/>
+          <a:stretch>
+            <a:fillRect/>
+          </a:stretch>
+        </p:blipFill>
+        <p:spPr bwMode="auto">
+          <a:xfrm>
+            <a:off x="179512" y="2276872"/>
+            <a:ext cx="3927059" cy="2995414"/>
+          </a:xfrm>
+          <a:prstGeom prst="rect">
+            <a:avLst/>
+          </a:prstGeom>
+          <a:noFill/>
+          <a:ln w="9525">
+            <a:noFill/>
+            <a:miter lim="800000"/>
+            <a:headEnd/>
+            <a:tailEnd/>
+          </a:ln>
+        </p:spPr>
+      </p:pic>
     </p:spTree>
   </p:cSld>
   <p:clrMapOvr>
@@ -9422,21 +9490,13 @@
         <p:spPr/>
         <p:txBody>
           <a:bodyPr>
-            <a:normAutofit fontScale="92500" lnSpcReduction="20000"/>
+            <a:normAutofit fontScale="92500"/>
           </a:bodyPr>
           <a:lstStyle/>
           <a:p>
             <a:r>
-              <a:rPr lang="en-US" altLang="ko-KR" dirty="0" smtClean="0"/>
-              <a:t>N-MOSFET </a:t>
-            </a:r>
-            <a:r>
-              <a:rPr lang="ko-KR" altLang="en-US" dirty="0" smtClean="0"/>
-              <a:t>을 사용할 경우에는 후자의 경우가 대부분입니다</a:t>
-            </a:r>
-            <a:r>
-              <a:rPr lang="en-US" altLang="ko-KR" dirty="0" smtClean="0"/>
-              <a:t>. </a:t>
+              <a:rPr lang="ko-KR" altLang="en-US" dirty="0" smtClean="0"/>
+              <a:t>실 사용을 보면 </a:t>
             </a:r>
             <a:r>
               <a:rPr lang="en-US" altLang="ko-KR" dirty="0" err="1" smtClean="0"/>
@@ -9448,23 +9508,23 @@
             </a:r>
             <a:r>
               <a:rPr lang="ko-KR" altLang="en-US" dirty="0" smtClean="0"/>
-              <a:t>전압이 적절하지 않기 때문에</a:t>
-            </a:r>
-            <a:r>
-              <a:rPr lang="en-US" altLang="ko-KR" dirty="0" smtClean="0"/>
-              <a:t>, D-S </a:t>
-            </a:r>
-            <a:r>
-              <a:rPr lang="ko-KR" altLang="en-US" dirty="0" smtClean="0"/>
-              <a:t>간 전압</a:t>
-            </a:r>
-            <a:r>
-              <a:rPr lang="en-US" altLang="ko-KR" dirty="0" smtClean="0"/>
-              <a:t>, </a:t>
-            </a:r>
-            <a:r>
-              <a:rPr lang="ko-KR" altLang="en-US" dirty="0" smtClean="0"/>
-              <a:t>전류를 버티지 못하고 발열이 생기고 소실되는 것이죠</a:t>
+              <a:t>의 전압이 결국 </a:t>
+            </a:r>
+            <a:r>
+              <a:rPr lang="en-US" altLang="ko-KR" dirty="0" smtClean="0"/>
+              <a:t>Drain </a:t>
+            </a:r>
+            <a:r>
+              <a:rPr lang="ko-KR" altLang="en-US" dirty="0" smtClean="0"/>
+              <a:t>과 </a:t>
+            </a:r>
+            <a:r>
+              <a:rPr lang="en-US" altLang="ko-KR" dirty="0" smtClean="0"/>
+              <a:t>Source </a:t>
+            </a:r>
+            <a:r>
+              <a:rPr lang="ko-KR" altLang="en-US" dirty="0" smtClean="0"/>
+              <a:t>간의 동작을 어떻게 하는가 결정하게 됩니다</a:t>
             </a:r>
             <a:r>
               <a:rPr lang="en-US" altLang="ko-KR" dirty="0" smtClean="0"/>
@@ -9472,57 +9532,7 @@
             </a:r>
             <a:r>
               <a:rPr lang="ko-KR" altLang="en-US" dirty="0" smtClean="0"/>
-              <a:t>충분한 전압 </a:t>
-            </a:r>
-            <a:r>
-              <a:rPr lang="ko-KR" altLang="en-US" dirty="0" err="1" smtClean="0"/>
-              <a:t>으로</a:t>
-            </a:r>
-            <a:r>
-              <a:rPr lang="ko-KR" altLang="en-US" dirty="0" smtClean="0"/>
-              <a:t> </a:t>
-            </a:r>
-            <a:r>
-              <a:rPr lang="en-US" altLang="ko-KR" dirty="0" smtClean="0"/>
-              <a:t>Gate </a:t>
-            </a:r>
-            <a:r>
-              <a:rPr lang="ko-KR" altLang="en-US" dirty="0" smtClean="0"/>
-              <a:t>를 컨트롤 할 때에는 이런 문제가 없습니다</a:t>
-            </a:r>
-            <a:r>
-              <a:rPr lang="en-US" altLang="ko-KR" dirty="0" smtClean="0"/>
-              <a:t>.</a:t>
-            </a:r>
-          </a:p>
-          <a:p>
-            <a:r>
-              <a:rPr lang="ko-KR" altLang="en-US" dirty="0" smtClean="0"/>
-              <a:t>반대로 </a:t>
-            </a:r>
-            <a:r>
-              <a:rPr lang="en-US" altLang="ko-KR" dirty="0" smtClean="0"/>
-              <a:t>P-MOSFET </a:t>
-            </a:r>
-            <a:r>
-              <a:rPr lang="ko-KR" altLang="en-US" dirty="0" smtClean="0"/>
-              <a:t>을 사용할 경우에는 </a:t>
-            </a:r>
-            <a:r>
-              <a:rPr lang="en-US" altLang="ko-KR" dirty="0" smtClean="0"/>
-              <a:t>OFF </a:t>
-            </a:r>
-            <a:r>
-              <a:rPr lang="ko-KR" altLang="en-US" dirty="0" smtClean="0"/>
-              <a:t>가 제대로 안되는 경우가 허다합니다</a:t>
-            </a:r>
-            <a:r>
-              <a:rPr lang="en-US" altLang="ko-KR" dirty="0" smtClean="0"/>
-              <a:t>. </a:t>
-            </a:r>
-            <a:r>
-              <a:rPr lang="ko-KR" altLang="en-US" dirty="0" smtClean="0"/>
-              <a:t>역시나 </a:t>
+              <a:t>제일 좋은 것은 </a:t>
             </a:r>
             <a:r>
               <a:rPr lang="en-US" altLang="ko-KR" dirty="0" err="1" smtClean="0"/>
@@ -9534,69 +9544,41 @@
             </a:r>
             <a:r>
               <a:rPr lang="ko-KR" altLang="en-US" dirty="0" smtClean="0"/>
-              <a:t>전압이 적절치 않기 때문입니다</a:t>
-            </a:r>
-            <a:r>
-              <a:rPr lang="en-US" altLang="ko-KR" dirty="0" smtClean="0"/>
-              <a:t>. S-D </a:t>
-            </a:r>
-            <a:r>
-              <a:rPr lang="ko-KR" altLang="en-US" dirty="0" smtClean="0"/>
-              <a:t>간 흐르는 전류를 막을 만한 전압이 필요한 것인데</a:t>
-            </a:r>
-            <a:r>
-              <a:rPr lang="en-US" altLang="ko-KR" dirty="0" smtClean="0"/>
-              <a:t>, </a:t>
-            </a:r>
-            <a:r>
-              <a:rPr lang="ko-KR" altLang="en-US" dirty="0" smtClean="0"/>
-              <a:t>충분한 전압으로 </a:t>
-            </a:r>
-            <a:r>
-              <a:rPr lang="en-US" altLang="ko-KR" dirty="0" smtClean="0"/>
-              <a:t>Gate </a:t>
-            </a:r>
-            <a:r>
-              <a:rPr lang="ko-KR" altLang="en-US" dirty="0" smtClean="0"/>
-              <a:t>를 조절하지 못하니 전류가 흘러 </a:t>
-            </a:r>
-            <a:r>
-              <a:rPr lang="en-US" altLang="ko-KR" dirty="0" smtClean="0"/>
-              <a:t>OFF</a:t>
-            </a:r>
-            <a:r>
-              <a:rPr lang="ko-KR" altLang="en-US" dirty="0" smtClean="0"/>
-              <a:t>가 되질 않는 것입니다</a:t>
-            </a:r>
-            <a:r>
-              <a:rPr lang="en-US" altLang="ko-KR" dirty="0" smtClean="0"/>
-              <a:t>.</a:t>
-            </a:r>
-          </a:p>
-          <a:p>
-            <a:r>
-              <a:rPr lang="ko-KR" altLang="en-US" dirty="0" smtClean="0"/>
-              <a:t>사실 </a:t>
+              <a:t>를 </a:t>
+            </a:r>
+            <a:r>
+              <a:rPr lang="en-US" altLang="ko-KR" dirty="0" smtClean="0"/>
+              <a:t>D-S </a:t>
+            </a:r>
+            <a:r>
+              <a:rPr lang="ko-KR" altLang="en-US" dirty="0" smtClean="0"/>
+              <a:t>간의 전압 또는 </a:t>
             </a:r>
             <a:r>
               <a:rPr lang="ko-KR" altLang="en-US" dirty="0" err="1" smtClean="0"/>
-              <a:t>논리게이트용</a:t>
-            </a:r>
-            <a:r>
-              <a:rPr lang="ko-KR" altLang="en-US" dirty="0" smtClean="0"/>
-              <a:t> </a:t>
-            </a:r>
-            <a:r>
-              <a:rPr lang="en-US" altLang="ko-KR" dirty="0" smtClean="0"/>
-              <a:t>MOSFET, </a:t>
-            </a:r>
-            <a:r>
-              <a:rPr lang="en-US" altLang="ko-KR" dirty="0" err="1" smtClean="0"/>
-              <a:t>Vds</a:t>
-            </a:r>
-            <a:r>
-              <a:rPr lang="en-US" altLang="ko-KR" dirty="0" smtClean="0"/>
-              <a:t> = </a:t>
+              <a:t>스펙상</a:t>
+            </a:r>
+            <a:r>
+              <a:rPr lang="ko-KR" altLang="en-US" dirty="0" smtClean="0"/>
+              <a:t> 제시한 전압에 맞게 사용하는 것이 중요합니다</a:t>
+            </a:r>
+            <a:r>
+              <a:rPr lang="en-US" altLang="ko-KR" dirty="0" smtClean="0"/>
+              <a:t>. </a:t>
+            </a:r>
+          </a:p>
+          <a:p>
+            <a:r>
+              <a:rPr lang="ko-KR" altLang="en-US" dirty="0" smtClean="0"/>
+              <a:t>그런데</a:t>
+            </a:r>
+            <a:r>
+              <a:rPr lang="en-US" altLang="ko-KR" dirty="0" smtClean="0"/>
+              <a:t>, MOSFET </a:t>
+            </a:r>
+            <a:r>
+              <a:rPr lang="ko-KR" altLang="en-US" dirty="0" smtClean="0"/>
+              <a:t>을 간단히 사용하다 보면 </a:t>
             </a:r>
             <a:r>
               <a:rPr lang="en-US" altLang="ko-KR" dirty="0" err="1" smtClean="0"/>
@@ -9608,7 +9590,49 @@
             </a:r>
             <a:r>
               <a:rPr lang="ko-KR" altLang="en-US" dirty="0" smtClean="0"/>
-              <a:t>조건이 아니라면 </a:t>
+              <a:t>를 무시하고 사용하는 경우가 허다하지요</a:t>
+            </a:r>
+            <a:r>
+              <a:rPr lang="en-US" altLang="ko-KR" dirty="0" smtClean="0"/>
+              <a:t>. </a:t>
+            </a:r>
+            <a:r>
+              <a:rPr lang="ko-KR" altLang="en-US" dirty="0" smtClean="0"/>
+              <a:t>그래서 시험적으로 사용할 때에는 아무런 문제가 없는데</a:t>
+            </a:r>
+            <a:r>
+              <a:rPr lang="en-US" altLang="ko-KR" dirty="0" smtClean="0"/>
+              <a:t>, </a:t>
+            </a:r>
+            <a:r>
+              <a:rPr lang="ko-KR" altLang="en-US" dirty="0" smtClean="0"/>
+              <a:t>회로 적용하여 사용하다 보면 이상 증상이 나타나기도 합니다</a:t>
+            </a:r>
+            <a:r>
+              <a:rPr lang="en-US" altLang="ko-KR" dirty="0" smtClean="0"/>
+              <a:t>. </a:t>
+            </a:r>
+          </a:p>
+          <a:p>
+            <a:r>
+              <a:rPr lang="ko-KR" altLang="en-US" dirty="0" smtClean="0"/>
+              <a:t>이를테면 </a:t>
+            </a:r>
+            <a:r>
+              <a:rPr lang="en-US" altLang="ko-KR" dirty="0" smtClean="0"/>
+              <a:t>OFF </a:t>
+            </a:r>
+            <a:r>
+              <a:rPr lang="ko-KR" altLang="en-US" dirty="0" smtClean="0"/>
+              <a:t>가 안된다든지</a:t>
+            </a:r>
+            <a:r>
+              <a:rPr lang="en-US" altLang="ko-KR" dirty="0" smtClean="0"/>
+              <a:t>, ON</a:t>
+            </a:r>
+            <a:r>
+              <a:rPr lang="ko-KR" altLang="en-US" dirty="0" smtClean="0"/>
+              <a:t>은 되는데 열이 많이 발생하고 </a:t>
             </a:r>
             <a:r>
               <a:rPr lang="en-US" altLang="ko-KR" dirty="0" smtClean="0"/>
@@ -9616,23 +9640,11 @@
             </a:r>
             <a:r>
               <a:rPr lang="ko-KR" altLang="en-US" dirty="0" smtClean="0"/>
-              <a:t>도 </a:t>
-            </a:r>
-            <a:r>
-              <a:rPr lang="en-US" altLang="ko-KR" dirty="0" smtClean="0"/>
-              <a:t>TR </a:t>
-            </a:r>
-            <a:r>
-              <a:rPr lang="ko-KR" altLang="en-US" dirty="0" smtClean="0"/>
-              <a:t>이나 포토커플러로 </a:t>
-            </a:r>
-            <a:r>
-              <a:rPr lang="en-US" altLang="ko-KR" dirty="0" smtClean="0"/>
-              <a:t>ON/OFF</a:t>
-            </a:r>
-            <a:r>
-              <a:rPr lang="ko-KR" altLang="en-US" dirty="0" smtClean="0"/>
-              <a:t>를 해주는 것이 확실합니다</a:t>
+              <a:t>이 소실되어 버립니다</a:t>
+            </a:r>
+            <a:r>
+              <a:rPr lang="en-US" altLang="ko-KR" dirty="0" smtClean="0"/>
+              <a:t>.</a:t>
             </a:r>
             <a:endParaRPr lang="ko-KR" altLang="en-US" dirty="0"/>
           </a:p>
@@ -9647,6 +9659,285 @@
 </file>
 
 <file path=ppt/slides/slide26.xml><?xml version="1.0" encoding="utf-8"?>
+<p:sld xmlns:a="http://schemas.openxmlformats.org/drawingml/2006/main" xmlns:r="http://schemas.openxmlformats.org/officeDocument/2006/relationships" xmlns:p="http://schemas.openxmlformats.org/presentationml/2006/main">
+  <p:cSld>
+    <p:spTree>
+      <p:nvGrpSpPr>
+        <p:cNvPr id="1" name=""/>
+        <p:cNvGrpSpPr/>
+        <p:nvPr/>
+      </p:nvGrpSpPr>
+      <p:grpSpPr>
+        <a:xfrm>
+          <a:off x="0" y="0"/>
+          <a:ext cx="0" cy="0"/>
+          <a:chOff x="0" y="0"/>
+          <a:chExt cx="0" cy="0"/>
+        </a:xfrm>
+      </p:grpSpPr>
+      <p:sp>
+        <p:nvSpPr>
+          <p:cNvPr id="3" name="제목 2"/>
+          <p:cNvSpPr>
+            <a:spLocks noGrp="1"/>
+          </p:cNvSpPr>
+          <p:nvPr>
+            <p:ph type="title"/>
+          </p:nvPr>
+        </p:nvSpPr>
+        <p:spPr/>
+        <p:txBody>
+          <a:bodyPr>
+            <a:normAutofit/>
+          </a:bodyPr>
+          <a:lstStyle/>
+          <a:p>
+            <a:r>
+              <a:rPr lang="en-US" altLang="ko-KR" dirty="0" smtClean="0"/>
+              <a:t>MOSFET</a:t>
+            </a:r>
+            <a:endParaRPr lang="ko-KR" altLang="en-US" dirty="0"/>
+          </a:p>
+        </p:txBody>
+      </p:sp>
+      <p:sp>
+        <p:nvSpPr>
+          <p:cNvPr id="6" name="내용 개체 틀 5"/>
+          <p:cNvSpPr>
+            <a:spLocks noGrp="1"/>
+          </p:cNvSpPr>
+          <p:nvPr>
+            <p:ph idx="1"/>
+          </p:nvPr>
+        </p:nvSpPr>
+        <p:spPr/>
+        <p:txBody>
+          <a:bodyPr>
+            <a:normAutofit fontScale="92500" lnSpcReduction="20000"/>
+          </a:bodyPr>
+          <a:lstStyle/>
+          <a:p>
+            <a:r>
+              <a:rPr lang="en-US" altLang="ko-KR" dirty="0" smtClean="0"/>
+              <a:t>N-MOSFET </a:t>
+            </a:r>
+            <a:r>
+              <a:rPr lang="ko-KR" altLang="en-US" dirty="0" smtClean="0"/>
+              <a:t>을 사용할 경우에는 후자의 경우가 대부분입니다</a:t>
+            </a:r>
+            <a:r>
+              <a:rPr lang="en-US" altLang="ko-KR" dirty="0" smtClean="0"/>
+              <a:t>. </a:t>
+            </a:r>
+            <a:r>
+              <a:rPr lang="en-US" altLang="ko-KR" dirty="0" err="1" smtClean="0"/>
+              <a:t>Vgs</a:t>
+            </a:r>
+            <a:r>
+              <a:rPr lang="en-US" altLang="ko-KR" dirty="0" smtClean="0"/>
+              <a:t> </a:t>
+            </a:r>
+            <a:r>
+              <a:rPr lang="ko-KR" altLang="en-US" dirty="0" smtClean="0"/>
+              <a:t>전압이 적절하지 않기 때문에</a:t>
+            </a:r>
+            <a:r>
+              <a:rPr lang="en-US" altLang="ko-KR" dirty="0" smtClean="0"/>
+              <a:t>, D-S </a:t>
+            </a:r>
+            <a:r>
+              <a:rPr lang="ko-KR" altLang="en-US" dirty="0" smtClean="0"/>
+              <a:t>간 전압</a:t>
+            </a:r>
+            <a:r>
+              <a:rPr lang="en-US" altLang="ko-KR" dirty="0" smtClean="0"/>
+              <a:t>, </a:t>
+            </a:r>
+            <a:r>
+              <a:rPr lang="ko-KR" altLang="en-US" dirty="0" smtClean="0"/>
+              <a:t>전류를 버티지 못하고 발열이 생기고 소실되는 것이죠</a:t>
+            </a:r>
+            <a:r>
+              <a:rPr lang="en-US" altLang="ko-KR" dirty="0" smtClean="0"/>
+              <a:t>. </a:t>
+            </a:r>
+            <a:r>
+              <a:rPr lang="ko-KR" altLang="en-US" dirty="0" smtClean="0"/>
+              <a:t>충분한 전압 </a:t>
+            </a:r>
+            <a:r>
+              <a:rPr lang="ko-KR" altLang="en-US" dirty="0" err="1" smtClean="0"/>
+              <a:t>으로</a:t>
+            </a:r>
+            <a:r>
+              <a:rPr lang="ko-KR" altLang="en-US" dirty="0" smtClean="0"/>
+              <a:t> </a:t>
+            </a:r>
+            <a:r>
+              <a:rPr lang="en-US" altLang="ko-KR" dirty="0" smtClean="0"/>
+              <a:t>Gate </a:t>
+            </a:r>
+            <a:r>
+              <a:rPr lang="ko-KR" altLang="en-US" dirty="0" smtClean="0"/>
+              <a:t>를 컨트롤 할 때에는 이런 문제가 없습니다</a:t>
+            </a:r>
+            <a:r>
+              <a:rPr lang="en-US" altLang="ko-KR" dirty="0" smtClean="0"/>
+              <a:t>.</a:t>
+            </a:r>
+          </a:p>
+          <a:p>
+            <a:r>
+              <a:rPr lang="ko-KR" altLang="en-US" dirty="0" smtClean="0"/>
+              <a:t>반대로 </a:t>
+            </a:r>
+            <a:r>
+              <a:rPr lang="en-US" altLang="ko-KR" dirty="0" smtClean="0"/>
+              <a:t>P-MOSFET </a:t>
+            </a:r>
+            <a:r>
+              <a:rPr lang="ko-KR" altLang="en-US" dirty="0" smtClean="0"/>
+              <a:t>을 사용할 경우에는 </a:t>
+            </a:r>
+            <a:r>
+              <a:rPr lang="en-US" altLang="ko-KR" dirty="0" smtClean="0"/>
+              <a:t>OFF </a:t>
+            </a:r>
+            <a:r>
+              <a:rPr lang="ko-KR" altLang="en-US" dirty="0" smtClean="0"/>
+              <a:t>가 제대로 안되는 경우가 허다합니다</a:t>
+            </a:r>
+            <a:r>
+              <a:rPr lang="en-US" altLang="ko-KR" dirty="0" smtClean="0"/>
+              <a:t>. </a:t>
+            </a:r>
+            <a:r>
+              <a:rPr lang="ko-KR" altLang="en-US" dirty="0" smtClean="0"/>
+              <a:t>역시나 </a:t>
+            </a:r>
+            <a:r>
+              <a:rPr lang="en-US" altLang="ko-KR" dirty="0" err="1" smtClean="0"/>
+              <a:t>Vgs</a:t>
+            </a:r>
+            <a:r>
+              <a:rPr lang="en-US" altLang="ko-KR" dirty="0" smtClean="0"/>
+              <a:t> </a:t>
+            </a:r>
+            <a:r>
+              <a:rPr lang="ko-KR" altLang="en-US" dirty="0" smtClean="0"/>
+              <a:t>전압이 적절치 않기 때문입니다</a:t>
+            </a:r>
+            <a:r>
+              <a:rPr lang="en-US" altLang="ko-KR" dirty="0" smtClean="0"/>
+              <a:t>. S-D </a:t>
+            </a:r>
+            <a:r>
+              <a:rPr lang="ko-KR" altLang="en-US" dirty="0" smtClean="0"/>
+              <a:t>간 흐르는 전류를 막을 만한 전압이 필요한 것인데</a:t>
+            </a:r>
+            <a:r>
+              <a:rPr lang="en-US" altLang="ko-KR" dirty="0" smtClean="0"/>
+              <a:t>, </a:t>
+            </a:r>
+            <a:r>
+              <a:rPr lang="ko-KR" altLang="en-US" dirty="0" smtClean="0"/>
+              <a:t>충분한 전압으로 </a:t>
+            </a:r>
+            <a:r>
+              <a:rPr lang="en-US" altLang="ko-KR" dirty="0" smtClean="0"/>
+              <a:t>Gate </a:t>
+            </a:r>
+            <a:r>
+              <a:rPr lang="ko-KR" altLang="en-US" dirty="0" smtClean="0"/>
+              <a:t>를 조절하지 못하니 전류가 흘러 </a:t>
+            </a:r>
+            <a:r>
+              <a:rPr lang="en-US" altLang="ko-KR" dirty="0" smtClean="0"/>
+              <a:t>OFF</a:t>
+            </a:r>
+            <a:r>
+              <a:rPr lang="ko-KR" altLang="en-US" dirty="0" smtClean="0"/>
+              <a:t>가 되질 않는 것입니다</a:t>
+            </a:r>
+            <a:r>
+              <a:rPr lang="en-US" altLang="ko-KR" dirty="0" smtClean="0"/>
+              <a:t>.</a:t>
+            </a:r>
+          </a:p>
+          <a:p>
+            <a:r>
+              <a:rPr lang="ko-KR" altLang="en-US" dirty="0" smtClean="0"/>
+              <a:t>사실 </a:t>
+            </a:r>
+            <a:r>
+              <a:rPr lang="ko-KR" altLang="en-US" dirty="0" err="1" smtClean="0"/>
+              <a:t>논리게이트용</a:t>
+            </a:r>
+            <a:r>
+              <a:rPr lang="ko-KR" altLang="en-US" dirty="0" smtClean="0"/>
+              <a:t> </a:t>
+            </a:r>
+            <a:r>
+              <a:rPr lang="en-US" altLang="ko-KR" dirty="0" smtClean="0"/>
+              <a:t>MOSFET, </a:t>
+            </a:r>
+            <a:r>
+              <a:rPr lang="en-US" altLang="ko-KR" dirty="0" err="1" smtClean="0"/>
+              <a:t>Vds</a:t>
+            </a:r>
+            <a:r>
+              <a:rPr lang="en-US" altLang="ko-KR" dirty="0" smtClean="0"/>
+              <a:t> = </a:t>
+            </a:r>
+            <a:r>
+              <a:rPr lang="en-US" altLang="ko-KR" dirty="0" err="1" smtClean="0"/>
+              <a:t>Vgs</a:t>
+            </a:r>
+            <a:r>
+              <a:rPr lang="en-US" altLang="ko-KR" dirty="0" smtClean="0"/>
+              <a:t> </a:t>
+            </a:r>
+            <a:r>
+              <a:rPr lang="ko-KR" altLang="en-US" dirty="0" smtClean="0"/>
+              <a:t>조건이 아니라면 </a:t>
+            </a:r>
+            <a:r>
+              <a:rPr lang="en-US" altLang="ko-KR" dirty="0" smtClean="0"/>
+              <a:t>MOSFET </a:t>
+            </a:r>
+            <a:r>
+              <a:rPr lang="ko-KR" altLang="en-US" dirty="0" smtClean="0"/>
+              <a:t>도 </a:t>
+            </a:r>
+            <a:r>
+              <a:rPr lang="en-US" altLang="ko-KR" dirty="0" smtClean="0"/>
+              <a:t>TR </a:t>
+            </a:r>
+            <a:r>
+              <a:rPr lang="ko-KR" altLang="en-US" dirty="0" smtClean="0"/>
+              <a:t>이나 포토커플러로 </a:t>
+            </a:r>
+            <a:r>
+              <a:rPr lang="en-US" altLang="ko-KR" dirty="0" smtClean="0"/>
+              <a:t>ON/OFF</a:t>
+            </a:r>
+            <a:r>
+              <a:rPr lang="ko-KR" altLang="en-US" dirty="0" smtClean="0"/>
+              <a:t>를 해주는 것이 확실합니다</a:t>
+            </a:r>
+            <a:endParaRPr lang="ko-KR" altLang="en-US" dirty="0"/>
+          </a:p>
+        </p:txBody>
+      </p:sp>
+    </p:spTree>
+  </p:cSld>
+  <p:clrMapOvr>
+    <a:masterClrMapping/>
+  </p:clrMapOvr>
+</p:sld>
+</file>
+
+<file path=ppt/slides/slide27.xml><?xml version="1.0" encoding="utf-8"?>
 <p:sld xmlns:a="http://schemas.openxmlformats.org/drawingml/2006/main" xmlns:r="http://schemas.openxmlformats.org/officeDocument/2006/relationships" xmlns:p="http://schemas.openxmlformats.org/presentationml/2006/main">
   <p:cSld>
     <p:spTree>
@@ -9826,7 +10117,7 @@
 </p:sld>
 </file>
 
-<file path=ppt/slides/slide27.xml><?xml version="1.0" encoding="utf-8"?>
+<file path=ppt/slides/slide28.xml><?xml version="1.0" encoding="utf-8"?>
 <p:sld xmlns:a="http://schemas.openxmlformats.org/drawingml/2006/main" xmlns:r="http://schemas.openxmlformats.org/officeDocument/2006/relationships" xmlns:p="http://schemas.openxmlformats.org/presentationml/2006/main">
   <p:cSld>
     <p:spTree>
@@ -10022,7 +10313,7 @@
 </p:sld>
 </file>
 
-<file path=ppt/slides/slide28.xml><?xml version="1.0" encoding="utf-8"?>
+<file path=ppt/slides/slide29.xml><?xml version="1.0" encoding="utf-8"?>
 <p:sld xmlns:a="http://schemas.openxmlformats.org/drawingml/2006/main" xmlns:r="http://schemas.openxmlformats.org/officeDocument/2006/relationships" xmlns:p="http://schemas.openxmlformats.org/presentationml/2006/main">
   <p:cSld>
     <p:spTree>
@@ -10253,271 +10544,6 @@
           <a:xfrm>
             <a:off x="755576" y="1628800"/>
             <a:ext cx="2989240" cy="3535660"/>
-          </a:xfrm>
-          <a:prstGeom prst="rect">
-            <a:avLst/>
-          </a:prstGeom>
-          <a:noFill/>
-          <a:ln w="9525">
-            <a:noFill/>
-            <a:miter lim="800000"/>
-            <a:headEnd/>
-            <a:tailEnd/>
-          </a:ln>
-        </p:spPr>
-      </p:pic>
-    </p:spTree>
-  </p:cSld>
-  <p:clrMapOvr>
-    <a:masterClrMapping/>
-  </p:clrMapOvr>
-</p:sld>
-</file>
-
-<file path=ppt/slides/slide29.xml><?xml version="1.0" encoding="utf-8"?>
-<p:sld xmlns:a="http://schemas.openxmlformats.org/drawingml/2006/main" xmlns:r="http://schemas.openxmlformats.org/officeDocument/2006/relationships" xmlns:p="http://schemas.openxmlformats.org/presentationml/2006/main">
-  <p:cSld>
-    <p:spTree>
-      <p:nvGrpSpPr>
-        <p:cNvPr id="1" name=""/>
-        <p:cNvGrpSpPr/>
-        <p:nvPr/>
-      </p:nvGrpSpPr>
-      <p:grpSpPr>
-        <a:xfrm>
-          <a:off x="0" y="0"/>
-          <a:ext cx="0" cy="0"/>
-          <a:chOff x="0" y="0"/>
-          <a:chExt cx="0" cy="0"/>
-        </a:xfrm>
-      </p:grpSpPr>
-      <p:sp>
-        <p:nvSpPr>
-          <p:cNvPr id="3" name="제목 2"/>
-          <p:cNvSpPr>
-            <a:spLocks noGrp="1"/>
-          </p:cNvSpPr>
-          <p:nvPr>
-            <p:ph type="title"/>
-          </p:nvPr>
-        </p:nvSpPr>
-        <p:spPr/>
-        <p:txBody>
-          <a:bodyPr>
-            <a:normAutofit/>
-          </a:bodyPr>
-          <a:lstStyle/>
-          <a:p>
-            <a:r>
-              <a:rPr lang="en-US" altLang="ko-KR" dirty="0" smtClean="0"/>
-              <a:t>MOSFET</a:t>
-            </a:r>
-            <a:endParaRPr lang="ko-KR" altLang="en-US" dirty="0"/>
-          </a:p>
-        </p:txBody>
-      </p:sp>
-      <p:sp>
-        <p:nvSpPr>
-          <p:cNvPr id="4" name="내용 개체 틀 3"/>
-          <p:cNvSpPr>
-            <a:spLocks noGrp="1"/>
-          </p:cNvSpPr>
-          <p:nvPr>
-            <p:ph idx="1"/>
-          </p:nvPr>
-        </p:nvSpPr>
-        <p:spPr>
-          <a:xfrm>
-            <a:off x="4067944" y="1484784"/>
-            <a:ext cx="4618856" cy="4522507"/>
-          </a:xfrm>
-        </p:spPr>
-        <p:txBody>
-          <a:bodyPr>
-            <a:normAutofit lnSpcReduction="10000"/>
-          </a:bodyPr>
-          <a:lstStyle/>
-          <a:p>
-            <a:r>
-              <a:rPr lang="ko-KR" altLang="en-US" sz="2000" dirty="0" smtClean="0"/>
-              <a:t>이 회로는 </a:t>
-            </a:r>
-            <a:r>
-              <a:rPr lang="en-US" altLang="ko-KR" sz="2000" dirty="0" smtClean="0"/>
-              <a:t>P</a:t>
-            </a:r>
-            <a:r>
-              <a:rPr lang="ko-KR" altLang="en-US" sz="2000" dirty="0" smtClean="0"/>
-              <a:t>채널 </a:t>
-            </a:r>
-            <a:r>
-              <a:rPr lang="en-US" altLang="ko-KR" sz="2000" dirty="0" smtClean="0"/>
-              <a:t>MOSFET </a:t>
-            </a:r>
-            <a:r>
-              <a:rPr lang="ko-KR" altLang="en-US" sz="2000" dirty="0" smtClean="0"/>
-              <a:t>을 사용하여 역전압 </a:t>
-            </a:r>
-            <a:r>
-              <a:rPr lang="ko-KR" altLang="en-US" sz="2000" dirty="0" err="1" smtClean="0"/>
-              <a:t>인가시</a:t>
-            </a:r>
-            <a:r>
-              <a:rPr lang="ko-KR" altLang="en-US" sz="2000" dirty="0" smtClean="0"/>
-              <a:t> 회로를 보호하기 위한 회로 입니다</a:t>
-            </a:r>
-            <a:r>
-              <a:rPr lang="en-US" altLang="ko-KR" sz="2000" dirty="0" smtClean="0"/>
-              <a:t>. </a:t>
-            </a:r>
-            <a:r>
-              <a:rPr lang="ko-KR" altLang="en-US" sz="2000" dirty="0" smtClean="0"/>
-              <a:t>보통 </a:t>
-            </a:r>
-            <a:r>
-              <a:rPr lang="en-US" altLang="ko-KR" sz="2000" dirty="0" smtClean="0"/>
-              <a:t>DIODE </a:t>
-            </a:r>
-            <a:r>
-              <a:rPr lang="ko-KR" altLang="en-US" sz="2000" dirty="0" smtClean="0"/>
-              <a:t>를 사용하는데</a:t>
-            </a:r>
-            <a:r>
-              <a:rPr lang="en-US" altLang="ko-KR" sz="2000" dirty="0" smtClean="0"/>
-              <a:t>, </a:t>
-            </a:r>
-          </a:p>
-          <a:p>
-            <a:r>
-              <a:rPr lang="en-US" altLang="ko-KR" sz="2000" dirty="0" smtClean="0"/>
-              <a:t>DIODE </a:t>
-            </a:r>
-            <a:r>
-              <a:rPr lang="ko-KR" altLang="en-US" sz="2000" dirty="0" smtClean="0"/>
-              <a:t>의 경우 전압강하가 있고 에너지 자체가 소모되는 꼴이므로 </a:t>
-            </a:r>
-            <a:r>
-              <a:rPr lang="en-US" altLang="ko-KR" sz="2000" dirty="0" smtClean="0"/>
-              <a:t>MOSFET </a:t>
-            </a:r>
-            <a:r>
-              <a:rPr lang="ko-KR" altLang="en-US" sz="2000" dirty="0" smtClean="0"/>
-              <a:t>을 사용하기도 합니다</a:t>
-            </a:r>
-            <a:r>
-              <a:rPr lang="en-US" altLang="ko-KR" sz="2000" dirty="0" smtClean="0"/>
-              <a:t>. </a:t>
-            </a:r>
-          </a:p>
-          <a:p>
-            <a:r>
-              <a:rPr lang="ko-KR" altLang="en-US" sz="2000" dirty="0" smtClean="0"/>
-              <a:t>단</a:t>
-            </a:r>
-            <a:r>
-              <a:rPr lang="en-US" altLang="ko-KR" sz="2000" dirty="0" smtClean="0"/>
-              <a:t>, </a:t>
-            </a:r>
-            <a:r>
-              <a:rPr lang="ko-KR" altLang="en-US" sz="2000" dirty="0" smtClean="0"/>
-              <a:t>여기서 참고할 것은 </a:t>
-            </a:r>
-            <a:r>
-              <a:rPr lang="en-US" altLang="ko-KR" sz="2000" dirty="0" smtClean="0"/>
-              <a:t>MOSFET </a:t>
-            </a:r>
-            <a:r>
-              <a:rPr lang="ko-KR" altLang="en-US" sz="2000" dirty="0" smtClean="0"/>
-              <a:t>의 기생 </a:t>
-            </a:r>
-            <a:r>
-              <a:rPr lang="en-US" altLang="ko-KR" sz="2000" dirty="0" smtClean="0"/>
-              <a:t>DIODE </a:t>
-            </a:r>
-            <a:r>
-              <a:rPr lang="ko-KR" altLang="en-US" sz="2000" dirty="0" smtClean="0"/>
-              <a:t>의 방향으로 역전압 </a:t>
-            </a:r>
-            <a:r>
-              <a:rPr lang="ko-KR" altLang="en-US" sz="2000" dirty="0" err="1" smtClean="0"/>
-              <a:t>인가시</a:t>
-            </a:r>
-            <a:r>
-              <a:rPr lang="ko-KR" altLang="en-US" sz="2000" dirty="0" smtClean="0"/>
-              <a:t> </a:t>
-            </a:r>
-            <a:r>
-              <a:rPr lang="en-US" altLang="ko-KR" sz="2000" dirty="0" smtClean="0"/>
-              <a:t>GND</a:t>
-            </a:r>
-            <a:r>
-              <a:rPr lang="ko-KR" altLang="en-US" sz="2000" dirty="0" smtClean="0"/>
-              <a:t>에 </a:t>
-            </a:r>
-            <a:r>
-              <a:rPr lang="en-US" altLang="ko-KR" sz="2000" dirty="0" smtClean="0"/>
-              <a:t>+ </a:t>
-            </a:r>
-            <a:r>
-              <a:rPr lang="ko-KR" altLang="en-US" sz="2000" dirty="0" err="1" smtClean="0"/>
-              <a:t>인가시</a:t>
-            </a:r>
-            <a:r>
-              <a:rPr lang="ko-KR" altLang="en-US" sz="2000" dirty="0" smtClean="0"/>
-              <a:t> 최종적으로 </a:t>
-            </a:r>
-            <a:r>
-              <a:rPr lang="en-US" altLang="ko-KR" sz="2000" dirty="0" smtClean="0"/>
-              <a:t>S-D </a:t>
-            </a:r>
-            <a:r>
-              <a:rPr lang="ko-KR" altLang="en-US" sz="2000" dirty="0" smtClean="0"/>
-              <a:t>간 전원이 통하지 못하게 되어 전체 회로를 보호하게 됩니다</a:t>
-            </a:r>
-            <a:r>
-              <a:rPr lang="en-US" altLang="ko-KR" sz="2000" dirty="0" smtClean="0"/>
-              <a:t>. </a:t>
-            </a:r>
-          </a:p>
-          <a:p>
-            <a:r>
-              <a:rPr lang="ko-KR" altLang="en-US" sz="2000" dirty="0" smtClean="0"/>
-              <a:t>때문에 기생 </a:t>
-            </a:r>
-            <a:r>
-              <a:rPr lang="en-US" altLang="ko-KR" sz="2000" dirty="0" smtClean="0"/>
-              <a:t>DIODE </a:t>
-            </a:r>
-            <a:r>
-              <a:rPr lang="ko-KR" altLang="en-US" sz="2000" dirty="0" smtClean="0"/>
-              <a:t>의 방향이 스위치로 활용되는 회로와 차이가 있습니다</a:t>
-            </a:r>
-            <a:r>
-              <a:rPr lang="en-US" altLang="ko-KR" sz="2000" dirty="0" smtClean="0"/>
-              <a:t>.</a:t>
-            </a:r>
-          </a:p>
-        </p:txBody>
-      </p:sp>
-      <p:pic>
-        <p:nvPicPr>
-          <p:cNvPr id="9218" name="Picture 2"/>
-          <p:cNvPicPr>
-            <a:picLocks noChangeAspect="1" noChangeArrowheads="1"/>
-          </p:cNvPicPr>
-          <p:nvPr/>
-        </p:nvPicPr>
-        <p:blipFill>
-          <a:blip r:embed="rId2" cstate="print"/>
-          <a:srcRect/>
-          <a:stretch>
-            <a:fillRect/>
-          </a:stretch>
-        </p:blipFill>
-        <p:spPr bwMode="auto">
-          <a:xfrm>
-            <a:off x="539552" y="2204864"/>
-            <a:ext cx="3343971" cy="2325613"/>
           </a:xfrm>
           <a:prstGeom prst="rect">
             <a:avLst/>
@@ -10725,6 +10751,271 @@
 </p:sld>
 </file>
 
+<file path=ppt/slides/slide30.xml><?xml version="1.0" encoding="utf-8"?>
+<p:sld xmlns:a="http://schemas.openxmlformats.org/drawingml/2006/main" xmlns:r="http://schemas.openxmlformats.org/officeDocument/2006/relationships" xmlns:p="http://schemas.openxmlformats.org/presentationml/2006/main">
+  <p:cSld>
+    <p:spTree>
+      <p:nvGrpSpPr>
+        <p:cNvPr id="1" name=""/>
+        <p:cNvGrpSpPr/>
+        <p:nvPr/>
+      </p:nvGrpSpPr>
+      <p:grpSpPr>
+        <a:xfrm>
+          <a:off x="0" y="0"/>
+          <a:ext cx="0" cy="0"/>
+          <a:chOff x="0" y="0"/>
+          <a:chExt cx="0" cy="0"/>
+        </a:xfrm>
+      </p:grpSpPr>
+      <p:sp>
+        <p:nvSpPr>
+          <p:cNvPr id="3" name="제목 2"/>
+          <p:cNvSpPr>
+            <a:spLocks noGrp="1"/>
+          </p:cNvSpPr>
+          <p:nvPr>
+            <p:ph type="title"/>
+          </p:nvPr>
+        </p:nvSpPr>
+        <p:spPr/>
+        <p:txBody>
+          <a:bodyPr>
+            <a:normAutofit/>
+          </a:bodyPr>
+          <a:lstStyle/>
+          <a:p>
+            <a:r>
+              <a:rPr lang="en-US" altLang="ko-KR" dirty="0" smtClean="0"/>
+              <a:t>MOSFET</a:t>
+            </a:r>
+            <a:endParaRPr lang="ko-KR" altLang="en-US" dirty="0"/>
+          </a:p>
+        </p:txBody>
+      </p:sp>
+      <p:sp>
+        <p:nvSpPr>
+          <p:cNvPr id="4" name="내용 개체 틀 3"/>
+          <p:cNvSpPr>
+            <a:spLocks noGrp="1"/>
+          </p:cNvSpPr>
+          <p:nvPr>
+            <p:ph idx="1"/>
+          </p:nvPr>
+        </p:nvSpPr>
+        <p:spPr>
+          <a:xfrm>
+            <a:off x="4067944" y="1484784"/>
+            <a:ext cx="4618856" cy="4522507"/>
+          </a:xfrm>
+        </p:spPr>
+        <p:txBody>
+          <a:bodyPr>
+            <a:normAutofit lnSpcReduction="10000"/>
+          </a:bodyPr>
+          <a:lstStyle/>
+          <a:p>
+            <a:r>
+              <a:rPr lang="ko-KR" altLang="en-US" sz="2000" dirty="0" smtClean="0"/>
+              <a:t>이 회로는 </a:t>
+            </a:r>
+            <a:r>
+              <a:rPr lang="en-US" altLang="ko-KR" sz="2000" dirty="0" smtClean="0"/>
+              <a:t>P</a:t>
+            </a:r>
+            <a:r>
+              <a:rPr lang="ko-KR" altLang="en-US" sz="2000" dirty="0" smtClean="0"/>
+              <a:t>채널 </a:t>
+            </a:r>
+            <a:r>
+              <a:rPr lang="en-US" altLang="ko-KR" sz="2000" dirty="0" smtClean="0"/>
+              <a:t>MOSFET </a:t>
+            </a:r>
+            <a:r>
+              <a:rPr lang="ko-KR" altLang="en-US" sz="2000" dirty="0" smtClean="0"/>
+              <a:t>을 사용하여 역전압 </a:t>
+            </a:r>
+            <a:r>
+              <a:rPr lang="ko-KR" altLang="en-US" sz="2000" dirty="0" err="1" smtClean="0"/>
+              <a:t>인가시</a:t>
+            </a:r>
+            <a:r>
+              <a:rPr lang="ko-KR" altLang="en-US" sz="2000" dirty="0" smtClean="0"/>
+              <a:t> 회로를 보호하기 위한 회로 입니다</a:t>
+            </a:r>
+            <a:r>
+              <a:rPr lang="en-US" altLang="ko-KR" sz="2000" dirty="0" smtClean="0"/>
+              <a:t>. </a:t>
+            </a:r>
+            <a:r>
+              <a:rPr lang="ko-KR" altLang="en-US" sz="2000" dirty="0" smtClean="0"/>
+              <a:t>보통 </a:t>
+            </a:r>
+            <a:r>
+              <a:rPr lang="en-US" altLang="ko-KR" sz="2000" dirty="0" smtClean="0"/>
+              <a:t>DIODE </a:t>
+            </a:r>
+            <a:r>
+              <a:rPr lang="ko-KR" altLang="en-US" sz="2000" dirty="0" smtClean="0"/>
+              <a:t>를 사용하는데</a:t>
+            </a:r>
+            <a:r>
+              <a:rPr lang="en-US" altLang="ko-KR" sz="2000" dirty="0" smtClean="0"/>
+              <a:t>, </a:t>
+            </a:r>
+          </a:p>
+          <a:p>
+            <a:r>
+              <a:rPr lang="en-US" altLang="ko-KR" sz="2000" dirty="0" smtClean="0"/>
+              <a:t>DIODE </a:t>
+            </a:r>
+            <a:r>
+              <a:rPr lang="ko-KR" altLang="en-US" sz="2000" dirty="0" smtClean="0"/>
+              <a:t>의 경우 전압강하가 있고 에너지 자체가 소모되는 꼴이므로 </a:t>
+            </a:r>
+            <a:r>
+              <a:rPr lang="en-US" altLang="ko-KR" sz="2000" dirty="0" smtClean="0"/>
+              <a:t>MOSFET </a:t>
+            </a:r>
+            <a:r>
+              <a:rPr lang="ko-KR" altLang="en-US" sz="2000" dirty="0" smtClean="0"/>
+              <a:t>을 사용하기도 합니다</a:t>
+            </a:r>
+            <a:r>
+              <a:rPr lang="en-US" altLang="ko-KR" sz="2000" dirty="0" smtClean="0"/>
+              <a:t>. </a:t>
+            </a:r>
+          </a:p>
+          <a:p>
+            <a:r>
+              <a:rPr lang="ko-KR" altLang="en-US" sz="2000" dirty="0" smtClean="0"/>
+              <a:t>단</a:t>
+            </a:r>
+            <a:r>
+              <a:rPr lang="en-US" altLang="ko-KR" sz="2000" dirty="0" smtClean="0"/>
+              <a:t>, </a:t>
+            </a:r>
+            <a:r>
+              <a:rPr lang="ko-KR" altLang="en-US" sz="2000" dirty="0" smtClean="0"/>
+              <a:t>여기서 참고할 것은 </a:t>
+            </a:r>
+            <a:r>
+              <a:rPr lang="en-US" altLang="ko-KR" sz="2000" dirty="0" smtClean="0"/>
+              <a:t>MOSFET </a:t>
+            </a:r>
+            <a:r>
+              <a:rPr lang="ko-KR" altLang="en-US" sz="2000" dirty="0" smtClean="0"/>
+              <a:t>의 기생 </a:t>
+            </a:r>
+            <a:r>
+              <a:rPr lang="en-US" altLang="ko-KR" sz="2000" dirty="0" smtClean="0"/>
+              <a:t>DIODE </a:t>
+            </a:r>
+            <a:r>
+              <a:rPr lang="ko-KR" altLang="en-US" sz="2000" dirty="0" smtClean="0"/>
+              <a:t>의 방향으로 역전압 </a:t>
+            </a:r>
+            <a:r>
+              <a:rPr lang="ko-KR" altLang="en-US" sz="2000" dirty="0" err="1" smtClean="0"/>
+              <a:t>인가시</a:t>
+            </a:r>
+            <a:r>
+              <a:rPr lang="ko-KR" altLang="en-US" sz="2000" dirty="0" smtClean="0"/>
+              <a:t> </a:t>
+            </a:r>
+            <a:r>
+              <a:rPr lang="en-US" altLang="ko-KR" sz="2000" dirty="0" smtClean="0"/>
+              <a:t>GND</a:t>
+            </a:r>
+            <a:r>
+              <a:rPr lang="ko-KR" altLang="en-US" sz="2000" dirty="0" smtClean="0"/>
+              <a:t>에 </a:t>
+            </a:r>
+            <a:r>
+              <a:rPr lang="en-US" altLang="ko-KR" sz="2000" dirty="0" smtClean="0"/>
+              <a:t>+ </a:t>
+            </a:r>
+            <a:r>
+              <a:rPr lang="ko-KR" altLang="en-US" sz="2000" dirty="0" err="1" smtClean="0"/>
+              <a:t>인가시</a:t>
+            </a:r>
+            <a:r>
+              <a:rPr lang="ko-KR" altLang="en-US" sz="2000" dirty="0" smtClean="0"/>
+              <a:t> 최종적으로 </a:t>
+            </a:r>
+            <a:r>
+              <a:rPr lang="en-US" altLang="ko-KR" sz="2000" dirty="0" smtClean="0"/>
+              <a:t>S-D </a:t>
+            </a:r>
+            <a:r>
+              <a:rPr lang="ko-KR" altLang="en-US" sz="2000" dirty="0" smtClean="0"/>
+              <a:t>간 전원이 통하지 못하게 되어 전체 회로를 보호하게 됩니다</a:t>
+            </a:r>
+            <a:r>
+              <a:rPr lang="en-US" altLang="ko-KR" sz="2000" dirty="0" smtClean="0"/>
+              <a:t>. </a:t>
+            </a:r>
+          </a:p>
+          <a:p>
+            <a:r>
+              <a:rPr lang="ko-KR" altLang="en-US" sz="2000" dirty="0" smtClean="0"/>
+              <a:t>때문에 기생 </a:t>
+            </a:r>
+            <a:r>
+              <a:rPr lang="en-US" altLang="ko-KR" sz="2000" dirty="0" smtClean="0"/>
+              <a:t>DIODE </a:t>
+            </a:r>
+            <a:r>
+              <a:rPr lang="ko-KR" altLang="en-US" sz="2000" dirty="0" smtClean="0"/>
+              <a:t>의 방향이 스위치로 활용되는 회로와 차이가 있습니다</a:t>
+            </a:r>
+            <a:r>
+              <a:rPr lang="en-US" altLang="ko-KR" sz="2000" dirty="0" smtClean="0"/>
+              <a:t>.</a:t>
+            </a:r>
+          </a:p>
+        </p:txBody>
+      </p:sp>
+      <p:pic>
+        <p:nvPicPr>
+          <p:cNvPr id="9218" name="Picture 2"/>
+          <p:cNvPicPr>
+            <a:picLocks noChangeAspect="1" noChangeArrowheads="1"/>
+          </p:cNvPicPr>
+          <p:nvPr/>
+        </p:nvPicPr>
+        <p:blipFill>
+          <a:blip r:embed="rId2" cstate="print"/>
+          <a:srcRect/>
+          <a:stretch>
+            <a:fillRect/>
+          </a:stretch>
+        </p:blipFill>
+        <p:spPr bwMode="auto">
+          <a:xfrm>
+            <a:off x="539552" y="2204864"/>
+            <a:ext cx="3343971" cy="2325613"/>
+          </a:xfrm>
+          <a:prstGeom prst="rect">
+            <a:avLst/>
+          </a:prstGeom>
+          <a:noFill/>
+          <a:ln w="9525">
+            <a:noFill/>
+            <a:miter lim="800000"/>
+            <a:headEnd/>
+            <a:tailEnd/>
+          </a:ln>
+        </p:spPr>
+      </p:pic>
+    </p:spTree>
+  </p:cSld>
+  <p:clrMapOvr>
+    <a:masterClrMapping/>
+  </p:clrMapOvr>
+</p:sld>
+</file>
+
 <file path=ppt/slides/slide4.xml><?xml version="1.0" encoding="utf-8"?>
 <p:sld xmlns:a="http://schemas.openxmlformats.org/drawingml/2006/main" xmlns:r="http://schemas.openxmlformats.org/officeDocument/2006/relationships" xmlns:p="http://schemas.openxmlformats.org/presentationml/2006/main">
   <p:cSld>
@@ -10906,11 +11197,7 @@
             </a:r>
             <a:r>
               <a:rPr lang="ko-KR" altLang="en-US" dirty="0" smtClean="0"/>
-              <a:t>규격을 </a:t>
-            </a:r>
-            <a:r>
-              <a:rPr lang="ko-KR" altLang="en-US" dirty="0" smtClean="0"/>
-              <a:t>사용하고 있으며 이것들은 </a:t>
+              <a:t>규격을 사용하고 있으며 이것들은 </a:t>
             </a:r>
             <a:r>
               <a:rPr lang="en-US" altLang="ko-KR" dirty="0" smtClean="0"/>
@@ -10934,15 +11221,7 @@
             </a:r>
             <a:r>
               <a:rPr lang="en-US" altLang="ko-KR" dirty="0" smtClean="0"/>
-              <a:t>E3, </a:t>
-            </a:r>
-            <a:r>
-              <a:rPr lang="en-US" altLang="ko-KR" dirty="0" smtClean="0"/>
-              <a:t>E6, </a:t>
-            </a:r>
-            <a:r>
-              <a:rPr lang="en-US" altLang="ko-KR" dirty="0" smtClean="0"/>
-              <a:t>E12, E24</a:t>
+              <a:t>E3, E6, E12, E24</a:t>
             </a:r>
             <a:r>
               <a:rPr lang="ko-KR" altLang="en-US" dirty="0" smtClean="0"/>
@@ -11148,94 +11427,252 @@
         </p:nvSpPr>
         <p:spPr/>
         <p:txBody>
-          <a:bodyPr/>
+          <a:bodyPr>
+            <a:normAutofit fontScale="77500" lnSpcReduction="20000"/>
+          </a:bodyPr>
           <a:lstStyle/>
           <a:p>
             <a:r>
+              <a:rPr lang="ko-KR" altLang="en-US" dirty="0" smtClean="0"/>
+              <a:t>분로저항의 일종으로 전류측정에 주로 사용되는 저항으로 기본적으로 보면 </a:t>
+            </a:r>
+            <a:r>
               <a:rPr lang="ko-KR" altLang="en-US" dirty="0" err="1" smtClean="0"/>
-              <a:t>입력전원단</a:t>
-            </a:r>
-            <a:r>
-              <a:rPr lang="ko-KR" altLang="en-US" dirty="0" smtClean="0"/>
-              <a:t> 바이패스 </a:t>
+              <a:t>저항값이</a:t>
+            </a:r>
+            <a:r>
+              <a:rPr lang="ko-KR" altLang="en-US" dirty="0" smtClean="0"/>
+              <a:t> 매우 낮은 저항을 </a:t>
             </a:r>
             <a:r>
               <a:rPr lang="ko-KR" altLang="en-US" dirty="0" err="1" smtClean="0"/>
-              <a:t>커패시터</a:t>
-            </a:r>
-            <a:r>
-              <a:rPr lang="ko-KR" altLang="en-US" dirty="0" smtClean="0"/>
+              <a:t>션트라고</a:t>
+            </a:r>
+            <a:r>
+              <a:rPr lang="ko-KR" altLang="en-US" dirty="0" smtClean="0"/>
+              <a:t> 합니다</a:t>
+            </a:r>
+            <a:r>
+              <a:rPr lang="en-US" altLang="ko-KR" dirty="0" smtClean="0"/>
+              <a:t>.</a:t>
+            </a:r>
+          </a:p>
+          <a:p>
+            <a:r>
+              <a:rPr lang="ko-KR" altLang="en-US" dirty="0" smtClean="0"/>
+              <a:t>우리나라 말로 </a:t>
+            </a:r>
+            <a:r>
+              <a:rPr lang="ko-KR" altLang="en-US" dirty="0" err="1" smtClean="0"/>
+              <a:t>분류기라고도</a:t>
+            </a:r>
+            <a:r>
+              <a:rPr lang="ko-KR" altLang="en-US" dirty="0" smtClean="0"/>
+              <a:t> 합니다</a:t>
+            </a:r>
+            <a:r>
+              <a:rPr lang="en-US" altLang="ko-KR" dirty="0" smtClean="0"/>
+              <a:t>. </a:t>
+            </a:r>
+            <a:r>
+              <a:rPr lang="ko-KR" altLang="en-US" dirty="0" smtClean="0"/>
+              <a:t>즉 전류를 나눈다는 뜻이죠</a:t>
+            </a:r>
+            <a:r>
+              <a:rPr lang="en-US" altLang="ko-KR" dirty="0" smtClean="0"/>
+              <a:t>.</a:t>
+            </a:r>
+          </a:p>
+          <a:p>
+            <a:r>
+              <a:rPr lang="ko-KR" altLang="en-US" dirty="0" err="1" smtClean="0"/>
+              <a:t>션트를</a:t>
+            </a:r>
+            <a:r>
+              <a:rPr lang="ko-KR" altLang="en-US" dirty="0" smtClean="0"/>
+              <a:t> 사용하는 주목적은 전류 측정을 위해서 </a:t>
+            </a:r>
+            <a:r>
+              <a:rPr lang="ko-KR" altLang="en-US" dirty="0" smtClean="0"/>
+              <a:t>인데 전류를 </a:t>
+            </a:r>
+            <a:r>
+              <a:rPr lang="ko-KR" altLang="en-US" dirty="0" smtClean="0"/>
+              <a:t>측정하는 방법으로 </a:t>
+            </a:r>
+            <a:r>
+              <a:rPr lang="ko-KR" altLang="en-US" dirty="0" err="1" smtClean="0"/>
+              <a:t>전류가흐르는</a:t>
+            </a:r>
+            <a:r>
+              <a:rPr lang="ko-KR" altLang="en-US" dirty="0" smtClean="0"/>
+              <a:t> 전선중간에 저항을 직렬로 </a:t>
+            </a:r>
+            <a:r>
+              <a:rPr lang="ko-KR" altLang="en-US" dirty="0" smtClean="0"/>
+              <a:t>넣고 저항에서 </a:t>
+            </a:r>
+            <a:r>
+              <a:rPr lang="ko-KR" altLang="en-US" dirty="0" smtClean="0"/>
+              <a:t>발생하는 전압을 측정하는 원리입니다</a:t>
+            </a:r>
+            <a:r>
+              <a:rPr lang="en-US" altLang="ko-KR" dirty="0" smtClean="0"/>
+              <a:t>.</a:t>
+            </a:r>
+          </a:p>
+          <a:p>
+            <a:endParaRPr lang="en-US" altLang="ko-KR" dirty="0" smtClean="0"/>
+          </a:p>
+          <a:p>
+            <a:r>
+              <a:rPr lang="ko-KR" altLang="en-US" dirty="0" smtClean="0"/>
+              <a:t>가령 저항 </a:t>
+            </a:r>
+            <a:r>
+              <a:rPr lang="en-US" altLang="ko-KR" dirty="0" smtClean="0"/>
+              <a:t>R</a:t>
+            </a:r>
+            <a:r>
+              <a:rPr lang="ko-KR" altLang="en-US" dirty="0" smtClean="0"/>
+              <a:t>을 </a:t>
+            </a:r>
+            <a:r>
+              <a:rPr lang="en-US" altLang="ko-KR" dirty="0" smtClean="0"/>
+              <a:t>0.001</a:t>
+            </a:r>
+            <a:r>
+              <a:rPr lang="ko-KR" altLang="en-US" dirty="0" smtClean="0"/>
+              <a:t>옴짜리 </a:t>
+            </a:r>
+            <a:r>
+              <a:rPr lang="ko-KR" altLang="en-US" dirty="0" err="1" smtClean="0"/>
+              <a:t>션트를</a:t>
+            </a:r>
+            <a:r>
+              <a:rPr lang="ko-KR" altLang="en-US" dirty="0" smtClean="0"/>
+              <a:t> 사용했다고 하고</a:t>
+            </a:r>
+          </a:p>
+          <a:p>
+            <a:r>
+              <a:rPr lang="ko-KR" altLang="en-US" dirty="0" smtClean="0"/>
+              <a:t>여기에 걸리는 전압이 </a:t>
+            </a:r>
+            <a:r>
+              <a:rPr lang="en-US" altLang="ko-KR" dirty="0" smtClean="0"/>
+              <a:t>20mV</a:t>
+            </a:r>
+            <a:r>
+              <a:rPr lang="ko-KR" altLang="en-US" dirty="0" smtClean="0"/>
+              <a:t>라고 </a:t>
+            </a:r>
+            <a:r>
+              <a:rPr lang="ko-KR" altLang="en-US" dirty="0" smtClean="0"/>
+              <a:t>하면</a:t>
+            </a:r>
+            <a:endParaRPr lang="en-US" altLang="ko-KR" dirty="0" smtClean="0"/>
+          </a:p>
+          <a:p>
+            <a:pPr>
+              <a:buNone/>
+            </a:pPr>
+            <a:r>
+              <a:rPr lang="en-US" altLang="ko-KR" dirty="0" smtClean="0"/>
               <a:t> </a:t>
             </a:r>
             <a:r>
               <a:rPr lang="en-US" altLang="ko-KR" dirty="0" smtClean="0"/>
-              <a:t>47uF</a:t>
-            </a:r>
-          </a:p>
-          <a:p>
+              <a:t>  I </a:t>
+            </a:r>
+            <a:r>
+              <a:rPr lang="en-US" altLang="ko-KR" dirty="0" smtClean="0"/>
+              <a:t>= V/R = 0.02V/0.001</a:t>
+            </a:r>
+            <a:r>
+              <a:rPr lang="ko-KR" altLang="en-US" dirty="0" smtClean="0"/>
+              <a:t>옴 </a:t>
+            </a:r>
+            <a:r>
+              <a:rPr lang="en-US" altLang="ko-KR" dirty="0" smtClean="0"/>
+              <a:t>= 20A</a:t>
+            </a:r>
+            <a:r>
+              <a:rPr lang="ko-KR" altLang="en-US" dirty="0" smtClean="0"/>
+              <a:t>가 되는 것입니다</a:t>
+            </a:r>
+            <a:r>
+              <a:rPr lang="en-US" altLang="ko-KR" dirty="0" smtClean="0"/>
+              <a:t>.</a:t>
+            </a:r>
+          </a:p>
+          <a:p>
+            <a:r>
+              <a:rPr lang="ko-KR" altLang="en-US" dirty="0" smtClean="0"/>
+              <a:t>이때 </a:t>
+            </a:r>
+            <a:r>
+              <a:rPr lang="ko-KR" altLang="en-US" dirty="0" err="1" smtClean="0"/>
+              <a:t>션트저항에</a:t>
+            </a:r>
+            <a:r>
+              <a:rPr lang="ko-KR" altLang="en-US" dirty="0" smtClean="0"/>
+              <a:t> 걸리는 파워</a:t>
+            </a:r>
+            <a:r>
+              <a:rPr lang="en-US" altLang="ko-KR" dirty="0" smtClean="0"/>
+              <a:t>(W)</a:t>
+            </a:r>
+            <a:r>
+              <a:rPr lang="ko-KR" altLang="en-US" dirty="0" smtClean="0"/>
+              <a:t>는</a:t>
+            </a:r>
+          </a:p>
+          <a:p>
+            <a:pPr>
+              <a:buNone/>
+            </a:pPr>
+            <a:r>
+              <a:rPr lang="en-US" altLang="ko-KR" dirty="0" smtClean="0"/>
+              <a:t>   P </a:t>
+            </a:r>
+            <a:r>
+              <a:rPr lang="en-US" altLang="ko-KR" dirty="0" smtClean="0"/>
+              <a:t>= V x I = 0.02 x 20 = 0.4W </a:t>
+            </a:r>
             <a:endParaRPr lang="en-US" altLang="ko-KR" dirty="0" smtClean="0"/>
           </a:p>
           <a:p>
-            <a:r>
-              <a:rPr lang="en-US" altLang="ko-KR" dirty="0" err="1" smtClean="0"/>
-              <a:t>Photocoupler</a:t>
-            </a:r>
+            <a:pPr>
+              <a:buNone/>
+            </a:pPr>
             <a:r>
               <a:rPr lang="en-US" altLang="ko-KR" dirty="0" smtClean="0"/>
               <a:t> </a:t>
             </a:r>
             <a:r>
+              <a:rPr lang="en-US" altLang="ko-KR" dirty="0" smtClean="0"/>
+              <a:t>  </a:t>
+            </a:r>
+            <a:r>
+              <a:rPr lang="ko-KR" altLang="en-US" dirty="0" smtClean="0"/>
+              <a:t>즉</a:t>
+            </a:r>
+            <a:r>
+              <a:rPr lang="en-US" altLang="ko-KR" dirty="0" smtClean="0"/>
+              <a:t>,1/2W </a:t>
+            </a:r>
+            <a:r>
               <a:rPr lang="ko-KR" altLang="en-US" dirty="0" err="1" smtClean="0"/>
-              <a:t>출력단</a:t>
-            </a:r>
-            <a:r>
-              <a:rPr lang="ko-KR" altLang="en-US" dirty="0" smtClean="0"/>
-              <a:t> </a:t>
-            </a:r>
-            <a:r>
-              <a:rPr lang="ko-KR" altLang="en-US" dirty="0" err="1" smtClean="0"/>
-              <a:t>커패시터</a:t>
-            </a:r>
-            <a:r>
-              <a:rPr lang="ko-KR" altLang="en-US" dirty="0" smtClean="0"/>
-              <a:t> </a:t>
-            </a:r>
-            <a:r>
-              <a:rPr lang="en-US" altLang="ko-KR" dirty="0" smtClean="0"/>
-              <a:t>0.1uF</a:t>
-            </a:r>
-          </a:p>
-          <a:p>
-            <a:endParaRPr lang="en-US" altLang="ko-KR" dirty="0" smtClean="0"/>
-          </a:p>
-          <a:p>
-            <a:r>
-              <a:rPr lang="en-US" altLang="ko-KR" dirty="0" smtClean="0"/>
-              <a:t>Polarity / </a:t>
-            </a:r>
-            <a:r>
-              <a:rPr lang="en-US" altLang="ko-KR" dirty="0" err="1" smtClean="0"/>
-              <a:t>Nonpolar</a:t>
-            </a:r>
-            <a:r>
-              <a:rPr lang="en-US" altLang="ko-KR" dirty="0" smtClean="0"/>
-              <a:t> (</a:t>
-            </a:r>
-            <a:r>
-              <a:rPr lang="ko-KR" altLang="en-US" dirty="0" smtClean="0"/>
-              <a:t>극성 </a:t>
-            </a:r>
-            <a:r>
-              <a:rPr lang="en-US" altLang="ko-KR" dirty="0" smtClean="0"/>
-              <a:t>/ </a:t>
-            </a:r>
-            <a:r>
-              <a:rPr lang="ko-KR" altLang="en-US" dirty="0" err="1" smtClean="0"/>
-              <a:t>무극성</a:t>
-            </a:r>
-            <a:r>
-              <a:rPr lang="en-US" altLang="ko-KR" dirty="0" smtClean="0"/>
-              <a:t>)</a:t>
+              <a:t>급저항이면</a:t>
+            </a:r>
+            <a:r>
+              <a:rPr lang="ko-KR" altLang="en-US" dirty="0" smtClean="0"/>
+              <a:t> 되겠군요</a:t>
+            </a:r>
+            <a:r>
+              <a:rPr lang="en-US" altLang="ko-KR" dirty="0" smtClean="0"/>
+              <a:t>.</a:t>
             </a:r>
             <a:endParaRPr lang="ko-KR" altLang="en-US" dirty="0"/>
           </a:p>
@@ -11258,7 +11695,15 @@
           <a:p>
             <a:r>
               <a:rPr lang="en-US" altLang="ko-KR" dirty="0" smtClean="0"/>
-              <a:t>Capacitor</a:t>
+              <a:t>Resistor </a:t>
+            </a:r>
+            <a:r>
+              <a:rPr lang="en-US" altLang="ko-KR" smtClean="0"/>
+              <a:t>- </a:t>
+            </a:r>
+            <a:r>
+              <a:rPr lang="en-US" altLang="ko-KR" smtClean="0"/>
+              <a:t>shunt</a:t>
             </a:r>
             <a:endParaRPr lang="ko-KR" altLang="en-US" dirty="0"/>
           </a:p>
@@ -11291,6 +11736,111 @@
       </p:grpSpPr>
       <p:sp>
         <p:nvSpPr>
+          <p:cNvPr id="2" name="내용 개체 틀 1"/>
+          <p:cNvSpPr>
+            <a:spLocks noGrp="1"/>
+          </p:cNvSpPr>
+          <p:nvPr>
+            <p:ph idx="1"/>
+          </p:nvPr>
+        </p:nvSpPr>
+        <p:spPr/>
+        <p:txBody>
+          <a:bodyPr/>
+          <a:lstStyle/>
+          <a:p>
+            <a:r>
+              <a:rPr lang="ko-KR" altLang="en-US" dirty="0" err="1" smtClean="0"/>
+              <a:t>입력전원단</a:t>
+            </a:r>
+            <a:r>
+              <a:rPr lang="ko-KR" altLang="en-US" dirty="0" smtClean="0"/>
+              <a:t> 바이패스 </a:t>
+            </a:r>
+            <a:r>
+              <a:rPr lang="ko-KR" altLang="en-US" dirty="0" err="1" smtClean="0"/>
+              <a:t>커패시터</a:t>
+            </a:r>
+            <a:r>
+              <a:rPr lang="ko-KR" altLang="en-US" dirty="0" smtClean="0"/>
+              <a:t> </a:t>
+            </a:r>
+            <a:r>
+              <a:rPr lang="en-US" altLang="ko-KR" dirty="0" smtClean="0"/>
+              <a:t>47uF</a:t>
+            </a:r>
+          </a:p>
+          <a:p>
+            <a:endParaRPr lang="en-US" altLang="ko-KR" dirty="0" smtClean="0"/>
+          </a:p>
+          <a:p>
+            <a:r>
+              <a:rPr lang="en-US" altLang="ko-KR" dirty="0" err="1" smtClean="0"/>
+              <a:t>Photocoupler</a:t>
+            </a:r>
+            <a:r>
+              <a:rPr lang="en-US" altLang="ko-KR" dirty="0" smtClean="0"/>
+              <a:t> </a:t>
+            </a:r>
+            <a:r>
+              <a:rPr lang="ko-KR" altLang="en-US" dirty="0" err="1" smtClean="0"/>
+              <a:t>출력단</a:t>
+            </a:r>
+            <a:r>
+              <a:rPr lang="ko-KR" altLang="en-US" dirty="0" smtClean="0"/>
+              <a:t> </a:t>
+            </a:r>
+            <a:r>
+              <a:rPr lang="ko-KR" altLang="en-US" dirty="0" err="1" smtClean="0"/>
+              <a:t>커패시터</a:t>
+            </a:r>
+            <a:r>
+              <a:rPr lang="ko-KR" altLang="en-US" dirty="0" smtClean="0"/>
+              <a:t> </a:t>
+            </a:r>
+            <a:r>
+              <a:rPr lang="en-US" altLang="ko-KR" dirty="0" smtClean="0"/>
+              <a:t>0.1uF</a:t>
+            </a:r>
+          </a:p>
+          <a:p>
+            <a:endParaRPr lang="en-US" altLang="ko-KR" dirty="0" smtClean="0"/>
+          </a:p>
+          <a:p>
+            <a:r>
+              <a:rPr lang="en-US" altLang="ko-KR" dirty="0" smtClean="0"/>
+              <a:t>Polarity / </a:t>
+            </a:r>
+            <a:r>
+              <a:rPr lang="en-US" altLang="ko-KR" dirty="0" err="1" smtClean="0"/>
+              <a:t>Nonpolar</a:t>
+            </a:r>
+            <a:r>
+              <a:rPr lang="en-US" altLang="ko-KR" dirty="0" smtClean="0"/>
+              <a:t> (</a:t>
+            </a:r>
+            <a:r>
+              <a:rPr lang="ko-KR" altLang="en-US" dirty="0" smtClean="0"/>
+              <a:t>극성 </a:t>
+            </a:r>
+            <a:r>
+              <a:rPr lang="en-US" altLang="ko-KR" dirty="0" smtClean="0"/>
+              <a:t>/ </a:t>
+            </a:r>
+            <a:r>
+              <a:rPr lang="ko-KR" altLang="en-US" dirty="0" err="1" smtClean="0"/>
+              <a:t>무극성</a:t>
+            </a:r>
+            <a:r>
+              <a:rPr lang="en-US" altLang="ko-KR" dirty="0" smtClean="0"/>
+              <a:t>)</a:t>
+            </a:r>
+            <a:endParaRPr lang="ko-KR" altLang="en-US" dirty="0"/>
+          </a:p>
+        </p:txBody>
+      </p:sp>
+      <p:sp>
+        <p:nvSpPr>
           <p:cNvPr id="3" name="제목 2"/>
           <p:cNvSpPr>
             <a:spLocks noGrp="1"/>
@@ -11301,242 +11851,14 @@
         </p:nvSpPr>
         <p:spPr/>
         <p:txBody>
-          <a:bodyPr>
-            <a:normAutofit/>
-          </a:bodyPr>
+          <a:bodyPr/>
           <a:lstStyle/>
           <a:p>
             <a:r>
               <a:rPr lang="en-US" altLang="ko-KR" dirty="0" smtClean="0"/>
-              <a:t>Transistor –</a:t>
-            </a:r>
-            <a:r>
-              <a:rPr lang="ko-KR" altLang="en-US" dirty="0" smtClean="0"/>
-              <a:t> </a:t>
-            </a:r>
-            <a:r>
-              <a:rPr lang="ko-KR" altLang="en-US" dirty="0" err="1" smtClean="0"/>
-              <a:t>설계시</a:t>
-            </a:r>
-            <a:r>
-              <a:rPr lang="ko-KR" altLang="en-US" dirty="0" smtClean="0"/>
-              <a:t> 유의사항</a:t>
+              <a:t>Capacitor</a:t>
             </a:r>
             <a:endParaRPr lang="ko-KR" altLang="en-US" dirty="0"/>
-          </a:p>
-        </p:txBody>
-      </p:sp>
-      <p:sp>
-        <p:nvSpPr>
-          <p:cNvPr id="6" name="내용 개체 틀 5"/>
-          <p:cNvSpPr>
-            <a:spLocks noGrp="1"/>
-          </p:cNvSpPr>
-          <p:nvPr>
-            <p:ph idx="1"/>
-          </p:nvPr>
-        </p:nvSpPr>
-        <p:spPr/>
-        <p:txBody>
-          <a:bodyPr>
-            <a:normAutofit fontScale="92500"/>
-          </a:bodyPr>
-          <a:lstStyle/>
-          <a:p>
-            <a:r>
-              <a:rPr lang="ko-KR" altLang="en-US" dirty="0" smtClean="0"/>
-              <a:t>몇 볼트까지 사용할 것인가</a:t>
-            </a:r>
-            <a:r>
-              <a:rPr lang="en-US" altLang="ko-KR" dirty="0" smtClean="0"/>
-              <a:t>?</a:t>
-            </a:r>
-          </a:p>
-          <a:p>
-            <a:pPr lvl="1"/>
-            <a:r>
-              <a:rPr lang="ko-KR" altLang="en-US" sz="2200" dirty="0" err="1" smtClean="0"/>
-              <a:t>컬렉터</a:t>
-            </a:r>
-            <a:r>
-              <a:rPr lang="en-US" altLang="ko-KR" sz="2200" dirty="0" smtClean="0"/>
-              <a:t>·</a:t>
-            </a:r>
-            <a:r>
-              <a:rPr lang="ko-KR" altLang="en-US" sz="2200" dirty="0" err="1" smtClean="0"/>
-              <a:t>이미터간</a:t>
-            </a:r>
-            <a:r>
-              <a:rPr lang="ko-KR" altLang="en-US" sz="2200" dirty="0" smtClean="0"/>
-              <a:t> 최대정격전압（</a:t>
-            </a:r>
-            <a:r>
-              <a:rPr lang="en-US" altLang="ko-KR" sz="2200" dirty="0" err="1" smtClean="0"/>
-              <a:t>Vceo</a:t>
-            </a:r>
-            <a:r>
-              <a:rPr lang="en-US" altLang="ko-KR" sz="2200" dirty="0" smtClean="0"/>
-              <a:t>)</a:t>
-            </a:r>
-            <a:r>
-              <a:rPr lang="ko-KR" altLang="en-US" sz="2200" dirty="0" smtClean="0"/>
-              <a:t>를 기준으로 하며 실제로는 이것의 </a:t>
-            </a:r>
-            <a:r>
-              <a:rPr lang="en-US" altLang="ko-KR" sz="2200" dirty="0" smtClean="0"/>
-              <a:t>1/2 </a:t>
-            </a:r>
-            <a:r>
-              <a:rPr lang="ko-KR" altLang="en-US" sz="2200" dirty="0" smtClean="0"/>
-              <a:t>이하의 전압에서 사용하는 것이 좋습니다</a:t>
-            </a:r>
-            <a:r>
-              <a:rPr lang="en-US" altLang="ko-KR" sz="2200" dirty="0" smtClean="0"/>
-              <a:t>.</a:t>
-            </a:r>
-          </a:p>
-          <a:p>
-            <a:pPr lvl="1"/>
-            <a:endParaRPr lang="en-US" altLang="ko-KR" sz="2400" dirty="0" smtClean="0"/>
-          </a:p>
-          <a:p>
-            <a:r>
-              <a:rPr lang="ko-KR" altLang="en-US" dirty="0" smtClean="0"/>
-              <a:t>몇 암페어까지 흐르게 할 것인가</a:t>
-            </a:r>
-            <a:r>
-              <a:rPr lang="en-US" altLang="ko-KR" dirty="0" smtClean="0"/>
-              <a:t>?</a:t>
-            </a:r>
-          </a:p>
-          <a:p>
-            <a:pPr lvl="1"/>
-            <a:r>
-              <a:rPr lang="ko-KR" altLang="en-US" sz="2200" dirty="0" smtClean="0"/>
-              <a:t>이것은 ２가지 관점에서 생각해야 합니다</a:t>
-            </a:r>
-            <a:r>
-              <a:rPr lang="en-US" altLang="ko-KR" sz="2200" dirty="0" smtClean="0"/>
-              <a:t>.</a:t>
-            </a:r>
-          </a:p>
-          <a:p>
-            <a:pPr lvl="1"/>
-            <a:r>
-              <a:rPr lang="ko-KR" altLang="en-US" sz="2200" dirty="0" smtClean="0"/>
-              <a:t>먼저 </a:t>
-            </a:r>
-            <a:r>
-              <a:rPr lang="ko-KR" altLang="en-US" sz="2200" dirty="0" err="1" smtClean="0"/>
-              <a:t>컬렉터</a:t>
-            </a:r>
-            <a:r>
-              <a:rPr lang="ko-KR" altLang="en-US" sz="2200" dirty="0" smtClean="0"/>
-              <a:t> 최대정격전류（</a:t>
-            </a:r>
-            <a:r>
-              <a:rPr lang="en-US" altLang="ko-KR" sz="2200" dirty="0" err="1" smtClean="0"/>
-              <a:t>Ic</a:t>
-            </a:r>
-            <a:r>
-              <a:rPr lang="en-US" altLang="ko-KR" sz="2200" dirty="0" smtClean="0"/>
-              <a:t>)</a:t>
-            </a:r>
-            <a:r>
-              <a:rPr lang="ko-KR" altLang="en-US" sz="2200" dirty="0" smtClean="0"/>
-              <a:t>를 초과해서는 안되며 실제 사용시에는 </a:t>
-            </a:r>
-            <a:r>
-              <a:rPr lang="en-US" altLang="ko-KR" sz="2200" dirty="0" smtClean="0"/>
-              <a:t>1/2 </a:t>
-            </a:r>
-            <a:r>
-              <a:rPr lang="ko-KR" altLang="en-US" sz="2200" dirty="0" smtClean="0"/>
-              <a:t>이하에서 사용해야 합니다</a:t>
-            </a:r>
-            <a:r>
-              <a:rPr lang="en-US" altLang="ko-KR" sz="2200" dirty="0" smtClean="0"/>
-              <a:t>.</a:t>
-            </a:r>
-          </a:p>
-          <a:p>
-            <a:pPr lvl="1"/>
-            <a:r>
-              <a:rPr lang="ko-KR" altLang="en-US" sz="2200" dirty="0" smtClean="0"/>
-              <a:t>또 하나는 </a:t>
-            </a:r>
-            <a:r>
-              <a:rPr lang="ko-KR" altLang="en-US" sz="2200" dirty="0" err="1" smtClean="0"/>
-              <a:t>콜렉터</a:t>
-            </a:r>
-            <a:r>
-              <a:rPr lang="ko-KR" altLang="en-US" sz="2200" dirty="0" smtClean="0"/>
-              <a:t> 손실</a:t>
-            </a:r>
-            <a:r>
-              <a:rPr lang="en-US" altLang="ko-KR" sz="2200" dirty="0" smtClean="0"/>
-              <a:t>(Pc)</a:t>
-            </a:r>
-            <a:r>
-              <a:rPr lang="ko-KR" altLang="en-US" sz="2200" dirty="0" smtClean="0"/>
-              <a:t>을 기준으로 최대 전력을 초과하여 사용하지 않도록 하는 것입니다</a:t>
-            </a:r>
-            <a:r>
-              <a:rPr lang="en-US" altLang="ko-KR" sz="2200" dirty="0" smtClean="0"/>
-              <a:t>. </a:t>
-            </a:r>
-            <a:r>
-              <a:rPr lang="ko-KR" altLang="en-US" sz="2200" dirty="0" smtClean="0"/>
-              <a:t>이것의 사용전압 </a:t>
-            </a:r>
-            <a:r>
-              <a:rPr lang="en-US" altLang="ko-KR" sz="2200" dirty="0" smtClean="0"/>
-              <a:t>× </a:t>
-            </a:r>
-            <a:r>
-              <a:rPr lang="ko-KR" altLang="en-US" sz="2200" dirty="0" smtClean="0"/>
-              <a:t>전류로 계산하여 역시 </a:t>
-            </a:r>
-            <a:r>
-              <a:rPr lang="en-US" altLang="ko-KR" sz="2200" dirty="0" smtClean="0"/>
-              <a:t>1/2 </a:t>
-            </a:r>
-            <a:r>
-              <a:rPr lang="ko-KR" altLang="en-US" sz="2200" dirty="0" smtClean="0"/>
-              <a:t>이하에서 사용해야 합니다</a:t>
-            </a:r>
-            <a:r>
-              <a:rPr lang="en-US" altLang="ko-KR" sz="2200" dirty="0" smtClean="0"/>
-              <a:t>.</a:t>
-            </a:r>
-          </a:p>
-          <a:p>
-            <a:pPr lvl="1"/>
-            <a:r>
-              <a:rPr lang="ko-KR" altLang="en-US" sz="2200" dirty="0" smtClean="0"/>
-              <a:t>그러나 이것은 </a:t>
-            </a:r>
-            <a:r>
-              <a:rPr lang="ko-KR" altLang="en-US" sz="2200" dirty="0" err="1" smtClean="0"/>
-              <a:t>방열판의</a:t>
-            </a:r>
-            <a:r>
-              <a:rPr lang="ko-KR" altLang="en-US" sz="2200" dirty="0" smtClean="0"/>
-              <a:t> 유무와 주위 온도에 따라 큰 차이가 있으므로 데이터 </a:t>
-            </a:r>
-            <a:r>
-              <a:rPr lang="ko-KR" altLang="en-US" sz="2200" dirty="0" err="1" smtClean="0"/>
-              <a:t>쉬트를</a:t>
-            </a:r>
-            <a:r>
-              <a:rPr lang="ko-KR" altLang="en-US" sz="2200" dirty="0" smtClean="0"/>
-              <a:t> 확인하는 것이 좋습니다</a:t>
-            </a:r>
-            <a:r>
-              <a:rPr lang="en-US" altLang="ko-KR" sz="2200" dirty="0" smtClean="0"/>
-              <a:t>.</a:t>
-            </a:r>
-            <a:endParaRPr lang="ko-KR" altLang="en-US" sz="2200" dirty="0"/>
           </a:p>
         </p:txBody>
       </p:sp>
@@ -11615,13 +11937,13 @@
         <p:spPr/>
         <p:txBody>
           <a:bodyPr>
-            <a:normAutofit/>
+            <a:normAutofit fontScale="92500"/>
           </a:bodyPr>
           <a:lstStyle/>
           <a:p>
             <a:r>
               <a:rPr lang="ko-KR" altLang="en-US" dirty="0" smtClean="0"/>
-              <a:t>증폭률을 얼마로 사용할 것인가</a:t>
+              <a:t>몇 볼트까지 사용할 것인가</a:t>
             </a:r>
             <a:r>
               <a:rPr lang="en-US" altLang="ko-KR" dirty="0" smtClean="0"/>
@@ -11631,30 +11953,45 @@
           <a:p>
             <a:pPr lvl="1"/>
             <a:r>
-              <a:rPr lang="ko-KR" altLang="en-US" sz="2000" dirty="0" err="1" smtClean="0"/>
-              <a:t>직류전류증폭율</a:t>
-            </a:r>
-            <a:r>
-              <a:rPr lang="en-US" altLang="ko-KR" sz="2000" dirty="0" smtClean="0"/>
-              <a:t>(</a:t>
-            </a:r>
-            <a:r>
-              <a:rPr lang="en-US" altLang="ko-KR" sz="2000" dirty="0" err="1" smtClean="0"/>
-              <a:t>hfe</a:t>
-            </a:r>
-            <a:r>
-              <a:rPr lang="en-US" altLang="ko-KR" sz="2000" dirty="0" smtClean="0"/>
+              <a:rPr lang="ko-KR" altLang="en-US" sz="2200" dirty="0" err="1" smtClean="0"/>
+              <a:t>컬렉터</a:t>
+            </a:r>
+            <a:r>
+              <a:rPr lang="en-US" altLang="ko-KR" sz="2200" dirty="0" smtClean="0"/>
+              <a:t>·</a:t>
+            </a:r>
+            <a:r>
+              <a:rPr lang="ko-KR" altLang="en-US" sz="2200" dirty="0" err="1" smtClean="0"/>
+              <a:t>이미터간</a:t>
+            </a:r>
+            <a:r>
+              <a:rPr lang="ko-KR" altLang="en-US" sz="2200" dirty="0" smtClean="0"/>
+              <a:t> 최대정격전압（</a:t>
+            </a:r>
+            <a:r>
+              <a:rPr lang="en-US" altLang="ko-KR" sz="2200" dirty="0" err="1" smtClean="0"/>
+              <a:t>Vceo</a:t>
+            </a:r>
+            <a:r>
+              <a:rPr lang="en-US" altLang="ko-KR" sz="2200" dirty="0" smtClean="0"/>
               <a:t>)</a:t>
             </a:r>
             <a:r>
-              <a:rPr lang="ko-KR" altLang="en-US" sz="2000" dirty="0" smtClean="0"/>
-              <a:t>로 단순하게 입력전류의 몇 배가 되어 출력되는지 계산하면 되지만 트랜지스터마다 편차가 있으므로 최소값을 기준으로 해야 합니다</a:t>
-            </a:r>
-            <a:r>
-              <a:rPr lang="en-US" altLang="ko-KR" sz="2000" dirty="0" smtClean="0"/>
+              <a:rPr lang="ko-KR" altLang="en-US" sz="2200" dirty="0" smtClean="0"/>
+              <a:t>를 기준으로 하며 실제로는 이것의 </a:t>
+            </a:r>
+            <a:r>
+              <a:rPr lang="en-US" altLang="ko-KR" sz="2200" dirty="0" smtClean="0"/>
+              <a:t>1/2 </a:t>
+            </a:r>
+            <a:r>
+              <a:rPr lang="ko-KR" altLang="en-US" sz="2200" dirty="0" smtClean="0"/>
+              <a:t>이하의 전압에서 사용하는 것이 좋습니다</a:t>
+            </a:r>
+            <a:r>
+              <a:rPr lang="en-US" altLang="ko-KR" sz="2200" dirty="0" smtClean="0"/>
               <a:t>.</a:t>
             </a:r>
-            <a:endParaRPr lang="en-US" altLang="ko-KR" sz="4000" dirty="0" smtClean="0"/>
           </a:p>
           <a:p>
             <a:pPr lvl="1"/>
@@ -11662,12 +11999,8 @@
           </a:p>
           <a:p>
             <a:r>
-              <a:rPr lang="ko-KR" altLang="en-US" dirty="0" err="1" smtClean="0"/>
-              <a:t>어느정도의</a:t>
-            </a:r>
-            <a:r>
-              <a:rPr lang="ko-KR" altLang="en-US" dirty="0" smtClean="0"/>
-              <a:t> 주파수까지 증폭할 것인가</a:t>
+              <a:rPr lang="ko-KR" altLang="en-US" dirty="0" smtClean="0"/>
+              <a:t>몇 암페어까지 흐르게 할 것인가</a:t>
             </a:r>
             <a:r>
               <a:rPr lang="en-US" altLang="ko-KR" dirty="0" smtClean="0"/>
@@ -11677,75 +12010,131 @@
           <a:p>
             <a:pPr lvl="1"/>
             <a:r>
-              <a:rPr lang="ko-KR" altLang="en-US" sz="2000" dirty="0" smtClean="0"/>
-              <a:t>이것은 이득 대역폭 </a:t>
-            </a:r>
-            <a:r>
-              <a:rPr lang="en-US" altLang="ko-KR" sz="2000" dirty="0" smtClean="0"/>
-              <a:t>(</a:t>
-            </a:r>
-            <a:r>
-              <a:rPr lang="en-US" altLang="ko-KR" sz="2000" dirty="0" err="1" smtClean="0"/>
-              <a:t>f</a:t>
-            </a:r>
-            <a:r>
-              <a:rPr lang="en-US" altLang="ko-KR" sz="1100" dirty="0" err="1" smtClean="0"/>
-              <a:t>T</a:t>
-            </a:r>
-            <a:r>
-              <a:rPr lang="en-US" altLang="ko-KR" sz="2000" dirty="0" smtClean="0"/>
+              <a:rPr lang="ko-KR" altLang="en-US" sz="2200" dirty="0" smtClean="0"/>
+              <a:t>이것은 ２가지 관점에서 생각해야 합니다</a:t>
+            </a:r>
+            <a:r>
+              <a:rPr lang="en-US" altLang="ko-KR" sz="2200" dirty="0" smtClean="0"/>
+              <a:t>.</a:t>
+            </a:r>
+          </a:p>
+          <a:p>
+            <a:pPr lvl="1"/>
+            <a:r>
+              <a:rPr lang="ko-KR" altLang="en-US" sz="2200" dirty="0" smtClean="0"/>
+              <a:t>먼저 </a:t>
+            </a:r>
+            <a:r>
+              <a:rPr lang="ko-KR" altLang="en-US" sz="2200" dirty="0" err="1" smtClean="0"/>
+              <a:t>컬렉터</a:t>
+            </a:r>
+            <a:r>
+              <a:rPr lang="ko-KR" altLang="en-US" sz="2200" dirty="0" smtClean="0"/>
+              <a:t> 최대정격전류（</a:t>
+            </a:r>
+            <a:r>
+              <a:rPr lang="en-US" altLang="ko-KR" sz="2200" dirty="0" err="1" smtClean="0"/>
+              <a:t>Ic</a:t>
+            </a:r>
+            <a:r>
+              <a:rPr lang="en-US" altLang="ko-KR" sz="2200" dirty="0" smtClean="0"/>
               <a:t>)</a:t>
             </a:r>
             <a:r>
-              <a:rPr lang="ko-KR" altLang="en-US" sz="2000" dirty="0" smtClean="0"/>
-              <a:t>을 기준으로 하여 다음과 같이 산출 합니다</a:t>
-            </a:r>
-            <a:r>
-              <a:rPr lang="en-US" altLang="ko-KR" sz="2000" dirty="0" smtClean="0"/>
+              <a:rPr lang="ko-KR" altLang="en-US" sz="2200" dirty="0" smtClean="0"/>
+              <a:t>를 초과해서는 안되며 실제 사용시에는 </a:t>
+            </a:r>
+            <a:r>
+              <a:rPr lang="en-US" altLang="ko-KR" sz="2200" dirty="0" smtClean="0"/>
+              <a:t>1/2 </a:t>
+            </a:r>
+            <a:r>
+              <a:rPr lang="ko-KR" altLang="en-US" sz="2200" dirty="0" smtClean="0"/>
+              <a:t>이하에서 사용해야 합니다</a:t>
+            </a:r>
+            <a:r>
+              <a:rPr lang="en-US" altLang="ko-KR" sz="2200" dirty="0" smtClean="0"/>
               <a:t>.</a:t>
             </a:r>
           </a:p>
           <a:p>
             <a:pPr lvl="1"/>
             <a:r>
-              <a:rPr lang="ko-KR" altLang="en-US" sz="2000" dirty="0" smtClean="0"/>
-              <a:t>사용 가능한 주파수 ＝ 이득 대역폭</a:t>
-            </a:r>
-            <a:r>
-              <a:rPr lang="en-US" altLang="ko-KR" sz="2000" dirty="0" smtClean="0"/>
-              <a:t>(</a:t>
-            </a:r>
-            <a:r>
-              <a:rPr lang="en-US" altLang="ko-KR" sz="2000" dirty="0" err="1" smtClean="0"/>
-              <a:t>f</a:t>
-            </a:r>
-            <a:r>
-              <a:rPr lang="en-US" altLang="ko-KR" sz="1100" dirty="0" err="1" smtClean="0"/>
-              <a:t>T</a:t>
-            </a:r>
-            <a:r>
-              <a:rPr lang="en-US" altLang="ko-KR" sz="2000" dirty="0" smtClean="0"/>
-              <a:t>) ÷ </a:t>
-            </a:r>
-            <a:r>
-              <a:rPr lang="ko-KR" altLang="en-US" sz="2000" dirty="0" smtClean="0"/>
-              <a:t>직류 전류 증폭 율</a:t>
-            </a:r>
-            <a:r>
-              <a:rPr lang="en-US" altLang="ko-KR" sz="2000" dirty="0" smtClean="0"/>
-              <a:t>(</a:t>
-            </a:r>
-            <a:r>
-              <a:rPr lang="en-US" altLang="ko-KR" sz="2000" dirty="0" err="1" smtClean="0"/>
-              <a:t>hfe</a:t>
-            </a:r>
-            <a:r>
-              <a:rPr lang="en-US" altLang="ko-KR" sz="2000" dirty="0" smtClean="0"/>
-              <a:t>)</a:t>
-            </a:r>
-          </a:p>
-          <a:p>
-            <a:endParaRPr lang="ko-KR" altLang="en-US" dirty="0"/>
+              <a:rPr lang="ko-KR" altLang="en-US" sz="2200" dirty="0" smtClean="0"/>
+              <a:t>또 하나는 </a:t>
+            </a:r>
+            <a:r>
+              <a:rPr lang="ko-KR" altLang="en-US" sz="2200" dirty="0" err="1" smtClean="0"/>
+              <a:t>콜렉터</a:t>
+            </a:r>
+            <a:r>
+              <a:rPr lang="ko-KR" altLang="en-US" sz="2200" dirty="0" smtClean="0"/>
+              <a:t> 손실</a:t>
+            </a:r>
+            <a:r>
+              <a:rPr lang="en-US" altLang="ko-KR" sz="2200" dirty="0" smtClean="0"/>
+              <a:t>(Pc)</a:t>
+            </a:r>
+            <a:r>
+              <a:rPr lang="ko-KR" altLang="en-US" sz="2200" dirty="0" smtClean="0"/>
+              <a:t>을 기준으로 최대 전력을 초과하여 사용하지 않도록 하는 것입니다</a:t>
+            </a:r>
+            <a:r>
+              <a:rPr lang="en-US" altLang="ko-KR" sz="2200" dirty="0" smtClean="0"/>
+              <a:t>. </a:t>
+            </a:r>
+            <a:r>
+              <a:rPr lang="ko-KR" altLang="en-US" sz="2200" dirty="0" smtClean="0"/>
+              <a:t>이것의 사용전압 </a:t>
+            </a:r>
+            <a:r>
+              <a:rPr lang="en-US" altLang="ko-KR" sz="2200" dirty="0" smtClean="0"/>
+              <a:t>× </a:t>
+            </a:r>
+            <a:r>
+              <a:rPr lang="ko-KR" altLang="en-US" sz="2200" dirty="0" smtClean="0"/>
+              <a:t>전류로 계산하여 역시 </a:t>
+            </a:r>
+            <a:r>
+              <a:rPr lang="en-US" altLang="ko-KR" sz="2200" dirty="0" smtClean="0"/>
+              <a:t>1/2 </a:t>
+            </a:r>
+            <a:r>
+              <a:rPr lang="ko-KR" altLang="en-US" sz="2200" dirty="0" smtClean="0"/>
+              <a:t>이하에서 사용해야 합니다</a:t>
+            </a:r>
+            <a:r>
+              <a:rPr lang="en-US" altLang="ko-KR" sz="2200" dirty="0" smtClean="0"/>
+              <a:t>.</a:t>
+            </a:r>
+          </a:p>
+          <a:p>
+            <a:pPr lvl="1"/>
+            <a:r>
+              <a:rPr lang="ko-KR" altLang="en-US" sz="2200" dirty="0" smtClean="0"/>
+              <a:t>그러나 이것은 </a:t>
+            </a:r>
+            <a:r>
+              <a:rPr lang="ko-KR" altLang="en-US" sz="2200" dirty="0" err="1" smtClean="0"/>
+              <a:t>방열판의</a:t>
+            </a:r>
+            <a:r>
+              <a:rPr lang="ko-KR" altLang="en-US" sz="2200" dirty="0" smtClean="0"/>
+              <a:t> 유무와 주위 온도에 따라 큰 차이가 있으므로 데이터 </a:t>
+            </a:r>
+            <a:r>
+              <a:rPr lang="ko-KR" altLang="en-US" sz="2200" dirty="0" err="1" smtClean="0"/>
+              <a:t>쉬트를</a:t>
+            </a:r>
+            <a:r>
+              <a:rPr lang="ko-KR" altLang="en-US" sz="2200" dirty="0" smtClean="0"/>
+              <a:t> 확인하는 것이 좋습니다</a:t>
+            </a:r>
+            <a:r>
+              <a:rPr lang="en-US" altLang="ko-KR" sz="2200" dirty="0" smtClean="0"/>
+              <a:t>.</a:t>
+            </a:r>
+            <a:endParaRPr lang="ko-KR" altLang="en-US" sz="2200" dirty="0"/>
           </a:p>
         </p:txBody>
       </p:sp>
@@ -11787,7 +12176,7 @@
         <p:spPr/>
         <p:txBody>
           <a:bodyPr>
-            <a:normAutofit fontScale="90000"/>
+            <a:normAutofit/>
           </a:bodyPr>
           <a:lstStyle/>
           <a:p>
@@ -11801,11 +12190,11 @@
             </a:r>
             <a:r>
               <a:rPr lang="ko-KR" altLang="en-US" dirty="0" err="1" smtClean="0"/>
-              <a:t>디지탈</a:t>
-            </a:r>
-            <a:r>
-              <a:rPr lang="ko-KR" altLang="en-US" dirty="0" smtClean="0"/>
-              <a:t> 회로에서 사용법</a:t>
+              <a:t>설계시</a:t>
+            </a:r>
+            <a:r>
+              <a:rPr lang="ko-KR" altLang="en-US" dirty="0" smtClean="0"/>
+              <a:t> 유의사항</a:t>
             </a:r>
             <a:endParaRPr lang="ko-KR" altLang="en-US" dirty="0"/>
           </a:p>
@@ -11824,97 +12213,46 @@
         <p:spPr/>
         <p:txBody>
           <a:bodyPr>
-            <a:normAutofit lnSpcReduction="10000"/>
+            <a:normAutofit/>
           </a:bodyPr>
           <a:lstStyle/>
           <a:p>
             <a:r>
               <a:rPr lang="ko-KR" altLang="en-US" dirty="0" smtClean="0"/>
-              <a:t>큰 전류나 높은 전압의 제어</a:t>
-            </a:r>
-            <a:endParaRPr lang="en-US" altLang="ko-KR" dirty="0" smtClean="0"/>
+              <a:t>증폭률을 얼마로 사용할 것인가</a:t>
+            </a:r>
+            <a:r>
+              <a:rPr lang="en-US" altLang="ko-KR" dirty="0" smtClean="0"/>
+              <a:t>?</a:t>
+            </a:r>
           </a:p>
           <a:p>
             <a:pPr lvl="1"/>
             <a:r>
-              <a:rPr lang="ko-KR" altLang="en-US" sz="2200" dirty="0" smtClean="0"/>
-              <a:t>세그먼트 발광 다이오드의 제어</a:t>
-            </a:r>
-            <a:r>
-              <a:rPr lang="en-US" altLang="ko-KR" sz="2200" dirty="0" smtClean="0"/>
-              <a:t>, </a:t>
-            </a:r>
-            <a:r>
-              <a:rPr lang="ko-KR" altLang="en-US" sz="2200" dirty="0" smtClean="0"/>
-              <a:t>모터나 </a:t>
-            </a:r>
-            <a:r>
-              <a:rPr lang="ko-KR" altLang="en-US" sz="2200" dirty="0" err="1" smtClean="0"/>
-              <a:t>릴레이등의</a:t>
-            </a:r>
-            <a:r>
-              <a:rPr lang="ko-KR" altLang="en-US" sz="2200" dirty="0" smtClean="0"/>
-              <a:t> 드라이브</a:t>
-            </a:r>
-            <a:r>
-              <a:rPr lang="en-US" altLang="ko-KR" sz="2200" dirty="0" smtClean="0"/>
-              <a:t>, </a:t>
-            </a:r>
-            <a:r>
-              <a:rPr lang="ko-KR" altLang="en-US" sz="2200" dirty="0" smtClean="0"/>
-              <a:t>전원의 </a:t>
-            </a:r>
-            <a:r>
-              <a:rPr lang="en-US" altLang="ko-KR" sz="2200" dirty="0" smtClean="0"/>
-              <a:t>On/Off</a:t>
-            </a:r>
-            <a:r>
-              <a:rPr lang="ko-KR" altLang="en-US" sz="2200" dirty="0" smtClean="0"/>
-              <a:t>，조명등의 제어</a:t>
-            </a:r>
-          </a:p>
-          <a:p>
-            <a:pPr lvl="1"/>
-            <a:r>
-              <a:rPr lang="ko-KR" altLang="en-US" sz="2200" dirty="0" smtClean="0"/>
-              <a:t>전압레벨의 변환 </a:t>
-            </a:r>
-            <a:r>
-              <a:rPr lang="en-US" altLang="ko-KR" sz="2200" dirty="0" smtClean="0"/>
-              <a:t>: </a:t>
-            </a:r>
-            <a:r>
-              <a:rPr lang="ko-KR" altLang="en-US" sz="2200" dirty="0" err="1" smtClean="0"/>
-              <a:t>광센서나</a:t>
-            </a:r>
-            <a:r>
-              <a:rPr lang="ko-KR" altLang="en-US" sz="2200" dirty="0" smtClean="0"/>
-              <a:t> 마이크의 신호 증폭 및 변환</a:t>
-            </a:r>
-          </a:p>
-          <a:p>
-            <a:pPr lvl="1"/>
-            <a:r>
-              <a:rPr lang="ko-KR" altLang="en-US" sz="2200" dirty="0" smtClean="0"/>
-              <a:t>직류전압 증폭 </a:t>
-            </a:r>
-            <a:r>
-              <a:rPr lang="en-US" altLang="ko-KR" sz="2200" dirty="0" smtClean="0"/>
-              <a:t>: A/D </a:t>
-            </a:r>
-            <a:r>
-              <a:rPr lang="ko-KR" altLang="en-US" sz="2200" dirty="0" smtClean="0"/>
-              <a:t>변환 입력 신호 </a:t>
-            </a:r>
-            <a:r>
-              <a:rPr lang="ko-KR" altLang="en-US" sz="2200" dirty="0" err="1" smtClean="0"/>
-              <a:t>증폭및</a:t>
-            </a:r>
-            <a:r>
-              <a:rPr lang="ko-KR" altLang="en-US" sz="2200" dirty="0" smtClean="0"/>
-              <a:t> 센서 출력의 증폭</a:t>
-            </a:r>
-            <a:endParaRPr lang="en-US" altLang="ko-KR" sz="6200" dirty="0" smtClean="0"/>
+              <a:rPr lang="ko-KR" altLang="en-US" sz="2000" dirty="0" err="1" smtClean="0"/>
+              <a:t>직류전류증폭율</a:t>
+            </a:r>
+            <a:r>
+              <a:rPr lang="en-US" altLang="ko-KR" sz="2000" dirty="0" smtClean="0"/>
+              <a:t>(</a:t>
+            </a:r>
+            <a:r>
+              <a:rPr lang="en-US" altLang="ko-KR" sz="2000" dirty="0" err="1" smtClean="0"/>
+              <a:t>hfe</a:t>
+            </a:r>
+            <a:r>
+              <a:rPr lang="en-US" altLang="ko-KR" sz="2000" dirty="0" smtClean="0"/>
+              <a:t>)</a:t>
+            </a:r>
+            <a:r>
+              <a:rPr lang="ko-KR" altLang="en-US" sz="2000" dirty="0" smtClean="0"/>
+              <a:t>로 단순하게 입력전류의 몇 배가 되어 출력되는지 계산하면 되지만 트랜지스터마다 편차가 있으므로 최소값을 기준으로 해야 합니다</a:t>
+            </a:r>
+            <a:r>
+              <a:rPr lang="en-US" altLang="ko-KR" sz="2000" dirty="0" smtClean="0"/>
+              <a:t>.</a:t>
+            </a:r>
+            <a:endParaRPr lang="en-US" altLang="ko-KR" sz="4000" dirty="0" smtClean="0"/>
           </a:p>
           <a:p>
             <a:pPr lvl="1"/>
@@ -11922,120 +12260,90 @@
           </a:p>
           <a:p>
             <a:r>
-              <a:rPr lang="ko-KR" altLang="en-US" dirty="0" smtClean="0"/>
-              <a:t>큰 부하 제어</a:t>
-            </a:r>
-            <a:endParaRPr lang="en-US" altLang="ko-KR" dirty="0" smtClean="0"/>
+              <a:rPr lang="ko-KR" altLang="en-US" dirty="0" err="1" smtClean="0"/>
+              <a:t>어느정도의</a:t>
+            </a:r>
+            <a:r>
+              <a:rPr lang="ko-KR" altLang="en-US" dirty="0" smtClean="0"/>
+              <a:t> 주파수까지 증폭할 것인가</a:t>
+            </a:r>
+            <a:r>
+              <a:rPr lang="en-US" altLang="ko-KR" dirty="0" smtClean="0"/>
+              <a:t>?</a:t>
+            </a:r>
           </a:p>
           <a:p>
             <a:pPr lvl="1"/>
             <a:r>
-              <a:rPr lang="ko-KR" altLang="en-US" sz="2200" dirty="0" smtClean="0"/>
-              <a:t>여기서 말하는 </a:t>
-            </a:r>
-            <a:r>
-              <a:rPr lang="ko-KR" altLang="en-US" sz="2200" dirty="0" err="1" smtClean="0"/>
-              <a:t>큰부하라는</a:t>
-            </a:r>
-            <a:r>
-              <a:rPr lang="ko-KR" altLang="en-US" sz="2200" dirty="0" smtClean="0"/>
-              <a:t> 것은 수 </a:t>
-            </a:r>
-            <a:r>
-              <a:rPr lang="en-US" altLang="ko-KR" sz="2200" dirty="0" smtClean="0"/>
-              <a:t>10mA </a:t>
-            </a:r>
-            <a:r>
-              <a:rPr lang="ko-KR" altLang="en-US" sz="2200" dirty="0" smtClean="0"/>
-              <a:t>이상의 전류가 흐르거나 ５</a:t>
-            </a:r>
-            <a:r>
-              <a:rPr lang="en-US" altLang="ko-KR" sz="2200" dirty="0" smtClean="0"/>
-              <a:t>V </a:t>
-            </a:r>
-            <a:r>
-              <a:rPr lang="ko-KR" altLang="en-US" sz="2200" dirty="0" smtClean="0"/>
-              <a:t>이상의 전압이 필요한 부하를 말하며 </a:t>
-            </a:r>
-            <a:r>
-              <a:rPr lang="ko-KR" altLang="en-US" sz="2200" dirty="0" err="1" smtClean="0"/>
-              <a:t>디지탈</a:t>
-            </a:r>
-            <a:r>
-              <a:rPr lang="ko-KR" altLang="en-US" sz="2200" dirty="0" smtClean="0"/>
-              <a:t> </a:t>
-            </a:r>
-            <a:r>
-              <a:rPr lang="en-US" altLang="ko-KR" sz="2200" dirty="0" smtClean="0"/>
-              <a:t>IC</a:t>
-            </a:r>
-            <a:r>
-              <a:rPr lang="ko-KR" altLang="en-US" sz="2200" dirty="0" smtClean="0"/>
-              <a:t>로는 직접 드라이브할 수 없는 모터의 제어나 릴레이 또는 </a:t>
-            </a:r>
-            <a:r>
-              <a:rPr lang="ko-KR" altLang="en-US" sz="2200" dirty="0" err="1" smtClean="0"/>
-              <a:t>솔레노이드</a:t>
-            </a:r>
-            <a:r>
-              <a:rPr lang="ko-KR" altLang="en-US" sz="2200" dirty="0" smtClean="0"/>
-              <a:t> </a:t>
-            </a:r>
-            <a:r>
-              <a:rPr lang="ko-KR" altLang="en-US" sz="2200" dirty="0" err="1" smtClean="0"/>
-              <a:t>코일등의</a:t>
-            </a:r>
-            <a:r>
-              <a:rPr lang="ko-KR" altLang="en-US" sz="2200" dirty="0" smtClean="0"/>
-              <a:t> 드라이브가 여기에 해당됩니다</a:t>
-            </a:r>
-            <a:r>
-              <a:rPr lang="en-US" altLang="ko-KR" sz="2200" dirty="0" smtClean="0"/>
+              <a:rPr lang="ko-KR" altLang="en-US" sz="2000" dirty="0" smtClean="0"/>
+              <a:t>이것은 이득 대역폭 </a:t>
+            </a:r>
+            <a:r>
+              <a:rPr lang="en-US" altLang="ko-KR" sz="2000" dirty="0" smtClean="0"/>
+              <a:t>(</a:t>
+            </a:r>
+            <a:r>
+              <a:rPr lang="en-US" altLang="ko-KR" sz="2000" dirty="0" err="1" smtClean="0"/>
+              <a:t>f</a:t>
+            </a:r>
+            <a:r>
+              <a:rPr lang="en-US" altLang="ko-KR" sz="1100" dirty="0" err="1" smtClean="0"/>
+              <a:t>T</a:t>
+            </a:r>
+            <a:r>
+              <a:rPr lang="en-US" altLang="ko-KR" sz="2000" dirty="0" smtClean="0"/>
+              <a:t>)</a:t>
+            </a:r>
+            <a:r>
+              <a:rPr lang="ko-KR" altLang="en-US" sz="2000" dirty="0" smtClean="0"/>
+              <a:t>을 기준으로 하여 다음과 같이 산출 합니다</a:t>
+            </a:r>
+            <a:r>
+              <a:rPr lang="en-US" altLang="ko-KR" sz="2000" dirty="0" smtClean="0"/>
               <a:t>.</a:t>
             </a:r>
-            <a:endParaRPr lang="en-US" altLang="ko-KR" sz="2400" dirty="0" smtClean="0"/>
+          </a:p>
+          <a:p>
+            <a:pPr lvl="1"/>
+            <a:r>
+              <a:rPr lang="ko-KR" altLang="en-US" sz="2000" dirty="0" smtClean="0"/>
+              <a:t>사용 가능한 주파수 ＝ 이득 대역폭</a:t>
+            </a:r>
+            <a:r>
+              <a:rPr lang="en-US" altLang="ko-KR" sz="2000" dirty="0" smtClean="0"/>
+              <a:t>(</a:t>
+            </a:r>
+            <a:r>
+              <a:rPr lang="en-US" altLang="ko-KR" sz="2000" dirty="0" err="1" smtClean="0"/>
+              <a:t>f</a:t>
+            </a:r>
+            <a:r>
+              <a:rPr lang="en-US" altLang="ko-KR" sz="1100" dirty="0" err="1" smtClean="0"/>
+              <a:t>T</a:t>
+            </a:r>
+            <a:r>
+              <a:rPr lang="en-US" altLang="ko-KR" sz="2000" dirty="0" smtClean="0"/>
+              <a:t>) ÷ </a:t>
+            </a:r>
+            <a:r>
+              <a:rPr lang="ko-KR" altLang="en-US" sz="2000" dirty="0" smtClean="0"/>
+              <a:t>직류 전류 증폭 율</a:t>
+            </a:r>
+            <a:r>
+              <a:rPr lang="en-US" altLang="ko-KR" sz="2000" dirty="0" smtClean="0"/>
+              <a:t>(</a:t>
+            </a:r>
+            <a:r>
+              <a:rPr lang="en-US" altLang="ko-KR" sz="2000" dirty="0" err="1" smtClean="0"/>
+              <a:t>hfe</a:t>
+            </a:r>
+            <a:r>
+              <a:rPr lang="en-US" altLang="ko-KR" sz="2000" dirty="0" smtClean="0"/>
+              <a:t>)</a:t>
+            </a:r>
           </a:p>
           <a:p>
             <a:endParaRPr lang="ko-KR" altLang="en-US" dirty="0"/>
-          </a:p>
-        </p:txBody>
-      </p:sp>
-      <p:sp>
-        <p:nvSpPr>
-          <p:cNvPr id="5" name="TextBox 4"/>
-          <p:cNvSpPr txBox="1"/>
-          <p:nvPr/>
-        </p:nvSpPr>
-        <p:spPr>
-          <a:xfrm>
-            <a:off x="3923928" y="6021288"/>
-            <a:ext cx="1368152" cy="461665"/>
-          </a:xfrm>
-          <a:prstGeom prst="rect">
-            <a:avLst/>
-          </a:prstGeom>
-          <a:noFill/>
-        </p:spPr>
-        <p:txBody>
-          <a:bodyPr wrap="square" rtlCol="0">
-            <a:spAutoFit/>
-          </a:bodyPr>
-          <a:lstStyle/>
-          <a:p>
-            <a:pPr marL="0" lvl="1"/>
-            <a:r>
-              <a:rPr lang="en-US" altLang="ko-KR" sz="2400" smtClean="0"/>
-              <a:t>- </a:t>
-            </a:r>
-            <a:r>
-              <a:rPr lang="ko-KR" altLang="en-US" sz="2400" dirty="0" smtClean="0"/>
-              <a:t>계속 </a:t>
-            </a:r>
-            <a:r>
-              <a:rPr lang="en-US" altLang="ko-KR" sz="2400" dirty="0" smtClean="0"/>
-              <a:t>-</a:t>
-            </a:r>
-            <a:endParaRPr lang="en-US" altLang="ko-KR" sz="4000" dirty="0" smtClean="0"/>
           </a:p>
         </p:txBody>
       </p:sp>

--- a/EET. Presentation & Summary/회로설계.pptx
+++ b/EET. Presentation & Summary/회로설계.pptx
@@ -12,29 +12,31 @@
     <p:sldId id="285" r:id="rId6"/>
     <p:sldId id="286" r:id="rId7"/>
     <p:sldId id="284" r:id="rId8"/>
-    <p:sldId id="261" r:id="rId9"/>
-    <p:sldId id="259" r:id="rId10"/>
-    <p:sldId id="262" r:id="rId11"/>
-    <p:sldId id="267" r:id="rId12"/>
-    <p:sldId id="264" r:id="rId13"/>
-    <p:sldId id="265" r:id="rId14"/>
-    <p:sldId id="266" r:id="rId15"/>
-    <p:sldId id="268" r:id="rId16"/>
-    <p:sldId id="260" r:id="rId17"/>
-    <p:sldId id="269" r:id="rId18"/>
-    <p:sldId id="270" r:id="rId19"/>
-    <p:sldId id="272" r:id="rId20"/>
-    <p:sldId id="271" r:id="rId21"/>
-    <p:sldId id="273" r:id="rId22"/>
-    <p:sldId id="274" r:id="rId23"/>
-    <p:sldId id="275" r:id="rId24"/>
-    <p:sldId id="276" r:id="rId25"/>
-    <p:sldId id="278" r:id="rId26"/>
-    <p:sldId id="279" r:id="rId27"/>
-    <p:sldId id="277" r:id="rId28"/>
-    <p:sldId id="280" r:id="rId29"/>
-    <p:sldId id="281" r:id="rId30"/>
-    <p:sldId id="282" r:id="rId31"/>
+    <p:sldId id="287" r:id="rId9"/>
+    <p:sldId id="288" r:id="rId10"/>
+    <p:sldId id="261" r:id="rId11"/>
+    <p:sldId id="259" r:id="rId12"/>
+    <p:sldId id="262" r:id="rId13"/>
+    <p:sldId id="267" r:id="rId14"/>
+    <p:sldId id="264" r:id="rId15"/>
+    <p:sldId id="265" r:id="rId16"/>
+    <p:sldId id="266" r:id="rId17"/>
+    <p:sldId id="268" r:id="rId18"/>
+    <p:sldId id="260" r:id="rId19"/>
+    <p:sldId id="269" r:id="rId20"/>
+    <p:sldId id="270" r:id="rId21"/>
+    <p:sldId id="272" r:id="rId22"/>
+    <p:sldId id="271" r:id="rId23"/>
+    <p:sldId id="273" r:id="rId24"/>
+    <p:sldId id="274" r:id="rId25"/>
+    <p:sldId id="275" r:id="rId26"/>
+    <p:sldId id="276" r:id="rId27"/>
+    <p:sldId id="278" r:id="rId28"/>
+    <p:sldId id="279" r:id="rId29"/>
+    <p:sldId id="277" r:id="rId30"/>
+    <p:sldId id="280" r:id="rId31"/>
+    <p:sldId id="281" r:id="rId32"/>
+    <p:sldId id="282" r:id="rId33"/>
   </p:sldIdLst>
   <p:sldSz cx="9144000" cy="6858000" type="screen4x3"/>
   <p:notesSz cx="6858000" cy="9144000"/>
@@ -762,7 +764,7 @@
             <a:fld id="{F7C948D5-6B4E-498C-BC90-F673B6FC60CD}" type="datetimeFigureOut">
               <a:rPr lang="ko-KR" altLang="en-US" smtClean="0"/>
               <a:pPr/>
-              <a:t>2015-11-26</a:t>
+              <a:t>2015-11-27</a:t>
             </a:fld>
             <a:endParaRPr lang="ko-KR" altLang="en-US"/>
           </a:p>
@@ -984,7 +986,7 @@
             <a:fld id="{F7C948D5-6B4E-498C-BC90-F673B6FC60CD}" type="datetimeFigureOut">
               <a:rPr lang="ko-KR" altLang="en-US" smtClean="0"/>
               <a:pPr/>
-              <a:t>2015-11-26</a:t>
+              <a:t>2015-11-27</a:t>
             </a:fld>
             <a:endParaRPr lang="ko-KR" altLang="en-US"/>
           </a:p>
@@ -1171,7 +1173,7 @@
             <a:fld id="{F7C948D5-6B4E-498C-BC90-F673B6FC60CD}" type="datetimeFigureOut">
               <a:rPr lang="ko-KR" altLang="en-US" smtClean="0"/>
               <a:pPr/>
-              <a:t>2015-11-26</a:t>
+              <a:t>2015-11-27</a:t>
             </a:fld>
             <a:endParaRPr lang="ko-KR" altLang="en-US"/>
           </a:p>
@@ -1323,7 +1325,7 @@
             <a:fld id="{F7C948D5-6B4E-498C-BC90-F673B6FC60CD}" type="datetimeFigureOut">
               <a:rPr lang="ko-KR" altLang="en-US" smtClean="0"/>
               <a:pPr/>
-              <a:t>2015-11-26</a:t>
+              <a:t>2015-11-27</a:t>
             </a:fld>
             <a:endParaRPr lang="ko-KR" altLang="en-US"/>
           </a:p>
@@ -1580,7 +1582,7 @@
             <a:fld id="{F7C948D5-6B4E-498C-BC90-F673B6FC60CD}" type="datetimeFigureOut">
               <a:rPr lang="ko-KR" altLang="en-US" smtClean="0"/>
               <a:pPr/>
-              <a:t>2015-11-26</a:t>
+              <a:t>2015-11-27</a:t>
             </a:fld>
             <a:endParaRPr lang="ko-KR" altLang="en-US"/>
           </a:p>
@@ -1991,7 +1993,7 @@
             <a:fld id="{F7C948D5-6B4E-498C-BC90-F673B6FC60CD}" type="datetimeFigureOut">
               <a:rPr lang="ko-KR" altLang="en-US" smtClean="0"/>
               <a:pPr/>
-              <a:t>2015-11-26</a:t>
+              <a:t>2015-11-27</a:t>
             </a:fld>
             <a:endParaRPr lang="ko-KR" altLang="en-US"/>
           </a:p>
@@ -2439,7 +2441,7 @@
             <a:fld id="{F7C948D5-6B4E-498C-BC90-F673B6FC60CD}" type="datetimeFigureOut">
               <a:rPr lang="ko-KR" altLang="en-US" smtClean="0"/>
               <a:pPr/>
-              <a:t>2015-11-26</a:t>
+              <a:t>2015-11-27</a:t>
             </a:fld>
             <a:endParaRPr lang="ko-KR" altLang="en-US"/>
           </a:p>
@@ -2566,7 +2568,7 @@
             <a:fld id="{F7C948D5-6B4E-498C-BC90-F673B6FC60CD}" type="datetimeFigureOut">
               <a:rPr lang="ko-KR" altLang="en-US" smtClean="0"/>
               <a:pPr/>
-              <a:t>2015-11-26</a:t>
+              <a:t>2015-11-27</a:t>
             </a:fld>
             <a:endParaRPr lang="ko-KR" altLang="en-US"/>
           </a:p>
@@ -2689,7 +2691,7 @@
             <a:fld id="{F7C948D5-6B4E-498C-BC90-F673B6FC60CD}" type="datetimeFigureOut">
               <a:rPr lang="ko-KR" altLang="en-US" smtClean="0"/>
               <a:pPr/>
-              <a:t>2015-11-26</a:t>
+              <a:t>2015-11-27</a:t>
             </a:fld>
             <a:endParaRPr lang="ko-KR" altLang="en-US"/>
           </a:p>
@@ -2965,7 +2967,7 @@
             <a:fld id="{F7C948D5-6B4E-498C-BC90-F673B6FC60CD}" type="datetimeFigureOut">
               <a:rPr lang="ko-KR" altLang="en-US" smtClean="0"/>
               <a:pPr/>
-              <a:t>2015-11-26</a:t>
+              <a:t>2015-11-27</a:t>
             </a:fld>
             <a:endParaRPr lang="ko-KR" altLang="en-US"/>
           </a:p>
@@ -3196,7 +3198,7 @@
             <a:fld id="{F7C948D5-6B4E-498C-BC90-F673B6FC60CD}" type="datetimeFigureOut">
               <a:rPr lang="ko-KR" altLang="en-US" smtClean="0"/>
               <a:pPr/>
-              <a:t>2015-11-26</a:t>
+              <a:t>2015-11-27</a:t>
             </a:fld>
             <a:endParaRPr lang="ko-KR" altLang="en-US"/>
           </a:p>
@@ -4307,7 +4309,7 @@
             <a:fld id="{F7C948D5-6B4E-498C-BC90-F673B6FC60CD}" type="datetimeFigureOut">
               <a:rPr lang="ko-KR" altLang="en-US" smtClean="0"/>
               <a:pPr/>
-              <a:t>2015-11-26</a:t>
+              <a:t>2015-11-27</a:t>
             </a:fld>
             <a:endParaRPr lang="ko-KR" altLang="en-US"/>
           </a:p>
@@ -4819,6 +4821,491 @@
         <p:spPr/>
         <p:txBody>
           <a:bodyPr>
+            <a:normAutofit/>
+          </a:bodyPr>
+          <a:lstStyle/>
+          <a:p>
+            <a:r>
+              <a:rPr lang="en-US" altLang="ko-KR" dirty="0" smtClean="0"/>
+              <a:t>Transistor –</a:t>
+            </a:r>
+            <a:r>
+              <a:rPr lang="ko-KR" altLang="en-US" dirty="0" smtClean="0"/>
+              <a:t> </a:t>
+            </a:r>
+            <a:r>
+              <a:rPr lang="ko-KR" altLang="en-US" dirty="0" err="1" smtClean="0"/>
+              <a:t>설계시</a:t>
+            </a:r>
+            <a:r>
+              <a:rPr lang="ko-KR" altLang="en-US" dirty="0" smtClean="0"/>
+              <a:t> 유의사항</a:t>
+            </a:r>
+            <a:endParaRPr lang="ko-KR" altLang="en-US" dirty="0"/>
+          </a:p>
+        </p:txBody>
+      </p:sp>
+      <p:sp>
+        <p:nvSpPr>
+          <p:cNvPr id="6" name="내용 개체 틀 5"/>
+          <p:cNvSpPr>
+            <a:spLocks noGrp="1"/>
+          </p:cNvSpPr>
+          <p:nvPr>
+            <p:ph idx="1"/>
+          </p:nvPr>
+        </p:nvSpPr>
+        <p:spPr/>
+        <p:txBody>
+          <a:bodyPr>
+            <a:normAutofit fontScale="92500"/>
+          </a:bodyPr>
+          <a:lstStyle/>
+          <a:p>
+            <a:r>
+              <a:rPr lang="ko-KR" altLang="en-US" dirty="0" smtClean="0"/>
+              <a:t>몇 볼트까지 사용할 것인가</a:t>
+            </a:r>
+            <a:r>
+              <a:rPr lang="en-US" altLang="ko-KR" dirty="0" smtClean="0"/>
+              <a:t>?</a:t>
+            </a:r>
+          </a:p>
+          <a:p>
+            <a:pPr lvl="1"/>
+            <a:r>
+              <a:rPr lang="ko-KR" altLang="en-US" sz="2200" dirty="0" err="1" smtClean="0"/>
+              <a:t>컬렉터</a:t>
+            </a:r>
+            <a:r>
+              <a:rPr lang="en-US" altLang="ko-KR" sz="2200" dirty="0" smtClean="0"/>
+              <a:t>·</a:t>
+            </a:r>
+            <a:r>
+              <a:rPr lang="ko-KR" altLang="en-US" sz="2200" dirty="0" err="1" smtClean="0"/>
+              <a:t>이미터간</a:t>
+            </a:r>
+            <a:r>
+              <a:rPr lang="ko-KR" altLang="en-US" sz="2200" dirty="0" smtClean="0"/>
+              <a:t> 최대정격전압（</a:t>
+            </a:r>
+            <a:r>
+              <a:rPr lang="en-US" altLang="ko-KR" sz="2200" dirty="0" err="1" smtClean="0"/>
+              <a:t>Vceo</a:t>
+            </a:r>
+            <a:r>
+              <a:rPr lang="en-US" altLang="ko-KR" sz="2200" dirty="0" smtClean="0"/>
+              <a:t>)</a:t>
+            </a:r>
+            <a:r>
+              <a:rPr lang="ko-KR" altLang="en-US" sz="2200" dirty="0" smtClean="0"/>
+              <a:t>를 기준으로 하며 실제로는 이것의 </a:t>
+            </a:r>
+            <a:r>
+              <a:rPr lang="en-US" altLang="ko-KR" sz="2200" dirty="0" smtClean="0"/>
+              <a:t>1/2 </a:t>
+            </a:r>
+            <a:r>
+              <a:rPr lang="ko-KR" altLang="en-US" sz="2200" dirty="0" smtClean="0"/>
+              <a:t>이하의 전압에서 사용하는 것이 좋습니다</a:t>
+            </a:r>
+            <a:r>
+              <a:rPr lang="en-US" altLang="ko-KR" sz="2200" dirty="0" smtClean="0"/>
+              <a:t>.</a:t>
+            </a:r>
+          </a:p>
+          <a:p>
+            <a:pPr lvl="1"/>
+            <a:endParaRPr lang="en-US" altLang="ko-KR" sz="2400" dirty="0" smtClean="0"/>
+          </a:p>
+          <a:p>
+            <a:r>
+              <a:rPr lang="ko-KR" altLang="en-US" dirty="0" smtClean="0"/>
+              <a:t>몇 암페어까지 흐르게 할 것인가</a:t>
+            </a:r>
+            <a:r>
+              <a:rPr lang="en-US" altLang="ko-KR" dirty="0" smtClean="0"/>
+              <a:t>?</a:t>
+            </a:r>
+          </a:p>
+          <a:p>
+            <a:pPr lvl="1"/>
+            <a:r>
+              <a:rPr lang="ko-KR" altLang="en-US" sz="2200" dirty="0" smtClean="0"/>
+              <a:t>이것은 ２가지 관점에서 생각해야 합니다</a:t>
+            </a:r>
+            <a:r>
+              <a:rPr lang="en-US" altLang="ko-KR" sz="2200" dirty="0" smtClean="0"/>
+              <a:t>.</a:t>
+            </a:r>
+          </a:p>
+          <a:p>
+            <a:pPr lvl="1"/>
+            <a:r>
+              <a:rPr lang="ko-KR" altLang="en-US" sz="2200" dirty="0" smtClean="0"/>
+              <a:t>먼저 </a:t>
+            </a:r>
+            <a:r>
+              <a:rPr lang="ko-KR" altLang="en-US" sz="2200" dirty="0" err="1" smtClean="0"/>
+              <a:t>컬렉터</a:t>
+            </a:r>
+            <a:r>
+              <a:rPr lang="ko-KR" altLang="en-US" sz="2200" dirty="0" smtClean="0"/>
+              <a:t> 최대정격전류（</a:t>
+            </a:r>
+            <a:r>
+              <a:rPr lang="en-US" altLang="ko-KR" sz="2200" dirty="0" err="1" smtClean="0"/>
+              <a:t>Ic</a:t>
+            </a:r>
+            <a:r>
+              <a:rPr lang="en-US" altLang="ko-KR" sz="2200" dirty="0" smtClean="0"/>
+              <a:t>)</a:t>
+            </a:r>
+            <a:r>
+              <a:rPr lang="ko-KR" altLang="en-US" sz="2200" dirty="0" smtClean="0"/>
+              <a:t>를 초과해서는 안되며 실제 사용시에는 </a:t>
+            </a:r>
+            <a:r>
+              <a:rPr lang="en-US" altLang="ko-KR" sz="2200" dirty="0" smtClean="0"/>
+              <a:t>1/2 </a:t>
+            </a:r>
+            <a:r>
+              <a:rPr lang="ko-KR" altLang="en-US" sz="2200" dirty="0" smtClean="0"/>
+              <a:t>이하에서 사용해야 합니다</a:t>
+            </a:r>
+            <a:r>
+              <a:rPr lang="en-US" altLang="ko-KR" sz="2200" dirty="0" smtClean="0"/>
+              <a:t>.</a:t>
+            </a:r>
+          </a:p>
+          <a:p>
+            <a:pPr lvl="1"/>
+            <a:r>
+              <a:rPr lang="ko-KR" altLang="en-US" sz="2200" dirty="0" smtClean="0"/>
+              <a:t>또 하나는 </a:t>
+            </a:r>
+            <a:r>
+              <a:rPr lang="ko-KR" altLang="en-US" sz="2200" dirty="0" err="1" smtClean="0"/>
+              <a:t>콜렉터</a:t>
+            </a:r>
+            <a:r>
+              <a:rPr lang="ko-KR" altLang="en-US" sz="2200" dirty="0" smtClean="0"/>
+              <a:t> 손실</a:t>
+            </a:r>
+            <a:r>
+              <a:rPr lang="en-US" altLang="ko-KR" sz="2200" dirty="0" smtClean="0"/>
+              <a:t>(Pc)</a:t>
+            </a:r>
+            <a:r>
+              <a:rPr lang="ko-KR" altLang="en-US" sz="2200" dirty="0" smtClean="0"/>
+              <a:t>을 기준으로 최대 전력을 초과하여 사용하지 않도록 하는 것입니다</a:t>
+            </a:r>
+            <a:r>
+              <a:rPr lang="en-US" altLang="ko-KR" sz="2200" dirty="0" smtClean="0"/>
+              <a:t>. </a:t>
+            </a:r>
+            <a:r>
+              <a:rPr lang="ko-KR" altLang="en-US" sz="2200" dirty="0" smtClean="0"/>
+              <a:t>이것의 사용전압 </a:t>
+            </a:r>
+            <a:r>
+              <a:rPr lang="en-US" altLang="ko-KR" sz="2200" dirty="0" smtClean="0"/>
+              <a:t>× </a:t>
+            </a:r>
+            <a:r>
+              <a:rPr lang="ko-KR" altLang="en-US" sz="2200" dirty="0" smtClean="0"/>
+              <a:t>전류로 계산하여 역시 </a:t>
+            </a:r>
+            <a:r>
+              <a:rPr lang="en-US" altLang="ko-KR" sz="2200" dirty="0" smtClean="0"/>
+              <a:t>1/2 </a:t>
+            </a:r>
+            <a:r>
+              <a:rPr lang="ko-KR" altLang="en-US" sz="2200" dirty="0" smtClean="0"/>
+              <a:t>이하에서 사용해야 합니다</a:t>
+            </a:r>
+            <a:r>
+              <a:rPr lang="en-US" altLang="ko-KR" sz="2200" dirty="0" smtClean="0"/>
+              <a:t>.</a:t>
+            </a:r>
+          </a:p>
+          <a:p>
+            <a:pPr lvl="1"/>
+            <a:r>
+              <a:rPr lang="ko-KR" altLang="en-US" sz="2200" dirty="0" smtClean="0"/>
+              <a:t>그러나 이것은 </a:t>
+            </a:r>
+            <a:r>
+              <a:rPr lang="ko-KR" altLang="en-US" sz="2200" dirty="0" err="1" smtClean="0"/>
+              <a:t>방열판의</a:t>
+            </a:r>
+            <a:r>
+              <a:rPr lang="ko-KR" altLang="en-US" sz="2200" dirty="0" smtClean="0"/>
+              <a:t> 유무와 주위 온도에 따라 큰 차이가 있으므로 데이터 </a:t>
+            </a:r>
+            <a:r>
+              <a:rPr lang="ko-KR" altLang="en-US" sz="2200" dirty="0" err="1" smtClean="0"/>
+              <a:t>쉬트를</a:t>
+            </a:r>
+            <a:r>
+              <a:rPr lang="ko-KR" altLang="en-US" sz="2200" dirty="0" smtClean="0"/>
+              <a:t> 확인하는 것이 좋습니다</a:t>
+            </a:r>
+            <a:r>
+              <a:rPr lang="en-US" altLang="ko-KR" sz="2200" dirty="0" smtClean="0"/>
+              <a:t>.</a:t>
+            </a:r>
+            <a:endParaRPr lang="ko-KR" altLang="en-US" sz="2200" dirty="0"/>
+          </a:p>
+        </p:txBody>
+      </p:sp>
+    </p:spTree>
+  </p:cSld>
+  <p:clrMapOvr>
+    <a:masterClrMapping/>
+  </p:clrMapOvr>
+</p:sld>
+</file>
+
+<file path=ppt/slides/slide11.xml><?xml version="1.0" encoding="utf-8"?>
+<p:sld xmlns:a="http://schemas.openxmlformats.org/drawingml/2006/main" xmlns:r="http://schemas.openxmlformats.org/officeDocument/2006/relationships" xmlns:p="http://schemas.openxmlformats.org/presentationml/2006/main">
+  <p:cSld>
+    <p:spTree>
+      <p:nvGrpSpPr>
+        <p:cNvPr id="1" name=""/>
+        <p:cNvGrpSpPr/>
+        <p:nvPr/>
+      </p:nvGrpSpPr>
+      <p:grpSpPr>
+        <a:xfrm>
+          <a:off x="0" y="0"/>
+          <a:ext cx="0" cy="0"/>
+          <a:chOff x="0" y="0"/>
+          <a:chExt cx="0" cy="0"/>
+        </a:xfrm>
+      </p:grpSpPr>
+      <p:sp>
+        <p:nvSpPr>
+          <p:cNvPr id="3" name="제목 2"/>
+          <p:cNvSpPr>
+            <a:spLocks noGrp="1"/>
+          </p:cNvSpPr>
+          <p:nvPr>
+            <p:ph type="title"/>
+          </p:nvPr>
+        </p:nvSpPr>
+        <p:spPr/>
+        <p:txBody>
+          <a:bodyPr>
+            <a:normAutofit/>
+          </a:bodyPr>
+          <a:lstStyle/>
+          <a:p>
+            <a:r>
+              <a:rPr lang="en-US" altLang="ko-KR" dirty="0" smtClean="0"/>
+              <a:t>Transistor –</a:t>
+            </a:r>
+            <a:r>
+              <a:rPr lang="ko-KR" altLang="en-US" dirty="0" smtClean="0"/>
+              <a:t> </a:t>
+            </a:r>
+            <a:r>
+              <a:rPr lang="ko-KR" altLang="en-US" dirty="0" err="1" smtClean="0"/>
+              <a:t>설계시</a:t>
+            </a:r>
+            <a:r>
+              <a:rPr lang="ko-KR" altLang="en-US" dirty="0" smtClean="0"/>
+              <a:t> 유의사항</a:t>
+            </a:r>
+            <a:endParaRPr lang="ko-KR" altLang="en-US" dirty="0"/>
+          </a:p>
+        </p:txBody>
+      </p:sp>
+      <p:sp>
+        <p:nvSpPr>
+          <p:cNvPr id="6" name="내용 개체 틀 5"/>
+          <p:cNvSpPr>
+            <a:spLocks noGrp="1"/>
+          </p:cNvSpPr>
+          <p:nvPr>
+            <p:ph idx="1"/>
+          </p:nvPr>
+        </p:nvSpPr>
+        <p:spPr/>
+        <p:txBody>
+          <a:bodyPr>
+            <a:normAutofit/>
+          </a:bodyPr>
+          <a:lstStyle/>
+          <a:p>
+            <a:r>
+              <a:rPr lang="ko-KR" altLang="en-US" dirty="0" smtClean="0"/>
+              <a:t>증폭률을 얼마로 사용할 것인가</a:t>
+            </a:r>
+            <a:r>
+              <a:rPr lang="en-US" altLang="ko-KR" dirty="0" smtClean="0"/>
+              <a:t>?</a:t>
+            </a:r>
+          </a:p>
+          <a:p>
+            <a:pPr lvl="1"/>
+            <a:r>
+              <a:rPr lang="ko-KR" altLang="en-US" sz="2000" dirty="0" err="1" smtClean="0"/>
+              <a:t>직류전류증폭율</a:t>
+            </a:r>
+            <a:r>
+              <a:rPr lang="en-US" altLang="ko-KR" sz="2000" dirty="0" smtClean="0"/>
+              <a:t>(</a:t>
+            </a:r>
+            <a:r>
+              <a:rPr lang="en-US" altLang="ko-KR" sz="2000" dirty="0" err="1" smtClean="0"/>
+              <a:t>hfe</a:t>
+            </a:r>
+            <a:r>
+              <a:rPr lang="en-US" altLang="ko-KR" sz="2000" dirty="0" smtClean="0"/>
+              <a:t>)</a:t>
+            </a:r>
+            <a:r>
+              <a:rPr lang="ko-KR" altLang="en-US" sz="2000" dirty="0" smtClean="0"/>
+              <a:t>로 단순하게 입력전류의 몇 배가 되어 출력되는지 계산하면 되지만 트랜지스터마다 편차가 있으므로 최소값을 기준으로 해야 합니다</a:t>
+            </a:r>
+            <a:r>
+              <a:rPr lang="en-US" altLang="ko-KR" sz="2000" dirty="0" smtClean="0"/>
+              <a:t>.</a:t>
+            </a:r>
+            <a:endParaRPr lang="en-US" altLang="ko-KR" sz="4000" dirty="0" smtClean="0"/>
+          </a:p>
+          <a:p>
+            <a:pPr lvl="1"/>
+            <a:endParaRPr lang="en-US" altLang="ko-KR" sz="2400" dirty="0" smtClean="0"/>
+          </a:p>
+          <a:p>
+            <a:r>
+              <a:rPr lang="ko-KR" altLang="en-US" dirty="0" err="1" smtClean="0"/>
+              <a:t>어느정도의</a:t>
+            </a:r>
+            <a:r>
+              <a:rPr lang="ko-KR" altLang="en-US" dirty="0" smtClean="0"/>
+              <a:t> 주파수까지 증폭할 것인가</a:t>
+            </a:r>
+            <a:r>
+              <a:rPr lang="en-US" altLang="ko-KR" dirty="0" smtClean="0"/>
+              <a:t>?</a:t>
+            </a:r>
+          </a:p>
+          <a:p>
+            <a:pPr lvl="1"/>
+            <a:r>
+              <a:rPr lang="ko-KR" altLang="en-US" sz="2000" dirty="0" smtClean="0"/>
+              <a:t>이것은 이득 대역폭 </a:t>
+            </a:r>
+            <a:r>
+              <a:rPr lang="en-US" altLang="ko-KR" sz="2000" dirty="0" smtClean="0"/>
+              <a:t>(</a:t>
+            </a:r>
+            <a:r>
+              <a:rPr lang="en-US" altLang="ko-KR" sz="2000" dirty="0" err="1" smtClean="0"/>
+              <a:t>f</a:t>
+            </a:r>
+            <a:r>
+              <a:rPr lang="en-US" altLang="ko-KR" sz="1100" dirty="0" err="1" smtClean="0"/>
+              <a:t>T</a:t>
+            </a:r>
+            <a:r>
+              <a:rPr lang="en-US" altLang="ko-KR" sz="2000" dirty="0" smtClean="0"/>
+              <a:t>)</a:t>
+            </a:r>
+            <a:r>
+              <a:rPr lang="ko-KR" altLang="en-US" sz="2000" dirty="0" smtClean="0"/>
+              <a:t>을 기준으로 하여 다음과 같이 산출 합니다</a:t>
+            </a:r>
+            <a:r>
+              <a:rPr lang="en-US" altLang="ko-KR" sz="2000" dirty="0" smtClean="0"/>
+              <a:t>.</a:t>
+            </a:r>
+          </a:p>
+          <a:p>
+            <a:pPr lvl="1"/>
+            <a:r>
+              <a:rPr lang="ko-KR" altLang="en-US" sz="2000" dirty="0" smtClean="0"/>
+              <a:t>사용 가능한 주파수 ＝ 이득 대역폭</a:t>
+            </a:r>
+            <a:r>
+              <a:rPr lang="en-US" altLang="ko-KR" sz="2000" dirty="0" smtClean="0"/>
+              <a:t>(</a:t>
+            </a:r>
+            <a:r>
+              <a:rPr lang="en-US" altLang="ko-KR" sz="2000" dirty="0" err="1" smtClean="0"/>
+              <a:t>f</a:t>
+            </a:r>
+            <a:r>
+              <a:rPr lang="en-US" altLang="ko-KR" sz="1100" dirty="0" err="1" smtClean="0"/>
+              <a:t>T</a:t>
+            </a:r>
+            <a:r>
+              <a:rPr lang="en-US" altLang="ko-KR" sz="2000" dirty="0" smtClean="0"/>
+              <a:t>) ÷ </a:t>
+            </a:r>
+            <a:r>
+              <a:rPr lang="ko-KR" altLang="en-US" sz="2000" dirty="0" smtClean="0"/>
+              <a:t>직류 전류 증폭 율</a:t>
+            </a:r>
+            <a:r>
+              <a:rPr lang="en-US" altLang="ko-KR" sz="2000" dirty="0" smtClean="0"/>
+              <a:t>(</a:t>
+            </a:r>
+            <a:r>
+              <a:rPr lang="en-US" altLang="ko-KR" sz="2000" dirty="0" err="1" smtClean="0"/>
+              <a:t>hfe</a:t>
+            </a:r>
+            <a:r>
+              <a:rPr lang="en-US" altLang="ko-KR" sz="2000" dirty="0" smtClean="0"/>
+              <a:t>)</a:t>
+            </a:r>
+          </a:p>
+          <a:p>
+            <a:endParaRPr lang="ko-KR" altLang="en-US" dirty="0"/>
+          </a:p>
+        </p:txBody>
+      </p:sp>
+    </p:spTree>
+  </p:cSld>
+  <p:clrMapOvr>
+    <a:masterClrMapping/>
+  </p:clrMapOvr>
+</p:sld>
+</file>
+
+<file path=ppt/slides/slide12.xml><?xml version="1.0" encoding="utf-8"?>
+<p:sld xmlns:a="http://schemas.openxmlformats.org/drawingml/2006/main" xmlns:r="http://schemas.openxmlformats.org/officeDocument/2006/relationships" xmlns:p="http://schemas.openxmlformats.org/presentationml/2006/main">
+  <p:cSld>
+    <p:spTree>
+      <p:nvGrpSpPr>
+        <p:cNvPr id="1" name=""/>
+        <p:cNvGrpSpPr/>
+        <p:nvPr/>
+      </p:nvGrpSpPr>
+      <p:grpSpPr>
+        <a:xfrm>
+          <a:off x="0" y="0"/>
+          <a:ext cx="0" cy="0"/>
+          <a:chOff x="0" y="0"/>
+          <a:chExt cx="0" cy="0"/>
+        </a:xfrm>
+      </p:grpSpPr>
+      <p:sp>
+        <p:nvSpPr>
+          <p:cNvPr id="3" name="제목 2"/>
+          <p:cNvSpPr>
+            <a:spLocks noGrp="1"/>
+          </p:cNvSpPr>
+          <p:nvPr>
+            <p:ph type="title"/>
+          </p:nvPr>
+        </p:nvSpPr>
+        <p:spPr/>
+        <p:txBody>
+          <a:bodyPr>
             <a:normAutofit fontScale="90000"/>
           </a:bodyPr>
           <a:lstStyle/>
@@ -5079,7 +5566,7 @@
 </p:sld>
 </file>
 
-<file path=ppt/slides/slide11.xml><?xml version="1.0" encoding="utf-8"?>
+<file path=ppt/slides/slide13.xml><?xml version="1.0" encoding="utf-8"?>
 <p:sld xmlns:a="http://schemas.openxmlformats.org/drawingml/2006/main" xmlns:r="http://schemas.openxmlformats.org/officeDocument/2006/relationships" xmlns:p="http://schemas.openxmlformats.org/presentationml/2006/main">
   <p:cSld>
     <p:spTree>
@@ -5282,7 +5769,7 @@
 </p:sld>
 </file>
 
-<file path=ppt/slides/slide12.xml><?xml version="1.0" encoding="utf-8"?>
+<file path=ppt/slides/slide14.xml><?xml version="1.0" encoding="utf-8"?>
 <p:sld xmlns:a="http://schemas.openxmlformats.org/drawingml/2006/main" xmlns:r="http://schemas.openxmlformats.org/officeDocument/2006/relationships" xmlns:p="http://schemas.openxmlformats.org/presentationml/2006/main">
   <p:cSld>
     <p:spTree>
@@ -5532,7 +6019,7 @@
 </p:sld>
 </file>
 
-<file path=ppt/slides/slide13.xml><?xml version="1.0" encoding="utf-8"?>
+<file path=ppt/slides/slide15.xml><?xml version="1.0" encoding="utf-8"?>
 <p:sld xmlns:a="http://schemas.openxmlformats.org/drawingml/2006/main" xmlns:r="http://schemas.openxmlformats.org/officeDocument/2006/relationships" xmlns:p="http://schemas.openxmlformats.org/presentationml/2006/main">
   <p:cSld>
     <p:spTree>
@@ -5842,7 +6329,7 @@
 </p:sld>
 </file>
 
-<file path=ppt/slides/slide14.xml><?xml version="1.0" encoding="utf-8"?>
+<file path=ppt/slides/slide16.xml><?xml version="1.0" encoding="utf-8"?>
 <p:sld xmlns:a="http://schemas.openxmlformats.org/drawingml/2006/main" xmlns:r="http://schemas.openxmlformats.org/officeDocument/2006/relationships" xmlns:p="http://schemas.openxmlformats.org/presentationml/2006/main">
   <p:cSld>
     <p:spTree>
@@ -6169,7 +6656,7 @@
 </p:sld>
 </file>
 
-<file path=ppt/slides/slide15.xml><?xml version="1.0" encoding="utf-8"?>
+<file path=ppt/slides/slide17.xml><?xml version="1.0" encoding="utf-8"?>
 <p:sld xmlns:a="http://schemas.openxmlformats.org/drawingml/2006/main" xmlns:r="http://schemas.openxmlformats.org/officeDocument/2006/relationships" xmlns:p="http://schemas.openxmlformats.org/presentationml/2006/main">
   <p:cSld>
     <p:spTree>
@@ -6401,7 +6888,7 @@
 </p:sld>
 </file>
 
-<file path=ppt/slides/slide16.xml><?xml version="1.0" encoding="utf-8"?>
+<file path=ppt/slides/slide18.xml><?xml version="1.0" encoding="utf-8"?>
 <p:sld xmlns:a="http://schemas.openxmlformats.org/drawingml/2006/main" xmlns:r="http://schemas.openxmlformats.org/officeDocument/2006/relationships" xmlns:p="http://schemas.openxmlformats.org/presentationml/2006/main">
   <p:cSld>
     <p:spTree>
@@ -6613,7 +7100,7 @@
 </p:sld>
 </file>
 
-<file path=ppt/slides/slide17.xml><?xml version="1.0" encoding="utf-8"?>
+<file path=ppt/slides/slide19.xml><?xml version="1.0" encoding="utf-8"?>
 <p:sld xmlns:a="http://schemas.openxmlformats.org/drawingml/2006/main" xmlns:r="http://schemas.openxmlformats.org/officeDocument/2006/relationships" xmlns:p="http://schemas.openxmlformats.org/presentationml/2006/main">
   <p:cSld>
     <p:spTree>
@@ -7021,7 +7508,108 @@
 </p:sld>
 </file>
 
-<file path=ppt/slides/slide18.xml><?xml version="1.0" encoding="utf-8"?>
+<file path=ppt/slides/slide2.xml><?xml version="1.0" encoding="utf-8"?>
+<p:sld xmlns:a="http://schemas.openxmlformats.org/drawingml/2006/main" xmlns:r="http://schemas.openxmlformats.org/officeDocument/2006/relationships" xmlns:p="http://schemas.openxmlformats.org/presentationml/2006/main">
+  <p:cSld>
+    <p:spTree>
+      <p:nvGrpSpPr>
+        <p:cNvPr id="1" name=""/>
+        <p:cNvGrpSpPr/>
+        <p:nvPr/>
+      </p:nvGrpSpPr>
+      <p:grpSpPr>
+        <a:xfrm>
+          <a:off x="0" y="0"/>
+          <a:ext cx="0" cy="0"/>
+          <a:chOff x="0" y="0"/>
+          <a:chExt cx="0" cy="0"/>
+        </a:xfrm>
+      </p:grpSpPr>
+      <p:sp>
+        <p:nvSpPr>
+          <p:cNvPr id="2" name="내용 개체 틀 1"/>
+          <p:cNvSpPr>
+            <a:spLocks noGrp="1"/>
+          </p:cNvSpPr>
+          <p:nvPr>
+            <p:ph idx="1"/>
+          </p:nvPr>
+        </p:nvSpPr>
+        <p:spPr/>
+        <p:txBody>
+          <a:bodyPr/>
+          <a:lstStyle/>
+          <a:p>
+            <a:r>
+              <a:rPr lang="en-US" altLang="ko-KR" dirty="0" smtClean="0"/>
+              <a:t>Resistor</a:t>
+            </a:r>
+          </a:p>
+          <a:p>
+            <a:r>
+              <a:rPr lang="en-US" altLang="ko-KR" dirty="0" smtClean="0"/>
+              <a:t>Capacitor…</a:t>
+            </a:r>
+          </a:p>
+          <a:p>
+            <a:r>
+              <a:rPr lang="en-US" altLang="ko-KR" dirty="0" smtClean="0"/>
+              <a:t>Inductor…</a:t>
+            </a:r>
+          </a:p>
+          <a:p>
+            <a:r>
+              <a:rPr lang="en-US" altLang="ko-KR" dirty="0" smtClean="0"/>
+              <a:t>Transistor</a:t>
+            </a:r>
+          </a:p>
+          <a:p>
+            <a:r>
+              <a:rPr lang="en-US" altLang="ko-KR" dirty="0" smtClean="0"/>
+              <a:t>MOSFET</a:t>
+            </a:r>
+          </a:p>
+          <a:p>
+            <a:r>
+              <a:rPr lang="en-US" altLang="ko-KR" dirty="0" smtClean="0"/>
+              <a:t>OP-AMP…</a:t>
+            </a:r>
+            <a:endParaRPr lang="ko-KR" altLang="en-US" dirty="0"/>
+          </a:p>
+        </p:txBody>
+      </p:sp>
+      <p:sp>
+        <p:nvSpPr>
+          <p:cNvPr id="3" name="제목 2"/>
+          <p:cNvSpPr>
+            <a:spLocks noGrp="1"/>
+          </p:cNvSpPr>
+          <p:nvPr>
+            <p:ph type="title"/>
+          </p:nvPr>
+        </p:nvSpPr>
+        <p:spPr/>
+        <p:txBody>
+          <a:bodyPr/>
+          <a:lstStyle/>
+          <a:p>
+            <a:r>
+              <a:rPr lang="ko-KR" altLang="en-US" dirty="0" smtClean="0"/>
+              <a:t>목차</a:t>
+            </a:r>
+            <a:endParaRPr lang="ko-KR" altLang="en-US" dirty="0"/>
+          </a:p>
+        </p:txBody>
+      </p:sp>
+    </p:spTree>
+  </p:cSld>
+  <p:clrMapOvr>
+    <a:masterClrMapping/>
+  </p:clrMapOvr>
+</p:sld>
+</file>
+
+<file path=ppt/slides/slide20.xml><?xml version="1.0" encoding="utf-8"?>
 <p:sld xmlns:a="http://schemas.openxmlformats.org/drawingml/2006/main" xmlns:r="http://schemas.openxmlformats.org/officeDocument/2006/relationships" xmlns:p="http://schemas.openxmlformats.org/presentationml/2006/main">
   <p:cSld>
     <p:spTree>
@@ -7389,715 +7977,6 @@
 </p:sld>
 </file>
 
-<file path=ppt/slides/slide19.xml><?xml version="1.0" encoding="utf-8"?>
-<p:sld xmlns:a="http://schemas.openxmlformats.org/drawingml/2006/main" xmlns:r="http://schemas.openxmlformats.org/officeDocument/2006/relationships" xmlns:p="http://schemas.openxmlformats.org/presentationml/2006/main">
-  <p:cSld>
-    <p:spTree>
-      <p:nvGrpSpPr>
-        <p:cNvPr id="1" name=""/>
-        <p:cNvGrpSpPr/>
-        <p:nvPr/>
-      </p:nvGrpSpPr>
-      <p:grpSpPr>
-        <a:xfrm>
-          <a:off x="0" y="0"/>
-          <a:ext cx="0" cy="0"/>
-          <a:chOff x="0" y="0"/>
-          <a:chExt cx="0" cy="0"/>
-        </a:xfrm>
-      </p:grpSpPr>
-      <p:sp>
-        <p:nvSpPr>
-          <p:cNvPr id="3" name="제목 2"/>
-          <p:cNvSpPr>
-            <a:spLocks noGrp="1"/>
-          </p:cNvSpPr>
-          <p:nvPr>
-            <p:ph type="title"/>
-          </p:nvPr>
-        </p:nvSpPr>
-        <p:spPr/>
-        <p:txBody>
-          <a:bodyPr>
-            <a:normAutofit fontScale="90000"/>
-          </a:bodyPr>
-          <a:lstStyle/>
-          <a:p>
-            <a:r>
-              <a:rPr lang="en-US" altLang="ko-KR" dirty="0" smtClean="0"/>
-              <a:t>Transistor </a:t>
-            </a:r>
-            <a:r>
-              <a:rPr lang="en-US" altLang="ko-KR" sz="4000" dirty="0" smtClean="0"/>
-              <a:t>–</a:t>
-            </a:r>
-            <a:r>
-              <a:rPr lang="ko-KR" altLang="en-US" sz="4000" dirty="0" smtClean="0"/>
-              <a:t> </a:t>
-            </a:r>
-            <a:r>
-              <a:rPr lang="ko-KR" altLang="en-US" sz="3600" dirty="0" smtClean="0"/>
-              <a:t>아날로그 회로에서 사용법</a:t>
-            </a:r>
-            <a:endParaRPr lang="ko-KR" altLang="en-US" dirty="0"/>
-          </a:p>
-        </p:txBody>
-      </p:sp>
-      <p:sp>
-        <p:nvSpPr>
-          <p:cNvPr id="6" name="내용 개체 틀 5"/>
-          <p:cNvSpPr>
-            <a:spLocks noGrp="1"/>
-          </p:cNvSpPr>
-          <p:nvPr>
-            <p:ph idx="1"/>
-          </p:nvPr>
-        </p:nvSpPr>
-        <p:spPr/>
-        <p:txBody>
-          <a:bodyPr>
-            <a:normAutofit fontScale="92500" lnSpcReduction="20000"/>
-          </a:bodyPr>
-          <a:lstStyle/>
-          <a:p>
-            <a:r>
-              <a:rPr lang="ko-KR" altLang="en-US" dirty="0" smtClean="0"/>
-              <a:t>아날로그 신호를 증폭하기 위한 기본 회로는 대부분 </a:t>
-            </a:r>
-            <a:r>
-              <a:rPr lang="ko-KR" altLang="en-US" dirty="0" err="1" smtClean="0"/>
-              <a:t>이미터</a:t>
-            </a:r>
-            <a:r>
-              <a:rPr lang="ko-KR" altLang="en-US" dirty="0" smtClean="0"/>
-              <a:t> 접지 회로를 사용하며 최대한 깨끗하게 입력 신호를 증폭하도록 해야 합니다</a:t>
-            </a:r>
-            <a:r>
-              <a:rPr lang="en-US" altLang="ko-KR" dirty="0" smtClean="0"/>
-              <a:t>.</a:t>
-            </a:r>
-          </a:p>
-          <a:p>
-            <a:pPr lvl="1"/>
-            <a:r>
-              <a:rPr lang="ko-KR" altLang="en-US" sz="2000" dirty="0" smtClean="0"/>
-              <a:t>그 기본회로는 다음 그림과 같으며 회로정수의 결정방법은 아래와 같은 순서로 행합니다．</a:t>
-            </a:r>
-          </a:p>
-          <a:p>
-            <a:pPr lvl="1"/>
-            <a:r>
-              <a:rPr lang="ko-KR" altLang="en-US" sz="2000" dirty="0" smtClean="0"/>
-              <a:t>여기로 미리 사용할 전원전압（</a:t>
-            </a:r>
-            <a:r>
-              <a:rPr lang="en-US" altLang="ko-KR" sz="2000" dirty="0" err="1" smtClean="0"/>
-              <a:t>Vcc</a:t>
-            </a:r>
-            <a:r>
-              <a:rPr lang="en-US" altLang="ko-KR" sz="2000" dirty="0" smtClean="0"/>
-              <a:t>)</a:t>
-            </a:r>
-            <a:r>
-              <a:rPr lang="ko-KR" altLang="en-US" sz="2000" dirty="0" smtClean="0"/>
-              <a:t>은 정해 있는 것으로 하고 사용할 트랜지스터의 전류 증폭율</a:t>
-            </a:r>
-            <a:r>
-              <a:rPr lang="en-US" altLang="ko-KR" sz="2000" dirty="0" smtClean="0"/>
-              <a:t>(</a:t>
-            </a:r>
-            <a:r>
-              <a:rPr lang="en-US" altLang="ko-KR" sz="2000" dirty="0" err="1" smtClean="0"/>
-              <a:t>hfe</a:t>
-            </a:r>
-            <a:r>
-              <a:rPr lang="en-US" altLang="ko-KR" sz="2000" dirty="0" smtClean="0"/>
-              <a:t>)</a:t>
-            </a:r>
-            <a:r>
-              <a:rPr lang="ko-KR" altLang="en-US" sz="2000" dirty="0" smtClean="0"/>
-              <a:t>은 </a:t>
-            </a:r>
-            <a:r>
-              <a:rPr lang="en-US" altLang="ko-KR" sz="2000" dirty="0" smtClean="0"/>
-              <a:t>100</a:t>
-            </a:r>
-            <a:r>
-              <a:rPr lang="ko-KR" altLang="en-US" sz="2000" dirty="0" smtClean="0"/>
-              <a:t>으로 가정합니다</a:t>
-            </a:r>
-            <a:r>
-              <a:rPr lang="en-US" altLang="ko-KR" sz="2000" dirty="0" smtClean="0"/>
-              <a:t>. </a:t>
-            </a:r>
-            <a:r>
-              <a:rPr lang="ko-KR" altLang="en-US" sz="2000" dirty="0" smtClean="0"/>
-              <a:t>트랜지스터의 </a:t>
-            </a:r>
-            <a:r>
-              <a:rPr lang="ko-KR" altLang="en-US" sz="2000" dirty="0" err="1" smtClean="0"/>
-              <a:t>선정시는</a:t>
-            </a:r>
-            <a:r>
-              <a:rPr lang="ko-KR" altLang="en-US" sz="2000" dirty="0" smtClean="0"/>
-              <a:t> 주파수 특성이 중요하고 이득 대역폭 </a:t>
-            </a:r>
-            <a:r>
-              <a:rPr lang="en-US" altLang="ko-KR" sz="2000" dirty="0" smtClean="0"/>
-              <a:t>(</a:t>
-            </a:r>
-            <a:r>
-              <a:rPr lang="en-US" altLang="ko-KR" sz="2000" dirty="0" err="1" smtClean="0"/>
-              <a:t>fT</a:t>
-            </a:r>
-            <a:r>
-              <a:rPr lang="en-US" altLang="ko-KR" sz="2000" dirty="0" smtClean="0"/>
-              <a:t>)</a:t>
-            </a:r>
-            <a:r>
-              <a:rPr lang="ko-KR" altLang="en-US" sz="2000" dirty="0" smtClean="0"/>
-              <a:t>이 높은것을 사용할 필요가 있습니다．</a:t>
-            </a:r>
-            <a:endParaRPr lang="en-US" altLang="ko-KR" sz="2000" dirty="0" smtClean="0"/>
-          </a:p>
-          <a:p>
-            <a:pPr lvl="1"/>
-            <a:endParaRPr lang="en-US" altLang="ko-KR" dirty="0" smtClean="0"/>
-          </a:p>
-          <a:p>
-            <a:pPr lvl="1">
-              <a:buNone/>
-            </a:pPr>
-            <a:r>
-              <a:rPr lang="ko-KR" altLang="en-US" dirty="0" smtClean="0"/>
-              <a:t>예：</a:t>
-            </a:r>
-          </a:p>
-          <a:p>
-            <a:pPr lvl="1"/>
-            <a:r>
-              <a:rPr lang="en-US" altLang="ko-KR" dirty="0" err="1" smtClean="0"/>
-              <a:t>fT</a:t>
-            </a:r>
-            <a:r>
-              <a:rPr lang="ko-KR" altLang="en-US" dirty="0" smtClean="0"/>
-              <a:t>가 </a:t>
-            </a:r>
-            <a:r>
-              <a:rPr lang="en-US" altLang="ko-KR" dirty="0" smtClean="0"/>
-              <a:t>200MHz </a:t>
-            </a:r>
-            <a:r>
-              <a:rPr lang="ko-KR" altLang="en-US" dirty="0" smtClean="0"/>
-              <a:t>이고 </a:t>
-            </a:r>
-            <a:r>
-              <a:rPr lang="en-US" altLang="ko-KR" dirty="0" err="1" smtClean="0"/>
-              <a:t>hfe</a:t>
-            </a:r>
-            <a:r>
-              <a:rPr lang="ko-KR" altLang="en-US" dirty="0" smtClean="0"/>
-              <a:t>가 </a:t>
-            </a:r>
-            <a:r>
-              <a:rPr lang="en-US" altLang="ko-KR" dirty="0" smtClean="0"/>
-              <a:t>100</a:t>
-            </a:r>
-            <a:r>
-              <a:rPr lang="ko-KR" altLang="en-US" dirty="0" smtClean="0"/>
-              <a:t>이라면，</a:t>
-            </a:r>
-            <a:r>
-              <a:rPr lang="en-US" altLang="ko-KR" dirty="0" smtClean="0"/>
-              <a:t>200MHz ÷ 100 = 2MHz </a:t>
-            </a:r>
-            <a:r>
-              <a:rPr lang="ko-KR" altLang="en-US" dirty="0" smtClean="0"/>
-              <a:t>로 되어 실제로 사용할 수 있는 주파수는 ２</a:t>
-            </a:r>
-            <a:r>
-              <a:rPr lang="en-US" altLang="ko-KR" dirty="0" smtClean="0"/>
-              <a:t>MHz </a:t>
-            </a:r>
-            <a:r>
-              <a:rPr lang="ko-KR" altLang="en-US" dirty="0" smtClean="0"/>
-              <a:t>정도가 됩니다</a:t>
-            </a:r>
-            <a:r>
-              <a:rPr lang="en-US" altLang="ko-KR" dirty="0" smtClean="0"/>
-              <a:t>.</a:t>
-            </a:r>
-          </a:p>
-          <a:p>
-            <a:pPr lvl="1"/>
-            <a:r>
-              <a:rPr lang="ko-KR" altLang="en-US" dirty="0" smtClean="0"/>
-              <a:t>따라서 </a:t>
-            </a:r>
-            <a:r>
-              <a:rPr lang="en-US" altLang="ko-KR" dirty="0" smtClean="0"/>
-              <a:t>10MHz </a:t>
-            </a:r>
-            <a:r>
-              <a:rPr lang="ko-KR" altLang="en-US" dirty="0" smtClean="0"/>
-              <a:t>이상의 주파수로 사용하려면 </a:t>
-            </a:r>
-            <a:r>
-              <a:rPr lang="en-US" altLang="ko-KR" dirty="0" smtClean="0"/>
-              <a:t>ft</a:t>
-            </a:r>
-            <a:r>
-              <a:rPr lang="ko-KR" altLang="en-US" dirty="0" smtClean="0"/>
-              <a:t>는 </a:t>
-            </a:r>
-            <a:r>
-              <a:rPr lang="en-US" altLang="ko-KR" dirty="0" smtClean="0"/>
-              <a:t>1GHz </a:t>
-            </a:r>
-            <a:r>
-              <a:rPr lang="ko-KR" altLang="en-US" dirty="0" smtClean="0"/>
-              <a:t>이상이 필요하게 됩니다</a:t>
-            </a:r>
-            <a:r>
-              <a:rPr lang="en-US" altLang="ko-KR" dirty="0" smtClean="0"/>
-              <a:t>.</a:t>
-            </a:r>
-            <a:endParaRPr lang="ko-KR" altLang="en-US" dirty="0"/>
-          </a:p>
-        </p:txBody>
-      </p:sp>
-    </p:spTree>
-  </p:cSld>
-  <p:clrMapOvr>
-    <a:masterClrMapping/>
-  </p:clrMapOvr>
-</p:sld>
-</file>
-
-<file path=ppt/slides/slide2.xml><?xml version="1.0" encoding="utf-8"?>
-<p:sld xmlns:a="http://schemas.openxmlformats.org/drawingml/2006/main" xmlns:r="http://schemas.openxmlformats.org/officeDocument/2006/relationships" xmlns:p="http://schemas.openxmlformats.org/presentationml/2006/main">
-  <p:cSld>
-    <p:spTree>
-      <p:nvGrpSpPr>
-        <p:cNvPr id="1" name=""/>
-        <p:cNvGrpSpPr/>
-        <p:nvPr/>
-      </p:nvGrpSpPr>
-      <p:grpSpPr>
-        <a:xfrm>
-          <a:off x="0" y="0"/>
-          <a:ext cx="0" cy="0"/>
-          <a:chOff x="0" y="0"/>
-          <a:chExt cx="0" cy="0"/>
-        </a:xfrm>
-      </p:grpSpPr>
-      <p:sp>
-        <p:nvSpPr>
-          <p:cNvPr id="2" name="내용 개체 틀 1"/>
-          <p:cNvSpPr>
-            <a:spLocks noGrp="1"/>
-          </p:cNvSpPr>
-          <p:nvPr>
-            <p:ph idx="1"/>
-          </p:nvPr>
-        </p:nvSpPr>
-        <p:spPr/>
-        <p:txBody>
-          <a:bodyPr/>
-          <a:lstStyle/>
-          <a:p>
-            <a:r>
-              <a:rPr lang="en-US" altLang="ko-KR" dirty="0" smtClean="0"/>
-              <a:t>Resistor</a:t>
-            </a:r>
-          </a:p>
-          <a:p>
-            <a:r>
-              <a:rPr lang="en-US" altLang="ko-KR" dirty="0" smtClean="0"/>
-              <a:t>Capacitor…</a:t>
-            </a:r>
-          </a:p>
-          <a:p>
-            <a:r>
-              <a:rPr lang="en-US" altLang="ko-KR" dirty="0" smtClean="0"/>
-              <a:t>Inductor…</a:t>
-            </a:r>
-          </a:p>
-          <a:p>
-            <a:r>
-              <a:rPr lang="en-US" altLang="ko-KR" dirty="0" smtClean="0"/>
-              <a:t>Transistor</a:t>
-            </a:r>
-          </a:p>
-          <a:p>
-            <a:r>
-              <a:rPr lang="en-US" altLang="ko-KR" dirty="0" smtClean="0"/>
-              <a:t>MOSFET</a:t>
-            </a:r>
-          </a:p>
-          <a:p>
-            <a:r>
-              <a:rPr lang="en-US" altLang="ko-KR" dirty="0" smtClean="0"/>
-              <a:t>OP-AMP…</a:t>
-            </a:r>
-            <a:endParaRPr lang="ko-KR" altLang="en-US" dirty="0"/>
-          </a:p>
-        </p:txBody>
-      </p:sp>
-      <p:sp>
-        <p:nvSpPr>
-          <p:cNvPr id="3" name="제목 2"/>
-          <p:cNvSpPr>
-            <a:spLocks noGrp="1"/>
-          </p:cNvSpPr>
-          <p:nvPr>
-            <p:ph type="title"/>
-          </p:nvPr>
-        </p:nvSpPr>
-        <p:spPr/>
-        <p:txBody>
-          <a:bodyPr/>
-          <a:lstStyle/>
-          <a:p>
-            <a:r>
-              <a:rPr lang="ko-KR" altLang="en-US" dirty="0" smtClean="0"/>
-              <a:t>목차</a:t>
-            </a:r>
-            <a:endParaRPr lang="ko-KR" altLang="en-US" dirty="0"/>
-          </a:p>
-        </p:txBody>
-      </p:sp>
-    </p:spTree>
-  </p:cSld>
-  <p:clrMapOvr>
-    <a:masterClrMapping/>
-  </p:clrMapOvr>
-</p:sld>
-</file>
-
-<file path=ppt/slides/slide20.xml><?xml version="1.0" encoding="utf-8"?>
-<p:sld xmlns:a="http://schemas.openxmlformats.org/drawingml/2006/main" xmlns:r="http://schemas.openxmlformats.org/officeDocument/2006/relationships" xmlns:p="http://schemas.openxmlformats.org/presentationml/2006/main">
-  <p:cSld>
-    <p:spTree>
-      <p:nvGrpSpPr>
-        <p:cNvPr id="1" name=""/>
-        <p:cNvGrpSpPr/>
-        <p:nvPr/>
-      </p:nvGrpSpPr>
-      <p:grpSpPr>
-        <a:xfrm>
-          <a:off x="0" y="0"/>
-          <a:ext cx="0" cy="0"/>
-          <a:chOff x="0" y="0"/>
-          <a:chExt cx="0" cy="0"/>
-        </a:xfrm>
-      </p:grpSpPr>
-      <p:sp>
-        <p:nvSpPr>
-          <p:cNvPr id="3" name="제목 2"/>
-          <p:cNvSpPr>
-            <a:spLocks noGrp="1"/>
-          </p:cNvSpPr>
-          <p:nvPr>
-            <p:ph type="title"/>
-          </p:nvPr>
-        </p:nvSpPr>
-        <p:spPr/>
-        <p:txBody>
-          <a:bodyPr>
-            <a:normAutofit fontScale="90000"/>
-          </a:bodyPr>
-          <a:lstStyle/>
-          <a:p>
-            <a:r>
-              <a:rPr lang="en-US" altLang="ko-KR" dirty="0" smtClean="0"/>
-              <a:t>Transistor </a:t>
-            </a:r>
-            <a:r>
-              <a:rPr lang="en-US" altLang="ko-KR" sz="4000" dirty="0" smtClean="0"/>
-              <a:t>–</a:t>
-            </a:r>
-            <a:r>
-              <a:rPr lang="ko-KR" altLang="en-US" sz="4000" dirty="0" smtClean="0"/>
-              <a:t> </a:t>
-            </a:r>
-            <a:r>
-              <a:rPr lang="ko-KR" altLang="en-US" sz="3600" dirty="0" smtClean="0"/>
-              <a:t>아날로그 회로에서 사용법</a:t>
-            </a:r>
-            <a:endParaRPr lang="ko-KR" altLang="en-US" dirty="0"/>
-          </a:p>
-        </p:txBody>
-      </p:sp>
-      <p:sp>
-        <p:nvSpPr>
-          <p:cNvPr id="4" name="내용 개체 틀 3"/>
-          <p:cNvSpPr>
-            <a:spLocks noGrp="1"/>
-          </p:cNvSpPr>
-          <p:nvPr>
-            <p:ph idx="1"/>
-          </p:nvPr>
-        </p:nvSpPr>
-        <p:spPr>
-          <a:xfrm>
-            <a:off x="4067944" y="1484784"/>
-            <a:ext cx="4618856" cy="4522507"/>
-          </a:xfrm>
-        </p:spPr>
-        <p:txBody>
-          <a:bodyPr>
-            <a:normAutofit/>
-          </a:bodyPr>
-          <a:lstStyle/>
-          <a:p>
-            <a:pPr>
-              <a:buNone/>
-            </a:pPr>
-            <a:r>
-              <a:rPr lang="en-US" altLang="ko-KR" sz="2000" dirty="0" smtClean="0"/>
-              <a:t>1. </a:t>
-            </a:r>
-            <a:r>
-              <a:rPr lang="ko-KR" altLang="en-US" sz="2000" dirty="0" err="1" smtClean="0"/>
-              <a:t>컬렉터</a:t>
-            </a:r>
-            <a:r>
-              <a:rPr lang="ko-KR" altLang="en-US" sz="2000" dirty="0" smtClean="0"/>
-              <a:t> 저항（</a:t>
-            </a:r>
-            <a:r>
-              <a:rPr lang="en-US" altLang="ko-KR" sz="2000" dirty="0" err="1" smtClean="0"/>
-              <a:t>Rc</a:t>
-            </a:r>
-            <a:r>
-              <a:rPr lang="en-US" altLang="ko-KR" sz="2000" dirty="0" smtClean="0"/>
-              <a:t>)</a:t>
-            </a:r>
-            <a:r>
-              <a:rPr lang="ko-KR" altLang="en-US" sz="2000" dirty="0" smtClean="0"/>
-              <a:t>의 결정</a:t>
-            </a:r>
-            <a:endParaRPr lang="en-US" altLang="ko-KR" sz="2000" dirty="0" smtClean="0"/>
-          </a:p>
-          <a:p>
-            <a:pPr>
-              <a:buNone/>
-            </a:pPr>
-            <a:endParaRPr lang="en-US" altLang="ko-KR" sz="2000" dirty="0" smtClean="0"/>
-          </a:p>
-          <a:p>
-            <a:r>
-              <a:rPr lang="ko-KR" altLang="en-US" sz="1600" dirty="0" smtClean="0"/>
-              <a:t>이것은 부하전류（</a:t>
-            </a:r>
-            <a:r>
-              <a:rPr lang="en-US" altLang="ko-KR" sz="1600" dirty="0" err="1" smtClean="0"/>
-              <a:t>Ic</a:t>
-            </a:r>
-            <a:r>
-              <a:rPr lang="en-US" altLang="ko-KR" sz="1600" dirty="0" smtClean="0"/>
-              <a:t>)</a:t>
-            </a:r>
-            <a:r>
-              <a:rPr lang="ko-KR" altLang="en-US" sz="1600" dirty="0" smtClean="0"/>
-              <a:t>를 고려해서 결정해야 합니다</a:t>
-            </a:r>
-            <a:r>
-              <a:rPr lang="en-US" altLang="ko-KR" sz="1600" dirty="0" smtClean="0"/>
-              <a:t>.</a:t>
-            </a:r>
-          </a:p>
-          <a:p>
-            <a:r>
-              <a:rPr lang="ko-KR" altLang="en-US" sz="1600" dirty="0" smtClean="0"/>
-              <a:t>파워가 필요한 </a:t>
-            </a:r>
-            <a:r>
-              <a:rPr lang="ko-KR" altLang="en-US" sz="1600" dirty="0" err="1" smtClean="0"/>
-              <a:t>드라이브일때는</a:t>
-            </a:r>
-            <a:r>
-              <a:rPr lang="ko-KR" altLang="en-US" sz="1600" dirty="0" smtClean="0"/>
-              <a:t> 수 １００ｍ</a:t>
-            </a:r>
-            <a:r>
-              <a:rPr lang="en-US" altLang="ko-KR" sz="1600" dirty="0" smtClean="0"/>
-              <a:t>A </a:t>
-            </a:r>
-            <a:r>
-              <a:rPr lang="ko-KR" altLang="en-US" sz="1600" dirty="0" smtClean="0"/>
-              <a:t>정도가 필요하며 통상은 수 ｍ</a:t>
-            </a:r>
-            <a:r>
-              <a:rPr lang="en-US" altLang="ko-KR" sz="1600" dirty="0" smtClean="0"/>
-              <a:t>A ~ </a:t>
-            </a:r>
-            <a:r>
-              <a:rPr lang="ko-KR" altLang="en-US" sz="1600" dirty="0" smtClean="0"/>
-              <a:t>수 １０ｍ</a:t>
-            </a:r>
-            <a:r>
-              <a:rPr lang="en-US" altLang="ko-KR" sz="1600" dirty="0" smtClean="0"/>
-              <a:t>A </a:t>
-            </a:r>
-            <a:r>
-              <a:rPr lang="ko-KR" altLang="en-US" sz="1600" dirty="0" smtClean="0"/>
-              <a:t>정도가 일반적입니다．</a:t>
-            </a:r>
-          </a:p>
-          <a:p>
-            <a:r>
-              <a:rPr lang="en-US" altLang="ko-KR" sz="1600" dirty="0" err="1" smtClean="0"/>
-              <a:t>Rc</a:t>
-            </a:r>
-            <a:r>
-              <a:rPr lang="ko-KR" altLang="en-US" sz="1600" dirty="0" smtClean="0"/>
-              <a:t>는 무신호시 출력전압이 전원 전압의 １／２이 되도록 하면 되며</a:t>
-            </a:r>
-          </a:p>
-          <a:p>
-            <a:r>
-              <a:rPr lang="en-US" altLang="ko-KR" sz="1600" dirty="0" err="1" smtClean="0"/>
-              <a:t>Rc</a:t>
-            </a:r>
-            <a:r>
-              <a:rPr lang="en-US" altLang="ko-KR" sz="1600" dirty="0" smtClean="0"/>
-              <a:t> = </a:t>
-            </a:r>
-            <a:r>
-              <a:rPr lang="ko-KR" altLang="en-US" sz="1600" dirty="0" smtClean="0"/>
-              <a:t>（</a:t>
-            </a:r>
-            <a:r>
-              <a:rPr lang="en-US" altLang="ko-KR" sz="1600" dirty="0" err="1" smtClean="0"/>
-              <a:t>Vcc</a:t>
-            </a:r>
-            <a:r>
-              <a:rPr lang="en-US" altLang="ko-KR" sz="1600" dirty="0" smtClean="0"/>
-              <a:t>/2) ÷ </a:t>
-            </a:r>
-            <a:r>
-              <a:rPr lang="en-US" altLang="ko-KR" sz="1600" dirty="0" err="1" smtClean="0"/>
-              <a:t>Ic</a:t>
-            </a:r>
-            <a:r>
-              <a:rPr lang="en-US" altLang="ko-KR" sz="1600" dirty="0" smtClean="0"/>
-              <a:t> </a:t>
-            </a:r>
-            <a:r>
-              <a:rPr lang="ko-KR" altLang="en-US" sz="1600" dirty="0" smtClean="0"/>
-              <a:t>로 계산하면 구할 수 있습니다</a:t>
-            </a:r>
-            <a:r>
-              <a:rPr lang="en-US" altLang="ko-KR" sz="1600" dirty="0" smtClean="0"/>
-              <a:t>.</a:t>
-            </a:r>
-          </a:p>
-          <a:p>
-            <a:pPr>
-              <a:buNone/>
-            </a:pPr>
-            <a:r>
-              <a:rPr lang="en-US" altLang="ko-KR" sz="1600" dirty="0" smtClean="0"/>
-              <a:t>(</a:t>
-            </a:r>
-            <a:r>
-              <a:rPr lang="ko-KR" altLang="en-US" sz="1600" dirty="0" smtClean="0"/>
-              <a:t>예：</a:t>
-            </a:r>
-            <a:r>
-              <a:rPr lang="en-US" altLang="ko-KR" sz="1600" dirty="0" err="1" smtClean="0"/>
-              <a:t>Vcc</a:t>
-            </a:r>
-            <a:r>
-              <a:rPr lang="en-US" altLang="ko-KR" sz="1600" dirty="0" smtClean="0"/>
-              <a:t>=5V </a:t>
-            </a:r>
-            <a:r>
-              <a:rPr lang="en-US" altLang="ko-KR" sz="1600" dirty="0" err="1" smtClean="0"/>
-              <a:t>Ic</a:t>
-            </a:r>
-            <a:r>
-              <a:rPr lang="en-US" altLang="ko-KR" sz="1600" dirty="0" smtClean="0"/>
-              <a:t>=</a:t>
-            </a:r>
-            <a:r>
-              <a:rPr lang="ko-KR" altLang="en-US" sz="1600" dirty="0" smtClean="0"/>
-              <a:t>２</a:t>
-            </a:r>
-            <a:r>
-              <a:rPr lang="en-US" altLang="ko-KR" sz="1600" dirty="0" err="1" smtClean="0"/>
-              <a:t>mA</a:t>
-            </a:r>
-            <a:r>
-              <a:rPr lang="en-US" altLang="ko-KR" sz="1600" dirty="0" smtClean="0"/>
-              <a:t> </a:t>
-            </a:r>
-            <a:r>
-              <a:rPr lang="ko-KR" altLang="en-US" sz="1600" dirty="0" smtClean="0"/>
-              <a:t>라면 </a:t>
-            </a:r>
-            <a:r>
-              <a:rPr lang="en-US" altLang="ko-KR" sz="1600" dirty="0" err="1" smtClean="0"/>
-              <a:t>Rc</a:t>
-            </a:r>
-            <a:r>
-              <a:rPr lang="en-US" altLang="ko-KR" sz="1600" dirty="0" smtClean="0"/>
-              <a:t>=1.25KΩ = </a:t>
-            </a:r>
-            <a:r>
-              <a:rPr lang="ko-KR" altLang="en-US" sz="1600" dirty="0" smtClean="0"/>
-              <a:t>약</a:t>
-            </a:r>
-            <a:r>
-              <a:rPr lang="en-US" altLang="ko-KR" sz="1600" dirty="0" smtClean="0"/>
-              <a:t>1KΩ)</a:t>
-            </a:r>
-            <a:endParaRPr lang="ko-KR" altLang="en-US" sz="1600" dirty="0"/>
-          </a:p>
-        </p:txBody>
-      </p:sp>
-      <p:pic>
-        <p:nvPicPr>
-          <p:cNvPr id="5122" name="Picture 2"/>
-          <p:cNvPicPr>
-            <a:picLocks noChangeAspect="1" noChangeArrowheads="1"/>
-          </p:cNvPicPr>
-          <p:nvPr/>
-        </p:nvPicPr>
-        <p:blipFill>
-          <a:blip r:embed="rId2" cstate="print"/>
-          <a:srcRect/>
-          <a:stretch>
-            <a:fillRect/>
-          </a:stretch>
-        </p:blipFill>
-        <p:spPr bwMode="auto">
-          <a:xfrm>
-            <a:off x="179512" y="2276872"/>
-            <a:ext cx="3927059" cy="2995414"/>
-          </a:xfrm>
-          <a:prstGeom prst="rect">
-            <a:avLst/>
-          </a:prstGeom>
-          <a:noFill/>
-          <a:ln w="9525">
-            <a:noFill/>
-            <a:miter lim="800000"/>
-            <a:headEnd/>
-            <a:tailEnd/>
-          </a:ln>
-        </p:spPr>
-      </p:pic>
-    </p:spTree>
-  </p:cSld>
-  <p:clrMapOvr>
-    <a:masterClrMapping/>
-  </p:clrMapOvr>
-</p:sld>
-</file>
-
 <file path=ppt/slides/slide21.xml><?xml version="1.0" encoding="utf-8"?>
 <p:sld xmlns:a="http://schemas.openxmlformats.org/drawingml/2006/main" xmlns:r="http://schemas.openxmlformats.org/officeDocument/2006/relationships" xmlns:p="http://schemas.openxmlformats.org/presentationml/2006/main">
   <p:cSld>
@@ -8154,7 +8033,7 @@
       </p:sp>
       <p:sp>
         <p:nvSpPr>
-          <p:cNvPr id="4" name="내용 개체 틀 3"/>
+          <p:cNvPr id="6" name="내용 개체 틀 5"/>
           <p:cNvSpPr>
             <a:spLocks noGrp="1"/>
           </p:cNvSpPr>
@@ -8162,157 +8041,219 @@
             <p:ph idx="1"/>
           </p:nvPr>
         </p:nvSpPr>
-        <p:spPr>
-          <a:xfrm>
-            <a:off x="4067944" y="1484784"/>
-            <a:ext cx="4618856" cy="4522507"/>
-          </a:xfrm>
-        </p:spPr>
+        <p:spPr/>
         <p:txBody>
           <a:bodyPr>
-            <a:normAutofit/>
+            <a:normAutofit fontScale="92500" lnSpcReduction="20000"/>
           </a:bodyPr>
           <a:lstStyle/>
           <a:p>
-            <a:pPr>
+            <a:r>
+              <a:rPr lang="ko-KR" altLang="en-US" dirty="0" smtClean="0"/>
+              <a:t>아날로그 신호를 증폭하기 위한 기본 회로는 대부분 </a:t>
+            </a:r>
+            <a:r>
+              <a:rPr lang="ko-KR" altLang="en-US" dirty="0" err="1" smtClean="0"/>
+              <a:t>이미터</a:t>
+            </a:r>
+            <a:r>
+              <a:rPr lang="ko-KR" altLang="en-US" dirty="0" smtClean="0"/>
+              <a:t> 접지 회로를 사용하며 최대한 깨끗하게 입력 신호를 증폭하도록 해야 합니다</a:t>
+            </a:r>
+            <a:r>
+              <a:rPr lang="en-US" altLang="ko-KR" dirty="0" smtClean="0"/>
+              <a:t>.</a:t>
+            </a:r>
+          </a:p>
+          <a:p>
+            <a:pPr lvl="1"/>
+            <a:r>
+              <a:rPr lang="ko-KR" altLang="en-US" sz="2000" dirty="0" smtClean="0"/>
+              <a:t>그 기본회로는 다음 그림과 같으며 회로정수의 결정방법은 아래와 같은 순서로 행합니다．</a:t>
+            </a:r>
+          </a:p>
+          <a:p>
+            <a:pPr lvl="1"/>
+            <a:r>
+              <a:rPr lang="ko-KR" altLang="en-US" sz="2000" dirty="0" smtClean="0"/>
+              <a:t>여기로 미리 사용할 전원전압（</a:t>
+            </a:r>
+            <a:r>
+              <a:rPr lang="en-US" altLang="ko-KR" sz="2000" dirty="0" err="1" smtClean="0"/>
+              <a:t>Vcc</a:t>
+            </a:r>
+            <a:r>
+              <a:rPr lang="en-US" altLang="ko-KR" sz="2000" dirty="0" smtClean="0"/>
+              <a:t>)</a:t>
+            </a:r>
+            <a:r>
+              <a:rPr lang="ko-KR" altLang="en-US" sz="2000" dirty="0" smtClean="0"/>
+              <a:t>은 정해 있는 것으로 하고 사용할 트랜지스터의 전류 증폭율</a:t>
+            </a:r>
+            <a:r>
+              <a:rPr lang="en-US" altLang="ko-KR" sz="2000" dirty="0" smtClean="0"/>
+              <a:t>(</a:t>
+            </a:r>
+            <a:r>
+              <a:rPr lang="en-US" altLang="ko-KR" sz="2000" dirty="0" err="1" smtClean="0"/>
+              <a:t>hfe</a:t>
+            </a:r>
+            <a:r>
+              <a:rPr lang="en-US" altLang="ko-KR" sz="2000" dirty="0" smtClean="0"/>
+              <a:t>)</a:t>
+            </a:r>
+            <a:r>
+              <a:rPr lang="ko-KR" altLang="en-US" sz="2000" dirty="0" smtClean="0"/>
+              <a:t>은 </a:t>
+            </a:r>
+            <a:r>
+              <a:rPr lang="en-US" altLang="ko-KR" sz="2000" dirty="0" smtClean="0"/>
+              <a:t>100</a:t>
+            </a:r>
+            <a:r>
+              <a:rPr lang="ko-KR" altLang="en-US" sz="2000" dirty="0" smtClean="0"/>
+              <a:t>으로 가정합니다</a:t>
+            </a:r>
+            <a:r>
+              <a:rPr lang="en-US" altLang="ko-KR" sz="2000" dirty="0" smtClean="0"/>
+              <a:t>. </a:t>
+            </a:r>
+            <a:r>
+              <a:rPr lang="ko-KR" altLang="en-US" sz="2000" dirty="0" smtClean="0"/>
+              <a:t>트랜지스터의 </a:t>
+            </a:r>
+            <a:r>
+              <a:rPr lang="ko-KR" altLang="en-US" sz="2000" dirty="0" err="1" smtClean="0"/>
+              <a:t>선정시는</a:t>
+            </a:r>
+            <a:r>
+              <a:rPr lang="ko-KR" altLang="en-US" sz="2000" dirty="0" smtClean="0"/>
+              <a:t> 주파수 특성이 중요하고 이득 대역폭 </a:t>
+            </a:r>
+            <a:r>
+              <a:rPr lang="en-US" altLang="ko-KR" sz="2000" dirty="0" smtClean="0"/>
+              <a:t>(</a:t>
+            </a:r>
+            <a:r>
+              <a:rPr lang="en-US" altLang="ko-KR" sz="2000" dirty="0" err="1" smtClean="0"/>
+              <a:t>fT</a:t>
+            </a:r>
+            <a:r>
+              <a:rPr lang="en-US" altLang="ko-KR" sz="2000" dirty="0" smtClean="0"/>
+              <a:t>)</a:t>
+            </a:r>
+            <a:r>
+              <a:rPr lang="ko-KR" altLang="en-US" sz="2000" dirty="0" smtClean="0"/>
+              <a:t>이 높은것을 사용할 필요가 있습니다．</a:t>
+            </a:r>
+            <a:endParaRPr lang="en-US" altLang="ko-KR" sz="2000" dirty="0" smtClean="0"/>
+          </a:p>
+          <a:p>
+            <a:pPr lvl="1"/>
+            <a:endParaRPr lang="en-US" altLang="ko-KR" dirty="0" smtClean="0"/>
+          </a:p>
+          <a:p>
+            <a:pPr lvl="1">
               <a:buNone/>
             </a:pPr>
             <a:r>
-              <a:rPr lang="en-US" altLang="ko-KR" sz="2000" dirty="0" smtClean="0"/>
-              <a:t>2. </a:t>
-            </a:r>
-            <a:r>
-              <a:rPr lang="ko-KR" altLang="en-US" sz="2000" dirty="0" err="1" smtClean="0"/>
-              <a:t>이미터</a:t>
-            </a:r>
-            <a:r>
-              <a:rPr lang="ko-KR" altLang="en-US" sz="2000" dirty="0" smtClean="0"/>
-              <a:t> 저항（</a:t>
-            </a:r>
-            <a:r>
-              <a:rPr lang="en-US" altLang="ko-KR" sz="2000" dirty="0" smtClean="0"/>
-              <a:t>Re</a:t>
-            </a:r>
-            <a:r>
-              <a:rPr lang="ko-KR" altLang="en-US" sz="2000" dirty="0" smtClean="0"/>
-              <a:t>）의 결정</a:t>
-            </a:r>
-            <a:endParaRPr lang="en-US" altLang="ko-KR" sz="2000" dirty="0" smtClean="0"/>
-          </a:p>
-          <a:p>
-            <a:pPr>
-              <a:buNone/>
-            </a:pPr>
-            <a:endParaRPr lang="en-US" altLang="ko-KR" sz="2000" dirty="0" smtClean="0"/>
-          </a:p>
-          <a:p>
-            <a:r>
-              <a:rPr lang="ko-KR" altLang="en-US" sz="1600" dirty="0" smtClean="0"/>
-              <a:t>이 저항은 입력신호가 １</a:t>
-            </a:r>
-            <a:r>
-              <a:rPr lang="en-US" altLang="ko-KR" sz="1600" dirty="0" smtClean="0"/>
-              <a:t>V </a:t>
-            </a:r>
-            <a:r>
-              <a:rPr lang="ko-KR" altLang="en-US" sz="1600" dirty="0" smtClean="0"/>
-              <a:t>이상이 되어도 출력이 포화하지 않도록 하여 신호를 깨끗하게 증폭 할 수 있도록 합니다</a:t>
-            </a:r>
-            <a:r>
-              <a:rPr lang="en-US" altLang="ko-KR" sz="1600" dirty="0" smtClean="0"/>
-              <a:t>. </a:t>
-            </a:r>
-          </a:p>
-          <a:p>
-            <a:r>
-              <a:rPr lang="ko-KR" altLang="en-US" sz="1600" dirty="0" smtClean="0"/>
-              <a:t>값의 결정은 </a:t>
-            </a:r>
-            <a:r>
-              <a:rPr lang="ko-KR" altLang="en-US" sz="1600" dirty="0" err="1" smtClean="0"/>
-              <a:t>러프하게</a:t>
-            </a:r>
-            <a:r>
-              <a:rPr lang="ko-KR" altLang="en-US" sz="1600" dirty="0" smtClean="0"/>
-              <a:t> 생각해도 좋으며 통상 </a:t>
-            </a:r>
-            <a:r>
-              <a:rPr lang="en-US" altLang="ko-KR" sz="1600" dirty="0" err="1" smtClean="0"/>
-              <a:t>Rc</a:t>
-            </a:r>
-            <a:r>
-              <a:rPr lang="ko-KR" altLang="en-US" sz="1600" dirty="0" smtClean="0"/>
-              <a:t>의 </a:t>
-            </a:r>
-            <a:r>
-              <a:rPr lang="en-US" altLang="ko-KR" sz="1600" dirty="0" smtClean="0"/>
-              <a:t>1/5 ∼ 1/10 </a:t>
-            </a:r>
-            <a:r>
-              <a:rPr lang="ko-KR" altLang="en-US" sz="1600" dirty="0" smtClean="0"/>
-              <a:t>정도면 족합니다</a:t>
-            </a:r>
-            <a:r>
-              <a:rPr lang="en-US" altLang="ko-KR" sz="1600" dirty="0" smtClean="0"/>
-              <a:t>. </a:t>
-            </a:r>
-          </a:p>
-          <a:p>
-            <a:pPr>
-              <a:buNone/>
-            </a:pPr>
-            <a:r>
-              <a:rPr lang="en-US" altLang="ko-KR" sz="1600" dirty="0" smtClean="0"/>
-              <a:t>   (</a:t>
-            </a:r>
-            <a:r>
-              <a:rPr lang="ko-KR" altLang="en-US" sz="1600" dirty="0" smtClean="0"/>
+              <a:rPr lang="ko-KR" altLang="en-US" dirty="0" smtClean="0"/>
               <a:t>예：</a:t>
             </a:r>
-            <a:r>
-              <a:rPr lang="en-US" altLang="ko-KR" sz="1600" dirty="0" smtClean="0"/>
-              <a:t>1KΩ ÷ 5 = 200Ω</a:t>
-            </a:r>
-            <a:r>
-              <a:rPr lang="ko-KR" altLang="en-US" sz="1600" dirty="0" smtClean="0"/>
-              <a:t>）</a:t>
-            </a:r>
-            <a:endParaRPr lang="ko-KR" altLang="en-US" sz="1600" dirty="0"/>
-          </a:p>
-        </p:txBody>
-      </p:sp>
-      <p:pic>
-        <p:nvPicPr>
-          <p:cNvPr id="5122" name="Picture 2"/>
-          <p:cNvPicPr>
-            <a:picLocks noChangeAspect="1" noChangeArrowheads="1"/>
-          </p:cNvPicPr>
-          <p:nvPr/>
-        </p:nvPicPr>
-        <p:blipFill>
-          <a:blip r:embed="rId2" cstate="print"/>
-          <a:srcRect/>
-          <a:stretch>
-            <a:fillRect/>
-          </a:stretch>
-        </p:blipFill>
-        <p:spPr bwMode="auto">
-          <a:xfrm>
-            <a:off x="179512" y="2276872"/>
-            <a:ext cx="3927059" cy="2995414"/>
-          </a:xfrm>
-          <a:prstGeom prst="rect">
-            <a:avLst/>
-          </a:prstGeom>
-          <a:noFill/>
-          <a:ln w="9525">
-            <a:noFill/>
-            <a:miter lim="800000"/>
-            <a:headEnd/>
-            <a:tailEnd/>
-          </a:ln>
-        </p:spPr>
-      </p:pic>
+          </a:p>
+          <a:p>
+            <a:pPr lvl="1"/>
+            <a:r>
+              <a:rPr lang="en-US" altLang="ko-KR" dirty="0" err="1" smtClean="0"/>
+              <a:t>fT</a:t>
+            </a:r>
+            <a:r>
+              <a:rPr lang="ko-KR" altLang="en-US" dirty="0" smtClean="0"/>
+              <a:t>가 </a:t>
+            </a:r>
+            <a:r>
+              <a:rPr lang="en-US" altLang="ko-KR" dirty="0" smtClean="0"/>
+              <a:t>200MHz </a:t>
+            </a:r>
+            <a:r>
+              <a:rPr lang="ko-KR" altLang="en-US" dirty="0" smtClean="0"/>
+              <a:t>이고 </a:t>
+            </a:r>
+            <a:r>
+              <a:rPr lang="en-US" altLang="ko-KR" dirty="0" err="1" smtClean="0"/>
+              <a:t>hfe</a:t>
+            </a:r>
+            <a:r>
+              <a:rPr lang="ko-KR" altLang="en-US" dirty="0" smtClean="0"/>
+              <a:t>가 </a:t>
+            </a:r>
+            <a:r>
+              <a:rPr lang="en-US" altLang="ko-KR" dirty="0" smtClean="0"/>
+              <a:t>100</a:t>
+            </a:r>
+            <a:r>
+              <a:rPr lang="ko-KR" altLang="en-US" dirty="0" smtClean="0"/>
+              <a:t>이라면，</a:t>
+            </a:r>
+            <a:r>
+              <a:rPr lang="en-US" altLang="ko-KR" dirty="0" smtClean="0"/>
+              <a:t>200MHz ÷ 100 = 2MHz </a:t>
+            </a:r>
+            <a:r>
+              <a:rPr lang="ko-KR" altLang="en-US" dirty="0" smtClean="0"/>
+              <a:t>로 되어 실제로 사용할 수 있는 주파수는 ２</a:t>
+            </a:r>
+            <a:r>
+              <a:rPr lang="en-US" altLang="ko-KR" dirty="0" smtClean="0"/>
+              <a:t>MHz </a:t>
+            </a:r>
+            <a:r>
+              <a:rPr lang="ko-KR" altLang="en-US" dirty="0" smtClean="0"/>
+              <a:t>정도가 됩니다</a:t>
+            </a:r>
+            <a:r>
+              <a:rPr lang="en-US" altLang="ko-KR" dirty="0" smtClean="0"/>
+              <a:t>.</a:t>
+            </a:r>
+          </a:p>
+          <a:p>
+            <a:pPr lvl="1"/>
+            <a:r>
+              <a:rPr lang="ko-KR" altLang="en-US" dirty="0" smtClean="0"/>
+              <a:t>따라서 </a:t>
+            </a:r>
+            <a:r>
+              <a:rPr lang="en-US" altLang="ko-KR" dirty="0" smtClean="0"/>
+              <a:t>10MHz </a:t>
+            </a:r>
+            <a:r>
+              <a:rPr lang="ko-KR" altLang="en-US" dirty="0" smtClean="0"/>
+              <a:t>이상의 주파수로 사용하려면 </a:t>
+            </a:r>
+            <a:r>
+              <a:rPr lang="en-US" altLang="ko-KR" dirty="0" smtClean="0"/>
+              <a:t>ft</a:t>
+            </a:r>
+            <a:r>
+              <a:rPr lang="ko-KR" altLang="en-US" dirty="0" smtClean="0"/>
+              <a:t>는 </a:t>
+            </a:r>
+            <a:r>
+              <a:rPr lang="en-US" altLang="ko-KR" dirty="0" smtClean="0"/>
+              <a:t>1GHz </a:t>
+            </a:r>
+            <a:r>
+              <a:rPr lang="ko-KR" altLang="en-US" dirty="0" smtClean="0"/>
+              <a:t>이상이 필요하게 됩니다</a:t>
+            </a:r>
+            <a:r>
+              <a:rPr lang="en-US" altLang="ko-KR" dirty="0" smtClean="0"/>
+              <a:t>.</a:t>
+            </a:r>
+            <a:endParaRPr lang="ko-KR" altLang="en-US" dirty="0"/>
+          </a:p>
+        </p:txBody>
+      </p:sp>
     </p:spTree>
   </p:cSld>
   <p:clrMapOvr>
@@ -8393,7 +8334,7 @@
         </p:spPr>
         <p:txBody>
           <a:bodyPr>
-            <a:normAutofit fontScale="92500" lnSpcReduction="20000"/>
+            <a:normAutofit/>
           </a:bodyPr>
           <a:lstStyle/>
           <a:p>
@@ -8402,27 +8343,27 @@
             </a:pPr>
             <a:r>
               <a:rPr lang="en-US" altLang="ko-KR" sz="2000" dirty="0" smtClean="0"/>
-              <a:t>3. </a:t>
-            </a:r>
-            <a:r>
-              <a:rPr lang="ko-KR" altLang="en-US" sz="2000" dirty="0" smtClean="0"/>
-              <a:t>베이스 저항（</a:t>
-            </a:r>
-            <a:r>
-              <a:rPr lang="en-US" altLang="ko-KR" sz="2000" dirty="0" smtClean="0"/>
-              <a:t>R1</a:t>
-            </a:r>
-            <a:r>
-              <a:rPr lang="ko-KR" altLang="en-US" sz="2000" dirty="0" smtClean="0"/>
-              <a:t>과 </a:t>
-            </a:r>
-            <a:r>
-              <a:rPr lang="en-US" altLang="ko-KR" sz="2000" dirty="0" smtClean="0"/>
-              <a:t>R2</a:t>
-            </a:r>
-            <a:r>
-              <a:rPr lang="ko-KR" altLang="en-US" sz="2000" dirty="0" smtClean="0"/>
-              <a:t>）의 결정</a:t>
+              <a:t>1. </a:t>
+            </a:r>
+            <a:r>
+              <a:rPr lang="ko-KR" altLang="en-US" sz="2000" dirty="0" err="1" smtClean="0"/>
+              <a:t>컬렉터</a:t>
+            </a:r>
+            <a:r>
+              <a:rPr lang="ko-KR" altLang="en-US" sz="2000" dirty="0" smtClean="0"/>
+              <a:t> 저항（</a:t>
+            </a:r>
+            <a:r>
+              <a:rPr lang="en-US" altLang="ko-KR" sz="2000" dirty="0" err="1" smtClean="0"/>
+              <a:t>Rc</a:t>
+            </a:r>
+            <a:r>
+              <a:rPr lang="en-US" altLang="ko-KR" sz="2000" dirty="0" smtClean="0"/>
+              <a:t>)</a:t>
+            </a:r>
+            <a:r>
+              <a:rPr lang="ko-KR" altLang="en-US" sz="2000" dirty="0" smtClean="0"/>
+              <a:t>의 결정</a:t>
             </a:r>
             <a:endParaRPr lang="en-US" altLang="ko-KR" sz="2000" dirty="0" smtClean="0"/>
           </a:p>
@@ -8435,11 +8376,11 @@
           <a:p>
             <a:r>
               <a:rPr lang="ko-KR" altLang="en-US" sz="1600" dirty="0" smtClean="0"/>
-              <a:t>먼저 필요한 베이스 전압（</a:t>
+              <a:t>이것은 부하전류（</a:t>
             </a:r>
             <a:r>
               <a:rPr lang="en-US" altLang="ko-KR" sz="1600" dirty="0" err="1" smtClean="0"/>
-              <a:t>Vb</a:t>
+              <a:t>Ic</a:t>
             </a:r>
             <a:r>
               <a:rPr lang="en-US" altLang="ko-KR" sz="1600" dirty="0" smtClean="0"/>
@@ -8447,136 +8388,118 @@
             </a:r>
             <a:r>
               <a:rPr lang="ko-KR" altLang="en-US" sz="1600" dirty="0" smtClean="0"/>
-              <a:t>을 구합니다</a:t>
+              <a:t>를 고려해서 결정해야 합니다</a:t>
             </a:r>
             <a:r>
               <a:rPr lang="en-US" altLang="ko-KR" sz="1600" dirty="0" smtClean="0"/>
-              <a:t>. </a:t>
-            </a:r>
+              <a:t>.</a:t>
+            </a:r>
+          </a:p>
+          <a:p>
             <a:r>
               <a:rPr lang="ko-KR" altLang="en-US" sz="1600" dirty="0" smtClean="0"/>
-              <a:t>무신호시 </a:t>
+              <a:t>파워가 필요한 </a:t>
+            </a:r>
+            <a:r>
+              <a:rPr lang="ko-KR" altLang="en-US" sz="1600" dirty="0" err="1" smtClean="0"/>
+              <a:t>드라이브일때는</a:t>
+            </a:r>
+            <a:r>
+              <a:rPr lang="ko-KR" altLang="en-US" sz="1600" dirty="0" smtClean="0"/>
+              <a:t> 수 １００ｍ</a:t>
             </a:r>
             <a:r>
               <a:rPr lang="en-US" altLang="ko-KR" sz="1600" dirty="0" smtClean="0"/>
-              <a:t>Re</a:t>
+              <a:t>A </a:t>
             </a:r>
             <a:r>
               <a:rPr lang="ko-KR" altLang="en-US" sz="1600" dirty="0" smtClean="0"/>
-              <a:t>에는 </a:t>
+              <a:t>정도가 필요하며 통상은 수 ｍ</a:t>
+            </a:r>
+            <a:r>
+              <a:rPr lang="en-US" altLang="ko-KR" sz="1600" dirty="0" smtClean="0"/>
+              <a:t>A ~ </a:t>
+            </a:r>
+            <a:r>
+              <a:rPr lang="ko-KR" altLang="en-US" sz="1600" dirty="0" smtClean="0"/>
+              <a:t>수 １０ｍ</a:t>
+            </a:r>
+            <a:r>
+              <a:rPr lang="en-US" altLang="ko-KR" sz="1600" dirty="0" smtClean="0"/>
+              <a:t>A </a:t>
+            </a:r>
+            <a:r>
+              <a:rPr lang="ko-KR" altLang="en-US" sz="1600" dirty="0" smtClean="0"/>
+              <a:t>정도가 일반적입니다．</a:t>
+            </a:r>
+          </a:p>
+          <a:p>
+            <a:r>
+              <a:rPr lang="en-US" altLang="ko-KR" sz="1600" dirty="0" err="1" smtClean="0"/>
+              <a:t>Rc</a:t>
+            </a:r>
+            <a:r>
+              <a:rPr lang="ko-KR" altLang="en-US" sz="1600" dirty="0" smtClean="0"/>
+              <a:t>는 무신호시 출력전압이 전원 전압의 １／２이 되도록 하면 되며</a:t>
+            </a:r>
+          </a:p>
+          <a:p>
+            <a:r>
+              <a:rPr lang="en-US" altLang="ko-KR" sz="1600" dirty="0" err="1" smtClean="0"/>
+              <a:t>Rc</a:t>
+            </a:r>
+            <a:r>
+              <a:rPr lang="en-US" altLang="ko-KR" sz="1600" dirty="0" smtClean="0"/>
+              <a:t> = </a:t>
+            </a:r>
+            <a:r>
+              <a:rPr lang="ko-KR" altLang="en-US" sz="1600" dirty="0" smtClean="0"/>
+              <a:t>（</a:t>
+            </a:r>
+            <a:r>
+              <a:rPr lang="en-US" altLang="ko-KR" sz="1600" dirty="0" err="1" smtClean="0"/>
+              <a:t>Vcc</a:t>
+            </a:r>
+            <a:r>
+              <a:rPr lang="en-US" altLang="ko-KR" sz="1600" dirty="0" smtClean="0"/>
+              <a:t>/2) ÷ </a:t>
             </a:r>
             <a:r>
               <a:rPr lang="en-US" altLang="ko-KR" sz="1600" dirty="0" err="1" smtClean="0"/>
               <a:t>Ic</a:t>
             </a:r>
             <a:r>
+              <a:rPr lang="en-US" altLang="ko-KR" sz="1600" dirty="0" smtClean="0"/>
+              <a:t> </a:t>
+            </a:r>
+            <a:r>
               <a:rPr lang="ko-KR" altLang="en-US" sz="1600" dirty="0" smtClean="0"/>
-              <a:t>의 전류가 흐르고 있고 베이스 이미터간 전압은 약 </a:t>
+              <a:t>로 계산하면 구할 수 있습니다</a:t>
             </a:r>
             <a:r>
               <a:rPr lang="en-US" altLang="ko-KR" sz="1600" dirty="0" smtClean="0"/>
-              <a:t>0.6V</a:t>
-            </a:r>
-            <a:r>
-              <a:rPr lang="ko-KR" altLang="en-US" sz="1600" dirty="0" smtClean="0"/>
-              <a:t>로 거의 일정하기 때문에 </a:t>
-            </a:r>
-            <a:r>
-              <a:rPr lang="en-US" altLang="ko-KR" sz="1600" dirty="0" err="1" smtClean="0"/>
-              <a:t>Vb</a:t>
-            </a:r>
-            <a:r>
-              <a:rPr lang="en-US" altLang="ko-KR" sz="1600" dirty="0" smtClean="0"/>
-              <a:t> = </a:t>
-            </a:r>
-            <a:r>
-              <a:rPr lang="en-US" altLang="ko-KR" sz="1600" dirty="0" err="1" smtClean="0"/>
-              <a:t>Ic×Re</a:t>
-            </a:r>
-            <a:r>
-              <a:rPr lang="ko-KR" altLang="en-US" sz="1600" dirty="0" smtClean="0"/>
-              <a:t>＋</a:t>
-            </a:r>
-            <a:r>
-              <a:rPr lang="en-US" altLang="ko-KR" sz="1600" dirty="0" smtClean="0"/>
-              <a:t>0.6</a:t>
-            </a:r>
-            <a:r>
-              <a:rPr lang="ko-KR" altLang="en-US" sz="1600" dirty="0" smtClean="0"/>
-              <a:t>로 됩니다．</a:t>
-            </a:r>
-            <a:endParaRPr lang="en-US" altLang="ko-KR" sz="1600" dirty="0" smtClean="0"/>
+              <a:t>.</a:t>
+            </a:r>
           </a:p>
           <a:p>
             <a:pPr>
               <a:buNone/>
             </a:pPr>
             <a:r>
-              <a:rPr lang="ko-KR" altLang="en-US" sz="1600" dirty="0" smtClean="0"/>
-              <a:t>   （예： </a:t>
-            </a:r>
-            <a:r>
-              <a:rPr lang="en-US" altLang="ko-KR" sz="1600" dirty="0" smtClean="0"/>
-              <a:t>2mA × 200Ω</a:t>
-            </a:r>
-            <a:r>
-              <a:rPr lang="ko-KR" altLang="en-US" sz="1600" dirty="0" smtClean="0"/>
-              <a:t>＋</a:t>
-            </a:r>
-            <a:r>
-              <a:rPr lang="en-US" altLang="ko-KR" sz="1600" dirty="0" smtClean="0"/>
-              <a:t>0.6 = 1.0V</a:t>
-            </a:r>
-            <a:r>
-              <a:rPr lang="ko-KR" altLang="en-US" sz="1600" dirty="0" smtClean="0"/>
-              <a:t>）</a:t>
-            </a:r>
-            <a:endParaRPr lang="en-US" altLang="ko-KR" sz="1600" dirty="0" smtClean="0"/>
-          </a:p>
-          <a:p>
-            <a:r>
-              <a:rPr lang="ko-KR" altLang="en-US" sz="1600" dirty="0" smtClean="0"/>
-              <a:t>다음에 필요한 베이스 전류（</a:t>
-            </a:r>
-            <a:r>
-              <a:rPr lang="en-US" altLang="ko-KR" sz="1600" dirty="0" err="1" smtClean="0"/>
-              <a:t>Ib</a:t>
-            </a:r>
-            <a:r>
-              <a:rPr lang="en-US" altLang="ko-KR" sz="1600" dirty="0" smtClean="0"/>
-              <a:t>)</a:t>
-            </a:r>
-            <a:r>
-              <a:rPr lang="ko-KR" altLang="en-US" sz="1600" dirty="0" smtClean="0"/>
-              <a:t>를 전류 </a:t>
-            </a:r>
-            <a:r>
-              <a:rPr lang="ko-KR" altLang="en-US" sz="1600" dirty="0" err="1" smtClean="0"/>
-              <a:t>증폭율</a:t>
-            </a:r>
-            <a:r>
               <a:rPr lang="en-US" altLang="ko-KR" sz="1600" dirty="0" smtClean="0"/>
               <a:t>(</a:t>
             </a:r>
             <a:r>
+              <a:rPr lang="ko-KR" altLang="en-US" sz="1600" dirty="0" smtClean="0"/>
+              <a:t>예：</a:t>
+            </a:r>
+            <a:r>
               <a:rPr lang="en-US" altLang="ko-KR" sz="1600" dirty="0" err="1" smtClean="0"/>
-              <a:t>hfe</a:t>
+              <a:t>Vcc</a:t>
             </a:r>
             <a:r>
               <a:rPr lang="en-US" altLang="ko-KR" sz="1600" dirty="0" smtClean="0"/>
-              <a:t>)</a:t>
-            </a:r>
-            <a:r>
-              <a:rPr lang="ko-KR" altLang="en-US" sz="1600" dirty="0" smtClean="0"/>
-              <a:t>에 의해 계산하면 </a:t>
-            </a:r>
-            <a:r>
-              <a:rPr lang="en-US" altLang="ko-KR" sz="1600" dirty="0" err="1" smtClean="0"/>
-              <a:t>Ib</a:t>
-            </a:r>
-            <a:r>
-              <a:rPr lang="en-US" altLang="ko-KR" sz="1600" dirty="0" smtClean="0"/>
-              <a:t> = </a:t>
+              <a:t>=5V </a:t>
             </a:r>
             <a:r>
               <a:rPr lang="en-US" altLang="ko-KR" sz="1600" dirty="0" err="1" smtClean="0"/>
@@ -8584,159 +8507,39 @@
             </a:r>
             <a:r>
               <a:rPr lang="en-US" altLang="ko-KR" sz="1600" dirty="0" smtClean="0"/>
-              <a:t> ÷ </a:t>
+              <a:t>=</a:t>
+            </a:r>
+            <a:r>
+              <a:rPr lang="ko-KR" altLang="en-US" sz="1600" dirty="0" smtClean="0"/>
+              <a:t>２</a:t>
             </a:r>
             <a:r>
               <a:rPr lang="en-US" altLang="ko-KR" sz="1600" dirty="0" err="1" smtClean="0"/>
-              <a:t>hfe</a:t>
-            </a:r>
-            <a:endParaRPr lang="en-US" altLang="ko-KR" sz="1600" dirty="0" smtClean="0"/>
-          </a:p>
-          <a:p>
-            <a:pPr>
-              <a:buNone/>
-            </a:pPr>
+              <a:t>mA</a:t>
+            </a:r>
             <a:r>
               <a:rPr lang="en-US" altLang="ko-KR" sz="1600" dirty="0" smtClean="0"/>
-              <a:t>   </a:t>
+              <a:t> </a:t>
             </a:r>
             <a:r>
               <a:rPr lang="ko-KR" altLang="en-US" sz="1600" dirty="0" smtClean="0"/>
-              <a:t>（예：</a:t>
+              <a:t>라면 </a:t>
+            </a:r>
+            <a:r>
+              <a:rPr lang="en-US" altLang="ko-KR" sz="1600" dirty="0" err="1" smtClean="0"/>
+              <a:t>Rc</a:t>
             </a:r>
             <a:r>
               <a:rPr lang="en-US" altLang="ko-KR" sz="1600" dirty="0" smtClean="0"/>
-              <a:t>2mA÷100 = 0.02mA </a:t>
-            </a:r>
-            <a:r>
-              <a:rPr lang="en-US" altLang="ko-KR" sz="1600" dirty="0" err="1" smtClean="0"/>
-              <a:t>hfe</a:t>
+              <a:t>=1.25KΩ = </a:t>
+            </a:r>
+            <a:r>
+              <a:rPr lang="ko-KR" altLang="en-US" sz="1600" dirty="0" smtClean="0"/>
+              <a:t>약</a:t>
             </a:r>
             <a:r>
               <a:rPr lang="en-US" altLang="ko-KR" sz="1600" dirty="0" smtClean="0"/>
-              <a:t>=100</a:t>
-            </a:r>
-            <a:r>
-              <a:rPr lang="ko-KR" altLang="en-US" sz="1600" dirty="0" smtClean="0"/>
-              <a:t>）가 됩니다</a:t>
-            </a:r>
-            <a:r>
-              <a:rPr lang="en-US" altLang="ko-KR" sz="1600" dirty="0" smtClean="0"/>
-              <a:t>.</a:t>
-            </a:r>
-          </a:p>
-          <a:p>
-            <a:r>
-              <a:rPr lang="ko-KR" altLang="en-US" sz="1600" dirty="0" smtClean="0"/>
-              <a:t>여기에서 베이스 저항은 베이스 전류의 １０배 이상의 전류가 흐르게 하여 베이스전류 및 베이스 전압이 변동하지 않도록 하며 </a:t>
-            </a:r>
-            <a:r>
-              <a:rPr lang="en-US" altLang="ko-KR" sz="1600" dirty="0" smtClean="0"/>
-              <a:t>R1</a:t>
-            </a:r>
-            <a:r>
-              <a:rPr lang="ko-KR" altLang="en-US" sz="1600" dirty="0" smtClean="0"/>
-              <a:t>，</a:t>
-            </a:r>
-            <a:r>
-              <a:rPr lang="en-US" altLang="ko-KR" sz="1600" dirty="0" smtClean="0"/>
-              <a:t>R2</a:t>
-            </a:r>
-            <a:r>
-              <a:rPr lang="ko-KR" altLang="en-US" sz="1600" dirty="0" smtClean="0"/>
-              <a:t>는 다음과 같이 계산합니다</a:t>
-            </a:r>
-            <a:r>
-              <a:rPr lang="en-US" altLang="ko-KR" sz="1600" dirty="0" smtClean="0"/>
-              <a:t>. </a:t>
-            </a:r>
-          </a:p>
-          <a:p>
-            <a:pPr>
-              <a:buNone/>
-            </a:pPr>
-            <a:r>
-              <a:rPr lang="en-US" altLang="ko-KR" sz="1600" dirty="0" smtClean="0"/>
-              <a:t>    </a:t>
-            </a:r>
-            <a:r>
-              <a:rPr lang="pt-BR" altLang="ko-KR" sz="1600" dirty="0" smtClean="0"/>
-              <a:t>R1 = </a:t>
-            </a:r>
-            <a:r>
-              <a:rPr lang="ko-KR" altLang="pt-BR" sz="1600" dirty="0" smtClean="0"/>
-              <a:t>（</a:t>
-            </a:r>
-            <a:r>
-              <a:rPr lang="pt-BR" altLang="ko-KR" sz="1600" dirty="0" smtClean="0"/>
-              <a:t>Vcc - Vb) ÷</a:t>
-            </a:r>
-            <a:r>
-              <a:rPr lang="ko-KR" altLang="pt-BR" sz="1600" dirty="0" smtClean="0"/>
-              <a:t>（</a:t>
-            </a:r>
-            <a:r>
-              <a:rPr lang="pt-BR" altLang="ko-KR" sz="1600" dirty="0" smtClean="0"/>
-              <a:t>10×Ic</a:t>
-            </a:r>
-            <a:r>
-              <a:rPr lang="ko-KR" altLang="pt-BR" sz="1600" dirty="0" smtClean="0"/>
-              <a:t>）</a:t>
-            </a:r>
-            <a:r>
-              <a:rPr lang="pt-BR" altLang="ko-KR" sz="1600" dirty="0" smtClean="0"/>
-              <a:t>, </a:t>
-            </a:r>
-          </a:p>
-          <a:p>
-            <a:pPr>
-              <a:buNone/>
-            </a:pPr>
-            <a:r>
-              <a:rPr lang="pt-BR" altLang="ko-KR" sz="1600" dirty="0" smtClean="0"/>
-              <a:t>    R2 = Vb ÷ (10 × Ic)</a:t>
-            </a:r>
-          </a:p>
-          <a:p>
-            <a:pPr>
-              <a:buNone/>
-            </a:pPr>
-            <a:r>
-              <a:rPr lang="en-US" altLang="ko-KR" sz="1600" dirty="0" smtClean="0"/>
-              <a:t>    (</a:t>
-            </a:r>
-            <a:r>
-              <a:rPr lang="ko-KR" altLang="en-US" sz="1600" dirty="0" smtClean="0"/>
-              <a:t>예：</a:t>
-            </a:r>
-            <a:r>
-              <a:rPr lang="en-US" altLang="ko-KR" sz="1600" dirty="0" smtClean="0"/>
-              <a:t>R1=(5V-1V)÷10×0.02mA=20K</a:t>
-            </a:r>
-            <a:r>
-              <a:rPr lang="el-GR" altLang="ko-KR" sz="1600" dirty="0" smtClean="0"/>
-              <a:t>Ω </a:t>
-            </a:r>
-            <a:r>
-              <a:rPr lang="en-US" altLang="ko-KR" sz="1600" dirty="0" smtClean="0"/>
-              <a:t>   </a:t>
-            </a:r>
-          </a:p>
-          <a:p>
-            <a:pPr>
-              <a:buNone/>
-            </a:pPr>
-            <a:r>
-              <a:rPr lang="en-US" altLang="ko-KR" sz="1600" dirty="0" smtClean="0"/>
-              <a:t>           R2=1V÷(10×0.02mA)=5K</a:t>
-            </a:r>
-            <a:r>
-              <a:rPr lang="el-GR" altLang="ko-KR" sz="1600" dirty="0" smtClean="0"/>
-              <a:t>Ω </a:t>
-            </a:r>
-            <a:r>
-              <a:rPr lang="ko-KR" altLang="el-GR" sz="1600" dirty="0" smtClean="0"/>
-              <a:t>）</a:t>
+              <a:t>1KΩ)</a:t>
             </a:r>
             <a:endParaRPr lang="ko-KR" altLang="en-US" sz="1600" dirty="0"/>
           </a:p>
@@ -8863,31 +8666,23 @@
             </a:pPr>
             <a:r>
               <a:rPr lang="en-US" altLang="ko-KR" sz="2000" dirty="0" smtClean="0"/>
-              <a:t>4.</a:t>
+              <a:t>2. </a:t>
             </a:r>
             <a:r>
               <a:rPr lang="ko-KR" altLang="en-US" sz="2000" dirty="0" err="1" smtClean="0"/>
-              <a:t>커플링</a:t>
-            </a:r>
-            <a:r>
-              <a:rPr lang="ko-KR" altLang="en-US" sz="2000" dirty="0" smtClean="0"/>
-              <a:t> 콘덴서</a:t>
-            </a:r>
-            <a:r>
-              <a:rPr lang="en-US" altLang="ko-KR" sz="2000" dirty="0" smtClean="0"/>
-              <a:t>(</a:t>
-            </a:r>
-            <a:r>
-              <a:rPr lang="en-US" altLang="ko-KR" sz="2000" dirty="0" err="1" smtClean="0"/>
-              <a:t>Cin</a:t>
-            </a:r>
-            <a:r>
-              <a:rPr lang="en-US" altLang="ko-KR" sz="2000" dirty="0" smtClean="0"/>
-              <a:t>)</a:t>
-            </a:r>
-            <a:r>
-              <a:rPr lang="ko-KR" altLang="en-US" sz="2000" dirty="0" smtClean="0"/>
-              <a:t>의 용량결정</a:t>
+              <a:t>이미터</a:t>
+            </a:r>
+            <a:r>
+              <a:rPr lang="ko-KR" altLang="en-US" sz="2000" dirty="0" smtClean="0"/>
+              <a:t> 저항（</a:t>
+            </a:r>
+            <a:r>
+              <a:rPr lang="en-US" altLang="ko-KR" sz="2000" dirty="0" smtClean="0"/>
+              <a:t>Re</a:t>
+            </a:r>
+            <a:r>
+              <a:rPr lang="ko-KR" altLang="en-US" sz="2000" dirty="0" smtClean="0"/>
+              <a:t>）의 결정</a:t>
             </a:r>
             <a:endParaRPr lang="en-US" altLang="ko-KR" sz="2000" dirty="0" smtClean="0"/>
           </a:p>
@@ -8900,186 +8695,70 @@
           <a:p>
             <a:r>
               <a:rPr lang="ko-KR" altLang="en-US" sz="1600" dirty="0" smtClean="0"/>
-              <a:t>교류신호를 증폭하는 경우는 직류전압과 무관하게 하기 위해 </a:t>
-            </a:r>
-            <a:r>
-              <a:rPr lang="ko-KR" altLang="en-US" sz="1600" dirty="0" err="1" smtClean="0"/>
-              <a:t>커플링</a:t>
+              <a:t>이 저항은 입력신호가 １</a:t>
+            </a:r>
+            <a:r>
+              <a:rPr lang="en-US" altLang="ko-KR" sz="1600" dirty="0" smtClean="0"/>
+              <a:t>V </a:t>
             </a:r>
             <a:r>
               <a:rPr lang="ko-KR" altLang="en-US" sz="1600" dirty="0" smtClean="0"/>
-              <a:t> 콘덴서（</a:t>
-            </a:r>
-            <a:r>
-              <a:rPr lang="en-US" altLang="ko-KR" sz="1600" dirty="0" err="1" smtClean="0"/>
-              <a:t>Cin</a:t>
-            </a:r>
-            <a:r>
-              <a:rPr lang="ko-KR" altLang="en-US" sz="1600" dirty="0" smtClean="0"/>
-              <a:t>）가 필요해집니다．이 값은 입력신호의 최저 주파수（ｆｃ）에 대하여 충분히 무시할 수 있는 </a:t>
-            </a:r>
-            <a:r>
-              <a:rPr lang="ko-KR" altLang="en-US" sz="1600" dirty="0" err="1" smtClean="0"/>
-              <a:t>임피던스가</a:t>
-            </a:r>
-            <a:r>
-              <a:rPr lang="ko-KR" altLang="en-US" sz="1600" dirty="0" smtClean="0"/>
-              <a:t> 되도록 해야 합니다</a:t>
+              <a:t>이상이 되어도 출력이 포화하지 않도록 하여 신호를 깨끗하게 증폭 할 수 있도록 합니다</a:t>
             </a:r>
             <a:r>
               <a:rPr lang="en-US" altLang="ko-KR" sz="1600" dirty="0" smtClean="0"/>
               <a:t>. </a:t>
             </a:r>
+          </a:p>
+          <a:p>
             <a:r>
               <a:rPr lang="ko-KR" altLang="en-US" sz="1600" dirty="0" smtClean="0"/>
-              <a:t>입력용 콘덴서 </a:t>
+              <a:t>값의 결정은 </a:t>
+            </a:r>
+            <a:r>
+              <a:rPr lang="ko-KR" altLang="en-US" sz="1600" dirty="0" err="1" smtClean="0"/>
+              <a:t>러프하게</a:t>
+            </a:r>
+            <a:r>
+              <a:rPr lang="ko-KR" altLang="en-US" sz="1600" dirty="0" smtClean="0"/>
+              <a:t> 생각해도 좋으며 통상 </a:t>
             </a:r>
             <a:r>
               <a:rPr lang="en-US" altLang="ko-KR" sz="1600" dirty="0" err="1" smtClean="0"/>
-              <a:t>Cin</a:t>
+              <a:t>Rc</a:t>
+            </a:r>
+            <a:r>
+              <a:rPr lang="ko-KR" altLang="en-US" sz="1600" dirty="0" smtClean="0"/>
+              <a:t>의 </a:t>
             </a:r>
             <a:r>
               <a:rPr lang="en-US" altLang="ko-KR" sz="1600" dirty="0" smtClean="0"/>
-              <a:t> </a:t>
+              <a:t>1/5 ∼ 1/10 </a:t>
             </a:r>
             <a:r>
               <a:rPr lang="ko-KR" altLang="en-US" sz="1600" dirty="0" smtClean="0"/>
-              <a:t>은 트랜지스터의 입력 임피던스를 </a:t>
-            </a:r>
-            <a:r>
-              <a:rPr lang="en-US" altLang="ko-KR" sz="1600" dirty="0" err="1" smtClean="0"/>
-              <a:t>Rin</a:t>
+              <a:t>정도면 족합니다</a:t>
+            </a:r>
+            <a:r>
+              <a:rPr lang="en-US" altLang="ko-KR" sz="1600" dirty="0" smtClean="0"/>
+              <a:t>. </a:t>
+            </a:r>
+          </a:p>
+          <a:p>
+            <a:pPr>
+              <a:buNone/>
+            </a:pPr>
+            <a:r>
+              <a:rPr lang="en-US" altLang="ko-KR" sz="1600" dirty="0" smtClean="0"/>
+              <a:t>   (</a:t>
             </a:r>
             <a:r>
               <a:rPr lang="ko-KR" altLang="en-US" sz="1600" dirty="0" smtClean="0"/>
-              <a:t>이라고 한다면</a:t>
-            </a:r>
-            <a:endParaRPr lang="en-US" altLang="ko-KR" sz="1600" dirty="0" smtClean="0"/>
-          </a:p>
-          <a:p>
-            <a:r>
-              <a:rPr lang="ko-KR" altLang="en-US" sz="1600" dirty="0" smtClean="0"/>
-              <a:t>ｆｃ ＞ １</a:t>
+              <a:t>예：</a:t>
             </a:r>
             <a:r>
               <a:rPr lang="en-US" altLang="ko-KR" sz="1600" dirty="0" smtClean="0"/>
-              <a:t>÷</a:t>
-            </a:r>
-            <a:r>
-              <a:rPr lang="ko-KR" altLang="en-US" sz="1600" dirty="0" smtClean="0"/>
-              <a:t>（</a:t>
-            </a:r>
-            <a:r>
-              <a:rPr lang="en-US" altLang="ko-KR" sz="1600" dirty="0" smtClean="0"/>
-              <a:t>2π × </a:t>
-            </a:r>
-            <a:r>
-              <a:rPr lang="en-US" altLang="ko-KR" sz="1600" dirty="0" err="1" smtClean="0"/>
-              <a:t>Rin</a:t>
-            </a:r>
-            <a:r>
-              <a:rPr lang="en-US" altLang="ko-KR" sz="1600" dirty="0" smtClean="0"/>
-              <a:t> × </a:t>
-            </a:r>
-            <a:r>
-              <a:rPr lang="en-US" altLang="ko-KR" sz="1600" dirty="0" err="1" smtClean="0"/>
-              <a:t>Cin</a:t>
-            </a:r>
-            <a:r>
-              <a:rPr lang="en-US" altLang="ko-KR" sz="1600" dirty="0" smtClean="0"/>
-              <a:t>) </a:t>
-            </a:r>
-            <a:r>
-              <a:rPr lang="ko-KR" altLang="en-US" sz="1600" dirty="0" smtClean="0"/>
-              <a:t>이 되도록 정해야 하며 입력 임피던스 </a:t>
-            </a:r>
-            <a:r>
-              <a:rPr lang="en-US" altLang="ko-KR" sz="1600" dirty="0" err="1" smtClean="0"/>
-              <a:t>Rin</a:t>
-            </a:r>
-            <a:r>
-              <a:rPr lang="ko-KR" altLang="en-US" sz="1600" dirty="0" smtClean="0"/>
-              <a:t>은 대략 </a:t>
-            </a:r>
-            <a:r>
-              <a:rPr lang="en-US" altLang="ko-KR" sz="1600" dirty="0" smtClean="0"/>
-              <a:t>R1</a:t>
-            </a:r>
-            <a:r>
-              <a:rPr lang="ko-KR" altLang="en-US" sz="1600" dirty="0" smtClean="0"/>
-              <a:t>과 </a:t>
-            </a:r>
-            <a:r>
-              <a:rPr lang="en-US" altLang="ko-KR" sz="1600" dirty="0" smtClean="0"/>
-              <a:t>R2</a:t>
-            </a:r>
-            <a:r>
-              <a:rPr lang="ko-KR" altLang="en-US" sz="1600" dirty="0" smtClean="0"/>
-              <a:t>의 병렬 저항값이 됩니다</a:t>
-            </a:r>
-            <a:r>
-              <a:rPr lang="en-US" altLang="ko-KR" sz="1600" dirty="0" smtClean="0"/>
-              <a:t>.</a:t>
-            </a:r>
-          </a:p>
-          <a:p>
-            <a:r>
-              <a:rPr lang="ko-KR" altLang="en-US" sz="1600" dirty="0" smtClean="0"/>
-              <a:t>예：ｆｃ</a:t>
-            </a:r>
-            <a:r>
-              <a:rPr lang="ko-KR" altLang="en-US" sz="1600" dirty="0" err="1" smtClean="0"/>
-              <a:t>를</a:t>
-            </a:r>
-            <a:r>
-              <a:rPr lang="ko-KR" altLang="en-US" sz="1600" dirty="0" smtClean="0"/>
-              <a:t> </a:t>
-            </a:r>
-            <a:r>
-              <a:rPr lang="en-US" altLang="ko-KR" sz="1600" dirty="0" smtClean="0"/>
-              <a:t>20Hz</a:t>
-            </a:r>
-            <a:r>
-              <a:rPr lang="ko-KR" altLang="en-US" sz="1600" dirty="0" smtClean="0"/>
-              <a:t>라고 할때 </a:t>
-            </a:r>
-            <a:r>
-              <a:rPr lang="en-US" altLang="ko-KR" sz="1600" dirty="0" err="1" smtClean="0"/>
-              <a:t>Cin</a:t>
-            </a:r>
-            <a:r>
-              <a:rPr lang="en-US" altLang="ko-KR" sz="1600" dirty="0" smtClean="0"/>
-              <a:t> &gt; </a:t>
-            </a:r>
-            <a:r>
-              <a:rPr lang="ko-KR" altLang="en-US" sz="1600" dirty="0" smtClean="0"/>
-              <a:t>１／</a:t>
-            </a:r>
-            <a:r>
-              <a:rPr lang="en-US" altLang="ko-KR" sz="1600" dirty="0" smtClean="0"/>
-              <a:t>(6.3 × 4KΩ × 20Hz) = 2μF</a:t>
-            </a:r>
-          </a:p>
-          <a:p>
-            <a:r>
-              <a:rPr lang="en-US" altLang="ko-KR" sz="1600" dirty="0" smtClean="0"/>
-              <a:t>C</a:t>
-            </a:r>
-            <a:r>
-              <a:rPr lang="ko-KR" altLang="en-US" sz="1600" dirty="0" smtClean="0"/>
-              <a:t>ｉｎ </a:t>
-            </a:r>
-            <a:r>
-              <a:rPr lang="en-US" altLang="ko-KR" sz="1600" dirty="0" smtClean="0"/>
-              <a:t>= 4.7μF </a:t>
-            </a:r>
-            <a:r>
-              <a:rPr lang="ko-KR" altLang="en-US" sz="1600" dirty="0" smtClean="0"/>
-              <a:t>정도를 사용하면 좋습니다</a:t>
-            </a:r>
-            <a:r>
-              <a:rPr lang="en-US" altLang="ko-KR" sz="1600" dirty="0" smtClean="0"/>
-              <a:t>,</a:t>
+              <a:t>1KΩ ÷ 5 = 200Ω</a:t>
             </a:r>
             <a:r>
               <a:rPr lang="ko-KR" altLang="en-US" sz="1600" dirty="0" smtClean="0"/>
@@ -9201,7 +8880,7 @@
         </p:spPr>
         <p:txBody>
           <a:bodyPr>
-            <a:normAutofit/>
+            <a:normAutofit fontScale="92500" lnSpcReduction="20000"/>
           </a:bodyPr>
           <a:lstStyle/>
           <a:p>
@@ -9210,15 +8889,23 @@
             </a:pPr>
             <a:r>
               <a:rPr lang="en-US" altLang="ko-KR" sz="2000" dirty="0" smtClean="0"/>
-              <a:t>5. </a:t>
-            </a:r>
-            <a:r>
-              <a:rPr lang="ko-KR" altLang="en-US" sz="2000" dirty="0" smtClean="0"/>
-              <a:t>바이패스 콘덴서（</a:t>
-            </a:r>
-            <a:r>
-              <a:rPr lang="en-US" altLang="ko-KR" sz="2000" dirty="0" err="1" smtClean="0"/>
-              <a:t>Ce</a:t>
+              <a:t>3. </a:t>
+            </a:r>
+            <a:r>
+              <a:rPr lang="ko-KR" altLang="en-US" sz="2000" dirty="0" smtClean="0"/>
+              <a:t>베이스 저항（</a:t>
+            </a:r>
+            <a:r>
+              <a:rPr lang="en-US" altLang="ko-KR" sz="2000" dirty="0" smtClean="0"/>
+              <a:t>R1</a:t>
+            </a:r>
+            <a:r>
+              <a:rPr lang="ko-KR" altLang="en-US" sz="2000" dirty="0" smtClean="0"/>
+              <a:t>과 </a:t>
+            </a:r>
+            <a:r>
+              <a:rPr lang="en-US" altLang="ko-KR" sz="2000" dirty="0" smtClean="0"/>
+              <a:t>R2</a:t>
             </a:r>
             <a:r>
               <a:rPr lang="ko-KR" altLang="en-US" sz="2000" dirty="0" smtClean="0"/>
@@ -9234,162 +8921,309 @@
           </a:p>
           <a:p>
             <a:r>
-              <a:rPr lang="ko-KR" altLang="en-US" sz="1600" dirty="0" err="1" smtClean="0"/>
-              <a:t>이미터의</a:t>
-            </a:r>
-            <a:r>
               <a:rPr lang="ko-KR" altLang="en-US" sz="1600" dirty="0" smtClean="0"/>
-              <a:t> 콘덴서도 최저 주파수에 대하여 충분히 낮은 </a:t>
-            </a:r>
-            <a:r>
-              <a:rPr lang="ko-KR" altLang="en-US" sz="1600" dirty="0" err="1" smtClean="0"/>
-              <a:t>인피던스가</a:t>
+              <a:t>먼저 필요한 베이스 전압（</a:t>
+            </a:r>
+            <a:r>
+              <a:rPr lang="en-US" altLang="ko-KR" sz="1600" dirty="0" err="1" smtClean="0"/>
+              <a:t>Vb</a:t>
+            </a:r>
+            <a:r>
+              <a:rPr lang="en-US" altLang="ko-KR" sz="1600" dirty="0" smtClean="0"/>
+              <a:t>)</a:t>
             </a:r>
             <a:r>
               <a:rPr lang="ko-KR" altLang="en-US" sz="1600" dirty="0" smtClean="0"/>
-              <a:t> 되도록 정해야 하며</a:t>
-            </a:r>
-          </a:p>
-          <a:p>
+              <a:t>을 구합니다</a:t>
+            </a:r>
+            <a:r>
+              <a:rPr lang="en-US" altLang="ko-KR" sz="1600" dirty="0" smtClean="0"/>
+              <a:t>. </a:t>
+            </a:r>
+            <a:r>
+              <a:rPr lang="ko-KR" altLang="en-US" sz="1600" dirty="0" smtClean="0"/>
+              <a:t>무신호시 </a:t>
+            </a:r>
+            <a:r>
+              <a:rPr lang="en-US" altLang="ko-KR" sz="1600" dirty="0" smtClean="0"/>
+              <a:t>Re</a:t>
+            </a:r>
+            <a:r>
+              <a:rPr lang="ko-KR" altLang="en-US" sz="1600" dirty="0" smtClean="0"/>
+              <a:t>에는 </a:t>
+            </a:r>
             <a:r>
               <a:rPr lang="en-US" altLang="ko-KR" sz="1600" dirty="0" err="1" smtClean="0"/>
-              <a:t>Ce</a:t>
+              <a:t>Ic</a:t>
+            </a:r>
+            <a:r>
+              <a:rPr lang="ko-KR" altLang="en-US" sz="1600" dirty="0" smtClean="0"/>
+              <a:t>의 전류가 흐르고 있고 베이스 이미터간 전압은 약 </a:t>
             </a:r>
             <a:r>
               <a:rPr lang="en-US" altLang="ko-KR" sz="1600" dirty="0" smtClean="0"/>
-              <a:t> </a:t>
+              <a:t>0.6V</a:t>
             </a:r>
             <a:r>
               <a:rPr lang="ko-KR" altLang="en-US" sz="1600" dirty="0" smtClean="0"/>
-              <a:t>＞ １</a:t>
+              <a:t>로 거의 일정하기 때문에 </a:t>
+            </a:r>
+            <a:r>
+              <a:rPr lang="en-US" altLang="ko-KR" sz="1600" dirty="0" err="1" smtClean="0"/>
+              <a:t>Vb</a:t>
             </a:r>
             <a:r>
               <a:rPr lang="en-US" altLang="ko-KR" sz="1600" dirty="0" smtClean="0"/>
-              <a:t>÷</a:t>
+              <a:t> = </a:t>
+            </a:r>
+            <a:r>
+              <a:rPr lang="en-US" altLang="ko-KR" sz="1600" dirty="0" err="1" smtClean="0"/>
+              <a:t>Ic×Re</a:t>
             </a:r>
             <a:r>
               <a:rPr lang="ko-KR" altLang="en-US" sz="1600" dirty="0" smtClean="0"/>
-              <a:t>（２</a:t>
+              <a:t>＋</a:t>
             </a:r>
             <a:r>
               <a:rPr lang="en-US" altLang="ko-KR" sz="1600" dirty="0" smtClean="0"/>
-              <a:t>π × </a:t>
+              <a:t>0.6</a:t>
             </a:r>
             <a:r>
               <a:rPr lang="ko-KR" altLang="en-US" sz="1600" dirty="0" smtClean="0"/>
-              <a:t>ｆｃ </a:t>
+              <a:t>로 됩니다．</a:t>
+            </a:r>
+            <a:endParaRPr lang="en-US" altLang="ko-KR" sz="1600" dirty="0" smtClean="0"/>
+          </a:p>
+          <a:p>
+            <a:pPr>
+              <a:buNone/>
+            </a:pPr>
+            <a:r>
+              <a:rPr lang="ko-KR" altLang="en-US" sz="1600" dirty="0" smtClean="0"/>
+              <a:t>   （예： </a:t>
             </a:r>
             <a:r>
               <a:rPr lang="en-US" altLang="ko-KR" sz="1600" dirty="0" smtClean="0"/>
-              <a:t>× Re</a:t>
+              <a:t>2mA × 200Ω</a:t>
+            </a:r>
+            <a:r>
+              <a:rPr lang="ko-KR" altLang="en-US" sz="1600" dirty="0" smtClean="0"/>
+              <a:t>＋</a:t>
+            </a:r>
+            <a:r>
+              <a:rPr lang="en-US" altLang="ko-KR" sz="1600" dirty="0" smtClean="0"/>
+              <a:t>0.6 = 1.0V</a:t>
             </a:r>
             <a:r>
               <a:rPr lang="ko-KR" altLang="en-US" sz="1600" dirty="0" smtClean="0"/>
               <a:t>）</a:t>
             </a:r>
+            <a:endParaRPr lang="en-US" altLang="ko-KR" sz="1600" dirty="0" smtClean="0"/>
+          </a:p>
+          <a:p>
+            <a:r>
+              <a:rPr lang="ko-KR" altLang="en-US" sz="1600" dirty="0" smtClean="0"/>
+              <a:t>다음에 필요한 베이스 전류（</a:t>
+            </a:r>
+            <a:r>
+              <a:rPr lang="en-US" altLang="ko-KR" sz="1600" dirty="0" err="1" smtClean="0"/>
+              <a:t>Ib</a:t>
+            </a:r>
+            <a:r>
+              <a:rPr lang="en-US" altLang="ko-KR" sz="1600" dirty="0" smtClean="0"/>
+              <a:t>)</a:t>
+            </a:r>
+            <a:r>
+              <a:rPr lang="ko-KR" altLang="en-US" sz="1600" dirty="0" smtClean="0"/>
+              <a:t>를 전류 </a:t>
+            </a:r>
             <a:r>
               <a:rPr lang="ko-KR" altLang="en-US" sz="1600" dirty="0" err="1" smtClean="0"/>
-              <a:t>로</a:t>
+              <a:t>증폭율</a:t>
+            </a:r>
+            <a:r>
+              <a:rPr lang="en-US" altLang="ko-KR" sz="1600" dirty="0" smtClean="0"/>
+              <a:t>(</a:t>
+            </a:r>
+            <a:r>
+              <a:rPr lang="en-US" altLang="ko-KR" sz="1600" dirty="0" err="1" smtClean="0"/>
+              <a:t>hfe</a:t>
+            </a:r>
+            <a:r>
+              <a:rPr lang="en-US" altLang="ko-KR" sz="1600" dirty="0" smtClean="0"/>
+              <a:t>)</a:t>
             </a:r>
             <a:r>
               <a:rPr lang="ko-KR" altLang="en-US" sz="1600" dirty="0" smtClean="0"/>
-              <a:t> 구합니다．</a:t>
-            </a:r>
-          </a:p>
-          <a:p>
+              <a:t>에 의해 계산하면 </a:t>
+            </a:r>
+            <a:r>
+              <a:rPr lang="en-US" altLang="ko-KR" sz="1600" dirty="0" err="1" smtClean="0"/>
+              <a:t>Ib</a:t>
+            </a:r>
+            <a:r>
+              <a:rPr lang="en-US" altLang="ko-KR" sz="1600" dirty="0" smtClean="0"/>
+              <a:t> = </a:t>
+            </a:r>
+            <a:r>
+              <a:rPr lang="en-US" altLang="ko-KR" sz="1600" dirty="0" err="1" smtClean="0"/>
+              <a:t>Ic</a:t>
+            </a:r>
+            <a:r>
+              <a:rPr lang="en-US" altLang="ko-KR" sz="1600" dirty="0" smtClean="0"/>
+              <a:t> ÷ </a:t>
+            </a:r>
+            <a:r>
+              <a:rPr lang="en-US" altLang="ko-KR" sz="1600" dirty="0" err="1" smtClean="0"/>
+              <a:t>hfe</a:t>
+            </a:r>
+            <a:endParaRPr lang="en-US" altLang="ko-KR" sz="1600" dirty="0" smtClean="0"/>
+          </a:p>
+          <a:p>
+            <a:pPr>
+              <a:buNone/>
+            </a:pPr>
+            <a:r>
+              <a:rPr lang="en-US" altLang="ko-KR" sz="1600" dirty="0" smtClean="0"/>
+              <a:t>   </a:t>
+            </a:r>
             <a:r>
               <a:rPr lang="ko-KR" altLang="en-US" sz="1600" dirty="0" smtClean="0"/>
-              <a:t>예： </a:t>
+              <a:t>（예：</a:t>
+            </a:r>
+            <a:r>
+              <a:rPr lang="en-US" altLang="ko-KR" sz="1600" dirty="0" smtClean="0"/>
+              <a:t>2mA÷100 = 0.02mA </a:t>
             </a:r>
             <a:r>
               <a:rPr lang="en-US" altLang="ko-KR" sz="1600" dirty="0" err="1" smtClean="0"/>
-              <a:t>Ce</a:t>
+              <a:t>hfe</a:t>
+            </a:r>
+            <a:r>
+              <a:rPr lang="en-US" altLang="ko-KR" sz="1600" dirty="0" smtClean="0"/>
+              <a:t>=100</a:t>
             </a:r>
             <a:r>
               <a:rPr lang="ko-KR" altLang="en-US" sz="1600" dirty="0" smtClean="0"/>
-              <a:t>＞１／（</a:t>
+              <a:t>）가 됩니다</a:t>
             </a:r>
             <a:r>
               <a:rPr lang="en-US" altLang="ko-KR" sz="1600" dirty="0" smtClean="0"/>
-              <a:t>6.3×20Hz×200</a:t>
+              <a:t>.</a:t>
+            </a:r>
+          </a:p>
+          <a:p>
+            <a:r>
+              <a:rPr lang="ko-KR" altLang="en-US" sz="1600" dirty="0" smtClean="0"/>
+              <a:t>여기에서 베이스 저항은 베이스 전류의 １０배 이상의 전류가 흐르게 하여 베이스전류 및 베이스 전압이 변동하지 않도록 하며 </a:t>
+            </a:r>
+            <a:r>
+              <a:rPr lang="en-US" altLang="ko-KR" sz="1600" dirty="0" smtClean="0"/>
+              <a:t>R1</a:t>
+            </a:r>
+            <a:r>
+              <a:rPr lang="ko-KR" altLang="en-US" sz="1600" dirty="0" smtClean="0"/>
+              <a:t>，</a:t>
+            </a:r>
+            <a:r>
+              <a:rPr lang="en-US" altLang="ko-KR" sz="1600" dirty="0" smtClean="0"/>
+              <a:t>R2</a:t>
+            </a:r>
+            <a:r>
+              <a:rPr lang="ko-KR" altLang="en-US" sz="1600" dirty="0" smtClean="0"/>
+              <a:t>는 다음과 같이 계산합니다</a:t>
+            </a:r>
+            <a:r>
+              <a:rPr lang="en-US" altLang="ko-KR" sz="1600" dirty="0" smtClean="0"/>
+              <a:t>. </a:t>
+            </a:r>
+          </a:p>
+          <a:p>
+            <a:pPr>
+              <a:buNone/>
+            </a:pPr>
+            <a:r>
+              <a:rPr lang="en-US" altLang="ko-KR" sz="1600" dirty="0" smtClean="0"/>
+              <a:t>    </a:t>
+            </a:r>
+            <a:r>
+              <a:rPr lang="pt-BR" altLang="ko-KR" sz="1600" dirty="0" smtClean="0"/>
+              <a:t>R1 = </a:t>
+            </a:r>
+            <a:r>
+              <a:rPr lang="ko-KR" altLang="pt-BR" sz="1600" dirty="0" smtClean="0"/>
+              <a:t>（</a:t>
+            </a:r>
+            <a:r>
+              <a:rPr lang="pt-BR" altLang="ko-KR" sz="1600" dirty="0" smtClean="0"/>
+              <a:t>Vcc - Vb) ÷</a:t>
+            </a:r>
+            <a:r>
+              <a:rPr lang="ko-KR" altLang="pt-BR" sz="1600" dirty="0" smtClean="0"/>
+              <a:t>（</a:t>
+            </a:r>
+            <a:r>
+              <a:rPr lang="pt-BR" altLang="ko-KR" sz="1600" dirty="0" smtClean="0"/>
+              <a:t>10×Ic</a:t>
+            </a:r>
+            <a:r>
+              <a:rPr lang="ko-KR" altLang="pt-BR" sz="1600" dirty="0" smtClean="0"/>
+              <a:t>）</a:t>
+            </a:r>
+            <a:r>
+              <a:rPr lang="pt-BR" altLang="ko-KR" sz="1600" dirty="0" smtClean="0"/>
+              <a:t>, </a:t>
+            </a:r>
+          </a:p>
+          <a:p>
+            <a:pPr>
+              <a:buNone/>
+            </a:pPr>
+            <a:r>
+              <a:rPr lang="pt-BR" altLang="ko-KR" sz="1600" dirty="0" smtClean="0"/>
+              <a:t>    R2 = Vb ÷ (10 × Ic)</a:t>
+            </a:r>
+          </a:p>
+          <a:p>
+            <a:pPr>
+              <a:buNone/>
+            </a:pPr>
+            <a:r>
+              <a:rPr lang="en-US" altLang="ko-KR" sz="1600" dirty="0" smtClean="0"/>
+              <a:t>    (</a:t>
+            </a:r>
+            <a:r>
+              <a:rPr lang="ko-KR" altLang="en-US" sz="1600" dirty="0" smtClean="0"/>
+              <a:t>예：</a:t>
+            </a:r>
+            <a:r>
+              <a:rPr lang="en-US" altLang="ko-KR" sz="1600" dirty="0" smtClean="0"/>
+              <a:t>R1=(5V-1V)÷10×0.02mA=20K</a:t>
             </a:r>
             <a:r>
               <a:rPr lang="el-GR" altLang="ko-KR" sz="1600" dirty="0" smtClean="0"/>
-              <a:t>Ω</a:t>
+              <a:t>Ω </a:t>
+            </a:r>
+            <a:r>
+              <a:rPr lang="en-US" altLang="ko-KR" sz="1600" dirty="0" smtClean="0"/>
+              <a:t>   </a:t>
+            </a:r>
+          </a:p>
+          <a:p>
+            <a:pPr>
+              <a:buNone/>
+            </a:pPr>
+            <a:r>
+              <a:rPr lang="en-US" altLang="ko-KR" sz="1600" dirty="0" smtClean="0"/>
+              <a:t>           R2=1V÷(10×0.02mA)=5K</a:t>
+            </a:r>
+            <a:r>
+              <a:rPr lang="el-GR" altLang="ko-KR" sz="1600" dirty="0" smtClean="0"/>
+              <a:t>Ω </a:t>
             </a:r>
             <a:r>
               <a:rPr lang="ko-KR" altLang="el-GR" sz="1600" dirty="0" smtClean="0"/>
               <a:t>）</a:t>
-            </a:r>
-            <a:r>
-              <a:rPr lang="el-GR" altLang="ko-KR" sz="1600" dirty="0" smtClean="0"/>
-              <a:t>=40μ</a:t>
-            </a:r>
-            <a:r>
-              <a:rPr lang="en-US" altLang="ko-KR" sz="1600" dirty="0" smtClean="0"/>
-              <a:t>F → </a:t>
-            </a:r>
-            <a:r>
-              <a:rPr lang="en-US" altLang="ko-KR" sz="1600" dirty="0" err="1" smtClean="0"/>
-              <a:t>Ce</a:t>
-            </a:r>
-            <a:r>
-              <a:rPr lang="en-US" altLang="ko-KR" sz="1600" dirty="0" smtClean="0"/>
-              <a:t>=100</a:t>
-            </a:r>
-            <a:r>
-              <a:rPr lang="el-GR" altLang="ko-KR" sz="1600" dirty="0" smtClean="0"/>
-              <a:t>μ</a:t>
-            </a:r>
-            <a:r>
-              <a:rPr lang="en-US" altLang="ko-KR" sz="1600" dirty="0" smtClean="0"/>
-              <a:t>F</a:t>
-            </a:r>
-            <a:r>
-              <a:rPr lang="ko-KR" altLang="en-US" sz="1600" dirty="0" smtClean="0"/>
-              <a:t>）</a:t>
-            </a:r>
-          </a:p>
-          <a:p>
-            <a:r>
-              <a:rPr lang="en-US" altLang="ko-KR" sz="1600" dirty="0" smtClean="0"/>
-              <a:t>《</a:t>
-            </a:r>
-            <a:r>
-              <a:rPr lang="ko-KR" altLang="en-US" sz="1600" dirty="0" smtClean="0"/>
-              <a:t>참고</a:t>
-            </a:r>
-            <a:r>
-              <a:rPr lang="en-US" altLang="ko-KR" sz="1600" dirty="0" smtClean="0"/>
-              <a:t>》</a:t>
-            </a:r>
-            <a:r>
-              <a:rPr lang="ko-KR" altLang="en-US" sz="1600" dirty="0" err="1" smtClean="0"/>
-              <a:t>직류증폭시는</a:t>
-            </a:r>
-            <a:r>
-              <a:rPr lang="ko-KR" altLang="en-US" sz="1600" dirty="0" smtClean="0"/>
-              <a:t> </a:t>
-            </a:r>
-            <a:r>
-              <a:rPr lang="en-US" altLang="ko-KR" sz="1600" dirty="0" err="1" smtClean="0"/>
-              <a:t>Cin</a:t>
-            </a:r>
-            <a:r>
-              <a:rPr lang="ko-KR" altLang="en-US" sz="1600" dirty="0" smtClean="0"/>
-              <a:t>이나 </a:t>
-            </a:r>
-            <a:r>
-              <a:rPr lang="en-US" altLang="ko-KR" sz="1600" dirty="0" err="1" smtClean="0"/>
-              <a:t>Ce</a:t>
-            </a:r>
-            <a:r>
-              <a:rPr lang="ko-KR" altLang="en-US" sz="1600" dirty="0" smtClean="0"/>
-              <a:t>는 불필요 하기 때문에 사용하지 않아도 좋습니다</a:t>
-            </a:r>
-            <a:r>
-              <a:rPr lang="en-US" altLang="ko-KR" sz="1600" dirty="0" smtClean="0"/>
-              <a:t>.</a:t>
             </a:r>
             <a:endParaRPr lang="ko-KR" altLang="en-US" sz="1600" dirty="0"/>
           </a:p>
@@ -9465,191 +9299,315 @@
         <p:spPr/>
         <p:txBody>
           <a:bodyPr>
+            <a:normAutofit fontScale="90000"/>
+          </a:bodyPr>
+          <a:lstStyle/>
+          <a:p>
+            <a:r>
+              <a:rPr lang="en-US" altLang="ko-KR" dirty="0" smtClean="0"/>
+              <a:t>Transistor </a:t>
+            </a:r>
+            <a:r>
+              <a:rPr lang="en-US" altLang="ko-KR" sz="4000" dirty="0" smtClean="0"/>
+              <a:t>–</a:t>
+            </a:r>
+            <a:r>
+              <a:rPr lang="ko-KR" altLang="en-US" sz="4000" dirty="0" smtClean="0"/>
+              <a:t> </a:t>
+            </a:r>
+            <a:r>
+              <a:rPr lang="ko-KR" altLang="en-US" sz="3600" dirty="0" smtClean="0"/>
+              <a:t>아날로그 회로에서 사용법</a:t>
+            </a:r>
+            <a:endParaRPr lang="ko-KR" altLang="en-US" dirty="0"/>
+          </a:p>
+        </p:txBody>
+      </p:sp>
+      <p:sp>
+        <p:nvSpPr>
+          <p:cNvPr id="4" name="내용 개체 틀 3"/>
+          <p:cNvSpPr>
+            <a:spLocks noGrp="1"/>
+          </p:cNvSpPr>
+          <p:nvPr>
+            <p:ph idx="1"/>
+          </p:nvPr>
+        </p:nvSpPr>
+        <p:spPr>
+          <a:xfrm>
+            <a:off x="4067944" y="1484784"/>
+            <a:ext cx="4618856" cy="4522507"/>
+          </a:xfrm>
+        </p:spPr>
+        <p:txBody>
+          <a:bodyPr>
             <a:normAutofit/>
           </a:bodyPr>
           <a:lstStyle/>
           <a:p>
-            <a:r>
-              <a:rPr lang="en-US" altLang="ko-KR" dirty="0" smtClean="0"/>
-              <a:t>MOSFET</a:t>
-            </a:r>
-            <a:endParaRPr lang="ko-KR" altLang="en-US" dirty="0"/>
-          </a:p>
-        </p:txBody>
-      </p:sp>
-      <p:sp>
-        <p:nvSpPr>
-          <p:cNvPr id="6" name="내용 개체 틀 5"/>
-          <p:cNvSpPr>
-            <a:spLocks noGrp="1"/>
-          </p:cNvSpPr>
-          <p:nvPr>
-            <p:ph idx="1"/>
-          </p:nvPr>
-        </p:nvSpPr>
-        <p:spPr/>
-        <p:txBody>
-          <a:bodyPr>
-            <a:normAutofit fontScale="92500"/>
-          </a:bodyPr>
-          <a:lstStyle/>
-          <a:p>
-            <a:r>
-              <a:rPr lang="ko-KR" altLang="en-US" dirty="0" smtClean="0"/>
-              <a:t>실 사용을 보면 </a:t>
-            </a:r>
-            <a:r>
-              <a:rPr lang="en-US" altLang="ko-KR" dirty="0" err="1" smtClean="0"/>
-              <a:t>Vgs</a:t>
-            </a:r>
-            <a:r>
-              <a:rPr lang="en-US" altLang="ko-KR" dirty="0" smtClean="0"/>
+            <a:pPr>
+              <a:buNone/>
+            </a:pPr>
+            <a:r>
+              <a:rPr lang="en-US" altLang="ko-KR" sz="2000" dirty="0" smtClean="0"/>
+              <a:t>4.</a:t>
+            </a:r>
+            <a:r>
+              <a:rPr lang="ko-KR" altLang="en-US" sz="2000" dirty="0" err="1" smtClean="0"/>
+              <a:t>커플링</a:t>
+            </a:r>
+            <a:r>
+              <a:rPr lang="ko-KR" altLang="en-US" sz="2000" dirty="0" smtClean="0"/>
+              <a:t> 콘덴서</a:t>
+            </a:r>
+            <a:r>
+              <a:rPr lang="en-US" altLang="ko-KR" sz="2000" dirty="0" smtClean="0"/>
+              <a:t>(</a:t>
+            </a:r>
+            <a:r>
+              <a:rPr lang="en-US" altLang="ko-KR" sz="2000" dirty="0" err="1" smtClean="0"/>
+              <a:t>Cin</a:t>
+            </a:r>
+            <a:r>
+              <a:rPr lang="en-US" altLang="ko-KR" sz="2000" dirty="0" smtClean="0"/>
+              <a:t>)</a:t>
+            </a:r>
+            <a:r>
+              <a:rPr lang="ko-KR" altLang="en-US" sz="2000" dirty="0" smtClean="0"/>
+              <a:t>의 용량결정</a:t>
+            </a:r>
+            <a:endParaRPr lang="en-US" altLang="ko-KR" sz="2000" dirty="0" smtClean="0"/>
+          </a:p>
+          <a:p>
+            <a:pPr>
+              <a:buNone/>
+            </a:pPr>
+            <a:endParaRPr lang="en-US" altLang="ko-KR" sz="2000" dirty="0" smtClean="0"/>
+          </a:p>
+          <a:p>
+            <a:r>
+              <a:rPr lang="ko-KR" altLang="en-US" sz="1600" dirty="0" smtClean="0"/>
+              <a:t>교류신호를 증폭하는 경우는 직류전압과 무관하게 하기 위해 </a:t>
+            </a:r>
+            <a:r>
+              <a:rPr lang="ko-KR" altLang="en-US" sz="1600" dirty="0" err="1" smtClean="0"/>
+              <a:t>커플링</a:t>
+            </a:r>
+            <a:r>
+              <a:rPr lang="ko-KR" altLang="en-US" sz="1600" dirty="0" smtClean="0"/>
+              <a:t> 콘덴서（</a:t>
+            </a:r>
+            <a:r>
+              <a:rPr lang="en-US" altLang="ko-KR" sz="1600" dirty="0" err="1" smtClean="0"/>
+              <a:t>Cin</a:t>
+            </a:r>
+            <a:r>
+              <a:rPr lang="ko-KR" altLang="en-US" sz="1600" dirty="0" smtClean="0"/>
+              <a:t>）가 필요해집니다．이 값은 입력신호의 최저 주파수（ｆｃ）에 대하여 충분히 무시할 수 있는 </a:t>
+            </a:r>
+            <a:r>
+              <a:rPr lang="ko-KR" altLang="en-US" sz="1600" dirty="0" err="1" smtClean="0"/>
+              <a:t>임피던스가</a:t>
+            </a:r>
+            <a:r>
+              <a:rPr lang="ko-KR" altLang="en-US" sz="1600" dirty="0" smtClean="0"/>
+              <a:t> 되도록 해야 합니다</a:t>
+            </a:r>
+            <a:r>
+              <a:rPr lang="en-US" altLang="ko-KR" sz="1600" dirty="0" smtClean="0"/>
+              <a:t>. </a:t>
+            </a:r>
+            <a:r>
+              <a:rPr lang="ko-KR" altLang="en-US" sz="1600" dirty="0" smtClean="0"/>
+              <a:t>입력용 콘덴서 </a:t>
+            </a:r>
+            <a:r>
+              <a:rPr lang="en-US" altLang="ko-KR" sz="1600" dirty="0" err="1" smtClean="0"/>
+              <a:t>Cin</a:t>
+            </a:r>
+            <a:r>
+              <a:rPr lang="en-US" altLang="ko-KR" sz="1600" dirty="0" smtClean="0"/>
               <a:t> </a:t>
             </a:r>
             <a:r>
-              <a:rPr lang="ko-KR" altLang="en-US" dirty="0" smtClean="0"/>
-              <a:t>의 전압이 결국 </a:t>
-            </a:r>
-            <a:r>
-              <a:rPr lang="en-US" altLang="ko-KR" dirty="0" smtClean="0"/>
-              <a:t>Drain </a:t>
-            </a:r>
-            <a:r>
-              <a:rPr lang="ko-KR" altLang="en-US" dirty="0" smtClean="0"/>
+              <a:rPr lang="ko-KR" altLang="en-US" sz="1600" dirty="0" smtClean="0"/>
+              <a:t>은 트랜지스터의 입력 임피던스를 </a:t>
+            </a:r>
+            <a:r>
+              <a:rPr lang="en-US" altLang="ko-KR" sz="1600" dirty="0" err="1" smtClean="0"/>
+              <a:t>Rin</a:t>
+            </a:r>
+            <a:r>
+              <a:rPr lang="ko-KR" altLang="en-US" sz="1600" dirty="0" smtClean="0"/>
+              <a:t>이라고 한다면</a:t>
+            </a:r>
+            <a:endParaRPr lang="en-US" altLang="ko-KR" sz="1600" dirty="0" smtClean="0"/>
+          </a:p>
+          <a:p>
+            <a:r>
+              <a:rPr lang="ko-KR" altLang="en-US" sz="1600" dirty="0" smtClean="0"/>
+              <a:t>ｆｃ ＞ １</a:t>
+            </a:r>
+            <a:r>
+              <a:rPr lang="en-US" altLang="ko-KR" sz="1600" dirty="0" smtClean="0"/>
+              <a:t>÷</a:t>
+            </a:r>
+            <a:r>
+              <a:rPr lang="ko-KR" altLang="en-US" sz="1600" dirty="0" smtClean="0"/>
+              <a:t>（</a:t>
+            </a:r>
+            <a:r>
+              <a:rPr lang="en-US" altLang="ko-KR" sz="1600" dirty="0" smtClean="0"/>
+              <a:t>2π × </a:t>
+            </a:r>
+            <a:r>
+              <a:rPr lang="en-US" altLang="ko-KR" sz="1600" dirty="0" err="1" smtClean="0"/>
+              <a:t>Rin</a:t>
+            </a:r>
+            <a:r>
+              <a:rPr lang="en-US" altLang="ko-KR" sz="1600" dirty="0" smtClean="0"/>
+              <a:t> × </a:t>
+            </a:r>
+            <a:r>
+              <a:rPr lang="en-US" altLang="ko-KR" sz="1600" dirty="0" err="1" smtClean="0"/>
+              <a:t>Cin</a:t>
+            </a:r>
+            <a:r>
+              <a:rPr lang="en-US" altLang="ko-KR" sz="1600" dirty="0" smtClean="0"/>
+              <a:t>) </a:t>
+            </a:r>
+            <a:r>
+              <a:rPr lang="ko-KR" altLang="en-US" sz="1600" dirty="0" smtClean="0"/>
+              <a:t>이 되도록 정해야 하며 입력 임피던스 </a:t>
+            </a:r>
+            <a:r>
+              <a:rPr lang="en-US" altLang="ko-KR" sz="1600" dirty="0" err="1" smtClean="0"/>
+              <a:t>Rin</a:t>
+            </a:r>
+            <a:r>
+              <a:rPr lang="ko-KR" altLang="en-US" sz="1600" dirty="0" smtClean="0"/>
+              <a:t>은 대략 </a:t>
+            </a:r>
+            <a:r>
+              <a:rPr lang="en-US" altLang="ko-KR" sz="1600" dirty="0" smtClean="0"/>
+              <a:t>R1</a:t>
+            </a:r>
+            <a:r>
+              <a:rPr lang="ko-KR" altLang="en-US" sz="1600" dirty="0" smtClean="0"/>
               <a:t>과 </a:t>
             </a:r>
             <a:r>
-              <a:rPr lang="en-US" altLang="ko-KR" dirty="0" smtClean="0"/>
-              <a:t>Source </a:t>
-            </a:r>
-            <a:r>
-              <a:rPr lang="ko-KR" altLang="en-US" dirty="0" smtClean="0"/>
-              <a:t>간의 동작을 어떻게 하는가 결정하게 됩니다</a:t>
-            </a:r>
-            <a:r>
-              <a:rPr lang="en-US" altLang="ko-KR" dirty="0" smtClean="0"/>
-              <a:t>. </a:t>
-            </a:r>
-            <a:r>
-              <a:rPr lang="ko-KR" altLang="en-US" dirty="0" smtClean="0"/>
-              <a:t>제일 좋은 것은 </a:t>
-            </a:r>
-            <a:r>
-              <a:rPr lang="en-US" altLang="ko-KR" dirty="0" err="1" smtClean="0"/>
-              <a:t>Vgs</a:t>
-            </a:r>
-            <a:r>
-              <a:rPr lang="en-US" altLang="ko-KR" dirty="0" smtClean="0"/>
+              <a:rPr lang="en-US" altLang="ko-KR" sz="1600" dirty="0" smtClean="0"/>
+              <a:t>R2</a:t>
+            </a:r>
+            <a:r>
+              <a:rPr lang="ko-KR" altLang="en-US" sz="1600" dirty="0" smtClean="0"/>
+              <a:t>의 병렬 저항값이 됩니다</a:t>
+            </a:r>
+            <a:r>
+              <a:rPr lang="en-US" altLang="ko-KR" sz="1600" dirty="0" smtClean="0"/>
+              <a:t>.</a:t>
+            </a:r>
+          </a:p>
+          <a:p>
+            <a:r>
+              <a:rPr lang="ko-KR" altLang="en-US" sz="1600" dirty="0" smtClean="0"/>
+              <a:t>예：ｆｃ</a:t>
+            </a:r>
+            <a:r>
+              <a:rPr lang="ko-KR" altLang="en-US" sz="1600" dirty="0" err="1" smtClean="0"/>
+              <a:t>를</a:t>
+            </a:r>
+            <a:r>
+              <a:rPr lang="ko-KR" altLang="en-US" sz="1600" dirty="0" smtClean="0"/>
               <a:t> </a:t>
             </a:r>
             <a:r>
-              <a:rPr lang="ko-KR" altLang="en-US" dirty="0" smtClean="0"/>
-              <a:t>를 </a:t>
-            </a:r>
-            <a:r>
-              <a:rPr lang="en-US" altLang="ko-KR" dirty="0" smtClean="0"/>
-              <a:t>D-S </a:t>
-            </a:r>
-            <a:r>
-              <a:rPr lang="ko-KR" altLang="en-US" dirty="0" smtClean="0"/>
-              <a:t>간의 전압 또는 </a:t>
-            </a:r>
-            <a:r>
-              <a:rPr lang="ko-KR" altLang="en-US" dirty="0" err="1" smtClean="0"/>
-              <a:t>스펙상</a:t>
-            </a:r>
-            <a:r>
-              <a:rPr lang="ko-KR" altLang="en-US" dirty="0" smtClean="0"/>
-              <a:t> 제시한 전압에 맞게 사용하는 것이 중요합니다</a:t>
-            </a:r>
-            <a:r>
-              <a:rPr lang="en-US" altLang="ko-KR" dirty="0" smtClean="0"/>
-              <a:t>. </a:t>
-            </a:r>
-          </a:p>
-          <a:p>
-            <a:r>
-              <a:rPr lang="ko-KR" altLang="en-US" dirty="0" smtClean="0"/>
-              <a:t>그런데</a:t>
-            </a:r>
-            <a:r>
-              <a:rPr lang="en-US" altLang="ko-KR" dirty="0" smtClean="0"/>
-              <a:t>, MOSFET </a:t>
-            </a:r>
-            <a:r>
-              <a:rPr lang="ko-KR" altLang="en-US" dirty="0" smtClean="0"/>
-              <a:t>을 간단히 사용하다 보면 </a:t>
-            </a:r>
-            <a:r>
-              <a:rPr lang="en-US" altLang="ko-KR" dirty="0" err="1" smtClean="0"/>
-              <a:t>Vgs</a:t>
-            </a:r>
-            <a:r>
-              <a:rPr lang="en-US" altLang="ko-KR" dirty="0" smtClean="0"/>
-              <a:t> </a:t>
-            </a:r>
-            <a:r>
-              <a:rPr lang="ko-KR" altLang="en-US" dirty="0" smtClean="0"/>
-              <a:t>를 무시하고 사용하는 경우가 허다하지요</a:t>
-            </a:r>
-            <a:r>
-              <a:rPr lang="en-US" altLang="ko-KR" dirty="0" smtClean="0"/>
-              <a:t>. </a:t>
-            </a:r>
-            <a:r>
-              <a:rPr lang="ko-KR" altLang="en-US" dirty="0" smtClean="0"/>
-              <a:t>그래서 시험적으로 사용할 때에는 아무런 문제가 없는데</a:t>
-            </a:r>
-            <a:r>
-              <a:rPr lang="en-US" altLang="ko-KR" dirty="0" smtClean="0"/>
-              <a:t>, </a:t>
-            </a:r>
-            <a:r>
-              <a:rPr lang="ko-KR" altLang="en-US" dirty="0" smtClean="0"/>
-              <a:t>회로 적용하여 사용하다 보면 이상 증상이 나타나기도 합니다</a:t>
-            </a:r>
-            <a:r>
-              <a:rPr lang="en-US" altLang="ko-KR" dirty="0" smtClean="0"/>
-              <a:t>. </a:t>
-            </a:r>
-          </a:p>
-          <a:p>
-            <a:r>
-              <a:rPr lang="ko-KR" altLang="en-US" dirty="0" smtClean="0"/>
-              <a:t>이를테면 </a:t>
-            </a:r>
-            <a:r>
-              <a:rPr lang="en-US" altLang="ko-KR" dirty="0" smtClean="0"/>
-              <a:t>OFF </a:t>
-            </a:r>
-            <a:r>
-              <a:rPr lang="ko-KR" altLang="en-US" dirty="0" smtClean="0"/>
-              <a:t>가 안된다든지</a:t>
-            </a:r>
-            <a:r>
-              <a:rPr lang="en-US" altLang="ko-KR" dirty="0" smtClean="0"/>
-              <a:t>, ON</a:t>
-            </a:r>
-            <a:r>
-              <a:rPr lang="ko-KR" altLang="en-US" dirty="0" smtClean="0"/>
-              <a:t>은 되는데 열이 많이 발생하고 </a:t>
-            </a:r>
-            <a:r>
-              <a:rPr lang="en-US" altLang="ko-KR" dirty="0" smtClean="0"/>
-              <a:t>MOSFET </a:t>
-            </a:r>
-            <a:r>
-              <a:rPr lang="ko-KR" altLang="en-US" dirty="0" smtClean="0"/>
-              <a:t>이 소실되어 버립니다</a:t>
-            </a:r>
-            <a:r>
-              <a:rPr lang="en-US" altLang="ko-KR" dirty="0" smtClean="0"/>
-              <a:t>.</a:t>
-            </a:r>
-            <a:endParaRPr lang="ko-KR" altLang="en-US" dirty="0"/>
-          </a:p>
-        </p:txBody>
-      </p:sp>
+              <a:rPr lang="en-US" altLang="ko-KR" sz="1600" dirty="0" smtClean="0"/>
+              <a:t>20Hz</a:t>
+            </a:r>
+            <a:r>
+              <a:rPr lang="ko-KR" altLang="en-US" sz="1600" dirty="0" smtClean="0"/>
+              <a:t>라고 할때 </a:t>
+            </a:r>
+            <a:r>
+              <a:rPr lang="en-US" altLang="ko-KR" sz="1600" dirty="0" err="1" smtClean="0"/>
+              <a:t>Cin</a:t>
+            </a:r>
+            <a:r>
+              <a:rPr lang="en-US" altLang="ko-KR" sz="1600" dirty="0" smtClean="0"/>
+              <a:t> &gt; </a:t>
+            </a:r>
+            <a:r>
+              <a:rPr lang="ko-KR" altLang="en-US" sz="1600" dirty="0" smtClean="0"/>
+              <a:t>１／</a:t>
+            </a:r>
+            <a:r>
+              <a:rPr lang="en-US" altLang="ko-KR" sz="1600" dirty="0" smtClean="0"/>
+              <a:t>(6.3 × 4KΩ × 20Hz) = 2μF</a:t>
+            </a:r>
+          </a:p>
+          <a:p>
+            <a:r>
+              <a:rPr lang="en-US" altLang="ko-KR" sz="1600" dirty="0" smtClean="0"/>
+              <a:t>C</a:t>
+            </a:r>
+            <a:r>
+              <a:rPr lang="ko-KR" altLang="en-US" sz="1600" dirty="0" smtClean="0"/>
+              <a:t>ｉｎ </a:t>
+            </a:r>
+            <a:r>
+              <a:rPr lang="en-US" altLang="ko-KR" sz="1600" dirty="0" smtClean="0"/>
+              <a:t>= 4.7μF </a:t>
+            </a:r>
+            <a:r>
+              <a:rPr lang="ko-KR" altLang="en-US" sz="1600" dirty="0" smtClean="0"/>
+              <a:t>정도를 사용하면 좋습니다</a:t>
+            </a:r>
+            <a:r>
+              <a:rPr lang="en-US" altLang="ko-KR" sz="1600" dirty="0" smtClean="0"/>
+              <a:t>,</a:t>
+            </a:r>
+            <a:r>
+              <a:rPr lang="ko-KR" altLang="en-US" sz="1600" dirty="0" smtClean="0"/>
+              <a:t>）</a:t>
+            </a:r>
+            <a:endParaRPr lang="ko-KR" altLang="en-US" sz="1600" dirty="0"/>
+          </a:p>
+        </p:txBody>
+      </p:sp>
+      <p:pic>
+        <p:nvPicPr>
+          <p:cNvPr id="5122" name="Picture 2"/>
+          <p:cNvPicPr>
+            <a:picLocks noChangeAspect="1" noChangeArrowheads="1"/>
+          </p:cNvPicPr>
+          <p:nvPr/>
+        </p:nvPicPr>
+        <p:blipFill>
+          <a:blip r:embed="rId2" cstate="print"/>
+          <a:srcRect/>
+          <a:stretch>
+            <a:fillRect/>
+          </a:stretch>
+        </p:blipFill>
+        <p:spPr bwMode="auto">
+          <a:xfrm>
+            <a:off x="179512" y="2276872"/>
+            <a:ext cx="3927059" cy="2995414"/>
+          </a:xfrm>
+          <a:prstGeom prst="rect">
+            <a:avLst/>
+          </a:prstGeom>
+          <a:noFill/>
+          <a:ln w="9525">
+            <a:noFill/>
+            <a:miter lim="800000"/>
+            <a:headEnd/>
+            <a:tailEnd/>
+          </a:ln>
+        </p:spPr>
+      </p:pic>
     </p:spTree>
   </p:cSld>
   <p:clrMapOvr>
@@ -9688,247 +9646,274 @@
         <p:spPr/>
         <p:txBody>
           <a:bodyPr>
+            <a:normAutofit fontScale="90000"/>
+          </a:bodyPr>
+          <a:lstStyle/>
+          <a:p>
+            <a:r>
+              <a:rPr lang="en-US" altLang="ko-KR" dirty="0" smtClean="0"/>
+              <a:t>Transistor </a:t>
+            </a:r>
+            <a:r>
+              <a:rPr lang="en-US" altLang="ko-KR" sz="4000" dirty="0" smtClean="0"/>
+              <a:t>–</a:t>
+            </a:r>
+            <a:r>
+              <a:rPr lang="ko-KR" altLang="en-US" sz="4000" dirty="0" smtClean="0"/>
+              <a:t> </a:t>
+            </a:r>
+            <a:r>
+              <a:rPr lang="ko-KR" altLang="en-US" sz="3600" dirty="0" smtClean="0"/>
+              <a:t>아날로그 회로에서 사용법</a:t>
+            </a:r>
+            <a:endParaRPr lang="ko-KR" altLang="en-US" dirty="0"/>
+          </a:p>
+        </p:txBody>
+      </p:sp>
+      <p:sp>
+        <p:nvSpPr>
+          <p:cNvPr id="4" name="내용 개체 틀 3"/>
+          <p:cNvSpPr>
+            <a:spLocks noGrp="1"/>
+          </p:cNvSpPr>
+          <p:nvPr>
+            <p:ph idx="1"/>
+          </p:nvPr>
+        </p:nvSpPr>
+        <p:spPr>
+          <a:xfrm>
+            <a:off x="4067944" y="1484784"/>
+            <a:ext cx="4618856" cy="4522507"/>
+          </a:xfrm>
+        </p:spPr>
+        <p:txBody>
+          <a:bodyPr>
             <a:normAutofit/>
           </a:bodyPr>
           <a:lstStyle/>
           <a:p>
-            <a:r>
-              <a:rPr lang="en-US" altLang="ko-KR" dirty="0" smtClean="0"/>
-              <a:t>MOSFET</a:t>
-            </a:r>
-            <a:endParaRPr lang="ko-KR" altLang="en-US" dirty="0"/>
-          </a:p>
-        </p:txBody>
-      </p:sp>
-      <p:sp>
-        <p:nvSpPr>
-          <p:cNvPr id="6" name="내용 개체 틀 5"/>
-          <p:cNvSpPr>
-            <a:spLocks noGrp="1"/>
-          </p:cNvSpPr>
-          <p:nvPr>
-            <p:ph idx="1"/>
-          </p:nvPr>
-        </p:nvSpPr>
-        <p:spPr/>
-        <p:txBody>
-          <a:bodyPr>
-            <a:normAutofit fontScale="92500" lnSpcReduction="20000"/>
-          </a:bodyPr>
-          <a:lstStyle/>
-          <a:p>
-            <a:r>
-              <a:rPr lang="en-US" altLang="ko-KR" dirty="0" smtClean="0"/>
-              <a:t>N-MOSFET </a:t>
-            </a:r>
-            <a:r>
-              <a:rPr lang="ko-KR" altLang="en-US" dirty="0" smtClean="0"/>
-              <a:t>을 사용할 경우에는 후자의 경우가 대부분입니다</a:t>
-            </a:r>
-            <a:r>
-              <a:rPr lang="en-US" altLang="ko-KR" dirty="0" smtClean="0"/>
-              <a:t>. </a:t>
-            </a:r>
-            <a:r>
-              <a:rPr lang="en-US" altLang="ko-KR" dirty="0" err="1" smtClean="0"/>
-              <a:t>Vgs</a:t>
-            </a:r>
-            <a:r>
-              <a:rPr lang="en-US" altLang="ko-KR" dirty="0" smtClean="0"/>
+            <a:pPr>
+              <a:buNone/>
+            </a:pPr>
+            <a:r>
+              <a:rPr lang="en-US" altLang="ko-KR" sz="2000" dirty="0" smtClean="0"/>
+              <a:t>5. </a:t>
+            </a:r>
+            <a:r>
+              <a:rPr lang="ko-KR" altLang="en-US" sz="2000" dirty="0" smtClean="0"/>
+              <a:t>바이패스 콘덴서（</a:t>
+            </a:r>
+            <a:r>
+              <a:rPr lang="en-US" altLang="ko-KR" sz="2000" dirty="0" err="1" smtClean="0"/>
+              <a:t>Ce</a:t>
+            </a:r>
+            <a:r>
+              <a:rPr lang="ko-KR" altLang="en-US" sz="2000" dirty="0" smtClean="0"/>
+              <a:t>）의 결정</a:t>
+            </a:r>
+            <a:endParaRPr lang="en-US" altLang="ko-KR" sz="2000" dirty="0" smtClean="0"/>
+          </a:p>
+          <a:p>
+            <a:pPr>
+              <a:buNone/>
+            </a:pPr>
+            <a:endParaRPr lang="en-US" altLang="ko-KR" sz="2000" dirty="0" smtClean="0"/>
+          </a:p>
+          <a:p>
+            <a:r>
+              <a:rPr lang="ko-KR" altLang="en-US" sz="1600" dirty="0" err="1" smtClean="0"/>
+              <a:t>이미터의</a:t>
+            </a:r>
+            <a:r>
+              <a:rPr lang="ko-KR" altLang="en-US" sz="1600" dirty="0" smtClean="0"/>
+              <a:t> 콘덴서도 최저 주파수에 대하여 충분히 낮은 </a:t>
+            </a:r>
+            <a:r>
+              <a:rPr lang="ko-KR" altLang="en-US" sz="1600" dirty="0" err="1" smtClean="0"/>
+              <a:t>인피던스가</a:t>
+            </a:r>
+            <a:r>
+              <a:rPr lang="ko-KR" altLang="en-US" sz="1600" dirty="0" smtClean="0"/>
+              <a:t> 되도록 정해야 하며</a:t>
+            </a:r>
+          </a:p>
+          <a:p>
+            <a:r>
+              <a:rPr lang="en-US" altLang="ko-KR" sz="1600" dirty="0" err="1" smtClean="0"/>
+              <a:t>Ce</a:t>
+            </a:r>
+            <a:r>
+              <a:rPr lang="en-US" altLang="ko-KR" sz="1600" dirty="0" smtClean="0"/>
               <a:t> </a:t>
             </a:r>
             <a:r>
-              <a:rPr lang="ko-KR" altLang="en-US" dirty="0" smtClean="0"/>
-              <a:t>전압이 적절하지 않기 때문에</a:t>
-            </a:r>
-            <a:r>
-              <a:rPr lang="en-US" altLang="ko-KR" dirty="0" smtClean="0"/>
-              <a:t>, D-S </a:t>
-            </a:r>
-            <a:r>
-              <a:rPr lang="ko-KR" altLang="en-US" dirty="0" smtClean="0"/>
-              <a:t>간 전압</a:t>
-            </a:r>
-            <a:r>
-              <a:rPr lang="en-US" altLang="ko-KR" dirty="0" smtClean="0"/>
-              <a:t>, </a:t>
-            </a:r>
-            <a:r>
-              <a:rPr lang="ko-KR" altLang="en-US" dirty="0" smtClean="0"/>
-              <a:t>전류를 버티지 못하고 발열이 생기고 소실되는 것이죠</a:t>
-            </a:r>
-            <a:r>
-              <a:rPr lang="en-US" altLang="ko-KR" dirty="0" smtClean="0"/>
-              <a:t>. </a:t>
-            </a:r>
-            <a:r>
-              <a:rPr lang="ko-KR" altLang="en-US" dirty="0" smtClean="0"/>
-              <a:t>충분한 전압 </a:t>
-            </a:r>
-            <a:r>
-              <a:rPr lang="ko-KR" altLang="en-US" dirty="0" err="1" smtClean="0"/>
-              <a:t>으로</a:t>
-            </a:r>
-            <a:r>
-              <a:rPr lang="ko-KR" altLang="en-US" dirty="0" smtClean="0"/>
+              <a:rPr lang="ko-KR" altLang="en-US" sz="1600" dirty="0" smtClean="0"/>
+              <a:t>＞ １</a:t>
+            </a:r>
+            <a:r>
+              <a:rPr lang="en-US" altLang="ko-KR" sz="1600" dirty="0" smtClean="0"/>
+              <a:t>÷</a:t>
+            </a:r>
+            <a:r>
+              <a:rPr lang="ko-KR" altLang="en-US" sz="1600" dirty="0" smtClean="0"/>
+              <a:t>（２</a:t>
+            </a:r>
+            <a:r>
+              <a:rPr lang="en-US" altLang="ko-KR" sz="1600" dirty="0" smtClean="0"/>
+              <a:t>π × </a:t>
+            </a:r>
+            <a:r>
+              <a:rPr lang="ko-KR" altLang="en-US" sz="1600" dirty="0" smtClean="0"/>
+              <a:t>ｆｃ </a:t>
+            </a:r>
+            <a:r>
+              <a:rPr lang="en-US" altLang="ko-KR" sz="1600" dirty="0" smtClean="0"/>
+              <a:t>× Re</a:t>
+            </a:r>
+            <a:r>
+              <a:rPr lang="ko-KR" altLang="en-US" sz="1600" dirty="0" smtClean="0"/>
+              <a:t>）</a:t>
+            </a:r>
+            <a:r>
+              <a:rPr lang="ko-KR" altLang="en-US" sz="1600" dirty="0" err="1" smtClean="0"/>
+              <a:t>로</a:t>
+            </a:r>
+            <a:r>
+              <a:rPr lang="ko-KR" altLang="en-US" sz="1600" dirty="0" smtClean="0"/>
+              <a:t> 구합니다．</a:t>
+            </a:r>
+          </a:p>
+          <a:p>
+            <a:r>
+              <a:rPr lang="ko-KR" altLang="en-US" sz="1600" dirty="0" smtClean="0"/>
+              <a:t>예： </a:t>
+            </a:r>
+            <a:r>
+              <a:rPr lang="en-US" altLang="ko-KR" sz="1600" dirty="0" err="1" smtClean="0"/>
+              <a:t>Ce</a:t>
+            </a:r>
+            <a:r>
+              <a:rPr lang="ko-KR" altLang="en-US" sz="1600" dirty="0" smtClean="0"/>
+              <a:t>＞１／（</a:t>
+            </a:r>
+            <a:r>
+              <a:rPr lang="en-US" altLang="ko-KR" sz="1600" dirty="0" smtClean="0"/>
+              <a:t>6.3×20Hz×200</a:t>
+            </a:r>
+            <a:r>
+              <a:rPr lang="el-GR" altLang="ko-KR" sz="1600" dirty="0" smtClean="0"/>
+              <a:t>Ω</a:t>
+            </a:r>
+            <a:r>
+              <a:rPr lang="ko-KR" altLang="el-GR" sz="1600" dirty="0" smtClean="0"/>
+              <a:t>）</a:t>
+            </a:r>
+            <a:r>
+              <a:rPr lang="el-GR" altLang="ko-KR" sz="1600" dirty="0" smtClean="0"/>
+              <a:t>=40μ</a:t>
+            </a:r>
+            <a:r>
+              <a:rPr lang="en-US" altLang="ko-KR" sz="1600" dirty="0" smtClean="0"/>
+              <a:t>F → </a:t>
+            </a:r>
+            <a:r>
+              <a:rPr lang="en-US" altLang="ko-KR" sz="1600" dirty="0" err="1" smtClean="0"/>
+              <a:t>Ce</a:t>
+            </a:r>
+            <a:r>
+              <a:rPr lang="en-US" altLang="ko-KR" sz="1600" dirty="0" smtClean="0"/>
+              <a:t>=100</a:t>
+            </a:r>
+            <a:r>
+              <a:rPr lang="el-GR" altLang="ko-KR" sz="1600" dirty="0" smtClean="0"/>
+              <a:t>μ</a:t>
+            </a:r>
+            <a:r>
+              <a:rPr lang="en-US" altLang="ko-KR" sz="1600" dirty="0" smtClean="0"/>
+              <a:t>F</a:t>
+            </a:r>
+            <a:r>
+              <a:rPr lang="ko-KR" altLang="en-US" sz="1600" dirty="0" smtClean="0"/>
+              <a:t>）</a:t>
+            </a:r>
+          </a:p>
+          <a:p>
+            <a:r>
+              <a:rPr lang="en-US" altLang="ko-KR" sz="1600" dirty="0" smtClean="0"/>
+              <a:t>《</a:t>
+            </a:r>
+            <a:r>
+              <a:rPr lang="ko-KR" altLang="en-US" sz="1600" dirty="0" smtClean="0"/>
+              <a:t>참고</a:t>
+            </a:r>
+            <a:r>
+              <a:rPr lang="en-US" altLang="ko-KR" sz="1600" dirty="0" smtClean="0"/>
+              <a:t>》</a:t>
+            </a:r>
+            <a:r>
+              <a:rPr lang="ko-KR" altLang="en-US" sz="1600" dirty="0" err="1" smtClean="0"/>
+              <a:t>직류증폭시는</a:t>
+            </a:r>
+            <a:r>
+              <a:rPr lang="ko-KR" altLang="en-US" sz="1600" dirty="0" smtClean="0"/>
               <a:t> </a:t>
             </a:r>
             <a:r>
-              <a:rPr lang="en-US" altLang="ko-KR" dirty="0" smtClean="0"/>
-              <a:t>Gate </a:t>
-            </a:r>
-            <a:r>
-              <a:rPr lang="ko-KR" altLang="en-US" dirty="0" smtClean="0"/>
-              <a:t>를 컨트롤 할 때에는 이런 문제가 없습니다</a:t>
-            </a:r>
-            <a:r>
-              <a:rPr lang="en-US" altLang="ko-KR" dirty="0" smtClean="0"/>
+              <a:rPr lang="en-US" altLang="ko-KR" sz="1600" dirty="0" err="1" smtClean="0"/>
+              <a:t>Cin</a:t>
+            </a:r>
+            <a:r>
+              <a:rPr lang="ko-KR" altLang="en-US" sz="1600" dirty="0" smtClean="0"/>
+              <a:t>이나 </a:t>
+            </a:r>
+            <a:r>
+              <a:rPr lang="en-US" altLang="ko-KR" sz="1600" dirty="0" err="1" smtClean="0"/>
+              <a:t>Ce</a:t>
+            </a:r>
+            <a:r>
+              <a:rPr lang="ko-KR" altLang="en-US" sz="1600" dirty="0" smtClean="0"/>
+              <a:t>는 불필요 하기 때문에 사용하지 않아도 좋습니다</a:t>
+            </a:r>
+            <a:r>
+              <a:rPr lang="en-US" altLang="ko-KR" sz="1600" dirty="0" smtClean="0"/>
               <a:t>.</a:t>
             </a:r>
-          </a:p>
-          <a:p>
-            <a:r>
-              <a:rPr lang="ko-KR" altLang="en-US" dirty="0" smtClean="0"/>
-              <a:t>반대로 </a:t>
-            </a:r>
-            <a:r>
-              <a:rPr lang="en-US" altLang="ko-KR" dirty="0" smtClean="0"/>
-              <a:t>P-MOSFET </a:t>
-            </a:r>
-            <a:r>
-              <a:rPr lang="ko-KR" altLang="en-US" dirty="0" smtClean="0"/>
-              <a:t>을 사용할 경우에는 </a:t>
-            </a:r>
-            <a:r>
-              <a:rPr lang="en-US" altLang="ko-KR" dirty="0" smtClean="0"/>
-              <a:t>OFF </a:t>
-            </a:r>
-            <a:r>
-              <a:rPr lang="ko-KR" altLang="en-US" dirty="0" smtClean="0"/>
-              <a:t>가 제대로 안되는 경우가 허다합니다</a:t>
-            </a:r>
-            <a:r>
-              <a:rPr lang="en-US" altLang="ko-KR" dirty="0" smtClean="0"/>
-              <a:t>. </a:t>
-            </a:r>
-            <a:r>
-              <a:rPr lang="ko-KR" altLang="en-US" dirty="0" smtClean="0"/>
-              <a:t>역시나 </a:t>
-            </a:r>
-            <a:r>
-              <a:rPr lang="en-US" altLang="ko-KR" dirty="0" err="1" smtClean="0"/>
-              <a:t>Vgs</a:t>
-            </a:r>
-            <a:r>
-              <a:rPr lang="en-US" altLang="ko-KR" dirty="0" smtClean="0"/>
-              <a:t> </a:t>
-            </a:r>
-            <a:r>
-              <a:rPr lang="ko-KR" altLang="en-US" dirty="0" smtClean="0"/>
-              <a:t>전압이 적절치 않기 때문입니다</a:t>
-            </a:r>
-            <a:r>
-              <a:rPr lang="en-US" altLang="ko-KR" dirty="0" smtClean="0"/>
-              <a:t>. S-D </a:t>
-            </a:r>
-            <a:r>
-              <a:rPr lang="ko-KR" altLang="en-US" dirty="0" smtClean="0"/>
-              <a:t>간 흐르는 전류를 막을 만한 전압이 필요한 것인데</a:t>
-            </a:r>
-            <a:r>
-              <a:rPr lang="en-US" altLang="ko-KR" dirty="0" smtClean="0"/>
-              <a:t>, </a:t>
-            </a:r>
-            <a:r>
-              <a:rPr lang="ko-KR" altLang="en-US" dirty="0" smtClean="0"/>
-              <a:t>충분한 전압으로 </a:t>
-            </a:r>
-            <a:r>
-              <a:rPr lang="en-US" altLang="ko-KR" dirty="0" smtClean="0"/>
-              <a:t>Gate </a:t>
-            </a:r>
-            <a:r>
-              <a:rPr lang="ko-KR" altLang="en-US" dirty="0" smtClean="0"/>
-              <a:t>를 조절하지 못하니 전류가 흘러 </a:t>
-            </a:r>
-            <a:r>
-              <a:rPr lang="en-US" altLang="ko-KR" dirty="0" smtClean="0"/>
-              <a:t>OFF</a:t>
-            </a:r>
-            <a:r>
-              <a:rPr lang="ko-KR" altLang="en-US" dirty="0" smtClean="0"/>
-              <a:t>가 되질 않는 것입니다</a:t>
-            </a:r>
-            <a:r>
-              <a:rPr lang="en-US" altLang="ko-KR" dirty="0" smtClean="0"/>
-              <a:t>.</a:t>
-            </a:r>
-          </a:p>
-          <a:p>
-            <a:r>
-              <a:rPr lang="ko-KR" altLang="en-US" dirty="0" smtClean="0"/>
-              <a:t>사실 </a:t>
-            </a:r>
-            <a:r>
-              <a:rPr lang="ko-KR" altLang="en-US" dirty="0" err="1" smtClean="0"/>
-              <a:t>논리게이트용</a:t>
-            </a:r>
-            <a:r>
-              <a:rPr lang="ko-KR" altLang="en-US" dirty="0" smtClean="0"/>
-              <a:t> </a:t>
-            </a:r>
-            <a:r>
-              <a:rPr lang="en-US" altLang="ko-KR" dirty="0" smtClean="0"/>
-              <a:t>MOSFET, </a:t>
-            </a:r>
-            <a:r>
-              <a:rPr lang="en-US" altLang="ko-KR" dirty="0" err="1" smtClean="0"/>
-              <a:t>Vds</a:t>
-            </a:r>
-            <a:r>
-              <a:rPr lang="en-US" altLang="ko-KR" dirty="0" smtClean="0"/>
-              <a:t> = </a:t>
-            </a:r>
-            <a:r>
-              <a:rPr lang="en-US" altLang="ko-KR" dirty="0" err="1" smtClean="0"/>
-              <a:t>Vgs</a:t>
-            </a:r>
-            <a:r>
-              <a:rPr lang="en-US" altLang="ko-KR" dirty="0" smtClean="0"/>
-              <a:t> </a:t>
-            </a:r>
-            <a:r>
-              <a:rPr lang="ko-KR" altLang="en-US" dirty="0" smtClean="0"/>
-              <a:t>조건이 아니라면 </a:t>
-            </a:r>
-            <a:r>
-              <a:rPr lang="en-US" altLang="ko-KR" dirty="0" smtClean="0"/>
-              <a:t>MOSFET </a:t>
-            </a:r>
-            <a:r>
-              <a:rPr lang="ko-KR" altLang="en-US" dirty="0" smtClean="0"/>
-              <a:t>도 </a:t>
-            </a:r>
-            <a:r>
-              <a:rPr lang="en-US" altLang="ko-KR" dirty="0" smtClean="0"/>
-              <a:t>TR </a:t>
-            </a:r>
-            <a:r>
-              <a:rPr lang="ko-KR" altLang="en-US" dirty="0" smtClean="0"/>
-              <a:t>이나 포토커플러로 </a:t>
-            </a:r>
-            <a:r>
-              <a:rPr lang="en-US" altLang="ko-KR" dirty="0" smtClean="0"/>
-              <a:t>ON/OFF</a:t>
-            </a:r>
-            <a:r>
-              <a:rPr lang="ko-KR" altLang="en-US" dirty="0" smtClean="0"/>
-              <a:t>를 해주는 것이 확실합니다</a:t>
-            </a:r>
-            <a:endParaRPr lang="ko-KR" altLang="en-US" dirty="0"/>
-          </a:p>
-        </p:txBody>
-      </p:sp>
+            <a:endParaRPr lang="ko-KR" altLang="en-US" sz="1600" dirty="0"/>
+          </a:p>
+        </p:txBody>
+      </p:sp>
+      <p:pic>
+        <p:nvPicPr>
+          <p:cNvPr id="5122" name="Picture 2"/>
+          <p:cNvPicPr>
+            <a:picLocks noChangeAspect="1" noChangeArrowheads="1"/>
+          </p:cNvPicPr>
+          <p:nvPr/>
+        </p:nvPicPr>
+        <p:blipFill>
+          <a:blip r:embed="rId2" cstate="print"/>
+          <a:srcRect/>
+          <a:stretch>
+            <a:fillRect/>
+          </a:stretch>
+        </p:blipFill>
+        <p:spPr bwMode="auto">
+          <a:xfrm>
+            <a:off x="179512" y="2276872"/>
+            <a:ext cx="3927059" cy="2995414"/>
+          </a:xfrm>
+          <a:prstGeom prst="rect">
+            <a:avLst/>
+          </a:prstGeom>
+          <a:noFill/>
+          <a:ln w="9525">
+            <a:noFill/>
+            <a:miter lim="800000"/>
+            <a:headEnd/>
+            <a:tailEnd/>
+          </a:ln>
+        </p:spPr>
+      </p:pic>
     </p:spTree>
   </p:cSld>
   <p:clrMapOvr>
@@ -9981,7 +9966,7 @@
       </p:sp>
       <p:sp>
         <p:nvSpPr>
-          <p:cNvPr id="4" name="내용 개체 틀 3"/>
+          <p:cNvPr id="6" name="내용 개체 틀 5"/>
           <p:cNvSpPr>
             <a:spLocks noGrp="1"/>
           </p:cNvSpPr>
@@ -9989,126 +9974,169 @@
             <p:ph idx="1"/>
           </p:nvPr>
         </p:nvSpPr>
-        <p:spPr>
-          <a:xfrm>
-            <a:off x="4067944" y="1484784"/>
-            <a:ext cx="4618856" cy="4522507"/>
-          </a:xfrm>
-        </p:spPr>
+        <p:spPr/>
         <p:txBody>
           <a:bodyPr>
-            <a:normAutofit/>
+            <a:normAutofit fontScale="92500"/>
           </a:bodyPr>
           <a:lstStyle/>
           <a:p>
-            <a:pPr>
-              <a:buNone/>
-            </a:pPr>
-            <a:endParaRPr lang="en-US" altLang="ko-KR" sz="2000" dirty="0" smtClean="0"/>
-          </a:p>
-          <a:p>
-            <a:r>
-              <a:rPr lang="en-US" altLang="ko-KR" sz="2000" dirty="0" smtClean="0"/>
-              <a:t>P</a:t>
-            </a:r>
-            <a:r>
-              <a:rPr lang="ko-KR" altLang="en-US" sz="2000" dirty="0" smtClean="0"/>
-              <a:t>채널 </a:t>
-            </a:r>
-            <a:r>
-              <a:rPr lang="en-US" altLang="ko-KR" sz="2000" dirty="0" smtClean="0"/>
+            <a:r>
+              <a:rPr lang="ko-KR" altLang="en-US" dirty="0" smtClean="0"/>
+              <a:t>실 사용을 보면 </a:t>
+            </a:r>
+            <a:r>
+              <a:rPr lang="en-US" altLang="ko-KR" dirty="0" err="1" smtClean="0"/>
+              <a:t>Vgs</a:t>
+            </a:r>
+            <a:r>
+              <a:rPr lang="en-US" altLang="ko-KR" dirty="0" smtClean="0"/>
+              <a:t> </a:t>
+            </a:r>
+            <a:r>
+              <a:rPr lang="ko-KR" altLang="en-US" dirty="0" smtClean="0"/>
+              <a:t>의 전압이 결국 </a:t>
+            </a:r>
+            <a:r>
+              <a:rPr lang="en-US" altLang="ko-KR" dirty="0" smtClean="0"/>
+              <a:t>Drain </a:t>
+            </a:r>
+            <a:r>
+              <a:rPr lang="ko-KR" altLang="en-US" dirty="0" smtClean="0"/>
+              <a:t>과 </a:t>
+            </a:r>
+            <a:r>
+              <a:rPr lang="en-US" altLang="ko-KR" dirty="0" smtClean="0"/>
+              <a:t>Source </a:t>
+            </a:r>
+            <a:r>
+              <a:rPr lang="ko-KR" altLang="en-US" dirty="0" smtClean="0"/>
+              <a:t>간의 동작을 어떻게 하는가 결정하게 됩니다</a:t>
+            </a:r>
+            <a:r>
+              <a:rPr lang="en-US" altLang="ko-KR" dirty="0" smtClean="0"/>
+              <a:t>. </a:t>
+            </a:r>
+            <a:r>
+              <a:rPr lang="ko-KR" altLang="en-US" dirty="0" smtClean="0"/>
+              <a:t>제일 좋은 것은 </a:t>
+            </a:r>
+            <a:r>
+              <a:rPr lang="en-US" altLang="ko-KR" dirty="0" err="1" smtClean="0"/>
+              <a:t>Vgs</a:t>
+            </a:r>
+            <a:r>
+              <a:rPr lang="en-US" altLang="ko-KR" dirty="0" smtClean="0"/>
+              <a:t> </a:t>
+            </a:r>
+            <a:r>
+              <a:rPr lang="ko-KR" altLang="en-US" dirty="0" smtClean="0"/>
+              <a:t>를 </a:t>
+            </a:r>
+            <a:r>
+              <a:rPr lang="en-US" altLang="ko-KR" dirty="0" smtClean="0"/>
+              <a:t>D-S </a:t>
+            </a:r>
+            <a:r>
+              <a:rPr lang="ko-KR" altLang="en-US" dirty="0" smtClean="0"/>
+              <a:t>간의 전압 또는 </a:t>
+            </a:r>
+            <a:r>
+              <a:rPr lang="ko-KR" altLang="en-US" dirty="0" err="1" smtClean="0"/>
+              <a:t>스펙상</a:t>
+            </a:r>
+            <a:r>
+              <a:rPr lang="ko-KR" altLang="en-US" dirty="0" smtClean="0"/>
+              <a:t> 제시한 전압에 맞게 사용하는 것이 중요합니다</a:t>
+            </a:r>
+            <a:r>
+              <a:rPr lang="en-US" altLang="ko-KR" dirty="0" smtClean="0"/>
+              <a:t>. </a:t>
+            </a:r>
+          </a:p>
+          <a:p>
+            <a:r>
+              <a:rPr lang="ko-KR" altLang="en-US" dirty="0" smtClean="0"/>
+              <a:t>그런데</a:t>
+            </a:r>
+            <a:r>
+              <a:rPr lang="en-US" altLang="ko-KR" dirty="0" smtClean="0"/>
+              <a:t>, MOSFET </a:t>
+            </a:r>
+            <a:r>
+              <a:rPr lang="ko-KR" altLang="en-US" dirty="0" smtClean="0"/>
+              <a:t>을 간단히 사용하다 보면 </a:t>
+            </a:r>
+            <a:r>
+              <a:rPr lang="en-US" altLang="ko-KR" dirty="0" err="1" smtClean="0"/>
+              <a:t>Vgs</a:t>
+            </a:r>
+            <a:r>
+              <a:rPr lang="en-US" altLang="ko-KR" dirty="0" smtClean="0"/>
+              <a:t> </a:t>
+            </a:r>
+            <a:r>
+              <a:rPr lang="ko-KR" altLang="en-US" dirty="0" smtClean="0"/>
+              <a:t>를 무시하고 사용하는 경우가 허다하지요</a:t>
+            </a:r>
+            <a:r>
+              <a:rPr lang="en-US" altLang="ko-KR" dirty="0" smtClean="0"/>
+              <a:t>. </a:t>
+            </a:r>
+            <a:r>
+              <a:rPr lang="ko-KR" altLang="en-US" dirty="0" smtClean="0"/>
+              <a:t>그래서 시험적으로 사용할 때에는 아무런 문제가 없는데</a:t>
+            </a:r>
+            <a:r>
+              <a:rPr lang="en-US" altLang="ko-KR" dirty="0" smtClean="0"/>
+              <a:t>, </a:t>
+            </a:r>
+            <a:r>
+              <a:rPr lang="ko-KR" altLang="en-US" dirty="0" smtClean="0"/>
+              <a:t>회로 적용하여 사용하다 보면 이상 증상이 나타나기도 합니다</a:t>
+            </a:r>
+            <a:r>
+              <a:rPr lang="en-US" altLang="ko-KR" dirty="0" smtClean="0"/>
+              <a:t>. </a:t>
+            </a:r>
+          </a:p>
+          <a:p>
+            <a:r>
+              <a:rPr lang="ko-KR" altLang="en-US" dirty="0" smtClean="0"/>
+              <a:t>이를테면 </a:t>
+            </a:r>
+            <a:r>
+              <a:rPr lang="en-US" altLang="ko-KR" dirty="0" smtClean="0"/>
+              <a:t>OFF </a:t>
+            </a:r>
+            <a:r>
+              <a:rPr lang="ko-KR" altLang="en-US" dirty="0" smtClean="0"/>
+              <a:t>가 안된다든지</a:t>
+            </a:r>
+            <a:r>
+              <a:rPr lang="en-US" altLang="ko-KR" dirty="0" smtClean="0"/>
+              <a:t>, ON</a:t>
+            </a:r>
+            <a:r>
+              <a:rPr lang="ko-KR" altLang="en-US" dirty="0" smtClean="0"/>
+              <a:t>은 되는데 열이 많이 발생하고 </a:t>
+            </a:r>
+            <a:r>
+              <a:rPr lang="en-US" altLang="ko-KR" dirty="0" smtClean="0"/>
               <a:t>MOSFET </a:t>
             </a:r>
             <a:r>
-              <a:rPr lang="ko-KR" altLang="en-US" sz="2000" dirty="0" smtClean="0"/>
-              <a:t>을 컨트롤 할 때에는 </a:t>
-            </a:r>
-            <a:r>
-              <a:rPr lang="en-US" altLang="ko-KR" sz="2000" dirty="0" smtClean="0"/>
-              <a:t>NPN </a:t>
-            </a:r>
-            <a:r>
-              <a:rPr lang="ko-KR" altLang="en-US" sz="2000" dirty="0" smtClean="0"/>
-              <a:t>타입의 </a:t>
-            </a:r>
-            <a:r>
-              <a:rPr lang="en-US" altLang="ko-KR" sz="2000" dirty="0" smtClean="0"/>
-              <a:t>TR </a:t>
-            </a:r>
-            <a:r>
-              <a:rPr lang="ko-KR" altLang="en-US" sz="2000" dirty="0" smtClean="0"/>
-              <a:t>로 </a:t>
-            </a:r>
-            <a:r>
-              <a:rPr lang="en-US" altLang="ko-KR" sz="2000" dirty="0" smtClean="0"/>
-              <a:t>GATE </a:t>
-            </a:r>
-            <a:r>
-              <a:rPr lang="ko-KR" altLang="en-US" sz="2000" dirty="0" smtClean="0"/>
-              <a:t>를 컨트롤 합니다</a:t>
-            </a:r>
-            <a:r>
-              <a:rPr lang="en-US" altLang="ko-KR" sz="2000" dirty="0" smtClean="0"/>
-              <a:t>. </a:t>
-            </a:r>
-          </a:p>
-          <a:p>
-            <a:r>
-              <a:rPr lang="en-US" altLang="ko-KR" sz="2000" dirty="0" smtClean="0"/>
-              <a:t>DRIVE </a:t>
-            </a:r>
-            <a:r>
-              <a:rPr lang="ko-KR" altLang="en-US" sz="2000" dirty="0" smtClean="0"/>
-              <a:t>가 </a:t>
-            </a:r>
-            <a:r>
-              <a:rPr lang="en-US" altLang="ko-KR" sz="2000" dirty="0" smtClean="0"/>
-              <a:t>0=OFF, 1=ON </a:t>
-            </a:r>
-            <a:r>
-              <a:rPr lang="ko-KR" altLang="en-US" sz="2000" dirty="0" smtClean="0"/>
-              <a:t>이 됩니다</a:t>
-            </a:r>
-            <a:r>
-              <a:rPr lang="en-US" altLang="ko-KR" sz="2000" dirty="0" smtClean="0"/>
+              <a:rPr lang="ko-KR" altLang="en-US" dirty="0" smtClean="0"/>
+              <a:t>이 소실되어 버립니다</a:t>
+            </a:r>
+            <a:r>
+              <a:rPr lang="en-US" altLang="ko-KR" dirty="0" smtClean="0"/>
               <a:t>.</a:t>
             </a:r>
-            <a:endParaRPr lang="en-US" altLang="ko-KR" sz="1600" dirty="0" smtClean="0"/>
-          </a:p>
-        </p:txBody>
-      </p:sp>
-      <p:pic>
-        <p:nvPicPr>
-          <p:cNvPr id="6146" name="Picture 2"/>
-          <p:cNvPicPr>
-            <a:picLocks noChangeAspect="1" noChangeArrowheads="1"/>
-          </p:cNvPicPr>
-          <p:nvPr/>
-        </p:nvPicPr>
-        <p:blipFill>
-          <a:blip r:embed="rId2" cstate="print"/>
-          <a:srcRect/>
-          <a:stretch>
-            <a:fillRect/>
-          </a:stretch>
-        </p:blipFill>
-        <p:spPr bwMode="auto">
-          <a:xfrm>
-            <a:off x="180076" y="1511796"/>
-            <a:ext cx="3887868" cy="3861420"/>
-          </a:xfrm>
-          <a:prstGeom prst="rect">
-            <a:avLst/>
-          </a:prstGeom>
-          <a:noFill/>
-          <a:ln w="9525">
-            <a:noFill/>
-            <a:miter lim="800000"/>
-            <a:headEnd/>
-            <a:tailEnd/>
-          </a:ln>
-        </p:spPr>
-      </p:pic>
+            <a:endParaRPr lang="ko-KR" altLang="en-US" dirty="0"/>
+          </a:p>
+        </p:txBody>
+      </p:sp>
     </p:spTree>
   </p:cSld>
   <p:clrMapOvr>
@@ -10161,7 +10189,7 @@
       </p:sp>
       <p:sp>
         <p:nvSpPr>
-          <p:cNvPr id="4" name="내용 개체 틀 3"/>
+          <p:cNvPr id="6" name="내용 개체 틀 5"/>
           <p:cNvSpPr>
             <a:spLocks noGrp="1"/>
           </p:cNvSpPr>
@@ -10169,142 +10197,225 @@
             <p:ph idx="1"/>
           </p:nvPr>
         </p:nvSpPr>
-        <p:spPr>
-          <a:xfrm>
-            <a:off x="4067944" y="1484784"/>
-            <a:ext cx="4618856" cy="4522507"/>
-          </a:xfrm>
-        </p:spPr>
+        <p:spPr/>
         <p:txBody>
           <a:bodyPr>
-            <a:normAutofit/>
+            <a:normAutofit fontScale="92500" lnSpcReduction="20000"/>
           </a:bodyPr>
           <a:lstStyle/>
           <a:p>
-            <a:pPr>
-              <a:buNone/>
-            </a:pPr>
-            <a:endParaRPr lang="en-US" altLang="ko-KR" sz="2000" dirty="0" smtClean="0"/>
-          </a:p>
-          <a:p>
-            <a:r>
-              <a:rPr lang="en-US" altLang="ko-KR" sz="2000" dirty="0" smtClean="0"/>
-              <a:t>N</a:t>
-            </a:r>
-            <a:r>
-              <a:rPr lang="ko-KR" altLang="en-US" sz="2000" dirty="0" smtClean="0"/>
-              <a:t>채널 </a:t>
-            </a:r>
-            <a:r>
-              <a:rPr lang="en-US" altLang="ko-KR" sz="2000" dirty="0" smtClean="0"/>
+            <a:r>
+              <a:rPr lang="en-US" altLang="ko-KR" dirty="0" smtClean="0"/>
+              <a:t>N-MOSFET </a:t>
+            </a:r>
+            <a:r>
+              <a:rPr lang="ko-KR" altLang="en-US" dirty="0" smtClean="0"/>
+              <a:t>을 사용할 경우에는 후자의 경우가 대부분입니다</a:t>
+            </a:r>
+            <a:r>
+              <a:rPr lang="en-US" altLang="ko-KR" dirty="0" smtClean="0"/>
+              <a:t>. </a:t>
+            </a:r>
+            <a:r>
+              <a:rPr lang="en-US" altLang="ko-KR" dirty="0" err="1" smtClean="0"/>
+              <a:t>Vgs</a:t>
+            </a:r>
+            <a:r>
+              <a:rPr lang="en-US" altLang="ko-KR" dirty="0" smtClean="0"/>
+              <a:t> </a:t>
+            </a:r>
+            <a:r>
+              <a:rPr lang="ko-KR" altLang="en-US" dirty="0" smtClean="0"/>
+              <a:t>전압이 적절하지 않기 때문에</a:t>
+            </a:r>
+            <a:r>
+              <a:rPr lang="en-US" altLang="ko-KR" dirty="0" smtClean="0"/>
+              <a:t>, D-S </a:t>
+            </a:r>
+            <a:r>
+              <a:rPr lang="ko-KR" altLang="en-US" dirty="0" smtClean="0"/>
+              <a:t>간 전압</a:t>
+            </a:r>
+            <a:r>
+              <a:rPr lang="en-US" altLang="ko-KR" dirty="0" smtClean="0"/>
+              <a:t>, </a:t>
+            </a:r>
+            <a:r>
+              <a:rPr lang="ko-KR" altLang="en-US" dirty="0" smtClean="0"/>
+              <a:t>전류를 버티지 못하고 발열이 생기고 소실되는 것이죠</a:t>
+            </a:r>
+            <a:r>
+              <a:rPr lang="en-US" altLang="ko-KR" dirty="0" smtClean="0"/>
+              <a:t>. </a:t>
+            </a:r>
+            <a:r>
+              <a:rPr lang="ko-KR" altLang="en-US" dirty="0" smtClean="0"/>
+              <a:t>충분한 전압 </a:t>
+            </a:r>
+            <a:r>
+              <a:rPr lang="ko-KR" altLang="en-US" dirty="0" err="1" smtClean="0"/>
+              <a:t>으로</a:t>
+            </a:r>
+            <a:r>
+              <a:rPr lang="ko-KR" altLang="en-US" dirty="0" smtClean="0"/>
+              <a:t> </a:t>
+            </a:r>
+            <a:r>
+              <a:rPr lang="en-US" altLang="ko-KR" dirty="0" smtClean="0"/>
+              <a:t>Gate </a:t>
+            </a:r>
+            <a:r>
+              <a:rPr lang="ko-KR" altLang="en-US" dirty="0" smtClean="0"/>
+              <a:t>를 컨트롤 할 때에는 이런 문제가 없습니다</a:t>
+            </a:r>
+            <a:r>
+              <a:rPr lang="en-US" altLang="ko-KR" dirty="0" smtClean="0"/>
+              <a:t>.</a:t>
+            </a:r>
+          </a:p>
+          <a:p>
+            <a:r>
+              <a:rPr lang="ko-KR" altLang="en-US" dirty="0" smtClean="0"/>
+              <a:t>반대로 </a:t>
+            </a:r>
+            <a:r>
+              <a:rPr lang="en-US" altLang="ko-KR" dirty="0" smtClean="0"/>
+              <a:t>P-MOSFET </a:t>
+            </a:r>
+            <a:r>
+              <a:rPr lang="ko-KR" altLang="en-US" dirty="0" smtClean="0"/>
+              <a:t>을 사용할 경우에는 </a:t>
+            </a:r>
+            <a:r>
+              <a:rPr lang="en-US" altLang="ko-KR" dirty="0" smtClean="0"/>
+              <a:t>OFF </a:t>
+            </a:r>
+            <a:r>
+              <a:rPr lang="ko-KR" altLang="en-US" dirty="0" smtClean="0"/>
+              <a:t>가 제대로 안되는 경우가 허다합니다</a:t>
+            </a:r>
+            <a:r>
+              <a:rPr lang="en-US" altLang="ko-KR" dirty="0" smtClean="0"/>
+              <a:t>. </a:t>
+            </a:r>
+            <a:r>
+              <a:rPr lang="ko-KR" altLang="en-US" dirty="0" smtClean="0"/>
+              <a:t>역시나 </a:t>
+            </a:r>
+            <a:r>
+              <a:rPr lang="en-US" altLang="ko-KR" dirty="0" err="1" smtClean="0"/>
+              <a:t>Vgs</a:t>
+            </a:r>
+            <a:r>
+              <a:rPr lang="en-US" altLang="ko-KR" dirty="0" smtClean="0"/>
+              <a:t> </a:t>
+            </a:r>
+            <a:r>
+              <a:rPr lang="ko-KR" altLang="en-US" dirty="0" smtClean="0"/>
+              <a:t>전압이 적절치 않기 때문입니다</a:t>
+            </a:r>
+            <a:r>
+              <a:rPr lang="en-US" altLang="ko-KR" dirty="0" smtClean="0"/>
+              <a:t>. S-D </a:t>
+            </a:r>
+            <a:r>
+              <a:rPr lang="ko-KR" altLang="en-US" dirty="0" smtClean="0"/>
+              <a:t>간 흐르는 전류를 막을 만한 전압이 필요한 것인데</a:t>
+            </a:r>
+            <a:r>
+              <a:rPr lang="en-US" altLang="ko-KR" dirty="0" smtClean="0"/>
+              <a:t>, </a:t>
+            </a:r>
+            <a:r>
+              <a:rPr lang="ko-KR" altLang="en-US" dirty="0" smtClean="0"/>
+              <a:t>충분한 전압으로 </a:t>
+            </a:r>
+            <a:r>
+              <a:rPr lang="en-US" altLang="ko-KR" dirty="0" smtClean="0"/>
+              <a:t>Gate </a:t>
+            </a:r>
+            <a:r>
+              <a:rPr lang="ko-KR" altLang="en-US" dirty="0" smtClean="0"/>
+              <a:t>를 조절하지 못하니 전류가 흘러 </a:t>
+            </a:r>
+            <a:r>
+              <a:rPr lang="en-US" altLang="ko-KR" dirty="0" smtClean="0"/>
+              <a:t>OFF</a:t>
+            </a:r>
+            <a:r>
+              <a:rPr lang="ko-KR" altLang="en-US" dirty="0" smtClean="0"/>
+              <a:t>가 되질 않는 것입니다</a:t>
+            </a:r>
+            <a:r>
+              <a:rPr lang="en-US" altLang="ko-KR" dirty="0" smtClean="0"/>
+              <a:t>.</a:t>
+            </a:r>
+          </a:p>
+          <a:p>
+            <a:r>
+              <a:rPr lang="ko-KR" altLang="en-US" dirty="0" smtClean="0"/>
+              <a:t>사실 </a:t>
+            </a:r>
+            <a:r>
+              <a:rPr lang="ko-KR" altLang="en-US" dirty="0" err="1" smtClean="0"/>
+              <a:t>논리게이트용</a:t>
+            </a:r>
+            <a:r>
+              <a:rPr lang="ko-KR" altLang="en-US" dirty="0" smtClean="0"/>
+              <a:t> </a:t>
+            </a:r>
+            <a:r>
+              <a:rPr lang="en-US" altLang="ko-KR" dirty="0" smtClean="0"/>
+              <a:t>MOSFET, </a:t>
+            </a:r>
+            <a:r>
+              <a:rPr lang="en-US" altLang="ko-KR" dirty="0" err="1" smtClean="0"/>
+              <a:t>Vds</a:t>
+            </a:r>
+            <a:r>
+              <a:rPr lang="en-US" altLang="ko-KR" dirty="0" smtClean="0"/>
+              <a:t> = </a:t>
+            </a:r>
+            <a:r>
+              <a:rPr lang="en-US" altLang="ko-KR" dirty="0" err="1" smtClean="0"/>
+              <a:t>Vgs</a:t>
+            </a:r>
+            <a:r>
+              <a:rPr lang="en-US" altLang="ko-KR" dirty="0" smtClean="0"/>
+              <a:t> </a:t>
+            </a:r>
+            <a:r>
+              <a:rPr lang="ko-KR" altLang="en-US" dirty="0" smtClean="0"/>
+              <a:t>조건이 아니라면 </a:t>
+            </a:r>
+            <a:r>
+              <a:rPr lang="en-US" altLang="ko-KR" dirty="0" smtClean="0"/>
               <a:t>MOSFET </a:t>
             </a:r>
             <a:r>
-              <a:rPr lang="ko-KR" altLang="en-US" sz="2000" dirty="0" smtClean="0"/>
-              <a:t>을 컨트롤 할 때에는 </a:t>
-            </a:r>
-            <a:r>
-              <a:rPr lang="en-US" altLang="ko-KR" sz="2000" dirty="0" smtClean="0"/>
-              <a:t>PNP </a:t>
-            </a:r>
-            <a:r>
-              <a:rPr lang="ko-KR" altLang="en-US" sz="2000" dirty="0" smtClean="0"/>
-              <a:t>타입의 </a:t>
-            </a:r>
-            <a:r>
-              <a:rPr lang="en-US" altLang="ko-KR" sz="2000" dirty="0" smtClean="0"/>
-              <a:t>TR</a:t>
-            </a:r>
-            <a:r>
-              <a:rPr lang="ko-KR" altLang="en-US" sz="2000" dirty="0" smtClean="0"/>
-              <a:t>로 </a:t>
-            </a:r>
-            <a:r>
-              <a:rPr lang="en-US" altLang="ko-KR" sz="2000" dirty="0" smtClean="0"/>
-              <a:t>GATE </a:t>
-            </a:r>
-            <a:r>
-              <a:rPr lang="ko-KR" altLang="en-US" sz="2000" dirty="0" smtClean="0"/>
-              <a:t>를 컨트롤 합니다</a:t>
-            </a:r>
-            <a:r>
-              <a:rPr lang="en-US" altLang="ko-KR" sz="2000" dirty="0" smtClean="0"/>
-              <a:t>. </a:t>
-            </a:r>
-          </a:p>
-          <a:p>
-            <a:r>
-              <a:rPr lang="en-US" altLang="ko-KR" sz="2000" dirty="0" smtClean="0"/>
-              <a:t>DRIVE</a:t>
-            </a:r>
-            <a:r>
-              <a:rPr lang="ko-KR" altLang="en-US" sz="2000" dirty="0" smtClean="0"/>
-              <a:t>가 </a:t>
-            </a:r>
-            <a:r>
-              <a:rPr lang="en-US" altLang="ko-KR" sz="2000" dirty="0" smtClean="0"/>
-              <a:t>0=ON, 1=OFF </a:t>
-            </a:r>
-            <a:r>
-              <a:rPr lang="ko-KR" altLang="en-US" sz="2000" dirty="0" smtClean="0"/>
-              <a:t>가 됩니다</a:t>
-            </a:r>
-            <a:r>
-              <a:rPr lang="en-US" altLang="ko-KR" sz="2000" dirty="0" smtClean="0"/>
-              <a:t>. </a:t>
-            </a:r>
-            <a:r>
-              <a:rPr lang="ko-KR" altLang="en-US" sz="2000" dirty="0" smtClean="0"/>
-              <a:t>즉</a:t>
-            </a:r>
-            <a:r>
-              <a:rPr lang="en-US" altLang="ko-KR" sz="2000" dirty="0" smtClean="0"/>
-              <a:t>, TR </a:t>
-            </a:r>
-            <a:r>
-              <a:rPr lang="ko-KR" altLang="en-US" sz="2000" dirty="0" smtClean="0"/>
-              <a:t>에 따라 동작을 합니다</a:t>
-            </a:r>
-            <a:r>
-              <a:rPr lang="en-US" altLang="ko-KR" sz="2000" dirty="0" smtClean="0"/>
-              <a:t>.</a:t>
-            </a:r>
-            <a:endParaRPr lang="en-US" altLang="ko-KR" sz="1600" dirty="0" smtClean="0"/>
-          </a:p>
-        </p:txBody>
-      </p:sp>
-      <p:pic>
-        <p:nvPicPr>
-          <p:cNvPr id="7170" name="Picture 2"/>
-          <p:cNvPicPr>
-            <a:picLocks noChangeAspect="1" noChangeArrowheads="1"/>
-          </p:cNvPicPr>
-          <p:nvPr/>
-        </p:nvPicPr>
-        <p:blipFill>
-          <a:blip r:embed="rId2" cstate="print"/>
-          <a:srcRect/>
-          <a:stretch>
-            <a:fillRect/>
-          </a:stretch>
-        </p:blipFill>
-        <p:spPr bwMode="auto">
-          <a:xfrm>
-            <a:off x="251520" y="1594749"/>
-            <a:ext cx="3816424" cy="3706459"/>
-          </a:xfrm>
-          <a:prstGeom prst="rect">
-            <a:avLst/>
-          </a:prstGeom>
-          <a:noFill/>
-          <a:ln w="9525">
-            <a:noFill/>
-            <a:miter lim="800000"/>
-            <a:headEnd/>
-            <a:tailEnd/>
-          </a:ln>
-        </p:spPr>
-      </p:pic>
+              <a:rPr lang="ko-KR" altLang="en-US" dirty="0" smtClean="0"/>
+              <a:t>도 </a:t>
+            </a:r>
+            <a:r>
+              <a:rPr lang="en-US" altLang="ko-KR" dirty="0" smtClean="0"/>
+              <a:t>TR </a:t>
+            </a:r>
+            <a:r>
+              <a:rPr lang="ko-KR" altLang="en-US" dirty="0" smtClean="0"/>
+              <a:t>이나 포토커플러로 </a:t>
+            </a:r>
+            <a:r>
+              <a:rPr lang="en-US" altLang="ko-KR" dirty="0" smtClean="0"/>
+              <a:t>ON/OFF</a:t>
+            </a:r>
+            <a:r>
+              <a:rPr lang="ko-KR" altLang="en-US" dirty="0" smtClean="0"/>
+              <a:t>를 해주는 것이 확실합니다</a:t>
+            </a:r>
+            <a:endParaRPr lang="ko-KR" altLang="en-US" dirty="0"/>
+          </a:p>
+        </p:txBody>
+      </p:sp>
     </p:spTree>
   </p:cSld>
   <p:clrMapOvr>
@@ -10377,145 +10488,73 @@
           </a:bodyPr>
           <a:lstStyle/>
           <a:p>
+            <a:pPr>
+              <a:buNone/>
+            </a:pPr>
+            <a:endParaRPr lang="en-US" altLang="ko-KR" sz="2000" dirty="0" smtClean="0"/>
+          </a:p>
+          <a:p>
+            <a:r>
+              <a:rPr lang="en-US" altLang="ko-KR" sz="2000" dirty="0" smtClean="0"/>
+              <a:t>P</a:t>
+            </a:r>
+            <a:r>
+              <a:rPr lang="ko-KR" altLang="en-US" sz="2000" dirty="0" smtClean="0"/>
+              <a:t>채널 </a:t>
+            </a:r>
             <a:r>
               <a:rPr lang="en-US" altLang="ko-KR" sz="2000" dirty="0" smtClean="0"/>
               <a:t>MOSFET </a:t>
             </a:r>
             <a:r>
               <a:rPr lang="ko-KR" altLang="en-US" sz="2000" dirty="0" smtClean="0"/>
-              <a:t>으로 스위치 </a:t>
-            </a:r>
-            <a:r>
-              <a:rPr lang="en-US" altLang="ko-KR" sz="2000" dirty="0" smtClean="0"/>
-              <a:t>ON/OFF </a:t>
-            </a:r>
-            <a:r>
-              <a:rPr lang="ko-KR" altLang="en-US" sz="2000" dirty="0" smtClean="0"/>
-              <a:t>를 하는 회로입니다</a:t>
+              <a:t>을 컨트롤 할 때에는 </a:t>
+            </a:r>
+            <a:r>
+              <a:rPr lang="en-US" altLang="ko-KR" sz="2000" dirty="0" smtClean="0"/>
+              <a:t>NPN </a:t>
+            </a:r>
+            <a:r>
+              <a:rPr lang="ko-KR" altLang="en-US" sz="2000" dirty="0" smtClean="0"/>
+              <a:t>타입의 </a:t>
+            </a:r>
+            <a:r>
+              <a:rPr lang="en-US" altLang="ko-KR" sz="2000" dirty="0" smtClean="0"/>
+              <a:t>TR </a:t>
+            </a:r>
+            <a:r>
+              <a:rPr lang="ko-KR" altLang="en-US" sz="2000" dirty="0" smtClean="0"/>
+              <a:t>로 </a:t>
+            </a:r>
+            <a:r>
+              <a:rPr lang="en-US" altLang="ko-KR" sz="2000" dirty="0" smtClean="0"/>
+              <a:t>GATE </a:t>
+            </a:r>
+            <a:r>
+              <a:rPr lang="ko-KR" altLang="en-US" sz="2000" dirty="0" smtClean="0"/>
+              <a:t>를 컨트롤 합니다</a:t>
             </a:r>
             <a:r>
               <a:rPr lang="en-US" altLang="ko-KR" sz="2000" dirty="0" smtClean="0"/>
               <a:t>. </a:t>
             </a:r>
-            <a:r>
-              <a:rPr lang="ko-KR" altLang="en-US" sz="2000" dirty="0" smtClean="0"/>
-              <a:t>소형 스위치의 경우에는 허용 전류가 크지 않아 부피가 큰 스위치를 쓰기도 하는데</a:t>
-            </a:r>
-            <a:r>
-              <a:rPr lang="en-US" altLang="ko-KR" sz="2000" dirty="0" smtClean="0"/>
-              <a:t>, MOSFET </a:t>
-            </a:r>
-            <a:r>
-              <a:rPr lang="ko-KR" altLang="en-US" sz="2000" dirty="0" smtClean="0"/>
-              <a:t>을 이용해서 스위치 </a:t>
-            </a:r>
-            <a:r>
-              <a:rPr lang="en-US" altLang="ko-KR" sz="2000" dirty="0" smtClean="0"/>
-              <a:t>ON/OFF </a:t>
-            </a:r>
-            <a:r>
-              <a:rPr lang="ko-KR" altLang="en-US" sz="2000" dirty="0" smtClean="0"/>
-              <a:t>처리를 할 수 있습니다</a:t>
-            </a:r>
-            <a:r>
-              <a:rPr lang="en-US" altLang="ko-KR" sz="2000" dirty="0" smtClean="0"/>
-              <a:t>.</a:t>
-            </a:r>
-          </a:p>
-          <a:p>
-            <a:r>
-              <a:rPr lang="en-US" altLang="ko-KR" sz="2000" dirty="0" smtClean="0"/>
-              <a:t>P</a:t>
-            </a:r>
-            <a:r>
-              <a:rPr lang="ko-KR" altLang="en-US" sz="2000" dirty="0" smtClean="0"/>
-              <a:t>채널 </a:t>
-            </a:r>
-            <a:r>
-              <a:rPr lang="en-US" altLang="ko-KR" sz="2000" dirty="0" smtClean="0"/>
-              <a:t>MOSFET </a:t>
-            </a:r>
-            <a:r>
-              <a:rPr lang="ko-KR" altLang="en-US" sz="2000" dirty="0" smtClean="0"/>
-              <a:t>을 사용해서 스위치가 </a:t>
-            </a:r>
-            <a:r>
-              <a:rPr lang="en-US" altLang="ko-KR" sz="2000" dirty="0" smtClean="0"/>
-              <a:t>OFF </a:t>
-            </a:r>
-            <a:r>
-              <a:rPr lang="ko-KR" altLang="en-US" sz="2000" dirty="0" smtClean="0"/>
-              <a:t>되면</a:t>
-            </a:r>
-            <a:r>
-              <a:rPr lang="en-US" altLang="ko-KR" sz="2000" dirty="0" smtClean="0"/>
-              <a:t>(3-2) </a:t>
-            </a:r>
-            <a:r>
-              <a:rPr lang="ko-KR" altLang="en-US" sz="2000" dirty="0" smtClean="0"/>
-              <a:t>입력전원이 저항을 통해 </a:t>
-            </a:r>
-            <a:r>
-              <a:rPr lang="en-US" altLang="ko-KR" sz="2000" dirty="0" smtClean="0"/>
-              <a:t>GATE </a:t>
-            </a:r>
-            <a:r>
-              <a:rPr lang="ko-KR" altLang="en-US" sz="2000" dirty="0" smtClean="0"/>
-              <a:t>와 연결이 되므로 </a:t>
-            </a:r>
-            <a:r>
-              <a:rPr lang="en-US" altLang="ko-KR" sz="2000" dirty="0" smtClean="0"/>
-              <a:t>S-D </a:t>
-            </a:r>
-            <a:r>
-              <a:rPr lang="ko-KR" altLang="en-US" sz="2000" dirty="0" smtClean="0"/>
-              <a:t>간 전류가 흐르지 않게 됩니다</a:t>
-            </a:r>
-            <a:r>
-              <a:rPr lang="en-US" altLang="ko-KR" sz="2000" dirty="0" smtClean="0"/>
-              <a:t>. </a:t>
-            </a:r>
-            <a:r>
-              <a:rPr lang="ko-KR" altLang="en-US" sz="2000" dirty="0" smtClean="0"/>
-              <a:t>반대로 스위치가 </a:t>
-            </a:r>
-            <a:r>
-              <a:rPr lang="en-US" altLang="ko-KR" sz="2000" dirty="0" smtClean="0"/>
-              <a:t>ON </a:t>
-            </a:r>
-            <a:r>
-              <a:rPr lang="ko-KR" altLang="en-US" sz="2000" dirty="0" smtClean="0"/>
-              <a:t>되면</a:t>
-            </a:r>
-            <a:r>
-              <a:rPr lang="en-US" altLang="ko-KR" sz="2000" dirty="0" smtClean="0"/>
-              <a:t>(2-1) </a:t>
-            </a:r>
-          </a:p>
-          <a:p>
-            <a:r>
-              <a:rPr lang="en-US" altLang="ko-KR" sz="2000" dirty="0" smtClean="0"/>
-              <a:t>GATE</a:t>
-            </a:r>
-            <a:r>
-              <a:rPr lang="ko-KR" altLang="en-US" sz="2000" dirty="0" smtClean="0"/>
-              <a:t>는 </a:t>
-            </a:r>
-            <a:r>
-              <a:rPr lang="en-US" altLang="ko-KR" sz="2000" dirty="0" smtClean="0"/>
-              <a:t>GND </a:t>
-            </a:r>
-            <a:r>
-              <a:rPr lang="ko-KR" altLang="en-US" sz="2000" dirty="0" smtClean="0"/>
-              <a:t>로 연결되어 </a:t>
-            </a:r>
-            <a:r>
-              <a:rPr lang="en-US" altLang="ko-KR" sz="2000" dirty="0" smtClean="0"/>
-              <a:t>S-D </a:t>
-            </a:r>
-            <a:r>
-              <a:rPr lang="ko-KR" altLang="en-US" sz="2000" dirty="0" smtClean="0"/>
-              <a:t>간 전류가 흐르게 됩니다</a:t>
+          </a:p>
+          <a:p>
+            <a:r>
+              <a:rPr lang="en-US" altLang="ko-KR" sz="2000" dirty="0" smtClean="0"/>
+              <a:t>DRIVE </a:t>
+            </a:r>
+            <a:r>
+              <a:rPr lang="ko-KR" altLang="en-US" sz="2000" dirty="0" smtClean="0"/>
+              <a:t>가 </a:t>
+            </a:r>
+            <a:r>
+              <a:rPr lang="en-US" altLang="ko-KR" sz="2000" dirty="0" smtClean="0"/>
+              <a:t>0=OFF, 1=ON </a:t>
+            </a:r>
+            <a:r>
+              <a:rPr lang="ko-KR" altLang="en-US" sz="2000" dirty="0" smtClean="0"/>
+              <a:t>이 됩니다</a:t>
             </a:r>
             <a:r>
               <a:rPr lang="en-US" altLang="ko-KR" sz="2000" dirty="0" smtClean="0"/>
@@ -10527,7 +10566,7 @@
       </p:sp>
       <p:pic>
         <p:nvPicPr>
-          <p:cNvPr id="8194" name="Picture 2"/>
+          <p:cNvPr id="6146" name="Picture 2"/>
           <p:cNvPicPr>
             <a:picLocks noChangeAspect="1" noChangeArrowheads="1"/>
           </p:cNvPicPr>
@@ -10542,8 +10581,8 @@
         </p:blipFill>
         <p:spPr bwMode="auto">
           <a:xfrm>
-            <a:off x="755576" y="1628800"/>
-            <a:ext cx="2989240" cy="3535660"/>
+            <a:off x="180076" y="1511796"/>
+            <a:ext cx="3887868" cy="3861420"/>
           </a:xfrm>
           <a:prstGeom prst="rect">
             <a:avLst/>
@@ -10811,6 +10850,454 @@
         </p:spPr>
         <p:txBody>
           <a:bodyPr>
+            <a:normAutofit/>
+          </a:bodyPr>
+          <a:lstStyle/>
+          <a:p>
+            <a:pPr>
+              <a:buNone/>
+            </a:pPr>
+            <a:endParaRPr lang="en-US" altLang="ko-KR" sz="2000" dirty="0" smtClean="0"/>
+          </a:p>
+          <a:p>
+            <a:r>
+              <a:rPr lang="en-US" altLang="ko-KR" sz="2000" dirty="0" smtClean="0"/>
+              <a:t>N</a:t>
+            </a:r>
+            <a:r>
+              <a:rPr lang="ko-KR" altLang="en-US" sz="2000" dirty="0" smtClean="0"/>
+              <a:t>채널 </a:t>
+            </a:r>
+            <a:r>
+              <a:rPr lang="en-US" altLang="ko-KR" sz="2000" dirty="0" smtClean="0"/>
+              <a:t>MOSFET </a:t>
+            </a:r>
+            <a:r>
+              <a:rPr lang="ko-KR" altLang="en-US" sz="2000" dirty="0" smtClean="0"/>
+              <a:t>을 컨트롤 할 때에는 </a:t>
+            </a:r>
+            <a:r>
+              <a:rPr lang="en-US" altLang="ko-KR" sz="2000" dirty="0" smtClean="0"/>
+              <a:t>PNP </a:t>
+            </a:r>
+            <a:r>
+              <a:rPr lang="ko-KR" altLang="en-US" sz="2000" dirty="0" smtClean="0"/>
+              <a:t>타입의 </a:t>
+            </a:r>
+            <a:r>
+              <a:rPr lang="en-US" altLang="ko-KR" sz="2000" dirty="0" smtClean="0"/>
+              <a:t>TR</a:t>
+            </a:r>
+            <a:r>
+              <a:rPr lang="ko-KR" altLang="en-US" sz="2000" dirty="0" smtClean="0"/>
+              <a:t>로 </a:t>
+            </a:r>
+            <a:r>
+              <a:rPr lang="en-US" altLang="ko-KR" sz="2000" dirty="0" smtClean="0"/>
+              <a:t>GATE </a:t>
+            </a:r>
+            <a:r>
+              <a:rPr lang="ko-KR" altLang="en-US" sz="2000" dirty="0" smtClean="0"/>
+              <a:t>를 컨트롤 합니다</a:t>
+            </a:r>
+            <a:r>
+              <a:rPr lang="en-US" altLang="ko-KR" sz="2000" dirty="0" smtClean="0"/>
+              <a:t>. </a:t>
+            </a:r>
+          </a:p>
+          <a:p>
+            <a:r>
+              <a:rPr lang="en-US" altLang="ko-KR" sz="2000" dirty="0" smtClean="0"/>
+              <a:t>DRIVE</a:t>
+            </a:r>
+            <a:r>
+              <a:rPr lang="ko-KR" altLang="en-US" sz="2000" dirty="0" smtClean="0"/>
+              <a:t>가 </a:t>
+            </a:r>
+            <a:r>
+              <a:rPr lang="en-US" altLang="ko-KR" sz="2000" dirty="0" smtClean="0"/>
+              <a:t>0=ON, 1=OFF </a:t>
+            </a:r>
+            <a:r>
+              <a:rPr lang="ko-KR" altLang="en-US" sz="2000" dirty="0" smtClean="0"/>
+              <a:t>가 됩니다</a:t>
+            </a:r>
+            <a:r>
+              <a:rPr lang="en-US" altLang="ko-KR" sz="2000" dirty="0" smtClean="0"/>
+              <a:t>. </a:t>
+            </a:r>
+            <a:r>
+              <a:rPr lang="ko-KR" altLang="en-US" sz="2000" dirty="0" smtClean="0"/>
+              <a:t>즉</a:t>
+            </a:r>
+            <a:r>
+              <a:rPr lang="en-US" altLang="ko-KR" sz="2000" dirty="0" smtClean="0"/>
+              <a:t>, TR </a:t>
+            </a:r>
+            <a:r>
+              <a:rPr lang="ko-KR" altLang="en-US" sz="2000" dirty="0" smtClean="0"/>
+              <a:t>에 따라 동작을 합니다</a:t>
+            </a:r>
+            <a:r>
+              <a:rPr lang="en-US" altLang="ko-KR" sz="2000" dirty="0" smtClean="0"/>
+              <a:t>.</a:t>
+            </a:r>
+            <a:endParaRPr lang="en-US" altLang="ko-KR" sz="1600" dirty="0" smtClean="0"/>
+          </a:p>
+        </p:txBody>
+      </p:sp>
+      <p:pic>
+        <p:nvPicPr>
+          <p:cNvPr id="7170" name="Picture 2"/>
+          <p:cNvPicPr>
+            <a:picLocks noChangeAspect="1" noChangeArrowheads="1"/>
+          </p:cNvPicPr>
+          <p:nvPr/>
+        </p:nvPicPr>
+        <p:blipFill>
+          <a:blip r:embed="rId2" cstate="print"/>
+          <a:srcRect/>
+          <a:stretch>
+            <a:fillRect/>
+          </a:stretch>
+        </p:blipFill>
+        <p:spPr bwMode="auto">
+          <a:xfrm>
+            <a:off x="251520" y="1594749"/>
+            <a:ext cx="3816424" cy="3706459"/>
+          </a:xfrm>
+          <a:prstGeom prst="rect">
+            <a:avLst/>
+          </a:prstGeom>
+          <a:noFill/>
+          <a:ln w="9525">
+            <a:noFill/>
+            <a:miter lim="800000"/>
+            <a:headEnd/>
+            <a:tailEnd/>
+          </a:ln>
+        </p:spPr>
+      </p:pic>
+    </p:spTree>
+  </p:cSld>
+  <p:clrMapOvr>
+    <a:masterClrMapping/>
+  </p:clrMapOvr>
+</p:sld>
+</file>
+
+<file path=ppt/slides/slide31.xml><?xml version="1.0" encoding="utf-8"?>
+<p:sld xmlns:a="http://schemas.openxmlformats.org/drawingml/2006/main" xmlns:r="http://schemas.openxmlformats.org/officeDocument/2006/relationships" xmlns:p="http://schemas.openxmlformats.org/presentationml/2006/main">
+  <p:cSld>
+    <p:spTree>
+      <p:nvGrpSpPr>
+        <p:cNvPr id="1" name=""/>
+        <p:cNvGrpSpPr/>
+        <p:nvPr/>
+      </p:nvGrpSpPr>
+      <p:grpSpPr>
+        <a:xfrm>
+          <a:off x="0" y="0"/>
+          <a:ext cx="0" cy="0"/>
+          <a:chOff x="0" y="0"/>
+          <a:chExt cx="0" cy="0"/>
+        </a:xfrm>
+      </p:grpSpPr>
+      <p:sp>
+        <p:nvSpPr>
+          <p:cNvPr id="3" name="제목 2"/>
+          <p:cNvSpPr>
+            <a:spLocks noGrp="1"/>
+          </p:cNvSpPr>
+          <p:nvPr>
+            <p:ph type="title"/>
+          </p:nvPr>
+        </p:nvSpPr>
+        <p:spPr/>
+        <p:txBody>
+          <a:bodyPr>
+            <a:normAutofit/>
+          </a:bodyPr>
+          <a:lstStyle/>
+          <a:p>
+            <a:r>
+              <a:rPr lang="en-US" altLang="ko-KR" dirty="0" smtClean="0"/>
+              <a:t>MOSFET</a:t>
+            </a:r>
+            <a:endParaRPr lang="ko-KR" altLang="en-US" dirty="0"/>
+          </a:p>
+        </p:txBody>
+      </p:sp>
+      <p:sp>
+        <p:nvSpPr>
+          <p:cNvPr id="4" name="내용 개체 틀 3"/>
+          <p:cNvSpPr>
+            <a:spLocks noGrp="1"/>
+          </p:cNvSpPr>
+          <p:nvPr>
+            <p:ph idx="1"/>
+          </p:nvPr>
+        </p:nvSpPr>
+        <p:spPr>
+          <a:xfrm>
+            <a:off x="4067944" y="1484784"/>
+            <a:ext cx="4618856" cy="4522507"/>
+          </a:xfrm>
+        </p:spPr>
+        <p:txBody>
+          <a:bodyPr>
+            <a:normAutofit/>
+          </a:bodyPr>
+          <a:lstStyle/>
+          <a:p>
+            <a:r>
+              <a:rPr lang="en-US" altLang="ko-KR" sz="2000" dirty="0" smtClean="0"/>
+              <a:t>MOSFET </a:t>
+            </a:r>
+            <a:r>
+              <a:rPr lang="ko-KR" altLang="en-US" sz="2000" dirty="0" smtClean="0"/>
+              <a:t>으로 스위치 </a:t>
+            </a:r>
+            <a:r>
+              <a:rPr lang="en-US" altLang="ko-KR" sz="2000" dirty="0" smtClean="0"/>
+              <a:t>ON/OFF </a:t>
+            </a:r>
+            <a:r>
+              <a:rPr lang="ko-KR" altLang="en-US" sz="2000" dirty="0" smtClean="0"/>
+              <a:t>를 하는 회로입니다</a:t>
+            </a:r>
+            <a:r>
+              <a:rPr lang="en-US" altLang="ko-KR" sz="2000" dirty="0" smtClean="0"/>
+              <a:t>. </a:t>
+            </a:r>
+            <a:r>
+              <a:rPr lang="ko-KR" altLang="en-US" sz="2000" dirty="0" smtClean="0"/>
+              <a:t>소형 스위치의 경우에는 허용 전류가 크지 않아 부피가 큰 스위치를 쓰기도 하는데</a:t>
+            </a:r>
+            <a:r>
+              <a:rPr lang="en-US" altLang="ko-KR" sz="2000" dirty="0" smtClean="0"/>
+              <a:t>, MOSFET </a:t>
+            </a:r>
+            <a:r>
+              <a:rPr lang="ko-KR" altLang="en-US" sz="2000" dirty="0" smtClean="0"/>
+              <a:t>을 이용해서 스위치 </a:t>
+            </a:r>
+            <a:r>
+              <a:rPr lang="en-US" altLang="ko-KR" sz="2000" dirty="0" smtClean="0"/>
+              <a:t>ON/OFF </a:t>
+            </a:r>
+            <a:r>
+              <a:rPr lang="ko-KR" altLang="en-US" sz="2000" dirty="0" smtClean="0"/>
+              <a:t>처리를 할 수 있습니다</a:t>
+            </a:r>
+            <a:r>
+              <a:rPr lang="en-US" altLang="ko-KR" sz="2000" dirty="0" smtClean="0"/>
+              <a:t>.</a:t>
+            </a:r>
+          </a:p>
+          <a:p>
+            <a:r>
+              <a:rPr lang="en-US" altLang="ko-KR" sz="2000" dirty="0" smtClean="0"/>
+              <a:t>P</a:t>
+            </a:r>
+            <a:r>
+              <a:rPr lang="ko-KR" altLang="en-US" sz="2000" dirty="0" smtClean="0"/>
+              <a:t>채널 </a:t>
+            </a:r>
+            <a:r>
+              <a:rPr lang="en-US" altLang="ko-KR" sz="2000" dirty="0" smtClean="0"/>
+              <a:t>MOSFET </a:t>
+            </a:r>
+            <a:r>
+              <a:rPr lang="ko-KR" altLang="en-US" sz="2000" dirty="0" smtClean="0"/>
+              <a:t>을 사용해서 스위치가 </a:t>
+            </a:r>
+            <a:r>
+              <a:rPr lang="en-US" altLang="ko-KR" sz="2000" dirty="0" smtClean="0"/>
+              <a:t>OFF </a:t>
+            </a:r>
+            <a:r>
+              <a:rPr lang="ko-KR" altLang="en-US" sz="2000" dirty="0" smtClean="0"/>
+              <a:t>되면</a:t>
+            </a:r>
+            <a:r>
+              <a:rPr lang="en-US" altLang="ko-KR" sz="2000" dirty="0" smtClean="0"/>
+              <a:t>(3-2) </a:t>
+            </a:r>
+            <a:r>
+              <a:rPr lang="ko-KR" altLang="en-US" sz="2000" dirty="0" smtClean="0"/>
+              <a:t>입력전원이 저항을 통해 </a:t>
+            </a:r>
+            <a:r>
+              <a:rPr lang="en-US" altLang="ko-KR" sz="2000" dirty="0" smtClean="0"/>
+              <a:t>GATE </a:t>
+            </a:r>
+            <a:r>
+              <a:rPr lang="ko-KR" altLang="en-US" sz="2000" dirty="0" smtClean="0"/>
+              <a:t>와 연결이 되므로 </a:t>
+            </a:r>
+            <a:r>
+              <a:rPr lang="en-US" altLang="ko-KR" sz="2000" dirty="0" smtClean="0"/>
+              <a:t>S-D </a:t>
+            </a:r>
+            <a:r>
+              <a:rPr lang="ko-KR" altLang="en-US" sz="2000" dirty="0" smtClean="0"/>
+              <a:t>간 전류가 흐르지 않게 됩니다</a:t>
+            </a:r>
+            <a:r>
+              <a:rPr lang="en-US" altLang="ko-KR" sz="2000" dirty="0" smtClean="0"/>
+              <a:t>. </a:t>
+            </a:r>
+            <a:r>
+              <a:rPr lang="ko-KR" altLang="en-US" sz="2000" dirty="0" smtClean="0"/>
+              <a:t>반대로 스위치가 </a:t>
+            </a:r>
+            <a:r>
+              <a:rPr lang="en-US" altLang="ko-KR" sz="2000" dirty="0" smtClean="0"/>
+              <a:t>ON </a:t>
+            </a:r>
+            <a:r>
+              <a:rPr lang="ko-KR" altLang="en-US" sz="2000" dirty="0" smtClean="0"/>
+              <a:t>되면</a:t>
+            </a:r>
+            <a:r>
+              <a:rPr lang="en-US" altLang="ko-KR" sz="2000" dirty="0" smtClean="0"/>
+              <a:t>(2-1) </a:t>
+            </a:r>
+          </a:p>
+          <a:p>
+            <a:r>
+              <a:rPr lang="en-US" altLang="ko-KR" sz="2000" dirty="0" smtClean="0"/>
+              <a:t>GATE</a:t>
+            </a:r>
+            <a:r>
+              <a:rPr lang="ko-KR" altLang="en-US" sz="2000" dirty="0" smtClean="0"/>
+              <a:t>는 </a:t>
+            </a:r>
+            <a:r>
+              <a:rPr lang="en-US" altLang="ko-KR" sz="2000" dirty="0" smtClean="0"/>
+              <a:t>GND </a:t>
+            </a:r>
+            <a:r>
+              <a:rPr lang="ko-KR" altLang="en-US" sz="2000" dirty="0" smtClean="0"/>
+              <a:t>로 연결되어 </a:t>
+            </a:r>
+            <a:r>
+              <a:rPr lang="en-US" altLang="ko-KR" sz="2000" dirty="0" smtClean="0"/>
+              <a:t>S-D </a:t>
+            </a:r>
+            <a:r>
+              <a:rPr lang="ko-KR" altLang="en-US" sz="2000" dirty="0" smtClean="0"/>
+              <a:t>간 전류가 흐르게 됩니다</a:t>
+            </a:r>
+            <a:r>
+              <a:rPr lang="en-US" altLang="ko-KR" sz="2000" dirty="0" smtClean="0"/>
+              <a:t>.</a:t>
+            </a:r>
+            <a:endParaRPr lang="en-US" altLang="ko-KR" sz="1600" dirty="0" smtClean="0"/>
+          </a:p>
+        </p:txBody>
+      </p:sp>
+      <p:pic>
+        <p:nvPicPr>
+          <p:cNvPr id="8194" name="Picture 2"/>
+          <p:cNvPicPr>
+            <a:picLocks noChangeAspect="1" noChangeArrowheads="1"/>
+          </p:cNvPicPr>
+          <p:nvPr/>
+        </p:nvPicPr>
+        <p:blipFill>
+          <a:blip r:embed="rId2" cstate="print"/>
+          <a:srcRect/>
+          <a:stretch>
+            <a:fillRect/>
+          </a:stretch>
+        </p:blipFill>
+        <p:spPr bwMode="auto">
+          <a:xfrm>
+            <a:off x="755576" y="1628800"/>
+            <a:ext cx="2989240" cy="3535660"/>
+          </a:xfrm>
+          <a:prstGeom prst="rect">
+            <a:avLst/>
+          </a:prstGeom>
+          <a:noFill/>
+          <a:ln w="9525">
+            <a:noFill/>
+            <a:miter lim="800000"/>
+            <a:headEnd/>
+            <a:tailEnd/>
+          </a:ln>
+        </p:spPr>
+      </p:pic>
+    </p:spTree>
+  </p:cSld>
+  <p:clrMapOvr>
+    <a:masterClrMapping/>
+  </p:clrMapOvr>
+</p:sld>
+</file>
+
+<file path=ppt/slides/slide32.xml><?xml version="1.0" encoding="utf-8"?>
+<p:sld xmlns:a="http://schemas.openxmlformats.org/drawingml/2006/main" xmlns:r="http://schemas.openxmlformats.org/officeDocument/2006/relationships" xmlns:p="http://schemas.openxmlformats.org/presentationml/2006/main">
+  <p:cSld>
+    <p:spTree>
+      <p:nvGrpSpPr>
+        <p:cNvPr id="1" name=""/>
+        <p:cNvGrpSpPr/>
+        <p:nvPr/>
+      </p:nvGrpSpPr>
+      <p:grpSpPr>
+        <a:xfrm>
+          <a:off x="0" y="0"/>
+          <a:ext cx="0" cy="0"/>
+          <a:chOff x="0" y="0"/>
+          <a:chExt cx="0" cy="0"/>
+        </a:xfrm>
+      </p:grpSpPr>
+      <p:sp>
+        <p:nvSpPr>
+          <p:cNvPr id="3" name="제목 2"/>
+          <p:cNvSpPr>
+            <a:spLocks noGrp="1"/>
+          </p:cNvSpPr>
+          <p:nvPr>
+            <p:ph type="title"/>
+          </p:nvPr>
+        </p:nvSpPr>
+        <p:spPr/>
+        <p:txBody>
+          <a:bodyPr>
+            <a:normAutofit/>
+          </a:bodyPr>
+          <a:lstStyle/>
+          <a:p>
+            <a:r>
+              <a:rPr lang="en-US" altLang="ko-KR" dirty="0" smtClean="0"/>
+              <a:t>MOSFET</a:t>
+            </a:r>
+            <a:endParaRPr lang="ko-KR" altLang="en-US" dirty="0"/>
+          </a:p>
+        </p:txBody>
+      </p:sp>
+      <p:sp>
+        <p:nvSpPr>
+          <p:cNvPr id="4" name="내용 개체 틀 3"/>
+          <p:cNvSpPr>
+            <a:spLocks noGrp="1"/>
+          </p:cNvSpPr>
+          <p:nvPr>
+            <p:ph idx="1"/>
+          </p:nvPr>
+        </p:nvSpPr>
+        <p:spPr>
+          <a:xfrm>
+            <a:off x="4067944" y="1484784"/>
+            <a:ext cx="4618856" cy="4522507"/>
+          </a:xfrm>
+        </p:spPr>
+        <p:txBody>
+          <a:bodyPr>
             <a:normAutofit lnSpcReduction="10000"/>
           </a:bodyPr>
           <a:lstStyle/>
@@ -11490,15 +11977,7 @@
             </a:r>
             <a:r>
               <a:rPr lang="ko-KR" altLang="en-US" dirty="0" smtClean="0"/>
-              <a:t> 사용하는 주목적은 전류 측정을 위해서 </a:t>
-            </a:r>
-            <a:r>
-              <a:rPr lang="ko-KR" altLang="en-US" dirty="0" smtClean="0"/>
-              <a:t>인데 전류를 </a:t>
-            </a:r>
-            <a:r>
-              <a:rPr lang="ko-KR" altLang="en-US" dirty="0" smtClean="0"/>
-              <a:t>측정하는 방법으로 </a:t>
+              <a:t> 사용하는 주목적은 전류 측정을 위해서 인데 전류를 측정하는 방법으로 </a:t>
             </a:r>
             <a:r>
               <a:rPr lang="ko-KR" altLang="en-US" dirty="0" err="1" smtClean="0"/>
@@ -11506,15 +11985,7 @@
             </a:r>
             <a:r>
               <a:rPr lang="ko-KR" altLang="en-US" dirty="0" smtClean="0"/>
-              <a:t> 전선중간에 저항을 직렬로 </a:t>
-            </a:r>
-            <a:r>
-              <a:rPr lang="ko-KR" altLang="en-US" dirty="0" smtClean="0"/>
-              <a:t>넣고 저항에서 </a:t>
-            </a:r>
-            <a:r>
-              <a:rPr lang="ko-KR" altLang="en-US" dirty="0" smtClean="0"/>
-              <a:t>발생하는 전압을 측정하는 원리입니다</a:t>
+              <a:t> 전선중간에 저항을 직렬로 넣고 저항에서 발생하는 전압을 측정하는 원리입니다</a:t>
             </a:r>
             <a:r>
               <a:rPr lang="en-US" altLang="ko-KR" dirty="0" smtClean="0"/>
@@ -11565,11 +12036,7 @@
             </a:r>
             <a:r>
               <a:rPr lang="ko-KR" altLang="en-US" dirty="0" smtClean="0"/>
-              <a:t>라고 </a:t>
-            </a:r>
-            <a:r>
-              <a:rPr lang="ko-KR" altLang="en-US" dirty="0" smtClean="0"/>
-              <a:t>하면</a:t>
+              <a:t>라고 하면</a:t>
             </a:r>
             <a:endParaRPr lang="en-US" altLang="ko-KR" dirty="0" smtClean="0"/>
           </a:p>
@@ -11579,15 +12046,7 @@
             </a:pPr>
             <a:r>
               <a:rPr lang="en-US" altLang="ko-KR" dirty="0" smtClean="0"/>
-              <a:t> </a:t>
-            </a:r>
-            <a:r>
-              <a:rPr lang="en-US" altLang="ko-KR" dirty="0" smtClean="0"/>
-              <a:t>  I </a:t>
-            </a:r>
-            <a:r>
-              <a:rPr lang="en-US" altLang="ko-KR" dirty="0" smtClean="0"/>
-              <a:t>= V/R = 0.02V/0.001</a:t>
+              <a:t>   I = V/R = 0.02V/0.001</a:t>
             </a:r>
             <a:r>
               <a:rPr lang="ko-KR" altLang="en-US" dirty="0" smtClean="0"/>
@@ -11634,13 +12093,8 @@
             </a:pPr>
             <a:r>
               <a:rPr lang="en-US" altLang="ko-KR" dirty="0" smtClean="0"/>
-              <a:t>   P </a:t>
-            </a:r>
-            <a:r>
-              <a:rPr lang="en-US" altLang="ko-KR" dirty="0" smtClean="0"/>
-              <a:t>= V x I = 0.02 x 20 = 0.4W </a:t>
-            </a:r>
-            <a:endParaRPr lang="en-US" altLang="ko-KR" dirty="0" smtClean="0"/>
+              <a:t>   P = V x I = 0.02 x 20 = 0.4W </a:t>
+            </a:r>
           </a:p>
           <a:p>
             <a:pPr>
@@ -11648,11 +12102,7 @@
             </a:pPr>
             <a:r>
               <a:rPr lang="en-US" altLang="ko-KR" dirty="0" smtClean="0"/>
-              <a:t> </a:t>
-            </a:r>
-            <a:r>
-              <a:rPr lang="en-US" altLang="ko-KR" dirty="0" smtClean="0"/>
-              <a:t>  </a:t>
+              <a:t>   </a:t>
             </a:r>
             <a:r>
               <a:rPr lang="ko-KR" altLang="en-US" dirty="0" smtClean="0"/>
@@ -11699,11 +12149,7 @@
             </a:r>
             <a:r>
               <a:rPr lang="en-US" altLang="ko-KR" smtClean="0"/>
-              <a:t>- </a:t>
-            </a:r>
-            <a:r>
-              <a:rPr lang="en-US" altLang="ko-KR" smtClean="0"/>
-              <a:t>shunt</a:t>
+              <a:t>- shunt</a:t>
             </a:r>
             <a:endParaRPr lang="ko-KR" altLang="en-US" dirty="0"/>
           </a:p>
@@ -11889,6 +12335,124 @@
       </p:grpSpPr>
       <p:sp>
         <p:nvSpPr>
+          <p:cNvPr id="2" name="내용 개체 틀 1"/>
+          <p:cNvSpPr>
+            <a:spLocks noGrp="1"/>
+          </p:cNvSpPr>
+          <p:nvPr>
+            <p:ph idx="1"/>
+          </p:nvPr>
+        </p:nvSpPr>
+        <p:spPr/>
+        <p:txBody>
+          <a:bodyPr/>
+          <a:lstStyle/>
+          <a:p>
+            <a:r>
+              <a:rPr lang="ko-KR" altLang="en-US" dirty="0" err="1" smtClean="0"/>
+              <a:t>적층</a:t>
+            </a:r>
+            <a:r>
+              <a:rPr lang="ko-KR" altLang="en-US" dirty="0" smtClean="0"/>
+              <a:t> 세라믹 콘덴서：</a:t>
+            </a:r>
+            <a:r>
+              <a:rPr lang="en-US" altLang="ko-KR" dirty="0" smtClean="0"/>
+              <a:t>MLCC (Monolithic Ceramic Chip Capacitors)</a:t>
+            </a:r>
+            <a:r>
+              <a:rPr lang="ko-KR" altLang="en-US" dirty="0" smtClean="0"/>
+              <a:t>란 세라믹스의 유전체와 금속 전극을 다층화</a:t>
+            </a:r>
+            <a:r>
+              <a:rPr lang="en-US" altLang="ko-KR" dirty="0" smtClean="0"/>
+              <a:t>(</a:t>
+            </a:r>
+            <a:r>
+              <a:rPr lang="ko-KR" altLang="en-US" dirty="0" err="1" smtClean="0"/>
+              <a:t>적층</a:t>
+            </a:r>
+            <a:r>
+              <a:rPr lang="en-US" altLang="ko-KR" dirty="0" smtClean="0"/>
+              <a:t>) </a:t>
+            </a:r>
+            <a:r>
+              <a:rPr lang="ko-KR" altLang="en-US" dirty="0" smtClean="0"/>
+              <a:t>함으로써 소형</a:t>
+            </a:r>
+            <a:r>
+              <a:rPr lang="en-US" altLang="ko-KR" dirty="0" smtClean="0"/>
+              <a:t>·</a:t>
+            </a:r>
+            <a:r>
+              <a:rPr lang="ko-KR" altLang="en-US" dirty="0" smtClean="0"/>
+              <a:t>대용량화를 구현한 </a:t>
+            </a:r>
+            <a:r>
+              <a:rPr lang="ko-KR" altLang="en-US" dirty="0" err="1" smtClean="0"/>
+              <a:t>칩형</a:t>
+            </a:r>
+            <a:r>
+              <a:rPr lang="ko-KR" altLang="en-US" dirty="0" smtClean="0"/>
+              <a:t> 콘덴서입니다</a:t>
+            </a:r>
+            <a:r>
+              <a:rPr lang="en-US" altLang="ko-KR" dirty="0" smtClean="0"/>
+              <a:t>. </a:t>
+            </a:r>
+            <a:endParaRPr lang="en-US" altLang="ko-KR" dirty="0" smtClean="0"/>
+          </a:p>
+          <a:p>
+            <a:r>
+              <a:rPr lang="ko-KR" altLang="en-US" dirty="0" smtClean="0"/>
+              <a:t>잡음을 </a:t>
+            </a:r>
+            <a:r>
+              <a:rPr lang="ko-KR" altLang="en-US" dirty="0" smtClean="0"/>
+              <a:t>억제할 목적이나 회로 상수를 설정할 목적 등으로 대부분의 전자 기반에 탑재되고 있습니다</a:t>
+            </a:r>
+            <a:r>
+              <a:rPr lang="en-US" altLang="ko-KR" dirty="0" smtClean="0"/>
+              <a:t>. </a:t>
+            </a:r>
+            <a:r>
+              <a:rPr lang="ko-KR" altLang="en-US" dirty="0" smtClean="0"/>
+              <a:t>예를 들면</a:t>
+            </a:r>
+            <a:r>
+              <a:rPr lang="en-US" altLang="ko-KR" dirty="0" smtClean="0"/>
+              <a:t>, </a:t>
+            </a:r>
+            <a:r>
+              <a:rPr lang="ko-KR" altLang="en-US" dirty="0" smtClean="0"/>
+              <a:t>휴대 전화기 </a:t>
+            </a:r>
+            <a:r>
+              <a:rPr lang="en-US" altLang="ko-KR" dirty="0" smtClean="0"/>
+              <a:t>1</a:t>
+            </a:r>
+            <a:r>
+              <a:rPr lang="ko-KR" altLang="en-US" dirty="0" smtClean="0"/>
+              <a:t>대당 탑재 개수는 </a:t>
+            </a:r>
+            <a:r>
+              <a:rPr lang="en-US" altLang="ko-KR" dirty="0" smtClean="0"/>
+              <a:t>100~300</a:t>
+            </a:r>
+            <a:r>
+              <a:rPr lang="ko-KR" altLang="en-US" dirty="0" smtClean="0"/>
+              <a:t>개입니다</a:t>
+            </a:r>
+            <a:r>
+              <a:rPr lang="en-US" altLang="ko-KR" dirty="0" smtClean="0"/>
+              <a:t>.</a:t>
+            </a:r>
+            <a:endParaRPr lang="ko-KR" altLang="en-US" dirty="0"/>
+          </a:p>
+        </p:txBody>
+      </p:sp>
+      <p:sp>
+        <p:nvSpPr>
           <p:cNvPr id="3" name="제목 2"/>
           <p:cNvSpPr>
             <a:spLocks noGrp="1"/>
@@ -11899,242 +12463,14 @@
         </p:nvSpPr>
         <p:spPr/>
         <p:txBody>
-          <a:bodyPr>
-            <a:normAutofit/>
-          </a:bodyPr>
+          <a:bodyPr/>
           <a:lstStyle/>
           <a:p>
             <a:r>
               <a:rPr lang="en-US" altLang="ko-KR" dirty="0" smtClean="0"/>
-              <a:t>Transistor –</a:t>
-            </a:r>
-            <a:r>
-              <a:rPr lang="ko-KR" altLang="en-US" dirty="0" smtClean="0"/>
-              <a:t> </a:t>
-            </a:r>
-            <a:r>
-              <a:rPr lang="ko-KR" altLang="en-US" dirty="0" err="1" smtClean="0"/>
-              <a:t>설계시</a:t>
-            </a:r>
-            <a:r>
-              <a:rPr lang="ko-KR" altLang="en-US" dirty="0" smtClean="0"/>
-              <a:t> 유의사항</a:t>
+              <a:t>Capacitor - MLCC</a:t>
             </a:r>
             <a:endParaRPr lang="ko-KR" altLang="en-US" dirty="0"/>
-          </a:p>
-        </p:txBody>
-      </p:sp>
-      <p:sp>
-        <p:nvSpPr>
-          <p:cNvPr id="6" name="내용 개체 틀 5"/>
-          <p:cNvSpPr>
-            <a:spLocks noGrp="1"/>
-          </p:cNvSpPr>
-          <p:nvPr>
-            <p:ph idx="1"/>
-          </p:nvPr>
-        </p:nvSpPr>
-        <p:spPr/>
-        <p:txBody>
-          <a:bodyPr>
-            <a:normAutofit fontScale="92500"/>
-          </a:bodyPr>
-          <a:lstStyle/>
-          <a:p>
-            <a:r>
-              <a:rPr lang="ko-KR" altLang="en-US" dirty="0" smtClean="0"/>
-              <a:t>몇 볼트까지 사용할 것인가</a:t>
-            </a:r>
-            <a:r>
-              <a:rPr lang="en-US" altLang="ko-KR" dirty="0" smtClean="0"/>
-              <a:t>?</a:t>
-            </a:r>
-          </a:p>
-          <a:p>
-            <a:pPr lvl="1"/>
-            <a:r>
-              <a:rPr lang="ko-KR" altLang="en-US" sz="2200" dirty="0" err="1" smtClean="0"/>
-              <a:t>컬렉터</a:t>
-            </a:r>
-            <a:r>
-              <a:rPr lang="en-US" altLang="ko-KR" sz="2200" dirty="0" smtClean="0"/>
-              <a:t>·</a:t>
-            </a:r>
-            <a:r>
-              <a:rPr lang="ko-KR" altLang="en-US" sz="2200" dirty="0" err="1" smtClean="0"/>
-              <a:t>이미터간</a:t>
-            </a:r>
-            <a:r>
-              <a:rPr lang="ko-KR" altLang="en-US" sz="2200" dirty="0" smtClean="0"/>
-              <a:t> 최대정격전압（</a:t>
-            </a:r>
-            <a:r>
-              <a:rPr lang="en-US" altLang="ko-KR" sz="2200" dirty="0" err="1" smtClean="0"/>
-              <a:t>Vceo</a:t>
-            </a:r>
-            <a:r>
-              <a:rPr lang="en-US" altLang="ko-KR" sz="2200" dirty="0" smtClean="0"/>
-              <a:t>)</a:t>
-            </a:r>
-            <a:r>
-              <a:rPr lang="ko-KR" altLang="en-US" sz="2200" dirty="0" smtClean="0"/>
-              <a:t>를 기준으로 하며 실제로는 이것의 </a:t>
-            </a:r>
-            <a:r>
-              <a:rPr lang="en-US" altLang="ko-KR" sz="2200" dirty="0" smtClean="0"/>
-              <a:t>1/2 </a:t>
-            </a:r>
-            <a:r>
-              <a:rPr lang="ko-KR" altLang="en-US" sz="2200" dirty="0" smtClean="0"/>
-              <a:t>이하의 전압에서 사용하는 것이 좋습니다</a:t>
-            </a:r>
-            <a:r>
-              <a:rPr lang="en-US" altLang="ko-KR" sz="2200" dirty="0" smtClean="0"/>
-              <a:t>.</a:t>
-            </a:r>
-          </a:p>
-          <a:p>
-            <a:pPr lvl="1"/>
-            <a:endParaRPr lang="en-US" altLang="ko-KR" sz="2400" dirty="0" smtClean="0"/>
-          </a:p>
-          <a:p>
-            <a:r>
-              <a:rPr lang="ko-KR" altLang="en-US" dirty="0" smtClean="0"/>
-              <a:t>몇 암페어까지 흐르게 할 것인가</a:t>
-            </a:r>
-            <a:r>
-              <a:rPr lang="en-US" altLang="ko-KR" dirty="0" smtClean="0"/>
-              <a:t>?</a:t>
-            </a:r>
-          </a:p>
-          <a:p>
-            <a:pPr lvl="1"/>
-            <a:r>
-              <a:rPr lang="ko-KR" altLang="en-US" sz="2200" dirty="0" smtClean="0"/>
-              <a:t>이것은 ２가지 관점에서 생각해야 합니다</a:t>
-            </a:r>
-            <a:r>
-              <a:rPr lang="en-US" altLang="ko-KR" sz="2200" dirty="0" smtClean="0"/>
-              <a:t>.</a:t>
-            </a:r>
-          </a:p>
-          <a:p>
-            <a:pPr lvl="1"/>
-            <a:r>
-              <a:rPr lang="ko-KR" altLang="en-US" sz="2200" dirty="0" smtClean="0"/>
-              <a:t>먼저 </a:t>
-            </a:r>
-            <a:r>
-              <a:rPr lang="ko-KR" altLang="en-US" sz="2200" dirty="0" err="1" smtClean="0"/>
-              <a:t>컬렉터</a:t>
-            </a:r>
-            <a:r>
-              <a:rPr lang="ko-KR" altLang="en-US" sz="2200" dirty="0" smtClean="0"/>
-              <a:t> 최대정격전류（</a:t>
-            </a:r>
-            <a:r>
-              <a:rPr lang="en-US" altLang="ko-KR" sz="2200" dirty="0" err="1" smtClean="0"/>
-              <a:t>Ic</a:t>
-            </a:r>
-            <a:r>
-              <a:rPr lang="en-US" altLang="ko-KR" sz="2200" dirty="0" smtClean="0"/>
-              <a:t>)</a:t>
-            </a:r>
-            <a:r>
-              <a:rPr lang="ko-KR" altLang="en-US" sz="2200" dirty="0" smtClean="0"/>
-              <a:t>를 초과해서는 안되며 실제 사용시에는 </a:t>
-            </a:r>
-            <a:r>
-              <a:rPr lang="en-US" altLang="ko-KR" sz="2200" dirty="0" smtClean="0"/>
-              <a:t>1/2 </a:t>
-            </a:r>
-            <a:r>
-              <a:rPr lang="ko-KR" altLang="en-US" sz="2200" dirty="0" smtClean="0"/>
-              <a:t>이하에서 사용해야 합니다</a:t>
-            </a:r>
-            <a:r>
-              <a:rPr lang="en-US" altLang="ko-KR" sz="2200" dirty="0" smtClean="0"/>
-              <a:t>.</a:t>
-            </a:r>
-          </a:p>
-          <a:p>
-            <a:pPr lvl="1"/>
-            <a:r>
-              <a:rPr lang="ko-KR" altLang="en-US" sz="2200" dirty="0" smtClean="0"/>
-              <a:t>또 하나는 </a:t>
-            </a:r>
-            <a:r>
-              <a:rPr lang="ko-KR" altLang="en-US" sz="2200" dirty="0" err="1" smtClean="0"/>
-              <a:t>콜렉터</a:t>
-            </a:r>
-            <a:r>
-              <a:rPr lang="ko-KR" altLang="en-US" sz="2200" dirty="0" smtClean="0"/>
-              <a:t> 손실</a:t>
-            </a:r>
-            <a:r>
-              <a:rPr lang="en-US" altLang="ko-KR" sz="2200" dirty="0" smtClean="0"/>
-              <a:t>(Pc)</a:t>
-            </a:r>
-            <a:r>
-              <a:rPr lang="ko-KR" altLang="en-US" sz="2200" dirty="0" smtClean="0"/>
-              <a:t>을 기준으로 최대 전력을 초과하여 사용하지 않도록 하는 것입니다</a:t>
-            </a:r>
-            <a:r>
-              <a:rPr lang="en-US" altLang="ko-KR" sz="2200" dirty="0" smtClean="0"/>
-              <a:t>. </a:t>
-            </a:r>
-            <a:r>
-              <a:rPr lang="ko-KR" altLang="en-US" sz="2200" dirty="0" smtClean="0"/>
-              <a:t>이것의 사용전압 </a:t>
-            </a:r>
-            <a:r>
-              <a:rPr lang="en-US" altLang="ko-KR" sz="2200" dirty="0" smtClean="0"/>
-              <a:t>× </a:t>
-            </a:r>
-            <a:r>
-              <a:rPr lang="ko-KR" altLang="en-US" sz="2200" dirty="0" smtClean="0"/>
-              <a:t>전류로 계산하여 역시 </a:t>
-            </a:r>
-            <a:r>
-              <a:rPr lang="en-US" altLang="ko-KR" sz="2200" dirty="0" smtClean="0"/>
-              <a:t>1/2 </a:t>
-            </a:r>
-            <a:r>
-              <a:rPr lang="ko-KR" altLang="en-US" sz="2200" dirty="0" smtClean="0"/>
-              <a:t>이하에서 사용해야 합니다</a:t>
-            </a:r>
-            <a:r>
-              <a:rPr lang="en-US" altLang="ko-KR" sz="2200" dirty="0" smtClean="0"/>
-              <a:t>.</a:t>
-            </a:r>
-          </a:p>
-          <a:p>
-            <a:pPr lvl="1"/>
-            <a:r>
-              <a:rPr lang="ko-KR" altLang="en-US" sz="2200" dirty="0" smtClean="0"/>
-              <a:t>그러나 이것은 </a:t>
-            </a:r>
-            <a:r>
-              <a:rPr lang="ko-KR" altLang="en-US" sz="2200" dirty="0" err="1" smtClean="0"/>
-              <a:t>방열판의</a:t>
-            </a:r>
-            <a:r>
-              <a:rPr lang="ko-KR" altLang="en-US" sz="2200" dirty="0" smtClean="0"/>
-              <a:t> 유무와 주위 온도에 따라 큰 차이가 있으므로 데이터 </a:t>
-            </a:r>
-            <a:r>
-              <a:rPr lang="ko-KR" altLang="en-US" sz="2200" dirty="0" err="1" smtClean="0"/>
-              <a:t>쉬트를</a:t>
-            </a:r>
-            <a:r>
-              <a:rPr lang="ko-KR" altLang="en-US" sz="2200" dirty="0" smtClean="0"/>
-              <a:t> 확인하는 것이 좋습니다</a:t>
-            </a:r>
-            <a:r>
-              <a:rPr lang="en-US" altLang="ko-KR" sz="2200" dirty="0" smtClean="0"/>
-              <a:t>.</a:t>
-            </a:r>
-            <a:endParaRPr lang="ko-KR" altLang="en-US" sz="2200" dirty="0"/>
           </a:p>
         </p:txBody>
       </p:sp>
@@ -12175,178 +12511,51 @@
         </p:nvSpPr>
         <p:spPr/>
         <p:txBody>
-          <a:bodyPr>
-            <a:normAutofit/>
-          </a:bodyPr>
+          <a:bodyPr/>
           <a:lstStyle/>
           <a:p>
             <a:r>
               <a:rPr lang="en-US" altLang="ko-KR" dirty="0" smtClean="0"/>
-              <a:t>Transistor –</a:t>
-            </a:r>
-            <a:r>
-              <a:rPr lang="ko-KR" altLang="en-US" dirty="0" smtClean="0"/>
-              <a:t> </a:t>
-            </a:r>
-            <a:r>
-              <a:rPr lang="ko-KR" altLang="en-US" dirty="0" err="1" smtClean="0"/>
-              <a:t>설계시</a:t>
-            </a:r>
-            <a:r>
-              <a:rPr lang="ko-KR" altLang="en-US" dirty="0" smtClean="0"/>
-              <a:t> 유의사항</a:t>
+              <a:t>Capacitor - MLCC</a:t>
             </a:r>
             <a:endParaRPr lang="ko-KR" altLang="en-US" dirty="0"/>
           </a:p>
         </p:txBody>
       </p:sp>
-      <p:sp>
-        <p:nvSpPr>
-          <p:cNvPr id="6" name="내용 개체 틀 5"/>
-          <p:cNvSpPr>
-            <a:spLocks noGrp="1"/>
-          </p:cNvSpPr>
+      <p:pic>
+        <p:nvPicPr>
+          <p:cNvPr id="1026" name="Picture 2"/>
+          <p:cNvPicPr>
+            <a:picLocks noGrp="1" noChangeAspect="1" noChangeArrowheads="1"/>
+          </p:cNvPicPr>
           <p:nvPr>
             <p:ph idx="1"/>
           </p:nvPr>
-        </p:nvSpPr>
-        <p:spPr/>
-        <p:txBody>
-          <a:bodyPr>
-            <a:normAutofit/>
-          </a:bodyPr>
-          <a:lstStyle/>
-          <a:p>
-            <a:r>
-              <a:rPr lang="ko-KR" altLang="en-US" dirty="0" smtClean="0"/>
-              <a:t>증폭률을 얼마로 사용할 것인가</a:t>
-            </a:r>
-            <a:r>
-              <a:rPr lang="en-US" altLang="ko-KR" dirty="0" smtClean="0"/>
-              <a:t>?</a:t>
-            </a:r>
-          </a:p>
-          <a:p>
-            <a:pPr lvl="1"/>
-            <a:r>
-              <a:rPr lang="ko-KR" altLang="en-US" sz="2000" dirty="0" err="1" smtClean="0"/>
-              <a:t>직류전류증폭율</a:t>
-            </a:r>
-            <a:r>
-              <a:rPr lang="en-US" altLang="ko-KR" sz="2000" dirty="0" smtClean="0"/>
-              <a:t>(</a:t>
-            </a:r>
-            <a:r>
-              <a:rPr lang="en-US" altLang="ko-KR" sz="2000" dirty="0" err="1" smtClean="0"/>
-              <a:t>hfe</a:t>
-            </a:r>
-            <a:r>
-              <a:rPr lang="en-US" altLang="ko-KR" sz="2000" dirty="0" smtClean="0"/>
-              <a:t>)</a:t>
-            </a:r>
-            <a:r>
-              <a:rPr lang="ko-KR" altLang="en-US" sz="2000" dirty="0" smtClean="0"/>
-              <a:t>로 단순하게 입력전류의 몇 배가 되어 출력되는지 계산하면 되지만 트랜지스터마다 편차가 있으므로 최소값을 기준으로 해야 합니다</a:t>
-            </a:r>
-            <a:r>
-              <a:rPr lang="en-US" altLang="ko-KR" sz="2000" dirty="0" smtClean="0"/>
-              <a:t>.</a:t>
-            </a:r>
-            <a:endParaRPr lang="en-US" altLang="ko-KR" sz="4000" dirty="0" smtClean="0"/>
-          </a:p>
-          <a:p>
-            <a:pPr lvl="1"/>
-            <a:endParaRPr lang="en-US" altLang="ko-KR" sz="2400" dirty="0" smtClean="0"/>
-          </a:p>
-          <a:p>
-            <a:r>
-              <a:rPr lang="ko-KR" altLang="en-US" dirty="0" err="1" smtClean="0"/>
-              <a:t>어느정도의</a:t>
-            </a:r>
-            <a:r>
-              <a:rPr lang="ko-KR" altLang="en-US" dirty="0" smtClean="0"/>
-              <a:t> 주파수까지 증폭할 것인가</a:t>
-            </a:r>
-            <a:r>
-              <a:rPr lang="en-US" altLang="ko-KR" dirty="0" smtClean="0"/>
-              <a:t>?</a:t>
-            </a:r>
-          </a:p>
-          <a:p>
-            <a:pPr lvl="1"/>
-            <a:r>
-              <a:rPr lang="ko-KR" altLang="en-US" sz="2000" dirty="0" smtClean="0"/>
-              <a:t>이것은 이득 대역폭 </a:t>
-            </a:r>
-            <a:r>
-              <a:rPr lang="en-US" altLang="ko-KR" sz="2000" dirty="0" smtClean="0"/>
-              <a:t>(</a:t>
-            </a:r>
-            <a:r>
-              <a:rPr lang="en-US" altLang="ko-KR" sz="2000" dirty="0" err="1" smtClean="0"/>
-              <a:t>f</a:t>
-            </a:r>
-            <a:r>
-              <a:rPr lang="en-US" altLang="ko-KR" sz="1100" dirty="0" err="1" smtClean="0"/>
-              <a:t>T</a:t>
-            </a:r>
-            <a:r>
-              <a:rPr lang="en-US" altLang="ko-KR" sz="2000" dirty="0" smtClean="0"/>
-              <a:t>)</a:t>
-            </a:r>
-            <a:r>
-              <a:rPr lang="ko-KR" altLang="en-US" sz="2000" dirty="0" smtClean="0"/>
-              <a:t>을 기준으로 하여 다음과 같이 산출 합니다</a:t>
-            </a:r>
-            <a:r>
-              <a:rPr lang="en-US" altLang="ko-KR" sz="2000" dirty="0" smtClean="0"/>
-              <a:t>.</a:t>
-            </a:r>
-          </a:p>
-          <a:p>
-            <a:pPr lvl="1"/>
-            <a:r>
-              <a:rPr lang="ko-KR" altLang="en-US" sz="2000" dirty="0" smtClean="0"/>
-              <a:t>사용 가능한 주파수 ＝ 이득 대역폭</a:t>
-            </a:r>
-            <a:r>
-              <a:rPr lang="en-US" altLang="ko-KR" sz="2000" dirty="0" smtClean="0"/>
-              <a:t>(</a:t>
-            </a:r>
-            <a:r>
-              <a:rPr lang="en-US" altLang="ko-KR" sz="2000" dirty="0" err="1" smtClean="0"/>
-              <a:t>f</a:t>
-            </a:r>
-            <a:r>
-              <a:rPr lang="en-US" altLang="ko-KR" sz="1100" dirty="0" err="1" smtClean="0"/>
-              <a:t>T</a:t>
-            </a:r>
-            <a:r>
-              <a:rPr lang="en-US" altLang="ko-KR" sz="2000" dirty="0" smtClean="0"/>
-              <a:t>) ÷ </a:t>
-            </a:r>
-            <a:r>
-              <a:rPr lang="ko-KR" altLang="en-US" sz="2000" dirty="0" smtClean="0"/>
-              <a:t>직류 전류 증폭 율</a:t>
-            </a:r>
-            <a:r>
-              <a:rPr lang="en-US" altLang="ko-KR" sz="2000" dirty="0" smtClean="0"/>
-              <a:t>(</a:t>
-            </a:r>
-            <a:r>
-              <a:rPr lang="en-US" altLang="ko-KR" sz="2000" dirty="0" err="1" smtClean="0"/>
-              <a:t>hfe</a:t>
-            </a:r>
-            <a:r>
-              <a:rPr lang="en-US" altLang="ko-KR" sz="2000" dirty="0" smtClean="0"/>
-              <a:t>)</a:t>
-            </a:r>
-          </a:p>
-          <a:p>
-            <a:endParaRPr lang="ko-KR" altLang="en-US" dirty="0"/>
-          </a:p>
-        </p:txBody>
-      </p:sp>
+        </p:nvPicPr>
+        <p:blipFill>
+          <a:blip r:embed="rId2" cstate="print"/>
+          <a:srcRect/>
+          <a:stretch>
+            <a:fillRect/>
+          </a:stretch>
+        </p:blipFill>
+        <p:spPr bwMode="auto">
+          <a:xfrm>
+            <a:off x="788670" y="1629569"/>
+            <a:ext cx="7566660" cy="4229100"/>
+          </a:xfrm>
+          <a:prstGeom prst="rect">
+            <a:avLst/>
+          </a:prstGeom>
+          <a:noFill/>
+          <a:ln w="9525">
+            <a:noFill/>
+            <a:miter lim="800000"/>
+            <a:headEnd/>
+            <a:tailEnd/>
+          </a:ln>
+        </p:spPr>
+      </p:pic>
     </p:spTree>
   </p:cSld>
   <p:clrMapOvr>
